--- a/midi/docs/ppt/midi_introduction.pptx
+++ b/midi/docs/ppt/midi_introduction.pptx
@@ -3181,6 +3181,14 @@
             <a:pPr lvl="1"/>
             <a:r>
               <a:rPr lang="zh-CN" altLang="en-US" dirty="0" smtClean="0"/>
+              <a:t>计算机＋程序员＋音乐家创作音乐；</a:t>
+            </a:r>
+            <a:endParaRPr lang="en-US" altLang="zh-CN" dirty="0" smtClean="0"/>
+          </a:p>
+          <a:p>
+            <a:pPr lvl="1"/>
+            <a:r>
+              <a:rPr lang="zh-CN" altLang="en-US" dirty="0" smtClean="0"/>
               <a:t>计算机数字化和</a:t>
             </a:r>
             <a:r>
@@ -3188,16 +3196,8 @@
               <a:t>MIDI</a:t>
             </a:r>
             <a:r>
-              <a:rPr lang="zh-CN" altLang="en-US" dirty="0" smtClean="0"/>
+              <a:rPr lang="zh-CN" altLang="en-US" smtClean="0"/>
               <a:t>音乐；</a:t>
-            </a:r>
-            <a:endParaRPr lang="en-US" altLang="zh-CN" dirty="0" smtClean="0"/>
-          </a:p>
-          <a:p>
-            <a:pPr lvl="1"/>
-            <a:r>
-              <a:rPr lang="zh-CN" altLang="en-US" dirty="0" smtClean="0"/>
-              <a:t>计算机＋程序员＋音乐家创作音乐；</a:t>
             </a:r>
             <a:endParaRPr lang="en-US" altLang="zh-CN" dirty="0" smtClean="0"/>
           </a:p>

--- a/midi/docs/ppt/midi_introduction.pptx
+++ b/midi/docs/ppt/midi_introduction.pptx
@@ -4,11 +4,21 @@
   <p:sldMasterIdLst>
     <p:sldMasterId id="2147483648" r:id="rId1"/>
   </p:sldMasterIdLst>
+  <p:notesMasterIdLst>
+    <p:notesMasterId r:id="rId13"/>
+  </p:notesMasterIdLst>
   <p:sldIdLst>
     <p:sldId id="256" r:id="rId2"/>
     <p:sldId id="257" r:id="rId3"/>
     <p:sldId id="258" r:id="rId4"/>
     <p:sldId id="259" r:id="rId5"/>
+    <p:sldId id="260" r:id="rId6"/>
+    <p:sldId id="262" r:id="rId7"/>
+    <p:sldId id="263" r:id="rId8"/>
+    <p:sldId id="264" r:id="rId9"/>
+    <p:sldId id="265" r:id="rId10"/>
+    <p:sldId id="266" r:id="rId11"/>
+    <p:sldId id="267" r:id="rId12"/>
   </p:sldIdLst>
   <p:sldSz cx="12192000" cy="6858000"/>
   <p:notesSz cx="6858000" cy="9144000"/>
@@ -108,6 +118,356 @@
     </a:lvl9pPr>
   </p:defaultTextStyle>
 </p:presentation>
+</file>
+
+<file path=ppt/notesMasters/notesMaster1.xml><?xml version="1.0" encoding="utf-8"?>
+<p:notesMaster xmlns:a="http://schemas.openxmlformats.org/drawingml/2006/main" xmlns:r="http://schemas.openxmlformats.org/officeDocument/2006/relationships" xmlns:p="http://schemas.openxmlformats.org/presentationml/2006/main">
+  <p:cSld>
+    <p:bg>
+      <p:bgRef idx="1001">
+        <a:schemeClr val="bg1"/>
+      </p:bgRef>
+    </p:bg>
+    <p:spTree>
+      <p:nvGrpSpPr>
+        <p:cNvPr id="1" name=""/>
+        <p:cNvGrpSpPr/>
+        <p:nvPr/>
+      </p:nvGrpSpPr>
+      <p:grpSpPr>
+        <a:xfrm>
+          <a:off x="0" y="0"/>
+          <a:ext cx="0" cy="0"/>
+          <a:chOff x="0" y="0"/>
+          <a:chExt cx="0" cy="0"/>
+        </a:xfrm>
+      </p:grpSpPr>
+      <p:sp>
+        <p:nvSpPr>
+          <p:cNvPr id="2" name="Header Placeholder 1"/>
+          <p:cNvSpPr>
+            <a:spLocks noGrp="1"/>
+          </p:cNvSpPr>
+          <p:nvPr>
+            <p:ph type="hdr" sz="quarter"/>
+          </p:nvPr>
+        </p:nvSpPr>
+        <p:spPr>
+          <a:xfrm>
+            <a:off x="0" y="0"/>
+            <a:ext cx="2971800" cy="458788"/>
+          </a:xfrm>
+          <a:prstGeom prst="rect">
+            <a:avLst/>
+          </a:prstGeom>
+        </p:spPr>
+        <p:txBody>
+          <a:bodyPr vert="horz" lIns="91440" tIns="45720" rIns="91440" bIns="45720" rtlCol="0"/>
+          <a:lstStyle>
+            <a:lvl1pPr algn="l">
+              <a:defRPr sz="1200"/>
+            </a:lvl1pPr>
+          </a:lstStyle>
+          <a:p>
+            <a:endParaRPr lang="en-US"/>
+          </a:p>
+        </p:txBody>
+      </p:sp>
+      <p:sp>
+        <p:nvSpPr>
+          <p:cNvPr id="3" name="Date Placeholder 2"/>
+          <p:cNvSpPr>
+            <a:spLocks noGrp="1"/>
+          </p:cNvSpPr>
+          <p:nvPr>
+            <p:ph type="dt" idx="1"/>
+          </p:nvPr>
+        </p:nvSpPr>
+        <p:spPr>
+          <a:xfrm>
+            <a:off x="3884613" y="0"/>
+            <a:ext cx="2971800" cy="458788"/>
+          </a:xfrm>
+          <a:prstGeom prst="rect">
+            <a:avLst/>
+          </a:prstGeom>
+        </p:spPr>
+        <p:txBody>
+          <a:bodyPr vert="horz" lIns="91440" tIns="45720" rIns="91440" bIns="45720" rtlCol="0"/>
+          <a:lstStyle>
+            <a:lvl1pPr algn="r">
+              <a:defRPr sz="1200"/>
+            </a:lvl1pPr>
+          </a:lstStyle>
+          <a:p>
+            <a:fld id="{D7784A50-9160-B84C-B0CB-8955694334D3}" type="datetimeFigureOut">
+              <a:rPr lang="en-US" smtClean="0"/>
+              <a:t>10/6/18</a:t>
+            </a:fld>
+            <a:endParaRPr lang="en-US"/>
+          </a:p>
+        </p:txBody>
+      </p:sp>
+      <p:sp>
+        <p:nvSpPr>
+          <p:cNvPr id="4" name="Slide Image Placeholder 3"/>
+          <p:cNvSpPr>
+            <a:spLocks noGrp="1" noRot="1" noChangeAspect="1"/>
+          </p:cNvSpPr>
+          <p:nvPr>
+            <p:ph type="sldImg" idx="2"/>
+          </p:nvPr>
+        </p:nvSpPr>
+        <p:spPr>
+          <a:xfrm>
+            <a:off x="685800" y="1143000"/>
+            <a:ext cx="5486400" cy="3086100"/>
+          </a:xfrm>
+          <a:prstGeom prst="rect">
+            <a:avLst/>
+          </a:prstGeom>
+          <a:noFill/>
+          <a:ln w="12700">
+            <a:solidFill>
+              <a:prstClr val="black"/>
+            </a:solidFill>
+          </a:ln>
+        </p:spPr>
+        <p:txBody>
+          <a:bodyPr vert="horz" lIns="91440" tIns="45720" rIns="91440" bIns="45720" rtlCol="0" anchor="ctr"/>
+          <a:lstStyle/>
+          <a:p>
+            <a:endParaRPr lang="en-US"/>
+          </a:p>
+        </p:txBody>
+      </p:sp>
+      <p:sp>
+        <p:nvSpPr>
+          <p:cNvPr id="5" name="Notes Placeholder 4"/>
+          <p:cNvSpPr>
+            <a:spLocks noGrp="1"/>
+          </p:cNvSpPr>
+          <p:nvPr>
+            <p:ph type="body" sz="quarter" idx="3"/>
+          </p:nvPr>
+        </p:nvSpPr>
+        <p:spPr>
+          <a:xfrm>
+            <a:off x="685800" y="4400550"/>
+            <a:ext cx="5486400" cy="3600450"/>
+          </a:xfrm>
+          <a:prstGeom prst="rect">
+            <a:avLst/>
+          </a:prstGeom>
+        </p:spPr>
+        <p:txBody>
+          <a:bodyPr vert="horz" lIns="91440" tIns="45720" rIns="91440" bIns="45720" rtlCol="0"/>
+          <a:lstStyle/>
+          <a:p>
+            <a:pPr lvl="0"/>
+            <a:r>
+              <a:rPr lang="en-US" smtClean="0"/>
+              <a:t>Click to edit Master text styles</a:t>
+            </a:r>
+          </a:p>
+          <a:p>
+            <a:pPr lvl="1"/>
+            <a:r>
+              <a:rPr lang="en-US" smtClean="0"/>
+              <a:t>Second level</a:t>
+            </a:r>
+          </a:p>
+          <a:p>
+            <a:pPr lvl="2"/>
+            <a:r>
+              <a:rPr lang="en-US" smtClean="0"/>
+              <a:t>Third level</a:t>
+            </a:r>
+          </a:p>
+          <a:p>
+            <a:pPr lvl="3"/>
+            <a:r>
+              <a:rPr lang="en-US" smtClean="0"/>
+              <a:t>Fourth level</a:t>
+            </a:r>
+          </a:p>
+          <a:p>
+            <a:pPr lvl="4"/>
+            <a:r>
+              <a:rPr lang="en-US" smtClean="0"/>
+              <a:t>Fifth level</a:t>
+            </a:r>
+            <a:endParaRPr lang="en-US"/>
+          </a:p>
+        </p:txBody>
+      </p:sp>
+      <p:sp>
+        <p:nvSpPr>
+          <p:cNvPr id="6" name="Footer Placeholder 5"/>
+          <p:cNvSpPr>
+            <a:spLocks noGrp="1"/>
+          </p:cNvSpPr>
+          <p:nvPr>
+            <p:ph type="ftr" sz="quarter" idx="4"/>
+          </p:nvPr>
+        </p:nvSpPr>
+        <p:spPr>
+          <a:xfrm>
+            <a:off x="0" y="8685213"/>
+            <a:ext cx="2971800" cy="458787"/>
+          </a:xfrm>
+          <a:prstGeom prst="rect">
+            <a:avLst/>
+          </a:prstGeom>
+        </p:spPr>
+        <p:txBody>
+          <a:bodyPr vert="horz" lIns="91440" tIns="45720" rIns="91440" bIns="45720" rtlCol="0" anchor="b"/>
+          <a:lstStyle>
+            <a:lvl1pPr algn="l">
+              <a:defRPr sz="1200"/>
+            </a:lvl1pPr>
+          </a:lstStyle>
+          <a:p>
+            <a:endParaRPr lang="en-US"/>
+          </a:p>
+        </p:txBody>
+      </p:sp>
+      <p:sp>
+        <p:nvSpPr>
+          <p:cNvPr id="7" name="Slide Number Placeholder 6"/>
+          <p:cNvSpPr>
+            <a:spLocks noGrp="1"/>
+          </p:cNvSpPr>
+          <p:nvPr>
+            <p:ph type="sldNum" sz="quarter" idx="5"/>
+          </p:nvPr>
+        </p:nvSpPr>
+        <p:spPr>
+          <a:xfrm>
+            <a:off x="3884613" y="8685213"/>
+            <a:ext cx="2971800" cy="458787"/>
+          </a:xfrm>
+          <a:prstGeom prst="rect">
+            <a:avLst/>
+          </a:prstGeom>
+        </p:spPr>
+        <p:txBody>
+          <a:bodyPr vert="horz" lIns="91440" tIns="45720" rIns="91440" bIns="45720" rtlCol="0" anchor="b"/>
+          <a:lstStyle>
+            <a:lvl1pPr algn="r">
+              <a:defRPr sz="1200"/>
+            </a:lvl1pPr>
+          </a:lstStyle>
+          <a:p>
+            <a:fld id="{2C6FF588-64EE-2745-88B0-D28AA5C1D4AF}" type="slidenum">
+              <a:rPr lang="en-US" smtClean="0"/>
+              <a:t>‹#›</a:t>
+            </a:fld>
+            <a:endParaRPr lang="en-US"/>
+          </a:p>
+        </p:txBody>
+      </p:sp>
+    </p:spTree>
+    <p:extLst>
+      <p:ext uri="{BB962C8B-B14F-4D97-AF65-F5344CB8AC3E}">
+        <p14:creationId xmlns:p14="http://schemas.microsoft.com/office/powerpoint/2010/main" val="550379997"/>
+      </p:ext>
+    </p:extLst>
+  </p:cSld>
+  <p:clrMap bg1="lt1" tx1="dk1" bg2="lt2" tx2="dk2" accent1="accent1" accent2="accent2" accent3="accent3" accent4="accent4" accent5="accent5" accent6="accent6" hlink="hlink" folHlink="folHlink"/>
+  <p:notesStyle>
+    <a:lvl1pPr marL="0" algn="l" defTabSz="914400" rtl="0" eaLnBrk="1" latinLnBrk="0" hangingPunct="1">
+      <a:defRPr sz="1200" kern="1200">
+        <a:solidFill>
+          <a:schemeClr val="tx1"/>
+        </a:solidFill>
+        <a:latin typeface="+mn-lt"/>
+        <a:ea typeface="+mn-ea"/>
+        <a:cs typeface="+mn-cs"/>
+      </a:defRPr>
+    </a:lvl1pPr>
+    <a:lvl2pPr marL="457200" algn="l" defTabSz="914400" rtl="0" eaLnBrk="1" latinLnBrk="0" hangingPunct="1">
+      <a:defRPr sz="1200" kern="1200">
+        <a:solidFill>
+          <a:schemeClr val="tx1"/>
+        </a:solidFill>
+        <a:latin typeface="+mn-lt"/>
+        <a:ea typeface="+mn-ea"/>
+        <a:cs typeface="+mn-cs"/>
+      </a:defRPr>
+    </a:lvl2pPr>
+    <a:lvl3pPr marL="914400" algn="l" defTabSz="914400" rtl="0" eaLnBrk="1" latinLnBrk="0" hangingPunct="1">
+      <a:defRPr sz="1200" kern="1200">
+        <a:solidFill>
+          <a:schemeClr val="tx1"/>
+        </a:solidFill>
+        <a:latin typeface="+mn-lt"/>
+        <a:ea typeface="+mn-ea"/>
+        <a:cs typeface="+mn-cs"/>
+      </a:defRPr>
+    </a:lvl3pPr>
+    <a:lvl4pPr marL="1371600" algn="l" defTabSz="914400" rtl="0" eaLnBrk="1" latinLnBrk="0" hangingPunct="1">
+      <a:defRPr sz="1200" kern="1200">
+        <a:solidFill>
+          <a:schemeClr val="tx1"/>
+        </a:solidFill>
+        <a:latin typeface="+mn-lt"/>
+        <a:ea typeface="+mn-ea"/>
+        <a:cs typeface="+mn-cs"/>
+      </a:defRPr>
+    </a:lvl4pPr>
+    <a:lvl5pPr marL="1828800" algn="l" defTabSz="914400" rtl="0" eaLnBrk="1" latinLnBrk="0" hangingPunct="1">
+      <a:defRPr sz="1200" kern="1200">
+        <a:solidFill>
+          <a:schemeClr val="tx1"/>
+        </a:solidFill>
+        <a:latin typeface="+mn-lt"/>
+        <a:ea typeface="+mn-ea"/>
+        <a:cs typeface="+mn-cs"/>
+      </a:defRPr>
+    </a:lvl5pPr>
+    <a:lvl6pPr marL="2286000" algn="l" defTabSz="914400" rtl="0" eaLnBrk="1" latinLnBrk="0" hangingPunct="1">
+      <a:defRPr sz="1200" kern="1200">
+        <a:solidFill>
+          <a:schemeClr val="tx1"/>
+        </a:solidFill>
+        <a:latin typeface="+mn-lt"/>
+        <a:ea typeface="+mn-ea"/>
+        <a:cs typeface="+mn-cs"/>
+      </a:defRPr>
+    </a:lvl6pPr>
+    <a:lvl7pPr marL="2743200" algn="l" defTabSz="914400" rtl="0" eaLnBrk="1" latinLnBrk="0" hangingPunct="1">
+      <a:defRPr sz="1200" kern="1200">
+        <a:solidFill>
+          <a:schemeClr val="tx1"/>
+        </a:solidFill>
+        <a:latin typeface="+mn-lt"/>
+        <a:ea typeface="+mn-ea"/>
+        <a:cs typeface="+mn-cs"/>
+      </a:defRPr>
+    </a:lvl7pPr>
+    <a:lvl8pPr marL="3200400" algn="l" defTabSz="914400" rtl="0" eaLnBrk="1" latinLnBrk="0" hangingPunct="1">
+      <a:defRPr sz="1200" kern="1200">
+        <a:solidFill>
+          <a:schemeClr val="tx1"/>
+        </a:solidFill>
+        <a:latin typeface="+mn-lt"/>
+        <a:ea typeface="+mn-ea"/>
+        <a:cs typeface="+mn-cs"/>
+      </a:defRPr>
+    </a:lvl8pPr>
+    <a:lvl9pPr marL="3657600" algn="l" defTabSz="914400" rtl="0" eaLnBrk="1" latinLnBrk="0" hangingPunct="1">
+      <a:defRPr sz="1200" kern="1200">
+        <a:solidFill>
+          <a:schemeClr val="tx1"/>
+        </a:solidFill>
+        <a:latin typeface="+mn-lt"/>
+        <a:ea typeface="+mn-ea"/>
+        <a:cs typeface="+mn-cs"/>
+      </a:defRPr>
+    </a:lvl9pPr>
+  </p:notesStyle>
+</p:notesMaster>
 </file>
 
 <file path=ppt/slideLayouts/slideLayout1.xml><?xml version="1.0" encoding="utf-8"?>
@@ -3050,6 +3410,501 @@
   <p:clrMapOvr>
     <a:masterClrMapping/>
   </p:clrMapOvr>
+  <p:timing>
+    <p:tnLst>
+      <p:par>
+        <p:cTn id="1" dur="indefinite" restart="never" nodeType="tmRoot"/>
+      </p:par>
+    </p:tnLst>
+  </p:timing>
+</p:sld>
+</file>
+
+<file path=ppt/slides/slide10.xml><?xml version="1.0" encoding="utf-8"?>
+<p:sld xmlns:a="http://schemas.openxmlformats.org/drawingml/2006/main" xmlns:r="http://schemas.openxmlformats.org/officeDocument/2006/relationships" xmlns:p="http://schemas.openxmlformats.org/presentationml/2006/main">
+  <p:cSld>
+    <p:spTree>
+      <p:nvGrpSpPr>
+        <p:cNvPr id="1" name=""/>
+        <p:cNvGrpSpPr/>
+        <p:nvPr/>
+      </p:nvGrpSpPr>
+      <p:grpSpPr>
+        <a:xfrm>
+          <a:off x="0" y="0"/>
+          <a:ext cx="0" cy="0"/>
+          <a:chOff x="0" y="0"/>
+          <a:chExt cx="0" cy="0"/>
+        </a:xfrm>
+      </p:grpSpPr>
+      <p:sp>
+        <p:nvSpPr>
+          <p:cNvPr id="2" name="Title 1"/>
+          <p:cNvSpPr>
+            <a:spLocks noGrp="1"/>
+          </p:cNvSpPr>
+          <p:nvPr>
+            <p:ph type="title"/>
+          </p:nvPr>
+        </p:nvSpPr>
+        <p:spPr/>
+        <p:txBody>
+          <a:bodyPr/>
+          <a:lstStyle/>
+          <a:p>
+            <a:pPr lvl="1" algn="l" rtl="0">
+              <a:lnSpc>
+                <a:spcPct val="90000"/>
+              </a:lnSpc>
+              <a:spcBef>
+                <a:spcPct val="0"/>
+              </a:spcBef>
+            </a:pPr>
+            <a:r>
+              <a:rPr lang="en-US" altLang="zh-CN" sz="4000" dirty="0" smtClean="0"/>
+              <a:t>MIDI</a:t>
+            </a:r>
+            <a:r>
+              <a:rPr lang="zh-CN" altLang="en-US" sz="4000" dirty="0" smtClean="0"/>
+              <a:t>音乐对我们的意义</a:t>
+            </a:r>
+            <a:r>
+              <a:rPr lang="en-US" altLang="zh-CN" dirty="0" smtClean="0"/>
+              <a:t/>
+            </a:r>
+            <a:br>
+              <a:rPr lang="en-US" altLang="zh-CN" dirty="0" smtClean="0"/>
+            </a:br>
+            <a:r>
+              <a:rPr lang="zh-CN" altLang="en-US" sz="2000" dirty="0" smtClean="0"/>
+              <a:t>计算机数字化和</a:t>
+            </a:r>
+            <a:r>
+              <a:rPr lang="en-US" altLang="zh-CN" sz="2000" dirty="0" smtClean="0"/>
+              <a:t>MIDI</a:t>
+            </a:r>
+            <a:r>
+              <a:rPr lang="zh-CN" altLang="en-US" sz="2000" dirty="0" smtClean="0"/>
+              <a:t>音乐</a:t>
+            </a:r>
+            <a:endParaRPr lang="en-US" sz="2000" dirty="0"/>
+          </a:p>
+        </p:txBody>
+      </p:sp>
+      <p:sp>
+        <p:nvSpPr>
+          <p:cNvPr id="3" name="Content Placeholder 2"/>
+          <p:cNvSpPr>
+            <a:spLocks noGrp="1"/>
+          </p:cNvSpPr>
+          <p:nvPr>
+            <p:ph idx="1"/>
+          </p:nvPr>
+        </p:nvSpPr>
+        <p:spPr>
+          <a:xfrm>
+            <a:off x="838200" y="1690688"/>
+            <a:ext cx="10515600" cy="4486275"/>
+          </a:xfrm>
+        </p:spPr>
+        <p:txBody>
+          <a:bodyPr/>
+          <a:lstStyle/>
+          <a:p>
+            <a:r>
+              <a:rPr lang="zh-CN" altLang="en-US" dirty="0" smtClean="0"/>
+              <a:t>计算机数字化</a:t>
+            </a:r>
+            <a:endParaRPr lang="en-US" altLang="zh-CN" dirty="0" smtClean="0"/>
+          </a:p>
+          <a:p>
+            <a:pPr lvl="1"/>
+            <a:r>
+              <a:rPr lang="zh-CN" altLang="en-US" dirty="0" smtClean="0"/>
+              <a:t>充分利用计算机信息技术；</a:t>
+            </a:r>
+            <a:endParaRPr lang="en-US" altLang="zh-CN" dirty="0" smtClean="0"/>
+          </a:p>
+          <a:p>
+            <a:pPr lvl="1"/>
+            <a:r>
+              <a:rPr lang="en-US" altLang="zh-CN" dirty="0" smtClean="0"/>
+              <a:t>MIDI</a:t>
+            </a:r>
+            <a:r>
+              <a:rPr lang="zh-CN" altLang="en-US" dirty="0" smtClean="0"/>
+              <a:t>文件记录所有的音乐信息；简化创作和传播；</a:t>
+            </a:r>
+            <a:endParaRPr lang="en-US" altLang="zh-CN" dirty="0" smtClean="0"/>
+          </a:p>
+          <a:p>
+            <a:pPr lvl="1"/>
+            <a:r>
+              <a:rPr lang="en-US" altLang="zh-CN" dirty="0" smtClean="0"/>
+              <a:t>MIDI</a:t>
+            </a:r>
+            <a:r>
+              <a:rPr lang="zh-CN" altLang="en-US" dirty="0" smtClean="0"/>
+              <a:t>规范确保所有符合</a:t>
+            </a:r>
+            <a:r>
+              <a:rPr lang="en-US" altLang="zh-CN" dirty="0" smtClean="0"/>
+              <a:t>MIDI</a:t>
+            </a:r>
+            <a:r>
+              <a:rPr lang="zh-CN" altLang="en-US" dirty="0" smtClean="0"/>
+              <a:t>规范的</a:t>
+            </a:r>
+            <a:r>
+              <a:rPr lang="en-US" altLang="zh-CN" dirty="0" smtClean="0"/>
+              <a:t>MIDI</a:t>
+            </a:r>
+            <a:r>
+              <a:rPr lang="zh-CN" altLang="en-US" dirty="0" smtClean="0"/>
+              <a:t>设备可以一起工作；</a:t>
+            </a:r>
+            <a:endParaRPr lang="en-US" altLang="zh-CN" dirty="0" smtClean="0"/>
+          </a:p>
+          <a:p>
+            <a:r>
+              <a:rPr lang="zh-CN" altLang="en-US" dirty="0" smtClean="0"/>
+              <a:t>数字化易于规范化</a:t>
+            </a:r>
+            <a:endParaRPr lang="en-US" altLang="zh-CN" dirty="0" smtClean="0"/>
+          </a:p>
+          <a:p>
+            <a:r>
+              <a:rPr lang="zh-CN" altLang="en-US" dirty="0" smtClean="0"/>
+              <a:t>数字化</a:t>
+            </a:r>
+            <a:r>
+              <a:rPr lang="en-US" altLang="zh-CN" dirty="0" smtClean="0"/>
+              <a:t>MIDI</a:t>
+            </a:r>
+            <a:r>
+              <a:rPr lang="zh-CN" altLang="en-US" dirty="0" smtClean="0"/>
+              <a:t>降低了音乐制作的难度</a:t>
+            </a:r>
+            <a:endParaRPr lang="en-US" dirty="0"/>
+          </a:p>
+        </p:txBody>
+      </p:sp>
+    </p:spTree>
+    <p:extLst>
+      <p:ext uri="{BB962C8B-B14F-4D97-AF65-F5344CB8AC3E}">
+        <p14:creationId xmlns:p14="http://schemas.microsoft.com/office/powerpoint/2010/main" val="2074195971"/>
+      </p:ext>
+    </p:extLst>
+  </p:cSld>
+  <p:clrMapOvr>
+    <a:masterClrMapping/>
+  </p:clrMapOvr>
+  <p:timing>
+    <p:tnLst>
+      <p:par>
+        <p:cTn id="1" dur="indefinite" restart="never" nodeType="tmRoot"/>
+      </p:par>
+    </p:tnLst>
+  </p:timing>
+</p:sld>
+</file>
+
+<file path=ppt/slides/slide11.xml><?xml version="1.0" encoding="utf-8"?>
+<p:sld xmlns:a="http://schemas.openxmlformats.org/drawingml/2006/main" xmlns:r="http://schemas.openxmlformats.org/officeDocument/2006/relationships" xmlns:p="http://schemas.openxmlformats.org/presentationml/2006/main">
+  <p:cSld>
+    <p:spTree>
+      <p:nvGrpSpPr>
+        <p:cNvPr id="1" name=""/>
+        <p:cNvGrpSpPr/>
+        <p:nvPr/>
+      </p:nvGrpSpPr>
+      <p:grpSpPr>
+        <a:xfrm>
+          <a:off x="0" y="0"/>
+          <a:ext cx="0" cy="0"/>
+          <a:chOff x="0" y="0"/>
+          <a:chExt cx="0" cy="0"/>
+        </a:xfrm>
+      </p:grpSpPr>
+      <p:sp>
+        <p:nvSpPr>
+          <p:cNvPr id="2" name="Title 1"/>
+          <p:cNvSpPr>
+            <a:spLocks noGrp="1"/>
+          </p:cNvSpPr>
+          <p:nvPr>
+            <p:ph type="title"/>
+          </p:nvPr>
+        </p:nvSpPr>
+        <p:spPr/>
+        <p:txBody>
+          <a:bodyPr/>
+          <a:lstStyle/>
+          <a:p>
+            <a:r>
+              <a:rPr lang="zh-CN" altLang="en-US" dirty="0" smtClean="0"/>
+              <a:t>你的职业理想？</a:t>
+            </a:r>
+            <a:endParaRPr lang="en-US" dirty="0"/>
+          </a:p>
+        </p:txBody>
+      </p:sp>
+      <p:sp>
+        <p:nvSpPr>
+          <p:cNvPr id="3" name="Content Placeholder 2"/>
+          <p:cNvSpPr>
+            <a:spLocks noGrp="1"/>
+          </p:cNvSpPr>
+          <p:nvPr>
+            <p:ph idx="1"/>
+          </p:nvPr>
+        </p:nvSpPr>
+        <p:spPr>
+          <a:xfrm>
+            <a:off x="838200" y="1825625"/>
+            <a:ext cx="10515600" cy="1674813"/>
+          </a:xfrm>
+        </p:spPr>
+        <p:txBody>
+          <a:bodyPr/>
+          <a:lstStyle/>
+          <a:p>
+            <a:r>
+              <a:rPr lang="zh-CN" altLang="en-US" dirty="0" smtClean="0"/>
+              <a:t>程序员？</a:t>
+            </a:r>
+            <a:endParaRPr lang="en-US" altLang="zh-CN" dirty="0" smtClean="0"/>
+          </a:p>
+          <a:p>
+            <a:r>
+              <a:rPr lang="zh-CN" altLang="en-US" dirty="0" smtClean="0"/>
+              <a:t>音乐家？</a:t>
+            </a:r>
+            <a:endParaRPr lang="en-US" altLang="zh-CN" dirty="0" smtClean="0"/>
+          </a:p>
+          <a:p>
+            <a:r>
+              <a:rPr lang="zh-CN" altLang="en-US" dirty="0" smtClean="0"/>
+              <a:t>多媒体内容提供商？</a:t>
+            </a:r>
+            <a:endParaRPr lang="en-US" altLang="zh-CN" dirty="0" smtClean="0"/>
+          </a:p>
+          <a:p>
+            <a:endParaRPr lang="en-US" dirty="0"/>
+          </a:p>
+        </p:txBody>
+      </p:sp>
+      <p:sp>
+        <p:nvSpPr>
+          <p:cNvPr id="4" name="Content Placeholder 2"/>
+          <p:cNvSpPr txBox="1">
+            <a:spLocks/>
+          </p:cNvSpPr>
+          <p:nvPr/>
+        </p:nvSpPr>
+        <p:spPr>
+          <a:xfrm>
+            <a:off x="838200" y="4199021"/>
+            <a:ext cx="10515600" cy="1111167"/>
+          </a:xfrm>
+          <a:prstGeom prst="rect">
+            <a:avLst/>
+          </a:prstGeom>
+        </p:spPr>
+        <p:txBody>
+          <a:bodyPr vert="horz" lIns="91440" tIns="45720" rIns="91440" bIns="45720" rtlCol="0">
+            <a:normAutofit/>
+          </a:bodyPr>
+          <a:lstStyle>
+            <a:lvl1pPr marL="228600" indent="-228600" algn="l" defTabSz="914400" rtl="0" eaLnBrk="1" latinLnBrk="0" hangingPunct="1">
+              <a:lnSpc>
+                <a:spcPct val="90000"/>
+              </a:lnSpc>
+              <a:spcBef>
+                <a:spcPts val="1000"/>
+              </a:spcBef>
+              <a:buFont typeface="Arial"/>
+              <a:buChar char="•"/>
+              <a:defRPr sz="2800" kern="1200">
+                <a:solidFill>
+                  <a:schemeClr val="tx1"/>
+                </a:solidFill>
+                <a:latin typeface="+mn-lt"/>
+                <a:ea typeface="+mn-ea"/>
+                <a:cs typeface="+mn-cs"/>
+              </a:defRPr>
+            </a:lvl1pPr>
+            <a:lvl2pPr marL="685800" indent="-228600" algn="l" defTabSz="914400" rtl="0" eaLnBrk="1" latinLnBrk="0" hangingPunct="1">
+              <a:lnSpc>
+                <a:spcPct val="90000"/>
+              </a:lnSpc>
+              <a:spcBef>
+                <a:spcPts val="500"/>
+              </a:spcBef>
+              <a:buFont typeface="Arial"/>
+              <a:buChar char="•"/>
+              <a:defRPr sz="2400" kern="1200">
+                <a:solidFill>
+                  <a:schemeClr val="tx1"/>
+                </a:solidFill>
+                <a:latin typeface="+mn-lt"/>
+                <a:ea typeface="+mn-ea"/>
+                <a:cs typeface="+mn-cs"/>
+              </a:defRPr>
+            </a:lvl2pPr>
+            <a:lvl3pPr marL="1143000" indent="-228600" algn="l" defTabSz="914400" rtl="0" eaLnBrk="1" latinLnBrk="0" hangingPunct="1">
+              <a:lnSpc>
+                <a:spcPct val="90000"/>
+              </a:lnSpc>
+              <a:spcBef>
+                <a:spcPts val="500"/>
+              </a:spcBef>
+              <a:buFont typeface="Arial"/>
+              <a:buChar char="•"/>
+              <a:defRPr sz="2000" kern="1200">
+                <a:solidFill>
+                  <a:schemeClr val="tx1"/>
+                </a:solidFill>
+                <a:latin typeface="+mn-lt"/>
+                <a:ea typeface="+mn-ea"/>
+                <a:cs typeface="+mn-cs"/>
+              </a:defRPr>
+            </a:lvl3pPr>
+            <a:lvl4pPr marL="1600200" indent="-228600" algn="l" defTabSz="914400" rtl="0" eaLnBrk="1" latinLnBrk="0" hangingPunct="1">
+              <a:lnSpc>
+                <a:spcPct val="90000"/>
+              </a:lnSpc>
+              <a:spcBef>
+                <a:spcPts val="500"/>
+              </a:spcBef>
+              <a:buFont typeface="Arial"/>
+              <a:buChar char="•"/>
+              <a:defRPr sz="1800" kern="1200">
+                <a:solidFill>
+                  <a:schemeClr val="tx1"/>
+                </a:solidFill>
+                <a:latin typeface="+mn-lt"/>
+                <a:ea typeface="+mn-ea"/>
+                <a:cs typeface="+mn-cs"/>
+              </a:defRPr>
+            </a:lvl4pPr>
+            <a:lvl5pPr marL="2057400" indent="-228600" algn="l" defTabSz="914400" rtl="0" eaLnBrk="1" latinLnBrk="0" hangingPunct="1">
+              <a:lnSpc>
+                <a:spcPct val="90000"/>
+              </a:lnSpc>
+              <a:spcBef>
+                <a:spcPts val="500"/>
+              </a:spcBef>
+              <a:buFont typeface="Arial"/>
+              <a:buChar char="•"/>
+              <a:defRPr sz="1800" kern="1200">
+                <a:solidFill>
+                  <a:schemeClr val="tx1"/>
+                </a:solidFill>
+                <a:latin typeface="+mn-lt"/>
+                <a:ea typeface="+mn-ea"/>
+                <a:cs typeface="+mn-cs"/>
+              </a:defRPr>
+            </a:lvl5pPr>
+            <a:lvl6pPr marL="2514600" indent="-228600" algn="l" defTabSz="914400" rtl="0" eaLnBrk="1" latinLnBrk="0" hangingPunct="1">
+              <a:lnSpc>
+                <a:spcPct val="90000"/>
+              </a:lnSpc>
+              <a:spcBef>
+                <a:spcPts val="500"/>
+              </a:spcBef>
+              <a:buFont typeface="Arial"/>
+              <a:buChar char="•"/>
+              <a:defRPr sz="1800" kern="1200">
+                <a:solidFill>
+                  <a:schemeClr val="tx1"/>
+                </a:solidFill>
+                <a:latin typeface="+mn-lt"/>
+                <a:ea typeface="+mn-ea"/>
+                <a:cs typeface="+mn-cs"/>
+              </a:defRPr>
+            </a:lvl6pPr>
+            <a:lvl7pPr marL="2971800" indent="-228600" algn="l" defTabSz="914400" rtl="0" eaLnBrk="1" latinLnBrk="0" hangingPunct="1">
+              <a:lnSpc>
+                <a:spcPct val="90000"/>
+              </a:lnSpc>
+              <a:spcBef>
+                <a:spcPts val="500"/>
+              </a:spcBef>
+              <a:buFont typeface="Arial"/>
+              <a:buChar char="•"/>
+              <a:defRPr sz="1800" kern="1200">
+                <a:solidFill>
+                  <a:schemeClr val="tx1"/>
+                </a:solidFill>
+                <a:latin typeface="+mn-lt"/>
+                <a:ea typeface="+mn-ea"/>
+                <a:cs typeface="+mn-cs"/>
+              </a:defRPr>
+            </a:lvl7pPr>
+            <a:lvl8pPr marL="3429000" indent="-228600" algn="l" defTabSz="914400" rtl="0" eaLnBrk="1" latinLnBrk="0" hangingPunct="1">
+              <a:lnSpc>
+                <a:spcPct val="90000"/>
+              </a:lnSpc>
+              <a:spcBef>
+                <a:spcPts val="500"/>
+              </a:spcBef>
+              <a:buFont typeface="Arial"/>
+              <a:buChar char="•"/>
+              <a:defRPr sz="1800" kern="1200">
+                <a:solidFill>
+                  <a:schemeClr val="tx1"/>
+                </a:solidFill>
+                <a:latin typeface="+mn-lt"/>
+                <a:ea typeface="+mn-ea"/>
+                <a:cs typeface="+mn-cs"/>
+              </a:defRPr>
+            </a:lvl8pPr>
+            <a:lvl9pPr marL="3886200" indent="-228600" algn="l" defTabSz="914400" rtl="0" eaLnBrk="1" latinLnBrk="0" hangingPunct="1">
+              <a:lnSpc>
+                <a:spcPct val="90000"/>
+              </a:lnSpc>
+              <a:spcBef>
+                <a:spcPts val="500"/>
+              </a:spcBef>
+              <a:buFont typeface="Arial"/>
+              <a:buChar char="•"/>
+              <a:defRPr sz="1800" kern="1200">
+                <a:solidFill>
+                  <a:schemeClr val="tx1"/>
+                </a:solidFill>
+                <a:latin typeface="+mn-lt"/>
+                <a:ea typeface="+mn-ea"/>
+                <a:cs typeface="+mn-cs"/>
+              </a:defRPr>
+            </a:lvl9pPr>
+          </a:lstStyle>
+          <a:p>
+            <a:pPr marL="0" indent="0" algn="ctr">
+              <a:buNone/>
+            </a:pPr>
+            <a:r>
+              <a:rPr lang="en-US" altLang="zh-CN" sz="6600" dirty="0" smtClean="0"/>
+              <a:t>MIDI</a:t>
+            </a:r>
+            <a:r>
+              <a:rPr lang="zh-CN" altLang="en-US" sz="6600" dirty="0" smtClean="0"/>
+              <a:t>技术可以帮助你！</a:t>
+            </a:r>
+            <a:endParaRPr lang="en-US" sz="6600" dirty="0"/>
+          </a:p>
+        </p:txBody>
+      </p:sp>
+    </p:spTree>
+    <p:extLst>
+      <p:ext uri="{BB962C8B-B14F-4D97-AF65-F5344CB8AC3E}">
+        <p14:creationId xmlns:p14="http://schemas.microsoft.com/office/powerpoint/2010/main" val="909642846"/>
+      </p:ext>
+    </p:extLst>
+  </p:cSld>
+  <p:clrMapOvr>
+    <a:masterClrMapping/>
+  </p:clrMapOvr>
 </p:sld>
 </file>
 
@@ -3116,7 +3971,7 @@
         </p:spPr>
         <p:txBody>
           <a:bodyPr>
-            <a:normAutofit fontScale="92500" lnSpcReduction="10000"/>
+            <a:normAutofit/>
           </a:bodyPr>
           <a:lstStyle/>
           <a:p>
@@ -3168,77 +4023,38 @@
           </a:p>
           <a:p>
             <a:r>
+              <a:rPr lang="zh-CN" altLang="en-US" dirty="0" smtClean="0"/>
+              <a:t>计算机＋程序员＋音乐家创作音乐；</a:t>
+            </a:r>
+            <a:endParaRPr lang="en-US" altLang="zh-CN" dirty="0" smtClean="0"/>
+          </a:p>
+          <a:p>
+            <a:r>
               <a:rPr lang="en-US" altLang="zh-CN" dirty="0" smtClean="0"/>
               <a:t>MIDI</a:t>
             </a:r>
             <a:r>
               <a:rPr lang="zh-CN" altLang="en-US" dirty="0" smtClean="0"/>
-              <a:t>音乐对我们的意义</a:t>
+              <a:t>软件介绍</a:t>
             </a:r>
             <a:endParaRPr lang="en-US" altLang="zh-CN" dirty="0" smtClean="0"/>
           </a:p>
           <a:p>
+            <a:r>
+              <a:rPr lang="en-US" altLang="zh-CN" dirty="0" smtClean="0"/>
+              <a:t>MIDI</a:t>
+            </a:r>
+            <a:r>
+              <a:rPr lang="zh-CN" altLang="en-US" dirty="0" smtClean="0"/>
+              <a:t>文件的生成方式</a:t>
+            </a:r>
+            <a:endParaRPr lang="en-US" altLang="zh-CN" dirty="0" smtClean="0"/>
+          </a:p>
+          <a:p>
             <a:pPr lvl="1"/>
             <a:r>
               <a:rPr lang="zh-CN" altLang="en-US" dirty="0" smtClean="0"/>
-              <a:t>计算机＋程序员＋音乐家创作音乐；</a:t>
-            </a:r>
-            <a:endParaRPr lang="en-US" altLang="zh-CN" dirty="0" smtClean="0"/>
-          </a:p>
-          <a:p>
-            <a:pPr lvl="1"/>
-            <a:r>
-              <a:rPr lang="zh-CN" altLang="en-US" dirty="0" smtClean="0"/>
-              <a:t>计算机数字化和</a:t>
-            </a:r>
-            <a:r>
-              <a:rPr lang="en-US" altLang="zh-CN" dirty="0" smtClean="0"/>
-              <a:t>MIDI</a:t>
-            </a:r>
-            <a:r>
-              <a:rPr lang="zh-CN" altLang="en-US" smtClean="0"/>
-              <a:t>音乐；</a:t>
-            </a:r>
-            <a:endParaRPr lang="en-US" altLang="zh-CN" dirty="0" smtClean="0"/>
-          </a:p>
-          <a:p>
-            <a:r>
-              <a:rPr lang="en-US" altLang="zh-CN" dirty="0" smtClean="0"/>
-              <a:t>MIDI</a:t>
-            </a:r>
-            <a:r>
-              <a:rPr lang="zh-CN" altLang="en-US" dirty="0" smtClean="0"/>
-              <a:t>软件介绍</a:t>
-            </a:r>
-            <a:endParaRPr lang="en-US" altLang="zh-CN" dirty="0" smtClean="0"/>
-          </a:p>
-          <a:p>
-            <a:r>
-              <a:rPr lang="en-US" altLang="zh-CN" dirty="0" smtClean="0"/>
-              <a:t>MIDI</a:t>
-            </a:r>
-            <a:r>
-              <a:rPr lang="zh-CN" altLang="en-US" dirty="0" smtClean="0"/>
-              <a:t>文件的生成方式</a:t>
-            </a:r>
-            <a:endParaRPr lang="en-US" altLang="zh-CN" dirty="0" smtClean="0"/>
-          </a:p>
-          <a:p>
-            <a:r>
-              <a:rPr lang="zh-CN" altLang="en-US" dirty="0" smtClean="0"/>
-              <a:t>演示</a:t>
-            </a:r>
-            <a:endParaRPr lang="en-US" altLang="zh-CN" dirty="0" smtClean="0"/>
-          </a:p>
-          <a:p>
-            <a:pPr lvl="1"/>
-            <a:r>
-              <a:rPr lang="en-US" altLang="zh-CN" dirty="0" smtClean="0"/>
-              <a:t>JAVA</a:t>
-            </a:r>
-            <a:r>
-              <a:rPr lang="zh-CN" altLang="en-US" dirty="0" smtClean="0"/>
-              <a:t>程序生成</a:t>
+              <a:t>计算机程序生成</a:t>
             </a:r>
             <a:r>
               <a:rPr lang="en-US" altLang="zh-CN" dirty="0" smtClean="0"/>
@@ -3284,6 +4100,25 @@
               <a:rPr lang="zh-CN" altLang="en-US" dirty="0" smtClean="0"/>
               <a:t>文件；</a:t>
             </a:r>
+            <a:endParaRPr lang="en-US" altLang="zh-CN" dirty="0" smtClean="0"/>
+          </a:p>
+          <a:p>
+            <a:r>
+              <a:rPr lang="zh-CN" altLang="en-US" dirty="0" smtClean="0"/>
+              <a:t>计算机数字化和</a:t>
+            </a:r>
+            <a:r>
+              <a:rPr lang="en-US" altLang="zh-CN" dirty="0" smtClean="0"/>
+              <a:t>MIDI</a:t>
+            </a:r>
+            <a:r>
+              <a:rPr lang="zh-CN" altLang="en-US" dirty="0" smtClean="0"/>
+              <a:t>音乐对我们的意义</a:t>
+            </a:r>
+            <a:endParaRPr lang="en-US" altLang="zh-CN" dirty="0" smtClean="0"/>
+          </a:p>
+          <a:p>
+            <a:pPr lvl="1"/>
             <a:endParaRPr lang="en-US" dirty="0"/>
           </a:p>
         </p:txBody>
@@ -3298,6 +4133,13 @@
   <p:clrMapOvr>
     <a:masterClrMapping/>
   </p:clrMapOvr>
+  <p:timing>
+    <p:tnLst>
+      <p:par>
+        <p:cTn id="1" dur="indefinite" restart="never" nodeType="tmRoot"/>
+      </p:par>
+    </p:tnLst>
+  </p:timing>
 </p:sld>
 </file>
 
@@ -3662,6 +4504,13 @@
   <p:clrMapOvr>
     <a:masterClrMapping/>
   </p:clrMapOvr>
+  <p:timing>
+    <p:tnLst>
+      <p:par>
+        <p:cTn id="1" dur="indefinite" restart="never" nodeType="tmRoot"/>
+      </p:par>
+    </p:tnLst>
+  </p:timing>
 </p:sld>
 </file>
 
@@ -3855,6 +4704,876 @@
     <p:extLst>
       <p:ext uri="{BB962C8B-B14F-4D97-AF65-F5344CB8AC3E}">
         <p14:creationId xmlns:p14="http://schemas.microsoft.com/office/powerpoint/2010/main" val="618931621"/>
+      </p:ext>
+    </p:extLst>
+  </p:cSld>
+  <p:clrMapOvr>
+    <a:masterClrMapping/>
+  </p:clrMapOvr>
+  <p:timing>
+    <p:tnLst>
+      <p:par>
+        <p:cTn id="1" dur="indefinite" restart="never" nodeType="tmRoot"/>
+      </p:par>
+    </p:tnLst>
+  </p:timing>
+</p:sld>
+</file>
+
+<file path=ppt/slides/slide5.xml><?xml version="1.0" encoding="utf-8"?>
+<p:sld xmlns:a="http://schemas.openxmlformats.org/drawingml/2006/main" xmlns:r="http://schemas.openxmlformats.org/officeDocument/2006/relationships" xmlns:p="http://schemas.openxmlformats.org/presentationml/2006/main">
+  <p:cSld>
+    <p:spTree>
+      <p:nvGrpSpPr>
+        <p:cNvPr id="1" name=""/>
+        <p:cNvGrpSpPr/>
+        <p:nvPr/>
+      </p:nvGrpSpPr>
+      <p:grpSpPr>
+        <a:xfrm>
+          <a:off x="0" y="0"/>
+          <a:ext cx="0" cy="0"/>
+          <a:chOff x="0" y="0"/>
+          <a:chExt cx="0" cy="0"/>
+        </a:xfrm>
+      </p:grpSpPr>
+      <p:sp>
+        <p:nvSpPr>
+          <p:cNvPr id="2" name="Title 1"/>
+          <p:cNvSpPr>
+            <a:spLocks noGrp="1"/>
+          </p:cNvSpPr>
+          <p:nvPr>
+            <p:ph type="title"/>
+          </p:nvPr>
+        </p:nvSpPr>
+        <p:spPr>
+          <a:xfrm>
+            <a:off x="838200" y="186700"/>
+            <a:ext cx="10515600" cy="1208964"/>
+          </a:xfrm>
+        </p:spPr>
+        <p:txBody>
+          <a:bodyPr>
+            <a:normAutofit/>
+          </a:bodyPr>
+          <a:lstStyle/>
+          <a:p>
+            <a:r>
+              <a:rPr lang="zh-CN" altLang="en-US" sz="4000" dirty="0" smtClean="0"/>
+              <a:t>计算机＋程序员＋音乐家创作音乐</a:t>
+            </a:r>
+            <a:endParaRPr lang="en-US" sz="4000" dirty="0"/>
+          </a:p>
+        </p:txBody>
+      </p:sp>
+      <p:sp>
+        <p:nvSpPr>
+          <p:cNvPr id="3" name="Content Placeholder 2"/>
+          <p:cNvSpPr>
+            <a:spLocks noGrp="1"/>
+          </p:cNvSpPr>
+          <p:nvPr>
+            <p:ph idx="1"/>
+          </p:nvPr>
+        </p:nvSpPr>
+        <p:spPr>
+          <a:xfrm>
+            <a:off x="838200" y="1395664"/>
+            <a:ext cx="9725526" cy="1218364"/>
+          </a:xfrm>
+        </p:spPr>
+        <p:txBody>
+          <a:bodyPr>
+            <a:normAutofit fontScale="92500" lnSpcReduction="20000"/>
+          </a:bodyPr>
+          <a:lstStyle/>
+          <a:p>
+            <a:r>
+              <a:rPr lang="zh-CN" altLang="en-US" dirty="0" smtClean="0"/>
+              <a:t>计算机＋</a:t>
+            </a:r>
+            <a:r>
+              <a:rPr lang="en-US" altLang="zh-CN" dirty="0" smtClean="0"/>
+              <a:t>MIDI</a:t>
+            </a:r>
+            <a:r>
+              <a:rPr lang="zh-CN" altLang="en-US" dirty="0" smtClean="0"/>
+              <a:t>设备：生成</a:t>
+            </a:r>
+            <a:r>
+              <a:rPr lang="en-US" altLang="zh-CN" dirty="0" smtClean="0"/>
+              <a:t>MIDI</a:t>
+            </a:r>
+            <a:r>
+              <a:rPr lang="zh-CN" altLang="en-US" dirty="0" smtClean="0"/>
+              <a:t>文件，控制</a:t>
+            </a:r>
+            <a:r>
+              <a:rPr lang="en-US" altLang="zh-CN" dirty="0" smtClean="0"/>
+              <a:t>MIDI</a:t>
+            </a:r>
+            <a:r>
+              <a:rPr lang="zh-CN" altLang="en-US" dirty="0" smtClean="0"/>
+              <a:t>文件</a:t>
+            </a:r>
+            <a:endParaRPr lang="en-US" altLang="zh-CN" dirty="0" smtClean="0"/>
+          </a:p>
+          <a:p>
+            <a:r>
+              <a:rPr lang="zh-CN" altLang="en-US" dirty="0" smtClean="0"/>
+              <a:t>程序员：开发</a:t>
+            </a:r>
+            <a:r>
+              <a:rPr lang="en-US" altLang="zh-CN" dirty="0" smtClean="0"/>
+              <a:t>MIDI</a:t>
+            </a:r>
+            <a:r>
+              <a:rPr lang="zh-CN" altLang="en-US" dirty="0" smtClean="0"/>
+              <a:t>软件</a:t>
+            </a:r>
+            <a:endParaRPr lang="en-US" altLang="zh-CN" dirty="0" smtClean="0"/>
+          </a:p>
+          <a:p>
+            <a:r>
+              <a:rPr lang="zh-CN" altLang="en-US" dirty="0" smtClean="0"/>
+              <a:t>音乐家：利用</a:t>
+            </a:r>
+            <a:r>
+              <a:rPr lang="en-US" altLang="zh-CN" dirty="0" smtClean="0"/>
+              <a:t>MIDI</a:t>
+            </a:r>
+            <a:r>
+              <a:rPr lang="zh-CN" altLang="en-US" dirty="0" smtClean="0"/>
+              <a:t>设备和</a:t>
+            </a:r>
+            <a:r>
+              <a:rPr lang="en-US" altLang="zh-CN" dirty="0" smtClean="0"/>
+              <a:t>MIDI</a:t>
+            </a:r>
+            <a:r>
+              <a:rPr lang="zh-CN" altLang="en-US" dirty="0" smtClean="0"/>
+              <a:t>软件生成</a:t>
+            </a:r>
+            <a:r>
+              <a:rPr lang="en-US" altLang="zh-CN" dirty="0" smtClean="0"/>
+              <a:t>MIDI</a:t>
+            </a:r>
+            <a:r>
+              <a:rPr lang="zh-CN" altLang="en-US" dirty="0" smtClean="0"/>
+              <a:t>音乐</a:t>
+            </a:r>
+            <a:endParaRPr lang="en-US" dirty="0"/>
+          </a:p>
+        </p:txBody>
+      </p:sp>
+      <p:pic>
+        <p:nvPicPr>
+          <p:cNvPr id="6" name="Picture 5"/>
+          <p:cNvPicPr>
+            <a:picLocks noChangeAspect="1"/>
+          </p:cNvPicPr>
+          <p:nvPr/>
+        </p:nvPicPr>
+        <p:blipFill>
+          <a:blip r:embed="rId2">
+            <a:extLst>
+              <a:ext uri="{28A0092B-C50C-407E-A947-70E740481C1C}">
+                <a14:useLocalDpi xmlns:a14="http://schemas.microsoft.com/office/drawing/2010/main" val="0"/>
+              </a:ext>
+            </a:extLst>
+          </a:blip>
+          <a:stretch>
+            <a:fillRect/>
+          </a:stretch>
+        </p:blipFill>
+        <p:spPr>
+          <a:xfrm>
+            <a:off x="5450306" y="3116233"/>
+            <a:ext cx="5113420" cy="3273724"/>
+          </a:xfrm>
+          <a:prstGeom prst="rect">
+            <a:avLst/>
+          </a:prstGeom>
+        </p:spPr>
+      </p:pic>
+      <p:pic>
+        <p:nvPicPr>
+          <p:cNvPr id="7" name="Picture 6"/>
+          <p:cNvPicPr>
+            <a:picLocks noChangeAspect="1"/>
+          </p:cNvPicPr>
+          <p:nvPr/>
+        </p:nvPicPr>
+        <p:blipFill>
+          <a:blip r:embed="rId3">
+            <a:extLst>
+              <a:ext uri="{28A0092B-C50C-407E-A947-70E740481C1C}">
+                <a14:useLocalDpi xmlns:a14="http://schemas.microsoft.com/office/drawing/2010/main" val="0"/>
+              </a:ext>
+            </a:extLst>
+          </a:blip>
+          <a:stretch>
+            <a:fillRect/>
+          </a:stretch>
+        </p:blipFill>
+        <p:spPr>
+          <a:xfrm>
+            <a:off x="838200" y="3116232"/>
+            <a:ext cx="4612106" cy="3055968"/>
+          </a:xfrm>
+          <a:prstGeom prst="rect">
+            <a:avLst/>
+          </a:prstGeom>
+        </p:spPr>
+      </p:pic>
+    </p:spTree>
+    <p:extLst>
+      <p:ext uri="{BB962C8B-B14F-4D97-AF65-F5344CB8AC3E}">
+        <p14:creationId xmlns:p14="http://schemas.microsoft.com/office/powerpoint/2010/main" val="969620400"/>
+      </p:ext>
+    </p:extLst>
+  </p:cSld>
+  <p:clrMapOvr>
+    <a:masterClrMapping/>
+  </p:clrMapOvr>
+  <p:timing>
+    <p:tnLst>
+      <p:par>
+        <p:cTn id="1" dur="indefinite" restart="never" nodeType="tmRoot"/>
+      </p:par>
+    </p:tnLst>
+  </p:timing>
+</p:sld>
+</file>
+
+<file path=ppt/slides/slide6.xml><?xml version="1.0" encoding="utf-8"?>
+<p:sld xmlns:a="http://schemas.openxmlformats.org/drawingml/2006/main" xmlns:r="http://schemas.openxmlformats.org/officeDocument/2006/relationships" xmlns:p="http://schemas.openxmlformats.org/presentationml/2006/main">
+  <p:cSld>
+    <p:spTree>
+      <p:nvGrpSpPr>
+        <p:cNvPr id="1" name=""/>
+        <p:cNvGrpSpPr/>
+        <p:nvPr/>
+      </p:nvGrpSpPr>
+      <p:grpSpPr>
+        <a:xfrm>
+          <a:off x="0" y="0"/>
+          <a:ext cx="0" cy="0"/>
+          <a:chOff x="0" y="0"/>
+          <a:chExt cx="0" cy="0"/>
+        </a:xfrm>
+      </p:grpSpPr>
+      <p:sp>
+        <p:nvSpPr>
+          <p:cNvPr id="2" name="Title 1"/>
+          <p:cNvSpPr>
+            <a:spLocks noGrp="1"/>
+          </p:cNvSpPr>
+          <p:nvPr>
+            <p:ph type="title"/>
+          </p:nvPr>
+        </p:nvSpPr>
+        <p:spPr>
+          <a:xfrm>
+            <a:off x="838200" y="365125"/>
+            <a:ext cx="10515600" cy="1066633"/>
+          </a:xfrm>
+        </p:spPr>
+        <p:txBody>
+          <a:bodyPr>
+            <a:normAutofit/>
+          </a:bodyPr>
+          <a:lstStyle/>
+          <a:p>
+            <a:r>
+              <a:rPr lang="zh-CN" altLang="en-US" sz="4000" dirty="0" smtClean="0"/>
+              <a:t>典型的</a:t>
+            </a:r>
+            <a:r>
+              <a:rPr lang="en-US" altLang="zh-CN" sz="4000" dirty="0" smtClean="0"/>
+              <a:t>MIDI</a:t>
+            </a:r>
+            <a:r>
+              <a:rPr lang="zh-CN" altLang="en-US" sz="4000" dirty="0" smtClean="0"/>
+              <a:t>软件</a:t>
+            </a:r>
+            <a:r>
+              <a:rPr lang="zh-CN" altLang="en-US" sz="4000" dirty="0" smtClean="0"/>
+              <a:t>介绍</a:t>
+            </a:r>
+            <a:r>
+              <a:rPr lang="zh-CN" altLang="en-US" sz="4000" dirty="0" smtClean="0"/>
+              <a:t>：</a:t>
+            </a:r>
+            <a:endParaRPr lang="en-US" sz="2000" dirty="0"/>
+          </a:p>
+        </p:txBody>
+      </p:sp>
+      <p:sp>
+        <p:nvSpPr>
+          <p:cNvPr id="3" name="Content Placeholder 2"/>
+          <p:cNvSpPr>
+            <a:spLocks noGrp="1"/>
+          </p:cNvSpPr>
+          <p:nvPr>
+            <p:ph idx="1"/>
+          </p:nvPr>
+        </p:nvSpPr>
+        <p:spPr>
+          <a:xfrm>
+            <a:off x="838200" y="1515979"/>
+            <a:ext cx="10515600" cy="4660984"/>
+          </a:xfrm>
+        </p:spPr>
+        <p:txBody>
+          <a:bodyPr/>
+          <a:lstStyle/>
+          <a:p>
+            <a:r>
+              <a:rPr lang="zh-CN" altLang="en-US" dirty="0" smtClean="0"/>
+              <a:t>目前有很多</a:t>
+            </a:r>
+            <a:r>
+              <a:rPr lang="en-US" altLang="zh-CN" dirty="0" smtClean="0"/>
+              <a:t>MIDI</a:t>
+            </a:r>
+            <a:r>
+              <a:rPr lang="zh-CN" altLang="en-US" dirty="0" smtClean="0"/>
+              <a:t>软件</a:t>
+            </a:r>
+            <a:endParaRPr lang="en-US" altLang="zh-CN" dirty="0" smtClean="0"/>
+          </a:p>
+          <a:p>
+            <a:pPr lvl="1"/>
+            <a:r>
+              <a:rPr lang="zh-CN" altLang="en-US" dirty="0" smtClean="0"/>
+              <a:t>主要功能类型有：</a:t>
+            </a:r>
+            <a:r>
+              <a:rPr lang="en-US" altLang="zh-CN" dirty="0" smtClean="0"/>
+              <a:t>MIDI</a:t>
+            </a:r>
+            <a:r>
+              <a:rPr lang="zh-CN" altLang="en-US" dirty="0" smtClean="0"/>
+              <a:t>音乐制作，</a:t>
+            </a:r>
+            <a:r>
+              <a:rPr lang="en-US" altLang="zh-CN" dirty="0" smtClean="0"/>
+              <a:t>MIDI</a:t>
+            </a:r>
+            <a:r>
+              <a:rPr lang="zh-CN" altLang="en-US" dirty="0" smtClean="0"/>
+              <a:t>音乐编辑，</a:t>
+            </a:r>
+            <a:r>
+              <a:rPr lang="en-US" altLang="zh-CN" dirty="0" smtClean="0"/>
+              <a:t>MIDI</a:t>
+            </a:r>
+            <a:r>
+              <a:rPr lang="zh-CN" altLang="en-US" dirty="0" smtClean="0"/>
+              <a:t>音乐播放</a:t>
+            </a:r>
+            <a:endParaRPr lang="en-US" altLang="zh-CN" dirty="0" smtClean="0"/>
+          </a:p>
+          <a:p>
+            <a:pPr lvl="1"/>
+            <a:r>
+              <a:rPr lang="zh-CN" altLang="en-US" dirty="0" smtClean="0"/>
+              <a:t>某些软件必须和特定类型的</a:t>
+            </a:r>
+            <a:r>
+              <a:rPr lang="en-US" altLang="zh-CN" dirty="0" smtClean="0"/>
+              <a:t>MIDI</a:t>
+            </a:r>
+            <a:r>
+              <a:rPr lang="zh-CN" altLang="en-US" dirty="0" smtClean="0"/>
+              <a:t>硬件一起工作，功能强大，价格比较贵</a:t>
+            </a:r>
+            <a:endParaRPr lang="en-US" altLang="zh-CN" dirty="0" smtClean="0"/>
+          </a:p>
+          <a:p>
+            <a:pPr lvl="1"/>
+            <a:r>
+              <a:rPr lang="zh-CN" altLang="en-US" dirty="0" smtClean="0"/>
+              <a:t>更多的软件功能简单，价格便宜甚至是免费提供</a:t>
+            </a:r>
+            <a:endParaRPr lang="en-US" altLang="zh-CN" dirty="0" smtClean="0"/>
+          </a:p>
+          <a:p>
+            <a:r>
+              <a:rPr lang="en-US" altLang="zh-CN" dirty="0" err="1" smtClean="0"/>
+              <a:t>MidiEditor</a:t>
+            </a:r>
+            <a:r>
+              <a:rPr lang="zh-CN" altLang="en-US" dirty="0" smtClean="0"/>
+              <a:t>介绍</a:t>
+            </a:r>
+            <a:endParaRPr lang="en-US" altLang="zh-CN" dirty="0" smtClean="0"/>
+          </a:p>
+          <a:p>
+            <a:pPr lvl="1"/>
+            <a:r>
+              <a:rPr lang="en-US" altLang="zh-CN" dirty="0" err="1" smtClean="0"/>
+              <a:t>MidiEdior</a:t>
+            </a:r>
+            <a:r>
+              <a:rPr lang="zh-CN" altLang="en-US" dirty="0" smtClean="0"/>
+              <a:t>使用演示</a:t>
+            </a:r>
+            <a:r>
+              <a:rPr lang="is-IS" altLang="zh-CN" dirty="0" smtClean="0"/>
+              <a:t>…...</a:t>
+            </a:r>
+            <a:endParaRPr lang="en-US" altLang="zh-CN" dirty="0" smtClean="0"/>
+          </a:p>
+          <a:p>
+            <a:pPr lvl="1"/>
+            <a:endParaRPr lang="en-US" dirty="0"/>
+          </a:p>
+        </p:txBody>
+      </p:sp>
+    </p:spTree>
+    <p:extLst>
+      <p:ext uri="{BB962C8B-B14F-4D97-AF65-F5344CB8AC3E}">
+        <p14:creationId xmlns:p14="http://schemas.microsoft.com/office/powerpoint/2010/main" val="35885742"/>
+      </p:ext>
+    </p:extLst>
+  </p:cSld>
+  <p:clrMapOvr>
+    <a:masterClrMapping/>
+  </p:clrMapOvr>
+  <p:timing>
+    <p:tnLst>
+      <p:par>
+        <p:cTn id="1" dur="indefinite" restart="never" nodeType="tmRoot"/>
+      </p:par>
+    </p:tnLst>
+  </p:timing>
+</p:sld>
+</file>
+
+<file path=ppt/slides/slide7.xml><?xml version="1.0" encoding="utf-8"?>
+<p:sld xmlns:a="http://schemas.openxmlformats.org/drawingml/2006/main" xmlns:r="http://schemas.openxmlformats.org/officeDocument/2006/relationships" xmlns:p="http://schemas.openxmlformats.org/presentationml/2006/main">
+  <p:cSld>
+    <p:spTree>
+      <p:nvGrpSpPr>
+        <p:cNvPr id="1" name=""/>
+        <p:cNvGrpSpPr/>
+        <p:nvPr/>
+      </p:nvGrpSpPr>
+      <p:grpSpPr>
+        <a:xfrm>
+          <a:off x="0" y="0"/>
+          <a:ext cx="0" cy="0"/>
+          <a:chOff x="0" y="0"/>
+          <a:chExt cx="0" cy="0"/>
+        </a:xfrm>
+      </p:grpSpPr>
+      <p:sp>
+        <p:nvSpPr>
+          <p:cNvPr id="2" name="Title 1"/>
+          <p:cNvSpPr>
+            <a:spLocks noGrp="1"/>
+          </p:cNvSpPr>
+          <p:nvPr>
+            <p:ph type="title"/>
+          </p:nvPr>
+        </p:nvSpPr>
+        <p:spPr>
+          <a:xfrm>
+            <a:off x="838200" y="365126"/>
+            <a:ext cx="10515600" cy="1162886"/>
+          </a:xfrm>
+        </p:spPr>
+        <p:txBody>
+          <a:bodyPr>
+            <a:normAutofit/>
+          </a:bodyPr>
+          <a:lstStyle/>
+          <a:p>
+            <a:r>
+              <a:rPr lang="en-US" altLang="zh-CN" dirty="0" smtClean="0"/>
+              <a:t>MIDI</a:t>
+            </a:r>
+            <a:r>
+              <a:rPr lang="zh-CN" altLang="en-US" dirty="0" smtClean="0"/>
+              <a:t>文件的生成方式</a:t>
+            </a:r>
+            <a:r>
+              <a:rPr lang="en-US" altLang="zh-CN" dirty="0" smtClean="0"/>
+              <a:t/>
+            </a:r>
+            <a:br>
+              <a:rPr lang="en-US" altLang="zh-CN" dirty="0" smtClean="0"/>
+            </a:br>
+            <a:r>
+              <a:rPr lang="zh-CN" altLang="en-US" sz="2000" dirty="0" smtClean="0"/>
+              <a:t>计算机程序直接生成</a:t>
+            </a:r>
+            <a:endParaRPr lang="en-US" dirty="0"/>
+          </a:p>
+        </p:txBody>
+      </p:sp>
+      <p:sp>
+        <p:nvSpPr>
+          <p:cNvPr id="3" name="Content Placeholder 2"/>
+          <p:cNvSpPr>
+            <a:spLocks noGrp="1"/>
+          </p:cNvSpPr>
+          <p:nvPr>
+            <p:ph idx="1"/>
+          </p:nvPr>
+        </p:nvSpPr>
+        <p:spPr>
+          <a:xfrm>
+            <a:off x="838200" y="1528012"/>
+            <a:ext cx="10515600" cy="4648951"/>
+          </a:xfrm>
+        </p:spPr>
+        <p:txBody>
+          <a:bodyPr/>
+          <a:lstStyle/>
+          <a:p>
+            <a:r>
+              <a:rPr lang="en-US" altLang="zh-CN" dirty="0" smtClean="0"/>
+              <a:t>JAVA</a:t>
+            </a:r>
+            <a:r>
+              <a:rPr lang="zh-CN" altLang="en-US" dirty="0" smtClean="0"/>
+              <a:t>程序生成</a:t>
+            </a:r>
+            <a:r>
+              <a:rPr lang="en-US" altLang="zh-CN" dirty="0" smtClean="0"/>
+              <a:t>MIDI</a:t>
+            </a:r>
+            <a:r>
+              <a:rPr lang="zh-CN" altLang="en-US" dirty="0" smtClean="0"/>
+              <a:t>文件示例</a:t>
+            </a:r>
+            <a:endParaRPr lang="en-US" altLang="zh-CN" dirty="0" smtClean="0"/>
+          </a:p>
+          <a:p>
+            <a:endParaRPr lang="en-US" dirty="0"/>
+          </a:p>
+        </p:txBody>
+      </p:sp>
+      <p:pic>
+        <p:nvPicPr>
+          <p:cNvPr id="4" name="Picture 3"/>
+          <p:cNvPicPr>
+            <a:picLocks noChangeAspect="1"/>
+          </p:cNvPicPr>
+          <p:nvPr/>
+        </p:nvPicPr>
+        <p:blipFill>
+          <a:blip r:embed="rId2">
+            <a:extLst>
+              <a:ext uri="{28A0092B-C50C-407E-A947-70E740481C1C}">
+                <a14:useLocalDpi xmlns:a14="http://schemas.microsoft.com/office/drawing/2010/main" val="0"/>
+              </a:ext>
+            </a:extLst>
+          </a:blip>
+          <a:stretch>
+            <a:fillRect/>
+          </a:stretch>
+        </p:blipFill>
+        <p:spPr>
+          <a:xfrm>
+            <a:off x="838200" y="1951909"/>
+            <a:ext cx="8724900" cy="4748928"/>
+          </a:xfrm>
+          <a:prstGeom prst="rect">
+            <a:avLst/>
+          </a:prstGeom>
+        </p:spPr>
+      </p:pic>
+    </p:spTree>
+    <p:extLst>
+      <p:ext uri="{BB962C8B-B14F-4D97-AF65-F5344CB8AC3E}">
+        <p14:creationId xmlns:p14="http://schemas.microsoft.com/office/powerpoint/2010/main" val="2059919590"/>
+      </p:ext>
+    </p:extLst>
+  </p:cSld>
+  <p:clrMapOvr>
+    <a:masterClrMapping/>
+  </p:clrMapOvr>
+  <p:timing>
+    <p:tnLst>
+      <p:par>
+        <p:cTn id="1" dur="indefinite" restart="never" nodeType="tmRoot"/>
+      </p:par>
+    </p:tnLst>
+  </p:timing>
+</p:sld>
+</file>
+
+<file path=ppt/slides/slide8.xml><?xml version="1.0" encoding="utf-8"?>
+<p:sld xmlns:a="http://schemas.openxmlformats.org/drawingml/2006/main" xmlns:r="http://schemas.openxmlformats.org/officeDocument/2006/relationships" xmlns:p="http://schemas.openxmlformats.org/presentationml/2006/main">
+  <p:cSld>
+    <p:spTree>
+      <p:nvGrpSpPr>
+        <p:cNvPr id="1" name=""/>
+        <p:cNvGrpSpPr/>
+        <p:nvPr/>
+      </p:nvGrpSpPr>
+      <p:grpSpPr>
+        <a:xfrm>
+          <a:off x="0" y="0"/>
+          <a:ext cx="0" cy="0"/>
+          <a:chOff x="0" y="0"/>
+          <a:chExt cx="0" cy="0"/>
+        </a:xfrm>
+      </p:grpSpPr>
+      <p:sp>
+        <p:nvSpPr>
+          <p:cNvPr id="2" name="Title 1"/>
+          <p:cNvSpPr>
+            <a:spLocks noGrp="1"/>
+          </p:cNvSpPr>
+          <p:nvPr>
+            <p:ph type="title"/>
+          </p:nvPr>
+        </p:nvSpPr>
+        <p:spPr/>
+        <p:txBody>
+          <a:bodyPr/>
+          <a:lstStyle/>
+          <a:p>
+            <a:r>
+              <a:rPr lang="en-US" altLang="zh-CN" dirty="0" smtClean="0"/>
+              <a:t>MIDI</a:t>
+            </a:r>
+            <a:r>
+              <a:rPr lang="zh-CN" altLang="en-US" dirty="0" smtClean="0"/>
+              <a:t>文件的生成方式</a:t>
+            </a:r>
+            <a:r>
+              <a:rPr lang="en-US" altLang="zh-CN" dirty="0" smtClean="0"/>
+              <a:t/>
+            </a:r>
+            <a:br>
+              <a:rPr lang="en-US" altLang="zh-CN" dirty="0" smtClean="0"/>
+            </a:br>
+            <a:r>
+              <a:rPr lang="zh-CN" altLang="en-US" sz="2000" dirty="0" smtClean="0"/>
+              <a:t>专用</a:t>
+            </a:r>
+            <a:r>
+              <a:rPr lang="zh-CN" altLang="en-US" sz="2000" dirty="0" smtClean="0"/>
+              <a:t>软件生成：</a:t>
+            </a:r>
+            <a:r>
+              <a:rPr lang="en-US" altLang="zh-CN" sz="2000" dirty="0" err="1" smtClean="0"/>
+              <a:t>MidiEditor</a:t>
+            </a:r>
+            <a:endParaRPr lang="en-US" dirty="0"/>
+          </a:p>
+        </p:txBody>
+      </p:sp>
+      <p:sp>
+        <p:nvSpPr>
+          <p:cNvPr id="3" name="Content Placeholder 2"/>
+          <p:cNvSpPr>
+            <a:spLocks noGrp="1"/>
+          </p:cNvSpPr>
+          <p:nvPr>
+            <p:ph idx="1"/>
+          </p:nvPr>
+        </p:nvSpPr>
+        <p:spPr>
+          <a:xfrm>
+            <a:off x="838200" y="1690688"/>
+            <a:ext cx="10515600" cy="4724400"/>
+          </a:xfrm>
+        </p:spPr>
+        <p:txBody>
+          <a:bodyPr/>
+          <a:lstStyle/>
+          <a:p>
+            <a:r>
+              <a:rPr lang="en-US" altLang="zh-CN" dirty="0" err="1" smtClean="0"/>
+              <a:t>MidiEditor</a:t>
+            </a:r>
+            <a:r>
+              <a:rPr lang="zh-CN" altLang="en-US" dirty="0" smtClean="0"/>
+              <a:t>演示</a:t>
+            </a:r>
+            <a:endParaRPr lang="en-US" dirty="0"/>
+          </a:p>
+        </p:txBody>
+      </p:sp>
+      <p:pic>
+        <p:nvPicPr>
+          <p:cNvPr id="4" name="Picture 3"/>
+          <p:cNvPicPr>
+            <a:picLocks noChangeAspect="1"/>
+          </p:cNvPicPr>
+          <p:nvPr/>
+        </p:nvPicPr>
+        <p:blipFill>
+          <a:blip r:embed="rId2">
+            <a:extLst>
+              <a:ext uri="{28A0092B-C50C-407E-A947-70E740481C1C}">
+                <a14:useLocalDpi xmlns:a14="http://schemas.microsoft.com/office/drawing/2010/main" val="0"/>
+              </a:ext>
+            </a:extLst>
+          </a:blip>
+          <a:stretch>
+            <a:fillRect/>
+          </a:stretch>
+        </p:blipFill>
+        <p:spPr>
+          <a:xfrm>
+            <a:off x="838200" y="2200274"/>
+            <a:ext cx="9222320" cy="4097527"/>
+          </a:xfrm>
+          <a:prstGeom prst="rect">
+            <a:avLst/>
+          </a:prstGeom>
+        </p:spPr>
+      </p:pic>
+    </p:spTree>
+    <p:extLst>
+      <p:ext uri="{BB962C8B-B14F-4D97-AF65-F5344CB8AC3E}">
+        <p14:creationId xmlns:p14="http://schemas.microsoft.com/office/powerpoint/2010/main" val="1390522777"/>
+      </p:ext>
+    </p:extLst>
+  </p:cSld>
+  <p:clrMapOvr>
+    <a:masterClrMapping/>
+  </p:clrMapOvr>
+</p:sld>
+</file>
+
+<file path=ppt/slides/slide9.xml><?xml version="1.0" encoding="utf-8"?>
+<p:sld xmlns:a="http://schemas.openxmlformats.org/drawingml/2006/main" xmlns:r="http://schemas.openxmlformats.org/officeDocument/2006/relationships" xmlns:p="http://schemas.openxmlformats.org/presentationml/2006/main">
+  <p:cSld>
+    <p:spTree>
+      <p:nvGrpSpPr>
+        <p:cNvPr id="1" name=""/>
+        <p:cNvGrpSpPr/>
+        <p:nvPr/>
+      </p:nvGrpSpPr>
+      <p:grpSpPr>
+        <a:xfrm>
+          <a:off x="0" y="0"/>
+          <a:ext cx="0" cy="0"/>
+          <a:chOff x="0" y="0"/>
+          <a:chExt cx="0" cy="0"/>
+        </a:xfrm>
+      </p:grpSpPr>
+      <p:sp>
+        <p:nvSpPr>
+          <p:cNvPr id="2" name="Title 1"/>
+          <p:cNvSpPr>
+            <a:spLocks noGrp="1"/>
+          </p:cNvSpPr>
+          <p:nvPr>
+            <p:ph type="title"/>
+          </p:nvPr>
+        </p:nvSpPr>
+        <p:spPr/>
+        <p:txBody>
+          <a:bodyPr/>
+          <a:lstStyle/>
+          <a:p>
+            <a:r>
+              <a:rPr lang="en-US" altLang="zh-CN" dirty="0" smtClean="0"/>
+              <a:t>MIDI</a:t>
+            </a:r>
+            <a:r>
+              <a:rPr lang="zh-CN" altLang="en-US" dirty="0" smtClean="0"/>
+              <a:t>文件的生成方式</a:t>
+            </a:r>
+            <a:r>
+              <a:rPr lang="en-US" altLang="zh-CN" dirty="0" smtClean="0"/>
+              <a:t/>
+            </a:r>
+            <a:br>
+              <a:rPr lang="en-US" altLang="zh-CN" dirty="0" smtClean="0"/>
+            </a:br>
+            <a:r>
+              <a:rPr lang="zh-CN" altLang="en-US" sz="2000" dirty="0" smtClean="0"/>
+              <a:t>直接修改</a:t>
+            </a:r>
+            <a:r>
+              <a:rPr lang="en-US" altLang="zh-CN" sz="2000" dirty="0" smtClean="0"/>
+              <a:t>MIDI</a:t>
+            </a:r>
+            <a:r>
+              <a:rPr lang="zh-CN" altLang="en-US" sz="2000" dirty="0" smtClean="0"/>
+              <a:t>文件</a:t>
+            </a:r>
+            <a:endParaRPr lang="en-US" dirty="0"/>
+          </a:p>
+        </p:txBody>
+      </p:sp>
+      <p:sp>
+        <p:nvSpPr>
+          <p:cNvPr id="3" name="Content Placeholder 2"/>
+          <p:cNvSpPr>
+            <a:spLocks noGrp="1"/>
+          </p:cNvSpPr>
+          <p:nvPr>
+            <p:ph idx="1"/>
+          </p:nvPr>
+        </p:nvSpPr>
+        <p:spPr/>
+        <p:txBody>
+          <a:bodyPr/>
+          <a:lstStyle/>
+          <a:p>
+            <a:r>
+              <a:rPr lang="zh-CN" altLang="en-US" dirty="0" smtClean="0"/>
+              <a:t>二进制</a:t>
+            </a:r>
+            <a:r>
+              <a:rPr lang="en-US" altLang="zh-CN" dirty="0" smtClean="0"/>
+              <a:t>MIDI</a:t>
+            </a:r>
+            <a:r>
+              <a:rPr lang="zh-CN" altLang="en-US" dirty="0" smtClean="0"/>
+              <a:t>文件修改演示</a:t>
+            </a:r>
+            <a:endParaRPr lang="en-US" dirty="0"/>
+          </a:p>
+        </p:txBody>
+      </p:sp>
+      <p:pic>
+        <p:nvPicPr>
+          <p:cNvPr id="4" name="Picture 3"/>
+          <p:cNvPicPr>
+            <a:picLocks noChangeAspect="1"/>
+          </p:cNvPicPr>
+          <p:nvPr/>
+        </p:nvPicPr>
+        <p:blipFill>
+          <a:blip r:embed="rId2">
+            <a:extLst>
+              <a:ext uri="{28A0092B-C50C-407E-A947-70E740481C1C}">
+                <a14:useLocalDpi xmlns:a14="http://schemas.microsoft.com/office/drawing/2010/main" val="0"/>
+              </a:ext>
+            </a:extLst>
+          </a:blip>
+          <a:stretch>
+            <a:fillRect/>
+          </a:stretch>
+        </p:blipFill>
+        <p:spPr>
+          <a:xfrm>
+            <a:off x="838200" y="2276205"/>
+            <a:ext cx="9088437" cy="4179473"/>
+          </a:xfrm>
+          <a:prstGeom prst="rect">
+            <a:avLst/>
+          </a:prstGeom>
+        </p:spPr>
+      </p:pic>
+    </p:spTree>
+    <p:extLst>
+      <p:ext uri="{BB962C8B-B14F-4D97-AF65-F5344CB8AC3E}">
+        <p14:creationId xmlns:p14="http://schemas.microsoft.com/office/powerpoint/2010/main" val="1024541950"/>
       </p:ext>
     </p:extLst>
   </p:cSld>
@@ -4123,4 +5842,265 @@
     </a:ext>
   </a:extLst>
 </a:theme>
+</file>
+
+<file path=ppt/theme/theme2.xml><?xml version="1.0" encoding="utf-8"?>
+<a:theme xmlns:a="http://schemas.openxmlformats.org/drawingml/2006/main" name="Office Theme">
+  <a:themeElements>
+    <a:clrScheme name="Office">
+      <a:dk1>
+        <a:sysClr val="windowText" lastClr="000000"/>
+      </a:dk1>
+      <a:lt1>
+        <a:sysClr val="window" lastClr="FFFFFF"/>
+      </a:lt1>
+      <a:dk2>
+        <a:srgbClr val="44546A"/>
+      </a:dk2>
+      <a:lt2>
+        <a:srgbClr val="E7E6E6"/>
+      </a:lt2>
+      <a:accent1>
+        <a:srgbClr val="4472C4"/>
+      </a:accent1>
+      <a:accent2>
+        <a:srgbClr val="ED7D31"/>
+      </a:accent2>
+      <a:accent3>
+        <a:srgbClr val="A5A5A5"/>
+      </a:accent3>
+      <a:accent4>
+        <a:srgbClr val="FFC000"/>
+      </a:accent4>
+      <a:accent5>
+        <a:srgbClr val="5B9BD5"/>
+      </a:accent5>
+      <a:accent6>
+        <a:srgbClr val="70AD47"/>
+      </a:accent6>
+      <a:hlink>
+        <a:srgbClr val="0563C1"/>
+      </a:hlink>
+      <a:folHlink>
+        <a:srgbClr val="954F72"/>
+      </a:folHlink>
+    </a:clrScheme>
+    <a:fontScheme name="Office">
+      <a:majorFont>
+        <a:latin typeface="Calibri Light" panose="020F0302020204030204"/>
+        <a:ea typeface=""/>
+        <a:cs typeface=""/>
+        <a:font script="Jpan" typeface="Yu Gothic Light"/>
+        <a:font script="Hang" typeface="맑은 고딕"/>
+        <a:font script="Hans" typeface="DengXian Light"/>
+        <a:font script="Hant" typeface="新細明體"/>
+        <a:font script="Arab" typeface="Times New Roman"/>
+        <a:font script="Hebr" typeface="Times New Roman"/>
+        <a:font script="Thai" typeface="Angsana New"/>
+        <a:font script="Ethi" typeface="Nyala"/>
+        <a:font script="Beng" typeface="Vrinda"/>
+        <a:font script="Gujr" typeface="Shruti"/>
+        <a:font script="Khmr" typeface="MoolBoran"/>
+        <a:font script="Knda" typeface="Tunga"/>
+        <a:font script="Guru" typeface="Raavi"/>
+        <a:font script="Cans" typeface="Euphemia"/>
+        <a:font script="Cher" typeface="Plantagenet Cherokee"/>
+        <a:font script="Yiii" typeface="Microsoft Yi Baiti"/>
+        <a:font script="Tibt" typeface="Microsoft Himalaya"/>
+        <a:font script="Thaa" typeface="MV Boli"/>
+        <a:font script="Deva" typeface="Mangal"/>
+        <a:font script="Telu" typeface="Gautami"/>
+        <a:font script="Taml" typeface="Latha"/>
+        <a:font script="Syrc" typeface="Estrangelo Edessa"/>
+        <a:font script="Orya" typeface="Kalinga"/>
+        <a:font script="Mlym" typeface="Kartika"/>
+        <a:font script="Laoo" typeface="DokChampa"/>
+        <a:font script="Sinh" typeface="Iskoola Pota"/>
+        <a:font script="Mong" typeface="Mongolian Baiti"/>
+        <a:font script="Viet" typeface="Times New Roman"/>
+        <a:font script="Uigh" typeface="Microsoft Uighur"/>
+        <a:font script="Geor" typeface="Sylfaen"/>
+      </a:majorFont>
+      <a:minorFont>
+        <a:latin typeface="Calibri" panose="020F0502020204030204"/>
+        <a:ea typeface=""/>
+        <a:cs typeface=""/>
+        <a:font script="Jpan" typeface="Yu Gothic"/>
+        <a:font script="Hang" typeface="맑은 고딕"/>
+        <a:font script="Hans" typeface="DengXian"/>
+        <a:font script="Hant" typeface="新細明體"/>
+        <a:font script="Arab" typeface="Arial"/>
+        <a:font script="Hebr" typeface="Arial"/>
+        <a:font script="Thai" typeface="Cordia New"/>
+        <a:font script="Ethi" typeface="Nyala"/>
+        <a:font script="Beng" typeface="Vrinda"/>
+        <a:font script="Gujr" typeface="Shruti"/>
+        <a:font script="Khmr" typeface="DaunPenh"/>
+        <a:font script="Knda" typeface="Tunga"/>
+        <a:font script="Guru" typeface="Raavi"/>
+        <a:font script="Cans" typeface="Euphemia"/>
+        <a:font script="Cher" typeface="Plantagenet Cherokee"/>
+        <a:font script="Yiii" typeface="Microsoft Yi Baiti"/>
+        <a:font script="Tibt" typeface="Microsoft Himalaya"/>
+        <a:font script="Thaa" typeface="MV Boli"/>
+        <a:font script="Deva" typeface="Mangal"/>
+        <a:font script="Telu" typeface="Gautami"/>
+        <a:font script="Taml" typeface="Latha"/>
+        <a:font script="Syrc" typeface="Estrangelo Edessa"/>
+        <a:font script="Orya" typeface="Kalinga"/>
+        <a:font script="Mlym" typeface="Kartika"/>
+        <a:font script="Laoo" typeface="DokChampa"/>
+        <a:font script="Sinh" typeface="Iskoola Pota"/>
+        <a:font script="Mong" typeface="Mongolian Baiti"/>
+        <a:font script="Viet" typeface="Arial"/>
+        <a:font script="Uigh" typeface="Microsoft Uighur"/>
+        <a:font script="Geor" typeface="Sylfaen"/>
+      </a:minorFont>
+    </a:fontScheme>
+    <a:fmtScheme name="Office">
+      <a:fillStyleLst>
+        <a:solidFill>
+          <a:schemeClr val="phClr"/>
+        </a:solidFill>
+        <a:gradFill rotWithShape="1">
+          <a:gsLst>
+            <a:gs pos="0">
+              <a:schemeClr val="phClr">
+                <a:lumMod val="110000"/>
+                <a:satMod val="105000"/>
+                <a:tint val="67000"/>
+              </a:schemeClr>
+            </a:gs>
+            <a:gs pos="50000">
+              <a:schemeClr val="phClr">
+                <a:lumMod val="105000"/>
+                <a:satMod val="103000"/>
+                <a:tint val="73000"/>
+              </a:schemeClr>
+            </a:gs>
+            <a:gs pos="100000">
+              <a:schemeClr val="phClr">
+                <a:lumMod val="105000"/>
+                <a:satMod val="109000"/>
+                <a:tint val="81000"/>
+              </a:schemeClr>
+            </a:gs>
+          </a:gsLst>
+          <a:lin ang="5400000" scaled="0"/>
+        </a:gradFill>
+        <a:gradFill rotWithShape="1">
+          <a:gsLst>
+            <a:gs pos="0">
+              <a:schemeClr val="phClr">
+                <a:satMod val="103000"/>
+                <a:lumMod val="102000"/>
+                <a:tint val="94000"/>
+              </a:schemeClr>
+            </a:gs>
+            <a:gs pos="50000">
+              <a:schemeClr val="phClr">
+                <a:satMod val="110000"/>
+                <a:lumMod val="100000"/>
+                <a:shade val="100000"/>
+              </a:schemeClr>
+            </a:gs>
+            <a:gs pos="100000">
+              <a:schemeClr val="phClr">
+                <a:lumMod val="99000"/>
+                <a:satMod val="120000"/>
+                <a:shade val="78000"/>
+              </a:schemeClr>
+            </a:gs>
+          </a:gsLst>
+          <a:lin ang="5400000" scaled="0"/>
+        </a:gradFill>
+      </a:fillStyleLst>
+      <a:lnStyleLst>
+        <a:ln w="6350" cap="flat" cmpd="sng" algn="ctr">
+          <a:solidFill>
+            <a:schemeClr val="phClr"/>
+          </a:solidFill>
+          <a:prstDash val="solid"/>
+          <a:miter lim="800000"/>
+        </a:ln>
+        <a:ln w="12700" cap="flat" cmpd="sng" algn="ctr">
+          <a:solidFill>
+            <a:schemeClr val="phClr"/>
+          </a:solidFill>
+          <a:prstDash val="solid"/>
+          <a:miter lim="800000"/>
+        </a:ln>
+        <a:ln w="19050" cap="flat" cmpd="sng" algn="ctr">
+          <a:solidFill>
+            <a:schemeClr val="phClr"/>
+          </a:solidFill>
+          <a:prstDash val="solid"/>
+          <a:miter lim="800000"/>
+        </a:ln>
+      </a:lnStyleLst>
+      <a:effectStyleLst>
+        <a:effectStyle>
+          <a:effectLst/>
+        </a:effectStyle>
+        <a:effectStyle>
+          <a:effectLst/>
+        </a:effectStyle>
+        <a:effectStyle>
+          <a:effectLst>
+            <a:outerShdw blurRad="57150" dist="19050" dir="5400000" algn="ctr" rotWithShape="0">
+              <a:srgbClr val="000000">
+                <a:alpha val="63000"/>
+              </a:srgbClr>
+            </a:outerShdw>
+          </a:effectLst>
+        </a:effectStyle>
+      </a:effectStyleLst>
+      <a:bgFillStyleLst>
+        <a:solidFill>
+          <a:schemeClr val="phClr"/>
+        </a:solidFill>
+        <a:solidFill>
+          <a:schemeClr val="phClr">
+            <a:tint val="95000"/>
+            <a:satMod val="170000"/>
+          </a:schemeClr>
+        </a:solidFill>
+        <a:gradFill rotWithShape="1">
+          <a:gsLst>
+            <a:gs pos="0">
+              <a:schemeClr val="phClr">
+                <a:tint val="93000"/>
+                <a:satMod val="150000"/>
+                <a:shade val="98000"/>
+                <a:lumMod val="102000"/>
+              </a:schemeClr>
+            </a:gs>
+            <a:gs pos="50000">
+              <a:schemeClr val="phClr">
+                <a:tint val="98000"/>
+                <a:satMod val="130000"/>
+                <a:shade val="90000"/>
+                <a:lumMod val="103000"/>
+              </a:schemeClr>
+            </a:gs>
+            <a:gs pos="100000">
+              <a:schemeClr val="phClr">
+                <a:shade val="63000"/>
+                <a:satMod val="120000"/>
+              </a:schemeClr>
+            </a:gs>
+          </a:gsLst>
+          <a:lin ang="5400000" scaled="0"/>
+        </a:gradFill>
+      </a:bgFillStyleLst>
+    </a:fmtScheme>
+  </a:themeElements>
+  <a:objectDefaults/>
+  <a:extraClrSchemeLst/>
+  <a:extLst>
+    <a:ext uri="{05A4C25C-085E-4340-85A3-A5531E510DB2}">
+      <thm15:themeFamily xmlns:thm15="http://schemas.microsoft.com/office/thememl/2012/main" name="Office Theme" id="{62F939B6-93AF-4DB8-9C6B-D6C7DFDC589F}" vid="{4A3C46E8-61CC-4603-A589-7422A47A8E4A}"/>
+    </a:ext>
+  </a:extLst>
+</a:theme>
 </file>
--- a/midi/docs/ppt/midi_introduction.pptx
+++ b/midi/docs/ppt/midi_introduction.pptx
@@ -117,6 +117,11 @@
       </a:defRPr>
     </a:lvl9pPr>
   </p:defaultTextStyle>
+  <p:extLst>
+    <p:ext uri="{EFAFB233-063F-42B5-8137-9DF3F51BA10A}">
+      <p15:sldGuideLst xmlns:p15="http://schemas.microsoft.com/office/powerpoint/2012/main"/>
+    </p:ext>
+  </p:extLst>
 </p:presentation>
 </file>
 
@@ -202,7 +207,7 @@
           <a:p>
             <a:fld id="{D7784A50-9160-B84C-B0CB-8955694334D3}" type="datetimeFigureOut">
               <a:rPr lang="en-US" smtClean="0"/>
-              <a:t>10/6/18</a:t>
+              <a:t>10/7/2018</a:t>
             </a:fld>
             <a:endParaRPr lang="en-US"/>
           </a:p>
@@ -266,38 +271,37 @@
           <a:p>
             <a:pPr lvl="0"/>
             <a:r>
-              <a:rPr lang="en-US" smtClean="0"/>
+              <a:rPr lang="en-US"/>
               <a:t>Click to edit Master text styles</a:t>
             </a:r>
           </a:p>
           <a:p>
             <a:pPr lvl="1"/>
             <a:r>
-              <a:rPr lang="en-US" smtClean="0"/>
+              <a:rPr lang="en-US"/>
               <a:t>Second level</a:t>
             </a:r>
           </a:p>
           <a:p>
             <a:pPr lvl="2"/>
             <a:r>
-              <a:rPr lang="en-US" smtClean="0"/>
+              <a:rPr lang="en-US"/>
               <a:t>Third level</a:t>
             </a:r>
           </a:p>
           <a:p>
             <a:pPr lvl="3"/>
             <a:r>
-              <a:rPr lang="en-US" smtClean="0"/>
+              <a:rPr lang="en-US"/>
               <a:t>Fourth level</a:t>
             </a:r>
           </a:p>
           <a:p>
             <a:pPr lvl="4"/>
             <a:r>
-              <a:rPr lang="en-US" smtClean="0"/>
+              <a:rPr lang="en-US"/>
               <a:t>Fifth level</a:t>
             </a:r>
-            <a:endParaRPr lang="en-US"/>
           </a:p>
         </p:txBody>
       </p:sp>
@@ -512,10 +516,9 @@
           </a:lstStyle>
           <a:p>
             <a:r>
-              <a:rPr lang="en-US" smtClean="0"/>
+              <a:rPr lang="en-US"/>
               <a:t>Click to edit Master title style</a:t>
             </a:r>
-            <a:endParaRPr lang="en-US"/>
           </a:p>
         </p:txBody>
       </p:sp>
@@ -577,10 +580,9 @@
           </a:lstStyle>
           <a:p>
             <a:r>
-              <a:rPr lang="en-US" smtClean="0"/>
+              <a:rPr lang="en-US"/>
               <a:t>Click to edit Master subtitle style</a:t>
             </a:r>
-            <a:endParaRPr lang="en-US"/>
           </a:p>
         </p:txBody>
       </p:sp>
@@ -601,7 +603,7 @@
           <a:p>
             <a:fld id="{1C8920E0-4DA1-524E-AA5F-72FF81381A76}" type="datetimeFigureOut">
               <a:rPr lang="en-US" smtClean="0"/>
-              <a:t>10/1/18</a:t>
+              <a:t>10/7/2018</a:t>
             </a:fld>
             <a:endParaRPr lang="en-US"/>
           </a:p>
@@ -695,10 +697,9 @@
           <a:lstStyle/>
           <a:p>
             <a:r>
-              <a:rPr lang="en-US" smtClean="0"/>
+              <a:rPr lang="en-US"/>
               <a:t>Click to edit Master title style</a:t>
             </a:r>
-            <a:endParaRPr lang="en-US"/>
           </a:p>
         </p:txBody>
       </p:sp>
@@ -719,38 +720,37 @@
           <a:p>
             <a:pPr lvl="0"/>
             <a:r>
-              <a:rPr lang="en-US" smtClean="0"/>
+              <a:rPr lang="en-US"/>
               <a:t>Click to edit Master text styles</a:t>
             </a:r>
           </a:p>
           <a:p>
             <a:pPr lvl="1"/>
             <a:r>
-              <a:rPr lang="en-US" smtClean="0"/>
+              <a:rPr lang="en-US"/>
               <a:t>Second level</a:t>
             </a:r>
           </a:p>
           <a:p>
             <a:pPr lvl="2"/>
             <a:r>
-              <a:rPr lang="en-US" smtClean="0"/>
+              <a:rPr lang="en-US"/>
               <a:t>Third level</a:t>
             </a:r>
           </a:p>
           <a:p>
             <a:pPr lvl="3"/>
             <a:r>
-              <a:rPr lang="en-US" smtClean="0"/>
+              <a:rPr lang="en-US"/>
               <a:t>Fourth level</a:t>
             </a:r>
           </a:p>
           <a:p>
             <a:pPr lvl="4"/>
             <a:r>
-              <a:rPr lang="en-US" smtClean="0"/>
+              <a:rPr lang="en-US"/>
               <a:t>Fifth level</a:t>
             </a:r>
-            <a:endParaRPr lang="en-US"/>
           </a:p>
         </p:txBody>
       </p:sp>
@@ -771,7 +771,7 @@
           <a:p>
             <a:fld id="{1C8920E0-4DA1-524E-AA5F-72FF81381A76}" type="datetimeFigureOut">
               <a:rPr lang="en-US" smtClean="0"/>
-              <a:t>10/1/18</a:t>
+              <a:t>10/7/2018</a:t>
             </a:fld>
             <a:endParaRPr lang="en-US"/>
           </a:p>
@@ -870,10 +870,9 @@
           <a:lstStyle/>
           <a:p>
             <a:r>
-              <a:rPr lang="en-US" smtClean="0"/>
+              <a:rPr lang="en-US"/>
               <a:t>Click to edit Master title style</a:t>
             </a:r>
-            <a:endParaRPr lang="en-US"/>
           </a:p>
         </p:txBody>
       </p:sp>
@@ -899,38 +898,37 @@
           <a:p>
             <a:pPr lvl="0"/>
             <a:r>
-              <a:rPr lang="en-US" smtClean="0"/>
+              <a:rPr lang="en-US"/>
               <a:t>Click to edit Master text styles</a:t>
             </a:r>
           </a:p>
           <a:p>
             <a:pPr lvl="1"/>
             <a:r>
-              <a:rPr lang="en-US" smtClean="0"/>
+              <a:rPr lang="en-US"/>
               <a:t>Second level</a:t>
             </a:r>
           </a:p>
           <a:p>
             <a:pPr lvl="2"/>
             <a:r>
-              <a:rPr lang="en-US" smtClean="0"/>
+              <a:rPr lang="en-US"/>
               <a:t>Third level</a:t>
             </a:r>
           </a:p>
           <a:p>
             <a:pPr lvl="3"/>
             <a:r>
-              <a:rPr lang="en-US" smtClean="0"/>
+              <a:rPr lang="en-US"/>
               <a:t>Fourth level</a:t>
             </a:r>
           </a:p>
           <a:p>
             <a:pPr lvl="4"/>
             <a:r>
-              <a:rPr lang="en-US" smtClean="0"/>
+              <a:rPr lang="en-US"/>
               <a:t>Fifth level</a:t>
             </a:r>
-            <a:endParaRPr lang="en-US"/>
           </a:p>
         </p:txBody>
       </p:sp>
@@ -951,7 +949,7 @@
           <a:p>
             <a:fld id="{1C8920E0-4DA1-524E-AA5F-72FF81381A76}" type="datetimeFigureOut">
               <a:rPr lang="en-US" smtClean="0"/>
-              <a:t>10/1/18</a:t>
+              <a:t>10/7/2018</a:t>
             </a:fld>
             <a:endParaRPr lang="en-US"/>
           </a:p>
@@ -1045,10 +1043,9 @@
           <a:lstStyle/>
           <a:p>
             <a:r>
-              <a:rPr lang="en-US" smtClean="0"/>
+              <a:rPr lang="en-US"/>
               <a:t>Click to edit Master title style</a:t>
             </a:r>
-            <a:endParaRPr lang="en-US"/>
           </a:p>
         </p:txBody>
       </p:sp>
@@ -1069,38 +1066,37 @@
           <a:p>
             <a:pPr lvl="0"/>
             <a:r>
-              <a:rPr lang="en-US" smtClean="0"/>
+              <a:rPr lang="en-US"/>
               <a:t>Click to edit Master text styles</a:t>
             </a:r>
           </a:p>
           <a:p>
             <a:pPr lvl="1"/>
             <a:r>
-              <a:rPr lang="en-US" smtClean="0"/>
+              <a:rPr lang="en-US"/>
               <a:t>Second level</a:t>
             </a:r>
           </a:p>
           <a:p>
             <a:pPr lvl="2"/>
             <a:r>
-              <a:rPr lang="en-US" smtClean="0"/>
+              <a:rPr lang="en-US"/>
               <a:t>Third level</a:t>
             </a:r>
           </a:p>
           <a:p>
             <a:pPr lvl="3"/>
             <a:r>
-              <a:rPr lang="en-US" smtClean="0"/>
+              <a:rPr lang="en-US"/>
               <a:t>Fourth level</a:t>
             </a:r>
           </a:p>
           <a:p>
             <a:pPr lvl="4"/>
             <a:r>
-              <a:rPr lang="en-US" smtClean="0"/>
+              <a:rPr lang="en-US"/>
               <a:t>Fifth level</a:t>
             </a:r>
-            <a:endParaRPr lang="en-US"/>
           </a:p>
         </p:txBody>
       </p:sp>
@@ -1121,7 +1117,7 @@
           <a:p>
             <a:fld id="{1C8920E0-4DA1-524E-AA5F-72FF81381A76}" type="datetimeFigureOut">
               <a:rPr lang="en-US" smtClean="0"/>
-              <a:t>10/1/18</a:t>
+              <a:t>10/7/2018</a:t>
             </a:fld>
             <a:endParaRPr lang="en-US"/>
           </a:p>
@@ -1224,10 +1220,9 @@
           </a:lstStyle>
           <a:p>
             <a:r>
-              <a:rPr lang="en-US" smtClean="0"/>
+              <a:rPr lang="en-US"/>
               <a:t>Click to edit Master title style</a:t>
             </a:r>
-            <a:endParaRPr lang="en-US"/>
           </a:p>
         </p:txBody>
       </p:sp>
@@ -1344,7 +1339,7 @@
           <a:p>
             <a:pPr lvl="0"/>
             <a:r>
-              <a:rPr lang="en-US" smtClean="0"/>
+              <a:rPr lang="en-US"/>
               <a:t>Click to edit Master text styles</a:t>
             </a:r>
           </a:p>
@@ -1367,7 +1362,7 @@
           <a:p>
             <a:fld id="{1C8920E0-4DA1-524E-AA5F-72FF81381A76}" type="datetimeFigureOut">
               <a:rPr lang="en-US" smtClean="0"/>
-              <a:t>10/1/18</a:t>
+              <a:t>10/7/2018</a:t>
             </a:fld>
             <a:endParaRPr lang="en-US"/>
           </a:p>
@@ -1461,10 +1456,9 @@
           <a:lstStyle/>
           <a:p>
             <a:r>
-              <a:rPr lang="en-US" smtClean="0"/>
+              <a:rPr lang="en-US"/>
               <a:t>Click to edit Master title style</a:t>
             </a:r>
-            <a:endParaRPr lang="en-US"/>
           </a:p>
         </p:txBody>
       </p:sp>
@@ -1490,38 +1484,37 @@
           <a:p>
             <a:pPr lvl="0"/>
             <a:r>
-              <a:rPr lang="en-US" smtClean="0"/>
+              <a:rPr lang="en-US"/>
               <a:t>Click to edit Master text styles</a:t>
             </a:r>
           </a:p>
           <a:p>
             <a:pPr lvl="1"/>
             <a:r>
-              <a:rPr lang="en-US" smtClean="0"/>
+              <a:rPr lang="en-US"/>
               <a:t>Second level</a:t>
             </a:r>
           </a:p>
           <a:p>
             <a:pPr lvl="2"/>
             <a:r>
-              <a:rPr lang="en-US" smtClean="0"/>
+              <a:rPr lang="en-US"/>
               <a:t>Third level</a:t>
             </a:r>
           </a:p>
           <a:p>
             <a:pPr lvl="3"/>
             <a:r>
-              <a:rPr lang="en-US" smtClean="0"/>
+              <a:rPr lang="en-US"/>
               <a:t>Fourth level</a:t>
             </a:r>
           </a:p>
           <a:p>
             <a:pPr lvl="4"/>
             <a:r>
-              <a:rPr lang="en-US" smtClean="0"/>
+              <a:rPr lang="en-US"/>
               <a:t>Fifth level</a:t>
             </a:r>
-            <a:endParaRPr lang="en-US"/>
           </a:p>
         </p:txBody>
       </p:sp>
@@ -1547,38 +1540,37 @@
           <a:p>
             <a:pPr lvl="0"/>
             <a:r>
-              <a:rPr lang="en-US" smtClean="0"/>
+              <a:rPr lang="en-US"/>
               <a:t>Click to edit Master text styles</a:t>
             </a:r>
           </a:p>
           <a:p>
             <a:pPr lvl="1"/>
             <a:r>
-              <a:rPr lang="en-US" smtClean="0"/>
+              <a:rPr lang="en-US"/>
               <a:t>Second level</a:t>
             </a:r>
           </a:p>
           <a:p>
             <a:pPr lvl="2"/>
             <a:r>
-              <a:rPr lang="en-US" smtClean="0"/>
+              <a:rPr lang="en-US"/>
               <a:t>Third level</a:t>
             </a:r>
           </a:p>
           <a:p>
             <a:pPr lvl="3"/>
             <a:r>
-              <a:rPr lang="en-US" smtClean="0"/>
+              <a:rPr lang="en-US"/>
               <a:t>Fourth level</a:t>
             </a:r>
           </a:p>
           <a:p>
             <a:pPr lvl="4"/>
             <a:r>
-              <a:rPr lang="en-US" smtClean="0"/>
+              <a:rPr lang="en-US"/>
               <a:t>Fifth level</a:t>
             </a:r>
-            <a:endParaRPr lang="en-US"/>
           </a:p>
         </p:txBody>
       </p:sp>
@@ -1599,7 +1591,7 @@
           <a:p>
             <a:fld id="{1C8920E0-4DA1-524E-AA5F-72FF81381A76}" type="datetimeFigureOut">
               <a:rPr lang="en-US" smtClean="0"/>
-              <a:t>10/1/18</a:t>
+              <a:t>10/7/2018</a:t>
             </a:fld>
             <a:endParaRPr lang="en-US"/>
           </a:p>
@@ -1698,10 +1690,9 @@
           <a:lstStyle/>
           <a:p>
             <a:r>
-              <a:rPr lang="en-US" smtClean="0"/>
+              <a:rPr lang="en-US"/>
               <a:t>Click to edit Master title style</a:t>
             </a:r>
-            <a:endParaRPr lang="en-US"/>
           </a:p>
         </p:txBody>
       </p:sp>
@@ -1764,7 +1755,7 @@
           <a:p>
             <a:pPr lvl="0"/>
             <a:r>
-              <a:rPr lang="en-US" smtClean="0"/>
+              <a:rPr lang="en-US"/>
               <a:t>Click to edit Master text styles</a:t>
             </a:r>
           </a:p>
@@ -1792,38 +1783,37 @@
           <a:p>
             <a:pPr lvl="0"/>
             <a:r>
-              <a:rPr lang="en-US" smtClean="0"/>
+              <a:rPr lang="en-US"/>
               <a:t>Click to edit Master text styles</a:t>
             </a:r>
           </a:p>
           <a:p>
             <a:pPr lvl="1"/>
             <a:r>
-              <a:rPr lang="en-US" smtClean="0"/>
+              <a:rPr lang="en-US"/>
               <a:t>Second level</a:t>
             </a:r>
           </a:p>
           <a:p>
             <a:pPr lvl="2"/>
             <a:r>
-              <a:rPr lang="en-US" smtClean="0"/>
+              <a:rPr lang="en-US"/>
               <a:t>Third level</a:t>
             </a:r>
           </a:p>
           <a:p>
             <a:pPr lvl="3"/>
             <a:r>
-              <a:rPr lang="en-US" smtClean="0"/>
+              <a:rPr lang="en-US"/>
               <a:t>Fourth level</a:t>
             </a:r>
           </a:p>
           <a:p>
             <a:pPr lvl="4"/>
             <a:r>
-              <a:rPr lang="en-US" smtClean="0"/>
+              <a:rPr lang="en-US"/>
               <a:t>Fifth level</a:t>
             </a:r>
-            <a:endParaRPr lang="en-US"/>
           </a:p>
         </p:txBody>
       </p:sp>
@@ -1886,7 +1876,7 @@
           <a:p>
             <a:pPr lvl="0"/>
             <a:r>
-              <a:rPr lang="en-US" smtClean="0"/>
+              <a:rPr lang="en-US"/>
               <a:t>Click to edit Master text styles</a:t>
             </a:r>
           </a:p>
@@ -1914,38 +1904,37 @@
           <a:p>
             <a:pPr lvl="0"/>
             <a:r>
-              <a:rPr lang="en-US" smtClean="0"/>
+              <a:rPr lang="en-US"/>
               <a:t>Click to edit Master text styles</a:t>
             </a:r>
           </a:p>
           <a:p>
             <a:pPr lvl="1"/>
             <a:r>
-              <a:rPr lang="en-US" smtClean="0"/>
+              <a:rPr lang="en-US"/>
               <a:t>Second level</a:t>
             </a:r>
           </a:p>
           <a:p>
             <a:pPr lvl="2"/>
             <a:r>
-              <a:rPr lang="en-US" smtClean="0"/>
+              <a:rPr lang="en-US"/>
               <a:t>Third level</a:t>
             </a:r>
           </a:p>
           <a:p>
             <a:pPr lvl="3"/>
             <a:r>
-              <a:rPr lang="en-US" smtClean="0"/>
+              <a:rPr lang="en-US"/>
               <a:t>Fourth level</a:t>
             </a:r>
           </a:p>
           <a:p>
             <a:pPr lvl="4"/>
             <a:r>
-              <a:rPr lang="en-US" smtClean="0"/>
+              <a:rPr lang="en-US"/>
               <a:t>Fifth level</a:t>
             </a:r>
-            <a:endParaRPr lang="en-US"/>
           </a:p>
         </p:txBody>
       </p:sp>
@@ -1966,7 +1955,7 @@
           <a:p>
             <a:fld id="{1C8920E0-4DA1-524E-AA5F-72FF81381A76}" type="datetimeFigureOut">
               <a:rPr lang="en-US" smtClean="0"/>
-              <a:t>10/1/18</a:t>
+              <a:t>10/7/2018</a:t>
             </a:fld>
             <a:endParaRPr lang="en-US"/>
           </a:p>
@@ -2060,10 +2049,9 @@
           <a:lstStyle/>
           <a:p>
             <a:r>
-              <a:rPr lang="en-US" smtClean="0"/>
+              <a:rPr lang="en-US"/>
               <a:t>Click to edit Master title style</a:t>
             </a:r>
-            <a:endParaRPr lang="en-US"/>
           </a:p>
         </p:txBody>
       </p:sp>
@@ -2084,7 +2072,7 @@
           <a:p>
             <a:fld id="{1C8920E0-4DA1-524E-AA5F-72FF81381A76}" type="datetimeFigureOut">
               <a:rPr lang="en-US" smtClean="0"/>
-              <a:t>10/1/18</a:t>
+              <a:t>10/7/2018</a:t>
             </a:fld>
             <a:endParaRPr lang="en-US"/>
           </a:p>
@@ -2179,7 +2167,7 @@
           <a:p>
             <a:fld id="{1C8920E0-4DA1-524E-AA5F-72FF81381A76}" type="datetimeFigureOut">
               <a:rPr lang="en-US" smtClean="0"/>
-              <a:t>10/1/18</a:t>
+              <a:t>10/7/2018</a:t>
             </a:fld>
             <a:endParaRPr lang="en-US"/>
           </a:p>
@@ -2282,10 +2270,9 @@
           </a:lstStyle>
           <a:p>
             <a:r>
-              <a:rPr lang="en-US" smtClean="0"/>
+              <a:rPr lang="en-US"/>
               <a:t>Click to edit Master title style</a:t>
             </a:r>
-            <a:endParaRPr lang="en-US"/>
           </a:p>
         </p:txBody>
       </p:sp>
@@ -2339,38 +2326,37 @@
           <a:p>
             <a:pPr lvl="0"/>
             <a:r>
-              <a:rPr lang="en-US" smtClean="0"/>
+              <a:rPr lang="en-US"/>
               <a:t>Click to edit Master text styles</a:t>
             </a:r>
           </a:p>
           <a:p>
             <a:pPr lvl="1"/>
             <a:r>
-              <a:rPr lang="en-US" smtClean="0"/>
+              <a:rPr lang="en-US"/>
               <a:t>Second level</a:t>
             </a:r>
           </a:p>
           <a:p>
             <a:pPr lvl="2"/>
             <a:r>
-              <a:rPr lang="en-US" smtClean="0"/>
+              <a:rPr lang="en-US"/>
               <a:t>Third level</a:t>
             </a:r>
           </a:p>
           <a:p>
             <a:pPr lvl="3"/>
             <a:r>
-              <a:rPr lang="en-US" smtClean="0"/>
+              <a:rPr lang="en-US"/>
               <a:t>Fourth level</a:t>
             </a:r>
           </a:p>
           <a:p>
             <a:pPr lvl="4"/>
             <a:r>
-              <a:rPr lang="en-US" smtClean="0"/>
+              <a:rPr lang="en-US"/>
               <a:t>Fifth level</a:t>
             </a:r>
-            <a:endParaRPr lang="en-US"/>
           </a:p>
         </p:txBody>
       </p:sp>
@@ -2433,7 +2419,7 @@
           <a:p>
             <a:pPr lvl="0"/>
             <a:r>
-              <a:rPr lang="en-US" smtClean="0"/>
+              <a:rPr lang="en-US"/>
               <a:t>Click to edit Master text styles</a:t>
             </a:r>
           </a:p>
@@ -2456,7 +2442,7 @@
           <a:p>
             <a:fld id="{1C8920E0-4DA1-524E-AA5F-72FF81381A76}" type="datetimeFigureOut">
               <a:rPr lang="en-US" smtClean="0"/>
-              <a:t>10/1/18</a:t>
+              <a:t>10/7/2018</a:t>
             </a:fld>
             <a:endParaRPr lang="en-US"/>
           </a:p>
@@ -2559,10 +2545,9 @@
           </a:lstStyle>
           <a:p>
             <a:r>
-              <a:rPr lang="en-US" smtClean="0"/>
+              <a:rPr lang="en-US"/>
               <a:t>Click to edit Master title style</a:t>
             </a:r>
-            <a:endParaRPr lang="en-US"/>
           </a:p>
         </p:txBody>
       </p:sp>
@@ -2686,7 +2671,7 @@
           <a:p>
             <a:pPr lvl="0"/>
             <a:r>
-              <a:rPr lang="en-US" smtClean="0"/>
+              <a:rPr lang="en-US"/>
               <a:t>Click to edit Master text styles</a:t>
             </a:r>
           </a:p>
@@ -2709,7 +2694,7 @@
           <a:p>
             <a:fld id="{1C8920E0-4DA1-524E-AA5F-72FF81381A76}" type="datetimeFigureOut">
               <a:rPr lang="en-US" smtClean="0"/>
-              <a:t>10/1/18</a:t>
+              <a:t>10/7/2018</a:t>
             </a:fld>
             <a:endParaRPr lang="en-US"/>
           </a:p>
@@ -2818,10 +2803,9 @@
           <a:lstStyle/>
           <a:p>
             <a:r>
-              <a:rPr lang="en-US" smtClean="0"/>
+              <a:rPr lang="en-US"/>
               <a:t>Click to edit Master title style</a:t>
             </a:r>
-            <a:endParaRPr lang="en-US"/>
           </a:p>
         </p:txBody>
       </p:sp>
@@ -2852,38 +2836,37 @@
           <a:p>
             <a:pPr lvl="0"/>
             <a:r>
-              <a:rPr lang="en-US" smtClean="0"/>
+              <a:rPr lang="en-US"/>
               <a:t>Click to edit Master text styles</a:t>
             </a:r>
           </a:p>
           <a:p>
             <a:pPr lvl="1"/>
             <a:r>
-              <a:rPr lang="en-US" smtClean="0"/>
+              <a:rPr lang="en-US"/>
               <a:t>Second level</a:t>
             </a:r>
           </a:p>
           <a:p>
             <a:pPr lvl="2"/>
             <a:r>
-              <a:rPr lang="en-US" smtClean="0"/>
+              <a:rPr lang="en-US"/>
               <a:t>Third level</a:t>
             </a:r>
           </a:p>
           <a:p>
             <a:pPr lvl="3"/>
             <a:r>
-              <a:rPr lang="en-US" smtClean="0"/>
+              <a:rPr lang="en-US"/>
               <a:t>Fourth level</a:t>
             </a:r>
           </a:p>
           <a:p>
             <a:pPr lvl="4"/>
             <a:r>
-              <a:rPr lang="en-US" smtClean="0"/>
+              <a:rPr lang="en-US"/>
               <a:t>Fifth level</a:t>
             </a:r>
-            <a:endParaRPr lang="en-US"/>
           </a:p>
         </p:txBody>
       </p:sp>
@@ -2922,7 +2905,7 @@
           <a:p>
             <a:fld id="{1C8920E0-4DA1-524E-AA5F-72FF81381A76}" type="datetimeFigureOut">
               <a:rPr lang="en-US" smtClean="0"/>
-              <a:t>10/1/18</a:t>
+              <a:t>10/7/2018</a:t>
             </a:fld>
             <a:endParaRPr lang="en-US"/>
           </a:p>
@@ -3345,11 +3328,11 @@
           <a:lstStyle/>
           <a:p>
             <a:r>
-              <a:rPr lang="en-US" sz="8000" dirty="0" smtClean="0"/>
+              <a:rPr lang="en-US" sz="8000" dirty="0"/>
               <a:t>MIDI</a:t>
             </a:r>
             <a:r>
-              <a:rPr lang="zh-CN" altLang="en-US" sz="8000" dirty="0" smtClean="0"/>
+              <a:rPr lang="zh-CN" altLang="en-US" sz="8000" dirty="0"/>
               <a:t>音乐介绍</a:t>
             </a:r>
             <a:endParaRPr lang="en-US" sz="8000" dirty="0"/>
@@ -3381,19 +3364,19 @@
               <a:t> </a:t>
             </a:r>
             <a:r>
-              <a:rPr lang="en-US" altLang="zh-CN" dirty="0" smtClean="0"/>
+              <a:rPr lang="en-US" altLang="zh-CN" dirty="0"/>
               <a:t>for: </a:t>
             </a:r>
             <a:r>
-              <a:rPr lang="zh-CN" altLang="en-US" dirty="0" smtClean="0"/>
+              <a:rPr lang="zh-CN" altLang="en-US" dirty="0"/>
               <a:t>三 （</a:t>
             </a:r>
             <a:r>
-              <a:rPr lang="en-US" altLang="zh-CN" dirty="0" smtClean="0"/>
+              <a:rPr lang="en-US" altLang="zh-CN" dirty="0"/>
               <a:t>5</a:t>
             </a:r>
             <a:r>
-              <a:rPr lang="zh-CN" altLang="en-US" dirty="0" smtClean="0"/>
+              <a:rPr lang="zh-CN" altLang="en-US" dirty="0"/>
               <a:t>）班家长课堂</a:t>
             </a:r>
             <a:endParaRPr lang="en-US" dirty="0"/>
@@ -3410,13 +3393,6 @@
   <p:clrMapOvr>
     <a:masterClrMapping/>
   </p:clrMapOvr>
-  <p:timing>
-    <p:tnLst>
-      <p:par>
-        <p:cTn id="1" dur="indefinite" restart="never" nodeType="tmRoot"/>
-      </p:par>
-    </p:tnLst>
-  </p:timing>
 </p:sld>
 </file>
 
@@ -3461,30 +3437,26 @@
               </a:spcBef>
             </a:pPr>
             <a:r>
-              <a:rPr lang="en-US" altLang="zh-CN" sz="4000" dirty="0" smtClean="0"/>
+              <a:rPr lang="en-US" altLang="zh-CN" sz="4000" dirty="0"/>
               <a:t>MIDI</a:t>
             </a:r>
             <a:r>
-              <a:rPr lang="zh-CN" altLang="en-US" sz="4000" dirty="0" smtClean="0"/>
+              <a:rPr lang="zh-CN" altLang="en-US" sz="4000" dirty="0"/>
               <a:t>音乐对我们的意义</a:t>
             </a:r>
-            <a:r>
-              <a:rPr lang="en-US" altLang="zh-CN" dirty="0" smtClean="0"/>
-              <a:t/>
-            </a:r>
             <a:br>
-              <a:rPr lang="en-US" altLang="zh-CN" dirty="0" smtClean="0"/>
+              <a:rPr lang="en-US" altLang="zh-CN" dirty="0"/>
             </a:br>
             <a:r>
-              <a:rPr lang="zh-CN" altLang="en-US" sz="2000" dirty="0" smtClean="0"/>
+              <a:rPr lang="zh-CN" altLang="en-US" sz="2000" dirty="0"/>
               <a:t>计算机数字化和</a:t>
             </a:r>
             <a:r>
-              <a:rPr lang="en-US" altLang="zh-CN" sz="2000" dirty="0" smtClean="0"/>
+              <a:rPr lang="en-US" altLang="zh-CN" sz="2000" dirty="0"/>
               <a:t>MIDI</a:t>
             </a:r>
             <a:r>
-              <a:rPr lang="zh-CN" altLang="en-US" sz="2000" dirty="0" smtClean="0"/>
+              <a:rPr lang="zh-CN" altLang="en-US" sz="2000" dirty="0"/>
               <a:t>音乐</a:t>
             </a:r>
             <a:endParaRPr lang="en-US" sz="2000" dirty="0"/>
@@ -3512,77 +3484,77 @@
           <a:lstStyle/>
           <a:p>
             <a:r>
-              <a:rPr lang="zh-CN" altLang="en-US" dirty="0" smtClean="0"/>
+              <a:rPr lang="zh-CN" altLang="en-US" dirty="0"/>
               <a:t>计算机数字化</a:t>
             </a:r>
-            <a:endParaRPr lang="en-US" altLang="zh-CN" dirty="0" smtClean="0"/>
+            <a:endParaRPr lang="en-US" altLang="zh-CN" dirty="0"/>
           </a:p>
           <a:p>
             <a:pPr lvl="1"/>
             <a:r>
-              <a:rPr lang="zh-CN" altLang="en-US" dirty="0" smtClean="0"/>
+              <a:rPr lang="zh-CN" altLang="en-US" dirty="0"/>
               <a:t>充分利用计算机信息技术；</a:t>
             </a:r>
-            <a:endParaRPr lang="en-US" altLang="zh-CN" dirty="0" smtClean="0"/>
+            <a:endParaRPr lang="en-US" altLang="zh-CN" dirty="0"/>
           </a:p>
           <a:p>
             <a:pPr lvl="1"/>
             <a:r>
-              <a:rPr lang="en-US" altLang="zh-CN" dirty="0" smtClean="0"/>
+              <a:rPr lang="en-US" altLang="zh-CN" dirty="0"/>
               <a:t>MIDI</a:t>
             </a:r>
             <a:r>
-              <a:rPr lang="zh-CN" altLang="en-US" dirty="0" smtClean="0"/>
+              <a:rPr lang="zh-CN" altLang="en-US" dirty="0"/>
               <a:t>文件记录所有的音乐信息；简化创作和传播；</a:t>
             </a:r>
-            <a:endParaRPr lang="en-US" altLang="zh-CN" dirty="0" smtClean="0"/>
+            <a:endParaRPr lang="en-US" altLang="zh-CN" dirty="0"/>
           </a:p>
           <a:p>
             <a:pPr lvl="1"/>
             <a:r>
-              <a:rPr lang="en-US" altLang="zh-CN" dirty="0" smtClean="0"/>
+              <a:rPr lang="en-US" altLang="zh-CN" dirty="0"/>
               <a:t>MIDI</a:t>
             </a:r>
             <a:r>
-              <a:rPr lang="zh-CN" altLang="en-US" dirty="0" smtClean="0"/>
+              <a:rPr lang="zh-CN" altLang="en-US" dirty="0"/>
               <a:t>规范确保所有符合</a:t>
             </a:r>
             <a:r>
-              <a:rPr lang="en-US" altLang="zh-CN" dirty="0" smtClean="0"/>
+              <a:rPr lang="en-US" altLang="zh-CN" dirty="0"/>
               <a:t>MIDI</a:t>
             </a:r>
             <a:r>
-              <a:rPr lang="zh-CN" altLang="en-US" dirty="0" smtClean="0"/>
+              <a:rPr lang="zh-CN" altLang="en-US" dirty="0"/>
               <a:t>规范的</a:t>
             </a:r>
             <a:r>
-              <a:rPr lang="en-US" altLang="zh-CN" dirty="0" smtClean="0"/>
+              <a:rPr lang="en-US" altLang="zh-CN" dirty="0"/>
               <a:t>MIDI</a:t>
             </a:r>
             <a:r>
-              <a:rPr lang="zh-CN" altLang="en-US" dirty="0" smtClean="0"/>
+              <a:rPr lang="zh-CN" altLang="en-US" dirty="0"/>
               <a:t>设备可以一起工作；</a:t>
             </a:r>
-            <a:endParaRPr lang="en-US" altLang="zh-CN" dirty="0" smtClean="0"/>
-          </a:p>
-          <a:p>
-            <a:r>
-              <a:rPr lang="zh-CN" altLang="en-US" dirty="0" smtClean="0"/>
+            <a:endParaRPr lang="en-US" altLang="zh-CN" dirty="0"/>
+          </a:p>
+          <a:p>
+            <a:r>
+              <a:rPr lang="zh-CN" altLang="en-US" dirty="0"/>
               <a:t>数字化易于规范化</a:t>
             </a:r>
-            <a:endParaRPr lang="en-US" altLang="zh-CN" dirty="0" smtClean="0"/>
-          </a:p>
-          <a:p>
-            <a:r>
-              <a:rPr lang="zh-CN" altLang="en-US" dirty="0" smtClean="0"/>
+            <a:endParaRPr lang="en-US" altLang="zh-CN" dirty="0"/>
+          </a:p>
+          <a:p>
+            <a:r>
+              <a:rPr lang="zh-CN" altLang="en-US" dirty="0"/>
               <a:t>数字化</a:t>
             </a:r>
             <a:r>
-              <a:rPr lang="en-US" altLang="zh-CN" dirty="0" smtClean="0"/>
+              <a:rPr lang="en-US" altLang="zh-CN" dirty="0"/>
               <a:t>MIDI</a:t>
             </a:r>
             <a:r>
-              <a:rPr lang="zh-CN" altLang="en-US" dirty="0" smtClean="0"/>
+              <a:rPr lang="zh-CN" altLang="en-US" dirty="0"/>
               <a:t>降低了音乐制作的难度</a:t>
             </a:r>
             <a:endParaRPr lang="en-US" dirty="0"/>
@@ -3599,13 +3571,6 @@
   <p:clrMapOvr>
     <a:masterClrMapping/>
   </p:clrMapOvr>
-  <p:timing>
-    <p:tnLst>
-      <p:par>
-        <p:cTn id="1" dur="indefinite" restart="never" nodeType="tmRoot"/>
-      </p:par>
-    </p:tnLst>
-  </p:timing>
 </p:sld>
 </file>
 
@@ -3642,7 +3607,7 @@
           <a:lstStyle/>
           <a:p>
             <a:r>
-              <a:rPr lang="zh-CN" altLang="en-US" dirty="0" smtClean="0"/>
+              <a:rPr lang="zh-CN" altLang="en-US" dirty="0"/>
               <a:t>你的职业理想？</a:t>
             </a:r>
             <a:endParaRPr lang="en-US" dirty="0"/>
@@ -3670,24 +3635,24 @@
           <a:lstStyle/>
           <a:p>
             <a:r>
-              <a:rPr lang="zh-CN" altLang="en-US" dirty="0" smtClean="0"/>
+              <a:rPr lang="zh-CN" altLang="en-US" dirty="0"/>
               <a:t>程序员？</a:t>
             </a:r>
-            <a:endParaRPr lang="en-US" altLang="zh-CN" dirty="0" smtClean="0"/>
-          </a:p>
-          <a:p>
-            <a:r>
-              <a:rPr lang="zh-CN" altLang="en-US" dirty="0" smtClean="0"/>
+            <a:endParaRPr lang="en-US" altLang="zh-CN" dirty="0"/>
+          </a:p>
+          <a:p>
+            <a:r>
+              <a:rPr lang="zh-CN" altLang="en-US" dirty="0"/>
               <a:t>音乐家？</a:t>
             </a:r>
-            <a:endParaRPr lang="en-US" altLang="zh-CN" dirty="0" smtClean="0"/>
-          </a:p>
-          <a:p>
-            <a:r>
-              <a:rPr lang="zh-CN" altLang="en-US" dirty="0" smtClean="0"/>
+            <a:endParaRPr lang="en-US" altLang="zh-CN" dirty="0"/>
+          </a:p>
+          <a:p>
+            <a:r>
+              <a:rPr lang="zh-CN" altLang="en-US" dirty="0"/>
               <a:t>多媒体内容提供商？</a:t>
             </a:r>
-            <a:endParaRPr lang="en-US" altLang="zh-CN" dirty="0" smtClean="0"/>
+            <a:endParaRPr lang="en-US" altLang="zh-CN" dirty="0"/>
           </a:p>
           <a:p>
             <a:endParaRPr lang="en-US" dirty="0"/>
@@ -3884,11 +3849,11 @@
               <a:buNone/>
             </a:pPr>
             <a:r>
-              <a:rPr lang="en-US" altLang="zh-CN" sz="6600" dirty="0" smtClean="0"/>
+              <a:rPr lang="en-US" altLang="zh-CN" sz="6600" dirty="0"/>
               <a:t>MIDI</a:t>
             </a:r>
             <a:r>
-              <a:rPr lang="zh-CN" altLang="en-US" sz="6600" dirty="0" smtClean="0"/>
+              <a:rPr lang="zh-CN" altLang="en-US" sz="6600" dirty="0"/>
               <a:t>技术可以帮助你！</a:t>
             </a:r>
             <a:endParaRPr lang="en-US" sz="6600" dirty="0"/>
@@ -3946,7 +3911,7 @@
           <a:lstStyle/>
           <a:p>
             <a:r>
-              <a:rPr lang="zh-CN" altLang="en-US" dirty="0" smtClean="0"/>
+              <a:rPr lang="zh-CN" altLang="en-US" dirty="0"/>
               <a:t>内容介绍</a:t>
             </a:r>
             <a:endParaRPr lang="en-US" dirty="0"/>
@@ -3976,146 +3941,146 @@
           <a:lstStyle/>
           <a:p>
             <a:r>
-              <a:rPr lang="zh-CN" altLang="en-US" dirty="0" smtClean="0"/>
+              <a:rPr lang="zh-CN" altLang="en-US" dirty="0"/>
               <a:t>什么是</a:t>
             </a:r>
             <a:r>
-              <a:rPr lang="en-US" altLang="zh-CN" dirty="0" smtClean="0"/>
+              <a:rPr lang="en-US" altLang="zh-CN" dirty="0"/>
               <a:t>MIDI</a:t>
             </a:r>
             <a:r>
-              <a:rPr lang="zh-CN" altLang="en-US" dirty="0" smtClean="0"/>
+              <a:rPr lang="zh-CN" altLang="en-US" dirty="0"/>
               <a:t>音乐</a:t>
             </a:r>
-            <a:endParaRPr lang="en-US" altLang="zh-CN" dirty="0" smtClean="0"/>
+            <a:endParaRPr lang="en-US" altLang="zh-CN" dirty="0"/>
           </a:p>
           <a:p>
             <a:pPr lvl="1"/>
             <a:r>
-              <a:rPr lang="en-US" altLang="zh-CN" dirty="0" smtClean="0"/>
+              <a:rPr lang="en-US" altLang="zh-CN" dirty="0"/>
               <a:t>MIDI</a:t>
             </a:r>
             <a:r>
-              <a:rPr lang="zh-CN" altLang="en-US" dirty="0" smtClean="0"/>
+              <a:rPr lang="zh-CN" altLang="en-US" dirty="0"/>
               <a:t>制造商协会（</a:t>
             </a:r>
             <a:r>
-              <a:rPr lang="en-US" altLang="zh-CN" dirty="0" smtClean="0"/>
+              <a:rPr lang="en-US" altLang="zh-CN" dirty="0"/>
               <a:t>MMA</a:t>
             </a:r>
             <a:r>
-              <a:rPr lang="zh-CN" altLang="en-US" dirty="0" smtClean="0"/>
+              <a:rPr lang="zh-CN" altLang="en-US" dirty="0"/>
               <a:t>）和规范；</a:t>
             </a:r>
-            <a:endParaRPr lang="en-US" altLang="zh-CN" dirty="0" smtClean="0"/>
+            <a:endParaRPr lang="en-US" altLang="zh-CN" dirty="0"/>
           </a:p>
           <a:p>
             <a:pPr lvl="1"/>
             <a:r>
-              <a:rPr lang="en-US" altLang="zh-CN" dirty="0" smtClean="0"/>
+              <a:rPr lang="en-US" altLang="zh-CN" dirty="0"/>
               <a:t>MIDI</a:t>
             </a:r>
             <a:r>
-              <a:rPr lang="zh-CN" altLang="en-US" dirty="0" smtClean="0"/>
+              <a:rPr lang="zh-CN" altLang="en-US" dirty="0"/>
               <a:t>音乐设备；</a:t>
             </a:r>
-            <a:endParaRPr lang="en-US" altLang="zh-CN" dirty="0" smtClean="0"/>
-          </a:p>
-          <a:p>
-            <a:r>
-              <a:rPr lang="zh-CN" altLang="en-US" dirty="0" smtClean="0"/>
+            <a:endParaRPr lang="en-US" altLang="zh-CN" dirty="0"/>
+          </a:p>
+          <a:p>
+            <a:r>
+              <a:rPr lang="zh-CN" altLang="en-US" dirty="0"/>
               <a:t>计算机＋程序员＋音乐家创作音乐；</a:t>
             </a:r>
-            <a:endParaRPr lang="en-US" altLang="zh-CN" dirty="0" smtClean="0"/>
-          </a:p>
-          <a:p>
-            <a:r>
-              <a:rPr lang="en-US" altLang="zh-CN" dirty="0" smtClean="0"/>
+            <a:endParaRPr lang="en-US" altLang="zh-CN" dirty="0"/>
+          </a:p>
+          <a:p>
+            <a:r>
+              <a:rPr lang="en-US" altLang="zh-CN" dirty="0"/>
               <a:t>MIDI</a:t>
             </a:r>
             <a:r>
-              <a:rPr lang="zh-CN" altLang="en-US" dirty="0" smtClean="0"/>
+              <a:rPr lang="zh-CN" altLang="en-US" dirty="0"/>
               <a:t>软件介绍</a:t>
             </a:r>
-            <a:endParaRPr lang="en-US" altLang="zh-CN" dirty="0" smtClean="0"/>
-          </a:p>
-          <a:p>
-            <a:r>
-              <a:rPr lang="en-US" altLang="zh-CN" dirty="0" smtClean="0"/>
+            <a:endParaRPr lang="en-US" altLang="zh-CN" dirty="0"/>
+          </a:p>
+          <a:p>
+            <a:r>
+              <a:rPr lang="en-US" altLang="zh-CN" dirty="0"/>
               <a:t>MIDI</a:t>
             </a:r>
             <a:r>
-              <a:rPr lang="zh-CN" altLang="en-US" dirty="0" smtClean="0"/>
+              <a:rPr lang="zh-CN" altLang="en-US" dirty="0"/>
               <a:t>文件的生成方式</a:t>
             </a:r>
-            <a:endParaRPr lang="en-US" altLang="zh-CN" dirty="0" smtClean="0"/>
+            <a:endParaRPr lang="en-US" altLang="zh-CN" dirty="0"/>
           </a:p>
           <a:p>
             <a:pPr lvl="1"/>
             <a:r>
-              <a:rPr lang="zh-CN" altLang="en-US" dirty="0" smtClean="0"/>
+              <a:rPr lang="zh-CN" altLang="en-US" dirty="0"/>
               <a:t>计算机程序生成</a:t>
             </a:r>
             <a:r>
-              <a:rPr lang="en-US" altLang="zh-CN" dirty="0" smtClean="0"/>
+              <a:rPr lang="en-US" altLang="zh-CN" dirty="0"/>
               <a:t>MIDI</a:t>
             </a:r>
             <a:r>
-              <a:rPr lang="zh-CN" altLang="en-US" dirty="0" smtClean="0"/>
+              <a:rPr lang="zh-CN" altLang="en-US" dirty="0"/>
               <a:t>文件；</a:t>
             </a:r>
-            <a:endParaRPr lang="en-US" altLang="zh-CN" dirty="0" smtClean="0"/>
+            <a:endParaRPr lang="en-US" altLang="zh-CN" dirty="0"/>
           </a:p>
           <a:p>
             <a:pPr lvl="1"/>
             <a:r>
-              <a:rPr lang="en-US" altLang="zh-CN" dirty="0" err="1" smtClean="0"/>
+              <a:rPr lang="en-US" altLang="zh-CN" dirty="0" err="1"/>
               <a:t>MidiEditor</a:t>
             </a:r>
             <a:r>
-              <a:rPr lang="zh-CN" altLang="en-US" dirty="0" smtClean="0"/>
+              <a:rPr lang="zh-CN" altLang="en-US" dirty="0"/>
               <a:t>编辑生成</a:t>
             </a:r>
             <a:r>
-              <a:rPr lang="en-US" altLang="zh-CN" dirty="0" smtClean="0"/>
+              <a:rPr lang="en-US" altLang="zh-CN" dirty="0"/>
               <a:t>MIDI</a:t>
             </a:r>
             <a:r>
-              <a:rPr lang="zh-CN" altLang="en-US" dirty="0" smtClean="0"/>
+              <a:rPr lang="zh-CN" altLang="en-US" dirty="0"/>
               <a:t>文件；</a:t>
             </a:r>
-            <a:endParaRPr lang="en-US" altLang="zh-CN" dirty="0" smtClean="0"/>
+            <a:endParaRPr lang="en-US" altLang="zh-CN" dirty="0"/>
           </a:p>
           <a:p>
             <a:pPr lvl="1"/>
             <a:r>
-              <a:rPr lang="zh-CN" altLang="en-US" dirty="0" smtClean="0"/>
+              <a:rPr lang="zh-CN" altLang="en-US" dirty="0"/>
               <a:t>直接修改</a:t>
             </a:r>
             <a:r>
-              <a:rPr lang="en-US" altLang="zh-CN" dirty="0" smtClean="0"/>
+              <a:rPr lang="en-US" altLang="zh-CN" dirty="0"/>
               <a:t>MIDI</a:t>
             </a:r>
             <a:r>
-              <a:rPr lang="zh-CN" altLang="en-US" dirty="0" smtClean="0"/>
+              <a:rPr lang="zh-CN" altLang="en-US" dirty="0"/>
               <a:t>文件；</a:t>
             </a:r>
-            <a:endParaRPr lang="en-US" altLang="zh-CN" dirty="0" smtClean="0"/>
-          </a:p>
-          <a:p>
-            <a:r>
-              <a:rPr lang="zh-CN" altLang="en-US" dirty="0" smtClean="0"/>
+            <a:endParaRPr lang="en-US" altLang="zh-CN" dirty="0"/>
+          </a:p>
+          <a:p>
+            <a:r>
+              <a:rPr lang="zh-CN" altLang="en-US" dirty="0"/>
               <a:t>计算机数字化和</a:t>
             </a:r>
             <a:r>
-              <a:rPr lang="en-US" altLang="zh-CN" dirty="0" smtClean="0"/>
+              <a:rPr lang="en-US" altLang="zh-CN" dirty="0"/>
               <a:t>MIDI</a:t>
             </a:r>
             <a:r>
-              <a:rPr lang="zh-CN" altLang="en-US" dirty="0" smtClean="0"/>
+              <a:rPr lang="zh-CN" altLang="en-US" dirty="0"/>
               <a:t>音乐对我们的意义</a:t>
             </a:r>
-            <a:endParaRPr lang="en-US" altLang="zh-CN" dirty="0" smtClean="0"/>
+            <a:endParaRPr lang="en-US" altLang="zh-CN" dirty="0"/>
           </a:p>
           <a:p>
             <a:pPr lvl="1"/>
@@ -4133,13 +4098,6 @@
   <p:clrMapOvr>
     <a:masterClrMapping/>
   </p:clrMapOvr>
-  <p:timing>
-    <p:tnLst>
-      <p:par>
-        <p:cTn id="1" dur="indefinite" restart="never" nodeType="tmRoot"/>
-      </p:par>
-    </p:tnLst>
-  </p:timing>
 </p:sld>
 </file>
 
@@ -4176,38 +4134,34 @@
           <a:lstStyle/>
           <a:p>
             <a:r>
-              <a:rPr lang="zh-CN" altLang="en-US" dirty="0" smtClean="0"/>
+              <a:rPr lang="zh-CN" altLang="en-US" dirty="0"/>
               <a:t>什么是</a:t>
             </a:r>
             <a:r>
-              <a:rPr lang="en-US" altLang="zh-CN" dirty="0" smtClean="0"/>
+              <a:rPr lang="en-US" altLang="zh-CN" dirty="0"/>
               <a:t>MIDI</a:t>
             </a:r>
             <a:r>
-              <a:rPr lang="zh-CN" altLang="en-US" dirty="0" smtClean="0"/>
+              <a:rPr lang="zh-CN" altLang="en-US" dirty="0"/>
               <a:t>音乐</a:t>
             </a:r>
-            <a:r>
-              <a:rPr lang="en-US" altLang="zh-CN" dirty="0" smtClean="0"/>
-              <a:t/>
-            </a:r>
             <a:br>
-              <a:rPr lang="en-US" altLang="zh-CN" dirty="0" smtClean="0"/>
+              <a:rPr lang="en-US" altLang="zh-CN" dirty="0"/>
             </a:br>
             <a:r>
-              <a:rPr lang="en-US" altLang="zh-CN" sz="2400" dirty="0" smtClean="0"/>
+              <a:rPr lang="en-US" altLang="zh-CN" sz="2400" dirty="0"/>
               <a:t>MIDI</a:t>
             </a:r>
             <a:r>
-              <a:rPr lang="zh-CN" altLang="en-US" sz="2400" dirty="0" smtClean="0"/>
+              <a:rPr lang="zh-CN" altLang="en-US" sz="2400" dirty="0"/>
               <a:t>制造商协会（</a:t>
             </a:r>
             <a:r>
-              <a:rPr lang="en-US" altLang="zh-CN" sz="2400" dirty="0" smtClean="0"/>
+              <a:rPr lang="en-US" altLang="zh-CN" sz="2400" dirty="0"/>
               <a:t>MMA</a:t>
             </a:r>
             <a:r>
-              <a:rPr lang="zh-CN" altLang="en-US" sz="2400" dirty="0" smtClean="0"/>
+              <a:rPr lang="zh-CN" altLang="en-US" sz="2400" dirty="0"/>
               <a:t>）和规范</a:t>
             </a:r>
             <a:endParaRPr lang="en-US" sz="2400" dirty="0"/>
@@ -4237,254 +4191,253 @@
           <a:lstStyle/>
           <a:p>
             <a:r>
-              <a:rPr lang="en-US" altLang="zh-CN" dirty="0" smtClean="0"/>
+              <a:rPr lang="en-US" altLang="zh-CN" dirty="0"/>
               <a:t>MIDI</a:t>
             </a:r>
             <a:r>
-              <a:rPr lang="zh-CN" altLang="en-US" dirty="0" smtClean="0"/>
+              <a:rPr lang="zh-CN" altLang="en-US" dirty="0"/>
               <a:t>制造商协会（</a:t>
             </a:r>
             <a:r>
-              <a:rPr lang="en-US" altLang="zh-CN" dirty="0" smtClean="0"/>
+              <a:rPr lang="en-US" altLang="zh-CN" dirty="0"/>
               <a:t>MMA</a:t>
             </a:r>
             <a:r>
-              <a:rPr lang="zh-CN" altLang="en-US" dirty="0" smtClean="0"/>
+              <a:rPr lang="zh-CN" altLang="en-US" dirty="0"/>
               <a:t>）</a:t>
             </a:r>
-            <a:endParaRPr lang="en-US" altLang="zh-CN" dirty="0" smtClean="0"/>
+            <a:endParaRPr lang="en-US" altLang="zh-CN" dirty="0"/>
           </a:p>
           <a:p>
             <a:pPr lvl="1"/>
             <a:r>
-              <a:rPr lang="en-US" altLang="zh-CN" dirty="0" smtClean="0"/>
+              <a:rPr lang="en-US" altLang="zh-CN" dirty="0"/>
               <a:t>MIDI = Musical Instrument Digital Interface, </a:t>
             </a:r>
             <a:r>
-              <a:rPr lang="zh-CN" altLang="en-US" dirty="0" smtClean="0"/>
+              <a:rPr lang="zh-CN" altLang="en-US" dirty="0"/>
               <a:t>乐器数字接口；</a:t>
             </a:r>
             <a:r>
-              <a:rPr lang="en-US" altLang="zh-CN" dirty="0" smtClean="0"/>
+              <a:rPr lang="en-US" altLang="zh-CN" dirty="0"/>
               <a:t>MIDI</a:t>
             </a:r>
             <a:r>
-              <a:rPr lang="zh-CN" altLang="en-US" dirty="0" smtClean="0"/>
+              <a:rPr lang="zh-CN" altLang="en-US" dirty="0"/>
               <a:t>是编曲界最广泛的音乐标准格式，可称为“计算机能理解的乐谱”；</a:t>
             </a:r>
-            <a:endParaRPr lang="en-US" altLang="zh-CN" dirty="0" smtClean="0"/>
+            <a:endParaRPr lang="en-US" altLang="zh-CN" dirty="0"/>
           </a:p>
           <a:p>
             <a:pPr lvl="2"/>
             <a:r>
-              <a:rPr lang="en-US" altLang="zh-CN" dirty="0" smtClean="0"/>
+              <a:rPr lang="en-US" altLang="zh-CN" dirty="0"/>
               <a:t>MIDI is a technical standard that describes a communications protocol, digital interface, and electrical connectors and allows a wide variety of electrical musical instruments, computers and other related music and audio devices to connect and communicate with on another. </a:t>
             </a:r>
           </a:p>
           <a:p>
             <a:pPr lvl="1"/>
             <a:r>
-              <a:rPr lang="en-US" altLang="zh-CN" dirty="0" smtClean="0"/>
+              <a:rPr lang="en-US" altLang="zh-CN" dirty="0"/>
               <a:t>MMA</a:t>
             </a:r>
             <a:r>
-              <a:rPr lang="zh-CN" altLang="en-US" dirty="0" smtClean="0"/>
+              <a:rPr lang="zh-CN" altLang="en-US" dirty="0"/>
               <a:t>协会发展，推广和保护</a:t>
             </a:r>
             <a:r>
-              <a:rPr lang="en-US" altLang="zh-CN" dirty="0" smtClean="0"/>
+              <a:rPr lang="en-US" altLang="zh-CN" dirty="0"/>
               <a:t>MIDI</a:t>
             </a:r>
             <a:r>
-              <a:rPr lang="zh-CN" altLang="en-US" dirty="0" smtClean="0"/>
+              <a:rPr lang="zh-CN" altLang="en-US" dirty="0"/>
               <a:t>技术；定义</a:t>
             </a:r>
             <a:r>
-              <a:rPr lang="en-US" altLang="zh-CN" dirty="0" smtClean="0"/>
+              <a:rPr lang="en-US" altLang="zh-CN" dirty="0"/>
               <a:t>MIDI</a:t>
             </a:r>
             <a:r>
-              <a:rPr lang="zh-CN" altLang="en-US" dirty="0" smtClean="0"/>
+              <a:rPr lang="zh-CN" altLang="en-US" dirty="0"/>
               <a:t>规范；</a:t>
             </a:r>
-            <a:endParaRPr lang="en-US" altLang="zh-CN" dirty="0" smtClean="0"/>
+            <a:endParaRPr lang="en-US" altLang="zh-CN" dirty="0"/>
           </a:p>
           <a:p>
             <a:pPr lvl="2"/>
             <a:r>
-              <a:rPr lang="en-US" altLang="zh-CN" dirty="0" smtClean="0"/>
+              <a:rPr lang="en-US" altLang="zh-CN" dirty="0"/>
               <a:t>MIDI</a:t>
             </a:r>
             <a:r>
-              <a:rPr lang="zh-CN" altLang="en-US" dirty="0" smtClean="0"/>
+              <a:rPr lang="zh-CN" altLang="en-US" dirty="0"/>
               <a:t> </a:t>
             </a:r>
             <a:r>
-              <a:rPr lang="en-US" altLang="zh-CN" dirty="0" smtClean="0"/>
+              <a:rPr lang="en-US" altLang="zh-CN" dirty="0"/>
               <a:t>Manufactures Association (MMA): The MMA is responsible for the development, promotion, and protection of MIDI technology.</a:t>
             </a:r>
             <a:r>
-              <a:rPr lang="zh-CN" altLang="en-US" dirty="0" smtClean="0"/>
+              <a:rPr lang="zh-CN" altLang="en-US" dirty="0"/>
               <a:t> </a:t>
             </a:r>
-            <a:endParaRPr lang="en-US" altLang="zh-CN" dirty="0" smtClean="0"/>
-          </a:p>
-          <a:p>
-            <a:r>
-              <a:rPr lang="en-US" altLang="zh-CN" dirty="0" smtClean="0"/>
+            <a:endParaRPr lang="en-US" altLang="zh-CN" dirty="0"/>
+          </a:p>
+          <a:p>
+            <a:r>
+              <a:rPr lang="en-US" altLang="zh-CN" dirty="0"/>
               <a:t> MIDI</a:t>
             </a:r>
             <a:r>
-              <a:rPr lang="zh-CN" altLang="en-US" dirty="0" smtClean="0"/>
+              <a:rPr lang="zh-CN" altLang="en-US" dirty="0"/>
               <a:t>规范</a:t>
             </a:r>
-            <a:endParaRPr lang="en-US" altLang="zh-CN" dirty="0" smtClean="0"/>
+            <a:endParaRPr lang="en-US" altLang="zh-CN" dirty="0"/>
           </a:p>
           <a:p>
             <a:pPr lvl="1"/>
             <a:r>
-              <a:rPr lang="en-US" altLang="zh-CN" dirty="0" smtClean="0"/>
+              <a:rPr lang="en-US" altLang="zh-CN" dirty="0"/>
               <a:t>MIDI</a:t>
             </a:r>
             <a:r>
-              <a:rPr lang="zh-CN" altLang="en-US" dirty="0" smtClean="0"/>
+              <a:rPr lang="zh-CN" altLang="en-US" dirty="0"/>
               <a:t>电子规范和通讯协议；</a:t>
             </a:r>
-            <a:endParaRPr lang="en-US" altLang="zh-CN" dirty="0" smtClean="0"/>
+            <a:endParaRPr lang="en-US" altLang="zh-CN" dirty="0"/>
           </a:p>
           <a:p>
             <a:pPr lvl="2"/>
             <a:r>
-              <a:rPr lang="en-US" altLang="zh-CN" sz="1200" dirty="0" smtClean="0"/>
+              <a:rPr lang="en-US" altLang="zh-CN" sz="1200" dirty="0"/>
               <a:t>MIDI</a:t>
-            </a:r>
-            <a:r>
-              <a:rPr lang="zh-CN" altLang="en-US" sz="1200" dirty="0" smtClean="0"/>
-              <a:t> </a:t>
-            </a:r>
-            <a:r>
-              <a:rPr lang="en-US" altLang="zh-CN" sz="1200" dirty="0" smtClean="0"/>
-              <a:t>1.0</a:t>
             </a:r>
             <a:r>
               <a:rPr lang="zh-CN" altLang="en-US" sz="1200" dirty="0"/>
               <a:t> </a:t>
             </a:r>
             <a:r>
-              <a:rPr lang="en-US" altLang="zh-CN" sz="1200" dirty="0" smtClean="0"/>
+              <a:rPr lang="en-US" altLang="zh-CN" sz="1200" dirty="0"/>
+              <a:t>1.0</a:t>
+            </a:r>
+            <a:r>
+              <a:rPr lang="zh-CN" altLang="en-US" sz="1200" dirty="0"/>
+              <a:t> </a:t>
+            </a:r>
+            <a:r>
+              <a:rPr lang="en-US" altLang="zh-CN" sz="1200" dirty="0"/>
               <a:t>Detailed Specification (Electrical Specification and Protocol) </a:t>
             </a:r>
           </a:p>
           <a:p>
             <a:pPr lvl="1"/>
             <a:r>
-              <a:rPr lang="en-US" altLang="zh-CN" dirty="0" smtClean="0"/>
+              <a:rPr lang="en-US" altLang="zh-CN" dirty="0"/>
               <a:t>General</a:t>
             </a:r>
             <a:r>
-              <a:rPr lang="zh-CN" altLang="en-US" dirty="0" smtClean="0"/>
+              <a:rPr lang="zh-CN" altLang="en-US" dirty="0"/>
               <a:t> </a:t>
             </a:r>
             <a:r>
-              <a:rPr lang="en-US" altLang="zh-CN" dirty="0" smtClean="0"/>
+              <a:rPr lang="en-US" altLang="zh-CN" dirty="0"/>
               <a:t>MIDI</a:t>
             </a:r>
             <a:r>
-              <a:rPr lang="zh-CN" altLang="en-US" dirty="0" smtClean="0"/>
+              <a:rPr lang="zh-CN" altLang="en-US" dirty="0"/>
               <a:t> </a:t>
             </a:r>
             <a:r>
-              <a:rPr lang="en-US" altLang="zh-CN" dirty="0" smtClean="0"/>
+              <a:rPr lang="en-US" altLang="zh-CN" dirty="0"/>
               <a:t>1</a:t>
             </a:r>
             <a:r>
-              <a:rPr lang="zh-CN" altLang="en-US" dirty="0" smtClean="0"/>
+              <a:rPr lang="zh-CN" altLang="en-US" dirty="0"/>
               <a:t>开发向导和标准；</a:t>
             </a:r>
-            <a:endParaRPr lang="en-US" altLang="zh-CN" dirty="0" smtClean="0"/>
+            <a:endParaRPr lang="en-US" altLang="zh-CN" dirty="0"/>
           </a:p>
           <a:p>
             <a:pPr lvl="2"/>
             <a:r>
-              <a:rPr lang="en-US" altLang="zh-CN" sz="1300" dirty="0" smtClean="0"/>
+              <a:rPr lang="en-US" altLang="zh-CN" sz="1300" dirty="0"/>
               <a:t>General MIDI 1 (including GM Developer Guidelines)</a:t>
             </a:r>
           </a:p>
           <a:p>
             <a:pPr lvl="1"/>
             <a:r>
-              <a:rPr lang="zh-CN" altLang="en-US" dirty="0" smtClean="0"/>
+              <a:rPr lang="zh-CN" altLang="en-US" dirty="0"/>
               <a:t>标准</a:t>
             </a:r>
             <a:r>
-              <a:rPr lang="en-US" altLang="zh-CN" dirty="0" smtClean="0"/>
+              <a:rPr lang="en-US" altLang="zh-CN" dirty="0"/>
               <a:t>MIDI</a:t>
             </a:r>
             <a:r>
-              <a:rPr lang="zh-CN" altLang="en-US" dirty="0" smtClean="0"/>
+              <a:rPr lang="zh-CN" altLang="en-US" dirty="0"/>
               <a:t>文件规范；</a:t>
             </a:r>
-            <a:endParaRPr lang="en-US" altLang="zh-CN" dirty="0" smtClean="0"/>
+            <a:endParaRPr lang="en-US" altLang="zh-CN" dirty="0"/>
           </a:p>
           <a:p>
             <a:pPr lvl="2"/>
             <a:r>
-              <a:rPr lang="en-US" altLang="zh-CN" sz="1300" dirty="0" smtClean="0"/>
+              <a:rPr lang="en-US" altLang="zh-CN" sz="1300" dirty="0"/>
               <a:t>Standard</a:t>
             </a:r>
             <a:r>
-              <a:rPr lang="zh-CN" altLang="en-US" sz="1300" dirty="0" smtClean="0"/>
+              <a:rPr lang="zh-CN" altLang="en-US" sz="1300" dirty="0"/>
               <a:t> </a:t>
             </a:r>
             <a:r>
-              <a:rPr lang="en-US" altLang="zh-CN" sz="1300" dirty="0" smtClean="0"/>
+              <a:rPr lang="en-US" altLang="zh-CN" sz="1300" dirty="0"/>
               <a:t>MIDI</a:t>
             </a:r>
             <a:r>
-              <a:rPr lang="zh-CN" altLang="en-US" sz="1300" dirty="0" smtClean="0"/>
+              <a:rPr lang="zh-CN" altLang="en-US" sz="1300" dirty="0"/>
               <a:t> </a:t>
             </a:r>
             <a:r>
-              <a:rPr lang="en-US" altLang="zh-CN" sz="1300" dirty="0" smtClean="0"/>
+              <a:rPr lang="en-US" altLang="zh-CN" sz="1300" dirty="0"/>
               <a:t>Files</a:t>
             </a:r>
-            <a:endParaRPr lang="en-US" altLang="zh-CN" sz="1300" dirty="0" smtClean="0"/>
           </a:p>
           <a:p>
             <a:pPr lvl="1"/>
             <a:r>
-              <a:rPr lang="en-US" altLang="zh-CN" dirty="0" smtClean="0"/>
+              <a:rPr lang="en-US" altLang="zh-CN" dirty="0"/>
               <a:t>MIDI</a:t>
             </a:r>
             <a:r>
-              <a:rPr lang="zh-CN" altLang="en-US" dirty="0" smtClean="0"/>
+              <a:rPr lang="zh-CN" altLang="en-US" dirty="0"/>
               <a:t>机器控制规范；</a:t>
             </a:r>
-            <a:endParaRPr lang="en-US" altLang="zh-CN" dirty="0" smtClean="0"/>
+            <a:endParaRPr lang="en-US" altLang="zh-CN" dirty="0"/>
           </a:p>
           <a:p>
             <a:pPr lvl="2"/>
             <a:r>
-              <a:rPr lang="en-US" altLang="zh-CN" sz="1300" dirty="0" smtClean="0"/>
+              <a:rPr lang="en-US" altLang="zh-CN" sz="1300" dirty="0"/>
               <a:t>MIDI Machine Control</a:t>
             </a:r>
           </a:p>
           <a:p>
             <a:pPr lvl="1"/>
             <a:r>
-              <a:rPr lang="en-US" altLang="zh-CN" dirty="0" smtClean="0"/>
+              <a:rPr lang="en-US" altLang="zh-CN" dirty="0"/>
               <a:t>MIDI</a:t>
             </a:r>
             <a:r>
-              <a:rPr lang="zh-CN" altLang="en-US" dirty="0" smtClean="0"/>
+              <a:rPr lang="zh-CN" altLang="en-US" dirty="0"/>
               <a:t>时间码规范</a:t>
             </a:r>
-            <a:endParaRPr lang="en-US" altLang="zh-CN" dirty="0" smtClean="0"/>
+            <a:endParaRPr lang="en-US" altLang="zh-CN" dirty="0"/>
           </a:p>
           <a:p>
             <a:pPr lvl="2"/>
             <a:r>
-              <a:rPr lang="en-US" altLang="zh-CN" sz="1300" dirty="0" smtClean="0"/>
+              <a:rPr lang="en-US" altLang="zh-CN" sz="1300" dirty="0"/>
               <a:t>MIDI Time Code</a:t>
             </a:r>
           </a:p>
@@ -4504,13 +4457,6 @@
   <p:clrMapOvr>
     <a:masterClrMapping/>
   </p:clrMapOvr>
-  <p:timing>
-    <p:tnLst>
-      <p:par>
-        <p:cTn id="1" dur="indefinite" restart="never" nodeType="tmRoot"/>
-      </p:par>
-    </p:tnLst>
-  </p:timing>
 </p:sld>
 </file>
 
@@ -4547,34 +4493,30 @@
           <a:lstStyle/>
           <a:p>
             <a:r>
-              <a:rPr lang="zh-CN" altLang="en-US" dirty="0" smtClean="0"/>
+              <a:rPr lang="zh-CN" altLang="en-US" dirty="0"/>
               <a:t>什么是</a:t>
             </a:r>
             <a:r>
-              <a:rPr lang="en-US" altLang="zh-CN" dirty="0" smtClean="0"/>
+              <a:rPr lang="en-US" altLang="zh-CN" dirty="0"/>
               <a:t>MIDI</a:t>
             </a:r>
             <a:r>
-              <a:rPr lang="zh-CN" altLang="en-US" dirty="0" smtClean="0"/>
+              <a:rPr lang="zh-CN" altLang="en-US" dirty="0"/>
               <a:t>音乐</a:t>
             </a:r>
-            <a:r>
-              <a:rPr lang="en-US" altLang="zh-CN" dirty="0" smtClean="0"/>
-              <a:t/>
-            </a:r>
             <a:br>
-              <a:rPr lang="en-US" altLang="zh-CN" dirty="0" smtClean="0"/>
+              <a:rPr lang="en-US" altLang="zh-CN" dirty="0"/>
             </a:br>
             <a:r>
-              <a:rPr lang="en-US" altLang="zh-CN" dirty="0" smtClean="0"/>
+              <a:rPr lang="en-US" altLang="zh-CN" dirty="0"/>
               <a:t> </a:t>
             </a:r>
             <a:r>
-              <a:rPr lang="en-US" altLang="zh-CN" sz="2400" dirty="0" smtClean="0"/>
+              <a:rPr lang="en-US" altLang="zh-CN" sz="2400" dirty="0"/>
               <a:t>MIDI</a:t>
             </a:r>
             <a:r>
-              <a:rPr lang="zh-CN" altLang="en-US" sz="2400" dirty="0" smtClean="0"/>
+              <a:rPr lang="zh-CN" altLang="en-US" sz="2400" dirty="0"/>
               <a:t>音乐设备</a:t>
             </a:r>
             <a:endParaRPr lang="en-US" sz="2400" dirty="0"/>
@@ -4710,13 +4652,6 @@
   <p:clrMapOvr>
     <a:masterClrMapping/>
   </p:clrMapOvr>
-  <p:timing>
-    <p:tnLst>
-      <p:par>
-        <p:cTn id="1" dur="indefinite" restart="never" nodeType="tmRoot"/>
-      </p:par>
-    </p:tnLst>
-  </p:timing>
 </p:sld>
 </file>
 
@@ -4760,7 +4695,7 @@
           <a:lstStyle/>
           <a:p>
             <a:r>
-              <a:rPr lang="zh-CN" altLang="en-US" sz="4000" dirty="0" smtClean="0"/>
+              <a:rPr lang="zh-CN" altLang="en-US" sz="4000" dirty="0"/>
               <a:t>计算机＋程序员＋音乐家创作音乐</a:t>
             </a:r>
             <a:endParaRPr lang="en-US" sz="4000" dirty="0"/>
@@ -4790,77 +4725,77 @@
           <a:lstStyle/>
           <a:p>
             <a:r>
-              <a:rPr lang="zh-CN" altLang="en-US" dirty="0" smtClean="0"/>
+              <a:rPr lang="zh-CN" altLang="en-US" dirty="0"/>
               <a:t>计算机＋</a:t>
             </a:r>
             <a:r>
-              <a:rPr lang="en-US" altLang="zh-CN" dirty="0" smtClean="0"/>
+              <a:rPr lang="en-US" altLang="zh-CN" dirty="0"/>
               <a:t>MIDI</a:t>
             </a:r>
             <a:r>
-              <a:rPr lang="zh-CN" altLang="en-US" dirty="0" smtClean="0"/>
+              <a:rPr lang="zh-CN" altLang="en-US" dirty="0"/>
               <a:t>设备：生成</a:t>
             </a:r>
             <a:r>
-              <a:rPr lang="en-US" altLang="zh-CN" dirty="0" smtClean="0"/>
+              <a:rPr lang="en-US" altLang="zh-CN" dirty="0"/>
               <a:t>MIDI</a:t>
             </a:r>
             <a:r>
-              <a:rPr lang="zh-CN" altLang="en-US" dirty="0" smtClean="0"/>
+              <a:rPr lang="zh-CN" altLang="en-US" dirty="0"/>
               <a:t>文件，控制</a:t>
             </a:r>
             <a:r>
-              <a:rPr lang="en-US" altLang="zh-CN" dirty="0" smtClean="0"/>
+              <a:rPr lang="en-US" altLang="zh-CN" dirty="0"/>
               <a:t>MIDI</a:t>
             </a:r>
             <a:r>
-              <a:rPr lang="zh-CN" altLang="en-US" dirty="0" smtClean="0"/>
+              <a:rPr lang="zh-CN" altLang="en-US" dirty="0"/>
               <a:t>文件</a:t>
             </a:r>
-            <a:endParaRPr lang="en-US" altLang="zh-CN" dirty="0" smtClean="0"/>
-          </a:p>
-          <a:p>
-            <a:r>
-              <a:rPr lang="zh-CN" altLang="en-US" dirty="0" smtClean="0"/>
+            <a:endParaRPr lang="en-US" altLang="zh-CN" dirty="0"/>
+          </a:p>
+          <a:p>
+            <a:r>
+              <a:rPr lang="zh-CN" altLang="en-US" dirty="0"/>
               <a:t>程序员：开发</a:t>
             </a:r>
             <a:r>
-              <a:rPr lang="en-US" altLang="zh-CN" dirty="0" smtClean="0"/>
+              <a:rPr lang="en-US" altLang="zh-CN" dirty="0"/>
               <a:t>MIDI</a:t>
             </a:r>
             <a:r>
-              <a:rPr lang="zh-CN" altLang="en-US" dirty="0" smtClean="0"/>
+              <a:rPr lang="zh-CN" altLang="en-US" dirty="0"/>
               <a:t>软件</a:t>
             </a:r>
-            <a:endParaRPr lang="en-US" altLang="zh-CN" dirty="0" smtClean="0"/>
-          </a:p>
-          <a:p>
-            <a:r>
-              <a:rPr lang="zh-CN" altLang="en-US" dirty="0" smtClean="0"/>
+            <a:endParaRPr lang="en-US" altLang="zh-CN" dirty="0"/>
+          </a:p>
+          <a:p>
+            <a:r>
+              <a:rPr lang="zh-CN" altLang="en-US" dirty="0"/>
               <a:t>音乐家：利用</a:t>
             </a:r>
             <a:r>
-              <a:rPr lang="en-US" altLang="zh-CN" dirty="0" smtClean="0"/>
+              <a:rPr lang="en-US" altLang="zh-CN" dirty="0"/>
               <a:t>MIDI</a:t>
             </a:r>
             <a:r>
-              <a:rPr lang="zh-CN" altLang="en-US" dirty="0" smtClean="0"/>
+              <a:rPr lang="zh-CN" altLang="en-US" dirty="0"/>
               <a:t>设备和</a:t>
             </a:r>
             <a:r>
-              <a:rPr lang="en-US" altLang="zh-CN" dirty="0" smtClean="0"/>
+              <a:rPr lang="en-US" altLang="zh-CN" dirty="0"/>
               <a:t>MIDI</a:t>
             </a:r>
             <a:r>
-              <a:rPr lang="zh-CN" altLang="en-US" dirty="0" smtClean="0"/>
+              <a:rPr lang="zh-CN" altLang="en-US" dirty="0"/>
               <a:t>软件生成</a:t>
             </a:r>
             <a:r>
-              <a:rPr lang="en-US" altLang="zh-CN" dirty="0" smtClean="0"/>
+              <a:rPr lang="en-US" altLang="zh-CN" dirty="0"/>
               <a:t>MIDI</a:t>
             </a:r>
             <a:r>
-              <a:rPr lang="zh-CN" altLang="en-US" dirty="0" smtClean="0"/>
+              <a:rPr lang="zh-CN" altLang="en-US" dirty="0"/>
               <a:t>音乐</a:t>
             </a:r>
             <a:endParaRPr lang="en-US" dirty="0"/>
@@ -4937,13 +4872,6 @@
   <p:clrMapOvr>
     <a:masterClrMapping/>
   </p:clrMapOvr>
-  <p:timing>
-    <p:tnLst>
-      <p:par>
-        <p:cTn id="1" dur="indefinite" restart="never" nodeType="tmRoot"/>
-      </p:par>
-    </p:tnLst>
-  </p:timing>
 </p:sld>
 </file>
 
@@ -4987,24 +4915,16 @@
           <a:lstStyle/>
           <a:p>
             <a:r>
-              <a:rPr lang="zh-CN" altLang="en-US" sz="4000" dirty="0" smtClean="0"/>
+              <a:rPr lang="zh-CN" altLang="en-US" sz="4000" dirty="0"/>
               <a:t>典型的</a:t>
             </a:r>
             <a:r>
-              <a:rPr lang="en-US" altLang="zh-CN" sz="4000" dirty="0" smtClean="0"/>
+              <a:rPr lang="en-US" altLang="zh-CN" sz="4000" dirty="0"/>
               <a:t>MIDI</a:t>
             </a:r>
             <a:r>
-              <a:rPr lang="zh-CN" altLang="en-US" sz="4000" dirty="0" smtClean="0"/>
-              <a:t>软件</a:t>
-            </a:r>
-            <a:r>
-              <a:rPr lang="zh-CN" altLang="en-US" sz="4000" dirty="0" smtClean="0"/>
-              <a:t>介绍</a:t>
-            </a:r>
-            <a:r>
-              <a:rPr lang="zh-CN" altLang="en-US" sz="4000" dirty="0" smtClean="0"/>
-              <a:t>：</a:t>
+              <a:rPr lang="zh-CN" altLang="en-US" sz="4000" dirty="0"/>
+              <a:t>软件介绍：</a:t>
             </a:r>
             <a:endParaRPr lang="en-US" sz="2000" dirty="0"/>
           </a:p>
@@ -5031,101 +4951,101 @@
           <a:lstStyle/>
           <a:p>
             <a:r>
-              <a:rPr lang="zh-CN" altLang="en-US" dirty="0" smtClean="0"/>
+              <a:rPr lang="zh-CN" altLang="en-US" dirty="0"/>
               <a:t>目前有很多</a:t>
             </a:r>
             <a:r>
-              <a:rPr lang="en-US" altLang="zh-CN" dirty="0" smtClean="0"/>
+              <a:rPr lang="en-US" altLang="zh-CN" dirty="0"/>
               <a:t>MIDI</a:t>
             </a:r>
             <a:r>
-              <a:rPr lang="zh-CN" altLang="en-US" dirty="0" smtClean="0"/>
+              <a:rPr lang="zh-CN" altLang="en-US" dirty="0"/>
               <a:t>软件</a:t>
             </a:r>
-            <a:endParaRPr lang="en-US" altLang="zh-CN" dirty="0" smtClean="0"/>
+            <a:endParaRPr lang="en-US" altLang="zh-CN" dirty="0"/>
           </a:p>
           <a:p>
             <a:pPr lvl="1"/>
             <a:r>
-              <a:rPr lang="zh-CN" altLang="en-US" dirty="0" smtClean="0"/>
+              <a:rPr lang="zh-CN" altLang="en-US" dirty="0"/>
               <a:t>主要功能类型有：</a:t>
             </a:r>
             <a:r>
-              <a:rPr lang="en-US" altLang="zh-CN" dirty="0" smtClean="0"/>
+              <a:rPr lang="en-US" altLang="zh-CN" dirty="0"/>
               <a:t>MIDI</a:t>
             </a:r>
             <a:r>
-              <a:rPr lang="zh-CN" altLang="en-US" dirty="0" smtClean="0"/>
+              <a:rPr lang="zh-CN" altLang="en-US" dirty="0"/>
               <a:t>音乐制作，</a:t>
             </a:r>
             <a:r>
-              <a:rPr lang="en-US" altLang="zh-CN" dirty="0" smtClean="0"/>
+              <a:rPr lang="en-US" altLang="zh-CN" dirty="0"/>
               <a:t>MIDI</a:t>
             </a:r>
             <a:r>
-              <a:rPr lang="zh-CN" altLang="en-US" dirty="0" smtClean="0"/>
+              <a:rPr lang="zh-CN" altLang="en-US" dirty="0"/>
               <a:t>音乐编辑，</a:t>
             </a:r>
             <a:r>
-              <a:rPr lang="en-US" altLang="zh-CN" dirty="0" smtClean="0"/>
+              <a:rPr lang="en-US" altLang="zh-CN" dirty="0"/>
               <a:t>MIDI</a:t>
             </a:r>
             <a:r>
-              <a:rPr lang="zh-CN" altLang="en-US" dirty="0" smtClean="0"/>
+              <a:rPr lang="zh-CN" altLang="en-US" dirty="0"/>
               <a:t>音乐播放</a:t>
             </a:r>
-            <a:endParaRPr lang="en-US" altLang="zh-CN" dirty="0" smtClean="0"/>
+            <a:endParaRPr lang="en-US" altLang="zh-CN" dirty="0"/>
           </a:p>
           <a:p>
             <a:pPr lvl="1"/>
             <a:r>
-              <a:rPr lang="zh-CN" altLang="en-US" dirty="0" smtClean="0"/>
+              <a:rPr lang="zh-CN" altLang="en-US" dirty="0"/>
               <a:t>某些软件必须和特定类型的</a:t>
             </a:r>
             <a:r>
-              <a:rPr lang="en-US" altLang="zh-CN" dirty="0" smtClean="0"/>
+              <a:rPr lang="en-US" altLang="zh-CN" dirty="0"/>
               <a:t>MIDI</a:t>
             </a:r>
             <a:r>
-              <a:rPr lang="zh-CN" altLang="en-US" dirty="0" smtClean="0"/>
+              <a:rPr lang="zh-CN" altLang="en-US" dirty="0"/>
               <a:t>硬件一起工作，功能强大，价格比较贵</a:t>
             </a:r>
-            <a:endParaRPr lang="en-US" altLang="zh-CN" dirty="0" smtClean="0"/>
+            <a:endParaRPr lang="en-US" altLang="zh-CN" dirty="0"/>
           </a:p>
           <a:p>
             <a:pPr lvl="1"/>
             <a:r>
-              <a:rPr lang="zh-CN" altLang="en-US" dirty="0" smtClean="0"/>
+              <a:rPr lang="zh-CN" altLang="en-US" dirty="0"/>
               <a:t>更多的软件功能简单，价格便宜甚至是免费提供</a:t>
             </a:r>
-            <a:endParaRPr lang="en-US" altLang="zh-CN" dirty="0" smtClean="0"/>
-          </a:p>
-          <a:p>
-            <a:r>
-              <a:rPr lang="en-US" altLang="zh-CN" dirty="0" err="1" smtClean="0"/>
+            <a:endParaRPr lang="en-US" altLang="zh-CN" dirty="0"/>
+          </a:p>
+          <a:p>
+            <a:r>
+              <a:rPr lang="en-US" altLang="zh-CN" dirty="0" err="1"/>
               <a:t>MidiEditor</a:t>
             </a:r>
             <a:r>
-              <a:rPr lang="zh-CN" altLang="en-US" dirty="0" smtClean="0"/>
+              <a:rPr lang="zh-CN" altLang="en-US" dirty="0"/>
               <a:t>介绍</a:t>
             </a:r>
-            <a:endParaRPr lang="en-US" altLang="zh-CN" dirty="0" smtClean="0"/>
+            <a:endParaRPr lang="en-US" altLang="zh-CN" dirty="0"/>
           </a:p>
           <a:p>
             <a:pPr lvl="1"/>
             <a:r>
-              <a:rPr lang="en-US" altLang="zh-CN" dirty="0" err="1" smtClean="0"/>
+              <a:rPr lang="en-US" altLang="zh-CN" dirty="0" err="1"/>
               <a:t>MidiEdior</a:t>
             </a:r>
             <a:r>
-              <a:rPr lang="zh-CN" altLang="en-US" dirty="0" smtClean="0"/>
+              <a:rPr lang="zh-CN" altLang="en-US" dirty="0"/>
               <a:t>使用演示</a:t>
             </a:r>
             <a:r>
-              <a:rPr lang="is-IS" altLang="zh-CN" dirty="0" smtClean="0"/>
+              <a:rPr lang="is-IS" altLang="zh-CN" dirty="0"/>
               <a:t>…...</a:t>
             </a:r>
-            <a:endParaRPr lang="en-US" altLang="zh-CN" dirty="0" smtClean="0"/>
+            <a:endParaRPr lang="en-US" altLang="zh-CN" dirty="0"/>
           </a:p>
           <a:p>
             <a:pPr lvl="1"/>
@@ -5133,6 +5053,36 @@
           </a:p>
         </p:txBody>
       </p:sp>
+      <p:pic>
+        <p:nvPicPr>
+          <p:cNvPr id="5" name="Picture 4">
+            <a:extLst>
+              <a:ext uri="{FF2B5EF4-FFF2-40B4-BE49-F238E27FC236}">
+                <a16:creationId xmlns:a16="http://schemas.microsoft.com/office/drawing/2014/main" id="{21A22E49-7CD5-403B-BE86-F9E9EEE3B1E1}"/>
+              </a:ext>
+            </a:extLst>
+          </p:cNvPr>
+          <p:cNvPicPr>
+            <a:picLocks noChangeAspect="1"/>
+          </p:cNvPicPr>
+          <p:nvPr/>
+        </p:nvPicPr>
+        <p:blipFill>
+          <a:blip r:embed="rId2"/>
+          <a:stretch>
+            <a:fillRect/>
+          </a:stretch>
+        </p:blipFill>
+        <p:spPr>
+          <a:xfrm>
+            <a:off x="4883285" y="3231527"/>
+            <a:ext cx="6257769" cy="3261348"/>
+          </a:xfrm>
+          <a:prstGeom prst="rect">
+            <a:avLst/>
+          </a:prstGeom>
+        </p:spPr>
+      </p:pic>
     </p:spTree>
     <p:extLst>
       <p:ext uri="{BB962C8B-B14F-4D97-AF65-F5344CB8AC3E}">
@@ -5143,13 +5093,6 @@
   <p:clrMapOvr>
     <a:masterClrMapping/>
   </p:clrMapOvr>
-  <p:timing>
-    <p:tnLst>
-      <p:par>
-        <p:cTn id="1" dur="indefinite" restart="never" nodeType="tmRoot"/>
-      </p:par>
-    </p:tnLst>
-  </p:timing>
 </p:sld>
 </file>
 
@@ -5193,22 +5136,18 @@
           <a:lstStyle/>
           <a:p>
             <a:r>
-              <a:rPr lang="en-US" altLang="zh-CN" dirty="0" smtClean="0"/>
+              <a:rPr lang="en-US" altLang="zh-CN" dirty="0"/>
               <a:t>MIDI</a:t>
             </a:r>
             <a:r>
-              <a:rPr lang="zh-CN" altLang="en-US" dirty="0" smtClean="0"/>
+              <a:rPr lang="zh-CN" altLang="en-US" dirty="0"/>
               <a:t>文件的生成方式</a:t>
             </a:r>
-            <a:r>
-              <a:rPr lang="en-US" altLang="zh-CN" dirty="0" smtClean="0"/>
-              <a:t/>
-            </a:r>
             <a:br>
-              <a:rPr lang="en-US" altLang="zh-CN" dirty="0" smtClean="0"/>
+              <a:rPr lang="en-US" altLang="zh-CN" dirty="0"/>
             </a:br>
             <a:r>
-              <a:rPr lang="zh-CN" altLang="en-US" sz="2000" dirty="0" smtClean="0"/>
+              <a:rPr lang="zh-CN" altLang="en-US" sz="2000" dirty="0"/>
               <a:t>计算机程序直接生成</a:t>
             </a:r>
             <a:endParaRPr lang="en-US" dirty="0"/>
@@ -5236,22 +5175,22 @@
           <a:lstStyle/>
           <a:p>
             <a:r>
-              <a:rPr lang="en-US" altLang="zh-CN" dirty="0" smtClean="0"/>
+              <a:rPr lang="en-US" altLang="zh-CN" dirty="0"/>
               <a:t>JAVA</a:t>
             </a:r>
             <a:r>
-              <a:rPr lang="zh-CN" altLang="en-US" dirty="0" smtClean="0"/>
+              <a:rPr lang="zh-CN" altLang="en-US" dirty="0"/>
               <a:t>程序生成</a:t>
             </a:r>
             <a:r>
-              <a:rPr lang="en-US" altLang="zh-CN" dirty="0" smtClean="0"/>
+              <a:rPr lang="en-US" altLang="zh-CN" dirty="0"/>
               <a:t>MIDI</a:t>
             </a:r>
             <a:r>
-              <a:rPr lang="zh-CN" altLang="en-US" dirty="0" smtClean="0"/>
+              <a:rPr lang="zh-CN" altLang="en-US" dirty="0"/>
               <a:t>文件示例</a:t>
             </a:r>
-            <a:endParaRPr lang="en-US" altLang="zh-CN" dirty="0" smtClean="0"/>
+            <a:endParaRPr lang="en-US" altLang="zh-CN" dirty="0"/>
           </a:p>
           <a:p>
             <a:endParaRPr lang="en-US" dirty="0"/>
@@ -5267,7 +5206,7 @@
           <p:nvPr/>
         </p:nvPicPr>
         <p:blipFill>
-          <a:blip r:embed="rId2">
+          <a:blip r:embed="rId4">
             <a:extLst>
               <a:ext uri="{28A0092B-C50C-407E-A947-70E740481C1C}">
                 <a14:useLocalDpi xmlns:a14="http://schemas.microsoft.com/office/drawing/2010/main" val="0"/>
@@ -5288,6 +5227,44 @@
           </a:prstGeom>
         </p:spPr>
       </p:pic>
+      <p:pic>
+        <p:nvPicPr>
+          <p:cNvPr id="6" name="scale_c4">
+            <a:hlinkClick r:id="" action="ppaction://media"/>
+            <a:extLst>
+              <a:ext uri="{FF2B5EF4-FFF2-40B4-BE49-F238E27FC236}">
+                <a16:creationId xmlns:a16="http://schemas.microsoft.com/office/drawing/2014/main" id="{20ECC249-D4A5-4BE0-9023-1D09ACAE2DB3}"/>
+              </a:ext>
+            </a:extLst>
+          </p:cNvPr>
+          <p:cNvPicPr>
+            <a:picLocks noChangeAspect="1"/>
+          </p:cNvPicPr>
+          <p:nvPr>
+            <a:audioFile r:link="rId2"/>
+            <p:extLst>
+              <p:ext uri="{DAA4B4D4-6D71-4841-9C94-3DE7FCFB9230}">
+                <p14:media xmlns:p14="http://schemas.microsoft.com/office/powerpoint/2010/main" r:embed="rId1"/>
+              </p:ext>
+            </p:extLst>
+          </p:nvPr>
+        </p:nvPicPr>
+        <p:blipFill>
+          <a:blip r:embed="rId5"/>
+          <a:stretch>
+            <a:fillRect/>
+          </a:stretch>
+        </p:blipFill>
+        <p:spPr>
+          <a:xfrm>
+            <a:off x="8006897" y="925293"/>
+            <a:ext cx="487363" cy="487363"/>
+          </a:xfrm>
+          <a:prstGeom prst="rect">
+            <a:avLst/>
+          </a:prstGeom>
+        </p:spPr>
+      </p:pic>
     </p:spTree>
     <p:extLst>
       <p:ext uri="{BB962C8B-B14F-4D97-AF65-F5344CB8AC3E}">
@@ -5301,7 +5278,84 @@
   <p:timing>
     <p:tnLst>
       <p:par>
-        <p:cTn id="1" dur="indefinite" restart="never" nodeType="tmRoot"/>
+        <p:cTn id="1" dur="indefinite" restart="never" nodeType="tmRoot">
+          <p:childTnLst>
+            <p:seq concurrent="1" nextAc="seek">
+              <p:cTn id="2" dur="indefinite" nodeType="mainSeq">
+                <p:childTnLst>
+                  <p:par>
+                    <p:cTn id="3" fill="hold">
+                      <p:stCondLst>
+                        <p:cond delay="indefinite"/>
+                      </p:stCondLst>
+                      <p:childTnLst>
+                        <p:par>
+                          <p:cTn id="4" fill="hold">
+                            <p:stCondLst>
+                              <p:cond delay="0"/>
+                            </p:stCondLst>
+                            <p:childTnLst>
+                              <p:par>
+                                <p:cTn id="5" presetID="1" presetClass="mediacall" presetSubtype="0" fill="hold" nodeType="clickEffect">
+                                  <p:stCondLst>
+                                    <p:cond delay="0"/>
+                                  </p:stCondLst>
+                                  <p:childTnLst>
+                                    <p:cmd type="call" cmd="playFrom(0.0)">
+                                      <p:cBhvr>
+                                        <p:cTn id="6" dur="8000" fill="hold"/>
+                                        <p:tgtEl>
+                                          <p:spTgt spid="6"/>
+                                        </p:tgtEl>
+                                      </p:cBhvr>
+                                    </p:cmd>
+                                  </p:childTnLst>
+                                </p:cTn>
+                              </p:par>
+                            </p:childTnLst>
+                          </p:cTn>
+                        </p:par>
+                      </p:childTnLst>
+                    </p:cTn>
+                  </p:par>
+                </p:childTnLst>
+              </p:cTn>
+              <p:prevCondLst>
+                <p:cond evt="onPrev" delay="0">
+                  <p:tgtEl>
+                    <p:sldTgt/>
+                  </p:tgtEl>
+                </p:cond>
+              </p:prevCondLst>
+              <p:nextCondLst>
+                <p:cond evt="onNext" delay="0">
+                  <p:tgtEl>
+                    <p:sldTgt/>
+                  </p:tgtEl>
+                </p:cond>
+              </p:nextCondLst>
+            </p:seq>
+            <p:audio>
+              <p:cMediaNode vol="80000">
+                <p:cTn id="7" fill="hold" display="0">
+                  <p:stCondLst>
+                    <p:cond delay="indefinite"/>
+                  </p:stCondLst>
+                  <p:endCondLst>
+                    <p:cond evt="onStopAudio" delay="0">
+                      <p:tgtEl>
+                        <p:sldTgt/>
+                      </p:tgtEl>
+                    </p:cond>
+                  </p:endCondLst>
+                </p:cTn>
+                <p:tgtEl>
+                  <p:spTgt spid="6"/>
+                </p:tgtEl>
+              </p:cMediaNode>
+            </p:audio>
+          </p:childTnLst>
+        </p:cTn>
       </p:par>
     </p:tnLst>
   </p:timing>
@@ -5341,30 +5395,22 @@
           <a:lstStyle/>
           <a:p>
             <a:r>
-              <a:rPr lang="en-US" altLang="zh-CN" dirty="0" smtClean="0"/>
+              <a:rPr lang="en-US" altLang="zh-CN" dirty="0"/>
               <a:t>MIDI</a:t>
             </a:r>
             <a:r>
-              <a:rPr lang="zh-CN" altLang="en-US" dirty="0" smtClean="0"/>
+              <a:rPr lang="zh-CN" altLang="en-US" dirty="0"/>
               <a:t>文件的生成方式</a:t>
             </a:r>
-            <a:r>
-              <a:rPr lang="en-US" altLang="zh-CN" dirty="0" smtClean="0"/>
-              <a:t/>
-            </a:r>
             <a:br>
-              <a:rPr lang="en-US" altLang="zh-CN" dirty="0" smtClean="0"/>
+              <a:rPr lang="en-US" altLang="zh-CN" dirty="0"/>
             </a:br>
             <a:r>
-              <a:rPr lang="zh-CN" altLang="en-US" sz="2000" dirty="0" smtClean="0"/>
-              <a:t>专用</a:t>
-            </a:r>
-            <a:r>
-              <a:rPr lang="zh-CN" altLang="en-US" sz="2000" dirty="0" smtClean="0"/>
-              <a:t>软件生成：</a:t>
-            </a:r>
-            <a:r>
-              <a:rPr lang="en-US" altLang="zh-CN" sz="2000" dirty="0" err="1" smtClean="0"/>
+              <a:rPr lang="zh-CN" altLang="en-US" sz="2000" dirty="0"/>
+              <a:t>专用软件生成：</a:t>
+            </a:r>
+            <a:r>
+              <a:rPr lang="en-US" altLang="zh-CN" sz="2000" dirty="0" err="1"/>
               <a:t>MidiEditor</a:t>
             </a:r>
             <a:endParaRPr lang="en-US" dirty="0"/>
@@ -5392,11 +5438,11 @@
           <a:lstStyle/>
           <a:p>
             <a:r>
-              <a:rPr lang="en-US" altLang="zh-CN" dirty="0" err="1" smtClean="0"/>
+              <a:rPr lang="en-US" altLang="zh-CN" dirty="0" err="1"/>
               <a:t>MidiEditor</a:t>
             </a:r>
             <a:r>
-              <a:rPr lang="zh-CN" altLang="en-US" dirty="0" smtClean="0"/>
+              <a:rPr lang="zh-CN" altLang="en-US" dirty="0"/>
               <a:t>演示</a:t>
             </a:r>
             <a:endParaRPr lang="en-US" dirty="0"/>
@@ -5412,7 +5458,7 @@
           <p:nvPr/>
         </p:nvPicPr>
         <p:blipFill>
-          <a:blip r:embed="rId2">
+          <a:blip r:embed="rId4">
             <a:extLst>
               <a:ext uri="{28A0092B-C50C-407E-A947-70E740481C1C}">
                 <a14:useLocalDpi xmlns:a14="http://schemas.microsoft.com/office/drawing/2010/main" val="0"/>
@@ -5433,6 +5479,44 @@
           </a:prstGeom>
         </p:spPr>
       </p:pic>
+      <p:pic>
+        <p:nvPicPr>
+          <p:cNvPr id="5" name="scale_c4">
+            <a:hlinkClick r:id="" action="ppaction://media"/>
+            <a:extLst>
+              <a:ext uri="{FF2B5EF4-FFF2-40B4-BE49-F238E27FC236}">
+                <a16:creationId xmlns:a16="http://schemas.microsoft.com/office/drawing/2014/main" id="{DB84457D-069C-40C7-BE1A-F4BB87ED39BC}"/>
+              </a:ext>
+            </a:extLst>
+          </p:cNvPr>
+          <p:cNvPicPr>
+            <a:picLocks noChangeAspect="1"/>
+          </p:cNvPicPr>
+          <p:nvPr>
+            <a:audioFile r:link="rId2"/>
+            <p:extLst>
+              <p:ext uri="{DAA4B4D4-6D71-4841-9C94-3DE7FCFB9230}">
+                <p14:media xmlns:p14="http://schemas.microsoft.com/office/powerpoint/2010/main" r:embed="rId1"/>
+              </p:ext>
+            </p:extLst>
+          </p:nvPr>
+        </p:nvPicPr>
+        <p:blipFill>
+          <a:blip r:embed="rId5"/>
+          <a:stretch>
+            <a:fillRect/>
+          </a:stretch>
+        </p:blipFill>
+        <p:spPr>
+          <a:xfrm>
+            <a:off x="6620010" y="1293811"/>
+            <a:ext cx="487363" cy="396877"/>
+          </a:xfrm>
+          <a:prstGeom prst="rect">
+            <a:avLst/>
+          </a:prstGeom>
+        </p:spPr>
+      </p:pic>
     </p:spTree>
     <p:extLst>
       <p:ext uri="{BB962C8B-B14F-4D97-AF65-F5344CB8AC3E}">
@@ -5443,6 +5527,90 @@
   <p:clrMapOvr>
     <a:masterClrMapping/>
   </p:clrMapOvr>
+  <p:timing>
+    <p:tnLst>
+      <p:par>
+        <p:cTn id="1" dur="indefinite" restart="never" nodeType="tmRoot">
+          <p:childTnLst>
+            <p:seq concurrent="1" nextAc="seek">
+              <p:cTn id="2" dur="indefinite" nodeType="mainSeq">
+                <p:childTnLst>
+                  <p:par>
+                    <p:cTn id="3" fill="hold">
+                      <p:stCondLst>
+                        <p:cond delay="indefinite"/>
+                      </p:stCondLst>
+                      <p:childTnLst>
+                        <p:par>
+                          <p:cTn id="4" fill="hold">
+                            <p:stCondLst>
+                              <p:cond delay="0"/>
+                            </p:stCondLst>
+                            <p:childTnLst>
+                              <p:par>
+                                <p:cTn id="5" presetID="1" presetClass="mediacall" presetSubtype="0" fill="hold" nodeType="clickEffect">
+                                  <p:stCondLst>
+                                    <p:cond delay="0"/>
+                                  </p:stCondLst>
+                                  <p:childTnLst>
+                                    <p:cmd type="call" cmd="playFrom(0.0)">
+                                      <p:cBhvr>
+                                        <p:cTn id="6" dur="8000" fill="hold"/>
+                                        <p:tgtEl>
+                                          <p:spTgt spid="5"/>
+                                        </p:tgtEl>
+                                      </p:cBhvr>
+                                    </p:cmd>
+                                  </p:childTnLst>
+                                </p:cTn>
+                              </p:par>
+                            </p:childTnLst>
+                          </p:cTn>
+                        </p:par>
+                      </p:childTnLst>
+                    </p:cTn>
+                  </p:par>
+                </p:childTnLst>
+              </p:cTn>
+              <p:prevCondLst>
+                <p:cond evt="onPrev" delay="0">
+                  <p:tgtEl>
+                    <p:sldTgt/>
+                  </p:tgtEl>
+                </p:cond>
+              </p:prevCondLst>
+              <p:nextCondLst>
+                <p:cond evt="onNext" delay="0">
+                  <p:tgtEl>
+                    <p:sldTgt/>
+                  </p:tgtEl>
+                </p:cond>
+              </p:nextCondLst>
+            </p:seq>
+            <p:audio>
+              <p:cMediaNode vol="80000">
+                <p:cTn id="7" fill="hold" display="0">
+                  <p:stCondLst>
+                    <p:cond delay="indefinite"/>
+                  </p:stCondLst>
+                  <p:endCondLst>
+                    <p:cond evt="onStopAudio" delay="0">
+                      <p:tgtEl>
+                        <p:sldTgt/>
+                      </p:tgtEl>
+                    </p:cond>
+                  </p:endCondLst>
+                </p:cTn>
+                <p:tgtEl>
+                  <p:spTgt spid="5"/>
+                </p:tgtEl>
+              </p:cMediaNode>
+            </p:audio>
+          </p:childTnLst>
+        </p:cTn>
+      </p:par>
+    </p:tnLst>
+  </p:timing>
 </p:sld>
 </file>
 
@@ -5479,30 +5647,26 @@
           <a:lstStyle/>
           <a:p>
             <a:r>
-              <a:rPr lang="en-US" altLang="zh-CN" dirty="0" smtClean="0"/>
+              <a:rPr lang="en-US" altLang="zh-CN" dirty="0"/>
               <a:t>MIDI</a:t>
             </a:r>
             <a:r>
-              <a:rPr lang="zh-CN" altLang="en-US" dirty="0" smtClean="0"/>
+              <a:rPr lang="zh-CN" altLang="en-US" dirty="0"/>
               <a:t>文件的生成方式</a:t>
             </a:r>
-            <a:r>
-              <a:rPr lang="en-US" altLang="zh-CN" dirty="0" smtClean="0"/>
-              <a:t/>
-            </a:r>
             <a:br>
-              <a:rPr lang="en-US" altLang="zh-CN" dirty="0" smtClean="0"/>
+              <a:rPr lang="en-US" altLang="zh-CN" dirty="0"/>
             </a:br>
             <a:r>
-              <a:rPr lang="zh-CN" altLang="en-US" sz="2000" dirty="0" smtClean="0"/>
+              <a:rPr lang="zh-CN" altLang="en-US" sz="2000" dirty="0"/>
               <a:t>直接修改</a:t>
             </a:r>
             <a:r>
-              <a:rPr lang="en-US" altLang="zh-CN" sz="2000" dirty="0" smtClean="0"/>
+              <a:rPr lang="en-US" altLang="zh-CN" sz="2000" dirty="0"/>
               <a:t>MIDI</a:t>
             </a:r>
             <a:r>
-              <a:rPr lang="zh-CN" altLang="en-US" sz="2000" dirty="0" smtClean="0"/>
+              <a:rPr lang="zh-CN" altLang="en-US" sz="2000" dirty="0"/>
               <a:t>文件</a:t>
             </a:r>
             <a:endParaRPr lang="en-US" dirty="0"/>
@@ -5525,15 +5689,15 @@
           <a:lstStyle/>
           <a:p>
             <a:r>
-              <a:rPr lang="zh-CN" altLang="en-US" dirty="0" smtClean="0"/>
+              <a:rPr lang="zh-CN" altLang="en-US" dirty="0"/>
               <a:t>二进制</a:t>
             </a:r>
             <a:r>
-              <a:rPr lang="en-US" altLang="zh-CN" dirty="0" smtClean="0"/>
+              <a:rPr lang="en-US" altLang="zh-CN" dirty="0"/>
               <a:t>MIDI</a:t>
             </a:r>
             <a:r>
-              <a:rPr lang="zh-CN" altLang="en-US" dirty="0" smtClean="0"/>
+              <a:rPr lang="zh-CN" altLang="en-US" dirty="0"/>
               <a:t>文件修改演示</a:t>
             </a:r>
             <a:endParaRPr lang="en-US" dirty="0"/>
@@ -5549,7 +5713,7 @@
           <p:nvPr/>
         </p:nvPicPr>
         <p:blipFill>
-          <a:blip r:embed="rId2">
+          <a:blip r:embed="rId6">
             <a:extLst>
               <a:ext uri="{28A0092B-C50C-407E-A947-70E740481C1C}">
                 <a14:useLocalDpi xmlns:a14="http://schemas.microsoft.com/office/drawing/2010/main" val="0"/>
@@ -5570,6 +5734,82 @@
           </a:prstGeom>
         </p:spPr>
       </p:pic>
+      <p:pic>
+        <p:nvPicPr>
+          <p:cNvPr id="5" name="notes_c4">
+            <a:hlinkClick r:id="" action="ppaction://media"/>
+            <a:extLst>
+              <a:ext uri="{FF2B5EF4-FFF2-40B4-BE49-F238E27FC236}">
+                <a16:creationId xmlns:a16="http://schemas.microsoft.com/office/drawing/2014/main" id="{751EC48F-BF97-46B8-90EE-64B8C6C133F6}"/>
+              </a:ext>
+            </a:extLst>
+          </p:cNvPr>
+          <p:cNvPicPr>
+            <a:picLocks noChangeAspect="1"/>
+          </p:cNvPicPr>
+          <p:nvPr>
+            <a:audioFile r:link="rId2"/>
+            <p:extLst>
+              <p:ext uri="{DAA4B4D4-6D71-4841-9C94-3DE7FCFB9230}">
+                <p14:media xmlns:p14="http://schemas.microsoft.com/office/powerpoint/2010/main" r:embed="rId1"/>
+              </p:ext>
+            </p:extLst>
+          </p:nvPr>
+        </p:nvPicPr>
+        <p:blipFill>
+          <a:blip r:embed="rId7"/>
+          <a:stretch>
+            <a:fillRect/>
+          </a:stretch>
+        </p:blipFill>
+        <p:spPr>
+          <a:xfrm>
+            <a:off x="6950751" y="1342682"/>
+            <a:ext cx="487363" cy="487363"/>
+          </a:xfrm>
+          <a:prstGeom prst="rect">
+            <a:avLst/>
+          </a:prstGeom>
+        </p:spPr>
+      </p:pic>
+      <p:pic>
+        <p:nvPicPr>
+          <p:cNvPr id="6" name="notes_g4">
+            <a:hlinkClick r:id="" action="ppaction://media"/>
+            <a:extLst>
+              <a:ext uri="{FF2B5EF4-FFF2-40B4-BE49-F238E27FC236}">
+                <a16:creationId xmlns:a16="http://schemas.microsoft.com/office/drawing/2014/main" id="{E59A4186-F496-452A-8BB6-6EE72A195AF4}"/>
+              </a:ext>
+            </a:extLst>
+          </p:cNvPr>
+          <p:cNvPicPr>
+            <a:picLocks noChangeAspect="1"/>
+          </p:cNvPicPr>
+          <p:nvPr>
+            <a:audioFile r:link="rId4"/>
+            <p:extLst>
+              <p:ext uri="{DAA4B4D4-6D71-4841-9C94-3DE7FCFB9230}">
+                <p14:media xmlns:p14="http://schemas.microsoft.com/office/powerpoint/2010/main" r:embed="rId3"/>
+              </p:ext>
+            </p:extLst>
+          </p:nvPr>
+        </p:nvPicPr>
+        <p:blipFill>
+          <a:blip r:embed="rId7"/>
+          <a:stretch>
+            <a:fillRect/>
+          </a:stretch>
+        </p:blipFill>
+        <p:spPr>
+          <a:xfrm>
+            <a:off x="9439274" y="1270793"/>
+            <a:ext cx="487363" cy="487363"/>
+          </a:xfrm>
+          <a:prstGeom prst="rect">
+            <a:avLst/>
+          </a:prstGeom>
+        </p:spPr>
+      </p:pic>
     </p:spTree>
     <p:extLst>
       <p:ext uri="{BB962C8B-B14F-4D97-AF65-F5344CB8AC3E}">
@@ -5580,6 +5820,144 @@
   <p:clrMapOvr>
     <a:masterClrMapping/>
   </p:clrMapOvr>
+  <p:timing>
+    <p:tnLst>
+      <p:par>
+        <p:cTn id="1" dur="indefinite" restart="never" nodeType="tmRoot">
+          <p:childTnLst>
+            <p:seq concurrent="1" nextAc="seek">
+              <p:cTn id="2" dur="indefinite" nodeType="mainSeq">
+                <p:childTnLst>
+                  <p:par>
+                    <p:cTn id="3" fill="hold">
+                      <p:stCondLst>
+                        <p:cond delay="indefinite"/>
+                      </p:stCondLst>
+                      <p:childTnLst>
+                        <p:par>
+                          <p:cTn id="4" fill="hold">
+                            <p:stCondLst>
+                              <p:cond delay="0"/>
+                            </p:stCondLst>
+                            <p:childTnLst>
+                              <p:par>
+                                <p:cTn id="5" presetID="1" presetClass="mediacall" presetSubtype="0" fill="hold" nodeType="clickEffect">
+                                  <p:stCondLst>
+                                    <p:cond delay="0"/>
+                                  </p:stCondLst>
+                                  <p:childTnLst>
+                                    <p:cmd type="call" cmd="playFrom(0.0)">
+                                      <p:cBhvr>
+                                        <p:cTn id="6" dur="18000" fill="hold"/>
+                                        <p:tgtEl>
+                                          <p:spTgt spid="5"/>
+                                        </p:tgtEl>
+                                      </p:cBhvr>
+                                    </p:cmd>
+                                  </p:childTnLst>
+                                </p:cTn>
+                              </p:par>
+                            </p:childTnLst>
+                          </p:cTn>
+                        </p:par>
+                      </p:childTnLst>
+                    </p:cTn>
+                  </p:par>
+                  <p:par>
+                    <p:cTn id="7" fill="hold">
+                      <p:stCondLst>
+                        <p:cond delay="indefinite"/>
+                      </p:stCondLst>
+                      <p:childTnLst>
+                        <p:par>
+                          <p:cTn id="8" fill="hold">
+                            <p:stCondLst>
+                              <p:cond delay="0"/>
+                            </p:stCondLst>
+                            <p:childTnLst>
+                              <p:par>
+                                <p:cTn id="9" presetID="1" presetClass="mediacall" presetSubtype="0" fill="hold" nodeType="clickEffect">
+                                  <p:stCondLst>
+                                    <p:cond delay="0"/>
+                                  </p:stCondLst>
+                                  <p:childTnLst>
+                                    <p:cmd type="call" cmd="playFrom(0.0)">
+                                      <p:cBhvr>
+                                        <p:cTn id="10" dur="18000" fill="hold"/>
+                                        <p:tgtEl>
+                                          <p:spTgt spid="6"/>
+                                        </p:tgtEl>
+                                      </p:cBhvr>
+                                    </p:cmd>
+                                  </p:childTnLst>
+                                </p:cTn>
+                              </p:par>
+                            </p:childTnLst>
+                          </p:cTn>
+                        </p:par>
+                      </p:childTnLst>
+                    </p:cTn>
+                  </p:par>
+                </p:childTnLst>
+              </p:cTn>
+              <p:prevCondLst>
+                <p:cond evt="onPrev" delay="0">
+                  <p:tgtEl>
+                    <p:sldTgt/>
+                  </p:tgtEl>
+                </p:cond>
+              </p:prevCondLst>
+              <p:nextCondLst>
+                <p:cond evt="onNext" delay="0">
+                  <p:tgtEl>
+                    <p:sldTgt/>
+                  </p:tgtEl>
+                </p:cond>
+              </p:nextCondLst>
+            </p:seq>
+            <p:audio>
+              <p:cMediaNode vol="80000">
+                <p:cTn id="11" fill="hold" display="0">
+                  <p:stCondLst>
+                    <p:cond delay="indefinite"/>
+                  </p:stCondLst>
+                  <p:endCondLst>
+                    <p:cond evt="onStopAudio" delay="0">
+                      <p:tgtEl>
+                        <p:sldTgt/>
+                      </p:tgtEl>
+                    </p:cond>
+                  </p:endCondLst>
+                </p:cTn>
+                <p:tgtEl>
+                  <p:spTgt spid="5"/>
+                </p:tgtEl>
+              </p:cMediaNode>
+            </p:audio>
+            <p:audio>
+              <p:cMediaNode vol="80000">
+                <p:cTn id="12" fill="hold" display="0">
+                  <p:stCondLst>
+                    <p:cond delay="indefinite"/>
+                  </p:stCondLst>
+                  <p:endCondLst>
+                    <p:cond evt="onStopAudio" delay="0">
+                      <p:tgtEl>
+                        <p:sldTgt/>
+                      </p:tgtEl>
+                    </p:cond>
+                  </p:endCondLst>
+                </p:cTn>
+                <p:tgtEl>
+                  <p:spTgt spid="6"/>
+                </p:tgtEl>
+              </p:cMediaNode>
+            </p:audio>
+          </p:childTnLst>
+        </p:cTn>
+      </p:par>
+    </p:tnLst>
+  </p:timing>
 </p:sld>
 </file>
 

--- a/midi/docs/ppt/midi_introduction.pptx
+++ b/midi/docs/ppt/midi_introduction.pptx
@@ -5,7 +5,7 @@
     <p:sldMasterId id="2147483648" r:id="rId1"/>
   </p:sldMasterIdLst>
   <p:notesMasterIdLst>
-    <p:notesMasterId r:id="rId13"/>
+    <p:notesMasterId r:id="rId14"/>
   </p:notesMasterIdLst>
   <p:sldIdLst>
     <p:sldId id="256" r:id="rId2"/>
@@ -14,11 +14,12 @@
     <p:sldId id="259" r:id="rId5"/>
     <p:sldId id="260" r:id="rId6"/>
     <p:sldId id="262" r:id="rId7"/>
-    <p:sldId id="263" r:id="rId8"/>
-    <p:sldId id="264" r:id="rId9"/>
-    <p:sldId id="265" r:id="rId10"/>
-    <p:sldId id="266" r:id="rId11"/>
-    <p:sldId id="267" r:id="rId12"/>
+    <p:sldId id="268" r:id="rId8"/>
+    <p:sldId id="263" r:id="rId9"/>
+    <p:sldId id="264" r:id="rId10"/>
+    <p:sldId id="265" r:id="rId11"/>
+    <p:sldId id="266" r:id="rId12"/>
+    <p:sldId id="267" r:id="rId13"/>
   </p:sldIdLst>
   <p:sldSz cx="12192000" cy="6858000"/>
   <p:notesSz cx="6858000" cy="9144000"/>
@@ -3452,6 +3453,150 @@
           <a:bodyPr/>
           <a:lstStyle/>
           <a:p>
+            <a:r>
+              <a:rPr lang="en-US" altLang="zh-CN" dirty="0" smtClean="0"/>
+              <a:t>MIDI</a:t>
+            </a:r>
+            <a:r>
+              <a:rPr lang="zh-CN" altLang="en-US" dirty="0" smtClean="0"/>
+              <a:t>文件的生成方式</a:t>
+            </a:r>
+            <a:r>
+              <a:rPr lang="en-US" altLang="zh-CN" dirty="0" smtClean="0"/>
+              <a:t/>
+            </a:r>
+            <a:br>
+              <a:rPr lang="en-US" altLang="zh-CN" dirty="0" smtClean="0"/>
+            </a:br>
+            <a:r>
+              <a:rPr lang="zh-CN" altLang="en-US" sz="2000" dirty="0" smtClean="0"/>
+              <a:t>直接修改</a:t>
+            </a:r>
+            <a:r>
+              <a:rPr lang="en-US" altLang="zh-CN" sz="2000" dirty="0" smtClean="0"/>
+              <a:t>MIDI</a:t>
+            </a:r>
+            <a:r>
+              <a:rPr lang="zh-CN" altLang="en-US" sz="2000" dirty="0" smtClean="0"/>
+              <a:t>文件</a:t>
+            </a:r>
+            <a:endParaRPr lang="en-US" dirty="0"/>
+          </a:p>
+        </p:txBody>
+      </p:sp>
+      <p:sp>
+        <p:nvSpPr>
+          <p:cNvPr id="3" name="Content Placeholder 2"/>
+          <p:cNvSpPr>
+            <a:spLocks noGrp="1"/>
+          </p:cNvSpPr>
+          <p:nvPr>
+            <p:ph idx="1"/>
+          </p:nvPr>
+        </p:nvSpPr>
+        <p:spPr/>
+        <p:txBody>
+          <a:bodyPr/>
+          <a:lstStyle/>
+          <a:p>
+            <a:r>
+              <a:rPr lang="zh-CN" altLang="en-US" dirty="0" smtClean="0"/>
+              <a:t>二进制</a:t>
+            </a:r>
+            <a:r>
+              <a:rPr lang="en-US" altLang="zh-CN" dirty="0" smtClean="0"/>
+              <a:t>MIDI</a:t>
+            </a:r>
+            <a:r>
+              <a:rPr lang="zh-CN" altLang="en-US" dirty="0" smtClean="0"/>
+              <a:t>文件修改演示</a:t>
+            </a:r>
+            <a:endParaRPr lang="en-US" dirty="0"/>
+          </a:p>
+        </p:txBody>
+      </p:sp>
+      <p:pic>
+        <p:nvPicPr>
+          <p:cNvPr id="4" name="Picture 3"/>
+          <p:cNvPicPr>
+            <a:picLocks noChangeAspect="1"/>
+          </p:cNvPicPr>
+          <p:nvPr/>
+        </p:nvPicPr>
+        <p:blipFill>
+          <a:blip r:embed="rId2">
+            <a:extLst>
+              <a:ext uri="{28A0092B-C50C-407E-A947-70E740481C1C}">
+                <a14:useLocalDpi xmlns:a14="http://schemas.microsoft.com/office/drawing/2010/main" val="0"/>
+              </a:ext>
+            </a:extLst>
+          </a:blip>
+          <a:stretch>
+            <a:fillRect/>
+          </a:stretch>
+        </p:blipFill>
+        <p:spPr>
+          <a:xfrm>
+            <a:off x="838200" y="2276205"/>
+            <a:ext cx="9088437" cy="4179473"/>
+          </a:xfrm>
+          <a:prstGeom prst="rect">
+            <a:avLst/>
+          </a:prstGeom>
+        </p:spPr>
+      </p:pic>
+    </p:spTree>
+    <p:extLst>
+      <p:ext uri="{BB962C8B-B14F-4D97-AF65-F5344CB8AC3E}">
+        <p14:creationId xmlns:p14="http://schemas.microsoft.com/office/powerpoint/2010/main" val="1024541950"/>
+      </p:ext>
+    </p:extLst>
+  </p:cSld>
+  <p:clrMapOvr>
+    <a:masterClrMapping/>
+  </p:clrMapOvr>
+  <p:timing>
+    <p:tnLst>
+      <p:par>
+        <p:cTn id="1" dur="indefinite" restart="never" nodeType="tmRoot"/>
+      </p:par>
+    </p:tnLst>
+  </p:timing>
+</p:sld>
+</file>
+
+<file path=ppt/slides/slide11.xml><?xml version="1.0" encoding="utf-8"?>
+<p:sld xmlns:a="http://schemas.openxmlformats.org/drawingml/2006/main" xmlns:r="http://schemas.openxmlformats.org/officeDocument/2006/relationships" xmlns:p="http://schemas.openxmlformats.org/presentationml/2006/main">
+  <p:cSld>
+    <p:spTree>
+      <p:nvGrpSpPr>
+        <p:cNvPr id="1" name=""/>
+        <p:cNvGrpSpPr/>
+        <p:nvPr/>
+      </p:nvGrpSpPr>
+      <p:grpSpPr>
+        <a:xfrm>
+          <a:off x="0" y="0"/>
+          <a:ext cx="0" cy="0"/>
+          <a:chOff x="0" y="0"/>
+          <a:chExt cx="0" cy="0"/>
+        </a:xfrm>
+      </p:grpSpPr>
+      <p:sp>
+        <p:nvSpPr>
+          <p:cNvPr id="2" name="Title 1"/>
+          <p:cNvSpPr>
+            <a:spLocks noGrp="1"/>
+          </p:cNvSpPr>
+          <p:nvPr>
+            <p:ph type="title"/>
+          </p:nvPr>
+        </p:nvSpPr>
+        <p:spPr/>
+        <p:txBody>
+          <a:bodyPr/>
+          <a:lstStyle/>
+          <a:p>
             <a:pPr lvl="1" algn="l" rtl="0">
               <a:lnSpc>
                 <a:spcPct val="90000"/>
@@ -3609,7 +3754,7 @@
 </p:sld>
 </file>
 
-<file path=ppt/slides/slide11.xml><?xml version="1.0" encoding="utf-8"?>
+<file path=ppt/slides/slide12.xml><?xml version="1.0" encoding="utf-8"?>
 <p:sld xmlns:a="http://schemas.openxmlformats.org/drawingml/2006/main" xmlns:r="http://schemas.openxmlformats.org/officeDocument/2006/relationships" xmlns:p="http://schemas.openxmlformats.org/presentationml/2006/main">
   <p:cSld>
     <p:spTree>
@@ -3905,6 +4050,13 @@
   <p:clrMapOvr>
     <a:masterClrMapping/>
   </p:clrMapOvr>
+  <p:timing>
+    <p:tnLst>
+      <p:par>
+        <p:cTn id="1" dur="indefinite" restart="never" nodeType="tmRoot"/>
+      </p:par>
+    </p:tnLst>
+  </p:timing>
 </p:sld>
 </file>
 
@@ -3971,7 +4123,7 @@
         </p:spPr>
         <p:txBody>
           <a:bodyPr>
-            <a:normAutofit/>
+            <a:normAutofit lnSpcReduction="10000"/>
           </a:bodyPr>
           <a:lstStyle/>
           <a:p>
@@ -4047,6 +4199,26 @@
             <a:r>
               <a:rPr lang="zh-CN" altLang="en-US" dirty="0" smtClean="0"/>
               <a:t>文件的生成方式</a:t>
+            </a:r>
+            <a:endParaRPr lang="en-US" altLang="zh-CN" dirty="0" smtClean="0"/>
+          </a:p>
+          <a:p>
+            <a:pPr lvl="1"/>
+            <a:r>
+              <a:rPr lang="en-US" altLang="zh-CN" dirty="0" smtClean="0"/>
+              <a:t>MIDI</a:t>
+            </a:r>
+            <a:r>
+              <a:rPr lang="zh-CN" altLang="en-US" dirty="0" smtClean="0"/>
+              <a:t>设备＋</a:t>
+            </a:r>
+            <a:r>
+              <a:rPr lang="en-US" altLang="zh-CN" dirty="0" smtClean="0"/>
+              <a:t>MIDI</a:t>
+            </a:r>
+            <a:r>
+              <a:rPr lang="zh-CN" altLang="en-US" dirty="0" smtClean="0"/>
+              <a:t>专用软件；</a:t>
             </a:r>
             <a:endParaRPr lang="en-US" altLang="zh-CN" dirty="0" smtClean="0"/>
           </a:p>
@@ -5208,6 +5380,160 @@
               <a:rPr lang="en-US" altLang="zh-CN" dirty="0" smtClean="0"/>
             </a:br>
             <a:r>
+              <a:rPr lang="en-US" altLang="zh-CN" sz="2200" dirty="0" smtClean="0"/>
+              <a:t>MIDI</a:t>
+            </a:r>
+            <a:r>
+              <a:rPr lang="zh-CN" altLang="en-US" sz="2200" dirty="0" smtClean="0"/>
+              <a:t>设备＋</a:t>
+            </a:r>
+            <a:r>
+              <a:rPr lang="en-US" altLang="zh-CN" sz="2200" dirty="0" smtClean="0"/>
+              <a:t>MIDI</a:t>
+            </a:r>
+            <a:r>
+              <a:rPr lang="zh-CN" altLang="en-US" sz="2200" dirty="0" smtClean="0"/>
+              <a:t>专用软件</a:t>
+            </a:r>
+            <a:endParaRPr lang="en-US" sz="2200" dirty="0"/>
+          </a:p>
+        </p:txBody>
+      </p:sp>
+      <p:sp>
+        <p:nvSpPr>
+          <p:cNvPr id="3" name="Content Placeholder 2"/>
+          <p:cNvSpPr>
+            <a:spLocks noGrp="1"/>
+          </p:cNvSpPr>
+          <p:nvPr>
+            <p:ph idx="1"/>
+          </p:nvPr>
+        </p:nvSpPr>
+        <p:spPr>
+          <a:xfrm>
+            <a:off x="838200" y="1528013"/>
+            <a:ext cx="10515600" cy="486526"/>
+          </a:xfrm>
+        </p:spPr>
+        <p:txBody>
+          <a:bodyPr>
+            <a:normAutofit/>
+          </a:bodyPr>
+          <a:lstStyle/>
+          <a:p>
+            <a:r>
+              <a:rPr lang="zh-CN" altLang="en-US" sz="2000" dirty="0" smtClean="0"/>
+              <a:t>最通用，最专业的方式</a:t>
+            </a:r>
+            <a:endParaRPr lang="en-US" sz="2000" dirty="0"/>
+          </a:p>
+        </p:txBody>
+      </p:sp>
+      <p:pic>
+        <p:nvPicPr>
+          <p:cNvPr id="5" name="Picture 4"/>
+          <p:cNvPicPr>
+            <a:picLocks noChangeAspect="1"/>
+          </p:cNvPicPr>
+          <p:nvPr/>
+        </p:nvPicPr>
+        <p:blipFill>
+          <a:blip r:embed="rId2">
+            <a:extLst>
+              <a:ext uri="{28A0092B-C50C-407E-A947-70E740481C1C}">
+                <a14:useLocalDpi xmlns:a14="http://schemas.microsoft.com/office/drawing/2010/main" val="0"/>
+              </a:ext>
+            </a:extLst>
+          </a:blip>
+          <a:stretch>
+            <a:fillRect/>
+          </a:stretch>
+        </p:blipFill>
+        <p:spPr>
+          <a:xfrm>
+            <a:off x="2867025" y="1855500"/>
+            <a:ext cx="6457950" cy="4696690"/>
+          </a:xfrm>
+          <a:prstGeom prst="rect">
+            <a:avLst/>
+          </a:prstGeom>
+        </p:spPr>
+      </p:pic>
+    </p:spTree>
+    <p:extLst>
+      <p:ext uri="{BB962C8B-B14F-4D97-AF65-F5344CB8AC3E}">
+        <p14:creationId xmlns:p14="http://schemas.microsoft.com/office/powerpoint/2010/main" val="1095424294"/>
+      </p:ext>
+    </p:extLst>
+  </p:cSld>
+  <p:clrMapOvr>
+    <a:masterClrMapping/>
+  </p:clrMapOvr>
+  <p:timing>
+    <p:tnLst>
+      <p:par>
+        <p:cTn id="1" dur="indefinite" restart="never" nodeType="tmRoot"/>
+      </p:par>
+    </p:tnLst>
+  </p:timing>
+</p:sld>
+</file>
+
+<file path=ppt/slides/slide8.xml><?xml version="1.0" encoding="utf-8"?>
+<p:sld xmlns:a="http://schemas.openxmlformats.org/drawingml/2006/main" xmlns:r="http://schemas.openxmlformats.org/officeDocument/2006/relationships" xmlns:p="http://schemas.openxmlformats.org/presentationml/2006/main">
+  <p:cSld>
+    <p:spTree>
+      <p:nvGrpSpPr>
+        <p:cNvPr id="1" name=""/>
+        <p:cNvGrpSpPr/>
+        <p:nvPr/>
+      </p:nvGrpSpPr>
+      <p:grpSpPr>
+        <a:xfrm>
+          <a:off x="0" y="0"/>
+          <a:ext cx="0" cy="0"/>
+          <a:chOff x="0" y="0"/>
+          <a:chExt cx="0" cy="0"/>
+        </a:xfrm>
+      </p:grpSpPr>
+      <p:sp>
+        <p:nvSpPr>
+          <p:cNvPr id="2" name="Title 1"/>
+          <p:cNvSpPr>
+            <a:spLocks noGrp="1"/>
+          </p:cNvSpPr>
+          <p:nvPr>
+            <p:ph type="title"/>
+          </p:nvPr>
+        </p:nvSpPr>
+        <p:spPr>
+          <a:xfrm>
+            <a:off x="838200" y="365126"/>
+            <a:ext cx="10515600" cy="1162886"/>
+          </a:xfrm>
+        </p:spPr>
+        <p:txBody>
+          <a:bodyPr>
+            <a:normAutofit/>
+          </a:bodyPr>
+          <a:lstStyle/>
+          <a:p>
+            <a:r>
+              <a:rPr lang="en-US" altLang="zh-CN" dirty="0" smtClean="0"/>
+              <a:t>MIDI</a:t>
+            </a:r>
+            <a:r>
+              <a:rPr lang="zh-CN" altLang="en-US" dirty="0" smtClean="0"/>
+              <a:t>文件的生成方式</a:t>
+            </a:r>
+            <a:r>
+              <a:rPr lang="en-US" altLang="zh-CN" dirty="0" smtClean="0"/>
+              <a:t/>
+            </a:r>
+            <a:br>
+              <a:rPr lang="en-US" altLang="zh-CN" dirty="0" smtClean="0"/>
+            </a:br>
+            <a:r>
               <a:rPr lang="zh-CN" altLang="en-US" sz="2000" dirty="0" smtClean="0"/>
               <a:t>计算机程序直接生成</a:t>
             </a:r>
@@ -5308,7 +5634,7 @@
 </p:sld>
 </file>
 
-<file path=ppt/slides/slide8.xml><?xml version="1.0" encoding="utf-8"?>
+<file path=ppt/slides/slide9.xml><?xml version="1.0" encoding="utf-8"?>
 <p:sld xmlns:a="http://schemas.openxmlformats.org/drawingml/2006/main" xmlns:r="http://schemas.openxmlformats.org/officeDocument/2006/relationships" xmlns:p="http://schemas.openxmlformats.org/presentationml/2006/main">
   <p:cSld>
     <p:spTree>
@@ -5443,143 +5769,13 @@
   <p:clrMapOvr>
     <a:masterClrMapping/>
   </p:clrMapOvr>
-</p:sld>
-</file>
-
-<file path=ppt/slides/slide9.xml><?xml version="1.0" encoding="utf-8"?>
-<p:sld xmlns:a="http://schemas.openxmlformats.org/drawingml/2006/main" xmlns:r="http://schemas.openxmlformats.org/officeDocument/2006/relationships" xmlns:p="http://schemas.openxmlformats.org/presentationml/2006/main">
-  <p:cSld>
-    <p:spTree>
-      <p:nvGrpSpPr>
-        <p:cNvPr id="1" name=""/>
-        <p:cNvGrpSpPr/>
-        <p:nvPr/>
-      </p:nvGrpSpPr>
-      <p:grpSpPr>
-        <a:xfrm>
-          <a:off x="0" y="0"/>
-          <a:ext cx="0" cy="0"/>
-          <a:chOff x="0" y="0"/>
-          <a:chExt cx="0" cy="0"/>
-        </a:xfrm>
-      </p:grpSpPr>
-      <p:sp>
-        <p:nvSpPr>
-          <p:cNvPr id="2" name="Title 1"/>
-          <p:cNvSpPr>
-            <a:spLocks noGrp="1"/>
-          </p:cNvSpPr>
-          <p:nvPr>
-            <p:ph type="title"/>
-          </p:nvPr>
-        </p:nvSpPr>
-        <p:spPr/>
-        <p:txBody>
-          <a:bodyPr/>
-          <a:lstStyle/>
-          <a:p>
-            <a:r>
-              <a:rPr lang="en-US" altLang="zh-CN" dirty="0" smtClean="0"/>
-              <a:t>MIDI</a:t>
-            </a:r>
-            <a:r>
-              <a:rPr lang="zh-CN" altLang="en-US" dirty="0" smtClean="0"/>
-              <a:t>文件的生成方式</a:t>
-            </a:r>
-            <a:r>
-              <a:rPr lang="en-US" altLang="zh-CN" dirty="0" smtClean="0"/>
-              <a:t/>
-            </a:r>
-            <a:br>
-              <a:rPr lang="en-US" altLang="zh-CN" dirty="0" smtClean="0"/>
-            </a:br>
-            <a:r>
-              <a:rPr lang="zh-CN" altLang="en-US" sz="2000" dirty="0" smtClean="0"/>
-              <a:t>直接修改</a:t>
-            </a:r>
-            <a:r>
-              <a:rPr lang="en-US" altLang="zh-CN" sz="2000" dirty="0" smtClean="0"/>
-              <a:t>MIDI</a:t>
-            </a:r>
-            <a:r>
-              <a:rPr lang="zh-CN" altLang="en-US" sz="2000" dirty="0" smtClean="0"/>
-              <a:t>文件</a:t>
-            </a:r>
-            <a:endParaRPr lang="en-US" dirty="0"/>
-          </a:p>
-        </p:txBody>
-      </p:sp>
-      <p:sp>
-        <p:nvSpPr>
-          <p:cNvPr id="3" name="Content Placeholder 2"/>
-          <p:cNvSpPr>
-            <a:spLocks noGrp="1"/>
-          </p:cNvSpPr>
-          <p:nvPr>
-            <p:ph idx="1"/>
-          </p:nvPr>
-        </p:nvSpPr>
-        <p:spPr/>
-        <p:txBody>
-          <a:bodyPr/>
-          <a:lstStyle/>
-          <a:p>
-            <a:r>
-              <a:rPr lang="zh-CN" altLang="en-US" dirty="0" smtClean="0"/>
-              <a:t>二进制</a:t>
-            </a:r>
-            <a:r>
-              <a:rPr lang="en-US" altLang="zh-CN" dirty="0" smtClean="0"/>
-              <a:t>MIDI</a:t>
-            </a:r>
-            <a:r>
-              <a:rPr lang="zh-CN" altLang="en-US" dirty="0" smtClean="0"/>
-              <a:t>文件修改演示</a:t>
-            </a:r>
-            <a:endParaRPr lang="en-US" dirty="0"/>
-          </a:p>
-        </p:txBody>
-      </p:sp>
-      <p:pic>
-        <p:nvPicPr>
-          <p:cNvPr id="4" name="Picture 3"/>
-          <p:cNvPicPr>
-            <a:picLocks noChangeAspect="1"/>
-          </p:cNvPicPr>
-          <p:nvPr/>
-        </p:nvPicPr>
-        <p:blipFill>
-          <a:blip r:embed="rId2">
-            <a:extLst>
-              <a:ext uri="{28A0092B-C50C-407E-A947-70E740481C1C}">
-                <a14:useLocalDpi xmlns:a14="http://schemas.microsoft.com/office/drawing/2010/main" val="0"/>
-              </a:ext>
-            </a:extLst>
-          </a:blip>
-          <a:stretch>
-            <a:fillRect/>
-          </a:stretch>
-        </p:blipFill>
-        <p:spPr>
-          <a:xfrm>
-            <a:off x="838200" y="2276205"/>
-            <a:ext cx="9088437" cy="4179473"/>
-          </a:xfrm>
-          <a:prstGeom prst="rect">
-            <a:avLst/>
-          </a:prstGeom>
-        </p:spPr>
-      </p:pic>
-    </p:spTree>
-    <p:extLst>
-      <p:ext uri="{BB962C8B-B14F-4D97-AF65-F5344CB8AC3E}">
-        <p14:creationId xmlns:p14="http://schemas.microsoft.com/office/powerpoint/2010/main" val="1024541950"/>
-      </p:ext>
-    </p:extLst>
-  </p:cSld>
-  <p:clrMapOvr>
-    <a:masterClrMapping/>
-  </p:clrMapOvr>
+  <p:timing>
+    <p:tnLst>
+      <p:par>
+        <p:cTn id="1" dur="indefinite" restart="never" nodeType="tmRoot"/>
+      </p:par>
+    </p:tnLst>
+  </p:timing>
 </p:sld>
 </file>
 

--- a/midi/docs/ppt/midi_introduction.pptx
+++ b/midi/docs/ppt/midi_introduction.pptx
@@ -5,21 +5,23 @@
     <p:sldMasterId id="2147483648" r:id="rId1"/>
   </p:sldMasterIdLst>
   <p:notesMasterIdLst>
-    <p:notesMasterId r:id="rId14"/>
+    <p:notesMasterId r:id="rId16"/>
   </p:notesMasterIdLst>
   <p:sldIdLst>
-    <p:sldId id="256" r:id="rId2"/>
-    <p:sldId id="257" r:id="rId3"/>
-    <p:sldId id="258" r:id="rId4"/>
+    <p:sldId id="269" r:id="rId2"/>
+    <p:sldId id="267" r:id="rId3"/>
+    <p:sldId id="256" r:id="rId4"/>
     <p:sldId id="259" r:id="rId5"/>
     <p:sldId id="260" r:id="rId6"/>
-    <p:sldId id="262" r:id="rId7"/>
-    <p:sldId id="268" r:id="rId8"/>
-    <p:sldId id="263" r:id="rId9"/>
+    <p:sldId id="270" r:id="rId7"/>
+    <p:sldId id="257" r:id="rId8"/>
+    <p:sldId id="258" r:id="rId9"/>
     <p:sldId id="264" r:id="rId10"/>
-    <p:sldId id="265" r:id="rId11"/>
-    <p:sldId id="266" r:id="rId12"/>
-    <p:sldId id="267" r:id="rId13"/>
+    <p:sldId id="262" r:id="rId11"/>
+    <p:sldId id="263" r:id="rId12"/>
+    <p:sldId id="265" r:id="rId13"/>
+    <p:sldId id="268" r:id="rId14"/>
+    <p:sldId id="266" r:id="rId15"/>
   </p:sldIdLst>
   <p:sldSz cx="12192000" cy="6858000"/>
   <p:notesSz cx="6858000" cy="9144000"/>
@@ -118,6 +120,11 @@
       </a:defRPr>
     </a:lvl9pPr>
   </p:defaultTextStyle>
+  <p:extLst>
+    <p:ext uri="{EFAFB233-063F-42B5-8137-9DF3F51BA10A}">
+      <p15:sldGuideLst xmlns:p15="http://schemas.microsoft.com/office/powerpoint/2012/main"/>
+    </p:ext>
+  </p:extLst>
 </p:presentation>
 </file>
 
@@ -203,7 +210,7 @@
           <a:p>
             <a:fld id="{D7784A50-9160-B84C-B0CB-8955694334D3}" type="datetimeFigureOut">
               <a:rPr lang="en-US" smtClean="0"/>
-              <a:t>10/6/18</a:t>
+              <a:t>10/13/2018</a:t>
             </a:fld>
             <a:endParaRPr lang="en-US"/>
           </a:p>
@@ -267,38 +274,37 @@
           <a:p>
             <a:pPr lvl="0"/>
             <a:r>
-              <a:rPr lang="en-US" smtClean="0"/>
+              <a:rPr lang="en-US"/>
               <a:t>Click to edit Master text styles</a:t>
             </a:r>
           </a:p>
           <a:p>
             <a:pPr lvl="1"/>
             <a:r>
-              <a:rPr lang="en-US" smtClean="0"/>
+              <a:rPr lang="en-US"/>
               <a:t>Second level</a:t>
             </a:r>
           </a:p>
           <a:p>
             <a:pPr lvl="2"/>
             <a:r>
-              <a:rPr lang="en-US" smtClean="0"/>
+              <a:rPr lang="en-US"/>
               <a:t>Third level</a:t>
             </a:r>
           </a:p>
           <a:p>
             <a:pPr lvl="3"/>
             <a:r>
-              <a:rPr lang="en-US" smtClean="0"/>
+              <a:rPr lang="en-US"/>
               <a:t>Fourth level</a:t>
             </a:r>
           </a:p>
           <a:p>
             <a:pPr lvl="4"/>
             <a:r>
-              <a:rPr lang="en-US" smtClean="0"/>
+              <a:rPr lang="en-US"/>
               <a:t>Fifth level</a:t>
             </a:r>
-            <a:endParaRPr lang="en-US"/>
           </a:p>
         </p:txBody>
       </p:sp>
@@ -471,6 +477,357 @@
 </p:notesMaster>
 </file>
 
+<file path=ppt/notesSlides/notesSlide1.xml><?xml version="1.0" encoding="utf-8"?>
+<p:notes xmlns:a="http://schemas.openxmlformats.org/drawingml/2006/main" xmlns:r="http://schemas.openxmlformats.org/officeDocument/2006/relationships" xmlns:p="http://schemas.openxmlformats.org/presentationml/2006/main">
+  <p:cSld>
+    <p:spTree>
+      <p:nvGrpSpPr>
+        <p:cNvPr id="1" name=""/>
+        <p:cNvGrpSpPr/>
+        <p:nvPr/>
+      </p:nvGrpSpPr>
+      <p:grpSpPr>
+        <a:xfrm>
+          <a:off x="0" y="0"/>
+          <a:ext cx="0" cy="0"/>
+          <a:chOff x="0" y="0"/>
+          <a:chExt cx="0" cy="0"/>
+        </a:xfrm>
+      </p:grpSpPr>
+      <p:sp>
+        <p:nvSpPr>
+          <p:cNvPr id="2" name="Slide Image Placeholder 1"/>
+          <p:cNvSpPr>
+            <a:spLocks noGrp="1" noRot="1" noChangeAspect="1"/>
+          </p:cNvSpPr>
+          <p:nvPr>
+            <p:ph type="sldImg"/>
+          </p:nvPr>
+        </p:nvSpPr>
+        <p:spPr/>
+      </p:sp>
+      <p:sp>
+        <p:nvSpPr>
+          <p:cNvPr id="3" name="Notes Placeholder 2"/>
+          <p:cNvSpPr>
+            <a:spLocks noGrp="1"/>
+          </p:cNvSpPr>
+          <p:nvPr>
+            <p:ph type="body" idx="1"/>
+          </p:nvPr>
+        </p:nvSpPr>
+        <p:spPr/>
+        <p:txBody>
+          <a:bodyPr/>
+          <a:lstStyle/>
+          <a:p>
+            <a:r>
+              <a:rPr lang="en-US" altLang="zh-CN" dirty="0"/>
+              <a:t>Demo the mid file created by </a:t>
+            </a:r>
+            <a:r>
+              <a:rPr lang="en-US" altLang="zh-CN" dirty="0" err="1"/>
+              <a:t>Ruilin</a:t>
+            </a:r>
+            <a:r>
+              <a:rPr lang="en-US" altLang="zh-CN" dirty="0"/>
+              <a:t>.</a:t>
+            </a:r>
+            <a:endParaRPr lang="zh-CN" altLang="en-US" dirty="0"/>
+          </a:p>
+        </p:txBody>
+      </p:sp>
+      <p:sp>
+        <p:nvSpPr>
+          <p:cNvPr id="4" name="Slide Number Placeholder 3"/>
+          <p:cNvSpPr>
+            <a:spLocks noGrp="1"/>
+          </p:cNvSpPr>
+          <p:nvPr>
+            <p:ph type="sldNum" sz="quarter" idx="5"/>
+          </p:nvPr>
+        </p:nvSpPr>
+        <p:spPr/>
+        <p:txBody>
+          <a:bodyPr/>
+          <a:lstStyle/>
+          <a:p>
+            <a:fld id="{2C6FF588-64EE-2745-88B0-D28AA5C1D4AF}" type="slidenum">
+              <a:rPr lang="en-US" smtClean="0"/>
+              <a:t>1</a:t>
+            </a:fld>
+            <a:endParaRPr lang="en-US"/>
+          </a:p>
+        </p:txBody>
+      </p:sp>
+    </p:spTree>
+    <p:extLst>
+      <p:ext uri="{BB962C8B-B14F-4D97-AF65-F5344CB8AC3E}">
+        <p14:creationId xmlns:p14="http://schemas.microsoft.com/office/powerpoint/2010/main" val="3904081178"/>
+      </p:ext>
+    </p:extLst>
+  </p:cSld>
+  <p:clrMapOvr>
+    <a:masterClrMapping/>
+  </p:clrMapOvr>
+</p:notes>
+</file>
+
+<file path=ppt/notesSlides/notesSlide2.xml><?xml version="1.0" encoding="utf-8"?>
+<p:notes xmlns:a="http://schemas.openxmlformats.org/drawingml/2006/main" xmlns:r="http://schemas.openxmlformats.org/officeDocument/2006/relationships" xmlns:p="http://schemas.openxmlformats.org/presentationml/2006/main">
+  <p:cSld>
+    <p:spTree>
+      <p:nvGrpSpPr>
+        <p:cNvPr id="1" name=""/>
+        <p:cNvGrpSpPr/>
+        <p:nvPr/>
+      </p:nvGrpSpPr>
+      <p:grpSpPr>
+        <a:xfrm>
+          <a:off x="0" y="0"/>
+          <a:ext cx="0" cy="0"/>
+          <a:chOff x="0" y="0"/>
+          <a:chExt cx="0" cy="0"/>
+        </a:xfrm>
+      </p:grpSpPr>
+      <p:sp>
+        <p:nvSpPr>
+          <p:cNvPr id="2" name="Slide Image Placeholder 1"/>
+          <p:cNvSpPr>
+            <a:spLocks noGrp="1" noRot="1" noChangeAspect="1"/>
+          </p:cNvSpPr>
+          <p:nvPr>
+            <p:ph type="sldImg"/>
+          </p:nvPr>
+        </p:nvSpPr>
+        <p:spPr/>
+      </p:sp>
+      <p:sp>
+        <p:nvSpPr>
+          <p:cNvPr id="3" name="Notes Placeholder 2"/>
+          <p:cNvSpPr>
+            <a:spLocks noGrp="1"/>
+          </p:cNvSpPr>
+          <p:nvPr>
+            <p:ph type="body" idx="1"/>
+          </p:nvPr>
+        </p:nvSpPr>
+        <p:spPr/>
+        <p:txBody>
+          <a:bodyPr/>
+          <a:lstStyle/>
+          <a:p>
+            <a:endParaRPr lang="zh-CN" altLang="en-US" dirty="0"/>
+          </a:p>
+        </p:txBody>
+      </p:sp>
+      <p:sp>
+        <p:nvSpPr>
+          <p:cNvPr id="4" name="Slide Number Placeholder 3"/>
+          <p:cNvSpPr>
+            <a:spLocks noGrp="1"/>
+          </p:cNvSpPr>
+          <p:nvPr>
+            <p:ph type="sldNum" sz="quarter" idx="5"/>
+          </p:nvPr>
+        </p:nvSpPr>
+        <p:spPr/>
+        <p:txBody>
+          <a:bodyPr/>
+          <a:lstStyle/>
+          <a:p>
+            <a:fld id="{2C6FF588-64EE-2745-88B0-D28AA5C1D4AF}" type="slidenum">
+              <a:rPr lang="en-US" smtClean="0"/>
+              <a:t>4</a:t>
+            </a:fld>
+            <a:endParaRPr lang="en-US"/>
+          </a:p>
+        </p:txBody>
+      </p:sp>
+    </p:spTree>
+    <p:extLst>
+      <p:ext uri="{BB962C8B-B14F-4D97-AF65-F5344CB8AC3E}">
+        <p14:creationId xmlns:p14="http://schemas.microsoft.com/office/powerpoint/2010/main" val="3100176209"/>
+      </p:ext>
+    </p:extLst>
+  </p:cSld>
+  <p:clrMapOvr>
+    <a:masterClrMapping/>
+  </p:clrMapOvr>
+</p:notes>
+</file>
+
+<file path=ppt/notesSlides/notesSlide3.xml><?xml version="1.0" encoding="utf-8"?>
+<p:notes xmlns:a="http://schemas.openxmlformats.org/drawingml/2006/main" xmlns:r="http://schemas.openxmlformats.org/officeDocument/2006/relationships" xmlns:p="http://schemas.openxmlformats.org/presentationml/2006/main">
+  <p:cSld>
+    <p:spTree>
+      <p:nvGrpSpPr>
+        <p:cNvPr id="1" name=""/>
+        <p:cNvGrpSpPr/>
+        <p:nvPr/>
+      </p:nvGrpSpPr>
+      <p:grpSpPr>
+        <a:xfrm>
+          <a:off x="0" y="0"/>
+          <a:ext cx="0" cy="0"/>
+          <a:chOff x="0" y="0"/>
+          <a:chExt cx="0" cy="0"/>
+        </a:xfrm>
+      </p:grpSpPr>
+      <p:sp>
+        <p:nvSpPr>
+          <p:cNvPr id="2" name="Slide Image Placeholder 1"/>
+          <p:cNvSpPr>
+            <a:spLocks noGrp="1" noRot="1" noChangeAspect="1"/>
+          </p:cNvSpPr>
+          <p:nvPr>
+            <p:ph type="sldImg"/>
+          </p:nvPr>
+        </p:nvSpPr>
+        <p:spPr/>
+      </p:sp>
+      <p:sp>
+        <p:nvSpPr>
+          <p:cNvPr id="3" name="Notes Placeholder 2"/>
+          <p:cNvSpPr>
+            <a:spLocks noGrp="1"/>
+          </p:cNvSpPr>
+          <p:nvPr>
+            <p:ph type="body" idx="1"/>
+          </p:nvPr>
+        </p:nvSpPr>
+        <p:spPr/>
+        <p:txBody>
+          <a:bodyPr/>
+          <a:lstStyle/>
+          <a:p>
+            <a:r>
+              <a:rPr lang="zh-CN" altLang="en-US" dirty="0"/>
+              <a:t>模拟乐队</a:t>
+            </a:r>
+          </a:p>
+        </p:txBody>
+      </p:sp>
+      <p:sp>
+        <p:nvSpPr>
+          <p:cNvPr id="4" name="Slide Number Placeholder 3"/>
+          <p:cNvSpPr>
+            <a:spLocks noGrp="1"/>
+          </p:cNvSpPr>
+          <p:nvPr>
+            <p:ph type="sldNum" sz="quarter" idx="5"/>
+          </p:nvPr>
+        </p:nvSpPr>
+        <p:spPr/>
+        <p:txBody>
+          <a:bodyPr/>
+          <a:lstStyle/>
+          <a:p>
+            <a:fld id="{2C6FF588-64EE-2745-88B0-D28AA5C1D4AF}" type="slidenum">
+              <a:rPr lang="en-US" smtClean="0"/>
+              <a:t>6</a:t>
+            </a:fld>
+            <a:endParaRPr lang="en-US"/>
+          </a:p>
+        </p:txBody>
+      </p:sp>
+    </p:spTree>
+    <p:extLst>
+      <p:ext uri="{BB962C8B-B14F-4D97-AF65-F5344CB8AC3E}">
+        <p14:creationId xmlns:p14="http://schemas.microsoft.com/office/powerpoint/2010/main" val="1510616738"/>
+      </p:ext>
+    </p:extLst>
+  </p:cSld>
+  <p:clrMapOvr>
+    <a:masterClrMapping/>
+  </p:clrMapOvr>
+</p:notes>
+</file>
+
+<file path=ppt/notesSlides/notesSlide4.xml><?xml version="1.0" encoding="utf-8"?>
+<p:notes xmlns:a="http://schemas.openxmlformats.org/drawingml/2006/main" xmlns:r="http://schemas.openxmlformats.org/officeDocument/2006/relationships" xmlns:p="http://schemas.openxmlformats.org/presentationml/2006/main">
+  <p:cSld>
+    <p:spTree>
+      <p:nvGrpSpPr>
+        <p:cNvPr id="1" name=""/>
+        <p:cNvGrpSpPr/>
+        <p:nvPr/>
+      </p:nvGrpSpPr>
+      <p:grpSpPr>
+        <a:xfrm>
+          <a:off x="0" y="0"/>
+          <a:ext cx="0" cy="0"/>
+          <a:chOff x="0" y="0"/>
+          <a:chExt cx="0" cy="0"/>
+        </a:xfrm>
+      </p:grpSpPr>
+      <p:sp>
+        <p:nvSpPr>
+          <p:cNvPr id="2" name="Slide Image Placeholder 1"/>
+          <p:cNvSpPr>
+            <a:spLocks noGrp="1" noRot="1" noChangeAspect="1"/>
+          </p:cNvSpPr>
+          <p:nvPr>
+            <p:ph type="sldImg"/>
+          </p:nvPr>
+        </p:nvSpPr>
+        <p:spPr/>
+      </p:sp>
+      <p:sp>
+        <p:nvSpPr>
+          <p:cNvPr id="3" name="Notes Placeholder 2"/>
+          <p:cNvSpPr>
+            <a:spLocks noGrp="1"/>
+          </p:cNvSpPr>
+          <p:nvPr>
+            <p:ph type="body" idx="1"/>
+          </p:nvPr>
+        </p:nvSpPr>
+        <p:spPr/>
+        <p:txBody>
+          <a:bodyPr/>
+          <a:lstStyle/>
+          <a:p>
+            <a:endParaRPr lang="zh-CN" altLang="en-US" dirty="0"/>
+          </a:p>
+        </p:txBody>
+      </p:sp>
+      <p:sp>
+        <p:nvSpPr>
+          <p:cNvPr id="4" name="Slide Number Placeholder 3"/>
+          <p:cNvSpPr>
+            <a:spLocks noGrp="1"/>
+          </p:cNvSpPr>
+          <p:nvPr>
+            <p:ph type="sldNum" sz="quarter" idx="5"/>
+          </p:nvPr>
+        </p:nvSpPr>
+        <p:spPr/>
+        <p:txBody>
+          <a:bodyPr/>
+          <a:lstStyle/>
+          <a:p>
+            <a:fld id="{2C6FF588-64EE-2745-88B0-D28AA5C1D4AF}" type="slidenum">
+              <a:rPr lang="en-US" smtClean="0"/>
+              <a:t>13</a:t>
+            </a:fld>
+            <a:endParaRPr lang="en-US"/>
+          </a:p>
+        </p:txBody>
+      </p:sp>
+    </p:spTree>
+    <p:extLst>
+      <p:ext uri="{BB962C8B-B14F-4D97-AF65-F5344CB8AC3E}">
+        <p14:creationId xmlns:p14="http://schemas.microsoft.com/office/powerpoint/2010/main" val="3572168122"/>
+      </p:ext>
+    </p:extLst>
+  </p:cSld>
+  <p:clrMapOvr>
+    <a:masterClrMapping/>
+  </p:clrMapOvr>
+</p:notes>
+</file>
+
 <file path=ppt/slideLayouts/slideLayout1.xml><?xml version="1.0" encoding="utf-8"?>
 <p:sldLayout xmlns:a="http://schemas.openxmlformats.org/drawingml/2006/main" xmlns:r="http://schemas.openxmlformats.org/officeDocument/2006/relationships" xmlns:p="http://schemas.openxmlformats.org/presentationml/2006/main" type="title" preserve="1">
   <p:cSld name="Title Slide">
@@ -513,10 +870,9 @@
           </a:lstStyle>
           <a:p>
             <a:r>
-              <a:rPr lang="en-US" smtClean="0"/>
+              <a:rPr lang="en-US"/>
               <a:t>Click to edit Master title style</a:t>
             </a:r>
-            <a:endParaRPr lang="en-US"/>
           </a:p>
         </p:txBody>
       </p:sp>
@@ -578,10 +934,9 @@
           </a:lstStyle>
           <a:p>
             <a:r>
-              <a:rPr lang="en-US" smtClean="0"/>
+              <a:rPr lang="en-US"/>
               <a:t>Click to edit Master subtitle style</a:t>
             </a:r>
-            <a:endParaRPr lang="en-US"/>
           </a:p>
         </p:txBody>
       </p:sp>
@@ -602,7 +957,7 @@
           <a:p>
             <a:fld id="{1C8920E0-4DA1-524E-AA5F-72FF81381A76}" type="datetimeFigureOut">
               <a:rPr lang="en-US" smtClean="0"/>
-              <a:t>10/1/18</a:t>
+              <a:t>10/13/2018</a:t>
             </a:fld>
             <a:endParaRPr lang="en-US"/>
           </a:p>
@@ -696,10 +1051,9 @@
           <a:lstStyle/>
           <a:p>
             <a:r>
-              <a:rPr lang="en-US" smtClean="0"/>
+              <a:rPr lang="en-US"/>
               <a:t>Click to edit Master title style</a:t>
             </a:r>
-            <a:endParaRPr lang="en-US"/>
           </a:p>
         </p:txBody>
       </p:sp>
@@ -720,38 +1074,37 @@
           <a:p>
             <a:pPr lvl="0"/>
             <a:r>
-              <a:rPr lang="en-US" smtClean="0"/>
+              <a:rPr lang="en-US"/>
               <a:t>Click to edit Master text styles</a:t>
             </a:r>
           </a:p>
           <a:p>
             <a:pPr lvl="1"/>
             <a:r>
-              <a:rPr lang="en-US" smtClean="0"/>
+              <a:rPr lang="en-US"/>
               <a:t>Second level</a:t>
             </a:r>
           </a:p>
           <a:p>
             <a:pPr lvl="2"/>
             <a:r>
-              <a:rPr lang="en-US" smtClean="0"/>
+              <a:rPr lang="en-US"/>
               <a:t>Third level</a:t>
             </a:r>
           </a:p>
           <a:p>
             <a:pPr lvl="3"/>
             <a:r>
-              <a:rPr lang="en-US" smtClean="0"/>
+              <a:rPr lang="en-US"/>
               <a:t>Fourth level</a:t>
             </a:r>
           </a:p>
           <a:p>
             <a:pPr lvl="4"/>
             <a:r>
-              <a:rPr lang="en-US" smtClean="0"/>
+              <a:rPr lang="en-US"/>
               <a:t>Fifth level</a:t>
             </a:r>
-            <a:endParaRPr lang="en-US"/>
           </a:p>
         </p:txBody>
       </p:sp>
@@ -772,7 +1125,7 @@
           <a:p>
             <a:fld id="{1C8920E0-4DA1-524E-AA5F-72FF81381A76}" type="datetimeFigureOut">
               <a:rPr lang="en-US" smtClean="0"/>
-              <a:t>10/1/18</a:t>
+              <a:t>10/13/2018</a:t>
             </a:fld>
             <a:endParaRPr lang="en-US"/>
           </a:p>
@@ -871,10 +1224,9 @@
           <a:lstStyle/>
           <a:p>
             <a:r>
-              <a:rPr lang="en-US" smtClean="0"/>
+              <a:rPr lang="en-US"/>
               <a:t>Click to edit Master title style</a:t>
             </a:r>
-            <a:endParaRPr lang="en-US"/>
           </a:p>
         </p:txBody>
       </p:sp>
@@ -900,38 +1252,37 @@
           <a:p>
             <a:pPr lvl="0"/>
             <a:r>
-              <a:rPr lang="en-US" smtClean="0"/>
+              <a:rPr lang="en-US"/>
               <a:t>Click to edit Master text styles</a:t>
             </a:r>
           </a:p>
           <a:p>
             <a:pPr lvl="1"/>
             <a:r>
-              <a:rPr lang="en-US" smtClean="0"/>
+              <a:rPr lang="en-US"/>
               <a:t>Second level</a:t>
             </a:r>
           </a:p>
           <a:p>
             <a:pPr lvl="2"/>
             <a:r>
-              <a:rPr lang="en-US" smtClean="0"/>
+              <a:rPr lang="en-US"/>
               <a:t>Third level</a:t>
             </a:r>
           </a:p>
           <a:p>
             <a:pPr lvl="3"/>
             <a:r>
-              <a:rPr lang="en-US" smtClean="0"/>
+              <a:rPr lang="en-US"/>
               <a:t>Fourth level</a:t>
             </a:r>
           </a:p>
           <a:p>
             <a:pPr lvl="4"/>
             <a:r>
-              <a:rPr lang="en-US" smtClean="0"/>
+              <a:rPr lang="en-US"/>
               <a:t>Fifth level</a:t>
             </a:r>
-            <a:endParaRPr lang="en-US"/>
           </a:p>
         </p:txBody>
       </p:sp>
@@ -952,7 +1303,7 @@
           <a:p>
             <a:fld id="{1C8920E0-4DA1-524E-AA5F-72FF81381A76}" type="datetimeFigureOut">
               <a:rPr lang="en-US" smtClean="0"/>
-              <a:t>10/1/18</a:t>
+              <a:t>10/13/2018</a:t>
             </a:fld>
             <a:endParaRPr lang="en-US"/>
           </a:p>
@@ -1046,10 +1397,9 @@
           <a:lstStyle/>
           <a:p>
             <a:r>
-              <a:rPr lang="en-US" smtClean="0"/>
+              <a:rPr lang="en-US"/>
               <a:t>Click to edit Master title style</a:t>
             </a:r>
-            <a:endParaRPr lang="en-US"/>
           </a:p>
         </p:txBody>
       </p:sp>
@@ -1070,38 +1420,37 @@
           <a:p>
             <a:pPr lvl="0"/>
             <a:r>
-              <a:rPr lang="en-US" smtClean="0"/>
+              <a:rPr lang="en-US"/>
               <a:t>Click to edit Master text styles</a:t>
             </a:r>
           </a:p>
           <a:p>
             <a:pPr lvl="1"/>
             <a:r>
-              <a:rPr lang="en-US" smtClean="0"/>
+              <a:rPr lang="en-US"/>
               <a:t>Second level</a:t>
             </a:r>
           </a:p>
           <a:p>
             <a:pPr lvl="2"/>
             <a:r>
-              <a:rPr lang="en-US" smtClean="0"/>
+              <a:rPr lang="en-US"/>
               <a:t>Third level</a:t>
             </a:r>
           </a:p>
           <a:p>
             <a:pPr lvl="3"/>
             <a:r>
-              <a:rPr lang="en-US" smtClean="0"/>
+              <a:rPr lang="en-US"/>
               <a:t>Fourth level</a:t>
             </a:r>
           </a:p>
           <a:p>
             <a:pPr lvl="4"/>
             <a:r>
-              <a:rPr lang="en-US" smtClean="0"/>
+              <a:rPr lang="en-US"/>
               <a:t>Fifth level</a:t>
             </a:r>
-            <a:endParaRPr lang="en-US"/>
           </a:p>
         </p:txBody>
       </p:sp>
@@ -1122,7 +1471,7 @@
           <a:p>
             <a:fld id="{1C8920E0-4DA1-524E-AA5F-72FF81381A76}" type="datetimeFigureOut">
               <a:rPr lang="en-US" smtClean="0"/>
-              <a:t>10/1/18</a:t>
+              <a:t>10/13/2018</a:t>
             </a:fld>
             <a:endParaRPr lang="en-US"/>
           </a:p>
@@ -1225,10 +1574,9 @@
           </a:lstStyle>
           <a:p>
             <a:r>
-              <a:rPr lang="en-US" smtClean="0"/>
+              <a:rPr lang="en-US"/>
               <a:t>Click to edit Master title style</a:t>
             </a:r>
-            <a:endParaRPr lang="en-US"/>
           </a:p>
         </p:txBody>
       </p:sp>
@@ -1345,7 +1693,7 @@
           <a:p>
             <a:pPr lvl="0"/>
             <a:r>
-              <a:rPr lang="en-US" smtClean="0"/>
+              <a:rPr lang="en-US"/>
               <a:t>Click to edit Master text styles</a:t>
             </a:r>
           </a:p>
@@ -1368,7 +1716,7 @@
           <a:p>
             <a:fld id="{1C8920E0-4DA1-524E-AA5F-72FF81381A76}" type="datetimeFigureOut">
               <a:rPr lang="en-US" smtClean="0"/>
-              <a:t>10/1/18</a:t>
+              <a:t>10/13/2018</a:t>
             </a:fld>
             <a:endParaRPr lang="en-US"/>
           </a:p>
@@ -1462,10 +1810,9 @@
           <a:lstStyle/>
           <a:p>
             <a:r>
-              <a:rPr lang="en-US" smtClean="0"/>
+              <a:rPr lang="en-US"/>
               <a:t>Click to edit Master title style</a:t>
             </a:r>
-            <a:endParaRPr lang="en-US"/>
           </a:p>
         </p:txBody>
       </p:sp>
@@ -1491,38 +1838,37 @@
           <a:p>
             <a:pPr lvl="0"/>
             <a:r>
-              <a:rPr lang="en-US" smtClean="0"/>
+              <a:rPr lang="en-US"/>
               <a:t>Click to edit Master text styles</a:t>
             </a:r>
           </a:p>
           <a:p>
             <a:pPr lvl="1"/>
             <a:r>
-              <a:rPr lang="en-US" smtClean="0"/>
+              <a:rPr lang="en-US"/>
               <a:t>Second level</a:t>
             </a:r>
           </a:p>
           <a:p>
             <a:pPr lvl="2"/>
             <a:r>
-              <a:rPr lang="en-US" smtClean="0"/>
+              <a:rPr lang="en-US"/>
               <a:t>Third level</a:t>
             </a:r>
           </a:p>
           <a:p>
             <a:pPr lvl="3"/>
             <a:r>
-              <a:rPr lang="en-US" smtClean="0"/>
+              <a:rPr lang="en-US"/>
               <a:t>Fourth level</a:t>
             </a:r>
           </a:p>
           <a:p>
             <a:pPr lvl="4"/>
             <a:r>
-              <a:rPr lang="en-US" smtClean="0"/>
+              <a:rPr lang="en-US"/>
               <a:t>Fifth level</a:t>
             </a:r>
-            <a:endParaRPr lang="en-US"/>
           </a:p>
         </p:txBody>
       </p:sp>
@@ -1548,38 +1894,37 @@
           <a:p>
             <a:pPr lvl="0"/>
             <a:r>
-              <a:rPr lang="en-US" smtClean="0"/>
+              <a:rPr lang="en-US"/>
               <a:t>Click to edit Master text styles</a:t>
             </a:r>
           </a:p>
           <a:p>
             <a:pPr lvl="1"/>
             <a:r>
-              <a:rPr lang="en-US" smtClean="0"/>
+              <a:rPr lang="en-US"/>
               <a:t>Second level</a:t>
             </a:r>
           </a:p>
           <a:p>
             <a:pPr lvl="2"/>
             <a:r>
-              <a:rPr lang="en-US" smtClean="0"/>
+              <a:rPr lang="en-US"/>
               <a:t>Third level</a:t>
             </a:r>
           </a:p>
           <a:p>
             <a:pPr lvl="3"/>
             <a:r>
-              <a:rPr lang="en-US" smtClean="0"/>
+              <a:rPr lang="en-US"/>
               <a:t>Fourth level</a:t>
             </a:r>
           </a:p>
           <a:p>
             <a:pPr lvl="4"/>
             <a:r>
-              <a:rPr lang="en-US" smtClean="0"/>
+              <a:rPr lang="en-US"/>
               <a:t>Fifth level</a:t>
             </a:r>
-            <a:endParaRPr lang="en-US"/>
           </a:p>
         </p:txBody>
       </p:sp>
@@ -1600,7 +1945,7 @@
           <a:p>
             <a:fld id="{1C8920E0-4DA1-524E-AA5F-72FF81381A76}" type="datetimeFigureOut">
               <a:rPr lang="en-US" smtClean="0"/>
-              <a:t>10/1/18</a:t>
+              <a:t>10/13/2018</a:t>
             </a:fld>
             <a:endParaRPr lang="en-US"/>
           </a:p>
@@ -1699,10 +2044,9 @@
           <a:lstStyle/>
           <a:p>
             <a:r>
-              <a:rPr lang="en-US" smtClean="0"/>
+              <a:rPr lang="en-US"/>
               <a:t>Click to edit Master title style</a:t>
             </a:r>
-            <a:endParaRPr lang="en-US"/>
           </a:p>
         </p:txBody>
       </p:sp>
@@ -1765,7 +2109,7 @@
           <a:p>
             <a:pPr lvl="0"/>
             <a:r>
-              <a:rPr lang="en-US" smtClean="0"/>
+              <a:rPr lang="en-US"/>
               <a:t>Click to edit Master text styles</a:t>
             </a:r>
           </a:p>
@@ -1793,38 +2137,37 @@
           <a:p>
             <a:pPr lvl="0"/>
             <a:r>
-              <a:rPr lang="en-US" smtClean="0"/>
+              <a:rPr lang="en-US"/>
               <a:t>Click to edit Master text styles</a:t>
             </a:r>
           </a:p>
           <a:p>
             <a:pPr lvl="1"/>
             <a:r>
-              <a:rPr lang="en-US" smtClean="0"/>
+              <a:rPr lang="en-US"/>
               <a:t>Second level</a:t>
             </a:r>
           </a:p>
           <a:p>
             <a:pPr lvl="2"/>
             <a:r>
-              <a:rPr lang="en-US" smtClean="0"/>
+              <a:rPr lang="en-US"/>
               <a:t>Third level</a:t>
             </a:r>
           </a:p>
           <a:p>
             <a:pPr lvl="3"/>
             <a:r>
-              <a:rPr lang="en-US" smtClean="0"/>
+              <a:rPr lang="en-US"/>
               <a:t>Fourth level</a:t>
             </a:r>
           </a:p>
           <a:p>
             <a:pPr lvl="4"/>
             <a:r>
-              <a:rPr lang="en-US" smtClean="0"/>
+              <a:rPr lang="en-US"/>
               <a:t>Fifth level</a:t>
             </a:r>
-            <a:endParaRPr lang="en-US"/>
           </a:p>
         </p:txBody>
       </p:sp>
@@ -1887,7 +2230,7 @@
           <a:p>
             <a:pPr lvl="0"/>
             <a:r>
-              <a:rPr lang="en-US" smtClean="0"/>
+              <a:rPr lang="en-US"/>
               <a:t>Click to edit Master text styles</a:t>
             </a:r>
           </a:p>
@@ -1915,38 +2258,37 @@
           <a:p>
             <a:pPr lvl="0"/>
             <a:r>
-              <a:rPr lang="en-US" smtClean="0"/>
+              <a:rPr lang="en-US"/>
               <a:t>Click to edit Master text styles</a:t>
             </a:r>
           </a:p>
           <a:p>
             <a:pPr lvl="1"/>
             <a:r>
-              <a:rPr lang="en-US" smtClean="0"/>
+              <a:rPr lang="en-US"/>
               <a:t>Second level</a:t>
             </a:r>
           </a:p>
           <a:p>
             <a:pPr lvl="2"/>
             <a:r>
-              <a:rPr lang="en-US" smtClean="0"/>
+              <a:rPr lang="en-US"/>
               <a:t>Third level</a:t>
             </a:r>
           </a:p>
           <a:p>
             <a:pPr lvl="3"/>
             <a:r>
-              <a:rPr lang="en-US" smtClean="0"/>
+              <a:rPr lang="en-US"/>
               <a:t>Fourth level</a:t>
             </a:r>
           </a:p>
           <a:p>
             <a:pPr lvl="4"/>
             <a:r>
-              <a:rPr lang="en-US" smtClean="0"/>
+              <a:rPr lang="en-US"/>
               <a:t>Fifth level</a:t>
             </a:r>
-            <a:endParaRPr lang="en-US"/>
           </a:p>
         </p:txBody>
       </p:sp>
@@ -1967,7 +2309,7 @@
           <a:p>
             <a:fld id="{1C8920E0-4DA1-524E-AA5F-72FF81381A76}" type="datetimeFigureOut">
               <a:rPr lang="en-US" smtClean="0"/>
-              <a:t>10/1/18</a:t>
+              <a:t>10/13/2018</a:t>
             </a:fld>
             <a:endParaRPr lang="en-US"/>
           </a:p>
@@ -2061,10 +2403,9 @@
           <a:lstStyle/>
           <a:p>
             <a:r>
-              <a:rPr lang="en-US" smtClean="0"/>
+              <a:rPr lang="en-US"/>
               <a:t>Click to edit Master title style</a:t>
             </a:r>
-            <a:endParaRPr lang="en-US"/>
           </a:p>
         </p:txBody>
       </p:sp>
@@ -2085,7 +2426,7 @@
           <a:p>
             <a:fld id="{1C8920E0-4DA1-524E-AA5F-72FF81381A76}" type="datetimeFigureOut">
               <a:rPr lang="en-US" smtClean="0"/>
-              <a:t>10/1/18</a:t>
+              <a:t>10/13/2018</a:t>
             </a:fld>
             <a:endParaRPr lang="en-US"/>
           </a:p>
@@ -2180,7 +2521,7 @@
           <a:p>
             <a:fld id="{1C8920E0-4DA1-524E-AA5F-72FF81381A76}" type="datetimeFigureOut">
               <a:rPr lang="en-US" smtClean="0"/>
-              <a:t>10/1/18</a:t>
+              <a:t>10/13/2018</a:t>
             </a:fld>
             <a:endParaRPr lang="en-US"/>
           </a:p>
@@ -2283,10 +2624,9 @@
           </a:lstStyle>
           <a:p>
             <a:r>
-              <a:rPr lang="en-US" smtClean="0"/>
+              <a:rPr lang="en-US"/>
               <a:t>Click to edit Master title style</a:t>
             </a:r>
-            <a:endParaRPr lang="en-US"/>
           </a:p>
         </p:txBody>
       </p:sp>
@@ -2340,38 +2680,37 @@
           <a:p>
             <a:pPr lvl="0"/>
             <a:r>
-              <a:rPr lang="en-US" smtClean="0"/>
+              <a:rPr lang="en-US"/>
               <a:t>Click to edit Master text styles</a:t>
             </a:r>
           </a:p>
           <a:p>
             <a:pPr lvl="1"/>
             <a:r>
-              <a:rPr lang="en-US" smtClean="0"/>
+              <a:rPr lang="en-US"/>
               <a:t>Second level</a:t>
             </a:r>
           </a:p>
           <a:p>
             <a:pPr lvl="2"/>
             <a:r>
-              <a:rPr lang="en-US" smtClean="0"/>
+              <a:rPr lang="en-US"/>
               <a:t>Third level</a:t>
             </a:r>
           </a:p>
           <a:p>
             <a:pPr lvl="3"/>
             <a:r>
-              <a:rPr lang="en-US" smtClean="0"/>
+              <a:rPr lang="en-US"/>
               <a:t>Fourth level</a:t>
             </a:r>
           </a:p>
           <a:p>
             <a:pPr lvl="4"/>
             <a:r>
-              <a:rPr lang="en-US" smtClean="0"/>
+              <a:rPr lang="en-US"/>
               <a:t>Fifth level</a:t>
             </a:r>
-            <a:endParaRPr lang="en-US"/>
           </a:p>
         </p:txBody>
       </p:sp>
@@ -2434,7 +2773,7 @@
           <a:p>
             <a:pPr lvl="0"/>
             <a:r>
-              <a:rPr lang="en-US" smtClean="0"/>
+              <a:rPr lang="en-US"/>
               <a:t>Click to edit Master text styles</a:t>
             </a:r>
           </a:p>
@@ -2457,7 +2796,7 @@
           <a:p>
             <a:fld id="{1C8920E0-4DA1-524E-AA5F-72FF81381A76}" type="datetimeFigureOut">
               <a:rPr lang="en-US" smtClean="0"/>
-              <a:t>10/1/18</a:t>
+              <a:t>10/13/2018</a:t>
             </a:fld>
             <a:endParaRPr lang="en-US"/>
           </a:p>
@@ -2560,10 +2899,9 @@
           </a:lstStyle>
           <a:p>
             <a:r>
-              <a:rPr lang="en-US" smtClean="0"/>
+              <a:rPr lang="en-US"/>
               <a:t>Click to edit Master title style</a:t>
             </a:r>
-            <a:endParaRPr lang="en-US"/>
           </a:p>
         </p:txBody>
       </p:sp>
@@ -2687,7 +3025,7 @@
           <a:p>
             <a:pPr lvl="0"/>
             <a:r>
-              <a:rPr lang="en-US" smtClean="0"/>
+              <a:rPr lang="en-US"/>
               <a:t>Click to edit Master text styles</a:t>
             </a:r>
           </a:p>
@@ -2710,7 +3048,7 @@
           <a:p>
             <a:fld id="{1C8920E0-4DA1-524E-AA5F-72FF81381A76}" type="datetimeFigureOut">
               <a:rPr lang="en-US" smtClean="0"/>
-              <a:t>10/1/18</a:t>
+              <a:t>10/13/2018</a:t>
             </a:fld>
             <a:endParaRPr lang="en-US"/>
           </a:p>
@@ -2819,10 +3157,9 @@
           <a:lstStyle/>
           <a:p>
             <a:r>
-              <a:rPr lang="en-US" smtClean="0"/>
+              <a:rPr lang="en-US"/>
               <a:t>Click to edit Master title style</a:t>
             </a:r>
-            <a:endParaRPr lang="en-US"/>
           </a:p>
         </p:txBody>
       </p:sp>
@@ -2853,38 +3190,37 @@
           <a:p>
             <a:pPr lvl="0"/>
             <a:r>
-              <a:rPr lang="en-US" smtClean="0"/>
+              <a:rPr lang="en-US"/>
               <a:t>Click to edit Master text styles</a:t>
             </a:r>
           </a:p>
           <a:p>
             <a:pPr lvl="1"/>
             <a:r>
-              <a:rPr lang="en-US" smtClean="0"/>
+              <a:rPr lang="en-US"/>
               <a:t>Second level</a:t>
             </a:r>
           </a:p>
           <a:p>
             <a:pPr lvl="2"/>
             <a:r>
-              <a:rPr lang="en-US" smtClean="0"/>
+              <a:rPr lang="en-US"/>
               <a:t>Third level</a:t>
             </a:r>
           </a:p>
           <a:p>
             <a:pPr lvl="3"/>
             <a:r>
-              <a:rPr lang="en-US" smtClean="0"/>
+              <a:rPr lang="en-US"/>
               <a:t>Fourth level</a:t>
             </a:r>
           </a:p>
           <a:p>
             <a:pPr lvl="4"/>
             <a:r>
-              <a:rPr lang="en-US" smtClean="0"/>
+              <a:rPr lang="en-US"/>
               <a:t>Fifth level</a:t>
             </a:r>
-            <a:endParaRPr lang="en-US"/>
           </a:p>
         </p:txBody>
       </p:sp>
@@ -2923,7 +3259,7 @@
           <a:p>
             <a:fld id="{1C8920E0-4DA1-524E-AA5F-72FF81381A76}" type="datetimeFigureOut">
               <a:rPr lang="en-US" smtClean="0"/>
-              <a:t>10/1/18</a:t>
+              <a:t>10/13/2018</a:t>
             </a:fld>
             <a:endParaRPr lang="en-US"/>
           </a:p>
@@ -3335,89 +3671,57 @@
             <a:spLocks noGrp="1"/>
           </p:cNvSpPr>
           <p:nvPr>
-            <p:ph type="ctrTitle"/>
+            <p:ph type="title"/>
           </p:nvPr>
         </p:nvSpPr>
         <p:spPr/>
         <p:txBody>
-          <a:bodyPr>
-            <a:normAutofit/>
-          </a:bodyPr>
-          <a:lstStyle/>
-          <a:p>
-            <a:r>
-              <a:rPr lang="en-US" sz="8000" dirty="0" smtClean="0"/>
-              <a:t>MIDI</a:t>
-            </a:r>
-            <a:r>
-              <a:rPr lang="zh-CN" altLang="en-US" sz="8000" dirty="0" smtClean="0"/>
-              <a:t>音乐介绍</a:t>
-            </a:r>
-            <a:endParaRPr lang="en-US" sz="8000" dirty="0"/>
-          </a:p>
-        </p:txBody>
-      </p:sp>
-      <p:sp>
-        <p:nvSpPr>
-          <p:cNvPr id="3" name="Subtitle 2"/>
-          <p:cNvSpPr>
-            <a:spLocks noGrp="1"/>
-          </p:cNvSpPr>
-          <p:nvPr>
-            <p:ph type="subTitle" idx="1"/>
-          </p:nvPr>
-        </p:nvSpPr>
-        <p:spPr>
-          <a:xfrm>
-            <a:off x="1696452" y="4463716"/>
-            <a:ext cx="8971547" cy="794084"/>
-          </a:xfrm>
-        </p:spPr>
-        <p:txBody>
-          <a:bodyPr/>
-          <a:lstStyle/>
-          <a:p>
-            <a:r>
-              <a:rPr lang="zh-CN" altLang="en-US" dirty="0"/>
-              <a:t> </a:t>
-            </a:r>
-            <a:r>
-              <a:rPr lang="en-US" altLang="zh-CN" dirty="0" smtClean="0"/>
-              <a:t>for: </a:t>
-            </a:r>
-            <a:r>
-              <a:rPr lang="zh-CN" altLang="en-US" dirty="0" smtClean="0"/>
-              <a:t>三 （</a:t>
-            </a:r>
-            <a:r>
-              <a:rPr lang="en-US" altLang="zh-CN" dirty="0" smtClean="0"/>
-              <a:t>5</a:t>
-            </a:r>
-            <a:r>
-              <a:rPr lang="zh-CN" altLang="en-US" dirty="0" smtClean="0"/>
-              <a:t>）班家长课堂</a:t>
+          <a:bodyPr/>
+          <a:lstStyle/>
+          <a:p>
+            <a:r>
+              <a:rPr lang="en-US" altLang="zh-CN" dirty="0"/>
+              <a:t>Begin!</a:t>
             </a:r>
             <a:endParaRPr lang="en-US" dirty="0"/>
+          </a:p>
+        </p:txBody>
+      </p:sp>
+      <p:sp>
+        <p:nvSpPr>
+          <p:cNvPr id="6" name="Content Placeholder 5">
+            <a:extLst>
+              <a:ext uri="{FF2B5EF4-FFF2-40B4-BE49-F238E27FC236}">
+                <a16:creationId xmlns:a16="http://schemas.microsoft.com/office/drawing/2014/main" id="{90320CA0-602B-4087-9EA4-486B6E4E2602}"/>
+              </a:ext>
+            </a:extLst>
+          </p:cNvPr>
+          <p:cNvSpPr>
+            <a:spLocks noGrp="1"/>
+          </p:cNvSpPr>
+          <p:nvPr>
+            <p:ph idx="1"/>
+          </p:nvPr>
+        </p:nvSpPr>
+        <p:spPr/>
+        <p:txBody>
+          <a:bodyPr/>
+          <a:lstStyle/>
+          <a:p>
+            <a:endParaRPr lang="zh-CN" altLang="en-US"/>
           </a:p>
         </p:txBody>
       </p:sp>
     </p:spTree>
     <p:extLst>
       <p:ext uri="{BB962C8B-B14F-4D97-AF65-F5344CB8AC3E}">
-        <p14:creationId xmlns:p14="http://schemas.microsoft.com/office/powerpoint/2010/main" val="645752769"/>
+        <p14:creationId xmlns:p14="http://schemas.microsoft.com/office/powerpoint/2010/main" val="1608236355"/>
       </p:ext>
     </p:extLst>
   </p:cSld>
   <p:clrMapOvr>
     <a:masterClrMapping/>
   </p:clrMapOvr>
-  <p:timing>
-    <p:tnLst>
-      <p:par>
-        <p:cTn id="1" dur="indefinite" restart="never" nodeType="tmRoot"/>
-      </p:par>
-    </p:tnLst>
-  </p:timing>
 </p:sld>
 </file>
 
@@ -3448,36 +3752,367 @@
             <p:ph type="title"/>
           </p:nvPr>
         </p:nvSpPr>
+        <p:spPr>
+          <a:xfrm>
+            <a:off x="838200" y="365125"/>
+            <a:ext cx="10515600" cy="1066633"/>
+          </a:xfrm>
+        </p:spPr>
+        <p:txBody>
+          <a:bodyPr>
+            <a:normAutofit/>
+          </a:bodyPr>
+          <a:lstStyle/>
+          <a:p>
+            <a:r>
+              <a:rPr lang="zh-CN" altLang="en-US" sz="4000" dirty="0"/>
+              <a:t>典型的</a:t>
+            </a:r>
+            <a:r>
+              <a:rPr lang="en-US" altLang="zh-CN" sz="4000" dirty="0"/>
+              <a:t>MIDI</a:t>
+            </a:r>
+            <a:r>
+              <a:rPr lang="zh-CN" altLang="en-US" sz="4000" dirty="0"/>
+              <a:t>软件介绍：</a:t>
+            </a:r>
+            <a:endParaRPr lang="en-US" sz="2000" dirty="0"/>
+          </a:p>
+        </p:txBody>
+      </p:sp>
+      <p:sp>
+        <p:nvSpPr>
+          <p:cNvPr id="3" name="Content Placeholder 2"/>
+          <p:cNvSpPr>
+            <a:spLocks noGrp="1"/>
+          </p:cNvSpPr>
+          <p:nvPr>
+            <p:ph idx="1"/>
+          </p:nvPr>
+        </p:nvSpPr>
+        <p:spPr>
+          <a:xfrm>
+            <a:off x="838200" y="1515979"/>
+            <a:ext cx="10515600" cy="4660984"/>
+          </a:xfrm>
+        </p:spPr>
+        <p:txBody>
+          <a:bodyPr/>
+          <a:lstStyle/>
+          <a:p>
+            <a:r>
+              <a:rPr lang="zh-CN" altLang="en-US" dirty="0"/>
+              <a:t>目前有很多</a:t>
+            </a:r>
+            <a:r>
+              <a:rPr lang="en-US" altLang="zh-CN" dirty="0"/>
+              <a:t>MIDI</a:t>
+            </a:r>
+            <a:r>
+              <a:rPr lang="zh-CN" altLang="en-US" dirty="0"/>
+              <a:t>软件</a:t>
+            </a:r>
+            <a:endParaRPr lang="en-US" altLang="zh-CN" dirty="0"/>
+          </a:p>
+          <a:p>
+            <a:pPr lvl="1"/>
+            <a:r>
+              <a:rPr lang="zh-CN" altLang="en-US" dirty="0"/>
+              <a:t>主要功能类型有：</a:t>
+            </a:r>
+            <a:r>
+              <a:rPr lang="en-US" altLang="zh-CN" dirty="0"/>
+              <a:t>MIDI</a:t>
+            </a:r>
+            <a:r>
+              <a:rPr lang="zh-CN" altLang="en-US" dirty="0"/>
+              <a:t>音乐制作，</a:t>
+            </a:r>
+            <a:r>
+              <a:rPr lang="en-US" altLang="zh-CN" dirty="0"/>
+              <a:t>MIDI</a:t>
+            </a:r>
+            <a:r>
+              <a:rPr lang="zh-CN" altLang="en-US" dirty="0"/>
+              <a:t>音乐编辑，</a:t>
+            </a:r>
+            <a:r>
+              <a:rPr lang="en-US" altLang="zh-CN" dirty="0"/>
+              <a:t>MIDI</a:t>
+            </a:r>
+            <a:r>
+              <a:rPr lang="zh-CN" altLang="en-US" dirty="0"/>
+              <a:t>音乐播放</a:t>
+            </a:r>
+            <a:endParaRPr lang="en-US" altLang="zh-CN" dirty="0"/>
+          </a:p>
+          <a:p>
+            <a:pPr lvl="1"/>
+            <a:r>
+              <a:rPr lang="zh-CN" altLang="en-US" dirty="0"/>
+              <a:t>某些软件必须和特定类型的</a:t>
+            </a:r>
+            <a:r>
+              <a:rPr lang="en-US" altLang="zh-CN" dirty="0"/>
+              <a:t>MIDI</a:t>
+            </a:r>
+            <a:r>
+              <a:rPr lang="zh-CN" altLang="en-US" dirty="0"/>
+              <a:t>硬件一起工作，功能强大，价格比较贵</a:t>
+            </a:r>
+            <a:endParaRPr lang="en-US" altLang="zh-CN" dirty="0"/>
+          </a:p>
+          <a:p>
+            <a:pPr lvl="1"/>
+            <a:r>
+              <a:rPr lang="zh-CN" altLang="en-US" dirty="0"/>
+              <a:t>更多的软件功能简单，价格便宜甚至是免费提供</a:t>
+            </a:r>
+            <a:endParaRPr lang="en-US" altLang="zh-CN" dirty="0"/>
+          </a:p>
+          <a:p>
+            <a:r>
+              <a:rPr lang="en-US" altLang="zh-CN" dirty="0" err="1"/>
+              <a:t>MidiEditor</a:t>
+            </a:r>
+            <a:r>
+              <a:rPr lang="zh-CN" altLang="en-US" dirty="0"/>
+              <a:t>介绍</a:t>
+            </a:r>
+            <a:endParaRPr lang="en-US" altLang="zh-CN" dirty="0"/>
+          </a:p>
+          <a:p>
+            <a:pPr lvl="1"/>
+            <a:r>
+              <a:rPr lang="en-US" altLang="zh-CN" dirty="0" err="1"/>
+              <a:t>MidiEdior</a:t>
+            </a:r>
+            <a:r>
+              <a:rPr lang="zh-CN" altLang="en-US" dirty="0"/>
+              <a:t>使用演示</a:t>
+            </a:r>
+            <a:r>
+              <a:rPr lang="is-IS" altLang="zh-CN" dirty="0"/>
+              <a:t>…...</a:t>
+            </a:r>
+            <a:endParaRPr lang="en-US" altLang="zh-CN" dirty="0"/>
+          </a:p>
+          <a:p>
+            <a:pPr lvl="1"/>
+            <a:endParaRPr lang="en-US" dirty="0"/>
+          </a:p>
+        </p:txBody>
+      </p:sp>
+    </p:spTree>
+    <p:extLst>
+      <p:ext uri="{BB962C8B-B14F-4D97-AF65-F5344CB8AC3E}">
+        <p14:creationId xmlns:p14="http://schemas.microsoft.com/office/powerpoint/2010/main" val="35885742"/>
+      </p:ext>
+    </p:extLst>
+  </p:cSld>
+  <p:clrMapOvr>
+    <a:masterClrMapping/>
+  </p:clrMapOvr>
+</p:sld>
+</file>
+
+<file path=ppt/slides/slide11.xml><?xml version="1.0" encoding="utf-8"?>
+<p:sld xmlns:a="http://schemas.openxmlformats.org/drawingml/2006/main" xmlns:r="http://schemas.openxmlformats.org/officeDocument/2006/relationships" xmlns:p="http://schemas.openxmlformats.org/presentationml/2006/main">
+  <p:cSld>
+    <p:spTree>
+      <p:nvGrpSpPr>
+        <p:cNvPr id="1" name=""/>
+        <p:cNvGrpSpPr/>
+        <p:nvPr/>
+      </p:nvGrpSpPr>
+      <p:grpSpPr>
+        <a:xfrm>
+          <a:off x="0" y="0"/>
+          <a:ext cx="0" cy="0"/>
+          <a:chOff x="0" y="0"/>
+          <a:chExt cx="0" cy="0"/>
+        </a:xfrm>
+      </p:grpSpPr>
+      <p:sp>
+        <p:nvSpPr>
+          <p:cNvPr id="2" name="Title 1"/>
+          <p:cNvSpPr>
+            <a:spLocks noGrp="1"/>
+          </p:cNvSpPr>
+          <p:nvPr>
+            <p:ph type="title"/>
+          </p:nvPr>
+        </p:nvSpPr>
+        <p:spPr>
+          <a:xfrm>
+            <a:off x="838200" y="365126"/>
+            <a:ext cx="10515600" cy="1162886"/>
+          </a:xfrm>
+        </p:spPr>
+        <p:txBody>
+          <a:bodyPr>
+            <a:normAutofit/>
+          </a:bodyPr>
+          <a:lstStyle/>
+          <a:p>
+            <a:r>
+              <a:rPr lang="en-US" altLang="zh-CN" dirty="0"/>
+              <a:t>MIDI</a:t>
+            </a:r>
+            <a:r>
+              <a:rPr lang="zh-CN" altLang="en-US" dirty="0"/>
+              <a:t>文件的生成方式</a:t>
+            </a:r>
+            <a:br>
+              <a:rPr lang="en-US" altLang="zh-CN" dirty="0"/>
+            </a:br>
+            <a:r>
+              <a:rPr lang="zh-CN" altLang="en-US" sz="2000" dirty="0"/>
+              <a:t>计算机程序直接生成</a:t>
+            </a:r>
+            <a:endParaRPr lang="en-US" dirty="0"/>
+          </a:p>
+        </p:txBody>
+      </p:sp>
+      <p:sp>
+        <p:nvSpPr>
+          <p:cNvPr id="3" name="Content Placeholder 2"/>
+          <p:cNvSpPr>
+            <a:spLocks noGrp="1"/>
+          </p:cNvSpPr>
+          <p:nvPr>
+            <p:ph idx="1"/>
+          </p:nvPr>
+        </p:nvSpPr>
+        <p:spPr>
+          <a:xfrm>
+            <a:off x="838200" y="1528012"/>
+            <a:ext cx="10515600" cy="4648951"/>
+          </a:xfrm>
+        </p:spPr>
+        <p:txBody>
+          <a:bodyPr/>
+          <a:lstStyle/>
+          <a:p>
+            <a:r>
+              <a:rPr lang="en-US" altLang="zh-CN" dirty="0"/>
+              <a:t>JAVA</a:t>
+            </a:r>
+            <a:r>
+              <a:rPr lang="zh-CN" altLang="en-US" dirty="0"/>
+              <a:t>程序生成</a:t>
+            </a:r>
+            <a:r>
+              <a:rPr lang="en-US" altLang="zh-CN" dirty="0"/>
+              <a:t>MIDI</a:t>
+            </a:r>
+            <a:r>
+              <a:rPr lang="zh-CN" altLang="en-US" dirty="0"/>
+              <a:t>文件示例</a:t>
+            </a:r>
+            <a:endParaRPr lang="en-US" altLang="zh-CN" dirty="0"/>
+          </a:p>
+          <a:p>
+            <a:endParaRPr lang="en-US" dirty="0"/>
+          </a:p>
+        </p:txBody>
+      </p:sp>
+      <p:pic>
+        <p:nvPicPr>
+          <p:cNvPr id="4" name="Picture 3"/>
+          <p:cNvPicPr>
+            <a:picLocks noChangeAspect="1"/>
+          </p:cNvPicPr>
+          <p:nvPr/>
+        </p:nvPicPr>
+        <p:blipFill>
+          <a:blip r:embed="rId2">
+            <a:extLst>
+              <a:ext uri="{28A0092B-C50C-407E-A947-70E740481C1C}">
+                <a14:useLocalDpi xmlns:a14="http://schemas.microsoft.com/office/drawing/2010/main" val="0"/>
+              </a:ext>
+            </a:extLst>
+          </a:blip>
+          <a:stretch>
+            <a:fillRect/>
+          </a:stretch>
+        </p:blipFill>
+        <p:spPr>
+          <a:xfrm>
+            <a:off x="838200" y="1951909"/>
+            <a:ext cx="8724900" cy="4748928"/>
+          </a:xfrm>
+          <a:prstGeom prst="rect">
+            <a:avLst/>
+          </a:prstGeom>
+        </p:spPr>
+      </p:pic>
+    </p:spTree>
+    <p:extLst>
+      <p:ext uri="{BB962C8B-B14F-4D97-AF65-F5344CB8AC3E}">
+        <p14:creationId xmlns:p14="http://schemas.microsoft.com/office/powerpoint/2010/main" val="2059919590"/>
+      </p:ext>
+    </p:extLst>
+  </p:cSld>
+  <p:clrMapOvr>
+    <a:masterClrMapping/>
+  </p:clrMapOvr>
+</p:sld>
+</file>
+
+<file path=ppt/slides/slide12.xml><?xml version="1.0" encoding="utf-8"?>
+<p:sld xmlns:a="http://schemas.openxmlformats.org/drawingml/2006/main" xmlns:r="http://schemas.openxmlformats.org/officeDocument/2006/relationships" xmlns:p="http://schemas.openxmlformats.org/presentationml/2006/main">
+  <p:cSld>
+    <p:spTree>
+      <p:nvGrpSpPr>
+        <p:cNvPr id="1" name=""/>
+        <p:cNvGrpSpPr/>
+        <p:nvPr/>
+      </p:nvGrpSpPr>
+      <p:grpSpPr>
+        <a:xfrm>
+          <a:off x="0" y="0"/>
+          <a:ext cx="0" cy="0"/>
+          <a:chOff x="0" y="0"/>
+          <a:chExt cx="0" cy="0"/>
+        </a:xfrm>
+      </p:grpSpPr>
+      <p:sp>
+        <p:nvSpPr>
+          <p:cNvPr id="2" name="Title 1"/>
+          <p:cNvSpPr>
+            <a:spLocks noGrp="1"/>
+          </p:cNvSpPr>
+          <p:nvPr>
+            <p:ph type="title"/>
+          </p:nvPr>
+        </p:nvSpPr>
         <p:spPr/>
         <p:txBody>
           <a:bodyPr/>
           <a:lstStyle/>
           <a:p>
             <a:r>
-              <a:rPr lang="en-US" altLang="zh-CN" dirty="0" smtClean="0"/>
+              <a:rPr lang="en-US" altLang="zh-CN" dirty="0"/>
               <a:t>MIDI</a:t>
             </a:r>
             <a:r>
-              <a:rPr lang="zh-CN" altLang="en-US" dirty="0" smtClean="0"/>
+              <a:rPr lang="zh-CN" altLang="en-US" dirty="0"/>
               <a:t>文件的生成方式</a:t>
             </a:r>
-            <a:r>
-              <a:rPr lang="en-US" altLang="zh-CN" dirty="0" smtClean="0"/>
-              <a:t/>
-            </a:r>
             <a:br>
-              <a:rPr lang="en-US" altLang="zh-CN" dirty="0" smtClean="0"/>
+              <a:rPr lang="en-US" altLang="zh-CN" dirty="0"/>
             </a:br>
             <a:r>
-              <a:rPr lang="zh-CN" altLang="en-US" sz="2000" dirty="0" smtClean="0"/>
+              <a:rPr lang="zh-CN" altLang="en-US" sz="2000" dirty="0"/>
               <a:t>直接修改</a:t>
             </a:r>
             <a:r>
-              <a:rPr lang="en-US" altLang="zh-CN" sz="2000" dirty="0" smtClean="0"/>
+              <a:rPr lang="en-US" altLang="zh-CN" sz="2000" dirty="0"/>
               <a:t>MIDI</a:t>
             </a:r>
             <a:r>
-              <a:rPr lang="zh-CN" altLang="en-US" sz="2000" dirty="0" smtClean="0"/>
+              <a:rPr lang="zh-CN" altLang="en-US" sz="2000" dirty="0"/>
               <a:t>文件</a:t>
             </a:r>
             <a:endParaRPr lang="en-US" dirty="0"/>
@@ -3500,15 +4135,15 @@
           <a:lstStyle/>
           <a:p>
             <a:r>
-              <a:rPr lang="zh-CN" altLang="en-US" dirty="0" smtClean="0"/>
+              <a:rPr lang="zh-CN" altLang="en-US" dirty="0"/>
               <a:t>二进制</a:t>
             </a:r>
             <a:r>
-              <a:rPr lang="en-US" altLang="zh-CN" dirty="0" smtClean="0"/>
+              <a:rPr lang="en-US" altLang="zh-CN" dirty="0"/>
               <a:t>MIDI</a:t>
             </a:r>
             <a:r>
-              <a:rPr lang="zh-CN" altLang="en-US" dirty="0" smtClean="0"/>
+              <a:rPr lang="zh-CN" altLang="en-US" dirty="0"/>
               <a:t>文件修改演示</a:t>
             </a:r>
             <a:endParaRPr lang="en-US" dirty="0"/>
@@ -3555,17 +4190,10 @@
   <p:clrMapOvr>
     <a:masterClrMapping/>
   </p:clrMapOvr>
-  <p:timing>
-    <p:tnLst>
-      <p:par>
-        <p:cTn id="1" dur="indefinite" restart="never" nodeType="tmRoot"/>
-      </p:par>
-    </p:tnLst>
-  </p:timing>
 </p:sld>
 </file>
 
-<file path=ppt/slides/slide11.xml><?xml version="1.0" encoding="utf-8"?>
+<file path=ppt/slides/slide13.xml><?xml version="1.0" encoding="utf-8"?>
 <p:sld xmlns:a="http://schemas.openxmlformats.org/drawingml/2006/main" xmlns:r="http://schemas.openxmlformats.org/officeDocument/2006/relationships" xmlns:p="http://schemas.openxmlformats.org/presentationml/2006/main">
   <p:cSld>
     <p:spTree>
@@ -3592,169 +4220,123 @@
             <p:ph type="title"/>
           </p:nvPr>
         </p:nvSpPr>
-        <p:spPr/>
-        <p:txBody>
-          <a:bodyPr/>
-          <a:lstStyle/>
-          <a:p>
-            <a:pPr lvl="1" algn="l" rtl="0">
-              <a:lnSpc>
-                <a:spcPct val="90000"/>
-              </a:lnSpc>
-              <a:spcBef>
-                <a:spcPct val="0"/>
-              </a:spcBef>
-            </a:pPr>
-            <a:r>
-              <a:rPr lang="en-US" altLang="zh-CN" sz="4000" dirty="0" smtClean="0"/>
-              <a:t>MIDI</a:t>
-            </a:r>
-            <a:r>
-              <a:rPr lang="zh-CN" altLang="en-US" sz="4000" dirty="0" smtClean="0"/>
-              <a:t>音乐对我们的意义</a:t>
-            </a:r>
-            <a:r>
-              <a:rPr lang="en-US" altLang="zh-CN" dirty="0" smtClean="0"/>
-              <a:t/>
-            </a:r>
-            <a:br>
-              <a:rPr lang="en-US" altLang="zh-CN" dirty="0" smtClean="0"/>
-            </a:br>
-            <a:r>
-              <a:rPr lang="zh-CN" altLang="en-US" sz="2000" dirty="0" smtClean="0"/>
-              <a:t>计算机数字化和</a:t>
-            </a:r>
-            <a:r>
-              <a:rPr lang="en-US" altLang="zh-CN" sz="2000" dirty="0" smtClean="0"/>
-              <a:t>MIDI</a:t>
-            </a:r>
-            <a:r>
-              <a:rPr lang="zh-CN" altLang="en-US" sz="2000" dirty="0" smtClean="0"/>
-              <a:t>音乐</a:t>
-            </a:r>
-            <a:endParaRPr lang="en-US" sz="2000" dirty="0"/>
-          </a:p>
-        </p:txBody>
-      </p:sp>
-      <p:sp>
-        <p:nvSpPr>
-          <p:cNvPr id="3" name="Content Placeholder 2"/>
-          <p:cNvSpPr>
-            <a:spLocks noGrp="1"/>
-          </p:cNvSpPr>
-          <p:nvPr>
-            <p:ph idx="1"/>
-          </p:nvPr>
-        </p:nvSpPr>
         <p:spPr>
           <a:xfrm>
-            <a:off x="838200" y="1690688"/>
-            <a:ext cx="10515600" cy="4486275"/>
+            <a:off x="838200" y="365126"/>
+            <a:ext cx="10515600" cy="1162886"/>
           </a:xfrm>
         </p:spPr>
         <p:txBody>
-          <a:bodyPr/>
-          <a:lstStyle/>
-          <a:p>
-            <a:r>
-              <a:rPr lang="zh-CN" altLang="en-US" dirty="0" smtClean="0"/>
-              <a:t>计算机数字化</a:t>
-            </a:r>
-            <a:endParaRPr lang="en-US" altLang="zh-CN" dirty="0" smtClean="0"/>
-          </a:p>
-          <a:p>
-            <a:pPr lvl="1"/>
-            <a:r>
-              <a:rPr lang="zh-CN" altLang="en-US" dirty="0" smtClean="0"/>
-              <a:t>充分利用计算机信息技术；</a:t>
-            </a:r>
-            <a:endParaRPr lang="en-US" altLang="zh-CN" dirty="0" smtClean="0"/>
-          </a:p>
-          <a:p>
-            <a:pPr lvl="1"/>
-            <a:r>
-              <a:rPr lang="en-US" altLang="zh-CN" dirty="0" smtClean="0"/>
+          <a:bodyPr>
+            <a:normAutofit/>
+          </a:bodyPr>
+          <a:lstStyle/>
+          <a:p>
+            <a:r>
+              <a:rPr lang="en-US" altLang="zh-CN" dirty="0"/>
               <a:t>MIDI</a:t>
             </a:r>
             <a:r>
-              <a:rPr lang="zh-CN" altLang="en-US" dirty="0" smtClean="0"/>
-              <a:t>文件记录所有的音乐信息；简化创作和传播；</a:t>
-            </a:r>
-            <a:endParaRPr lang="en-US" altLang="zh-CN" dirty="0" smtClean="0"/>
-          </a:p>
-          <a:p>
-            <a:pPr lvl="1"/>
-            <a:r>
-              <a:rPr lang="en-US" altLang="zh-CN" dirty="0" smtClean="0"/>
+              <a:rPr lang="zh-CN" altLang="en-US" dirty="0"/>
+              <a:t>文件的生成方式</a:t>
+            </a:r>
+            <a:br>
+              <a:rPr lang="en-US" altLang="zh-CN" dirty="0"/>
+            </a:br>
+            <a:r>
+              <a:rPr lang="en-US" altLang="zh-CN" sz="2200" dirty="0"/>
               <a:t>MIDI</a:t>
             </a:r>
             <a:r>
-              <a:rPr lang="zh-CN" altLang="en-US" dirty="0" smtClean="0"/>
-              <a:t>规范确保所有符合</a:t>
-            </a:r>
-            <a:r>
-              <a:rPr lang="en-US" altLang="zh-CN" dirty="0" smtClean="0"/>
+              <a:rPr lang="zh-CN" altLang="en-US" sz="2200" dirty="0"/>
+              <a:t>设备＋</a:t>
+            </a:r>
+            <a:r>
+              <a:rPr lang="en-US" altLang="zh-CN" sz="2200" dirty="0"/>
               <a:t>MIDI</a:t>
             </a:r>
             <a:r>
-              <a:rPr lang="zh-CN" altLang="en-US" dirty="0" smtClean="0"/>
-              <a:t>规范的</a:t>
-            </a:r>
-            <a:r>
-              <a:rPr lang="en-US" altLang="zh-CN" dirty="0" smtClean="0"/>
-              <a:t>MIDI</a:t>
-            </a:r>
-            <a:r>
-              <a:rPr lang="zh-CN" altLang="en-US" dirty="0" smtClean="0"/>
-              <a:t>设备可以一起工作；</a:t>
-            </a:r>
-            <a:endParaRPr lang="en-US" altLang="zh-CN" dirty="0" smtClean="0"/>
-          </a:p>
-          <a:p>
-            <a:r>
-              <a:rPr lang="zh-CN" altLang="en-US" dirty="0" smtClean="0"/>
-              <a:t>数字化易于规范化</a:t>
-            </a:r>
-            <a:endParaRPr lang="en-US" altLang="zh-CN" dirty="0" smtClean="0"/>
-          </a:p>
-          <a:p>
-            <a:r>
-              <a:rPr lang="zh-CN" altLang="en-US" dirty="0" smtClean="0"/>
-              <a:t>数字化</a:t>
-            </a:r>
-            <a:r>
-              <a:rPr lang="en-US" altLang="zh-CN" dirty="0" smtClean="0"/>
-              <a:t>MIDI</a:t>
-            </a:r>
-            <a:r>
-              <a:rPr lang="zh-CN" altLang="en-US" dirty="0" smtClean="0"/>
-              <a:t>降低了音乐制作的难度</a:t>
-            </a:r>
-            <a:endParaRPr lang="en-US" dirty="0"/>
-          </a:p>
-        </p:txBody>
-      </p:sp>
+              <a:rPr lang="zh-CN" altLang="en-US" sz="2200" dirty="0"/>
+              <a:t>专用软件</a:t>
+            </a:r>
+            <a:endParaRPr lang="en-US" sz="2200" dirty="0"/>
+          </a:p>
+        </p:txBody>
+      </p:sp>
+      <p:sp>
+        <p:nvSpPr>
+          <p:cNvPr id="3" name="Content Placeholder 2"/>
+          <p:cNvSpPr>
+            <a:spLocks noGrp="1"/>
+          </p:cNvSpPr>
+          <p:nvPr>
+            <p:ph idx="1"/>
+          </p:nvPr>
+        </p:nvSpPr>
+        <p:spPr>
+          <a:xfrm>
+            <a:off x="838200" y="1528013"/>
+            <a:ext cx="10515600" cy="486526"/>
+          </a:xfrm>
+        </p:spPr>
+        <p:txBody>
+          <a:bodyPr>
+            <a:normAutofit/>
+          </a:bodyPr>
+          <a:lstStyle/>
+          <a:p>
+            <a:r>
+              <a:rPr lang="zh-CN" altLang="en-US" sz="2000" dirty="0"/>
+              <a:t>最通用，最专业的方式</a:t>
+            </a:r>
+            <a:endParaRPr lang="en-US" sz="2000" dirty="0"/>
+          </a:p>
+        </p:txBody>
+      </p:sp>
+      <p:pic>
+        <p:nvPicPr>
+          <p:cNvPr id="5" name="Picture 4"/>
+          <p:cNvPicPr>
+            <a:picLocks noChangeAspect="1"/>
+          </p:cNvPicPr>
+          <p:nvPr/>
+        </p:nvPicPr>
+        <p:blipFill>
+          <a:blip r:embed="rId3">
+            <a:extLst>
+              <a:ext uri="{28A0092B-C50C-407E-A947-70E740481C1C}">
+                <a14:useLocalDpi xmlns:a14="http://schemas.microsoft.com/office/drawing/2010/main" val="0"/>
+              </a:ext>
+            </a:extLst>
+          </a:blip>
+          <a:stretch>
+            <a:fillRect/>
+          </a:stretch>
+        </p:blipFill>
+        <p:spPr>
+          <a:xfrm>
+            <a:off x="2867025" y="1855500"/>
+            <a:ext cx="6457950" cy="4696690"/>
+          </a:xfrm>
+          <a:prstGeom prst="rect">
+            <a:avLst/>
+          </a:prstGeom>
+        </p:spPr>
+      </p:pic>
     </p:spTree>
     <p:extLst>
       <p:ext uri="{BB962C8B-B14F-4D97-AF65-F5344CB8AC3E}">
-        <p14:creationId xmlns:p14="http://schemas.microsoft.com/office/powerpoint/2010/main" val="2074195971"/>
+        <p14:creationId xmlns:p14="http://schemas.microsoft.com/office/powerpoint/2010/main" val="1095424294"/>
       </p:ext>
     </p:extLst>
   </p:cSld>
   <p:clrMapOvr>
     <a:masterClrMapping/>
   </p:clrMapOvr>
-  <p:timing>
-    <p:tnLst>
-      <p:par>
-        <p:cTn id="1" dur="indefinite" restart="never" nodeType="tmRoot"/>
-      </p:par>
-    </p:tnLst>
-  </p:timing>
 </p:sld>
 </file>
 
-<file path=ppt/slides/slide12.xml><?xml version="1.0" encoding="utf-8"?>
+<file path=ppt/slides/slide14.xml><?xml version="1.0" encoding="utf-8"?>
 <p:sld xmlns:a="http://schemas.openxmlformats.org/drawingml/2006/main" xmlns:r="http://schemas.openxmlformats.org/officeDocument/2006/relationships" xmlns:p="http://schemas.openxmlformats.org/presentationml/2006/main">
   <p:cSld>
     <p:spTree>
@@ -3786,8 +4368,186 @@
           <a:bodyPr/>
           <a:lstStyle/>
           <a:p>
-            <a:r>
-              <a:rPr lang="zh-CN" altLang="en-US" dirty="0" smtClean="0"/>
+            <a:pPr lvl="1" algn="l" rtl="0">
+              <a:lnSpc>
+                <a:spcPct val="90000"/>
+              </a:lnSpc>
+              <a:spcBef>
+                <a:spcPct val="0"/>
+              </a:spcBef>
+            </a:pPr>
+            <a:r>
+              <a:rPr lang="en-US" altLang="zh-CN" sz="4000" dirty="0"/>
+              <a:t>MIDI</a:t>
+            </a:r>
+            <a:r>
+              <a:rPr lang="zh-CN" altLang="en-US" sz="4000" dirty="0"/>
+              <a:t>音乐对我们的意义</a:t>
+            </a:r>
+            <a:br>
+              <a:rPr lang="en-US" altLang="zh-CN" dirty="0"/>
+            </a:br>
+            <a:r>
+              <a:rPr lang="zh-CN" altLang="en-US" sz="2000" dirty="0"/>
+              <a:t>计算机数字化和</a:t>
+            </a:r>
+            <a:r>
+              <a:rPr lang="en-US" altLang="zh-CN" sz="2000" dirty="0"/>
+              <a:t>MIDI</a:t>
+            </a:r>
+            <a:r>
+              <a:rPr lang="zh-CN" altLang="en-US" sz="2000" dirty="0"/>
+              <a:t>音乐</a:t>
+            </a:r>
+            <a:endParaRPr lang="en-US" sz="2000" dirty="0"/>
+          </a:p>
+        </p:txBody>
+      </p:sp>
+      <p:sp>
+        <p:nvSpPr>
+          <p:cNvPr id="3" name="Content Placeholder 2"/>
+          <p:cNvSpPr>
+            <a:spLocks noGrp="1"/>
+          </p:cNvSpPr>
+          <p:nvPr>
+            <p:ph idx="1"/>
+          </p:nvPr>
+        </p:nvSpPr>
+        <p:spPr>
+          <a:xfrm>
+            <a:off x="838200" y="1690688"/>
+            <a:ext cx="10515600" cy="4486275"/>
+          </a:xfrm>
+        </p:spPr>
+        <p:txBody>
+          <a:bodyPr/>
+          <a:lstStyle/>
+          <a:p>
+            <a:r>
+              <a:rPr lang="zh-CN" altLang="en-US" dirty="0"/>
+              <a:t>计算机数字化</a:t>
+            </a:r>
+            <a:endParaRPr lang="en-US" altLang="zh-CN" dirty="0"/>
+          </a:p>
+          <a:p>
+            <a:pPr lvl="1"/>
+            <a:r>
+              <a:rPr lang="zh-CN" altLang="en-US" dirty="0"/>
+              <a:t>充分利用计算机信息技术；</a:t>
+            </a:r>
+            <a:endParaRPr lang="en-US" altLang="zh-CN" dirty="0"/>
+          </a:p>
+          <a:p>
+            <a:pPr lvl="1"/>
+            <a:r>
+              <a:rPr lang="en-US" altLang="zh-CN" dirty="0"/>
+              <a:t>MIDI</a:t>
+            </a:r>
+            <a:r>
+              <a:rPr lang="zh-CN" altLang="en-US" dirty="0"/>
+              <a:t>文件记录所有的音乐信息；简化创作和传播；</a:t>
+            </a:r>
+            <a:endParaRPr lang="en-US" altLang="zh-CN" dirty="0"/>
+          </a:p>
+          <a:p>
+            <a:pPr lvl="1"/>
+            <a:r>
+              <a:rPr lang="en-US" altLang="zh-CN" dirty="0"/>
+              <a:t>MIDI</a:t>
+            </a:r>
+            <a:r>
+              <a:rPr lang="zh-CN" altLang="en-US" dirty="0"/>
+              <a:t>规范确保所有符合</a:t>
+            </a:r>
+            <a:r>
+              <a:rPr lang="en-US" altLang="zh-CN" dirty="0"/>
+              <a:t>MIDI</a:t>
+            </a:r>
+            <a:r>
+              <a:rPr lang="zh-CN" altLang="en-US" dirty="0"/>
+              <a:t>规范的</a:t>
+            </a:r>
+            <a:r>
+              <a:rPr lang="en-US" altLang="zh-CN" dirty="0"/>
+              <a:t>MIDI</a:t>
+            </a:r>
+            <a:r>
+              <a:rPr lang="zh-CN" altLang="en-US" dirty="0"/>
+              <a:t>设备可以一起工作；</a:t>
+            </a:r>
+            <a:endParaRPr lang="en-US" altLang="zh-CN" dirty="0"/>
+          </a:p>
+          <a:p>
+            <a:r>
+              <a:rPr lang="zh-CN" altLang="en-US" dirty="0"/>
+              <a:t>数字化易于规范化</a:t>
+            </a:r>
+            <a:endParaRPr lang="en-US" altLang="zh-CN" dirty="0"/>
+          </a:p>
+          <a:p>
+            <a:r>
+              <a:rPr lang="zh-CN" altLang="en-US" dirty="0"/>
+              <a:t>数字化</a:t>
+            </a:r>
+            <a:r>
+              <a:rPr lang="en-US" altLang="zh-CN" dirty="0"/>
+              <a:t>MIDI</a:t>
+            </a:r>
+            <a:r>
+              <a:rPr lang="zh-CN" altLang="en-US" dirty="0"/>
+              <a:t>降低了音乐制作的难度</a:t>
+            </a:r>
+            <a:endParaRPr lang="en-US" dirty="0"/>
+          </a:p>
+        </p:txBody>
+      </p:sp>
+    </p:spTree>
+    <p:extLst>
+      <p:ext uri="{BB962C8B-B14F-4D97-AF65-F5344CB8AC3E}">
+        <p14:creationId xmlns:p14="http://schemas.microsoft.com/office/powerpoint/2010/main" val="2074195971"/>
+      </p:ext>
+    </p:extLst>
+  </p:cSld>
+  <p:clrMapOvr>
+    <a:masterClrMapping/>
+  </p:clrMapOvr>
+</p:sld>
+</file>
+
+<file path=ppt/slides/slide2.xml><?xml version="1.0" encoding="utf-8"?>
+<p:sld xmlns:a="http://schemas.openxmlformats.org/drawingml/2006/main" xmlns:r="http://schemas.openxmlformats.org/officeDocument/2006/relationships" xmlns:p="http://schemas.openxmlformats.org/presentationml/2006/main">
+  <p:cSld>
+    <p:spTree>
+      <p:nvGrpSpPr>
+        <p:cNvPr id="1" name=""/>
+        <p:cNvGrpSpPr/>
+        <p:nvPr/>
+      </p:nvGrpSpPr>
+      <p:grpSpPr>
+        <a:xfrm>
+          <a:off x="0" y="0"/>
+          <a:ext cx="0" cy="0"/>
+          <a:chOff x="0" y="0"/>
+          <a:chExt cx="0" cy="0"/>
+        </a:xfrm>
+      </p:grpSpPr>
+      <p:sp>
+        <p:nvSpPr>
+          <p:cNvPr id="2" name="Title 1"/>
+          <p:cNvSpPr>
+            <a:spLocks noGrp="1"/>
+          </p:cNvSpPr>
+          <p:nvPr>
+            <p:ph type="title"/>
+          </p:nvPr>
+        </p:nvSpPr>
+        <p:spPr/>
+        <p:txBody>
+          <a:bodyPr/>
+          <a:lstStyle/>
+          <a:p>
+            <a:r>
+              <a:rPr lang="zh-CN" altLang="en-US" dirty="0"/>
               <a:t>你的职业理想？</a:t>
             </a:r>
             <a:endParaRPr lang="en-US" dirty="0"/>
@@ -3815,24 +4575,24 @@
           <a:lstStyle/>
           <a:p>
             <a:r>
-              <a:rPr lang="zh-CN" altLang="en-US" dirty="0" smtClean="0"/>
+              <a:rPr lang="zh-CN" altLang="en-US" dirty="0"/>
               <a:t>程序员？</a:t>
             </a:r>
-            <a:endParaRPr lang="en-US" altLang="zh-CN" dirty="0" smtClean="0"/>
-          </a:p>
-          <a:p>
-            <a:r>
-              <a:rPr lang="zh-CN" altLang="en-US" dirty="0" smtClean="0"/>
+            <a:endParaRPr lang="en-US" altLang="zh-CN" dirty="0"/>
+          </a:p>
+          <a:p>
+            <a:r>
+              <a:rPr lang="zh-CN" altLang="en-US" dirty="0"/>
               <a:t>音乐家？</a:t>
             </a:r>
-            <a:endParaRPr lang="en-US" altLang="zh-CN" dirty="0" smtClean="0"/>
-          </a:p>
-          <a:p>
-            <a:r>
-              <a:rPr lang="zh-CN" altLang="en-US" dirty="0" smtClean="0"/>
+            <a:endParaRPr lang="en-US" altLang="zh-CN" dirty="0"/>
+          </a:p>
+          <a:p>
+            <a:r>
+              <a:rPr lang="zh-CN" altLang="en-US" dirty="0"/>
               <a:t>多媒体内容提供商？</a:t>
             </a:r>
-            <a:endParaRPr lang="en-US" altLang="zh-CN" dirty="0" smtClean="0"/>
+            <a:endParaRPr lang="en-US" altLang="zh-CN" dirty="0"/>
           </a:p>
           <a:p>
             <a:endParaRPr lang="en-US" dirty="0"/>
@@ -4029,11 +4789,11 @@
               <a:buNone/>
             </a:pPr>
             <a:r>
-              <a:rPr lang="en-US" altLang="zh-CN" sz="6600" dirty="0" smtClean="0"/>
+              <a:rPr lang="en-US" altLang="zh-CN" sz="6600" dirty="0"/>
               <a:t>MIDI</a:t>
             </a:r>
             <a:r>
-              <a:rPr lang="zh-CN" altLang="en-US" sz="6600" dirty="0" smtClean="0"/>
+              <a:rPr lang="zh-CN" altLang="en-US" sz="6600" dirty="0"/>
               <a:t>技术可以帮助你！</a:t>
             </a:r>
             <a:endParaRPr lang="en-US" sz="6600" dirty="0"/>
@@ -4050,268 +4810,6 @@
   <p:clrMapOvr>
     <a:masterClrMapping/>
   </p:clrMapOvr>
-  <p:timing>
-    <p:tnLst>
-      <p:par>
-        <p:cTn id="1" dur="indefinite" restart="never" nodeType="tmRoot"/>
-      </p:par>
-    </p:tnLst>
-  </p:timing>
-</p:sld>
-</file>
-
-<file path=ppt/slides/slide2.xml><?xml version="1.0" encoding="utf-8"?>
-<p:sld xmlns:a="http://schemas.openxmlformats.org/drawingml/2006/main" xmlns:r="http://schemas.openxmlformats.org/officeDocument/2006/relationships" xmlns:p="http://schemas.openxmlformats.org/presentationml/2006/main">
-  <p:cSld>
-    <p:spTree>
-      <p:nvGrpSpPr>
-        <p:cNvPr id="1" name=""/>
-        <p:cNvGrpSpPr/>
-        <p:nvPr/>
-      </p:nvGrpSpPr>
-      <p:grpSpPr>
-        <a:xfrm>
-          <a:off x="0" y="0"/>
-          <a:ext cx="0" cy="0"/>
-          <a:chOff x="0" y="0"/>
-          <a:chExt cx="0" cy="0"/>
-        </a:xfrm>
-      </p:grpSpPr>
-      <p:sp>
-        <p:nvSpPr>
-          <p:cNvPr id="2" name="Title 1"/>
-          <p:cNvSpPr>
-            <a:spLocks noGrp="1"/>
-          </p:cNvSpPr>
-          <p:nvPr>
-            <p:ph type="title"/>
-          </p:nvPr>
-        </p:nvSpPr>
-        <p:spPr>
-          <a:xfrm>
-            <a:off x="838200" y="365126"/>
-            <a:ext cx="10515600" cy="1102728"/>
-          </a:xfrm>
-        </p:spPr>
-        <p:txBody>
-          <a:bodyPr/>
-          <a:lstStyle/>
-          <a:p>
-            <a:r>
-              <a:rPr lang="zh-CN" altLang="en-US" dirty="0" smtClean="0"/>
-              <a:t>内容介绍</a:t>
-            </a:r>
-            <a:endParaRPr lang="en-US" dirty="0"/>
-          </a:p>
-        </p:txBody>
-      </p:sp>
-      <p:sp>
-        <p:nvSpPr>
-          <p:cNvPr id="3" name="Content Placeholder 2"/>
-          <p:cNvSpPr>
-            <a:spLocks noGrp="1"/>
-          </p:cNvSpPr>
-          <p:nvPr>
-            <p:ph idx="1"/>
-          </p:nvPr>
-        </p:nvSpPr>
-        <p:spPr>
-          <a:xfrm>
-            <a:off x="838200" y="1467853"/>
-            <a:ext cx="10515600" cy="4709110"/>
-          </a:xfrm>
-        </p:spPr>
-        <p:txBody>
-          <a:bodyPr>
-            <a:normAutofit lnSpcReduction="10000"/>
-          </a:bodyPr>
-          <a:lstStyle/>
-          <a:p>
-            <a:r>
-              <a:rPr lang="zh-CN" altLang="en-US" dirty="0" smtClean="0"/>
-              <a:t>什么是</a:t>
-            </a:r>
-            <a:r>
-              <a:rPr lang="en-US" altLang="zh-CN" dirty="0" smtClean="0"/>
-              <a:t>MIDI</a:t>
-            </a:r>
-            <a:r>
-              <a:rPr lang="zh-CN" altLang="en-US" dirty="0" smtClean="0"/>
-              <a:t>音乐</a:t>
-            </a:r>
-            <a:endParaRPr lang="en-US" altLang="zh-CN" dirty="0" smtClean="0"/>
-          </a:p>
-          <a:p>
-            <a:pPr lvl="1"/>
-            <a:r>
-              <a:rPr lang="en-US" altLang="zh-CN" dirty="0" smtClean="0"/>
-              <a:t>MIDI</a:t>
-            </a:r>
-            <a:r>
-              <a:rPr lang="zh-CN" altLang="en-US" dirty="0" smtClean="0"/>
-              <a:t>制造商协会（</a:t>
-            </a:r>
-            <a:r>
-              <a:rPr lang="en-US" altLang="zh-CN" dirty="0" smtClean="0"/>
-              <a:t>MMA</a:t>
-            </a:r>
-            <a:r>
-              <a:rPr lang="zh-CN" altLang="en-US" dirty="0" smtClean="0"/>
-              <a:t>）和规范；</a:t>
-            </a:r>
-            <a:endParaRPr lang="en-US" altLang="zh-CN" dirty="0" smtClean="0"/>
-          </a:p>
-          <a:p>
-            <a:pPr lvl="1"/>
-            <a:r>
-              <a:rPr lang="en-US" altLang="zh-CN" dirty="0" smtClean="0"/>
-              <a:t>MIDI</a:t>
-            </a:r>
-            <a:r>
-              <a:rPr lang="zh-CN" altLang="en-US" dirty="0" smtClean="0"/>
-              <a:t>音乐设备；</a:t>
-            </a:r>
-            <a:endParaRPr lang="en-US" altLang="zh-CN" dirty="0" smtClean="0"/>
-          </a:p>
-          <a:p>
-            <a:r>
-              <a:rPr lang="zh-CN" altLang="en-US" dirty="0" smtClean="0"/>
-              <a:t>计算机＋程序员＋音乐家创作音乐；</a:t>
-            </a:r>
-            <a:endParaRPr lang="en-US" altLang="zh-CN" dirty="0" smtClean="0"/>
-          </a:p>
-          <a:p>
-            <a:r>
-              <a:rPr lang="en-US" altLang="zh-CN" dirty="0" smtClean="0"/>
-              <a:t>MIDI</a:t>
-            </a:r>
-            <a:r>
-              <a:rPr lang="zh-CN" altLang="en-US" dirty="0" smtClean="0"/>
-              <a:t>软件介绍</a:t>
-            </a:r>
-            <a:endParaRPr lang="en-US" altLang="zh-CN" dirty="0" smtClean="0"/>
-          </a:p>
-          <a:p>
-            <a:r>
-              <a:rPr lang="en-US" altLang="zh-CN" dirty="0" smtClean="0"/>
-              <a:t>MIDI</a:t>
-            </a:r>
-            <a:r>
-              <a:rPr lang="zh-CN" altLang="en-US" dirty="0" smtClean="0"/>
-              <a:t>文件的生成方式</a:t>
-            </a:r>
-            <a:endParaRPr lang="en-US" altLang="zh-CN" dirty="0" smtClean="0"/>
-          </a:p>
-          <a:p>
-            <a:pPr lvl="1"/>
-            <a:r>
-              <a:rPr lang="en-US" altLang="zh-CN" dirty="0" smtClean="0"/>
-              <a:t>MIDI</a:t>
-            </a:r>
-            <a:r>
-              <a:rPr lang="zh-CN" altLang="en-US" dirty="0" smtClean="0"/>
-              <a:t>设备＋</a:t>
-            </a:r>
-            <a:r>
-              <a:rPr lang="en-US" altLang="zh-CN" dirty="0" smtClean="0"/>
-              <a:t>MIDI</a:t>
-            </a:r>
-            <a:r>
-              <a:rPr lang="zh-CN" altLang="en-US" dirty="0" smtClean="0"/>
-              <a:t>专用软件；</a:t>
-            </a:r>
-            <a:endParaRPr lang="en-US" altLang="zh-CN" dirty="0" smtClean="0"/>
-          </a:p>
-          <a:p>
-            <a:pPr lvl="1"/>
-            <a:r>
-              <a:rPr lang="zh-CN" altLang="en-US" dirty="0" smtClean="0"/>
-              <a:t>计算机程序生成</a:t>
-            </a:r>
-            <a:r>
-              <a:rPr lang="en-US" altLang="zh-CN" dirty="0" smtClean="0"/>
-              <a:t>MIDI</a:t>
-            </a:r>
-            <a:r>
-              <a:rPr lang="zh-CN" altLang="en-US" dirty="0" smtClean="0"/>
-              <a:t>文件；</a:t>
-            </a:r>
-            <a:endParaRPr lang="en-US" altLang="zh-CN" dirty="0" smtClean="0"/>
-          </a:p>
-          <a:p>
-            <a:pPr lvl="1"/>
-            <a:r>
-              <a:rPr lang="en-US" altLang="zh-CN" dirty="0" err="1" smtClean="0"/>
-              <a:t>MidiEditor</a:t>
-            </a:r>
-            <a:r>
-              <a:rPr lang="zh-CN" altLang="en-US" dirty="0" smtClean="0"/>
-              <a:t>编辑生成</a:t>
-            </a:r>
-            <a:r>
-              <a:rPr lang="en-US" altLang="zh-CN" dirty="0" smtClean="0"/>
-              <a:t>MIDI</a:t>
-            </a:r>
-            <a:r>
-              <a:rPr lang="zh-CN" altLang="en-US" dirty="0" smtClean="0"/>
-              <a:t>文件；</a:t>
-            </a:r>
-            <a:endParaRPr lang="en-US" altLang="zh-CN" dirty="0" smtClean="0"/>
-          </a:p>
-          <a:p>
-            <a:pPr lvl="1"/>
-            <a:r>
-              <a:rPr lang="zh-CN" altLang="en-US" dirty="0" smtClean="0"/>
-              <a:t>直接修改</a:t>
-            </a:r>
-            <a:r>
-              <a:rPr lang="en-US" altLang="zh-CN" dirty="0" smtClean="0"/>
-              <a:t>MIDI</a:t>
-            </a:r>
-            <a:r>
-              <a:rPr lang="zh-CN" altLang="en-US" dirty="0" smtClean="0"/>
-              <a:t>文件；</a:t>
-            </a:r>
-            <a:endParaRPr lang="en-US" altLang="zh-CN" dirty="0" smtClean="0"/>
-          </a:p>
-          <a:p>
-            <a:r>
-              <a:rPr lang="zh-CN" altLang="en-US" dirty="0" smtClean="0"/>
-              <a:t>计算机数字化和</a:t>
-            </a:r>
-            <a:r>
-              <a:rPr lang="en-US" altLang="zh-CN" dirty="0" smtClean="0"/>
-              <a:t>MIDI</a:t>
-            </a:r>
-            <a:r>
-              <a:rPr lang="zh-CN" altLang="en-US" dirty="0" smtClean="0"/>
-              <a:t>音乐对我们的意义</a:t>
-            </a:r>
-            <a:endParaRPr lang="en-US" altLang="zh-CN" dirty="0" smtClean="0"/>
-          </a:p>
-          <a:p>
-            <a:pPr lvl="1"/>
-            <a:endParaRPr lang="en-US" dirty="0"/>
-          </a:p>
-        </p:txBody>
-      </p:sp>
-    </p:spTree>
-    <p:extLst>
-      <p:ext uri="{BB962C8B-B14F-4D97-AF65-F5344CB8AC3E}">
-        <p14:creationId xmlns:p14="http://schemas.microsoft.com/office/powerpoint/2010/main" val="195485987"/>
-      </p:ext>
-    </p:extLst>
-  </p:cSld>
-  <p:clrMapOvr>
-    <a:masterClrMapping/>
-  </p:clrMapOvr>
-  <p:timing>
-    <p:tnLst>
-      <p:par>
-        <p:cTn id="1" dur="indefinite" restart="never" nodeType="tmRoot"/>
-      </p:par>
-    </p:tnLst>
-  </p:timing>
 </p:sld>
 </file>
 
@@ -4339,329 +4837,68 @@
             <a:spLocks noGrp="1"/>
           </p:cNvSpPr>
           <p:nvPr>
-            <p:ph type="title"/>
+            <p:ph type="ctrTitle"/>
           </p:nvPr>
         </p:nvSpPr>
         <p:spPr/>
         <p:txBody>
-          <a:bodyPr/>
-          <a:lstStyle/>
-          <a:p>
-            <a:r>
-              <a:rPr lang="zh-CN" altLang="en-US" dirty="0" smtClean="0"/>
-              <a:t>什么是</a:t>
-            </a:r>
-            <a:r>
-              <a:rPr lang="en-US" altLang="zh-CN" dirty="0" smtClean="0"/>
+          <a:bodyPr>
+            <a:normAutofit/>
+          </a:bodyPr>
+          <a:lstStyle/>
+          <a:p>
+            <a:r>
+              <a:rPr lang="en-US" sz="8000" dirty="0"/>
               <a:t>MIDI</a:t>
             </a:r>
             <a:r>
-              <a:rPr lang="zh-CN" altLang="en-US" dirty="0" smtClean="0"/>
-              <a:t>音乐</a:t>
-            </a:r>
-            <a:r>
-              <a:rPr lang="en-US" altLang="zh-CN" dirty="0" smtClean="0"/>
-              <a:t/>
-            </a:r>
-            <a:br>
-              <a:rPr lang="en-US" altLang="zh-CN" dirty="0" smtClean="0"/>
-            </a:br>
-            <a:r>
-              <a:rPr lang="en-US" altLang="zh-CN" sz="2400" dirty="0" smtClean="0"/>
-              <a:t>MIDI</a:t>
-            </a:r>
-            <a:r>
-              <a:rPr lang="zh-CN" altLang="en-US" sz="2400" dirty="0" smtClean="0"/>
-              <a:t>制造商协会（</a:t>
-            </a:r>
-            <a:r>
-              <a:rPr lang="en-US" altLang="zh-CN" sz="2400" dirty="0" smtClean="0"/>
-              <a:t>MMA</a:t>
-            </a:r>
-            <a:r>
-              <a:rPr lang="zh-CN" altLang="en-US" sz="2400" dirty="0" smtClean="0"/>
-              <a:t>）和规范</a:t>
-            </a:r>
-            <a:endParaRPr lang="en-US" sz="2400" dirty="0"/>
-          </a:p>
-        </p:txBody>
-      </p:sp>
-      <p:sp>
-        <p:nvSpPr>
-          <p:cNvPr id="3" name="Content Placeholder 2"/>
-          <p:cNvSpPr>
-            <a:spLocks noGrp="1"/>
-          </p:cNvSpPr>
-          <p:nvPr>
-            <p:ph idx="1"/>
+              <a:rPr lang="zh-CN" altLang="en-US" sz="8000" dirty="0"/>
+              <a:t>音乐介绍</a:t>
+            </a:r>
+            <a:endParaRPr lang="en-US" sz="8000" dirty="0"/>
+          </a:p>
+        </p:txBody>
+      </p:sp>
+      <p:sp>
+        <p:nvSpPr>
+          <p:cNvPr id="3" name="Subtitle 2"/>
+          <p:cNvSpPr>
+            <a:spLocks noGrp="1"/>
+          </p:cNvSpPr>
+          <p:nvPr>
+            <p:ph type="subTitle" idx="1"/>
           </p:nvPr>
         </p:nvSpPr>
         <p:spPr>
           <a:xfrm>
-            <a:off x="838200" y="1690688"/>
-            <a:ext cx="10515600" cy="4981073"/>
+            <a:off x="1696452" y="4463716"/>
+            <a:ext cx="8971547" cy="794084"/>
           </a:xfrm>
         </p:spPr>
         <p:txBody>
-          <a:bodyPr>
-            <a:normAutofit fontScale="85000" lnSpcReduction="20000"/>
-          </a:bodyPr>
-          <a:lstStyle/>
-          <a:p>
-            <a:r>
-              <a:rPr lang="en-US" altLang="zh-CN" dirty="0" smtClean="0"/>
-              <a:t>MIDI</a:t>
-            </a:r>
-            <a:r>
-              <a:rPr lang="zh-CN" altLang="en-US" dirty="0" smtClean="0"/>
-              <a:t>制造商协会（</a:t>
-            </a:r>
-            <a:r>
-              <a:rPr lang="en-US" altLang="zh-CN" dirty="0" smtClean="0"/>
-              <a:t>MMA</a:t>
-            </a:r>
-            <a:r>
-              <a:rPr lang="zh-CN" altLang="en-US" dirty="0" smtClean="0"/>
-              <a:t>）</a:t>
-            </a:r>
-            <a:endParaRPr lang="en-US" altLang="zh-CN" dirty="0" smtClean="0"/>
-          </a:p>
-          <a:p>
-            <a:pPr lvl="1"/>
-            <a:r>
-              <a:rPr lang="en-US" altLang="zh-CN" dirty="0" smtClean="0"/>
-              <a:t>MIDI = Musical Instrument Digital Interface, </a:t>
-            </a:r>
-            <a:r>
-              <a:rPr lang="zh-CN" altLang="en-US" dirty="0" smtClean="0"/>
-              <a:t>乐器数字接口；</a:t>
-            </a:r>
-            <a:r>
-              <a:rPr lang="en-US" altLang="zh-CN" dirty="0" smtClean="0"/>
-              <a:t>MIDI</a:t>
-            </a:r>
-            <a:r>
-              <a:rPr lang="zh-CN" altLang="en-US" dirty="0" smtClean="0"/>
-              <a:t>是编曲界最广泛的音乐标准格式，可称为“计算机能理解的乐谱”；</a:t>
-            </a:r>
-            <a:endParaRPr lang="en-US" altLang="zh-CN" dirty="0" smtClean="0"/>
-          </a:p>
-          <a:p>
-            <a:pPr lvl="2"/>
-            <a:r>
-              <a:rPr lang="en-US" altLang="zh-CN" dirty="0" smtClean="0"/>
-              <a:t>MIDI is a technical standard that describes a communications protocol, digital interface, and electrical connectors and allows a wide variety of electrical musical instruments, computers and other related music and audio devices to connect and communicate with on another. </a:t>
-            </a:r>
-          </a:p>
-          <a:p>
-            <a:pPr lvl="1"/>
-            <a:r>
-              <a:rPr lang="en-US" altLang="zh-CN" dirty="0" smtClean="0"/>
-              <a:t>MMA</a:t>
-            </a:r>
-            <a:r>
-              <a:rPr lang="zh-CN" altLang="en-US" dirty="0" smtClean="0"/>
-              <a:t>协会发展，推广和保护</a:t>
-            </a:r>
-            <a:r>
-              <a:rPr lang="en-US" altLang="zh-CN" dirty="0" smtClean="0"/>
-              <a:t>MIDI</a:t>
-            </a:r>
-            <a:r>
-              <a:rPr lang="zh-CN" altLang="en-US" dirty="0" smtClean="0"/>
-              <a:t>技术；定义</a:t>
-            </a:r>
-            <a:r>
-              <a:rPr lang="en-US" altLang="zh-CN" dirty="0" smtClean="0"/>
-              <a:t>MIDI</a:t>
-            </a:r>
-            <a:r>
-              <a:rPr lang="zh-CN" altLang="en-US" dirty="0" smtClean="0"/>
-              <a:t>规范；</a:t>
-            </a:r>
-            <a:endParaRPr lang="en-US" altLang="zh-CN" dirty="0" smtClean="0"/>
-          </a:p>
-          <a:p>
-            <a:pPr lvl="2"/>
-            <a:r>
-              <a:rPr lang="en-US" altLang="zh-CN" dirty="0" smtClean="0"/>
-              <a:t>MIDI</a:t>
-            </a:r>
-            <a:r>
-              <a:rPr lang="zh-CN" altLang="en-US" dirty="0" smtClean="0"/>
+          <a:bodyPr/>
+          <a:lstStyle/>
+          <a:p>
+            <a:r>
+              <a:rPr lang="zh-CN" altLang="en-US" dirty="0"/>
               <a:t> </a:t>
             </a:r>
             <a:r>
-              <a:rPr lang="en-US" altLang="zh-CN" dirty="0" smtClean="0"/>
-              <a:t>Manufactures Association (MMA): The MMA is responsible for the development, promotion, and protection of MIDI technology.</a:t>
-            </a:r>
-            <a:r>
-              <a:rPr lang="zh-CN" altLang="en-US" dirty="0" smtClean="0"/>
-              <a:t> </a:t>
-            </a:r>
-            <a:endParaRPr lang="en-US" altLang="zh-CN" dirty="0" smtClean="0"/>
-          </a:p>
-          <a:p>
-            <a:r>
-              <a:rPr lang="en-US" altLang="zh-CN" dirty="0" smtClean="0"/>
-              <a:t> MIDI</a:t>
-            </a:r>
-            <a:r>
-              <a:rPr lang="zh-CN" altLang="en-US" dirty="0" smtClean="0"/>
-              <a:t>规范</a:t>
-            </a:r>
-            <a:endParaRPr lang="en-US" altLang="zh-CN" dirty="0" smtClean="0"/>
-          </a:p>
-          <a:p>
-            <a:pPr lvl="1"/>
-            <a:r>
-              <a:rPr lang="en-US" altLang="zh-CN" dirty="0" smtClean="0"/>
-              <a:t>MIDI</a:t>
-            </a:r>
-            <a:r>
-              <a:rPr lang="zh-CN" altLang="en-US" dirty="0" smtClean="0"/>
-              <a:t>电子规范和通讯协议；</a:t>
-            </a:r>
-            <a:endParaRPr lang="en-US" altLang="zh-CN" dirty="0" smtClean="0"/>
-          </a:p>
-          <a:p>
-            <a:pPr lvl="2"/>
-            <a:r>
-              <a:rPr lang="en-US" altLang="zh-CN" sz="1200" dirty="0" smtClean="0"/>
-              <a:t>MIDI</a:t>
-            </a:r>
-            <a:r>
-              <a:rPr lang="zh-CN" altLang="en-US" sz="1200" dirty="0" smtClean="0"/>
-              <a:t> </a:t>
-            </a:r>
-            <a:r>
-              <a:rPr lang="en-US" altLang="zh-CN" sz="1200" dirty="0" smtClean="0"/>
-              <a:t>1.0</a:t>
-            </a:r>
-            <a:r>
-              <a:rPr lang="zh-CN" altLang="en-US" sz="1200" dirty="0"/>
-              <a:t> </a:t>
-            </a:r>
-            <a:r>
-              <a:rPr lang="en-US" altLang="zh-CN" sz="1200" dirty="0" smtClean="0"/>
-              <a:t>Detailed Specification (Electrical Specification and Protocol) </a:t>
-            </a:r>
-          </a:p>
-          <a:p>
-            <a:pPr lvl="1"/>
-            <a:r>
-              <a:rPr lang="en-US" altLang="zh-CN" dirty="0" smtClean="0"/>
-              <a:t>General</a:t>
-            </a:r>
-            <a:r>
-              <a:rPr lang="zh-CN" altLang="en-US" dirty="0" smtClean="0"/>
-              <a:t> </a:t>
-            </a:r>
-            <a:r>
-              <a:rPr lang="en-US" altLang="zh-CN" dirty="0" smtClean="0"/>
-              <a:t>MIDI</a:t>
-            </a:r>
-            <a:r>
-              <a:rPr lang="zh-CN" altLang="en-US" dirty="0" smtClean="0"/>
-              <a:t> </a:t>
-            </a:r>
-            <a:r>
-              <a:rPr lang="en-US" altLang="zh-CN" dirty="0" smtClean="0"/>
-              <a:t>1</a:t>
-            </a:r>
-            <a:r>
-              <a:rPr lang="zh-CN" altLang="en-US" dirty="0" smtClean="0"/>
-              <a:t>开发向导和标准；</a:t>
-            </a:r>
-            <a:endParaRPr lang="en-US" altLang="zh-CN" dirty="0" smtClean="0"/>
-          </a:p>
-          <a:p>
-            <a:pPr lvl="2"/>
-            <a:r>
-              <a:rPr lang="en-US" altLang="zh-CN" sz="1300" dirty="0" smtClean="0"/>
-              <a:t>General MIDI 1 (including GM Developer Guidelines)</a:t>
-            </a:r>
-          </a:p>
-          <a:p>
-            <a:pPr lvl="1"/>
-            <a:r>
-              <a:rPr lang="zh-CN" altLang="en-US" dirty="0" smtClean="0"/>
-              <a:t>标准</a:t>
-            </a:r>
-            <a:r>
-              <a:rPr lang="en-US" altLang="zh-CN" dirty="0" smtClean="0"/>
-              <a:t>MIDI</a:t>
-            </a:r>
-            <a:r>
-              <a:rPr lang="zh-CN" altLang="en-US" dirty="0" smtClean="0"/>
-              <a:t>文件规范；</a:t>
-            </a:r>
-            <a:endParaRPr lang="en-US" altLang="zh-CN" dirty="0" smtClean="0"/>
-          </a:p>
-          <a:p>
-            <a:pPr lvl="2"/>
-            <a:r>
-              <a:rPr lang="en-US" altLang="zh-CN" sz="1300" dirty="0" smtClean="0"/>
-              <a:t>Standard</a:t>
-            </a:r>
-            <a:r>
-              <a:rPr lang="zh-CN" altLang="en-US" sz="1300" dirty="0" smtClean="0"/>
-              <a:t> </a:t>
-            </a:r>
-            <a:r>
-              <a:rPr lang="en-US" altLang="zh-CN" sz="1300" dirty="0" smtClean="0"/>
-              <a:t>MIDI</a:t>
-            </a:r>
-            <a:r>
-              <a:rPr lang="zh-CN" altLang="en-US" sz="1300" dirty="0" smtClean="0"/>
-              <a:t> </a:t>
-            </a:r>
-            <a:r>
-              <a:rPr lang="en-US" altLang="zh-CN" sz="1300" dirty="0" smtClean="0"/>
-              <a:t>Files</a:t>
-            </a:r>
-            <a:endParaRPr lang="en-US" altLang="zh-CN" sz="1300" dirty="0" smtClean="0"/>
-          </a:p>
-          <a:p>
-            <a:pPr lvl="1"/>
-            <a:r>
-              <a:rPr lang="en-US" altLang="zh-CN" dirty="0" smtClean="0"/>
-              <a:t>MIDI</a:t>
-            </a:r>
-            <a:r>
-              <a:rPr lang="zh-CN" altLang="en-US" dirty="0" smtClean="0"/>
-              <a:t>机器控制规范；</a:t>
-            </a:r>
-            <a:endParaRPr lang="en-US" altLang="zh-CN" dirty="0" smtClean="0"/>
-          </a:p>
-          <a:p>
-            <a:pPr lvl="2"/>
-            <a:r>
-              <a:rPr lang="en-US" altLang="zh-CN" sz="1300" dirty="0" smtClean="0"/>
-              <a:t>MIDI Machine Control</a:t>
-            </a:r>
-          </a:p>
-          <a:p>
-            <a:pPr lvl="1"/>
-            <a:r>
-              <a:rPr lang="en-US" altLang="zh-CN" dirty="0" smtClean="0"/>
-              <a:t>MIDI</a:t>
-            </a:r>
-            <a:r>
-              <a:rPr lang="zh-CN" altLang="en-US" dirty="0" smtClean="0"/>
-              <a:t>时间码规范</a:t>
-            </a:r>
-            <a:endParaRPr lang="en-US" altLang="zh-CN" dirty="0" smtClean="0"/>
-          </a:p>
-          <a:p>
-            <a:pPr lvl="2"/>
-            <a:r>
-              <a:rPr lang="en-US" altLang="zh-CN" sz="1300" dirty="0" smtClean="0"/>
-              <a:t>MIDI Time Code</a:t>
-            </a:r>
-          </a:p>
-          <a:p>
-            <a:pPr lvl="1"/>
+              <a:rPr lang="en-US" altLang="zh-CN" dirty="0"/>
+              <a:t>for: </a:t>
+            </a:r>
+            <a:r>
+              <a:rPr lang="zh-CN" altLang="en-US" dirty="0"/>
+              <a:t>三 （</a:t>
+            </a:r>
+            <a:r>
+              <a:rPr lang="en-US" altLang="zh-CN" dirty="0"/>
+              <a:t>5</a:t>
+            </a:r>
+            <a:r>
+              <a:rPr lang="zh-CN" altLang="en-US" dirty="0"/>
+              <a:t>）班家长课堂</a:t>
+            </a:r>
             <a:endParaRPr lang="en-US" dirty="0"/>
           </a:p>
         </p:txBody>
@@ -4669,20 +4906,13 @@
     </p:spTree>
     <p:extLst>
       <p:ext uri="{BB962C8B-B14F-4D97-AF65-F5344CB8AC3E}">
-        <p14:creationId xmlns:p14="http://schemas.microsoft.com/office/powerpoint/2010/main" val="2129636858"/>
+        <p14:creationId xmlns:p14="http://schemas.microsoft.com/office/powerpoint/2010/main" val="645752769"/>
       </p:ext>
     </p:extLst>
   </p:cSld>
   <p:clrMapOvr>
     <a:masterClrMapping/>
   </p:clrMapOvr>
-  <p:timing>
-    <p:tnLst>
-      <p:par>
-        <p:cTn id="1" dur="indefinite" restart="never" nodeType="tmRoot"/>
-      </p:par>
-    </p:tnLst>
-  </p:timing>
 </p:sld>
 </file>
 
@@ -4719,34 +4949,30 @@
           <a:lstStyle/>
           <a:p>
             <a:r>
-              <a:rPr lang="zh-CN" altLang="en-US" dirty="0" smtClean="0"/>
+              <a:rPr lang="zh-CN" altLang="en-US" dirty="0"/>
               <a:t>什么是</a:t>
             </a:r>
             <a:r>
-              <a:rPr lang="en-US" altLang="zh-CN" dirty="0" smtClean="0"/>
+              <a:rPr lang="en-US" altLang="zh-CN" dirty="0"/>
               <a:t>MIDI</a:t>
             </a:r>
             <a:r>
-              <a:rPr lang="zh-CN" altLang="en-US" dirty="0" smtClean="0"/>
+              <a:rPr lang="zh-CN" altLang="en-US" dirty="0"/>
               <a:t>音乐</a:t>
             </a:r>
-            <a:r>
-              <a:rPr lang="en-US" altLang="zh-CN" dirty="0" smtClean="0"/>
-              <a:t/>
-            </a:r>
             <a:br>
-              <a:rPr lang="en-US" altLang="zh-CN" dirty="0" smtClean="0"/>
+              <a:rPr lang="en-US" altLang="zh-CN" dirty="0"/>
             </a:br>
             <a:r>
-              <a:rPr lang="en-US" altLang="zh-CN" dirty="0" smtClean="0"/>
+              <a:rPr lang="en-US" altLang="zh-CN" dirty="0"/>
               <a:t> </a:t>
             </a:r>
             <a:r>
-              <a:rPr lang="en-US" altLang="zh-CN" sz="2400" dirty="0" smtClean="0"/>
+              <a:rPr lang="en-US" altLang="zh-CN" sz="2400" dirty="0"/>
               <a:t>MIDI</a:t>
             </a:r>
             <a:r>
-              <a:rPr lang="zh-CN" altLang="en-US" sz="2400" dirty="0" smtClean="0"/>
+              <a:rPr lang="zh-CN" altLang="en-US" sz="2400" dirty="0"/>
               <a:t>音乐设备</a:t>
             </a:r>
             <a:endParaRPr lang="en-US" sz="2400" dirty="0"/>
@@ -4764,7 +4990,7 @@
           </p:nvPr>
         </p:nvPicPr>
         <p:blipFill>
-          <a:blip r:embed="rId2">
+          <a:blip r:embed="rId3">
             <a:extLst>
               <a:ext uri="{28A0092B-C50C-407E-A947-70E740481C1C}">
                 <a14:useLocalDpi xmlns:a14="http://schemas.microsoft.com/office/drawing/2010/main" val="0"/>
@@ -4791,7 +5017,7 @@
           <p:nvPr/>
         </p:nvPicPr>
         <p:blipFill>
-          <a:blip r:embed="rId3">
+          <a:blip r:embed="rId4">
             <a:extLst>
               <a:ext uri="{28A0092B-C50C-407E-A947-70E740481C1C}">
                 <a14:useLocalDpi xmlns:a14="http://schemas.microsoft.com/office/drawing/2010/main" val="0"/>
@@ -4821,7 +5047,7 @@
           <p:nvPr/>
         </p:nvPicPr>
         <p:blipFill>
-          <a:blip r:embed="rId4">
+          <a:blip r:embed="rId5">
             <a:extLst>
               <a:ext uri="{28A0092B-C50C-407E-A947-70E740481C1C}">
                 <a14:useLocalDpi xmlns:a14="http://schemas.microsoft.com/office/drawing/2010/main" val="0"/>
@@ -4851,7 +5077,7 @@
           <p:nvPr/>
         </p:nvPicPr>
         <p:blipFill>
-          <a:blip r:embed="rId5">
+          <a:blip r:embed="rId6">
             <a:extLst>
               <a:ext uri="{28A0092B-C50C-407E-A947-70E740481C1C}">
                 <a14:useLocalDpi xmlns:a14="http://schemas.microsoft.com/office/drawing/2010/main" val="0"/>
@@ -4882,13 +5108,6 @@
   <p:clrMapOvr>
     <a:masterClrMapping/>
   </p:clrMapOvr>
-  <p:timing>
-    <p:tnLst>
-      <p:par>
-        <p:cTn id="1" dur="indefinite" restart="never" nodeType="tmRoot"/>
-      </p:par>
-    </p:tnLst>
-  </p:timing>
 </p:sld>
 </file>
 
@@ -4932,7 +5151,7 @@
           <a:lstStyle/>
           <a:p>
             <a:r>
-              <a:rPr lang="zh-CN" altLang="en-US" sz="4000" dirty="0" smtClean="0"/>
+              <a:rPr lang="zh-CN" altLang="en-US" sz="4000" dirty="0"/>
               <a:t>计算机＋程序员＋音乐家创作音乐</a:t>
             </a:r>
             <a:endParaRPr lang="en-US" sz="4000" dirty="0"/>
@@ -4962,77 +5181,77 @@
           <a:lstStyle/>
           <a:p>
             <a:r>
-              <a:rPr lang="zh-CN" altLang="en-US" dirty="0" smtClean="0"/>
+              <a:rPr lang="zh-CN" altLang="en-US" dirty="0"/>
               <a:t>计算机＋</a:t>
             </a:r>
             <a:r>
-              <a:rPr lang="en-US" altLang="zh-CN" dirty="0" smtClean="0"/>
+              <a:rPr lang="en-US" altLang="zh-CN" dirty="0"/>
               <a:t>MIDI</a:t>
             </a:r>
             <a:r>
-              <a:rPr lang="zh-CN" altLang="en-US" dirty="0" smtClean="0"/>
+              <a:rPr lang="zh-CN" altLang="en-US" dirty="0"/>
               <a:t>设备：生成</a:t>
             </a:r>
             <a:r>
-              <a:rPr lang="en-US" altLang="zh-CN" dirty="0" smtClean="0"/>
+              <a:rPr lang="en-US" altLang="zh-CN" dirty="0"/>
               <a:t>MIDI</a:t>
             </a:r>
             <a:r>
-              <a:rPr lang="zh-CN" altLang="en-US" dirty="0" smtClean="0"/>
+              <a:rPr lang="zh-CN" altLang="en-US" dirty="0"/>
               <a:t>文件，控制</a:t>
             </a:r>
             <a:r>
-              <a:rPr lang="en-US" altLang="zh-CN" dirty="0" smtClean="0"/>
+              <a:rPr lang="en-US" altLang="zh-CN" dirty="0"/>
               <a:t>MIDI</a:t>
             </a:r>
             <a:r>
-              <a:rPr lang="zh-CN" altLang="en-US" dirty="0" smtClean="0"/>
+              <a:rPr lang="zh-CN" altLang="en-US" dirty="0"/>
               <a:t>文件</a:t>
             </a:r>
-            <a:endParaRPr lang="en-US" altLang="zh-CN" dirty="0" smtClean="0"/>
-          </a:p>
-          <a:p>
-            <a:r>
-              <a:rPr lang="zh-CN" altLang="en-US" dirty="0" smtClean="0"/>
+            <a:endParaRPr lang="en-US" altLang="zh-CN" dirty="0"/>
+          </a:p>
+          <a:p>
+            <a:r>
+              <a:rPr lang="zh-CN" altLang="en-US" dirty="0"/>
               <a:t>程序员：开发</a:t>
             </a:r>
             <a:r>
-              <a:rPr lang="en-US" altLang="zh-CN" dirty="0" smtClean="0"/>
+              <a:rPr lang="en-US" altLang="zh-CN" dirty="0"/>
               <a:t>MIDI</a:t>
             </a:r>
             <a:r>
-              <a:rPr lang="zh-CN" altLang="en-US" dirty="0" smtClean="0"/>
+              <a:rPr lang="zh-CN" altLang="en-US" dirty="0"/>
               <a:t>软件</a:t>
             </a:r>
-            <a:endParaRPr lang="en-US" altLang="zh-CN" dirty="0" smtClean="0"/>
-          </a:p>
-          <a:p>
-            <a:r>
-              <a:rPr lang="zh-CN" altLang="en-US" dirty="0" smtClean="0"/>
+            <a:endParaRPr lang="en-US" altLang="zh-CN" dirty="0"/>
+          </a:p>
+          <a:p>
+            <a:r>
+              <a:rPr lang="zh-CN" altLang="en-US" dirty="0"/>
               <a:t>音乐家：利用</a:t>
             </a:r>
             <a:r>
-              <a:rPr lang="en-US" altLang="zh-CN" dirty="0" smtClean="0"/>
+              <a:rPr lang="en-US" altLang="zh-CN" dirty="0"/>
               <a:t>MIDI</a:t>
             </a:r>
             <a:r>
-              <a:rPr lang="zh-CN" altLang="en-US" dirty="0" smtClean="0"/>
+              <a:rPr lang="zh-CN" altLang="en-US" dirty="0"/>
               <a:t>设备和</a:t>
             </a:r>
             <a:r>
-              <a:rPr lang="en-US" altLang="zh-CN" dirty="0" smtClean="0"/>
+              <a:rPr lang="en-US" altLang="zh-CN" dirty="0"/>
               <a:t>MIDI</a:t>
             </a:r>
             <a:r>
-              <a:rPr lang="zh-CN" altLang="en-US" dirty="0" smtClean="0"/>
+              <a:rPr lang="zh-CN" altLang="en-US" dirty="0"/>
               <a:t>软件生成</a:t>
             </a:r>
             <a:r>
-              <a:rPr lang="en-US" altLang="zh-CN" dirty="0" smtClean="0"/>
+              <a:rPr lang="en-US" altLang="zh-CN" dirty="0"/>
               <a:t>MIDI</a:t>
             </a:r>
             <a:r>
-              <a:rPr lang="zh-CN" altLang="en-US" dirty="0" smtClean="0"/>
+              <a:rPr lang="zh-CN" altLang="en-US" dirty="0"/>
               <a:t>音乐</a:t>
             </a:r>
             <a:endParaRPr lang="en-US" dirty="0"/>
@@ -5109,13 +5328,6 @@
   <p:clrMapOvr>
     <a:masterClrMapping/>
   </p:clrMapOvr>
-  <p:timing>
-    <p:tnLst>
-      <p:par>
-        <p:cTn id="1" dur="indefinite" restart="never" nodeType="tmRoot"/>
-      </p:par>
-    </p:tnLst>
-  </p:timing>
 </p:sld>
 </file>
 
@@ -5138,7 +5350,13 @@
       </p:grpSpPr>
       <p:sp>
         <p:nvSpPr>
-          <p:cNvPr id="2" name="Title 1"/>
+          <p:cNvPr id="2" name="Title 1">
+            <a:extLst>
+              <a:ext uri="{FF2B5EF4-FFF2-40B4-BE49-F238E27FC236}">
+                <a16:creationId xmlns:a16="http://schemas.microsoft.com/office/drawing/2014/main" id="{0379B142-4CFB-4EB0-85C9-A53A24AA89AC}"/>
+              </a:ext>
+            </a:extLst>
+          </p:cNvPr>
           <p:cNvSpPr>
             <a:spLocks noGrp="1"/>
           </p:cNvSpPr>
@@ -5146,45 +5364,35 @@
             <p:ph type="title"/>
           </p:nvPr>
         </p:nvSpPr>
-        <p:spPr>
-          <a:xfrm>
-            <a:off x="838200" y="365125"/>
-            <a:ext cx="10515600" cy="1066633"/>
-          </a:xfrm>
-        </p:spPr>
-        <p:txBody>
-          <a:bodyPr>
-            <a:normAutofit/>
-          </a:bodyPr>
-          <a:lstStyle/>
-          <a:p>
-            <a:r>
-              <a:rPr lang="zh-CN" altLang="en-US" sz="4000" dirty="0" smtClean="0"/>
+        <p:spPr/>
+        <p:txBody>
+          <a:bodyPr/>
+          <a:lstStyle/>
+          <a:p>
+            <a:r>
+              <a:rPr lang="zh-CN" altLang="en-US" dirty="0"/>
               <a:t>典型的</a:t>
             </a:r>
             <a:r>
-              <a:rPr lang="en-US" altLang="zh-CN" sz="4000" dirty="0" smtClean="0"/>
+              <a:rPr lang="en-US" altLang="zh-CN" dirty="0"/>
               <a:t>MIDI</a:t>
             </a:r>
             <a:r>
-              <a:rPr lang="zh-CN" altLang="en-US" sz="4000" dirty="0" smtClean="0"/>
-              <a:t>软件</a:t>
-            </a:r>
-            <a:r>
-              <a:rPr lang="zh-CN" altLang="en-US" sz="4000" dirty="0" smtClean="0"/>
-              <a:t>介绍</a:t>
-            </a:r>
-            <a:r>
-              <a:rPr lang="zh-CN" altLang="en-US" sz="4000" dirty="0" smtClean="0"/>
-              <a:t>：</a:t>
-            </a:r>
-            <a:endParaRPr lang="en-US" sz="2000" dirty="0"/>
-          </a:p>
-        </p:txBody>
-      </p:sp>
-      <p:sp>
-        <p:nvSpPr>
-          <p:cNvPr id="3" name="Content Placeholder 2"/>
+              <a:rPr lang="zh-CN" altLang="en-US" dirty="0"/>
+              <a:t>音乐工作室</a:t>
+            </a:r>
+          </a:p>
+        </p:txBody>
+      </p:sp>
+      <p:sp>
+        <p:nvSpPr>
+          <p:cNvPr id="3" name="Content Placeholder 2">
+            <a:extLst>
+              <a:ext uri="{FF2B5EF4-FFF2-40B4-BE49-F238E27FC236}">
+                <a16:creationId xmlns:a16="http://schemas.microsoft.com/office/drawing/2014/main" id="{96D6517C-71A8-462C-AC8A-C9026883E9DE}"/>
+              </a:ext>
+            </a:extLst>
+          </p:cNvPr>
           <p:cNvSpPr>
             <a:spLocks noGrp="1"/>
           </p:cNvSpPr>
@@ -5192,136 +5400,51 @@
             <p:ph idx="1"/>
           </p:nvPr>
         </p:nvSpPr>
-        <p:spPr>
-          <a:xfrm>
-            <a:off x="838200" y="1515979"/>
-            <a:ext cx="10515600" cy="4660984"/>
-          </a:xfrm>
-        </p:spPr>
-        <p:txBody>
-          <a:bodyPr/>
-          <a:lstStyle/>
-          <a:p>
-            <a:r>
-              <a:rPr lang="zh-CN" altLang="en-US" dirty="0" smtClean="0"/>
-              <a:t>目前有很多</a:t>
-            </a:r>
-            <a:r>
-              <a:rPr lang="en-US" altLang="zh-CN" dirty="0" smtClean="0"/>
+        <p:spPr/>
+        <p:txBody>
+          <a:bodyPr/>
+          <a:lstStyle/>
+          <a:p>
+            <a:r>
+              <a:rPr lang="zh-CN" altLang="en-US" dirty="0"/>
+              <a:t>小型</a:t>
+            </a:r>
+            <a:r>
+              <a:rPr lang="en-US" altLang="zh-CN" dirty="0"/>
               <a:t>MIDI</a:t>
             </a:r>
             <a:r>
-              <a:rPr lang="zh-CN" altLang="en-US" dirty="0" smtClean="0"/>
-              <a:t>软件</a:t>
-            </a:r>
-            <a:endParaRPr lang="en-US" altLang="zh-CN" dirty="0" smtClean="0"/>
-          </a:p>
-          <a:p>
-            <a:pPr lvl="1"/>
-            <a:r>
-              <a:rPr lang="zh-CN" altLang="en-US" dirty="0" smtClean="0"/>
-              <a:t>主要功能类型有：</a:t>
-            </a:r>
-            <a:r>
-              <a:rPr lang="en-US" altLang="zh-CN" dirty="0" smtClean="0"/>
+              <a:rPr lang="zh-CN" altLang="en-US" dirty="0"/>
+              <a:t>音乐工作室</a:t>
+            </a:r>
+            <a:endParaRPr lang="en-US" altLang="zh-CN" dirty="0"/>
+          </a:p>
+          <a:p>
+            <a:r>
+              <a:rPr lang="zh-CN" altLang="en-US" dirty="0"/>
+              <a:t>专业</a:t>
+            </a:r>
+            <a:r>
+              <a:rPr lang="en-US" altLang="zh-CN" dirty="0"/>
               <a:t>MIDI</a:t>
             </a:r>
             <a:r>
-              <a:rPr lang="zh-CN" altLang="en-US" dirty="0" smtClean="0"/>
-              <a:t>音乐制作，</a:t>
-            </a:r>
-            <a:r>
-              <a:rPr lang="en-US" altLang="zh-CN" dirty="0" smtClean="0"/>
-              <a:t>MIDI</a:t>
-            </a:r>
-            <a:r>
-              <a:rPr lang="zh-CN" altLang="en-US" dirty="0" smtClean="0"/>
-              <a:t>音乐编辑，</a:t>
-            </a:r>
-            <a:r>
-              <a:rPr lang="en-US" altLang="zh-CN" dirty="0" smtClean="0"/>
-              <a:t>MIDI</a:t>
-            </a:r>
-            <a:r>
-              <a:rPr lang="zh-CN" altLang="en-US" dirty="0" smtClean="0"/>
-              <a:t>音乐播放</a:t>
-            </a:r>
-            <a:endParaRPr lang="en-US" altLang="zh-CN" dirty="0" smtClean="0"/>
-          </a:p>
-          <a:p>
-            <a:pPr lvl="1"/>
-            <a:r>
-              <a:rPr lang="zh-CN" altLang="en-US" dirty="0" smtClean="0"/>
-              <a:t>某些软件必须和特定类型的</a:t>
-            </a:r>
-            <a:r>
-              <a:rPr lang="en-US" altLang="zh-CN" dirty="0" smtClean="0"/>
-              <a:t>MIDI</a:t>
-            </a:r>
-            <a:r>
-              <a:rPr lang="zh-CN" altLang="en-US" dirty="0" smtClean="0"/>
-              <a:t>硬件一起工作，功能强大，价格比较贵</a:t>
-            </a:r>
-            <a:endParaRPr lang="en-US" altLang="zh-CN" dirty="0" smtClean="0"/>
-          </a:p>
-          <a:p>
-            <a:pPr lvl="1"/>
-            <a:r>
-              <a:rPr lang="zh-CN" altLang="en-US" dirty="0" smtClean="0"/>
-              <a:t>更多的软件功能简单，价格便宜甚至是免费提供</a:t>
-            </a:r>
-            <a:endParaRPr lang="en-US" altLang="zh-CN" dirty="0" smtClean="0"/>
-          </a:p>
-          <a:p>
-            <a:r>
-              <a:rPr lang="en-US" altLang="zh-CN" dirty="0" err="1" smtClean="0"/>
-              <a:t>MidiEditor</a:t>
-            </a:r>
-            <a:r>
-              <a:rPr lang="zh-CN" altLang="en-US" dirty="0" smtClean="0"/>
-              <a:t>介绍</a:t>
-            </a:r>
-            <a:endParaRPr lang="en-US" altLang="zh-CN" dirty="0" smtClean="0"/>
-          </a:p>
-          <a:p>
-            <a:pPr lvl="1"/>
-            <a:r>
-              <a:rPr lang="en-US" altLang="zh-CN" dirty="0" err="1" smtClean="0"/>
-              <a:t>MidiEdior</a:t>
-            </a:r>
-            <a:r>
-              <a:rPr lang="zh-CN" altLang="en-US" dirty="0" smtClean="0"/>
-              <a:t>使用演示</a:t>
-            </a:r>
-            <a:r>
-              <a:rPr lang="is-IS" altLang="zh-CN" dirty="0" smtClean="0"/>
-              <a:t>…...</a:t>
-            </a:r>
-            <a:endParaRPr lang="en-US" altLang="zh-CN" dirty="0" smtClean="0"/>
-          </a:p>
-          <a:p>
-            <a:pPr lvl="1"/>
-            <a:endParaRPr lang="en-US" dirty="0"/>
+              <a:rPr lang="zh-CN" altLang="en-US" dirty="0"/>
+              <a:t>音乐工作室</a:t>
+            </a:r>
           </a:p>
         </p:txBody>
       </p:sp>
     </p:spTree>
     <p:extLst>
       <p:ext uri="{BB962C8B-B14F-4D97-AF65-F5344CB8AC3E}">
-        <p14:creationId xmlns:p14="http://schemas.microsoft.com/office/powerpoint/2010/main" val="35885742"/>
+        <p14:creationId xmlns:p14="http://schemas.microsoft.com/office/powerpoint/2010/main" val="3478927705"/>
       </p:ext>
     </p:extLst>
   </p:cSld>
   <p:clrMapOvr>
     <a:masterClrMapping/>
   </p:clrMapOvr>
-  <p:timing>
-    <p:tnLst>
-      <p:par>
-        <p:cTn id="1" dur="indefinite" restart="never" nodeType="tmRoot"/>
-      </p:par>
-    </p:tnLst>
-  </p:timing>
 </p:sld>
 </file>
 
@@ -5355,7 +5478,7 @@
         <p:spPr>
           <a:xfrm>
             <a:off x="838200" y="365126"/>
-            <a:ext cx="10515600" cy="1162886"/>
+            <a:ext cx="10515600" cy="1102728"/>
           </a:xfrm>
         </p:spPr>
         <p:txBody>
@@ -5365,37 +5488,10 @@
           <a:lstStyle/>
           <a:p>
             <a:r>
-              <a:rPr lang="en-US" altLang="zh-CN" dirty="0" smtClean="0"/>
-              <a:t>MIDI</a:t>
-            </a:r>
-            <a:r>
-              <a:rPr lang="zh-CN" altLang="en-US" dirty="0" smtClean="0"/>
-              <a:t>文件的生成方式</a:t>
-            </a:r>
-            <a:r>
-              <a:rPr lang="en-US" altLang="zh-CN" dirty="0" smtClean="0"/>
-              <a:t/>
-            </a:r>
-            <a:br>
-              <a:rPr lang="en-US" altLang="zh-CN" dirty="0" smtClean="0"/>
-            </a:br>
-            <a:r>
-              <a:rPr lang="en-US" altLang="zh-CN" sz="2200" dirty="0" smtClean="0"/>
-              <a:t>MIDI</a:t>
-            </a:r>
-            <a:r>
-              <a:rPr lang="zh-CN" altLang="en-US" sz="2200" dirty="0" smtClean="0"/>
-              <a:t>设备＋</a:t>
-            </a:r>
-            <a:r>
-              <a:rPr lang="en-US" altLang="zh-CN" sz="2200" dirty="0" smtClean="0"/>
-              <a:t>MIDI</a:t>
-            </a:r>
-            <a:r>
-              <a:rPr lang="zh-CN" altLang="en-US" sz="2200" dirty="0" smtClean="0"/>
-              <a:t>专用软件</a:t>
-            </a:r>
-            <a:endParaRPr lang="en-US" sz="2200" dirty="0"/>
+              <a:rPr lang="zh-CN" altLang="en-US" sz="4800" dirty="0"/>
+              <a:t>后续内容介绍</a:t>
+            </a:r>
+            <a:endParaRPr lang="en-US" sz="4800" dirty="0"/>
           </a:p>
         </p:txBody>
       </p:sp>
@@ -5411,8 +5507,8 @@
         </p:nvSpPr>
         <p:spPr>
           <a:xfrm>
-            <a:off x="838200" y="1528013"/>
-            <a:ext cx="10515600" cy="486526"/>
+            <a:off x="838200" y="1467853"/>
+            <a:ext cx="10515600" cy="4709110"/>
           </a:xfrm>
         </p:spPr>
         <p:txBody>
@@ -5422,60 +5518,152 @@
           <a:lstStyle/>
           <a:p>
             <a:r>
-              <a:rPr lang="zh-CN" altLang="en-US" sz="2000" dirty="0" smtClean="0"/>
-              <a:t>最通用，最专业的方式</a:t>
-            </a:r>
-            <a:endParaRPr lang="en-US" sz="2000" dirty="0"/>
-          </a:p>
-        </p:txBody>
-      </p:sp>
-      <p:pic>
-        <p:nvPicPr>
-          <p:cNvPr id="5" name="Picture 4"/>
-          <p:cNvPicPr>
-            <a:picLocks noChangeAspect="1"/>
-          </p:cNvPicPr>
-          <p:nvPr/>
-        </p:nvPicPr>
-        <p:blipFill>
-          <a:blip r:embed="rId2">
-            <a:extLst>
-              <a:ext uri="{28A0092B-C50C-407E-A947-70E740481C1C}">
-                <a14:useLocalDpi xmlns:a14="http://schemas.microsoft.com/office/drawing/2010/main" val="0"/>
-              </a:ext>
-            </a:extLst>
-          </a:blip>
-          <a:stretch>
-            <a:fillRect/>
-          </a:stretch>
-        </p:blipFill>
-        <p:spPr>
-          <a:xfrm>
-            <a:off x="2867025" y="1855500"/>
-            <a:ext cx="6457950" cy="4696690"/>
-          </a:xfrm>
-          <a:prstGeom prst="rect">
-            <a:avLst/>
-          </a:prstGeom>
-        </p:spPr>
-      </p:pic>
+              <a:rPr lang="zh-CN" altLang="en-US" sz="3600" dirty="0"/>
+              <a:t>什么是</a:t>
+            </a:r>
+            <a:r>
+              <a:rPr lang="en-US" altLang="zh-CN" sz="3600" dirty="0"/>
+              <a:t>MIDI</a:t>
+            </a:r>
+            <a:r>
+              <a:rPr lang="zh-CN" altLang="en-US" sz="3600" dirty="0"/>
+              <a:t>音乐</a:t>
+            </a:r>
+            <a:endParaRPr lang="en-US" altLang="zh-CN" sz="3600" dirty="0"/>
+          </a:p>
+          <a:p>
+            <a:pPr lvl="1"/>
+            <a:r>
+              <a:rPr lang="en-US" altLang="zh-CN" sz="3200" dirty="0"/>
+              <a:t>MIDI</a:t>
+            </a:r>
+            <a:r>
+              <a:rPr lang="zh-CN" altLang="en-US" sz="3200" dirty="0"/>
+              <a:t>制造商协会（</a:t>
+            </a:r>
+            <a:r>
+              <a:rPr lang="en-US" altLang="zh-CN" sz="3200" dirty="0"/>
+              <a:t>MMA</a:t>
+            </a:r>
+            <a:r>
+              <a:rPr lang="zh-CN" altLang="en-US" sz="3200" dirty="0"/>
+              <a:t>）和规范；</a:t>
+            </a:r>
+            <a:endParaRPr lang="en-US" altLang="zh-CN" sz="3200" dirty="0"/>
+          </a:p>
+          <a:p>
+            <a:pPr lvl="1"/>
+            <a:r>
+              <a:rPr lang="en-US" altLang="zh-CN" sz="3200" dirty="0"/>
+              <a:t>MIDI</a:t>
+            </a:r>
+            <a:r>
+              <a:rPr lang="zh-CN" altLang="en-US" sz="3200" dirty="0"/>
+              <a:t>音乐设备；</a:t>
+            </a:r>
+            <a:endParaRPr lang="en-US" altLang="zh-CN" sz="3200" dirty="0"/>
+          </a:p>
+          <a:p>
+            <a:r>
+              <a:rPr lang="en-US" altLang="zh-CN" sz="3600" dirty="0"/>
+              <a:t>MIDI</a:t>
+            </a:r>
+            <a:r>
+              <a:rPr lang="zh-CN" altLang="en-US" sz="3600" dirty="0"/>
+              <a:t>文件的生成方式</a:t>
+            </a:r>
+            <a:endParaRPr lang="en-US" altLang="zh-CN" sz="3600" dirty="0"/>
+          </a:p>
+          <a:p>
+            <a:pPr lvl="1"/>
+            <a:r>
+              <a:rPr lang="en-US" altLang="zh-CN" sz="3200" dirty="0"/>
+              <a:t>MIDI</a:t>
+            </a:r>
+            <a:r>
+              <a:rPr lang="zh-CN" altLang="en-US" sz="3200" dirty="0"/>
+              <a:t>设备＋</a:t>
+            </a:r>
+            <a:r>
+              <a:rPr lang="en-US" altLang="zh-CN" sz="3200" dirty="0"/>
+              <a:t>MIDI</a:t>
+            </a:r>
+            <a:r>
+              <a:rPr lang="zh-CN" altLang="en-US" sz="3200" dirty="0"/>
+              <a:t>专用软件；</a:t>
+            </a:r>
+            <a:endParaRPr lang="en-US" altLang="zh-CN" sz="3200" dirty="0"/>
+          </a:p>
+          <a:p>
+            <a:pPr lvl="1"/>
+            <a:r>
+              <a:rPr lang="zh-CN" altLang="en-US" sz="3200" dirty="0"/>
+              <a:t>计算机程序生成</a:t>
+            </a:r>
+            <a:r>
+              <a:rPr lang="en-US" altLang="zh-CN" sz="3200" dirty="0"/>
+              <a:t>MIDI</a:t>
+            </a:r>
+            <a:r>
+              <a:rPr lang="zh-CN" altLang="en-US" sz="3200" dirty="0"/>
+              <a:t>文件；</a:t>
+            </a:r>
+            <a:endParaRPr lang="en-US" altLang="zh-CN" sz="3200" dirty="0"/>
+          </a:p>
+          <a:p>
+            <a:pPr lvl="1"/>
+            <a:r>
+              <a:rPr lang="en-US" altLang="zh-CN" sz="3200" dirty="0" err="1"/>
+              <a:t>MidiEditor</a:t>
+            </a:r>
+            <a:r>
+              <a:rPr lang="zh-CN" altLang="en-US" sz="3200" dirty="0"/>
+              <a:t>编辑生成</a:t>
+            </a:r>
+            <a:r>
+              <a:rPr lang="en-US" altLang="zh-CN" sz="3200" dirty="0"/>
+              <a:t>MIDI</a:t>
+            </a:r>
+            <a:r>
+              <a:rPr lang="zh-CN" altLang="en-US" sz="3200" dirty="0"/>
+              <a:t>文件；</a:t>
+            </a:r>
+            <a:endParaRPr lang="en-US" altLang="zh-CN" sz="3200" dirty="0"/>
+          </a:p>
+          <a:p>
+            <a:pPr lvl="1"/>
+            <a:r>
+              <a:rPr lang="zh-CN" altLang="en-US" sz="3200" dirty="0"/>
+              <a:t>直接修改</a:t>
+            </a:r>
+            <a:r>
+              <a:rPr lang="en-US" altLang="zh-CN" sz="3200" dirty="0"/>
+              <a:t>MIDI</a:t>
+            </a:r>
+            <a:r>
+              <a:rPr lang="zh-CN" altLang="en-US" sz="3200" dirty="0"/>
+              <a:t>文件；</a:t>
+            </a:r>
+            <a:endParaRPr lang="en-US" altLang="zh-CN" sz="3200" dirty="0"/>
+          </a:p>
+          <a:p>
+            <a:pPr marL="457200" lvl="1" indent="0">
+              <a:buNone/>
+            </a:pPr>
+            <a:endParaRPr lang="en-US" sz="3200" dirty="0"/>
+          </a:p>
+        </p:txBody>
+      </p:sp>
     </p:spTree>
     <p:extLst>
       <p:ext uri="{BB962C8B-B14F-4D97-AF65-F5344CB8AC3E}">
-        <p14:creationId xmlns:p14="http://schemas.microsoft.com/office/powerpoint/2010/main" val="1095424294"/>
+        <p14:creationId xmlns:p14="http://schemas.microsoft.com/office/powerpoint/2010/main" val="195485987"/>
       </p:ext>
     </p:extLst>
   </p:cSld>
   <p:clrMapOvr>
     <a:masterClrMapping/>
   </p:clrMapOvr>
-  <p:timing>
-    <p:tnLst>
-      <p:par>
-        <p:cTn id="1" dur="indefinite" restart="never" nodeType="tmRoot"/>
-      </p:par>
-    </p:tnLst>
-  </p:timing>
 </p:sld>
 </file>
 
@@ -5506,131 +5694,335 @@
             <p:ph type="title"/>
           </p:nvPr>
         </p:nvSpPr>
+        <p:spPr/>
+        <p:txBody>
+          <a:bodyPr/>
+          <a:lstStyle/>
+          <a:p>
+            <a:r>
+              <a:rPr lang="zh-CN" altLang="en-US" dirty="0"/>
+              <a:t>什么是</a:t>
+            </a:r>
+            <a:r>
+              <a:rPr lang="en-US" altLang="zh-CN" dirty="0"/>
+              <a:t>MIDI</a:t>
+            </a:r>
+            <a:r>
+              <a:rPr lang="zh-CN" altLang="en-US" dirty="0"/>
+              <a:t>音乐</a:t>
+            </a:r>
+            <a:br>
+              <a:rPr lang="en-US" altLang="zh-CN" dirty="0"/>
+            </a:br>
+            <a:r>
+              <a:rPr lang="en-US" altLang="zh-CN" sz="2400" dirty="0"/>
+              <a:t>MIDI</a:t>
+            </a:r>
+            <a:r>
+              <a:rPr lang="zh-CN" altLang="en-US" sz="2400" dirty="0"/>
+              <a:t>制造商协会（</a:t>
+            </a:r>
+            <a:r>
+              <a:rPr lang="en-US" altLang="zh-CN" sz="2400" dirty="0"/>
+              <a:t>MMA</a:t>
+            </a:r>
+            <a:r>
+              <a:rPr lang="zh-CN" altLang="en-US" sz="2400" dirty="0"/>
+              <a:t>）和规范</a:t>
+            </a:r>
+            <a:endParaRPr lang="en-US" sz="2400" dirty="0"/>
+          </a:p>
+        </p:txBody>
+      </p:sp>
+      <p:sp>
+        <p:nvSpPr>
+          <p:cNvPr id="3" name="Content Placeholder 2"/>
+          <p:cNvSpPr>
+            <a:spLocks noGrp="1"/>
+          </p:cNvSpPr>
+          <p:nvPr>
+            <p:ph idx="1"/>
+          </p:nvPr>
+        </p:nvSpPr>
         <p:spPr>
           <a:xfrm>
-            <a:off x="838200" y="365126"/>
-            <a:ext cx="10515600" cy="1162886"/>
+            <a:off x="838200" y="1690688"/>
+            <a:ext cx="10515600" cy="4981073"/>
           </a:xfrm>
         </p:spPr>
         <p:txBody>
           <a:bodyPr>
-            <a:normAutofit/>
+            <a:normAutofit fontScale="85000" lnSpcReduction="20000"/>
           </a:bodyPr>
           <a:lstStyle/>
           <a:p>
             <a:r>
-              <a:rPr lang="en-US" altLang="zh-CN" dirty="0" smtClean="0"/>
+              <a:rPr lang="en-US" altLang="zh-CN" dirty="0"/>
               <a:t>MIDI</a:t>
             </a:r>
             <a:r>
-              <a:rPr lang="zh-CN" altLang="en-US" dirty="0" smtClean="0"/>
-              <a:t>文件的生成方式</a:t>
-            </a:r>
-            <a:r>
-              <a:rPr lang="en-US" altLang="zh-CN" dirty="0" smtClean="0"/>
-              <a:t/>
-            </a:r>
-            <a:br>
-              <a:rPr lang="en-US" altLang="zh-CN" dirty="0" smtClean="0"/>
-            </a:br>
-            <a:r>
-              <a:rPr lang="zh-CN" altLang="en-US" sz="2000" dirty="0" smtClean="0"/>
-              <a:t>计算机程序直接生成</a:t>
-            </a:r>
+              <a:rPr lang="zh-CN" altLang="en-US" dirty="0"/>
+              <a:t>制造商协会（</a:t>
+            </a:r>
+            <a:r>
+              <a:rPr lang="en-US" altLang="zh-CN" dirty="0"/>
+              <a:t>MMA</a:t>
+            </a:r>
+            <a:r>
+              <a:rPr lang="zh-CN" altLang="en-US" dirty="0"/>
+              <a:t>）</a:t>
+            </a:r>
+            <a:endParaRPr lang="en-US" altLang="zh-CN" dirty="0"/>
+          </a:p>
+          <a:p>
+            <a:pPr lvl="1"/>
+            <a:r>
+              <a:rPr lang="en-US" altLang="zh-CN" dirty="0"/>
+              <a:t>MIDI = Musical Instrument Digital Interface, </a:t>
+            </a:r>
+            <a:r>
+              <a:rPr lang="zh-CN" altLang="en-US" dirty="0"/>
+              <a:t>乐器数字接口；</a:t>
+            </a:r>
+            <a:r>
+              <a:rPr lang="en-US" altLang="zh-CN" dirty="0"/>
+              <a:t>MIDI</a:t>
+            </a:r>
+            <a:r>
+              <a:rPr lang="zh-CN" altLang="en-US" dirty="0"/>
+              <a:t>是编曲界最广泛的音乐标准格式，可称为“计算机能理解的乐谱”；</a:t>
+            </a:r>
+            <a:endParaRPr lang="en-US" altLang="zh-CN" dirty="0"/>
+          </a:p>
+          <a:p>
+            <a:pPr lvl="2"/>
+            <a:r>
+              <a:rPr lang="en-US" altLang="zh-CN" dirty="0"/>
+              <a:t>MIDI is a technical standard that describes a communications protocol, digital interface, and electrical connectors and allows a wide variety of electrical musical instruments, computers and other related music and audio devices to connect and communicate with on another. </a:t>
+            </a:r>
+          </a:p>
+          <a:p>
+            <a:pPr lvl="1"/>
+            <a:r>
+              <a:rPr lang="en-US" altLang="zh-CN" dirty="0"/>
+              <a:t>MMA</a:t>
+            </a:r>
+            <a:r>
+              <a:rPr lang="zh-CN" altLang="en-US" dirty="0"/>
+              <a:t>协会发展，推广和保护</a:t>
+            </a:r>
+            <a:r>
+              <a:rPr lang="en-US" altLang="zh-CN" dirty="0"/>
+              <a:t>MIDI</a:t>
+            </a:r>
+            <a:r>
+              <a:rPr lang="zh-CN" altLang="en-US" dirty="0"/>
+              <a:t>技术；定义</a:t>
+            </a:r>
+            <a:r>
+              <a:rPr lang="en-US" altLang="zh-CN" dirty="0"/>
+              <a:t>MIDI</a:t>
+            </a:r>
+            <a:r>
+              <a:rPr lang="zh-CN" altLang="en-US" dirty="0"/>
+              <a:t>规范；</a:t>
+            </a:r>
+            <a:endParaRPr lang="en-US" altLang="zh-CN" dirty="0"/>
+          </a:p>
+          <a:p>
+            <a:pPr lvl="2"/>
+            <a:r>
+              <a:rPr lang="en-US" altLang="zh-CN" dirty="0"/>
+              <a:t>MIDI</a:t>
+            </a:r>
+            <a:r>
+              <a:rPr lang="zh-CN" altLang="en-US" dirty="0"/>
+              <a:t> </a:t>
+            </a:r>
+            <a:r>
+              <a:rPr lang="en-US" altLang="zh-CN" dirty="0"/>
+              <a:t>Manufactures Association (MMA): The MMA is responsible for the development, promotion, and protection of MIDI technology.</a:t>
+            </a:r>
+            <a:r>
+              <a:rPr lang="zh-CN" altLang="en-US" dirty="0"/>
+              <a:t> </a:t>
+            </a:r>
+            <a:endParaRPr lang="en-US" altLang="zh-CN" dirty="0"/>
+          </a:p>
+          <a:p>
+            <a:r>
+              <a:rPr lang="en-US" altLang="zh-CN" dirty="0"/>
+              <a:t> MIDI</a:t>
+            </a:r>
+            <a:r>
+              <a:rPr lang="zh-CN" altLang="en-US" dirty="0"/>
+              <a:t>规范</a:t>
+            </a:r>
+            <a:endParaRPr lang="en-US" altLang="zh-CN" dirty="0"/>
+          </a:p>
+          <a:p>
+            <a:pPr lvl="1"/>
+            <a:r>
+              <a:rPr lang="en-US" altLang="zh-CN" dirty="0"/>
+              <a:t>MIDI</a:t>
+            </a:r>
+            <a:r>
+              <a:rPr lang="zh-CN" altLang="en-US" dirty="0"/>
+              <a:t>电子规范和通讯协议；</a:t>
+            </a:r>
+            <a:endParaRPr lang="en-US" altLang="zh-CN" dirty="0"/>
+          </a:p>
+          <a:p>
+            <a:pPr lvl="2"/>
+            <a:r>
+              <a:rPr lang="en-US" altLang="zh-CN" sz="1200" dirty="0"/>
+              <a:t>MIDI</a:t>
+            </a:r>
+            <a:r>
+              <a:rPr lang="zh-CN" altLang="en-US" sz="1200" dirty="0"/>
+              <a:t> </a:t>
+            </a:r>
+            <a:r>
+              <a:rPr lang="en-US" altLang="zh-CN" sz="1200" dirty="0"/>
+              <a:t>1.0</a:t>
+            </a:r>
+            <a:r>
+              <a:rPr lang="zh-CN" altLang="en-US" sz="1200" dirty="0"/>
+              <a:t> </a:t>
+            </a:r>
+            <a:r>
+              <a:rPr lang="en-US" altLang="zh-CN" sz="1200" dirty="0"/>
+              <a:t>Detailed Specification (Electrical Specification and Protocol) </a:t>
+            </a:r>
+          </a:p>
+          <a:p>
+            <a:pPr lvl="1"/>
+            <a:r>
+              <a:rPr lang="en-US" altLang="zh-CN" dirty="0"/>
+              <a:t>General</a:t>
+            </a:r>
+            <a:r>
+              <a:rPr lang="zh-CN" altLang="en-US" dirty="0"/>
+              <a:t> </a:t>
+            </a:r>
+            <a:r>
+              <a:rPr lang="en-US" altLang="zh-CN" dirty="0"/>
+              <a:t>MIDI</a:t>
+            </a:r>
+            <a:r>
+              <a:rPr lang="zh-CN" altLang="en-US" dirty="0"/>
+              <a:t> </a:t>
+            </a:r>
+            <a:r>
+              <a:rPr lang="en-US" altLang="zh-CN" dirty="0"/>
+              <a:t>1</a:t>
+            </a:r>
+            <a:r>
+              <a:rPr lang="zh-CN" altLang="en-US" dirty="0"/>
+              <a:t>开发向导和标准；</a:t>
+            </a:r>
+            <a:endParaRPr lang="en-US" altLang="zh-CN" dirty="0"/>
+          </a:p>
+          <a:p>
+            <a:pPr lvl="2"/>
+            <a:r>
+              <a:rPr lang="en-US" altLang="zh-CN" sz="1300" dirty="0"/>
+              <a:t>General MIDI 1 (including GM Developer Guidelines)</a:t>
+            </a:r>
+          </a:p>
+          <a:p>
+            <a:pPr lvl="1"/>
+            <a:r>
+              <a:rPr lang="zh-CN" altLang="en-US" dirty="0"/>
+              <a:t>标准</a:t>
+            </a:r>
+            <a:r>
+              <a:rPr lang="en-US" altLang="zh-CN" dirty="0"/>
+              <a:t>MIDI</a:t>
+            </a:r>
+            <a:r>
+              <a:rPr lang="zh-CN" altLang="en-US" dirty="0"/>
+              <a:t>文件规范；</a:t>
+            </a:r>
+            <a:endParaRPr lang="en-US" altLang="zh-CN" dirty="0"/>
+          </a:p>
+          <a:p>
+            <a:pPr lvl="2"/>
+            <a:r>
+              <a:rPr lang="en-US" altLang="zh-CN" sz="1300" dirty="0"/>
+              <a:t>Standard</a:t>
+            </a:r>
+            <a:r>
+              <a:rPr lang="zh-CN" altLang="en-US" sz="1300" dirty="0"/>
+              <a:t> </a:t>
+            </a:r>
+            <a:r>
+              <a:rPr lang="en-US" altLang="zh-CN" sz="1300" dirty="0"/>
+              <a:t>MIDI</a:t>
+            </a:r>
+            <a:r>
+              <a:rPr lang="zh-CN" altLang="en-US" sz="1300" dirty="0"/>
+              <a:t> </a:t>
+            </a:r>
+            <a:r>
+              <a:rPr lang="en-US" altLang="zh-CN" sz="1300" dirty="0"/>
+              <a:t>Files</a:t>
+            </a:r>
+          </a:p>
+          <a:p>
+            <a:pPr lvl="1"/>
+            <a:r>
+              <a:rPr lang="en-US" altLang="zh-CN" dirty="0"/>
+              <a:t>MIDI</a:t>
+            </a:r>
+            <a:r>
+              <a:rPr lang="zh-CN" altLang="en-US" dirty="0"/>
+              <a:t>机器控制规范；</a:t>
+            </a:r>
+            <a:endParaRPr lang="en-US" altLang="zh-CN" dirty="0"/>
+          </a:p>
+          <a:p>
+            <a:pPr lvl="2"/>
+            <a:r>
+              <a:rPr lang="en-US" altLang="zh-CN" sz="1300" dirty="0"/>
+              <a:t>MIDI Machine Control</a:t>
+            </a:r>
+          </a:p>
+          <a:p>
+            <a:pPr lvl="1"/>
+            <a:r>
+              <a:rPr lang="en-US" altLang="zh-CN" dirty="0"/>
+              <a:t>MIDI</a:t>
+            </a:r>
+            <a:r>
+              <a:rPr lang="zh-CN" altLang="en-US" dirty="0"/>
+              <a:t>时间码规范</a:t>
+            </a:r>
+            <a:endParaRPr lang="en-US" altLang="zh-CN" dirty="0"/>
+          </a:p>
+          <a:p>
+            <a:pPr lvl="2"/>
+            <a:r>
+              <a:rPr lang="en-US" altLang="zh-CN" sz="1300" dirty="0"/>
+              <a:t>MIDI Time Code</a:t>
+            </a:r>
+          </a:p>
+          <a:p>
+            <a:pPr lvl="1"/>
             <a:endParaRPr lang="en-US" dirty="0"/>
           </a:p>
         </p:txBody>
       </p:sp>
-      <p:sp>
-        <p:nvSpPr>
-          <p:cNvPr id="3" name="Content Placeholder 2"/>
-          <p:cNvSpPr>
-            <a:spLocks noGrp="1"/>
-          </p:cNvSpPr>
-          <p:nvPr>
-            <p:ph idx="1"/>
-          </p:nvPr>
-        </p:nvSpPr>
-        <p:spPr>
-          <a:xfrm>
-            <a:off x="838200" y="1528012"/>
-            <a:ext cx="10515600" cy="4648951"/>
-          </a:xfrm>
-        </p:spPr>
-        <p:txBody>
-          <a:bodyPr/>
-          <a:lstStyle/>
-          <a:p>
-            <a:r>
-              <a:rPr lang="en-US" altLang="zh-CN" dirty="0" smtClean="0"/>
-              <a:t>JAVA</a:t>
-            </a:r>
-            <a:r>
-              <a:rPr lang="zh-CN" altLang="en-US" dirty="0" smtClean="0"/>
-              <a:t>程序生成</a:t>
-            </a:r>
-            <a:r>
-              <a:rPr lang="en-US" altLang="zh-CN" dirty="0" smtClean="0"/>
-              <a:t>MIDI</a:t>
-            </a:r>
-            <a:r>
-              <a:rPr lang="zh-CN" altLang="en-US" dirty="0" smtClean="0"/>
-              <a:t>文件示例</a:t>
-            </a:r>
-            <a:endParaRPr lang="en-US" altLang="zh-CN" dirty="0" smtClean="0"/>
-          </a:p>
-          <a:p>
-            <a:endParaRPr lang="en-US" dirty="0"/>
-          </a:p>
-        </p:txBody>
-      </p:sp>
-      <p:pic>
-        <p:nvPicPr>
-          <p:cNvPr id="4" name="Picture 3"/>
-          <p:cNvPicPr>
-            <a:picLocks noChangeAspect="1"/>
-          </p:cNvPicPr>
-          <p:nvPr/>
-        </p:nvPicPr>
-        <p:blipFill>
-          <a:blip r:embed="rId2">
-            <a:extLst>
-              <a:ext uri="{28A0092B-C50C-407E-A947-70E740481C1C}">
-                <a14:useLocalDpi xmlns:a14="http://schemas.microsoft.com/office/drawing/2010/main" val="0"/>
-              </a:ext>
-            </a:extLst>
-          </a:blip>
-          <a:stretch>
-            <a:fillRect/>
-          </a:stretch>
-        </p:blipFill>
-        <p:spPr>
-          <a:xfrm>
-            <a:off x="838200" y="1951909"/>
-            <a:ext cx="8724900" cy="4748928"/>
-          </a:xfrm>
-          <a:prstGeom prst="rect">
-            <a:avLst/>
-          </a:prstGeom>
-        </p:spPr>
-      </p:pic>
     </p:spTree>
     <p:extLst>
       <p:ext uri="{BB962C8B-B14F-4D97-AF65-F5344CB8AC3E}">
-        <p14:creationId xmlns:p14="http://schemas.microsoft.com/office/powerpoint/2010/main" val="2059919590"/>
+        <p14:creationId xmlns:p14="http://schemas.microsoft.com/office/powerpoint/2010/main" val="2129636858"/>
       </p:ext>
     </p:extLst>
   </p:cSld>
   <p:clrMapOvr>
     <a:masterClrMapping/>
   </p:clrMapOvr>
-  <p:timing>
-    <p:tnLst>
-      <p:par>
-        <p:cTn id="1" dur="indefinite" restart="never" nodeType="tmRoot"/>
-      </p:par>
-    </p:tnLst>
-  </p:timing>
 </p:sld>
 </file>
 
@@ -5667,30 +6059,22 @@
           <a:lstStyle/>
           <a:p>
             <a:r>
-              <a:rPr lang="en-US" altLang="zh-CN" dirty="0" smtClean="0"/>
+              <a:rPr lang="en-US" altLang="zh-CN" dirty="0"/>
               <a:t>MIDI</a:t>
             </a:r>
             <a:r>
-              <a:rPr lang="zh-CN" altLang="en-US" dirty="0" smtClean="0"/>
+              <a:rPr lang="zh-CN" altLang="en-US" dirty="0"/>
               <a:t>文件的生成方式</a:t>
             </a:r>
-            <a:r>
-              <a:rPr lang="en-US" altLang="zh-CN" dirty="0" smtClean="0"/>
-              <a:t/>
-            </a:r>
             <a:br>
-              <a:rPr lang="en-US" altLang="zh-CN" dirty="0" smtClean="0"/>
+              <a:rPr lang="en-US" altLang="zh-CN" dirty="0"/>
             </a:br>
             <a:r>
-              <a:rPr lang="zh-CN" altLang="en-US" sz="2000" dirty="0" smtClean="0"/>
-              <a:t>专用</a:t>
-            </a:r>
-            <a:r>
-              <a:rPr lang="zh-CN" altLang="en-US" sz="2000" dirty="0" smtClean="0"/>
-              <a:t>软件生成：</a:t>
-            </a:r>
-            <a:r>
-              <a:rPr lang="en-US" altLang="zh-CN" sz="2000" dirty="0" err="1" smtClean="0"/>
+              <a:rPr lang="zh-CN" altLang="en-US" sz="2000" dirty="0"/>
+              <a:t>专用软件生成：</a:t>
+            </a:r>
+            <a:r>
+              <a:rPr lang="en-US" altLang="zh-CN" sz="2000" dirty="0" err="1"/>
               <a:t>MidiEditor</a:t>
             </a:r>
             <a:endParaRPr lang="en-US" dirty="0"/>
@@ -5718,11 +6102,11 @@
           <a:lstStyle/>
           <a:p>
             <a:r>
-              <a:rPr lang="en-US" altLang="zh-CN" dirty="0" err="1" smtClean="0"/>
+              <a:rPr lang="en-US" altLang="zh-CN" dirty="0" err="1"/>
               <a:t>MidiEditor</a:t>
             </a:r>
             <a:r>
-              <a:rPr lang="zh-CN" altLang="en-US" dirty="0" smtClean="0"/>
+              <a:rPr lang="zh-CN" altLang="en-US" dirty="0"/>
               <a:t>演示</a:t>
             </a:r>
             <a:endParaRPr lang="en-US" dirty="0"/>
@@ -5769,13 +6153,6 @@
   <p:clrMapOvr>
     <a:masterClrMapping/>
   </p:clrMapOvr>
-  <p:timing>
-    <p:tnLst>
-      <p:par>
-        <p:cTn id="1" dur="indefinite" restart="never" nodeType="tmRoot"/>
-      </p:par>
-    </p:tnLst>
-  </p:timing>
 </p:sld>
 </file>
 

--- a/midi/docs/ppt/midi_introduction.pptx
+++ b/midi/docs/ppt/midi_introduction.pptx
@@ -3,25 +3,27 @@
 <p:presentation xmlns:a="http://schemas.openxmlformats.org/drawingml/2006/main" xmlns:r="http://schemas.openxmlformats.org/officeDocument/2006/relationships" xmlns:p="http://schemas.openxmlformats.org/presentationml/2006/main" saveSubsetFonts="1" autoCompressPictures="0">
   <p:sldMasterIdLst>
     <p:sldMasterId id="2147483648" r:id="rId1"/>
+    <p:sldMasterId id="2147483660" r:id="rId2"/>
   </p:sldMasterIdLst>
   <p:notesMasterIdLst>
-    <p:notesMasterId r:id="rId16"/>
+    <p:notesMasterId r:id="rId18"/>
   </p:notesMasterIdLst>
   <p:sldIdLst>
-    <p:sldId id="269" r:id="rId2"/>
-    <p:sldId id="267" r:id="rId3"/>
-    <p:sldId id="256" r:id="rId4"/>
-    <p:sldId id="259" r:id="rId5"/>
-    <p:sldId id="260" r:id="rId6"/>
-    <p:sldId id="270" r:id="rId7"/>
-    <p:sldId id="257" r:id="rId8"/>
-    <p:sldId id="258" r:id="rId9"/>
-    <p:sldId id="264" r:id="rId10"/>
-    <p:sldId id="262" r:id="rId11"/>
-    <p:sldId id="263" r:id="rId12"/>
-    <p:sldId id="265" r:id="rId13"/>
-    <p:sldId id="268" r:id="rId14"/>
-    <p:sldId id="266" r:id="rId15"/>
+    <p:sldId id="269" r:id="rId3"/>
+    <p:sldId id="267" r:id="rId4"/>
+    <p:sldId id="256" r:id="rId5"/>
+    <p:sldId id="259" r:id="rId6"/>
+    <p:sldId id="260" r:id="rId7"/>
+    <p:sldId id="270" r:id="rId8"/>
+    <p:sldId id="257" r:id="rId9"/>
+    <p:sldId id="258" r:id="rId10"/>
+    <p:sldId id="264" r:id="rId11"/>
+    <p:sldId id="262" r:id="rId12"/>
+    <p:sldId id="263" r:id="rId13"/>
+    <p:sldId id="265" r:id="rId14"/>
+    <p:sldId id="268" r:id="rId15"/>
+    <p:sldId id="266" r:id="rId16"/>
+    <p:sldId id="271" r:id="rId17"/>
   </p:sldIdLst>
   <p:sldSz cx="12192000" cy="6858000"/>
   <p:notesSz cx="6858000" cy="9144000"/>
@@ -210,7 +212,7 @@
           <a:p>
             <a:fld id="{D7784A50-9160-B84C-B0CB-8955694334D3}" type="datetimeFigureOut">
               <a:rPr lang="en-US" smtClean="0"/>
-              <a:t>10/13/2018</a:t>
+              <a:t>10/15/18</a:t>
             </a:fld>
             <a:endParaRPr lang="en-US"/>
           </a:p>
@@ -957,7 +959,7 @@
           <a:p>
             <a:fld id="{1C8920E0-4DA1-524E-AA5F-72FF81381A76}" type="datetimeFigureOut">
               <a:rPr lang="en-US" smtClean="0"/>
-              <a:t>10/13/2018</a:t>
+              <a:t>10/15/18</a:t>
             </a:fld>
             <a:endParaRPr lang="en-US"/>
           </a:p>
@@ -1125,7 +1127,7 @@
           <a:p>
             <a:fld id="{1C8920E0-4DA1-524E-AA5F-72FF81381A76}" type="datetimeFigureOut">
               <a:rPr lang="en-US" smtClean="0"/>
-              <a:t>10/13/2018</a:t>
+              <a:t>10/15/18</a:t>
             </a:fld>
             <a:endParaRPr lang="en-US"/>
           </a:p>
@@ -1303,7 +1305,7 @@
           <a:p>
             <a:fld id="{1C8920E0-4DA1-524E-AA5F-72FF81381A76}" type="datetimeFigureOut">
               <a:rPr lang="en-US" smtClean="0"/>
-              <a:t>10/13/2018</a:t>
+              <a:t>10/15/18</a:t>
             </a:fld>
             <a:endParaRPr lang="en-US"/>
           </a:p>
@@ -1355,6 +1357,1703 @@
     <p:extLst>
       <p:ext uri="{BB962C8B-B14F-4D97-AF65-F5344CB8AC3E}">
         <p14:creationId xmlns:p14="http://schemas.microsoft.com/office/powerpoint/2010/main" val="1994066493"/>
+      </p:ext>
+    </p:extLst>
+  </p:cSld>
+  <p:clrMapOvr>
+    <a:masterClrMapping/>
+  </p:clrMapOvr>
+</p:sldLayout>
+</file>
+
+<file path=ppt/slideLayouts/slideLayout12.xml><?xml version="1.0" encoding="utf-8"?>
+<p:sldLayout xmlns:a="http://schemas.openxmlformats.org/drawingml/2006/main" xmlns:r="http://schemas.openxmlformats.org/officeDocument/2006/relationships" xmlns:p="http://schemas.openxmlformats.org/presentationml/2006/main" type="title" preserve="1">
+  <p:cSld name="Title Slide">
+    <p:spTree>
+      <p:nvGrpSpPr>
+        <p:cNvPr id="1" name=""/>
+        <p:cNvGrpSpPr/>
+        <p:nvPr/>
+      </p:nvGrpSpPr>
+      <p:grpSpPr>
+        <a:xfrm>
+          <a:off x="0" y="0"/>
+          <a:ext cx="0" cy="0"/>
+          <a:chOff x="0" y="0"/>
+          <a:chExt cx="0" cy="0"/>
+        </a:xfrm>
+      </p:grpSpPr>
+      <p:sp>
+        <p:nvSpPr>
+          <p:cNvPr id="2" name="Title 1"/>
+          <p:cNvSpPr>
+            <a:spLocks noGrp="1"/>
+          </p:cNvSpPr>
+          <p:nvPr>
+            <p:ph type="ctrTitle"/>
+          </p:nvPr>
+        </p:nvSpPr>
+        <p:spPr>
+          <a:xfrm>
+            <a:off x="1524000" y="1122363"/>
+            <a:ext cx="9144000" cy="2387600"/>
+          </a:xfrm>
+        </p:spPr>
+        <p:txBody>
+          <a:bodyPr anchor="b"/>
+          <a:lstStyle>
+            <a:lvl1pPr algn="ctr">
+              <a:defRPr sz="6000"/>
+            </a:lvl1pPr>
+          </a:lstStyle>
+          <a:p>
+            <a:r>
+              <a:rPr lang="en-US" smtClean="0"/>
+              <a:t>Click to edit Master title style</a:t>
+            </a:r>
+            <a:endParaRPr lang="en-US"/>
+          </a:p>
+        </p:txBody>
+      </p:sp>
+      <p:sp>
+        <p:nvSpPr>
+          <p:cNvPr id="3" name="Subtitle 2"/>
+          <p:cNvSpPr>
+            <a:spLocks noGrp="1"/>
+          </p:cNvSpPr>
+          <p:nvPr>
+            <p:ph type="subTitle" idx="1"/>
+          </p:nvPr>
+        </p:nvSpPr>
+        <p:spPr>
+          <a:xfrm>
+            <a:off x="1524000" y="3602038"/>
+            <a:ext cx="9144000" cy="1655762"/>
+          </a:xfrm>
+        </p:spPr>
+        <p:txBody>
+          <a:bodyPr/>
+          <a:lstStyle>
+            <a:lvl1pPr marL="0" indent="0" algn="ctr">
+              <a:buNone/>
+              <a:defRPr sz="2400"/>
+            </a:lvl1pPr>
+            <a:lvl2pPr marL="457200" indent="0" algn="ctr">
+              <a:buNone/>
+              <a:defRPr sz="2000"/>
+            </a:lvl2pPr>
+            <a:lvl3pPr marL="914400" indent="0" algn="ctr">
+              <a:buNone/>
+              <a:defRPr sz="1800"/>
+            </a:lvl3pPr>
+            <a:lvl4pPr marL="1371600" indent="0" algn="ctr">
+              <a:buNone/>
+              <a:defRPr sz="1600"/>
+            </a:lvl4pPr>
+            <a:lvl5pPr marL="1828800" indent="0" algn="ctr">
+              <a:buNone/>
+              <a:defRPr sz="1600"/>
+            </a:lvl5pPr>
+            <a:lvl6pPr marL="2286000" indent="0" algn="ctr">
+              <a:buNone/>
+              <a:defRPr sz="1600"/>
+            </a:lvl6pPr>
+            <a:lvl7pPr marL="2743200" indent="0" algn="ctr">
+              <a:buNone/>
+              <a:defRPr sz="1600"/>
+            </a:lvl7pPr>
+            <a:lvl8pPr marL="3200400" indent="0" algn="ctr">
+              <a:buNone/>
+              <a:defRPr sz="1600"/>
+            </a:lvl8pPr>
+            <a:lvl9pPr marL="3657600" indent="0" algn="ctr">
+              <a:buNone/>
+              <a:defRPr sz="1600"/>
+            </a:lvl9pPr>
+          </a:lstStyle>
+          <a:p>
+            <a:r>
+              <a:rPr lang="en-US" smtClean="0"/>
+              <a:t>Click to edit Master subtitle style</a:t>
+            </a:r>
+            <a:endParaRPr lang="en-US"/>
+          </a:p>
+        </p:txBody>
+      </p:sp>
+      <p:sp>
+        <p:nvSpPr>
+          <p:cNvPr id="4" name="Date Placeholder 3"/>
+          <p:cNvSpPr>
+            <a:spLocks noGrp="1"/>
+          </p:cNvSpPr>
+          <p:nvPr>
+            <p:ph type="dt" sz="half" idx="10"/>
+          </p:nvPr>
+        </p:nvSpPr>
+        <p:spPr/>
+        <p:txBody>
+          <a:bodyPr/>
+          <a:lstStyle/>
+          <a:p>
+            <a:fld id="{A93B2EAE-6EFD-8F4C-9604-62E60F56DC96}" type="datetimeFigureOut">
+              <a:rPr lang="en-US" smtClean="0"/>
+              <a:t>10/15/18</a:t>
+            </a:fld>
+            <a:endParaRPr lang="en-US"/>
+          </a:p>
+        </p:txBody>
+      </p:sp>
+      <p:sp>
+        <p:nvSpPr>
+          <p:cNvPr id="5" name="Footer Placeholder 4"/>
+          <p:cNvSpPr>
+            <a:spLocks noGrp="1"/>
+          </p:cNvSpPr>
+          <p:nvPr>
+            <p:ph type="ftr" sz="quarter" idx="11"/>
+          </p:nvPr>
+        </p:nvSpPr>
+        <p:spPr/>
+        <p:txBody>
+          <a:bodyPr/>
+          <a:lstStyle/>
+          <a:p>
+            <a:endParaRPr lang="en-US"/>
+          </a:p>
+        </p:txBody>
+      </p:sp>
+      <p:sp>
+        <p:nvSpPr>
+          <p:cNvPr id="6" name="Slide Number Placeholder 5"/>
+          <p:cNvSpPr>
+            <a:spLocks noGrp="1"/>
+          </p:cNvSpPr>
+          <p:nvPr>
+            <p:ph type="sldNum" sz="quarter" idx="12"/>
+          </p:nvPr>
+        </p:nvSpPr>
+        <p:spPr/>
+        <p:txBody>
+          <a:bodyPr/>
+          <a:lstStyle/>
+          <a:p>
+            <a:fld id="{4F7200E7-8FB2-224D-8D66-20AA921352D7}" type="slidenum">
+              <a:rPr lang="en-US" smtClean="0"/>
+              <a:t>‹#›</a:t>
+            </a:fld>
+            <a:endParaRPr lang="en-US"/>
+          </a:p>
+        </p:txBody>
+      </p:sp>
+    </p:spTree>
+    <p:extLst>
+      <p:ext uri="{BB962C8B-B14F-4D97-AF65-F5344CB8AC3E}">
+        <p14:creationId xmlns:p14="http://schemas.microsoft.com/office/powerpoint/2010/main" val="490626492"/>
+      </p:ext>
+    </p:extLst>
+  </p:cSld>
+  <p:clrMapOvr>
+    <a:masterClrMapping/>
+  </p:clrMapOvr>
+</p:sldLayout>
+</file>
+
+<file path=ppt/slideLayouts/slideLayout13.xml><?xml version="1.0" encoding="utf-8"?>
+<p:sldLayout xmlns:a="http://schemas.openxmlformats.org/drawingml/2006/main" xmlns:r="http://schemas.openxmlformats.org/officeDocument/2006/relationships" xmlns:p="http://schemas.openxmlformats.org/presentationml/2006/main" type="obj" preserve="1">
+  <p:cSld name="Title and Content">
+    <p:spTree>
+      <p:nvGrpSpPr>
+        <p:cNvPr id="1" name=""/>
+        <p:cNvGrpSpPr/>
+        <p:nvPr/>
+      </p:nvGrpSpPr>
+      <p:grpSpPr>
+        <a:xfrm>
+          <a:off x="0" y="0"/>
+          <a:ext cx="0" cy="0"/>
+          <a:chOff x="0" y="0"/>
+          <a:chExt cx="0" cy="0"/>
+        </a:xfrm>
+      </p:grpSpPr>
+      <p:sp>
+        <p:nvSpPr>
+          <p:cNvPr id="2" name="Title 1"/>
+          <p:cNvSpPr>
+            <a:spLocks noGrp="1"/>
+          </p:cNvSpPr>
+          <p:nvPr>
+            <p:ph type="title"/>
+          </p:nvPr>
+        </p:nvSpPr>
+        <p:spPr/>
+        <p:txBody>
+          <a:bodyPr/>
+          <a:lstStyle/>
+          <a:p>
+            <a:r>
+              <a:rPr lang="en-US" smtClean="0"/>
+              <a:t>Click to edit Master title style</a:t>
+            </a:r>
+            <a:endParaRPr lang="en-US"/>
+          </a:p>
+        </p:txBody>
+      </p:sp>
+      <p:sp>
+        <p:nvSpPr>
+          <p:cNvPr id="3" name="Content Placeholder 2"/>
+          <p:cNvSpPr>
+            <a:spLocks noGrp="1"/>
+          </p:cNvSpPr>
+          <p:nvPr>
+            <p:ph idx="1"/>
+          </p:nvPr>
+        </p:nvSpPr>
+        <p:spPr/>
+        <p:txBody>
+          <a:bodyPr/>
+          <a:lstStyle/>
+          <a:p>
+            <a:pPr lvl="0"/>
+            <a:r>
+              <a:rPr lang="en-US" smtClean="0"/>
+              <a:t>Click to edit Master text styles</a:t>
+            </a:r>
+          </a:p>
+          <a:p>
+            <a:pPr lvl="1"/>
+            <a:r>
+              <a:rPr lang="en-US" smtClean="0"/>
+              <a:t>Second level</a:t>
+            </a:r>
+          </a:p>
+          <a:p>
+            <a:pPr lvl="2"/>
+            <a:r>
+              <a:rPr lang="en-US" smtClean="0"/>
+              <a:t>Third level</a:t>
+            </a:r>
+          </a:p>
+          <a:p>
+            <a:pPr lvl="3"/>
+            <a:r>
+              <a:rPr lang="en-US" smtClean="0"/>
+              <a:t>Fourth level</a:t>
+            </a:r>
+          </a:p>
+          <a:p>
+            <a:pPr lvl="4"/>
+            <a:r>
+              <a:rPr lang="en-US" smtClean="0"/>
+              <a:t>Fifth level</a:t>
+            </a:r>
+            <a:endParaRPr lang="en-US"/>
+          </a:p>
+        </p:txBody>
+      </p:sp>
+      <p:sp>
+        <p:nvSpPr>
+          <p:cNvPr id="4" name="Date Placeholder 3"/>
+          <p:cNvSpPr>
+            <a:spLocks noGrp="1"/>
+          </p:cNvSpPr>
+          <p:nvPr>
+            <p:ph type="dt" sz="half" idx="10"/>
+          </p:nvPr>
+        </p:nvSpPr>
+        <p:spPr/>
+        <p:txBody>
+          <a:bodyPr/>
+          <a:lstStyle/>
+          <a:p>
+            <a:fld id="{A93B2EAE-6EFD-8F4C-9604-62E60F56DC96}" type="datetimeFigureOut">
+              <a:rPr lang="en-US" smtClean="0"/>
+              <a:t>10/15/18</a:t>
+            </a:fld>
+            <a:endParaRPr lang="en-US"/>
+          </a:p>
+        </p:txBody>
+      </p:sp>
+      <p:sp>
+        <p:nvSpPr>
+          <p:cNvPr id="5" name="Footer Placeholder 4"/>
+          <p:cNvSpPr>
+            <a:spLocks noGrp="1"/>
+          </p:cNvSpPr>
+          <p:nvPr>
+            <p:ph type="ftr" sz="quarter" idx="11"/>
+          </p:nvPr>
+        </p:nvSpPr>
+        <p:spPr/>
+        <p:txBody>
+          <a:bodyPr/>
+          <a:lstStyle/>
+          <a:p>
+            <a:endParaRPr lang="en-US"/>
+          </a:p>
+        </p:txBody>
+      </p:sp>
+      <p:sp>
+        <p:nvSpPr>
+          <p:cNvPr id="6" name="Slide Number Placeholder 5"/>
+          <p:cNvSpPr>
+            <a:spLocks noGrp="1"/>
+          </p:cNvSpPr>
+          <p:nvPr>
+            <p:ph type="sldNum" sz="quarter" idx="12"/>
+          </p:nvPr>
+        </p:nvSpPr>
+        <p:spPr/>
+        <p:txBody>
+          <a:bodyPr/>
+          <a:lstStyle/>
+          <a:p>
+            <a:fld id="{4F7200E7-8FB2-224D-8D66-20AA921352D7}" type="slidenum">
+              <a:rPr lang="en-US" smtClean="0"/>
+              <a:t>‹#›</a:t>
+            </a:fld>
+            <a:endParaRPr lang="en-US"/>
+          </a:p>
+        </p:txBody>
+      </p:sp>
+    </p:spTree>
+    <p:extLst>
+      <p:ext uri="{BB962C8B-B14F-4D97-AF65-F5344CB8AC3E}">
+        <p14:creationId xmlns:p14="http://schemas.microsoft.com/office/powerpoint/2010/main" val="1769730211"/>
+      </p:ext>
+    </p:extLst>
+  </p:cSld>
+  <p:clrMapOvr>
+    <a:masterClrMapping/>
+  </p:clrMapOvr>
+</p:sldLayout>
+</file>
+
+<file path=ppt/slideLayouts/slideLayout14.xml><?xml version="1.0" encoding="utf-8"?>
+<p:sldLayout xmlns:a="http://schemas.openxmlformats.org/drawingml/2006/main" xmlns:r="http://schemas.openxmlformats.org/officeDocument/2006/relationships" xmlns:p="http://schemas.openxmlformats.org/presentationml/2006/main" type="secHead" preserve="1">
+  <p:cSld name="Section Header">
+    <p:spTree>
+      <p:nvGrpSpPr>
+        <p:cNvPr id="1" name=""/>
+        <p:cNvGrpSpPr/>
+        <p:nvPr/>
+      </p:nvGrpSpPr>
+      <p:grpSpPr>
+        <a:xfrm>
+          <a:off x="0" y="0"/>
+          <a:ext cx="0" cy="0"/>
+          <a:chOff x="0" y="0"/>
+          <a:chExt cx="0" cy="0"/>
+        </a:xfrm>
+      </p:grpSpPr>
+      <p:sp>
+        <p:nvSpPr>
+          <p:cNvPr id="2" name="Title 1"/>
+          <p:cNvSpPr>
+            <a:spLocks noGrp="1"/>
+          </p:cNvSpPr>
+          <p:nvPr>
+            <p:ph type="title"/>
+          </p:nvPr>
+        </p:nvSpPr>
+        <p:spPr>
+          <a:xfrm>
+            <a:off x="831850" y="1709738"/>
+            <a:ext cx="10515600" cy="2852737"/>
+          </a:xfrm>
+        </p:spPr>
+        <p:txBody>
+          <a:bodyPr anchor="b"/>
+          <a:lstStyle>
+            <a:lvl1pPr>
+              <a:defRPr sz="6000"/>
+            </a:lvl1pPr>
+          </a:lstStyle>
+          <a:p>
+            <a:r>
+              <a:rPr lang="en-US" smtClean="0"/>
+              <a:t>Click to edit Master title style</a:t>
+            </a:r>
+            <a:endParaRPr lang="en-US"/>
+          </a:p>
+        </p:txBody>
+      </p:sp>
+      <p:sp>
+        <p:nvSpPr>
+          <p:cNvPr id="3" name="Text Placeholder 2"/>
+          <p:cNvSpPr>
+            <a:spLocks noGrp="1"/>
+          </p:cNvSpPr>
+          <p:nvPr>
+            <p:ph type="body" idx="1"/>
+          </p:nvPr>
+        </p:nvSpPr>
+        <p:spPr>
+          <a:xfrm>
+            <a:off x="831850" y="4589463"/>
+            <a:ext cx="10515600" cy="1500187"/>
+          </a:xfrm>
+        </p:spPr>
+        <p:txBody>
+          <a:bodyPr/>
+          <a:lstStyle>
+            <a:lvl1pPr marL="0" indent="0">
+              <a:buNone/>
+              <a:defRPr sz="2400">
+                <a:solidFill>
+                  <a:schemeClr val="tx1">
+                    <a:tint val="75000"/>
+                  </a:schemeClr>
+                </a:solidFill>
+              </a:defRPr>
+            </a:lvl1pPr>
+            <a:lvl2pPr marL="457200" indent="0">
+              <a:buNone/>
+              <a:defRPr sz="2000">
+                <a:solidFill>
+                  <a:schemeClr val="tx1">
+                    <a:tint val="75000"/>
+                  </a:schemeClr>
+                </a:solidFill>
+              </a:defRPr>
+            </a:lvl2pPr>
+            <a:lvl3pPr marL="914400" indent="0">
+              <a:buNone/>
+              <a:defRPr sz="1800">
+                <a:solidFill>
+                  <a:schemeClr val="tx1">
+                    <a:tint val="75000"/>
+                  </a:schemeClr>
+                </a:solidFill>
+              </a:defRPr>
+            </a:lvl3pPr>
+            <a:lvl4pPr marL="1371600" indent="0">
+              <a:buNone/>
+              <a:defRPr sz="1600">
+                <a:solidFill>
+                  <a:schemeClr val="tx1">
+                    <a:tint val="75000"/>
+                  </a:schemeClr>
+                </a:solidFill>
+              </a:defRPr>
+            </a:lvl4pPr>
+            <a:lvl5pPr marL="1828800" indent="0">
+              <a:buNone/>
+              <a:defRPr sz="1600">
+                <a:solidFill>
+                  <a:schemeClr val="tx1">
+                    <a:tint val="75000"/>
+                  </a:schemeClr>
+                </a:solidFill>
+              </a:defRPr>
+            </a:lvl5pPr>
+            <a:lvl6pPr marL="2286000" indent="0">
+              <a:buNone/>
+              <a:defRPr sz="1600">
+                <a:solidFill>
+                  <a:schemeClr val="tx1">
+                    <a:tint val="75000"/>
+                  </a:schemeClr>
+                </a:solidFill>
+              </a:defRPr>
+            </a:lvl6pPr>
+            <a:lvl7pPr marL="2743200" indent="0">
+              <a:buNone/>
+              <a:defRPr sz="1600">
+                <a:solidFill>
+                  <a:schemeClr val="tx1">
+                    <a:tint val="75000"/>
+                  </a:schemeClr>
+                </a:solidFill>
+              </a:defRPr>
+            </a:lvl7pPr>
+            <a:lvl8pPr marL="3200400" indent="0">
+              <a:buNone/>
+              <a:defRPr sz="1600">
+                <a:solidFill>
+                  <a:schemeClr val="tx1">
+                    <a:tint val="75000"/>
+                  </a:schemeClr>
+                </a:solidFill>
+              </a:defRPr>
+            </a:lvl8pPr>
+            <a:lvl9pPr marL="3657600" indent="0">
+              <a:buNone/>
+              <a:defRPr sz="1600">
+                <a:solidFill>
+                  <a:schemeClr val="tx1">
+                    <a:tint val="75000"/>
+                  </a:schemeClr>
+                </a:solidFill>
+              </a:defRPr>
+            </a:lvl9pPr>
+          </a:lstStyle>
+          <a:p>
+            <a:pPr lvl="0"/>
+            <a:r>
+              <a:rPr lang="en-US" smtClean="0"/>
+              <a:t>Click to edit Master text styles</a:t>
+            </a:r>
+          </a:p>
+        </p:txBody>
+      </p:sp>
+      <p:sp>
+        <p:nvSpPr>
+          <p:cNvPr id="4" name="Date Placeholder 3"/>
+          <p:cNvSpPr>
+            <a:spLocks noGrp="1"/>
+          </p:cNvSpPr>
+          <p:nvPr>
+            <p:ph type="dt" sz="half" idx="10"/>
+          </p:nvPr>
+        </p:nvSpPr>
+        <p:spPr/>
+        <p:txBody>
+          <a:bodyPr/>
+          <a:lstStyle/>
+          <a:p>
+            <a:fld id="{A93B2EAE-6EFD-8F4C-9604-62E60F56DC96}" type="datetimeFigureOut">
+              <a:rPr lang="en-US" smtClean="0"/>
+              <a:t>10/15/18</a:t>
+            </a:fld>
+            <a:endParaRPr lang="en-US"/>
+          </a:p>
+        </p:txBody>
+      </p:sp>
+      <p:sp>
+        <p:nvSpPr>
+          <p:cNvPr id="5" name="Footer Placeholder 4"/>
+          <p:cNvSpPr>
+            <a:spLocks noGrp="1"/>
+          </p:cNvSpPr>
+          <p:nvPr>
+            <p:ph type="ftr" sz="quarter" idx="11"/>
+          </p:nvPr>
+        </p:nvSpPr>
+        <p:spPr/>
+        <p:txBody>
+          <a:bodyPr/>
+          <a:lstStyle/>
+          <a:p>
+            <a:endParaRPr lang="en-US"/>
+          </a:p>
+        </p:txBody>
+      </p:sp>
+      <p:sp>
+        <p:nvSpPr>
+          <p:cNvPr id="6" name="Slide Number Placeholder 5"/>
+          <p:cNvSpPr>
+            <a:spLocks noGrp="1"/>
+          </p:cNvSpPr>
+          <p:nvPr>
+            <p:ph type="sldNum" sz="quarter" idx="12"/>
+          </p:nvPr>
+        </p:nvSpPr>
+        <p:spPr/>
+        <p:txBody>
+          <a:bodyPr/>
+          <a:lstStyle/>
+          <a:p>
+            <a:fld id="{4F7200E7-8FB2-224D-8D66-20AA921352D7}" type="slidenum">
+              <a:rPr lang="en-US" smtClean="0"/>
+              <a:t>‹#›</a:t>
+            </a:fld>
+            <a:endParaRPr lang="en-US"/>
+          </a:p>
+        </p:txBody>
+      </p:sp>
+    </p:spTree>
+    <p:extLst>
+      <p:ext uri="{BB962C8B-B14F-4D97-AF65-F5344CB8AC3E}">
+        <p14:creationId xmlns:p14="http://schemas.microsoft.com/office/powerpoint/2010/main" val="1207145327"/>
+      </p:ext>
+    </p:extLst>
+  </p:cSld>
+  <p:clrMapOvr>
+    <a:masterClrMapping/>
+  </p:clrMapOvr>
+</p:sldLayout>
+</file>
+
+<file path=ppt/slideLayouts/slideLayout15.xml><?xml version="1.0" encoding="utf-8"?>
+<p:sldLayout xmlns:a="http://schemas.openxmlformats.org/drawingml/2006/main" xmlns:r="http://schemas.openxmlformats.org/officeDocument/2006/relationships" xmlns:p="http://schemas.openxmlformats.org/presentationml/2006/main" type="twoObj" preserve="1">
+  <p:cSld name="Two Content">
+    <p:spTree>
+      <p:nvGrpSpPr>
+        <p:cNvPr id="1" name=""/>
+        <p:cNvGrpSpPr/>
+        <p:nvPr/>
+      </p:nvGrpSpPr>
+      <p:grpSpPr>
+        <a:xfrm>
+          <a:off x="0" y="0"/>
+          <a:ext cx="0" cy="0"/>
+          <a:chOff x="0" y="0"/>
+          <a:chExt cx="0" cy="0"/>
+        </a:xfrm>
+      </p:grpSpPr>
+      <p:sp>
+        <p:nvSpPr>
+          <p:cNvPr id="2" name="Title 1"/>
+          <p:cNvSpPr>
+            <a:spLocks noGrp="1"/>
+          </p:cNvSpPr>
+          <p:nvPr>
+            <p:ph type="title"/>
+          </p:nvPr>
+        </p:nvSpPr>
+        <p:spPr/>
+        <p:txBody>
+          <a:bodyPr/>
+          <a:lstStyle/>
+          <a:p>
+            <a:r>
+              <a:rPr lang="en-US" smtClean="0"/>
+              <a:t>Click to edit Master title style</a:t>
+            </a:r>
+            <a:endParaRPr lang="en-US"/>
+          </a:p>
+        </p:txBody>
+      </p:sp>
+      <p:sp>
+        <p:nvSpPr>
+          <p:cNvPr id="3" name="Content Placeholder 2"/>
+          <p:cNvSpPr>
+            <a:spLocks noGrp="1"/>
+          </p:cNvSpPr>
+          <p:nvPr>
+            <p:ph sz="half" idx="1"/>
+          </p:nvPr>
+        </p:nvSpPr>
+        <p:spPr>
+          <a:xfrm>
+            <a:off x="838200" y="1825625"/>
+            <a:ext cx="5181600" cy="4351338"/>
+          </a:xfrm>
+        </p:spPr>
+        <p:txBody>
+          <a:bodyPr/>
+          <a:lstStyle/>
+          <a:p>
+            <a:pPr lvl="0"/>
+            <a:r>
+              <a:rPr lang="en-US" smtClean="0"/>
+              <a:t>Click to edit Master text styles</a:t>
+            </a:r>
+          </a:p>
+          <a:p>
+            <a:pPr lvl="1"/>
+            <a:r>
+              <a:rPr lang="en-US" smtClean="0"/>
+              <a:t>Second level</a:t>
+            </a:r>
+          </a:p>
+          <a:p>
+            <a:pPr lvl="2"/>
+            <a:r>
+              <a:rPr lang="en-US" smtClean="0"/>
+              <a:t>Third level</a:t>
+            </a:r>
+          </a:p>
+          <a:p>
+            <a:pPr lvl="3"/>
+            <a:r>
+              <a:rPr lang="en-US" smtClean="0"/>
+              <a:t>Fourth level</a:t>
+            </a:r>
+          </a:p>
+          <a:p>
+            <a:pPr lvl="4"/>
+            <a:r>
+              <a:rPr lang="en-US" smtClean="0"/>
+              <a:t>Fifth level</a:t>
+            </a:r>
+            <a:endParaRPr lang="en-US"/>
+          </a:p>
+        </p:txBody>
+      </p:sp>
+      <p:sp>
+        <p:nvSpPr>
+          <p:cNvPr id="4" name="Content Placeholder 3"/>
+          <p:cNvSpPr>
+            <a:spLocks noGrp="1"/>
+          </p:cNvSpPr>
+          <p:nvPr>
+            <p:ph sz="half" idx="2"/>
+          </p:nvPr>
+        </p:nvSpPr>
+        <p:spPr>
+          <a:xfrm>
+            <a:off x="6172200" y="1825625"/>
+            <a:ext cx="5181600" cy="4351338"/>
+          </a:xfrm>
+        </p:spPr>
+        <p:txBody>
+          <a:bodyPr/>
+          <a:lstStyle/>
+          <a:p>
+            <a:pPr lvl="0"/>
+            <a:r>
+              <a:rPr lang="en-US" smtClean="0"/>
+              <a:t>Click to edit Master text styles</a:t>
+            </a:r>
+          </a:p>
+          <a:p>
+            <a:pPr lvl="1"/>
+            <a:r>
+              <a:rPr lang="en-US" smtClean="0"/>
+              <a:t>Second level</a:t>
+            </a:r>
+          </a:p>
+          <a:p>
+            <a:pPr lvl="2"/>
+            <a:r>
+              <a:rPr lang="en-US" smtClean="0"/>
+              <a:t>Third level</a:t>
+            </a:r>
+          </a:p>
+          <a:p>
+            <a:pPr lvl="3"/>
+            <a:r>
+              <a:rPr lang="en-US" smtClean="0"/>
+              <a:t>Fourth level</a:t>
+            </a:r>
+          </a:p>
+          <a:p>
+            <a:pPr lvl="4"/>
+            <a:r>
+              <a:rPr lang="en-US" smtClean="0"/>
+              <a:t>Fifth level</a:t>
+            </a:r>
+            <a:endParaRPr lang="en-US"/>
+          </a:p>
+        </p:txBody>
+      </p:sp>
+      <p:sp>
+        <p:nvSpPr>
+          <p:cNvPr id="5" name="Date Placeholder 4"/>
+          <p:cNvSpPr>
+            <a:spLocks noGrp="1"/>
+          </p:cNvSpPr>
+          <p:nvPr>
+            <p:ph type="dt" sz="half" idx="10"/>
+          </p:nvPr>
+        </p:nvSpPr>
+        <p:spPr/>
+        <p:txBody>
+          <a:bodyPr/>
+          <a:lstStyle/>
+          <a:p>
+            <a:fld id="{A93B2EAE-6EFD-8F4C-9604-62E60F56DC96}" type="datetimeFigureOut">
+              <a:rPr lang="en-US" smtClean="0"/>
+              <a:t>10/15/18</a:t>
+            </a:fld>
+            <a:endParaRPr lang="en-US"/>
+          </a:p>
+        </p:txBody>
+      </p:sp>
+      <p:sp>
+        <p:nvSpPr>
+          <p:cNvPr id="6" name="Footer Placeholder 5"/>
+          <p:cNvSpPr>
+            <a:spLocks noGrp="1"/>
+          </p:cNvSpPr>
+          <p:nvPr>
+            <p:ph type="ftr" sz="quarter" idx="11"/>
+          </p:nvPr>
+        </p:nvSpPr>
+        <p:spPr/>
+        <p:txBody>
+          <a:bodyPr/>
+          <a:lstStyle/>
+          <a:p>
+            <a:endParaRPr lang="en-US"/>
+          </a:p>
+        </p:txBody>
+      </p:sp>
+      <p:sp>
+        <p:nvSpPr>
+          <p:cNvPr id="7" name="Slide Number Placeholder 6"/>
+          <p:cNvSpPr>
+            <a:spLocks noGrp="1"/>
+          </p:cNvSpPr>
+          <p:nvPr>
+            <p:ph type="sldNum" sz="quarter" idx="12"/>
+          </p:nvPr>
+        </p:nvSpPr>
+        <p:spPr/>
+        <p:txBody>
+          <a:bodyPr/>
+          <a:lstStyle/>
+          <a:p>
+            <a:fld id="{4F7200E7-8FB2-224D-8D66-20AA921352D7}" type="slidenum">
+              <a:rPr lang="en-US" smtClean="0"/>
+              <a:t>‹#›</a:t>
+            </a:fld>
+            <a:endParaRPr lang="en-US"/>
+          </a:p>
+        </p:txBody>
+      </p:sp>
+    </p:spTree>
+    <p:extLst>
+      <p:ext uri="{BB962C8B-B14F-4D97-AF65-F5344CB8AC3E}">
+        <p14:creationId xmlns:p14="http://schemas.microsoft.com/office/powerpoint/2010/main" val="1213497680"/>
+      </p:ext>
+    </p:extLst>
+  </p:cSld>
+  <p:clrMapOvr>
+    <a:masterClrMapping/>
+  </p:clrMapOvr>
+</p:sldLayout>
+</file>
+
+<file path=ppt/slideLayouts/slideLayout16.xml><?xml version="1.0" encoding="utf-8"?>
+<p:sldLayout xmlns:a="http://schemas.openxmlformats.org/drawingml/2006/main" xmlns:r="http://schemas.openxmlformats.org/officeDocument/2006/relationships" xmlns:p="http://schemas.openxmlformats.org/presentationml/2006/main" type="twoTxTwoObj" preserve="1">
+  <p:cSld name="Comparison">
+    <p:spTree>
+      <p:nvGrpSpPr>
+        <p:cNvPr id="1" name=""/>
+        <p:cNvGrpSpPr/>
+        <p:nvPr/>
+      </p:nvGrpSpPr>
+      <p:grpSpPr>
+        <a:xfrm>
+          <a:off x="0" y="0"/>
+          <a:ext cx="0" cy="0"/>
+          <a:chOff x="0" y="0"/>
+          <a:chExt cx="0" cy="0"/>
+        </a:xfrm>
+      </p:grpSpPr>
+      <p:sp>
+        <p:nvSpPr>
+          <p:cNvPr id="2" name="Title 1"/>
+          <p:cNvSpPr>
+            <a:spLocks noGrp="1"/>
+          </p:cNvSpPr>
+          <p:nvPr>
+            <p:ph type="title"/>
+          </p:nvPr>
+        </p:nvSpPr>
+        <p:spPr>
+          <a:xfrm>
+            <a:off x="839788" y="365125"/>
+            <a:ext cx="10515600" cy="1325563"/>
+          </a:xfrm>
+        </p:spPr>
+        <p:txBody>
+          <a:bodyPr/>
+          <a:lstStyle/>
+          <a:p>
+            <a:r>
+              <a:rPr lang="en-US" smtClean="0"/>
+              <a:t>Click to edit Master title style</a:t>
+            </a:r>
+            <a:endParaRPr lang="en-US"/>
+          </a:p>
+        </p:txBody>
+      </p:sp>
+      <p:sp>
+        <p:nvSpPr>
+          <p:cNvPr id="3" name="Text Placeholder 2"/>
+          <p:cNvSpPr>
+            <a:spLocks noGrp="1"/>
+          </p:cNvSpPr>
+          <p:nvPr>
+            <p:ph type="body" idx="1"/>
+          </p:nvPr>
+        </p:nvSpPr>
+        <p:spPr>
+          <a:xfrm>
+            <a:off x="839788" y="1681163"/>
+            <a:ext cx="5157787" cy="823912"/>
+          </a:xfrm>
+        </p:spPr>
+        <p:txBody>
+          <a:bodyPr anchor="b"/>
+          <a:lstStyle>
+            <a:lvl1pPr marL="0" indent="0">
+              <a:buNone/>
+              <a:defRPr sz="2400" b="1"/>
+            </a:lvl1pPr>
+            <a:lvl2pPr marL="457200" indent="0">
+              <a:buNone/>
+              <a:defRPr sz="2000" b="1"/>
+            </a:lvl2pPr>
+            <a:lvl3pPr marL="914400" indent="0">
+              <a:buNone/>
+              <a:defRPr sz="1800" b="1"/>
+            </a:lvl3pPr>
+            <a:lvl4pPr marL="1371600" indent="0">
+              <a:buNone/>
+              <a:defRPr sz="1600" b="1"/>
+            </a:lvl4pPr>
+            <a:lvl5pPr marL="1828800" indent="0">
+              <a:buNone/>
+              <a:defRPr sz="1600" b="1"/>
+            </a:lvl5pPr>
+            <a:lvl6pPr marL="2286000" indent="0">
+              <a:buNone/>
+              <a:defRPr sz="1600" b="1"/>
+            </a:lvl6pPr>
+            <a:lvl7pPr marL="2743200" indent="0">
+              <a:buNone/>
+              <a:defRPr sz="1600" b="1"/>
+            </a:lvl7pPr>
+            <a:lvl8pPr marL="3200400" indent="0">
+              <a:buNone/>
+              <a:defRPr sz="1600" b="1"/>
+            </a:lvl8pPr>
+            <a:lvl9pPr marL="3657600" indent="0">
+              <a:buNone/>
+              <a:defRPr sz="1600" b="1"/>
+            </a:lvl9pPr>
+          </a:lstStyle>
+          <a:p>
+            <a:pPr lvl="0"/>
+            <a:r>
+              <a:rPr lang="en-US" smtClean="0"/>
+              <a:t>Click to edit Master text styles</a:t>
+            </a:r>
+          </a:p>
+        </p:txBody>
+      </p:sp>
+      <p:sp>
+        <p:nvSpPr>
+          <p:cNvPr id="4" name="Content Placeholder 3"/>
+          <p:cNvSpPr>
+            <a:spLocks noGrp="1"/>
+          </p:cNvSpPr>
+          <p:nvPr>
+            <p:ph sz="half" idx="2"/>
+          </p:nvPr>
+        </p:nvSpPr>
+        <p:spPr>
+          <a:xfrm>
+            <a:off x="839788" y="2505075"/>
+            <a:ext cx="5157787" cy="3684588"/>
+          </a:xfrm>
+        </p:spPr>
+        <p:txBody>
+          <a:bodyPr/>
+          <a:lstStyle/>
+          <a:p>
+            <a:pPr lvl="0"/>
+            <a:r>
+              <a:rPr lang="en-US" smtClean="0"/>
+              <a:t>Click to edit Master text styles</a:t>
+            </a:r>
+          </a:p>
+          <a:p>
+            <a:pPr lvl="1"/>
+            <a:r>
+              <a:rPr lang="en-US" smtClean="0"/>
+              <a:t>Second level</a:t>
+            </a:r>
+          </a:p>
+          <a:p>
+            <a:pPr lvl="2"/>
+            <a:r>
+              <a:rPr lang="en-US" smtClean="0"/>
+              <a:t>Third level</a:t>
+            </a:r>
+          </a:p>
+          <a:p>
+            <a:pPr lvl="3"/>
+            <a:r>
+              <a:rPr lang="en-US" smtClean="0"/>
+              <a:t>Fourth level</a:t>
+            </a:r>
+          </a:p>
+          <a:p>
+            <a:pPr lvl="4"/>
+            <a:r>
+              <a:rPr lang="en-US" smtClean="0"/>
+              <a:t>Fifth level</a:t>
+            </a:r>
+            <a:endParaRPr lang="en-US"/>
+          </a:p>
+        </p:txBody>
+      </p:sp>
+      <p:sp>
+        <p:nvSpPr>
+          <p:cNvPr id="5" name="Text Placeholder 4"/>
+          <p:cNvSpPr>
+            <a:spLocks noGrp="1"/>
+          </p:cNvSpPr>
+          <p:nvPr>
+            <p:ph type="body" sz="quarter" idx="3"/>
+          </p:nvPr>
+        </p:nvSpPr>
+        <p:spPr>
+          <a:xfrm>
+            <a:off x="6172200" y="1681163"/>
+            <a:ext cx="5183188" cy="823912"/>
+          </a:xfrm>
+        </p:spPr>
+        <p:txBody>
+          <a:bodyPr anchor="b"/>
+          <a:lstStyle>
+            <a:lvl1pPr marL="0" indent="0">
+              <a:buNone/>
+              <a:defRPr sz="2400" b="1"/>
+            </a:lvl1pPr>
+            <a:lvl2pPr marL="457200" indent="0">
+              <a:buNone/>
+              <a:defRPr sz="2000" b="1"/>
+            </a:lvl2pPr>
+            <a:lvl3pPr marL="914400" indent="0">
+              <a:buNone/>
+              <a:defRPr sz="1800" b="1"/>
+            </a:lvl3pPr>
+            <a:lvl4pPr marL="1371600" indent="0">
+              <a:buNone/>
+              <a:defRPr sz="1600" b="1"/>
+            </a:lvl4pPr>
+            <a:lvl5pPr marL="1828800" indent="0">
+              <a:buNone/>
+              <a:defRPr sz="1600" b="1"/>
+            </a:lvl5pPr>
+            <a:lvl6pPr marL="2286000" indent="0">
+              <a:buNone/>
+              <a:defRPr sz="1600" b="1"/>
+            </a:lvl6pPr>
+            <a:lvl7pPr marL="2743200" indent="0">
+              <a:buNone/>
+              <a:defRPr sz="1600" b="1"/>
+            </a:lvl7pPr>
+            <a:lvl8pPr marL="3200400" indent="0">
+              <a:buNone/>
+              <a:defRPr sz="1600" b="1"/>
+            </a:lvl8pPr>
+            <a:lvl9pPr marL="3657600" indent="0">
+              <a:buNone/>
+              <a:defRPr sz="1600" b="1"/>
+            </a:lvl9pPr>
+          </a:lstStyle>
+          <a:p>
+            <a:pPr lvl="0"/>
+            <a:r>
+              <a:rPr lang="en-US" smtClean="0"/>
+              <a:t>Click to edit Master text styles</a:t>
+            </a:r>
+          </a:p>
+        </p:txBody>
+      </p:sp>
+      <p:sp>
+        <p:nvSpPr>
+          <p:cNvPr id="6" name="Content Placeholder 5"/>
+          <p:cNvSpPr>
+            <a:spLocks noGrp="1"/>
+          </p:cNvSpPr>
+          <p:nvPr>
+            <p:ph sz="quarter" idx="4"/>
+          </p:nvPr>
+        </p:nvSpPr>
+        <p:spPr>
+          <a:xfrm>
+            <a:off x="6172200" y="2505075"/>
+            <a:ext cx="5183188" cy="3684588"/>
+          </a:xfrm>
+        </p:spPr>
+        <p:txBody>
+          <a:bodyPr/>
+          <a:lstStyle/>
+          <a:p>
+            <a:pPr lvl="0"/>
+            <a:r>
+              <a:rPr lang="en-US" smtClean="0"/>
+              <a:t>Click to edit Master text styles</a:t>
+            </a:r>
+          </a:p>
+          <a:p>
+            <a:pPr lvl="1"/>
+            <a:r>
+              <a:rPr lang="en-US" smtClean="0"/>
+              <a:t>Second level</a:t>
+            </a:r>
+          </a:p>
+          <a:p>
+            <a:pPr lvl="2"/>
+            <a:r>
+              <a:rPr lang="en-US" smtClean="0"/>
+              <a:t>Third level</a:t>
+            </a:r>
+          </a:p>
+          <a:p>
+            <a:pPr lvl="3"/>
+            <a:r>
+              <a:rPr lang="en-US" smtClean="0"/>
+              <a:t>Fourth level</a:t>
+            </a:r>
+          </a:p>
+          <a:p>
+            <a:pPr lvl="4"/>
+            <a:r>
+              <a:rPr lang="en-US" smtClean="0"/>
+              <a:t>Fifth level</a:t>
+            </a:r>
+            <a:endParaRPr lang="en-US"/>
+          </a:p>
+        </p:txBody>
+      </p:sp>
+      <p:sp>
+        <p:nvSpPr>
+          <p:cNvPr id="7" name="Date Placeholder 6"/>
+          <p:cNvSpPr>
+            <a:spLocks noGrp="1"/>
+          </p:cNvSpPr>
+          <p:nvPr>
+            <p:ph type="dt" sz="half" idx="10"/>
+          </p:nvPr>
+        </p:nvSpPr>
+        <p:spPr/>
+        <p:txBody>
+          <a:bodyPr/>
+          <a:lstStyle/>
+          <a:p>
+            <a:fld id="{A93B2EAE-6EFD-8F4C-9604-62E60F56DC96}" type="datetimeFigureOut">
+              <a:rPr lang="en-US" smtClean="0"/>
+              <a:t>10/15/18</a:t>
+            </a:fld>
+            <a:endParaRPr lang="en-US"/>
+          </a:p>
+        </p:txBody>
+      </p:sp>
+      <p:sp>
+        <p:nvSpPr>
+          <p:cNvPr id="8" name="Footer Placeholder 7"/>
+          <p:cNvSpPr>
+            <a:spLocks noGrp="1"/>
+          </p:cNvSpPr>
+          <p:nvPr>
+            <p:ph type="ftr" sz="quarter" idx="11"/>
+          </p:nvPr>
+        </p:nvSpPr>
+        <p:spPr/>
+        <p:txBody>
+          <a:bodyPr/>
+          <a:lstStyle/>
+          <a:p>
+            <a:endParaRPr lang="en-US"/>
+          </a:p>
+        </p:txBody>
+      </p:sp>
+      <p:sp>
+        <p:nvSpPr>
+          <p:cNvPr id="9" name="Slide Number Placeholder 8"/>
+          <p:cNvSpPr>
+            <a:spLocks noGrp="1"/>
+          </p:cNvSpPr>
+          <p:nvPr>
+            <p:ph type="sldNum" sz="quarter" idx="12"/>
+          </p:nvPr>
+        </p:nvSpPr>
+        <p:spPr/>
+        <p:txBody>
+          <a:bodyPr/>
+          <a:lstStyle/>
+          <a:p>
+            <a:fld id="{4F7200E7-8FB2-224D-8D66-20AA921352D7}" type="slidenum">
+              <a:rPr lang="en-US" smtClean="0"/>
+              <a:t>‹#›</a:t>
+            </a:fld>
+            <a:endParaRPr lang="en-US"/>
+          </a:p>
+        </p:txBody>
+      </p:sp>
+    </p:spTree>
+    <p:extLst>
+      <p:ext uri="{BB962C8B-B14F-4D97-AF65-F5344CB8AC3E}">
+        <p14:creationId xmlns:p14="http://schemas.microsoft.com/office/powerpoint/2010/main" val="603312201"/>
+      </p:ext>
+    </p:extLst>
+  </p:cSld>
+  <p:clrMapOvr>
+    <a:masterClrMapping/>
+  </p:clrMapOvr>
+</p:sldLayout>
+</file>
+
+<file path=ppt/slideLayouts/slideLayout17.xml><?xml version="1.0" encoding="utf-8"?>
+<p:sldLayout xmlns:a="http://schemas.openxmlformats.org/drawingml/2006/main" xmlns:r="http://schemas.openxmlformats.org/officeDocument/2006/relationships" xmlns:p="http://schemas.openxmlformats.org/presentationml/2006/main" type="titleOnly" preserve="1">
+  <p:cSld name="Title Only">
+    <p:spTree>
+      <p:nvGrpSpPr>
+        <p:cNvPr id="1" name=""/>
+        <p:cNvGrpSpPr/>
+        <p:nvPr/>
+      </p:nvGrpSpPr>
+      <p:grpSpPr>
+        <a:xfrm>
+          <a:off x="0" y="0"/>
+          <a:ext cx="0" cy="0"/>
+          <a:chOff x="0" y="0"/>
+          <a:chExt cx="0" cy="0"/>
+        </a:xfrm>
+      </p:grpSpPr>
+      <p:sp>
+        <p:nvSpPr>
+          <p:cNvPr id="2" name="Title 1"/>
+          <p:cNvSpPr>
+            <a:spLocks noGrp="1"/>
+          </p:cNvSpPr>
+          <p:nvPr>
+            <p:ph type="title"/>
+          </p:nvPr>
+        </p:nvSpPr>
+        <p:spPr/>
+        <p:txBody>
+          <a:bodyPr/>
+          <a:lstStyle/>
+          <a:p>
+            <a:r>
+              <a:rPr lang="en-US" smtClean="0"/>
+              <a:t>Click to edit Master title style</a:t>
+            </a:r>
+            <a:endParaRPr lang="en-US"/>
+          </a:p>
+        </p:txBody>
+      </p:sp>
+      <p:sp>
+        <p:nvSpPr>
+          <p:cNvPr id="3" name="Date Placeholder 2"/>
+          <p:cNvSpPr>
+            <a:spLocks noGrp="1"/>
+          </p:cNvSpPr>
+          <p:nvPr>
+            <p:ph type="dt" sz="half" idx="10"/>
+          </p:nvPr>
+        </p:nvSpPr>
+        <p:spPr/>
+        <p:txBody>
+          <a:bodyPr/>
+          <a:lstStyle/>
+          <a:p>
+            <a:fld id="{A93B2EAE-6EFD-8F4C-9604-62E60F56DC96}" type="datetimeFigureOut">
+              <a:rPr lang="en-US" smtClean="0"/>
+              <a:t>10/15/18</a:t>
+            </a:fld>
+            <a:endParaRPr lang="en-US"/>
+          </a:p>
+        </p:txBody>
+      </p:sp>
+      <p:sp>
+        <p:nvSpPr>
+          <p:cNvPr id="4" name="Footer Placeholder 3"/>
+          <p:cNvSpPr>
+            <a:spLocks noGrp="1"/>
+          </p:cNvSpPr>
+          <p:nvPr>
+            <p:ph type="ftr" sz="quarter" idx="11"/>
+          </p:nvPr>
+        </p:nvSpPr>
+        <p:spPr/>
+        <p:txBody>
+          <a:bodyPr/>
+          <a:lstStyle/>
+          <a:p>
+            <a:endParaRPr lang="en-US"/>
+          </a:p>
+        </p:txBody>
+      </p:sp>
+      <p:sp>
+        <p:nvSpPr>
+          <p:cNvPr id="5" name="Slide Number Placeholder 4"/>
+          <p:cNvSpPr>
+            <a:spLocks noGrp="1"/>
+          </p:cNvSpPr>
+          <p:nvPr>
+            <p:ph type="sldNum" sz="quarter" idx="12"/>
+          </p:nvPr>
+        </p:nvSpPr>
+        <p:spPr/>
+        <p:txBody>
+          <a:bodyPr/>
+          <a:lstStyle/>
+          <a:p>
+            <a:fld id="{4F7200E7-8FB2-224D-8D66-20AA921352D7}" type="slidenum">
+              <a:rPr lang="en-US" smtClean="0"/>
+              <a:t>‹#›</a:t>
+            </a:fld>
+            <a:endParaRPr lang="en-US"/>
+          </a:p>
+        </p:txBody>
+      </p:sp>
+    </p:spTree>
+    <p:extLst>
+      <p:ext uri="{BB962C8B-B14F-4D97-AF65-F5344CB8AC3E}">
+        <p14:creationId xmlns:p14="http://schemas.microsoft.com/office/powerpoint/2010/main" val="1597864720"/>
+      </p:ext>
+    </p:extLst>
+  </p:cSld>
+  <p:clrMapOvr>
+    <a:masterClrMapping/>
+  </p:clrMapOvr>
+</p:sldLayout>
+</file>
+
+<file path=ppt/slideLayouts/slideLayout18.xml><?xml version="1.0" encoding="utf-8"?>
+<p:sldLayout xmlns:a="http://schemas.openxmlformats.org/drawingml/2006/main" xmlns:r="http://schemas.openxmlformats.org/officeDocument/2006/relationships" xmlns:p="http://schemas.openxmlformats.org/presentationml/2006/main" type="blank" preserve="1">
+  <p:cSld name="Blank">
+    <p:spTree>
+      <p:nvGrpSpPr>
+        <p:cNvPr id="1" name=""/>
+        <p:cNvGrpSpPr/>
+        <p:nvPr/>
+      </p:nvGrpSpPr>
+      <p:grpSpPr>
+        <a:xfrm>
+          <a:off x="0" y="0"/>
+          <a:ext cx="0" cy="0"/>
+          <a:chOff x="0" y="0"/>
+          <a:chExt cx="0" cy="0"/>
+        </a:xfrm>
+      </p:grpSpPr>
+      <p:sp>
+        <p:nvSpPr>
+          <p:cNvPr id="2" name="Date Placeholder 1"/>
+          <p:cNvSpPr>
+            <a:spLocks noGrp="1"/>
+          </p:cNvSpPr>
+          <p:nvPr>
+            <p:ph type="dt" sz="half" idx="10"/>
+          </p:nvPr>
+        </p:nvSpPr>
+        <p:spPr/>
+        <p:txBody>
+          <a:bodyPr/>
+          <a:lstStyle/>
+          <a:p>
+            <a:fld id="{A93B2EAE-6EFD-8F4C-9604-62E60F56DC96}" type="datetimeFigureOut">
+              <a:rPr lang="en-US" smtClean="0"/>
+              <a:t>10/15/18</a:t>
+            </a:fld>
+            <a:endParaRPr lang="en-US"/>
+          </a:p>
+        </p:txBody>
+      </p:sp>
+      <p:sp>
+        <p:nvSpPr>
+          <p:cNvPr id="3" name="Footer Placeholder 2"/>
+          <p:cNvSpPr>
+            <a:spLocks noGrp="1"/>
+          </p:cNvSpPr>
+          <p:nvPr>
+            <p:ph type="ftr" sz="quarter" idx="11"/>
+          </p:nvPr>
+        </p:nvSpPr>
+        <p:spPr/>
+        <p:txBody>
+          <a:bodyPr/>
+          <a:lstStyle/>
+          <a:p>
+            <a:endParaRPr lang="en-US"/>
+          </a:p>
+        </p:txBody>
+      </p:sp>
+      <p:sp>
+        <p:nvSpPr>
+          <p:cNvPr id="4" name="Slide Number Placeholder 3"/>
+          <p:cNvSpPr>
+            <a:spLocks noGrp="1"/>
+          </p:cNvSpPr>
+          <p:nvPr>
+            <p:ph type="sldNum" sz="quarter" idx="12"/>
+          </p:nvPr>
+        </p:nvSpPr>
+        <p:spPr/>
+        <p:txBody>
+          <a:bodyPr/>
+          <a:lstStyle/>
+          <a:p>
+            <a:fld id="{4F7200E7-8FB2-224D-8D66-20AA921352D7}" type="slidenum">
+              <a:rPr lang="en-US" smtClean="0"/>
+              <a:t>‹#›</a:t>
+            </a:fld>
+            <a:endParaRPr lang="en-US"/>
+          </a:p>
+        </p:txBody>
+      </p:sp>
+    </p:spTree>
+    <p:extLst>
+      <p:ext uri="{BB962C8B-B14F-4D97-AF65-F5344CB8AC3E}">
+        <p14:creationId xmlns:p14="http://schemas.microsoft.com/office/powerpoint/2010/main" val="1029343305"/>
+      </p:ext>
+    </p:extLst>
+  </p:cSld>
+  <p:clrMapOvr>
+    <a:masterClrMapping/>
+  </p:clrMapOvr>
+</p:sldLayout>
+</file>
+
+<file path=ppt/slideLayouts/slideLayout19.xml><?xml version="1.0" encoding="utf-8"?>
+<p:sldLayout xmlns:a="http://schemas.openxmlformats.org/drawingml/2006/main" xmlns:r="http://schemas.openxmlformats.org/officeDocument/2006/relationships" xmlns:p="http://schemas.openxmlformats.org/presentationml/2006/main" type="objTx" preserve="1">
+  <p:cSld name="Content with Caption">
+    <p:spTree>
+      <p:nvGrpSpPr>
+        <p:cNvPr id="1" name=""/>
+        <p:cNvGrpSpPr/>
+        <p:nvPr/>
+      </p:nvGrpSpPr>
+      <p:grpSpPr>
+        <a:xfrm>
+          <a:off x="0" y="0"/>
+          <a:ext cx="0" cy="0"/>
+          <a:chOff x="0" y="0"/>
+          <a:chExt cx="0" cy="0"/>
+        </a:xfrm>
+      </p:grpSpPr>
+      <p:sp>
+        <p:nvSpPr>
+          <p:cNvPr id="2" name="Title 1"/>
+          <p:cNvSpPr>
+            <a:spLocks noGrp="1"/>
+          </p:cNvSpPr>
+          <p:nvPr>
+            <p:ph type="title"/>
+          </p:nvPr>
+        </p:nvSpPr>
+        <p:spPr>
+          <a:xfrm>
+            <a:off x="839788" y="457200"/>
+            <a:ext cx="3932237" cy="1600200"/>
+          </a:xfrm>
+        </p:spPr>
+        <p:txBody>
+          <a:bodyPr anchor="b"/>
+          <a:lstStyle>
+            <a:lvl1pPr>
+              <a:defRPr sz="3200"/>
+            </a:lvl1pPr>
+          </a:lstStyle>
+          <a:p>
+            <a:r>
+              <a:rPr lang="en-US" smtClean="0"/>
+              <a:t>Click to edit Master title style</a:t>
+            </a:r>
+            <a:endParaRPr lang="en-US"/>
+          </a:p>
+        </p:txBody>
+      </p:sp>
+      <p:sp>
+        <p:nvSpPr>
+          <p:cNvPr id="3" name="Content Placeholder 2"/>
+          <p:cNvSpPr>
+            <a:spLocks noGrp="1"/>
+          </p:cNvSpPr>
+          <p:nvPr>
+            <p:ph idx="1"/>
+          </p:nvPr>
+        </p:nvSpPr>
+        <p:spPr>
+          <a:xfrm>
+            <a:off x="5183188" y="987425"/>
+            <a:ext cx="6172200" cy="4873625"/>
+          </a:xfrm>
+        </p:spPr>
+        <p:txBody>
+          <a:bodyPr/>
+          <a:lstStyle>
+            <a:lvl1pPr>
+              <a:defRPr sz="3200"/>
+            </a:lvl1pPr>
+            <a:lvl2pPr>
+              <a:defRPr sz="2800"/>
+            </a:lvl2pPr>
+            <a:lvl3pPr>
+              <a:defRPr sz="2400"/>
+            </a:lvl3pPr>
+            <a:lvl4pPr>
+              <a:defRPr sz="2000"/>
+            </a:lvl4pPr>
+            <a:lvl5pPr>
+              <a:defRPr sz="2000"/>
+            </a:lvl5pPr>
+            <a:lvl6pPr>
+              <a:defRPr sz="2000"/>
+            </a:lvl6pPr>
+            <a:lvl7pPr>
+              <a:defRPr sz="2000"/>
+            </a:lvl7pPr>
+            <a:lvl8pPr>
+              <a:defRPr sz="2000"/>
+            </a:lvl8pPr>
+            <a:lvl9pPr>
+              <a:defRPr sz="2000"/>
+            </a:lvl9pPr>
+          </a:lstStyle>
+          <a:p>
+            <a:pPr lvl="0"/>
+            <a:r>
+              <a:rPr lang="en-US" smtClean="0"/>
+              <a:t>Click to edit Master text styles</a:t>
+            </a:r>
+          </a:p>
+          <a:p>
+            <a:pPr lvl="1"/>
+            <a:r>
+              <a:rPr lang="en-US" smtClean="0"/>
+              <a:t>Second level</a:t>
+            </a:r>
+          </a:p>
+          <a:p>
+            <a:pPr lvl="2"/>
+            <a:r>
+              <a:rPr lang="en-US" smtClean="0"/>
+              <a:t>Third level</a:t>
+            </a:r>
+          </a:p>
+          <a:p>
+            <a:pPr lvl="3"/>
+            <a:r>
+              <a:rPr lang="en-US" smtClean="0"/>
+              <a:t>Fourth level</a:t>
+            </a:r>
+          </a:p>
+          <a:p>
+            <a:pPr lvl="4"/>
+            <a:r>
+              <a:rPr lang="en-US" smtClean="0"/>
+              <a:t>Fifth level</a:t>
+            </a:r>
+            <a:endParaRPr lang="en-US"/>
+          </a:p>
+        </p:txBody>
+      </p:sp>
+      <p:sp>
+        <p:nvSpPr>
+          <p:cNvPr id="4" name="Text Placeholder 3"/>
+          <p:cNvSpPr>
+            <a:spLocks noGrp="1"/>
+          </p:cNvSpPr>
+          <p:nvPr>
+            <p:ph type="body" sz="half" idx="2"/>
+          </p:nvPr>
+        </p:nvSpPr>
+        <p:spPr>
+          <a:xfrm>
+            <a:off x="839788" y="2057400"/>
+            <a:ext cx="3932237" cy="3811588"/>
+          </a:xfrm>
+        </p:spPr>
+        <p:txBody>
+          <a:bodyPr/>
+          <a:lstStyle>
+            <a:lvl1pPr marL="0" indent="0">
+              <a:buNone/>
+              <a:defRPr sz="1600"/>
+            </a:lvl1pPr>
+            <a:lvl2pPr marL="457200" indent="0">
+              <a:buNone/>
+              <a:defRPr sz="1400"/>
+            </a:lvl2pPr>
+            <a:lvl3pPr marL="914400" indent="0">
+              <a:buNone/>
+              <a:defRPr sz="1200"/>
+            </a:lvl3pPr>
+            <a:lvl4pPr marL="1371600" indent="0">
+              <a:buNone/>
+              <a:defRPr sz="1000"/>
+            </a:lvl4pPr>
+            <a:lvl5pPr marL="1828800" indent="0">
+              <a:buNone/>
+              <a:defRPr sz="1000"/>
+            </a:lvl5pPr>
+            <a:lvl6pPr marL="2286000" indent="0">
+              <a:buNone/>
+              <a:defRPr sz="1000"/>
+            </a:lvl6pPr>
+            <a:lvl7pPr marL="2743200" indent="0">
+              <a:buNone/>
+              <a:defRPr sz="1000"/>
+            </a:lvl7pPr>
+            <a:lvl8pPr marL="3200400" indent="0">
+              <a:buNone/>
+              <a:defRPr sz="1000"/>
+            </a:lvl8pPr>
+            <a:lvl9pPr marL="3657600" indent="0">
+              <a:buNone/>
+              <a:defRPr sz="1000"/>
+            </a:lvl9pPr>
+          </a:lstStyle>
+          <a:p>
+            <a:pPr lvl="0"/>
+            <a:r>
+              <a:rPr lang="en-US" smtClean="0"/>
+              <a:t>Click to edit Master text styles</a:t>
+            </a:r>
+          </a:p>
+        </p:txBody>
+      </p:sp>
+      <p:sp>
+        <p:nvSpPr>
+          <p:cNvPr id="5" name="Date Placeholder 4"/>
+          <p:cNvSpPr>
+            <a:spLocks noGrp="1"/>
+          </p:cNvSpPr>
+          <p:nvPr>
+            <p:ph type="dt" sz="half" idx="10"/>
+          </p:nvPr>
+        </p:nvSpPr>
+        <p:spPr/>
+        <p:txBody>
+          <a:bodyPr/>
+          <a:lstStyle/>
+          <a:p>
+            <a:fld id="{A93B2EAE-6EFD-8F4C-9604-62E60F56DC96}" type="datetimeFigureOut">
+              <a:rPr lang="en-US" smtClean="0"/>
+              <a:t>10/15/18</a:t>
+            </a:fld>
+            <a:endParaRPr lang="en-US"/>
+          </a:p>
+        </p:txBody>
+      </p:sp>
+      <p:sp>
+        <p:nvSpPr>
+          <p:cNvPr id="6" name="Footer Placeholder 5"/>
+          <p:cNvSpPr>
+            <a:spLocks noGrp="1"/>
+          </p:cNvSpPr>
+          <p:nvPr>
+            <p:ph type="ftr" sz="quarter" idx="11"/>
+          </p:nvPr>
+        </p:nvSpPr>
+        <p:spPr/>
+        <p:txBody>
+          <a:bodyPr/>
+          <a:lstStyle/>
+          <a:p>
+            <a:endParaRPr lang="en-US"/>
+          </a:p>
+        </p:txBody>
+      </p:sp>
+      <p:sp>
+        <p:nvSpPr>
+          <p:cNvPr id="7" name="Slide Number Placeholder 6"/>
+          <p:cNvSpPr>
+            <a:spLocks noGrp="1"/>
+          </p:cNvSpPr>
+          <p:nvPr>
+            <p:ph type="sldNum" sz="quarter" idx="12"/>
+          </p:nvPr>
+        </p:nvSpPr>
+        <p:spPr/>
+        <p:txBody>
+          <a:bodyPr/>
+          <a:lstStyle/>
+          <a:p>
+            <a:fld id="{4F7200E7-8FB2-224D-8D66-20AA921352D7}" type="slidenum">
+              <a:rPr lang="en-US" smtClean="0"/>
+              <a:t>‹#›</a:t>
+            </a:fld>
+            <a:endParaRPr lang="en-US"/>
+          </a:p>
+        </p:txBody>
+      </p:sp>
+    </p:spTree>
+    <p:extLst>
+      <p:ext uri="{BB962C8B-B14F-4D97-AF65-F5344CB8AC3E}">
+        <p14:creationId xmlns:p14="http://schemas.microsoft.com/office/powerpoint/2010/main" val="44666903"/>
       </p:ext>
     </p:extLst>
   </p:cSld>
@@ -1471,7 +3170,7 @@
           <a:p>
             <a:fld id="{1C8920E0-4DA1-524E-AA5F-72FF81381A76}" type="datetimeFigureOut">
               <a:rPr lang="en-US" smtClean="0"/>
-              <a:t>10/13/2018</a:t>
+              <a:t>10/15/18</a:t>
             </a:fld>
             <a:endParaRPr lang="en-US"/>
           </a:p>
@@ -1523,6 +3222,609 @@
     <p:extLst>
       <p:ext uri="{BB962C8B-B14F-4D97-AF65-F5344CB8AC3E}">
         <p14:creationId xmlns:p14="http://schemas.microsoft.com/office/powerpoint/2010/main" val="1884264851"/>
+      </p:ext>
+    </p:extLst>
+  </p:cSld>
+  <p:clrMapOvr>
+    <a:masterClrMapping/>
+  </p:clrMapOvr>
+</p:sldLayout>
+</file>
+
+<file path=ppt/slideLayouts/slideLayout20.xml><?xml version="1.0" encoding="utf-8"?>
+<p:sldLayout xmlns:a="http://schemas.openxmlformats.org/drawingml/2006/main" xmlns:r="http://schemas.openxmlformats.org/officeDocument/2006/relationships" xmlns:p="http://schemas.openxmlformats.org/presentationml/2006/main" type="picTx" preserve="1">
+  <p:cSld name="Picture with Caption">
+    <p:spTree>
+      <p:nvGrpSpPr>
+        <p:cNvPr id="1" name=""/>
+        <p:cNvGrpSpPr/>
+        <p:nvPr/>
+      </p:nvGrpSpPr>
+      <p:grpSpPr>
+        <a:xfrm>
+          <a:off x="0" y="0"/>
+          <a:ext cx="0" cy="0"/>
+          <a:chOff x="0" y="0"/>
+          <a:chExt cx="0" cy="0"/>
+        </a:xfrm>
+      </p:grpSpPr>
+      <p:sp>
+        <p:nvSpPr>
+          <p:cNvPr id="2" name="Title 1"/>
+          <p:cNvSpPr>
+            <a:spLocks noGrp="1"/>
+          </p:cNvSpPr>
+          <p:nvPr>
+            <p:ph type="title"/>
+          </p:nvPr>
+        </p:nvSpPr>
+        <p:spPr>
+          <a:xfrm>
+            <a:off x="839788" y="457200"/>
+            <a:ext cx="3932237" cy="1600200"/>
+          </a:xfrm>
+        </p:spPr>
+        <p:txBody>
+          <a:bodyPr anchor="b"/>
+          <a:lstStyle>
+            <a:lvl1pPr>
+              <a:defRPr sz="3200"/>
+            </a:lvl1pPr>
+          </a:lstStyle>
+          <a:p>
+            <a:r>
+              <a:rPr lang="en-US" smtClean="0"/>
+              <a:t>Click to edit Master title style</a:t>
+            </a:r>
+            <a:endParaRPr lang="en-US"/>
+          </a:p>
+        </p:txBody>
+      </p:sp>
+      <p:sp>
+        <p:nvSpPr>
+          <p:cNvPr id="3" name="Picture Placeholder 2"/>
+          <p:cNvSpPr>
+            <a:spLocks noGrp="1"/>
+          </p:cNvSpPr>
+          <p:nvPr>
+            <p:ph type="pic" idx="1"/>
+          </p:nvPr>
+        </p:nvSpPr>
+        <p:spPr>
+          <a:xfrm>
+            <a:off x="5183188" y="987425"/>
+            <a:ext cx="6172200" cy="4873625"/>
+          </a:xfrm>
+        </p:spPr>
+        <p:txBody>
+          <a:bodyPr/>
+          <a:lstStyle>
+            <a:lvl1pPr marL="0" indent="0">
+              <a:buNone/>
+              <a:defRPr sz="3200"/>
+            </a:lvl1pPr>
+            <a:lvl2pPr marL="457200" indent="0">
+              <a:buNone/>
+              <a:defRPr sz="2800"/>
+            </a:lvl2pPr>
+            <a:lvl3pPr marL="914400" indent="0">
+              <a:buNone/>
+              <a:defRPr sz="2400"/>
+            </a:lvl3pPr>
+            <a:lvl4pPr marL="1371600" indent="0">
+              <a:buNone/>
+              <a:defRPr sz="2000"/>
+            </a:lvl4pPr>
+            <a:lvl5pPr marL="1828800" indent="0">
+              <a:buNone/>
+              <a:defRPr sz="2000"/>
+            </a:lvl5pPr>
+            <a:lvl6pPr marL="2286000" indent="0">
+              <a:buNone/>
+              <a:defRPr sz="2000"/>
+            </a:lvl6pPr>
+            <a:lvl7pPr marL="2743200" indent="0">
+              <a:buNone/>
+              <a:defRPr sz="2000"/>
+            </a:lvl7pPr>
+            <a:lvl8pPr marL="3200400" indent="0">
+              <a:buNone/>
+              <a:defRPr sz="2000"/>
+            </a:lvl8pPr>
+            <a:lvl9pPr marL="3657600" indent="0">
+              <a:buNone/>
+              <a:defRPr sz="2000"/>
+            </a:lvl9pPr>
+          </a:lstStyle>
+          <a:p>
+            <a:endParaRPr lang="en-US"/>
+          </a:p>
+        </p:txBody>
+      </p:sp>
+      <p:sp>
+        <p:nvSpPr>
+          <p:cNvPr id="4" name="Text Placeholder 3"/>
+          <p:cNvSpPr>
+            <a:spLocks noGrp="1"/>
+          </p:cNvSpPr>
+          <p:nvPr>
+            <p:ph type="body" sz="half" idx="2"/>
+          </p:nvPr>
+        </p:nvSpPr>
+        <p:spPr>
+          <a:xfrm>
+            <a:off x="839788" y="2057400"/>
+            <a:ext cx="3932237" cy="3811588"/>
+          </a:xfrm>
+        </p:spPr>
+        <p:txBody>
+          <a:bodyPr/>
+          <a:lstStyle>
+            <a:lvl1pPr marL="0" indent="0">
+              <a:buNone/>
+              <a:defRPr sz="1600"/>
+            </a:lvl1pPr>
+            <a:lvl2pPr marL="457200" indent="0">
+              <a:buNone/>
+              <a:defRPr sz="1400"/>
+            </a:lvl2pPr>
+            <a:lvl3pPr marL="914400" indent="0">
+              <a:buNone/>
+              <a:defRPr sz="1200"/>
+            </a:lvl3pPr>
+            <a:lvl4pPr marL="1371600" indent="0">
+              <a:buNone/>
+              <a:defRPr sz="1000"/>
+            </a:lvl4pPr>
+            <a:lvl5pPr marL="1828800" indent="0">
+              <a:buNone/>
+              <a:defRPr sz="1000"/>
+            </a:lvl5pPr>
+            <a:lvl6pPr marL="2286000" indent="0">
+              <a:buNone/>
+              <a:defRPr sz="1000"/>
+            </a:lvl6pPr>
+            <a:lvl7pPr marL="2743200" indent="0">
+              <a:buNone/>
+              <a:defRPr sz="1000"/>
+            </a:lvl7pPr>
+            <a:lvl8pPr marL="3200400" indent="0">
+              <a:buNone/>
+              <a:defRPr sz="1000"/>
+            </a:lvl8pPr>
+            <a:lvl9pPr marL="3657600" indent="0">
+              <a:buNone/>
+              <a:defRPr sz="1000"/>
+            </a:lvl9pPr>
+          </a:lstStyle>
+          <a:p>
+            <a:pPr lvl="0"/>
+            <a:r>
+              <a:rPr lang="en-US" smtClean="0"/>
+              <a:t>Click to edit Master text styles</a:t>
+            </a:r>
+          </a:p>
+        </p:txBody>
+      </p:sp>
+      <p:sp>
+        <p:nvSpPr>
+          <p:cNvPr id="5" name="Date Placeholder 4"/>
+          <p:cNvSpPr>
+            <a:spLocks noGrp="1"/>
+          </p:cNvSpPr>
+          <p:nvPr>
+            <p:ph type="dt" sz="half" idx="10"/>
+          </p:nvPr>
+        </p:nvSpPr>
+        <p:spPr/>
+        <p:txBody>
+          <a:bodyPr/>
+          <a:lstStyle/>
+          <a:p>
+            <a:fld id="{A93B2EAE-6EFD-8F4C-9604-62E60F56DC96}" type="datetimeFigureOut">
+              <a:rPr lang="en-US" smtClean="0"/>
+              <a:t>10/15/18</a:t>
+            </a:fld>
+            <a:endParaRPr lang="en-US"/>
+          </a:p>
+        </p:txBody>
+      </p:sp>
+      <p:sp>
+        <p:nvSpPr>
+          <p:cNvPr id="6" name="Footer Placeholder 5"/>
+          <p:cNvSpPr>
+            <a:spLocks noGrp="1"/>
+          </p:cNvSpPr>
+          <p:nvPr>
+            <p:ph type="ftr" sz="quarter" idx="11"/>
+          </p:nvPr>
+        </p:nvSpPr>
+        <p:spPr/>
+        <p:txBody>
+          <a:bodyPr/>
+          <a:lstStyle/>
+          <a:p>
+            <a:endParaRPr lang="en-US"/>
+          </a:p>
+        </p:txBody>
+      </p:sp>
+      <p:sp>
+        <p:nvSpPr>
+          <p:cNvPr id="7" name="Slide Number Placeholder 6"/>
+          <p:cNvSpPr>
+            <a:spLocks noGrp="1"/>
+          </p:cNvSpPr>
+          <p:nvPr>
+            <p:ph type="sldNum" sz="quarter" idx="12"/>
+          </p:nvPr>
+        </p:nvSpPr>
+        <p:spPr/>
+        <p:txBody>
+          <a:bodyPr/>
+          <a:lstStyle/>
+          <a:p>
+            <a:fld id="{4F7200E7-8FB2-224D-8D66-20AA921352D7}" type="slidenum">
+              <a:rPr lang="en-US" smtClean="0"/>
+              <a:t>‹#›</a:t>
+            </a:fld>
+            <a:endParaRPr lang="en-US"/>
+          </a:p>
+        </p:txBody>
+      </p:sp>
+    </p:spTree>
+    <p:extLst>
+      <p:ext uri="{BB962C8B-B14F-4D97-AF65-F5344CB8AC3E}">
+        <p14:creationId xmlns:p14="http://schemas.microsoft.com/office/powerpoint/2010/main" val="1244845918"/>
+      </p:ext>
+    </p:extLst>
+  </p:cSld>
+  <p:clrMapOvr>
+    <a:masterClrMapping/>
+  </p:clrMapOvr>
+</p:sldLayout>
+</file>
+
+<file path=ppt/slideLayouts/slideLayout21.xml><?xml version="1.0" encoding="utf-8"?>
+<p:sldLayout xmlns:a="http://schemas.openxmlformats.org/drawingml/2006/main" xmlns:r="http://schemas.openxmlformats.org/officeDocument/2006/relationships" xmlns:p="http://schemas.openxmlformats.org/presentationml/2006/main" type="vertTx" preserve="1">
+  <p:cSld name="Title and Vertical Text">
+    <p:spTree>
+      <p:nvGrpSpPr>
+        <p:cNvPr id="1" name=""/>
+        <p:cNvGrpSpPr/>
+        <p:nvPr/>
+      </p:nvGrpSpPr>
+      <p:grpSpPr>
+        <a:xfrm>
+          <a:off x="0" y="0"/>
+          <a:ext cx="0" cy="0"/>
+          <a:chOff x="0" y="0"/>
+          <a:chExt cx="0" cy="0"/>
+        </a:xfrm>
+      </p:grpSpPr>
+      <p:sp>
+        <p:nvSpPr>
+          <p:cNvPr id="2" name="Title 1"/>
+          <p:cNvSpPr>
+            <a:spLocks noGrp="1"/>
+          </p:cNvSpPr>
+          <p:nvPr>
+            <p:ph type="title"/>
+          </p:nvPr>
+        </p:nvSpPr>
+        <p:spPr/>
+        <p:txBody>
+          <a:bodyPr/>
+          <a:lstStyle/>
+          <a:p>
+            <a:r>
+              <a:rPr lang="en-US" smtClean="0"/>
+              <a:t>Click to edit Master title style</a:t>
+            </a:r>
+            <a:endParaRPr lang="en-US"/>
+          </a:p>
+        </p:txBody>
+      </p:sp>
+      <p:sp>
+        <p:nvSpPr>
+          <p:cNvPr id="3" name="Vertical Text Placeholder 2"/>
+          <p:cNvSpPr>
+            <a:spLocks noGrp="1"/>
+          </p:cNvSpPr>
+          <p:nvPr>
+            <p:ph type="body" orient="vert" idx="1"/>
+          </p:nvPr>
+        </p:nvSpPr>
+        <p:spPr/>
+        <p:txBody>
+          <a:bodyPr vert="eaVert"/>
+          <a:lstStyle/>
+          <a:p>
+            <a:pPr lvl="0"/>
+            <a:r>
+              <a:rPr lang="en-US" smtClean="0"/>
+              <a:t>Click to edit Master text styles</a:t>
+            </a:r>
+          </a:p>
+          <a:p>
+            <a:pPr lvl="1"/>
+            <a:r>
+              <a:rPr lang="en-US" smtClean="0"/>
+              <a:t>Second level</a:t>
+            </a:r>
+          </a:p>
+          <a:p>
+            <a:pPr lvl="2"/>
+            <a:r>
+              <a:rPr lang="en-US" smtClean="0"/>
+              <a:t>Third level</a:t>
+            </a:r>
+          </a:p>
+          <a:p>
+            <a:pPr lvl="3"/>
+            <a:r>
+              <a:rPr lang="en-US" smtClean="0"/>
+              <a:t>Fourth level</a:t>
+            </a:r>
+          </a:p>
+          <a:p>
+            <a:pPr lvl="4"/>
+            <a:r>
+              <a:rPr lang="en-US" smtClean="0"/>
+              <a:t>Fifth level</a:t>
+            </a:r>
+            <a:endParaRPr lang="en-US"/>
+          </a:p>
+        </p:txBody>
+      </p:sp>
+      <p:sp>
+        <p:nvSpPr>
+          <p:cNvPr id="4" name="Date Placeholder 3"/>
+          <p:cNvSpPr>
+            <a:spLocks noGrp="1"/>
+          </p:cNvSpPr>
+          <p:nvPr>
+            <p:ph type="dt" sz="half" idx="10"/>
+          </p:nvPr>
+        </p:nvSpPr>
+        <p:spPr/>
+        <p:txBody>
+          <a:bodyPr/>
+          <a:lstStyle/>
+          <a:p>
+            <a:fld id="{A93B2EAE-6EFD-8F4C-9604-62E60F56DC96}" type="datetimeFigureOut">
+              <a:rPr lang="en-US" smtClean="0"/>
+              <a:t>10/15/18</a:t>
+            </a:fld>
+            <a:endParaRPr lang="en-US"/>
+          </a:p>
+        </p:txBody>
+      </p:sp>
+      <p:sp>
+        <p:nvSpPr>
+          <p:cNvPr id="5" name="Footer Placeholder 4"/>
+          <p:cNvSpPr>
+            <a:spLocks noGrp="1"/>
+          </p:cNvSpPr>
+          <p:nvPr>
+            <p:ph type="ftr" sz="quarter" idx="11"/>
+          </p:nvPr>
+        </p:nvSpPr>
+        <p:spPr/>
+        <p:txBody>
+          <a:bodyPr/>
+          <a:lstStyle/>
+          <a:p>
+            <a:endParaRPr lang="en-US"/>
+          </a:p>
+        </p:txBody>
+      </p:sp>
+      <p:sp>
+        <p:nvSpPr>
+          <p:cNvPr id="6" name="Slide Number Placeholder 5"/>
+          <p:cNvSpPr>
+            <a:spLocks noGrp="1"/>
+          </p:cNvSpPr>
+          <p:nvPr>
+            <p:ph type="sldNum" sz="quarter" idx="12"/>
+          </p:nvPr>
+        </p:nvSpPr>
+        <p:spPr/>
+        <p:txBody>
+          <a:bodyPr/>
+          <a:lstStyle/>
+          <a:p>
+            <a:fld id="{4F7200E7-8FB2-224D-8D66-20AA921352D7}" type="slidenum">
+              <a:rPr lang="en-US" smtClean="0"/>
+              <a:t>‹#›</a:t>
+            </a:fld>
+            <a:endParaRPr lang="en-US"/>
+          </a:p>
+        </p:txBody>
+      </p:sp>
+    </p:spTree>
+    <p:extLst>
+      <p:ext uri="{BB962C8B-B14F-4D97-AF65-F5344CB8AC3E}">
+        <p14:creationId xmlns:p14="http://schemas.microsoft.com/office/powerpoint/2010/main" val="1339654752"/>
+      </p:ext>
+    </p:extLst>
+  </p:cSld>
+  <p:clrMapOvr>
+    <a:masterClrMapping/>
+  </p:clrMapOvr>
+</p:sldLayout>
+</file>
+
+<file path=ppt/slideLayouts/slideLayout22.xml><?xml version="1.0" encoding="utf-8"?>
+<p:sldLayout xmlns:a="http://schemas.openxmlformats.org/drawingml/2006/main" xmlns:r="http://schemas.openxmlformats.org/officeDocument/2006/relationships" xmlns:p="http://schemas.openxmlformats.org/presentationml/2006/main" type="vertTitleAndTx" preserve="1">
+  <p:cSld name="Vertical Title and Text">
+    <p:spTree>
+      <p:nvGrpSpPr>
+        <p:cNvPr id="1" name=""/>
+        <p:cNvGrpSpPr/>
+        <p:nvPr/>
+      </p:nvGrpSpPr>
+      <p:grpSpPr>
+        <a:xfrm>
+          <a:off x="0" y="0"/>
+          <a:ext cx="0" cy="0"/>
+          <a:chOff x="0" y="0"/>
+          <a:chExt cx="0" cy="0"/>
+        </a:xfrm>
+      </p:grpSpPr>
+      <p:sp>
+        <p:nvSpPr>
+          <p:cNvPr id="2" name="Vertical Title 1"/>
+          <p:cNvSpPr>
+            <a:spLocks noGrp="1"/>
+          </p:cNvSpPr>
+          <p:nvPr>
+            <p:ph type="title" orient="vert"/>
+          </p:nvPr>
+        </p:nvSpPr>
+        <p:spPr>
+          <a:xfrm>
+            <a:off x="8724900" y="365125"/>
+            <a:ext cx="2628900" cy="5811838"/>
+          </a:xfrm>
+        </p:spPr>
+        <p:txBody>
+          <a:bodyPr vert="eaVert"/>
+          <a:lstStyle/>
+          <a:p>
+            <a:r>
+              <a:rPr lang="en-US" smtClean="0"/>
+              <a:t>Click to edit Master title style</a:t>
+            </a:r>
+            <a:endParaRPr lang="en-US"/>
+          </a:p>
+        </p:txBody>
+      </p:sp>
+      <p:sp>
+        <p:nvSpPr>
+          <p:cNvPr id="3" name="Vertical Text Placeholder 2"/>
+          <p:cNvSpPr>
+            <a:spLocks noGrp="1"/>
+          </p:cNvSpPr>
+          <p:nvPr>
+            <p:ph type="body" orient="vert" idx="1"/>
+          </p:nvPr>
+        </p:nvSpPr>
+        <p:spPr>
+          <a:xfrm>
+            <a:off x="838200" y="365125"/>
+            <a:ext cx="7734300" cy="5811838"/>
+          </a:xfrm>
+        </p:spPr>
+        <p:txBody>
+          <a:bodyPr vert="eaVert"/>
+          <a:lstStyle/>
+          <a:p>
+            <a:pPr lvl="0"/>
+            <a:r>
+              <a:rPr lang="en-US" smtClean="0"/>
+              <a:t>Click to edit Master text styles</a:t>
+            </a:r>
+          </a:p>
+          <a:p>
+            <a:pPr lvl="1"/>
+            <a:r>
+              <a:rPr lang="en-US" smtClean="0"/>
+              <a:t>Second level</a:t>
+            </a:r>
+          </a:p>
+          <a:p>
+            <a:pPr lvl="2"/>
+            <a:r>
+              <a:rPr lang="en-US" smtClean="0"/>
+              <a:t>Third level</a:t>
+            </a:r>
+          </a:p>
+          <a:p>
+            <a:pPr lvl="3"/>
+            <a:r>
+              <a:rPr lang="en-US" smtClean="0"/>
+              <a:t>Fourth level</a:t>
+            </a:r>
+          </a:p>
+          <a:p>
+            <a:pPr lvl="4"/>
+            <a:r>
+              <a:rPr lang="en-US" smtClean="0"/>
+              <a:t>Fifth level</a:t>
+            </a:r>
+            <a:endParaRPr lang="en-US"/>
+          </a:p>
+        </p:txBody>
+      </p:sp>
+      <p:sp>
+        <p:nvSpPr>
+          <p:cNvPr id="4" name="Date Placeholder 3"/>
+          <p:cNvSpPr>
+            <a:spLocks noGrp="1"/>
+          </p:cNvSpPr>
+          <p:nvPr>
+            <p:ph type="dt" sz="half" idx="10"/>
+          </p:nvPr>
+        </p:nvSpPr>
+        <p:spPr/>
+        <p:txBody>
+          <a:bodyPr/>
+          <a:lstStyle/>
+          <a:p>
+            <a:fld id="{A93B2EAE-6EFD-8F4C-9604-62E60F56DC96}" type="datetimeFigureOut">
+              <a:rPr lang="en-US" smtClean="0"/>
+              <a:t>10/15/18</a:t>
+            </a:fld>
+            <a:endParaRPr lang="en-US"/>
+          </a:p>
+        </p:txBody>
+      </p:sp>
+      <p:sp>
+        <p:nvSpPr>
+          <p:cNvPr id="5" name="Footer Placeholder 4"/>
+          <p:cNvSpPr>
+            <a:spLocks noGrp="1"/>
+          </p:cNvSpPr>
+          <p:nvPr>
+            <p:ph type="ftr" sz="quarter" idx="11"/>
+          </p:nvPr>
+        </p:nvSpPr>
+        <p:spPr/>
+        <p:txBody>
+          <a:bodyPr/>
+          <a:lstStyle/>
+          <a:p>
+            <a:endParaRPr lang="en-US"/>
+          </a:p>
+        </p:txBody>
+      </p:sp>
+      <p:sp>
+        <p:nvSpPr>
+          <p:cNvPr id="6" name="Slide Number Placeholder 5"/>
+          <p:cNvSpPr>
+            <a:spLocks noGrp="1"/>
+          </p:cNvSpPr>
+          <p:nvPr>
+            <p:ph type="sldNum" sz="quarter" idx="12"/>
+          </p:nvPr>
+        </p:nvSpPr>
+        <p:spPr/>
+        <p:txBody>
+          <a:bodyPr/>
+          <a:lstStyle/>
+          <a:p>
+            <a:fld id="{4F7200E7-8FB2-224D-8D66-20AA921352D7}" type="slidenum">
+              <a:rPr lang="en-US" smtClean="0"/>
+              <a:t>‹#›</a:t>
+            </a:fld>
+            <a:endParaRPr lang="en-US"/>
+          </a:p>
+        </p:txBody>
+      </p:sp>
+    </p:spTree>
+    <p:extLst>
+      <p:ext uri="{BB962C8B-B14F-4D97-AF65-F5344CB8AC3E}">
+        <p14:creationId xmlns:p14="http://schemas.microsoft.com/office/powerpoint/2010/main" val="1358861716"/>
       </p:ext>
     </p:extLst>
   </p:cSld>
@@ -1716,7 +4018,7 @@
           <a:p>
             <a:fld id="{1C8920E0-4DA1-524E-AA5F-72FF81381A76}" type="datetimeFigureOut">
               <a:rPr lang="en-US" smtClean="0"/>
-              <a:t>10/13/2018</a:t>
+              <a:t>10/15/18</a:t>
             </a:fld>
             <a:endParaRPr lang="en-US"/>
           </a:p>
@@ -1945,7 +4247,7 @@
           <a:p>
             <a:fld id="{1C8920E0-4DA1-524E-AA5F-72FF81381A76}" type="datetimeFigureOut">
               <a:rPr lang="en-US" smtClean="0"/>
-              <a:t>10/13/2018</a:t>
+              <a:t>10/15/18</a:t>
             </a:fld>
             <a:endParaRPr lang="en-US"/>
           </a:p>
@@ -2309,7 +4611,7 @@
           <a:p>
             <a:fld id="{1C8920E0-4DA1-524E-AA5F-72FF81381A76}" type="datetimeFigureOut">
               <a:rPr lang="en-US" smtClean="0"/>
-              <a:t>10/13/2018</a:t>
+              <a:t>10/15/18</a:t>
             </a:fld>
             <a:endParaRPr lang="en-US"/>
           </a:p>
@@ -2426,7 +4728,7 @@
           <a:p>
             <a:fld id="{1C8920E0-4DA1-524E-AA5F-72FF81381A76}" type="datetimeFigureOut">
               <a:rPr lang="en-US" smtClean="0"/>
-              <a:t>10/13/2018</a:t>
+              <a:t>10/15/18</a:t>
             </a:fld>
             <a:endParaRPr lang="en-US"/>
           </a:p>
@@ -2521,7 +4823,7 @@
           <a:p>
             <a:fld id="{1C8920E0-4DA1-524E-AA5F-72FF81381A76}" type="datetimeFigureOut">
               <a:rPr lang="en-US" smtClean="0"/>
-              <a:t>10/13/2018</a:t>
+              <a:t>10/15/18</a:t>
             </a:fld>
             <a:endParaRPr lang="en-US"/>
           </a:p>
@@ -2796,7 +5098,7 @@
           <a:p>
             <a:fld id="{1C8920E0-4DA1-524E-AA5F-72FF81381A76}" type="datetimeFigureOut">
               <a:rPr lang="en-US" smtClean="0"/>
-              <a:t>10/13/2018</a:t>
+              <a:t>10/15/18</a:t>
             </a:fld>
             <a:endParaRPr lang="en-US"/>
           </a:p>
@@ -3048,7 +5350,7 @@
           <a:p>
             <a:fld id="{1C8920E0-4DA1-524E-AA5F-72FF81381A76}" type="datetimeFigureOut">
               <a:rPr lang="en-US" smtClean="0"/>
-              <a:t>10/13/2018</a:t>
+              <a:t>10/15/18</a:t>
             </a:fld>
             <a:endParaRPr lang="en-US"/>
           </a:p>
@@ -3259,7 +5561,7 @@
           <a:p>
             <a:fld id="{1C8920E0-4DA1-524E-AA5F-72FF81381A76}" type="datetimeFigureOut">
               <a:rPr lang="en-US" smtClean="0"/>
-              <a:t>10/13/2018</a:t>
+              <a:t>10/15/18</a:t>
             </a:fld>
             <a:endParaRPr lang="en-US"/>
           </a:p>
@@ -3647,9 +5949,14 @@
 </p:sldMaster>
 </file>
 
-<file path=ppt/slides/slide1.xml><?xml version="1.0" encoding="utf-8"?>
-<p:sld xmlns:a="http://schemas.openxmlformats.org/drawingml/2006/main" xmlns:r="http://schemas.openxmlformats.org/officeDocument/2006/relationships" xmlns:p="http://schemas.openxmlformats.org/presentationml/2006/main">
+<file path=ppt/slideMasters/slideMaster2.xml><?xml version="1.0" encoding="utf-8"?>
+<p:sldMaster xmlns:a="http://schemas.openxmlformats.org/drawingml/2006/main" xmlns:r="http://schemas.openxmlformats.org/officeDocument/2006/relationships" xmlns:p="http://schemas.openxmlformats.org/presentationml/2006/main" preserve="1">
   <p:cSld>
+    <p:bg>
+      <p:bgRef idx="1001">
+        <a:schemeClr val="bg1"/>
+      </p:bgRef>
+    </p:bg>
     <p:spTree>
       <p:nvGrpSpPr>
         <p:cNvPr id="1" name=""/>
@@ -3666,7 +5973,7 @@
       </p:grpSpPr>
       <p:sp>
         <p:nvSpPr>
-          <p:cNvPr id="2" name="Title 1"/>
+          <p:cNvPr id="2" name="Title Placeholder 1"/>
           <p:cNvSpPr>
             <a:spLocks noGrp="1"/>
           </p:cNvSpPr>
@@ -3674,60 +5981,531 @@
             <p:ph type="title"/>
           </p:nvPr>
         </p:nvSpPr>
-        <p:spPr/>
-        <p:txBody>
-          <a:bodyPr/>
-          <a:lstStyle/>
-          <a:p>
-            <a:r>
-              <a:rPr lang="en-US" altLang="zh-CN" dirty="0"/>
-              <a:t>Begin!</a:t>
-            </a:r>
-            <a:endParaRPr lang="en-US" dirty="0"/>
-          </a:p>
-        </p:txBody>
-      </p:sp>
-      <p:sp>
-        <p:nvSpPr>
-          <p:cNvPr id="6" name="Content Placeholder 5">
-            <a:extLst>
-              <a:ext uri="{FF2B5EF4-FFF2-40B4-BE49-F238E27FC236}">
-                <a16:creationId xmlns:a16="http://schemas.microsoft.com/office/drawing/2014/main" id="{90320CA0-602B-4087-9EA4-486B6E4E2602}"/>
-              </a:ext>
-            </a:extLst>
-          </p:cNvPr>
-          <p:cNvSpPr>
-            <a:spLocks noGrp="1"/>
-          </p:cNvSpPr>
-          <p:nvPr>
-            <p:ph idx="1"/>
-          </p:nvPr>
-        </p:nvSpPr>
-        <p:spPr/>
-        <p:txBody>
-          <a:bodyPr/>
-          <a:lstStyle/>
-          <a:p>
-            <a:endParaRPr lang="zh-CN" altLang="en-US"/>
+        <p:spPr>
+          <a:xfrm>
+            <a:off x="838200" y="365125"/>
+            <a:ext cx="10515600" cy="1325563"/>
+          </a:xfrm>
+          <a:prstGeom prst="rect">
+            <a:avLst/>
+          </a:prstGeom>
+        </p:spPr>
+        <p:txBody>
+          <a:bodyPr vert="horz" lIns="91440" tIns="45720" rIns="91440" bIns="45720" rtlCol="0" anchor="ctr">
+            <a:normAutofit/>
+          </a:bodyPr>
+          <a:lstStyle/>
+          <a:p>
+            <a:r>
+              <a:rPr lang="en-US" smtClean="0"/>
+              <a:t>Click to edit Master title style</a:t>
+            </a:r>
+            <a:endParaRPr lang="en-US"/>
+          </a:p>
+        </p:txBody>
+      </p:sp>
+      <p:sp>
+        <p:nvSpPr>
+          <p:cNvPr id="3" name="Text Placeholder 2"/>
+          <p:cNvSpPr>
+            <a:spLocks noGrp="1"/>
+          </p:cNvSpPr>
+          <p:nvPr>
+            <p:ph type="body" idx="1"/>
+          </p:nvPr>
+        </p:nvSpPr>
+        <p:spPr>
+          <a:xfrm>
+            <a:off x="838200" y="1825625"/>
+            <a:ext cx="10515600" cy="4351338"/>
+          </a:xfrm>
+          <a:prstGeom prst="rect">
+            <a:avLst/>
+          </a:prstGeom>
+        </p:spPr>
+        <p:txBody>
+          <a:bodyPr vert="horz" lIns="91440" tIns="45720" rIns="91440" bIns="45720" rtlCol="0">
+            <a:normAutofit/>
+          </a:bodyPr>
+          <a:lstStyle/>
+          <a:p>
+            <a:pPr lvl="0"/>
+            <a:r>
+              <a:rPr lang="en-US" smtClean="0"/>
+              <a:t>Click to edit Master text styles</a:t>
+            </a:r>
+          </a:p>
+          <a:p>
+            <a:pPr lvl="1"/>
+            <a:r>
+              <a:rPr lang="en-US" smtClean="0"/>
+              <a:t>Second level</a:t>
+            </a:r>
+          </a:p>
+          <a:p>
+            <a:pPr lvl="2"/>
+            <a:r>
+              <a:rPr lang="en-US" smtClean="0"/>
+              <a:t>Third level</a:t>
+            </a:r>
+          </a:p>
+          <a:p>
+            <a:pPr lvl="3"/>
+            <a:r>
+              <a:rPr lang="en-US" smtClean="0"/>
+              <a:t>Fourth level</a:t>
+            </a:r>
+          </a:p>
+          <a:p>
+            <a:pPr lvl="4"/>
+            <a:r>
+              <a:rPr lang="en-US" smtClean="0"/>
+              <a:t>Fifth level</a:t>
+            </a:r>
+            <a:endParaRPr lang="en-US"/>
+          </a:p>
+        </p:txBody>
+      </p:sp>
+      <p:sp>
+        <p:nvSpPr>
+          <p:cNvPr id="4" name="Date Placeholder 3"/>
+          <p:cNvSpPr>
+            <a:spLocks noGrp="1"/>
+          </p:cNvSpPr>
+          <p:nvPr>
+            <p:ph type="dt" sz="half" idx="2"/>
+          </p:nvPr>
+        </p:nvSpPr>
+        <p:spPr>
+          <a:xfrm>
+            <a:off x="838200" y="6356350"/>
+            <a:ext cx="2743200" cy="365125"/>
+          </a:xfrm>
+          <a:prstGeom prst="rect">
+            <a:avLst/>
+          </a:prstGeom>
+        </p:spPr>
+        <p:txBody>
+          <a:bodyPr vert="horz" lIns="91440" tIns="45720" rIns="91440" bIns="45720" rtlCol="0" anchor="ctr"/>
+          <a:lstStyle>
+            <a:lvl1pPr algn="l">
+              <a:defRPr sz="1200">
+                <a:solidFill>
+                  <a:schemeClr val="tx1">
+                    <a:tint val="75000"/>
+                  </a:schemeClr>
+                </a:solidFill>
+              </a:defRPr>
+            </a:lvl1pPr>
+          </a:lstStyle>
+          <a:p>
+            <a:fld id="{A93B2EAE-6EFD-8F4C-9604-62E60F56DC96}" type="datetimeFigureOut">
+              <a:rPr lang="en-US" smtClean="0"/>
+              <a:t>10/15/18</a:t>
+            </a:fld>
+            <a:endParaRPr lang="en-US"/>
+          </a:p>
+        </p:txBody>
+      </p:sp>
+      <p:sp>
+        <p:nvSpPr>
+          <p:cNvPr id="5" name="Footer Placeholder 4"/>
+          <p:cNvSpPr>
+            <a:spLocks noGrp="1"/>
+          </p:cNvSpPr>
+          <p:nvPr>
+            <p:ph type="ftr" sz="quarter" idx="3"/>
+          </p:nvPr>
+        </p:nvSpPr>
+        <p:spPr>
+          <a:xfrm>
+            <a:off x="4038600" y="6356350"/>
+            <a:ext cx="4114800" cy="365125"/>
+          </a:xfrm>
+          <a:prstGeom prst="rect">
+            <a:avLst/>
+          </a:prstGeom>
+        </p:spPr>
+        <p:txBody>
+          <a:bodyPr vert="horz" lIns="91440" tIns="45720" rIns="91440" bIns="45720" rtlCol="0" anchor="ctr"/>
+          <a:lstStyle>
+            <a:lvl1pPr algn="ctr">
+              <a:defRPr sz="1200">
+                <a:solidFill>
+                  <a:schemeClr val="tx1">
+                    <a:tint val="75000"/>
+                  </a:schemeClr>
+                </a:solidFill>
+              </a:defRPr>
+            </a:lvl1pPr>
+          </a:lstStyle>
+          <a:p>
+            <a:endParaRPr lang="en-US"/>
+          </a:p>
+        </p:txBody>
+      </p:sp>
+      <p:sp>
+        <p:nvSpPr>
+          <p:cNvPr id="6" name="Slide Number Placeholder 5"/>
+          <p:cNvSpPr>
+            <a:spLocks noGrp="1"/>
+          </p:cNvSpPr>
+          <p:nvPr>
+            <p:ph type="sldNum" sz="quarter" idx="4"/>
+          </p:nvPr>
+        </p:nvSpPr>
+        <p:spPr>
+          <a:xfrm>
+            <a:off x="8610600" y="6356350"/>
+            <a:ext cx="2743200" cy="365125"/>
+          </a:xfrm>
+          <a:prstGeom prst="rect">
+            <a:avLst/>
+          </a:prstGeom>
+        </p:spPr>
+        <p:txBody>
+          <a:bodyPr vert="horz" lIns="91440" tIns="45720" rIns="91440" bIns="45720" rtlCol="0" anchor="ctr"/>
+          <a:lstStyle>
+            <a:lvl1pPr algn="r">
+              <a:defRPr sz="1200">
+                <a:solidFill>
+                  <a:schemeClr val="tx1">
+                    <a:tint val="75000"/>
+                  </a:schemeClr>
+                </a:solidFill>
+              </a:defRPr>
+            </a:lvl1pPr>
+          </a:lstStyle>
+          <a:p>
+            <a:fld id="{4F7200E7-8FB2-224D-8D66-20AA921352D7}" type="slidenum">
+              <a:rPr lang="en-US" smtClean="0"/>
+              <a:t>‹#›</a:t>
+            </a:fld>
+            <a:endParaRPr lang="en-US"/>
           </a:p>
         </p:txBody>
       </p:sp>
     </p:spTree>
     <p:extLst>
       <p:ext uri="{BB962C8B-B14F-4D97-AF65-F5344CB8AC3E}">
-        <p14:creationId xmlns:p14="http://schemas.microsoft.com/office/powerpoint/2010/main" val="1608236355"/>
+        <p14:creationId xmlns:p14="http://schemas.microsoft.com/office/powerpoint/2010/main" val="454518353"/>
       </p:ext>
     </p:extLst>
   </p:cSld>
-  <p:clrMapOvr>
-    <a:masterClrMapping/>
-  </p:clrMapOvr>
-</p:sld>
+  <p:clrMap bg1="lt1" tx1="dk1" bg2="lt2" tx2="dk2" accent1="accent1" accent2="accent2" accent3="accent3" accent4="accent4" accent5="accent5" accent6="accent6" hlink="hlink" folHlink="folHlink"/>
+  <p:sldLayoutIdLst>
+    <p:sldLayoutId id="2147483661" r:id="rId1"/>
+    <p:sldLayoutId id="2147483662" r:id="rId2"/>
+    <p:sldLayoutId id="2147483663" r:id="rId3"/>
+    <p:sldLayoutId id="2147483664" r:id="rId4"/>
+    <p:sldLayoutId id="2147483665" r:id="rId5"/>
+    <p:sldLayoutId id="2147483666" r:id="rId6"/>
+    <p:sldLayoutId id="2147483667" r:id="rId7"/>
+    <p:sldLayoutId id="2147483668" r:id="rId8"/>
+    <p:sldLayoutId id="2147483669" r:id="rId9"/>
+    <p:sldLayoutId id="2147483670" r:id="rId10"/>
+    <p:sldLayoutId id="2147483671" r:id="rId11"/>
+  </p:sldLayoutIdLst>
+  <p:txStyles>
+    <p:titleStyle>
+      <a:lvl1pPr algn="l" defTabSz="914400" rtl="0" eaLnBrk="1" latinLnBrk="0" hangingPunct="1">
+        <a:lnSpc>
+          <a:spcPct val="90000"/>
+        </a:lnSpc>
+        <a:spcBef>
+          <a:spcPct val="0"/>
+        </a:spcBef>
+        <a:buNone/>
+        <a:defRPr sz="4400" kern="1200">
+          <a:solidFill>
+            <a:schemeClr val="tx1"/>
+          </a:solidFill>
+          <a:latin typeface="+mj-lt"/>
+          <a:ea typeface="+mj-ea"/>
+          <a:cs typeface="+mj-cs"/>
+        </a:defRPr>
+      </a:lvl1pPr>
+    </p:titleStyle>
+    <p:bodyStyle>
+      <a:lvl1pPr marL="228600" indent="-228600" algn="l" defTabSz="914400" rtl="0" eaLnBrk="1" latinLnBrk="0" hangingPunct="1">
+        <a:lnSpc>
+          <a:spcPct val="90000"/>
+        </a:lnSpc>
+        <a:spcBef>
+          <a:spcPts val="1000"/>
+        </a:spcBef>
+        <a:buFont typeface="Arial"/>
+        <a:buChar char="•"/>
+        <a:defRPr sz="2800" kern="1200">
+          <a:solidFill>
+            <a:schemeClr val="tx1"/>
+          </a:solidFill>
+          <a:latin typeface="+mn-lt"/>
+          <a:ea typeface="+mn-ea"/>
+          <a:cs typeface="+mn-cs"/>
+        </a:defRPr>
+      </a:lvl1pPr>
+      <a:lvl2pPr marL="685800" indent="-228600" algn="l" defTabSz="914400" rtl="0" eaLnBrk="1" latinLnBrk="0" hangingPunct="1">
+        <a:lnSpc>
+          <a:spcPct val="90000"/>
+        </a:lnSpc>
+        <a:spcBef>
+          <a:spcPts val="500"/>
+        </a:spcBef>
+        <a:buFont typeface="Arial"/>
+        <a:buChar char="•"/>
+        <a:defRPr sz="2400" kern="1200">
+          <a:solidFill>
+            <a:schemeClr val="tx1"/>
+          </a:solidFill>
+          <a:latin typeface="+mn-lt"/>
+          <a:ea typeface="+mn-ea"/>
+          <a:cs typeface="+mn-cs"/>
+        </a:defRPr>
+      </a:lvl2pPr>
+      <a:lvl3pPr marL="1143000" indent="-228600" algn="l" defTabSz="914400" rtl="0" eaLnBrk="1" latinLnBrk="0" hangingPunct="1">
+        <a:lnSpc>
+          <a:spcPct val="90000"/>
+        </a:lnSpc>
+        <a:spcBef>
+          <a:spcPts val="500"/>
+        </a:spcBef>
+        <a:buFont typeface="Arial"/>
+        <a:buChar char="•"/>
+        <a:defRPr sz="2000" kern="1200">
+          <a:solidFill>
+            <a:schemeClr val="tx1"/>
+          </a:solidFill>
+          <a:latin typeface="+mn-lt"/>
+          <a:ea typeface="+mn-ea"/>
+          <a:cs typeface="+mn-cs"/>
+        </a:defRPr>
+      </a:lvl3pPr>
+      <a:lvl4pPr marL="1600200" indent="-228600" algn="l" defTabSz="914400" rtl="0" eaLnBrk="1" latinLnBrk="0" hangingPunct="1">
+        <a:lnSpc>
+          <a:spcPct val="90000"/>
+        </a:lnSpc>
+        <a:spcBef>
+          <a:spcPts val="500"/>
+        </a:spcBef>
+        <a:buFont typeface="Arial"/>
+        <a:buChar char="•"/>
+        <a:defRPr sz="1800" kern="1200">
+          <a:solidFill>
+            <a:schemeClr val="tx1"/>
+          </a:solidFill>
+          <a:latin typeface="+mn-lt"/>
+          <a:ea typeface="+mn-ea"/>
+          <a:cs typeface="+mn-cs"/>
+        </a:defRPr>
+      </a:lvl4pPr>
+      <a:lvl5pPr marL="2057400" indent="-228600" algn="l" defTabSz="914400" rtl="0" eaLnBrk="1" latinLnBrk="0" hangingPunct="1">
+        <a:lnSpc>
+          <a:spcPct val="90000"/>
+        </a:lnSpc>
+        <a:spcBef>
+          <a:spcPts val="500"/>
+        </a:spcBef>
+        <a:buFont typeface="Arial"/>
+        <a:buChar char="•"/>
+        <a:defRPr sz="1800" kern="1200">
+          <a:solidFill>
+            <a:schemeClr val="tx1"/>
+          </a:solidFill>
+          <a:latin typeface="+mn-lt"/>
+          <a:ea typeface="+mn-ea"/>
+          <a:cs typeface="+mn-cs"/>
+        </a:defRPr>
+      </a:lvl5pPr>
+      <a:lvl6pPr marL="2514600" indent="-228600" algn="l" defTabSz="914400" rtl="0" eaLnBrk="1" latinLnBrk="0" hangingPunct="1">
+        <a:lnSpc>
+          <a:spcPct val="90000"/>
+        </a:lnSpc>
+        <a:spcBef>
+          <a:spcPts val="500"/>
+        </a:spcBef>
+        <a:buFont typeface="Arial"/>
+        <a:buChar char="•"/>
+        <a:defRPr sz="1800" kern="1200">
+          <a:solidFill>
+            <a:schemeClr val="tx1"/>
+          </a:solidFill>
+          <a:latin typeface="+mn-lt"/>
+          <a:ea typeface="+mn-ea"/>
+          <a:cs typeface="+mn-cs"/>
+        </a:defRPr>
+      </a:lvl6pPr>
+      <a:lvl7pPr marL="2971800" indent="-228600" algn="l" defTabSz="914400" rtl="0" eaLnBrk="1" latinLnBrk="0" hangingPunct="1">
+        <a:lnSpc>
+          <a:spcPct val="90000"/>
+        </a:lnSpc>
+        <a:spcBef>
+          <a:spcPts val="500"/>
+        </a:spcBef>
+        <a:buFont typeface="Arial"/>
+        <a:buChar char="•"/>
+        <a:defRPr sz="1800" kern="1200">
+          <a:solidFill>
+            <a:schemeClr val="tx1"/>
+          </a:solidFill>
+          <a:latin typeface="+mn-lt"/>
+          <a:ea typeface="+mn-ea"/>
+          <a:cs typeface="+mn-cs"/>
+        </a:defRPr>
+      </a:lvl7pPr>
+      <a:lvl8pPr marL="3429000" indent="-228600" algn="l" defTabSz="914400" rtl="0" eaLnBrk="1" latinLnBrk="0" hangingPunct="1">
+        <a:lnSpc>
+          <a:spcPct val="90000"/>
+        </a:lnSpc>
+        <a:spcBef>
+          <a:spcPts val="500"/>
+        </a:spcBef>
+        <a:buFont typeface="Arial"/>
+        <a:buChar char="•"/>
+        <a:defRPr sz="1800" kern="1200">
+          <a:solidFill>
+            <a:schemeClr val="tx1"/>
+          </a:solidFill>
+          <a:latin typeface="+mn-lt"/>
+          <a:ea typeface="+mn-ea"/>
+          <a:cs typeface="+mn-cs"/>
+        </a:defRPr>
+      </a:lvl8pPr>
+      <a:lvl9pPr marL="3886200" indent="-228600" algn="l" defTabSz="914400" rtl="0" eaLnBrk="1" latinLnBrk="0" hangingPunct="1">
+        <a:lnSpc>
+          <a:spcPct val="90000"/>
+        </a:lnSpc>
+        <a:spcBef>
+          <a:spcPts val="500"/>
+        </a:spcBef>
+        <a:buFont typeface="Arial"/>
+        <a:buChar char="•"/>
+        <a:defRPr sz="1800" kern="1200">
+          <a:solidFill>
+            <a:schemeClr val="tx1"/>
+          </a:solidFill>
+          <a:latin typeface="+mn-lt"/>
+          <a:ea typeface="+mn-ea"/>
+          <a:cs typeface="+mn-cs"/>
+        </a:defRPr>
+      </a:lvl9pPr>
+    </p:bodyStyle>
+    <p:otherStyle>
+      <a:defPPr>
+        <a:defRPr lang="en-US"/>
+      </a:defPPr>
+      <a:lvl1pPr marL="0" algn="l" defTabSz="914400" rtl="0" eaLnBrk="1" latinLnBrk="0" hangingPunct="1">
+        <a:defRPr sz="1800" kern="1200">
+          <a:solidFill>
+            <a:schemeClr val="tx1"/>
+          </a:solidFill>
+          <a:latin typeface="+mn-lt"/>
+          <a:ea typeface="+mn-ea"/>
+          <a:cs typeface="+mn-cs"/>
+        </a:defRPr>
+      </a:lvl1pPr>
+      <a:lvl2pPr marL="457200" algn="l" defTabSz="914400" rtl="0" eaLnBrk="1" latinLnBrk="0" hangingPunct="1">
+        <a:defRPr sz="1800" kern="1200">
+          <a:solidFill>
+            <a:schemeClr val="tx1"/>
+          </a:solidFill>
+          <a:latin typeface="+mn-lt"/>
+          <a:ea typeface="+mn-ea"/>
+          <a:cs typeface="+mn-cs"/>
+        </a:defRPr>
+      </a:lvl2pPr>
+      <a:lvl3pPr marL="914400" algn="l" defTabSz="914400" rtl="0" eaLnBrk="1" latinLnBrk="0" hangingPunct="1">
+        <a:defRPr sz="1800" kern="1200">
+          <a:solidFill>
+            <a:schemeClr val="tx1"/>
+          </a:solidFill>
+          <a:latin typeface="+mn-lt"/>
+          <a:ea typeface="+mn-ea"/>
+          <a:cs typeface="+mn-cs"/>
+        </a:defRPr>
+      </a:lvl3pPr>
+      <a:lvl4pPr marL="1371600" algn="l" defTabSz="914400" rtl="0" eaLnBrk="1" latinLnBrk="0" hangingPunct="1">
+        <a:defRPr sz="1800" kern="1200">
+          <a:solidFill>
+            <a:schemeClr val="tx1"/>
+          </a:solidFill>
+          <a:latin typeface="+mn-lt"/>
+          <a:ea typeface="+mn-ea"/>
+          <a:cs typeface="+mn-cs"/>
+        </a:defRPr>
+      </a:lvl4pPr>
+      <a:lvl5pPr marL="1828800" algn="l" defTabSz="914400" rtl="0" eaLnBrk="1" latinLnBrk="0" hangingPunct="1">
+        <a:defRPr sz="1800" kern="1200">
+          <a:solidFill>
+            <a:schemeClr val="tx1"/>
+          </a:solidFill>
+          <a:latin typeface="+mn-lt"/>
+          <a:ea typeface="+mn-ea"/>
+          <a:cs typeface="+mn-cs"/>
+        </a:defRPr>
+      </a:lvl5pPr>
+      <a:lvl6pPr marL="2286000" algn="l" defTabSz="914400" rtl="0" eaLnBrk="1" latinLnBrk="0" hangingPunct="1">
+        <a:defRPr sz="1800" kern="1200">
+          <a:solidFill>
+            <a:schemeClr val="tx1"/>
+          </a:solidFill>
+          <a:latin typeface="+mn-lt"/>
+          <a:ea typeface="+mn-ea"/>
+          <a:cs typeface="+mn-cs"/>
+        </a:defRPr>
+      </a:lvl6pPr>
+      <a:lvl7pPr marL="2743200" algn="l" defTabSz="914400" rtl="0" eaLnBrk="1" latinLnBrk="0" hangingPunct="1">
+        <a:defRPr sz="1800" kern="1200">
+          <a:solidFill>
+            <a:schemeClr val="tx1"/>
+          </a:solidFill>
+          <a:latin typeface="+mn-lt"/>
+          <a:ea typeface="+mn-ea"/>
+          <a:cs typeface="+mn-cs"/>
+        </a:defRPr>
+      </a:lvl7pPr>
+      <a:lvl8pPr marL="3200400" algn="l" defTabSz="914400" rtl="0" eaLnBrk="1" latinLnBrk="0" hangingPunct="1">
+        <a:defRPr sz="1800" kern="1200">
+          <a:solidFill>
+            <a:schemeClr val="tx1"/>
+          </a:solidFill>
+          <a:latin typeface="+mn-lt"/>
+          <a:ea typeface="+mn-ea"/>
+          <a:cs typeface="+mn-cs"/>
+        </a:defRPr>
+      </a:lvl8pPr>
+      <a:lvl9pPr marL="3657600" algn="l" defTabSz="914400" rtl="0" eaLnBrk="1" latinLnBrk="0" hangingPunct="1">
+        <a:defRPr sz="1800" kern="1200">
+          <a:solidFill>
+            <a:schemeClr val="tx1"/>
+          </a:solidFill>
+          <a:latin typeface="+mn-lt"/>
+          <a:ea typeface="+mn-ea"/>
+          <a:cs typeface="+mn-cs"/>
+        </a:defRPr>
+      </a:lvl9pPr>
+    </p:otherStyle>
+  </p:txStyles>
+</p:sldMaster>
 </file>
 
-<file path=ppt/slides/slide10.xml><?xml version="1.0" encoding="utf-8"?>
+<file path=ppt/slides/slide1.xml><?xml version="1.0" encoding="utf-8"?>
 <p:sld xmlns:a="http://schemas.openxmlformats.org/drawingml/2006/main" xmlns:r="http://schemas.openxmlformats.org/officeDocument/2006/relationships" xmlns:p="http://schemas.openxmlformats.org/presentationml/2006/main">
   <p:cSld>
+    <p:bg>
+      <p:bgPr>
+        <a:blipFill dpi="0" rotWithShape="1">
+          <a:blip r:embed="rId3">
+            <a:lum/>
+          </a:blip>
+          <a:srcRect/>
+          <a:stretch>
+            <a:fillRect t="-17000" b="-17000"/>
+          </a:stretch>
+        </a:blipFill>
+        <a:effectLst/>
+      </p:bgPr>
+    </p:bg>
     <p:spTree>
       <p:nvGrpSpPr>
         <p:cNvPr id="1" name=""/>
@@ -3752,37 +6530,28 @@
             <p:ph type="title"/>
           </p:nvPr>
         </p:nvSpPr>
-        <p:spPr>
-          <a:xfrm>
-            <a:off x="838200" y="365125"/>
-            <a:ext cx="10515600" cy="1066633"/>
-          </a:xfrm>
-        </p:spPr>
-        <p:txBody>
-          <a:bodyPr>
-            <a:normAutofit/>
-          </a:bodyPr>
-          <a:lstStyle/>
-          <a:p>
-            <a:r>
-              <a:rPr lang="zh-CN" altLang="en-US" sz="4000" dirty="0"/>
-              <a:t>典型的</a:t>
-            </a:r>
-            <a:r>
-              <a:rPr lang="en-US" altLang="zh-CN" sz="4000" dirty="0"/>
-              <a:t>MIDI</a:t>
-            </a:r>
-            <a:r>
-              <a:rPr lang="zh-CN" altLang="en-US" sz="4000" dirty="0"/>
-              <a:t>软件介绍：</a:t>
-            </a:r>
-            <a:endParaRPr lang="en-US" sz="2000" dirty="0"/>
-          </a:p>
-        </p:txBody>
-      </p:sp>
-      <p:sp>
-        <p:nvSpPr>
-          <p:cNvPr id="3" name="Content Placeholder 2"/>
+        <p:spPr/>
+        <p:txBody>
+          <a:bodyPr/>
+          <a:lstStyle/>
+          <a:p>
+            <a:r>
+              <a:rPr lang="en-US" altLang="zh-CN" dirty="0"/>
+              <a:t>Begin!</a:t>
+            </a:r>
+            <a:endParaRPr lang="en-US" dirty="0"/>
+          </a:p>
+        </p:txBody>
+      </p:sp>
+      <p:sp>
+        <p:nvSpPr>
+          <p:cNvPr id="6" name="Content Placeholder 5">
+            <a:extLst>
+              <a:ext uri="{FF2B5EF4-FFF2-40B4-BE49-F238E27FC236}">
+                <a16:creationId xmlns:a16="http://schemas.microsoft.com/office/drawing/2014/main" xmlns="" id="{90320CA0-602B-4087-9EA4-486B6E4E2602}"/>
+              </a:ext>
+            </a:extLst>
+          </p:cNvPr>
           <p:cNvSpPr>
             <a:spLocks noGrp="1"/>
           </p:cNvSpPr>
@@ -3790,135 +6559,52 @@
             <p:ph idx="1"/>
           </p:nvPr>
         </p:nvSpPr>
-        <p:spPr>
-          <a:xfrm>
-            <a:off x="838200" y="1515979"/>
-            <a:ext cx="10515600" cy="4660984"/>
-          </a:xfrm>
-        </p:spPr>
-        <p:txBody>
-          <a:bodyPr/>
-          <a:lstStyle/>
-          <a:p>
-            <a:r>
-              <a:rPr lang="zh-CN" altLang="en-US" dirty="0"/>
-              <a:t>目前有很多</a:t>
-            </a:r>
-            <a:r>
-              <a:rPr lang="en-US" altLang="zh-CN" dirty="0"/>
-              <a:t>MIDI</a:t>
-            </a:r>
-            <a:r>
-              <a:rPr lang="zh-CN" altLang="en-US" dirty="0"/>
-              <a:t>软件</a:t>
-            </a:r>
-            <a:endParaRPr lang="en-US" altLang="zh-CN" dirty="0"/>
-          </a:p>
-          <a:p>
-            <a:pPr lvl="1"/>
-            <a:r>
-              <a:rPr lang="zh-CN" altLang="en-US" dirty="0"/>
-              <a:t>主要功能类型有：</a:t>
-            </a:r>
-            <a:r>
-              <a:rPr lang="en-US" altLang="zh-CN" dirty="0"/>
-              <a:t>MIDI</a:t>
-            </a:r>
-            <a:r>
-              <a:rPr lang="zh-CN" altLang="en-US" dirty="0"/>
-              <a:t>音乐制作，</a:t>
-            </a:r>
-            <a:r>
-              <a:rPr lang="en-US" altLang="zh-CN" dirty="0"/>
-              <a:t>MIDI</a:t>
-            </a:r>
-            <a:r>
-              <a:rPr lang="zh-CN" altLang="en-US" dirty="0"/>
-              <a:t>音乐编辑，</a:t>
-            </a:r>
-            <a:r>
-              <a:rPr lang="en-US" altLang="zh-CN" dirty="0"/>
-              <a:t>MIDI</a:t>
-            </a:r>
-            <a:r>
-              <a:rPr lang="zh-CN" altLang="en-US" dirty="0"/>
-              <a:t>音乐播放</a:t>
-            </a:r>
-            <a:endParaRPr lang="en-US" altLang="zh-CN" dirty="0"/>
-          </a:p>
-          <a:p>
-            <a:pPr lvl="1"/>
-            <a:r>
-              <a:rPr lang="zh-CN" altLang="en-US" dirty="0"/>
-              <a:t>某些软件必须和特定类型的</a:t>
-            </a:r>
-            <a:r>
-              <a:rPr lang="en-US" altLang="zh-CN" dirty="0"/>
-              <a:t>MIDI</a:t>
-            </a:r>
-            <a:r>
-              <a:rPr lang="zh-CN" altLang="en-US" dirty="0"/>
-              <a:t>硬件一起工作，功能强大，价格比较贵</a:t>
-            </a:r>
-            <a:endParaRPr lang="en-US" altLang="zh-CN" dirty="0"/>
-          </a:p>
-          <a:p>
-            <a:pPr lvl="1"/>
-            <a:r>
-              <a:rPr lang="zh-CN" altLang="en-US" dirty="0"/>
-              <a:t>更多的软件功能简单，价格便宜甚至是免费提供</a:t>
-            </a:r>
-            <a:endParaRPr lang="en-US" altLang="zh-CN" dirty="0"/>
-          </a:p>
-          <a:p>
-            <a:r>
-              <a:rPr lang="en-US" altLang="zh-CN" dirty="0" err="1"/>
-              <a:t>MidiEditor</a:t>
-            </a:r>
-            <a:r>
-              <a:rPr lang="zh-CN" altLang="en-US" dirty="0"/>
-              <a:t>介绍</a:t>
-            </a:r>
-            <a:endParaRPr lang="en-US" altLang="zh-CN" dirty="0"/>
-          </a:p>
-          <a:p>
-            <a:pPr lvl="1"/>
-            <a:r>
-              <a:rPr lang="en-US" altLang="zh-CN" dirty="0" err="1"/>
-              <a:t>MidiEdior</a:t>
-            </a:r>
-            <a:r>
-              <a:rPr lang="zh-CN" altLang="en-US" dirty="0"/>
-              <a:t>使用演示</a:t>
-            </a:r>
-            <a:r>
-              <a:rPr lang="is-IS" altLang="zh-CN" dirty="0"/>
-              <a:t>…...</a:t>
-            </a:r>
-            <a:endParaRPr lang="en-US" altLang="zh-CN" dirty="0"/>
-          </a:p>
-          <a:p>
-            <a:pPr lvl="1"/>
-            <a:endParaRPr lang="en-US" dirty="0"/>
+        <p:spPr/>
+        <p:txBody>
+          <a:bodyPr/>
+          <a:lstStyle/>
+          <a:p>
+            <a:endParaRPr lang="zh-CN" altLang="en-US" dirty="0"/>
           </a:p>
         </p:txBody>
       </p:sp>
     </p:spTree>
     <p:extLst>
       <p:ext uri="{BB962C8B-B14F-4D97-AF65-F5344CB8AC3E}">
-        <p14:creationId xmlns:p14="http://schemas.microsoft.com/office/powerpoint/2010/main" val="35885742"/>
+        <p14:creationId xmlns:p14="http://schemas.microsoft.com/office/powerpoint/2010/main" val="1608236355"/>
       </p:ext>
     </p:extLst>
   </p:cSld>
   <p:clrMapOvr>
     <a:masterClrMapping/>
   </p:clrMapOvr>
+  <p:timing>
+    <p:tnLst>
+      <p:par>
+        <p:cTn id="1" dur="indefinite" restart="never" nodeType="tmRoot"/>
+      </p:par>
+    </p:tnLst>
+  </p:timing>
 </p:sld>
 </file>
 
-<file path=ppt/slides/slide11.xml><?xml version="1.0" encoding="utf-8"?>
+<file path=ppt/slides/slide10.xml><?xml version="1.0" encoding="utf-8"?>
 <p:sld xmlns:a="http://schemas.openxmlformats.org/drawingml/2006/main" xmlns:r="http://schemas.openxmlformats.org/officeDocument/2006/relationships" xmlns:p="http://schemas.openxmlformats.org/presentationml/2006/main">
   <p:cSld>
+    <p:bg>
+      <p:bgPr>
+        <a:blipFill dpi="0" rotWithShape="1">
+          <a:blip r:embed="rId2">
+            <a:lum/>
+          </a:blip>
+          <a:srcRect/>
+          <a:stretch>
+            <a:fillRect t="-17000" b="-17000"/>
+          </a:stretch>
+        </a:blipFill>
+        <a:effectLst/>
+      </p:bgPr>
+    </p:bg>
     <p:spTree>
       <p:nvGrpSpPr>
         <p:cNvPr id="1" name=""/>
@@ -3945,6 +6631,218 @@
         </p:nvSpPr>
         <p:spPr>
           <a:xfrm>
+            <a:off x="838200" y="365125"/>
+            <a:ext cx="10515600" cy="1066633"/>
+          </a:xfrm>
+        </p:spPr>
+        <p:txBody>
+          <a:bodyPr>
+            <a:normAutofit/>
+          </a:bodyPr>
+          <a:lstStyle/>
+          <a:p>
+            <a:r>
+              <a:rPr lang="zh-CN" altLang="en-US" sz="4000" dirty="0"/>
+              <a:t>典型的</a:t>
+            </a:r>
+            <a:r>
+              <a:rPr lang="en-US" altLang="zh-CN" sz="4000" dirty="0"/>
+              <a:t>MIDI</a:t>
+            </a:r>
+            <a:r>
+              <a:rPr lang="zh-CN" altLang="en-US" sz="4000" dirty="0"/>
+              <a:t>软件介绍：</a:t>
+            </a:r>
+            <a:endParaRPr lang="en-US" sz="2000" dirty="0"/>
+          </a:p>
+        </p:txBody>
+      </p:sp>
+      <p:sp>
+        <p:nvSpPr>
+          <p:cNvPr id="3" name="Content Placeholder 2"/>
+          <p:cNvSpPr>
+            <a:spLocks noGrp="1"/>
+          </p:cNvSpPr>
+          <p:nvPr>
+            <p:ph idx="1"/>
+          </p:nvPr>
+        </p:nvSpPr>
+        <p:spPr>
+          <a:xfrm>
+            <a:off x="838200" y="1515979"/>
+            <a:ext cx="10515600" cy="4660984"/>
+          </a:xfrm>
+        </p:spPr>
+        <p:txBody>
+          <a:bodyPr/>
+          <a:lstStyle/>
+          <a:p>
+            <a:r>
+              <a:rPr lang="zh-CN" altLang="en-US" dirty="0"/>
+              <a:t>目前有很多</a:t>
+            </a:r>
+            <a:r>
+              <a:rPr lang="en-US" altLang="zh-CN" dirty="0"/>
+              <a:t>MIDI</a:t>
+            </a:r>
+            <a:r>
+              <a:rPr lang="zh-CN" altLang="en-US" dirty="0"/>
+              <a:t>软件</a:t>
+            </a:r>
+            <a:endParaRPr lang="en-US" altLang="zh-CN" dirty="0"/>
+          </a:p>
+          <a:p>
+            <a:pPr lvl="1"/>
+            <a:r>
+              <a:rPr lang="zh-CN" altLang="en-US" dirty="0"/>
+              <a:t>主要功能类型有：</a:t>
+            </a:r>
+            <a:r>
+              <a:rPr lang="en-US" altLang="zh-CN" dirty="0"/>
+              <a:t>MIDI</a:t>
+            </a:r>
+            <a:r>
+              <a:rPr lang="zh-CN" altLang="en-US" dirty="0"/>
+              <a:t>音乐制作，</a:t>
+            </a:r>
+            <a:r>
+              <a:rPr lang="en-US" altLang="zh-CN" dirty="0"/>
+              <a:t>MIDI</a:t>
+            </a:r>
+            <a:r>
+              <a:rPr lang="zh-CN" altLang="en-US" dirty="0"/>
+              <a:t>音乐编辑，</a:t>
+            </a:r>
+            <a:r>
+              <a:rPr lang="en-US" altLang="zh-CN" dirty="0"/>
+              <a:t>MIDI</a:t>
+            </a:r>
+            <a:r>
+              <a:rPr lang="zh-CN" altLang="en-US" dirty="0"/>
+              <a:t>音乐播放</a:t>
+            </a:r>
+            <a:endParaRPr lang="en-US" altLang="zh-CN" dirty="0"/>
+          </a:p>
+          <a:p>
+            <a:pPr lvl="1"/>
+            <a:r>
+              <a:rPr lang="zh-CN" altLang="en-US" dirty="0"/>
+              <a:t>某些软件必须和特定类型的</a:t>
+            </a:r>
+            <a:r>
+              <a:rPr lang="en-US" altLang="zh-CN" dirty="0"/>
+              <a:t>MIDI</a:t>
+            </a:r>
+            <a:r>
+              <a:rPr lang="zh-CN" altLang="en-US" dirty="0"/>
+              <a:t>硬件一起工作，功能强大，价格比较贵</a:t>
+            </a:r>
+            <a:endParaRPr lang="en-US" altLang="zh-CN" dirty="0"/>
+          </a:p>
+          <a:p>
+            <a:pPr lvl="1"/>
+            <a:r>
+              <a:rPr lang="zh-CN" altLang="en-US" dirty="0"/>
+              <a:t>更多的软件功能简单，价格便宜甚至是免费提供</a:t>
+            </a:r>
+            <a:endParaRPr lang="en-US" altLang="zh-CN" dirty="0"/>
+          </a:p>
+          <a:p>
+            <a:r>
+              <a:rPr lang="en-US" altLang="zh-CN" dirty="0" err="1"/>
+              <a:t>MidiEditor</a:t>
+            </a:r>
+            <a:r>
+              <a:rPr lang="zh-CN" altLang="en-US" dirty="0"/>
+              <a:t>介绍</a:t>
+            </a:r>
+            <a:endParaRPr lang="en-US" altLang="zh-CN" dirty="0"/>
+          </a:p>
+          <a:p>
+            <a:pPr lvl="1"/>
+            <a:r>
+              <a:rPr lang="en-US" altLang="zh-CN" dirty="0" err="1"/>
+              <a:t>MidiEdior</a:t>
+            </a:r>
+            <a:r>
+              <a:rPr lang="zh-CN" altLang="en-US" dirty="0"/>
+              <a:t>使用演示</a:t>
+            </a:r>
+            <a:r>
+              <a:rPr lang="is-IS" altLang="zh-CN" dirty="0"/>
+              <a:t>…...</a:t>
+            </a:r>
+            <a:endParaRPr lang="en-US" altLang="zh-CN" dirty="0"/>
+          </a:p>
+          <a:p>
+            <a:pPr lvl="1"/>
+            <a:endParaRPr lang="en-US" dirty="0"/>
+          </a:p>
+        </p:txBody>
+      </p:sp>
+    </p:spTree>
+    <p:extLst>
+      <p:ext uri="{BB962C8B-B14F-4D97-AF65-F5344CB8AC3E}">
+        <p14:creationId xmlns:p14="http://schemas.microsoft.com/office/powerpoint/2010/main" val="35885742"/>
+      </p:ext>
+    </p:extLst>
+  </p:cSld>
+  <p:clrMapOvr>
+    <a:masterClrMapping/>
+  </p:clrMapOvr>
+  <p:timing>
+    <p:tnLst>
+      <p:par>
+        <p:cTn id="1" dur="indefinite" restart="never" nodeType="tmRoot"/>
+      </p:par>
+    </p:tnLst>
+  </p:timing>
+</p:sld>
+</file>
+
+<file path=ppt/slides/slide11.xml><?xml version="1.0" encoding="utf-8"?>
+<p:sld xmlns:a="http://schemas.openxmlformats.org/drawingml/2006/main" xmlns:r="http://schemas.openxmlformats.org/officeDocument/2006/relationships" xmlns:p="http://schemas.openxmlformats.org/presentationml/2006/main">
+  <p:cSld>
+    <p:bg>
+      <p:bgPr>
+        <a:blipFill dpi="0" rotWithShape="1">
+          <a:blip r:embed="rId2">
+            <a:lum/>
+          </a:blip>
+          <a:srcRect/>
+          <a:stretch>
+            <a:fillRect t="-17000" b="-17000"/>
+          </a:stretch>
+        </a:blipFill>
+        <a:effectLst/>
+      </p:bgPr>
+    </p:bg>
+    <p:spTree>
+      <p:nvGrpSpPr>
+        <p:cNvPr id="1" name=""/>
+        <p:cNvGrpSpPr/>
+        <p:nvPr/>
+      </p:nvGrpSpPr>
+      <p:grpSpPr>
+        <a:xfrm>
+          <a:off x="0" y="0"/>
+          <a:ext cx="0" cy="0"/>
+          <a:chOff x="0" y="0"/>
+          <a:chExt cx="0" cy="0"/>
+        </a:xfrm>
+      </p:grpSpPr>
+      <p:sp>
+        <p:nvSpPr>
+          <p:cNvPr id="2" name="Title 1"/>
+          <p:cNvSpPr>
+            <a:spLocks noGrp="1"/>
+          </p:cNvSpPr>
+          <p:nvPr>
+            <p:ph type="title"/>
+          </p:nvPr>
+        </p:nvSpPr>
+        <p:spPr>
+          <a:xfrm>
             <a:off x="838200" y="365126"/>
             <a:ext cx="10515600" cy="1162886"/>
           </a:xfrm>
@@ -3962,6 +6860,10 @@
             <a:r>
               <a:rPr lang="zh-CN" altLang="en-US" dirty="0"/>
               <a:t>文件的生成方式</a:t>
+            </a:r>
+            <a:r>
+              <a:rPr lang="en-US" altLang="zh-CN" dirty="0"/>
+              <a:t/>
             </a:r>
             <a:br>
               <a:rPr lang="en-US" altLang="zh-CN" dirty="0"/>
@@ -4026,7 +6928,7 @@
           <p:nvPr/>
         </p:nvPicPr>
         <p:blipFill>
-          <a:blip r:embed="rId2">
+          <a:blip r:embed="rId3">
             <a:extLst>
               <a:ext uri="{28A0092B-C50C-407E-A947-70E740481C1C}">
                 <a14:useLocalDpi xmlns:a14="http://schemas.microsoft.com/office/drawing/2010/main" val="0"/>
@@ -4057,12 +6959,33 @@
   <p:clrMapOvr>
     <a:masterClrMapping/>
   </p:clrMapOvr>
+  <p:timing>
+    <p:tnLst>
+      <p:par>
+        <p:cTn id="1" dur="indefinite" restart="never" nodeType="tmRoot"/>
+      </p:par>
+    </p:tnLst>
+  </p:timing>
 </p:sld>
 </file>
 
 <file path=ppt/slides/slide12.xml><?xml version="1.0" encoding="utf-8"?>
 <p:sld xmlns:a="http://schemas.openxmlformats.org/drawingml/2006/main" xmlns:r="http://schemas.openxmlformats.org/officeDocument/2006/relationships" xmlns:p="http://schemas.openxmlformats.org/presentationml/2006/main">
   <p:cSld>
+    <p:bg>
+      <p:bgPr>
+        <a:blipFill dpi="0" rotWithShape="1">
+          <a:blip r:embed="rId2">
+            <a:lum/>
+          </a:blip>
+          <a:srcRect/>
+          <a:stretch>
+            <a:fillRect t="-17000" b="-17000"/>
+          </a:stretch>
+        </a:blipFill>
+        <a:effectLst/>
+      </p:bgPr>
+    </p:bg>
     <p:spTree>
       <p:nvGrpSpPr>
         <p:cNvPr id="1" name=""/>
@@ -4100,6 +7023,10 @@
               <a:rPr lang="zh-CN" altLang="en-US" dirty="0"/>
               <a:t>文件的生成方式</a:t>
             </a:r>
+            <a:r>
+              <a:rPr lang="en-US" altLang="zh-CN" dirty="0"/>
+              <a:t/>
+            </a:r>
             <a:br>
               <a:rPr lang="en-US" altLang="zh-CN" dirty="0"/>
             </a:br>
@@ -4159,7 +7086,7 @@
           <p:nvPr/>
         </p:nvPicPr>
         <p:blipFill>
-          <a:blip r:embed="rId2">
+          <a:blip r:embed="rId3">
             <a:extLst>
               <a:ext uri="{28A0092B-C50C-407E-A947-70E740481C1C}">
                 <a14:useLocalDpi xmlns:a14="http://schemas.microsoft.com/office/drawing/2010/main" val="0"/>
@@ -4172,8 +7099,8 @@
         </p:blipFill>
         <p:spPr>
           <a:xfrm>
-            <a:off x="838200" y="2276205"/>
-            <a:ext cx="9088437" cy="4179473"/>
+            <a:off x="838201" y="2276206"/>
+            <a:ext cx="8482360" cy="3900758"/>
           </a:xfrm>
           <a:prstGeom prst="rect">
             <a:avLst/>
@@ -4190,12 +7117,33 @@
   <p:clrMapOvr>
     <a:masterClrMapping/>
   </p:clrMapOvr>
+  <p:timing>
+    <p:tnLst>
+      <p:par>
+        <p:cTn id="1" dur="indefinite" restart="never" nodeType="tmRoot"/>
+      </p:par>
+    </p:tnLst>
+  </p:timing>
 </p:sld>
 </file>
 
 <file path=ppt/slides/slide13.xml><?xml version="1.0" encoding="utf-8"?>
 <p:sld xmlns:a="http://schemas.openxmlformats.org/drawingml/2006/main" xmlns:r="http://schemas.openxmlformats.org/officeDocument/2006/relationships" xmlns:p="http://schemas.openxmlformats.org/presentationml/2006/main">
   <p:cSld>
+    <p:bg>
+      <p:bgPr>
+        <a:blipFill dpi="0" rotWithShape="1">
+          <a:blip r:embed="rId3">
+            <a:lum/>
+          </a:blip>
+          <a:srcRect/>
+          <a:stretch>
+            <a:fillRect t="-17000" b="-17000"/>
+          </a:stretch>
+        </a:blipFill>
+        <a:effectLst/>
+      </p:bgPr>
+    </p:bg>
     <p:spTree>
       <p:nvGrpSpPr>
         <p:cNvPr id="1" name=""/>
@@ -4240,6 +7188,10 @@
               <a:rPr lang="zh-CN" altLang="en-US" dirty="0"/>
               <a:t>文件的生成方式</a:t>
             </a:r>
+            <a:r>
+              <a:rPr lang="en-US" altLang="zh-CN" dirty="0"/>
+              <a:t/>
+            </a:r>
             <a:br>
               <a:rPr lang="en-US" altLang="zh-CN" dirty="0"/>
             </a:br>
@@ -4302,7 +7254,7 @@
           <p:nvPr/>
         </p:nvPicPr>
         <p:blipFill>
-          <a:blip r:embed="rId3">
+          <a:blip r:embed="rId4">
             <a:extLst>
               <a:ext uri="{28A0092B-C50C-407E-A947-70E740481C1C}">
                 <a14:useLocalDpi xmlns:a14="http://schemas.microsoft.com/office/drawing/2010/main" val="0"/>
@@ -4333,12 +7285,33 @@
   <p:clrMapOvr>
     <a:masterClrMapping/>
   </p:clrMapOvr>
+  <p:timing>
+    <p:tnLst>
+      <p:par>
+        <p:cTn id="1" dur="indefinite" restart="never" nodeType="tmRoot"/>
+      </p:par>
+    </p:tnLst>
+  </p:timing>
 </p:sld>
 </file>
 
 <file path=ppt/slides/slide14.xml><?xml version="1.0" encoding="utf-8"?>
 <p:sld xmlns:a="http://schemas.openxmlformats.org/drawingml/2006/main" xmlns:r="http://schemas.openxmlformats.org/officeDocument/2006/relationships" xmlns:p="http://schemas.openxmlformats.org/presentationml/2006/main">
   <p:cSld>
+    <p:bg>
+      <p:bgPr>
+        <a:blipFill dpi="0" rotWithShape="1">
+          <a:blip r:embed="rId2">
+            <a:lum/>
+          </a:blip>
+          <a:srcRect/>
+          <a:stretch>
+            <a:fillRect t="-17000" b="-17000"/>
+          </a:stretch>
+        </a:blipFill>
+        <a:effectLst/>
+      </p:bgPr>
+    </p:bg>
     <p:spTree>
       <p:nvGrpSpPr>
         <p:cNvPr id="1" name=""/>
@@ -4384,6 +7357,10 @@
               <a:rPr lang="zh-CN" altLang="en-US" sz="4000" dirty="0"/>
               <a:t>音乐对我们的意义</a:t>
             </a:r>
+            <a:r>
+              <a:rPr lang="en-US" altLang="zh-CN" dirty="0"/>
+              <a:t/>
+            </a:r>
             <a:br>
               <a:rPr lang="en-US" altLang="zh-CN" dirty="0"/>
             </a:br>
@@ -4511,12 +7488,126 @@
   <p:clrMapOvr>
     <a:masterClrMapping/>
   </p:clrMapOvr>
+  <p:timing>
+    <p:tnLst>
+      <p:par>
+        <p:cTn id="1" dur="indefinite" restart="never" nodeType="tmRoot"/>
+      </p:par>
+    </p:tnLst>
+  </p:timing>
+</p:sld>
+</file>
+
+<file path=ppt/slides/slide15.xml><?xml version="1.0" encoding="utf-8"?>
+<p:sld xmlns:a="http://schemas.openxmlformats.org/drawingml/2006/main" xmlns:r="http://schemas.openxmlformats.org/officeDocument/2006/relationships" xmlns:p="http://schemas.openxmlformats.org/presentationml/2006/main">
+  <p:cSld>
+    <p:bg>
+      <p:bgPr>
+        <a:blipFill dpi="0" rotWithShape="1">
+          <a:blip r:embed="rId2">
+            <a:lum/>
+          </a:blip>
+          <a:srcRect/>
+          <a:stretch>
+            <a:fillRect t="-17000" b="-17000"/>
+          </a:stretch>
+        </a:blipFill>
+        <a:effectLst/>
+      </p:bgPr>
+    </p:bg>
+    <p:spTree>
+      <p:nvGrpSpPr>
+        <p:cNvPr id="1" name=""/>
+        <p:cNvGrpSpPr/>
+        <p:nvPr/>
+      </p:nvGrpSpPr>
+      <p:grpSpPr>
+        <a:xfrm>
+          <a:off x="0" y="0"/>
+          <a:ext cx="0" cy="0"/>
+          <a:chOff x="0" y="0"/>
+          <a:chExt cx="0" cy="0"/>
+        </a:xfrm>
+      </p:grpSpPr>
+      <p:sp>
+        <p:nvSpPr>
+          <p:cNvPr id="2" name="Title 1"/>
+          <p:cNvSpPr>
+            <a:spLocks noGrp="1"/>
+          </p:cNvSpPr>
+          <p:nvPr>
+            <p:ph type="title"/>
+          </p:nvPr>
+        </p:nvSpPr>
+        <p:spPr/>
+        <p:txBody>
+          <a:bodyPr/>
+          <a:lstStyle/>
+          <a:p>
+            <a:r>
+              <a:rPr lang="en-US" dirty="0" smtClean="0"/>
+              <a:t>Q&amp;A</a:t>
+            </a:r>
+            <a:endParaRPr lang="en-US" dirty="0"/>
+          </a:p>
+        </p:txBody>
+      </p:sp>
+      <p:sp>
+        <p:nvSpPr>
+          <p:cNvPr id="3" name="Content Placeholder 2"/>
+          <p:cNvSpPr>
+            <a:spLocks noGrp="1"/>
+          </p:cNvSpPr>
+          <p:nvPr>
+            <p:ph idx="1"/>
+          </p:nvPr>
+        </p:nvSpPr>
+        <p:spPr/>
+        <p:txBody>
+          <a:bodyPr/>
+          <a:lstStyle/>
+          <a:p>
+            <a:endParaRPr lang="en-US"/>
+          </a:p>
+        </p:txBody>
+      </p:sp>
+    </p:spTree>
+    <p:extLst>
+      <p:ext uri="{BB962C8B-B14F-4D97-AF65-F5344CB8AC3E}">
+        <p14:creationId xmlns:p14="http://schemas.microsoft.com/office/powerpoint/2010/main" val="1519927155"/>
+      </p:ext>
+    </p:extLst>
+  </p:cSld>
+  <p:clrMapOvr>
+    <a:masterClrMapping/>
+  </p:clrMapOvr>
+  <p:timing>
+    <p:tnLst>
+      <p:par>
+        <p:cTn id="1" dur="indefinite" restart="never" nodeType="tmRoot"/>
+      </p:par>
+    </p:tnLst>
+  </p:timing>
 </p:sld>
 </file>
 
 <file path=ppt/slides/slide2.xml><?xml version="1.0" encoding="utf-8"?>
 <p:sld xmlns:a="http://schemas.openxmlformats.org/drawingml/2006/main" xmlns:r="http://schemas.openxmlformats.org/officeDocument/2006/relationships" xmlns:p="http://schemas.openxmlformats.org/presentationml/2006/main">
   <p:cSld>
+    <p:bg>
+      <p:bgPr>
+        <a:blipFill dpi="0" rotWithShape="1">
+          <a:blip r:embed="rId2">
+            <a:lum/>
+          </a:blip>
+          <a:srcRect/>
+          <a:stretch>
+            <a:fillRect t="-17000" b="-17000"/>
+          </a:stretch>
+        </a:blipFill>
+        <a:effectLst/>
+      </p:bgPr>
+    </p:bg>
     <p:spTree>
       <p:nvGrpSpPr>
         <p:cNvPr id="1" name=""/>
@@ -4810,12 +7901,33 @@
   <p:clrMapOvr>
     <a:masterClrMapping/>
   </p:clrMapOvr>
+  <p:timing>
+    <p:tnLst>
+      <p:par>
+        <p:cTn id="1" dur="indefinite" restart="never" nodeType="tmRoot"/>
+      </p:par>
+    </p:tnLst>
+  </p:timing>
 </p:sld>
 </file>
 
 <file path=ppt/slides/slide3.xml><?xml version="1.0" encoding="utf-8"?>
 <p:sld xmlns:a="http://schemas.openxmlformats.org/drawingml/2006/main" xmlns:r="http://schemas.openxmlformats.org/officeDocument/2006/relationships" xmlns:p="http://schemas.openxmlformats.org/presentationml/2006/main">
   <p:cSld>
+    <p:bg>
+      <p:bgPr>
+        <a:blipFill dpi="0" rotWithShape="1">
+          <a:blip r:embed="rId2">
+            <a:lum/>
+          </a:blip>
+          <a:srcRect/>
+          <a:stretch>
+            <a:fillRect t="-17000" b="-17000"/>
+          </a:stretch>
+        </a:blipFill>
+        <a:effectLst/>
+      </p:bgPr>
+    </p:bg>
     <p:spTree>
       <p:nvGrpSpPr>
         <p:cNvPr id="1" name=""/>
@@ -4913,12 +8025,33 @@
   <p:clrMapOvr>
     <a:masterClrMapping/>
   </p:clrMapOvr>
+  <p:timing>
+    <p:tnLst>
+      <p:par>
+        <p:cTn id="1" dur="indefinite" restart="never" nodeType="tmRoot"/>
+      </p:par>
+    </p:tnLst>
+  </p:timing>
 </p:sld>
 </file>
 
 <file path=ppt/slides/slide4.xml><?xml version="1.0" encoding="utf-8"?>
 <p:sld xmlns:a="http://schemas.openxmlformats.org/drawingml/2006/main" xmlns:r="http://schemas.openxmlformats.org/officeDocument/2006/relationships" xmlns:p="http://schemas.openxmlformats.org/presentationml/2006/main">
   <p:cSld>
+    <p:bg>
+      <p:bgPr>
+        <a:blipFill dpi="0" rotWithShape="1">
+          <a:blip r:embed="rId3">
+            <a:lum/>
+          </a:blip>
+          <a:srcRect/>
+          <a:stretch>
+            <a:fillRect t="-17000" b="-17000"/>
+          </a:stretch>
+        </a:blipFill>
+        <a:effectLst/>
+      </p:bgPr>
+    </p:bg>
     <p:spTree>
       <p:nvGrpSpPr>
         <p:cNvPr id="1" name=""/>
@@ -4960,6 +8093,10 @@
               <a:rPr lang="zh-CN" altLang="en-US" dirty="0"/>
               <a:t>音乐</a:t>
             </a:r>
+            <a:r>
+              <a:rPr lang="en-US" altLang="zh-CN" dirty="0"/>
+              <a:t/>
+            </a:r>
             <a:br>
               <a:rPr lang="en-US" altLang="zh-CN" dirty="0"/>
             </a:br>
@@ -4988,33 +8125,6 @@
           <p:nvPr>
             <p:ph idx="1"/>
           </p:nvPr>
-        </p:nvPicPr>
-        <p:blipFill>
-          <a:blip r:embed="rId3">
-            <a:extLst>
-              <a:ext uri="{28A0092B-C50C-407E-A947-70E740481C1C}">
-                <a14:useLocalDpi xmlns:a14="http://schemas.microsoft.com/office/drawing/2010/main" val="0"/>
-              </a:ext>
-            </a:extLst>
-          </a:blip>
-          <a:stretch>
-            <a:fillRect/>
-          </a:stretch>
-        </p:blipFill>
-        <p:spPr>
-          <a:xfrm>
-            <a:off x="5648921" y="1982002"/>
-            <a:ext cx="3380780" cy="1095373"/>
-          </a:xfrm>
-        </p:spPr>
-      </p:pic>
-      <p:pic>
-        <p:nvPicPr>
-          <p:cNvPr id="5" name="Picture 4"/>
-          <p:cNvPicPr>
-            <a:picLocks noChangeAspect="1"/>
-          </p:cNvPicPr>
-          <p:nvPr/>
         </p:nvPicPr>
         <p:blipFill>
           <a:blip r:embed="rId4">
@@ -5030,17 +8140,14 @@
         </p:blipFill>
         <p:spPr>
           <a:xfrm>
-            <a:off x="1493342" y="1982002"/>
-            <a:ext cx="3243263" cy="1608118"/>
+            <a:off x="5390128" y="1039483"/>
+            <a:ext cx="3380780" cy="1095373"/>
           </a:xfrm>
-          <a:prstGeom prst="rect">
-            <a:avLst/>
-          </a:prstGeom>
         </p:spPr>
       </p:pic>
       <p:pic>
         <p:nvPicPr>
-          <p:cNvPr id="6" name="Picture 5"/>
+          <p:cNvPr id="5" name="Picture 4"/>
           <p:cNvPicPr>
             <a:picLocks noChangeAspect="1"/>
           </p:cNvPicPr>
@@ -5060,8 +8167,8 @@
         </p:blipFill>
         <p:spPr>
           <a:xfrm>
-            <a:off x="7303294" y="3368689"/>
-            <a:ext cx="3452813" cy="2989150"/>
+            <a:off x="1493342" y="1878484"/>
+            <a:ext cx="3243263" cy="1608118"/>
           </a:xfrm>
           <a:prstGeom prst="rect">
             <a:avLst/>
@@ -5070,7 +8177,7 @@
       </p:pic>
       <p:pic>
         <p:nvPicPr>
-          <p:cNvPr id="7" name="Picture 6"/>
+          <p:cNvPr id="6" name="Picture 5"/>
           <p:cNvPicPr>
             <a:picLocks noChangeAspect="1"/>
           </p:cNvPicPr>
@@ -5090,7 +8197,37 @@
         </p:blipFill>
         <p:spPr>
           <a:xfrm>
-            <a:off x="2207191" y="4306887"/>
+            <a:off x="7080518" y="2365046"/>
+            <a:ext cx="3452813" cy="2989150"/>
+          </a:xfrm>
+          <a:prstGeom prst="rect">
+            <a:avLst/>
+          </a:prstGeom>
+        </p:spPr>
+      </p:pic>
+      <p:pic>
+        <p:nvPicPr>
+          <p:cNvPr id="7" name="Picture 6"/>
+          <p:cNvPicPr>
+            <a:picLocks noChangeAspect="1"/>
+          </p:cNvPicPr>
+          <p:nvPr/>
+        </p:nvPicPr>
+        <p:blipFill>
+          <a:blip r:embed="rId7">
+            <a:extLst>
+              <a:ext uri="{28A0092B-C50C-407E-A947-70E740481C1C}">
+                <a14:useLocalDpi xmlns:a14="http://schemas.microsoft.com/office/drawing/2010/main" val="0"/>
+              </a:ext>
+            </a:extLst>
+          </a:blip>
+          <a:stretch>
+            <a:fillRect/>
+          </a:stretch>
+        </p:blipFill>
+        <p:spPr>
+          <a:xfrm>
+            <a:off x="2033955" y="3674398"/>
             <a:ext cx="3614966" cy="1265238"/>
           </a:xfrm>
           <a:prstGeom prst="rect">
@@ -5108,12 +8245,33 @@
   <p:clrMapOvr>
     <a:masterClrMapping/>
   </p:clrMapOvr>
+  <p:timing>
+    <p:tnLst>
+      <p:par>
+        <p:cTn id="1" dur="indefinite" restart="never" nodeType="tmRoot"/>
+      </p:par>
+    </p:tnLst>
+  </p:timing>
 </p:sld>
 </file>
 
 <file path=ppt/slides/slide5.xml><?xml version="1.0" encoding="utf-8"?>
 <p:sld xmlns:a="http://schemas.openxmlformats.org/drawingml/2006/main" xmlns:r="http://schemas.openxmlformats.org/officeDocument/2006/relationships" xmlns:p="http://schemas.openxmlformats.org/presentationml/2006/main">
   <p:cSld>
+    <p:bg>
+      <p:bgPr>
+        <a:blipFill dpi="0" rotWithShape="1">
+          <a:blip r:embed="rId2">
+            <a:lum/>
+          </a:blip>
+          <a:srcRect/>
+          <a:stretch>
+            <a:fillRect t="-17000" b="-17000"/>
+          </a:stretch>
+        </a:blipFill>
+        <a:effectLst/>
+      </p:bgPr>
+    </p:bg>
     <p:spTree>
       <p:nvGrpSpPr>
         <p:cNvPr id="1" name=""/>
@@ -5258,36 +8416,6 @@
           </a:p>
         </p:txBody>
       </p:sp>
-      <p:pic>
-        <p:nvPicPr>
-          <p:cNvPr id="6" name="Picture 5"/>
-          <p:cNvPicPr>
-            <a:picLocks noChangeAspect="1"/>
-          </p:cNvPicPr>
-          <p:nvPr/>
-        </p:nvPicPr>
-        <p:blipFill>
-          <a:blip r:embed="rId2">
-            <a:extLst>
-              <a:ext uri="{28A0092B-C50C-407E-A947-70E740481C1C}">
-                <a14:useLocalDpi xmlns:a14="http://schemas.microsoft.com/office/drawing/2010/main" val="0"/>
-              </a:ext>
-            </a:extLst>
-          </a:blip>
-          <a:stretch>
-            <a:fillRect/>
-          </a:stretch>
-        </p:blipFill>
-        <p:spPr>
-          <a:xfrm>
-            <a:off x="5450306" y="3116233"/>
-            <a:ext cx="5113420" cy="3273724"/>
-          </a:xfrm>
-          <a:prstGeom prst="rect">
-            <a:avLst/>
-          </a:prstGeom>
-        </p:spPr>
-      </p:pic>
       <p:pic>
         <p:nvPicPr>
           <p:cNvPr id="7" name="Picture 6"/>
@@ -5310,8 +8438,8 @@
         </p:blipFill>
         <p:spPr>
           <a:xfrm>
-            <a:off x="838200" y="3116232"/>
-            <a:ext cx="4612106" cy="3055968"/>
+            <a:off x="838200" y="3116231"/>
+            <a:ext cx="4699958" cy="3239927"/>
           </a:xfrm>
           <a:prstGeom prst="rect">
             <a:avLst/>
@@ -5328,12 +8456,33 @@
   <p:clrMapOvr>
     <a:masterClrMapping/>
   </p:clrMapOvr>
+  <p:timing>
+    <p:tnLst>
+      <p:par>
+        <p:cTn id="1" dur="indefinite" restart="never" nodeType="tmRoot"/>
+      </p:par>
+    </p:tnLst>
+  </p:timing>
 </p:sld>
 </file>
 
 <file path=ppt/slides/slide6.xml><?xml version="1.0" encoding="utf-8"?>
 <p:sld xmlns:a="http://schemas.openxmlformats.org/drawingml/2006/main" xmlns:r="http://schemas.openxmlformats.org/officeDocument/2006/relationships" xmlns:p="http://schemas.openxmlformats.org/presentationml/2006/main">
   <p:cSld>
+    <p:bg>
+      <p:bgPr>
+        <a:blipFill dpi="0" rotWithShape="1">
+          <a:blip r:embed="rId3">
+            <a:lum/>
+          </a:blip>
+          <a:srcRect/>
+          <a:stretch>
+            <a:fillRect t="-17000" b="-17000"/>
+          </a:stretch>
+        </a:blipFill>
+        <a:effectLst/>
+      </p:bgPr>
+    </p:bg>
     <p:spTree>
       <p:nvGrpSpPr>
         <p:cNvPr id="1" name=""/>
@@ -5353,7 +8502,7 @@
           <p:cNvPr id="2" name="Title 1">
             <a:extLst>
               <a:ext uri="{FF2B5EF4-FFF2-40B4-BE49-F238E27FC236}">
-                <a16:creationId xmlns:a16="http://schemas.microsoft.com/office/drawing/2014/main" id="{0379B142-4CFB-4EB0-85C9-A53A24AA89AC}"/>
+                <a16:creationId xmlns:a16="http://schemas.microsoft.com/office/drawing/2014/main" xmlns="" id="{0379B142-4CFB-4EB0-85C9-A53A24AA89AC}"/>
               </a:ext>
             </a:extLst>
           </p:cNvPr>
@@ -5389,7 +8538,7 @@
           <p:cNvPr id="3" name="Content Placeholder 2">
             <a:extLst>
               <a:ext uri="{FF2B5EF4-FFF2-40B4-BE49-F238E27FC236}">
-                <a16:creationId xmlns:a16="http://schemas.microsoft.com/office/drawing/2014/main" id="{96D6517C-71A8-462C-AC8A-C9026883E9DE}"/>
+                <a16:creationId xmlns:a16="http://schemas.microsoft.com/office/drawing/2014/main" xmlns="" id="{96D6517C-71A8-462C-AC8A-C9026883E9DE}"/>
               </a:ext>
             </a:extLst>
           </p:cNvPr>
@@ -5445,12 +8594,33 @@
   <p:clrMapOvr>
     <a:masterClrMapping/>
   </p:clrMapOvr>
+  <p:timing>
+    <p:tnLst>
+      <p:par>
+        <p:cTn id="1" dur="indefinite" restart="never" nodeType="tmRoot"/>
+      </p:par>
+    </p:tnLst>
+  </p:timing>
 </p:sld>
 </file>
 
 <file path=ppt/slides/slide7.xml><?xml version="1.0" encoding="utf-8"?>
 <p:sld xmlns:a="http://schemas.openxmlformats.org/drawingml/2006/main" xmlns:r="http://schemas.openxmlformats.org/officeDocument/2006/relationships" xmlns:p="http://schemas.openxmlformats.org/presentationml/2006/main">
   <p:cSld>
+    <p:bg>
+      <p:bgPr>
+        <a:blipFill dpi="0" rotWithShape="1">
+          <a:blip r:embed="rId2">
+            <a:lum/>
+          </a:blip>
+          <a:srcRect/>
+          <a:stretch>
+            <a:fillRect t="-17000" b="-17000"/>
+          </a:stretch>
+        </a:blipFill>
+        <a:effectLst/>
+      </p:bgPr>
+    </p:bg>
     <p:spTree>
       <p:nvGrpSpPr>
         <p:cNvPr id="1" name=""/>
@@ -5664,12 +8834,33 @@
   <p:clrMapOvr>
     <a:masterClrMapping/>
   </p:clrMapOvr>
+  <p:timing>
+    <p:tnLst>
+      <p:par>
+        <p:cTn id="1" dur="indefinite" restart="never" nodeType="tmRoot"/>
+      </p:par>
+    </p:tnLst>
+  </p:timing>
 </p:sld>
 </file>
 
 <file path=ppt/slides/slide8.xml><?xml version="1.0" encoding="utf-8"?>
 <p:sld xmlns:a="http://schemas.openxmlformats.org/drawingml/2006/main" xmlns:r="http://schemas.openxmlformats.org/officeDocument/2006/relationships" xmlns:p="http://schemas.openxmlformats.org/presentationml/2006/main">
   <p:cSld>
+    <p:bg>
+      <p:bgPr>
+        <a:blipFill dpi="0" rotWithShape="1">
+          <a:blip r:embed="rId2">
+            <a:lum/>
+          </a:blip>
+          <a:srcRect/>
+          <a:stretch>
+            <a:fillRect t="-17000" b="-17000"/>
+          </a:stretch>
+        </a:blipFill>
+        <a:effectLst/>
+      </p:bgPr>
+    </p:bg>
     <p:spTree>
       <p:nvGrpSpPr>
         <p:cNvPr id="1" name=""/>
@@ -5711,6 +8902,10 @@
               <a:rPr lang="zh-CN" altLang="en-US" dirty="0"/>
               <a:t>音乐</a:t>
             </a:r>
+            <a:r>
+              <a:rPr lang="en-US" altLang="zh-CN" dirty="0"/>
+              <a:t/>
+            </a:r>
             <a:br>
               <a:rPr lang="en-US" altLang="zh-CN" dirty="0"/>
             </a:br>
@@ -6023,12 +9218,33 @@
   <p:clrMapOvr>
     <a:masterClrMapping/>
   </p:clrMapOvr>
+  <p:timing>
+    <p:tnLst>
+      <p:par>
+        <p:cTn id="1" dur="indefinite" restart="never" nodeType="tmRoot"/>
+      </p:par>
+    </p:tnLst>
+  </p:timing>
 </p:sld>
 </file>
 
 <file path=ppt/slides/slide9.xml><?xml version="1.0" encoding="utf-8"?>
 <p:sld xmlns:a="http://schemas.openxmlformats.org/drawingml/2006/main" xmlns:r="http://schemas.openxmlformats.org/officeDocument/2006/relationships" xmlns:p="http://schemas.openxmlformats.org/presentationml/2006/main">
   <p:cSld>
+    <p:bg>
+      <p:bgPr>
+        <a:blipFill dpi="0" rotWithShape="1">
+          <a:blip r:embed="rId2">
+            <a:lum/>
+          </a:blip>
+          <a:srcRect/>
+          <a:stretch>
+            <a:fillRect t="-17000" b="-17000"/>
+          </a:stretch>
+        </a:blipFill>
+        <a:effectLst/>
+      </p:bgPr>
+    </p:bg>
     <p:spTree>
       <p:nvGrpSpPr>
         <p:cNvPr id="1" name=""/>
@@ -6066,6 +9282,10 @@
               <a:rPr lang="zh-CN" altLang="en-US" dirty="0"/>
               <a:t>文件的生成方式</a:t>
             </a:r>
+            <a:r>
+              <a:rPr lang="en-US" altLang="zh-CN" dirty="0"/>
+              <a:t/>
+            </a:r>
             <a:br>
               <a:rPr lang="en-US" altLang="zh-CN" dirty="0"/>
             </a:br>
@@ -6122,7 +9342,7 @@
           <p:nvPr/>
         </p:nvPicPr>
         <p:blipFill>
-          <a:blip r:embed="rId2">
+          <a:blip r:embed="rId3">
             <a:extLst>
               <a:ext uri="{28A0092B-C50C-407E-A947-70E740481C1C}">
                 <a14:useLocalDpi xmlns:a14="http://schemas.microsoft.com/office/drawing/2010/main" val="0"/>
@@ -6135,8 +9355,8 @@
         </p:blipFill>
         <p:spPr>
           <a:xfrm>
-            <a:off x="838200" y="2200274"/>
-            <a:ext cx="9222320" cy="4097527"/>
+            <a:off x="838200" y="2200275"/>
+            <a:ext cx="8599859" cy="3820964"/>
           </a:xfrm>
           <a:prstGeom prst="rect">
             <a:avLst/>
@@ -6153,6 +9373,13 @@
   <p:clrMapOvr>
     <a:masterClrMapping/>
   </p:clrMapOvr>
+  <p:timing>
+    <p:tnLst>
+      <p:par>
+        <p:cTn id="1" dur="indefinite" restart="never" nodeType="tmRoot"/>
+      </p:par>
+    </p:tnLst>
+  </p:timing>
 </p:sld>
 </file>
 
@@ -6418,6 +9645,267 @@
 </file>
 
 <file path=ppt/theme/theme2.xml><?xml version="1.0" encoding="utf-8"?>
+<a:theme xmlns:a="http://schemas.openxmlformats.org/drawingml/2006/main" name="Custom Design">
+  <a:themeElements>
+    <a:clrScheme name="Office">
+      <a:dk1>
+        <a:sysClr val="windowText" lastClr="000000"/>
+      </a:dk1>
+      <a:lt1>
+        <a:sysClr val="window" lastClr="FFFFFF"/>
+      </a:lt1>
+      <a:dk2>
+        <a:srgbClr val="44546A"/>
+      </a:dk2>
+      <a:lt2>
+        <a:srgbClr val="E7E6E6"/>
+      </a:lt2>
+      <a:accent1>
+        <a:srgbClr val="4472C4"/>
+      </a:accent1>
+      <a:accent2>
+        <a:srgbClr val="ED7D31"/>
+      </a:accent2>
+      <a:accent3>
+        <a:srgbClr val="A5A5A5"/>
+      </a:accent3>
+      <a:accent4>
+        <a:srgbClr val="FFC000"/>
+      </a:accent4>
+      <a:accent5>
+        <a:srgbClr val="5B9BD5"/>
+      </a:accent5>
+      <a:accent6>
+        <a:srgbClr val="70AD47"/>
+      </a:accent6>
+      <a:hlink>
+        <a:srgbClr val="0563C1"/>
+      </a:hlink>
+      <a:folHlink>
+        <a:srgbClr val="954F72"/>
+      </a:folHlink>
+    </a:clrScheme>
+    <a:fontScheme name="Office">
+      <a:majorFont>
+        <a:latin typeface="Calibri Light" panose="020F0302020204030204"/>
+        <a:ea typeface=""/>
+        <a:cs typeface=""/>
+        <a:font script="Jpan" typeface="Yu Gothic Light"/>
+        <a:font script="Hang" typeface="맑은 고딕"/>
+        <a:font script="Hans" typeface="DengXian Light"/>
+        <a:font script="Hant" typeface="新細明體"/>
+        <a:font script="Arab" typeface="Times New Roman"/>
+        <a:font script="Hebr" typeface="Times New Roman"/>
+        <a:font script="Thai" typeface="Angsana New"/>
+        <a:font script="Ethi" typeface="Nyala"/>
+        <a:font script="Beng" typeface="Vrinda"/>
+        <a:font script="Gujr" typeface="Shruti"/>
+        <a:font script="Khmr" typeface="MoolBoran"/>
+        <a:font script="Knda" typeface="Tunga"/>
+        <a:font script="Guru" typeface="Raavi"/>
+        <a:font script="Cans" typeface="Euphemia"/>
+        <a:font script="Cher" typeface="Plantagenet Cherokee"/>
+        <a:font script="Yiii" typeface="Microsoft Yi Baiti"/>
+        <a:font script="Tibt" typeface="Microsoft Himalaya"/>
+        <a:font script="Thaa" typeface="MV Boli"/>
+        <a:font script="Deva" typeface="Mangal"/>
+        <a:font script="Telu" typeface="Gautami"/>
+        <a:font script="Taml" typeface="Latha"/>
+        <a:font script="Syrc" typeface="Estrangelo Edessa"/>
+        <a:font script="Orya" typeface="Kalinga"/>
+        <a:font script="Mlym" typeface="Kartika"/>
+        <a:font script="Laoo" typeface="DokChampa"/>
+        <a:font script="Sinh" typeface="Iskoola Pota"/>
+        <a:font script="Mong" typeface="Mongolian Baiti"/>
+        <a:font script="Viet" typeface="Times New Roman"/>
+        <a:font script="Uigh" typeface="Microsoft Uighur"/>
+        <a:font script="Geor" typeface="Sylfaen"/>
+      </a:majorFont>
+      <a:minorFont>
+        <a:latin typeface="Calibri" panose="020F0502020204030204"/>
+        <a:ea typeface=""/>
+        <a:cs typeface=""/>
+        <a:font script="Jpan" typeface="Yu Gothic"/>
+        <a:font script="Hang" typeface="맑은 고딕"/>
+        <a:font script="Hans" typeface="DengXian"/>
+        <a:font script="Hant" typeface="新細明體"/>
+        <a:font script="Arab" typeface="Arial"/>
+        <a:font script="Hebr" typeface="Arial"/>
+        <a:font script="Thai" typeface="Cordia New"/>
+        <a:font script="Ethi" typeface="Nyala"/>
+        <a:font script="Beng" typeface="Vrinda"/>
+        <a:font script="Gujr" typeface="Shruti"/>
+        <a:font script="Khmr" typeface="DaunPenh"/>
+        <a:font script="Knda" typeface="Tunga"/>
+        <a:font script="Guru" typeface="Raavi"/>
+        <a:font script="Cans" typeface="Euphemia"/>
+        <a:font script="Cher" typeface="Plantagenet Cherokee"/>
+        <a:font script="Yiii" typeface="Microsoft Yi Baiti"/>
+        <a:font script="Tibt" typeface="Microsoft Himalaya"/>
+        <a:font script="Thaa" typeface="MV Boli"/>
+        <a:font script="Deva" typeface="Mangal"/>
+        <a:font script="Telu" typeface="Gautami"/>
+        <a:font script="Taml" typeface="Latha"/>
+        <a:font script="Syrc" typeface="Estrangelo Edessa"/>
+        <a:font script="Orya" typeface="Kalinga"/>
+        <a:font script="Mlym" typeface="Kartika"/>
+        <a:font script="Laoo" typeface="DokChampa"/>
+        <a:font script="Sinh" typeface="Iskoola Pota"/>
+        <a:font script="Mong" typeface="Mongolian Baiti"/>
+        <a:font script="Viet" typeface="Arial"/>
+        <a:font script="Uigh" typeface="Microsoft Uighur"/>
+        <a:font script="Geor" typeface="Sylfaen"/>
+      </a:minorFont>
+    </a:fontScheme>
+    <a:fmtScheme name="Office">
+      <a:fillStyleLst>
+        <a:solidFill>
+          <a:schemeClr val="phClr"/>
+        </a:solidFill>
+        <a:gradFill rotWithShape="1">
+          <a:gsLst>
+            <a:gs pos="0">
+              <a:schemeClr val="phClr">
+                <a:lumMod val="110000"/>
+                <a:satMod val="105000"/>
+                <a:tint val="67000"/>
+              </a:schemeClr>
+            </a:gs>
+            <a:gs pos="50000">
+              <a:schemeClr val="phClr">
+                <a:lumMod val="105000"/>
+                <a:satMod val="103000"/>
+                <a:tint val="73000"/>
+              </a:schemeClr>
+            </a:gs>
+            <a:gs pos="100000">
+              <a:schemeClr val="phClr">
+                <a:lumMod val="105000"/>
+                <a:satMod val="109000"/>
+                <a:tint val="81000"/>
+              </a:schemeClr>
+            </a:gs>
+          </a:gsLst>
+          <a:lin ang="5400000" scaled="0"/>
+        </a:gradFill>
+        <a:gradFill rotWithShape="1">
+          <a:gsLst>
+            <a:gs pos="0">
+              <a:schemeClr val="phClr">
+                <a:satMod val="103000"/>
+                <a:lumMod val="102000"/>
+                <a:tint val="94000"/>
+              </a:schemeClr>
+            </a:gs>
+            <a:gs pos="50000">
+              <a:schemeClr val="phClr">
+                <a:satMod val="110000"/>
+                <a:lumMod val="100000"/>
+                <a:shade val="100000"/>
+              </a:schemeClr>
+            </a:gs>
+            <a:gs pos="100000">
+              <a:schemeClr val="phClr">
+                <a:lumMod val="99000"/>
+                <a:satMod val="120000"/>
+                <a:shade val="78000"/>
+              </a:schemeClr>
+            </a:gs>
+          </a:gsLst>
+          <a:lin ang="5400000" scaled="0"/>
+        </a:gradFill>
+      </a:fillStyleLst>
+      <a:lnStyleLst>
+        <a:ln w="6350" cap="flat" cmpd="sng" algn="ctr">
+          <a:solidFill>
+            <a:schemeClr val="phClr"/>
+          </a:solidFill>
+          <a:prstDash val="solid"/>
+          <a:miter lim="800000"/>
+        </a:ln>
+        <a:ln w="12700" cap="flat" cmpd="sng" algn="ctr">
+          <a:solidFill>
+            <a:schemeClr val="phClr"/>
+          </a:solidFill>
+          <a:prstDash val="solid"/>
+          <a:miter lim="800000"/>
+        </a:ln>
+        <a:ln w="19050" cap="flat" cmpd="sng" algn="ctr">
+          <a:solidFill>
+            <a:schemeClr val="phClr"/>
+          </a:solidFill>
+          <a:prstDash val="solid"/>
+          <a:miter lim="800000"/>
+        </a:ln>
+      </a:lnStyleLst>
+      <a:effectStyleLst>
+        <a:effectStyle>
+          <a:effectLst/>
+        </a:effectStyle>
+        <a:effectStyle>
+          <a:effectLst/>
+        </a:effectStyle>
+        <a:effectStyle>
+          <a:effectLst>
+            <a:outerShdw blurRad="57150" dist="19050" dir="5400000" algn="ctr" rotWithShape="0">
+              <a:srgbClr val="000000">
+                <a:alpha val="63000"/>
+              </a:srgbClr>
+            </a:outerShdw>
+          </a:effectLst>
+        </a:effectStyle>
+      </a:effectStyleLst>
+      <a:bgFillStyleLst>
+        <a:solidFill>
+          <a:schemeClr val="phClr"/>
+        </a:solidFill>
+        <a:solidFill>
+          <a:schemeClr val="phClr">
+            <a:tint val="95000"/>
+            <a:satMod val="170000"/>
+          </a:schemeClr>
+        </a:solidFill>
+        <a:gradFill rotWithShape="1">
+          <a:gsLst>
+            <a:gs pos="0">
+              <a:schemeClr val="phClr">
+                <a:tint val="93000"/>
+                <a:satMod val="150000"/>
+                <a:shade val="98000"/>
+                <a:lumMod val="102000"/>
+              </a:schemeClr>
+            </a:gs>
+            <a:gs pos="50000">
+              <a:schemeClr val="phClr">
+                <a:tint val="98000"/>
+                <a:satMod val="130000"/>
+                <a:shade val="90000"/>
+                <a:lumMod val="103000"/>
+              </a:schemeClr>
+            </a:gs>
+            <a:gs pos="100000">
+              <a:schemeClr val="phClr">
+                <a:shade val="63000"/>
+                <a:satMod val="120000"/>
+              </a:schemeClr>
+            </a:gs>
+          </a:gsLst>
+          <a:lin ang="5400000" scaled="0"/>
+        </a:gradFill>
+      </a:bgFillStyleLst>
+    </a:fmtScheme>
+  </a:themeElements>
+  <a:objectDefaults/>
+  <a:extraClrSchemeLst/>
+  <a:extLst>
+    <a:ext uri="{05A4C25C-085E-4340-85A3-A5531E510DB2}">
+      <thm15:themeFamily xmlns:thm15="http://schemas.microsoft.com/office/thememl/2012/main" name="Office Theme" id="{62F939B6-93AF-4DB8-9C6B-D6C7DFDC589F}" vid="{4A3C46E8-61CC-4603-A589-7422A47A8E4A}"/>
+    </a:ext>
+  </a:extLst>
+</a:theme>
+</file>
+
+<file path=ppt/theme/theme3.xml><?xml version="1.0" encoding="utf-8"?>
 <a:theme xmlns:a="http://schemas.openxmlformats.org/drawingml/2006/main" name="Office Theme">
   <a:themeElements>
     <a:clrScheme name="Office">

--- a/midi/docs/ppt/midi_introduction.pptx
+++ b/midi/docs/ppt/midi_introduction.pptx
@@ -15,15 +15,15 @@
     <p:sldId id="259" r:id="rId6"/>
     <p:sldId id="260" r:id="rId7"/>
     <p:sldId id="270" r:id="rId8"/>
-    <p:sldId id="257" r:id="rId9"/>
-    <p:sldId id="258" r:id="rId10"/>
-    <p:sldId id="264" r:id="rId11"/>
-    <p:sldId id="262" r:id="rId12"/>
-    <p:sldId id="263" r:id="rId13"/>
-    <p:sldId id="265" r:id="rId14"/>
-    <p:sldId id="268" r:id="rId15"/>
-    <p:sldId id="266" r:id="rId16"/>
-    <p:sldId id="271" r:id="rId17"/>
+    <p:sldId id="271" r:id="rId9"/>
+    <p:sldId id="257" r:id="rId10"/>
+    <p:sldId id="258" r:id="rId11"/>
+    <p:sldId id="264" r:id="rId12"/>
+    <p:sldId id="262" r:id="rId13"/>
+    <p:sldId id="263" r:id="rId14"/>
+    <p:sldId id="265" r:id="rId15"/>
+    <p:sldId id="268" r:id="rId16"/>
+    <p:sldId id="266" r:id="rId17"/>
   </p:sldIdLst>
   <p:sldSz cx="12192000" cy="6858000"/>
   <p:notesSz cx="6858000" cy="9144000"/>
@@ -124,7 +124,7 @@
   </p:defaultTextStyle>
   <p:extLst>
     <p:ext uri="{EFAFB233-063F-42B5-8137-9DF3F51BA10A}">
-      <p15:sldGuideLst xmlns:p15="http://schemas.microsoft.com/office/powerpoint/2012/main"/>
+      <p15:sldGuideLst xmlns:p15="http://schemas.microsoft.com/office/powerpoint/2012/main" xmlns=""/>
     </p:ext>
   </p:extLst>
 </p:presentation>
@@ -212,7 +212,7 @@
           <a:p>
             <a:fld id="{D7784A50-9160-B84C-B0CB-8955694334D3}" type="datetimeFigureOut">
               <a:rPr lang="en-US" smtClean="0"/>
-              <a:t>10/15/18</a:t>
+              <a:t>10/15/2018</a:t>
             </a:fld>
             <a:endParaRPr lang="en-US"/>
           </a:p>
@@ -594,7 +594,7 @@
       </p:grpSpPr>
       <p:sp>
         <p:nvSpPr>
-          <p:cNvPr id="2" name="Slide Image Placeholder 1"/>
+          <p:cNvPr id="2" name="幻灯片图像占位符 1"/>
           <p:cNvSpPr>
             <a:spLocks noGrp="1" noRot="1" noChangeAspect="1"/>
           </p:cNvSpPr>
@@ -606,7 +606,7 @@
       </p:sp>
       <p:sp>
         <p:nvSpPr>
-          <p:cNvPr id="3" name="Notes Placeholder 2"/>
+          <p:cNvPr id="3" name="备注占位符 2"/>
           <p:cNvSpPr>
             <a:spLocks noGrp="1"/>
           </p:cNvSpPr>
@@ -625,12 +625,12 @@
       </p:sp>
       <p:sp>
         <p:nvSpPr>
-          <p:cNvPr id="4" name="Slide Number Placeholder 3"/>
-          <p:cNvSpPr>
-            <a:spLocks noGrp="1"/>
-          </p:cNvSpPr>
-          <p:nvPr>
-            <p:ph type="sldNum" sz="quarter" idx="5"/>
+          <p:cNvPr id="4" name="灯片编号占位符 3"/>
+          <p:cNvSpPr>
+            <a:spLocks noGrp="1"/>
+          </p:cNvSpPr>
+          <p:nvPr>
+            <p:ph type="sldNum" sz="quarter" idx="10"/>
           </p:nvPr>
         </p:nvSpPr>
         <p:spPr/>
@@ -640,7 +640,7 @@
           <a:p>
             <a:fld id="{2C6FF588-64EE-2745-88B0-D28AA5C1D4AF}" type="slidenum">
               <a:rPr lang="en-US" smtClean="0"/>
-              <a:t>4</a:t>
+              <a:t>2</a:t>
             </a:fld>
             <a:endParaRPr lang="en-US"/>
           </a:p>
@@ -649,7 +649,7 @@
     </p:spTree>
     <p:extLst>
       <p:ext uri="{BB962C8B-B14F-4D97-AF65-F5344CB8AC3E}">
-        <p14:creationId xmlns:p14="http://schemas.microsoft.com/office/powerpoint/2010/main" val="3100176209"/>
+        <p14:creationId xmlns:p14="http://schemas.microsoft.com/office/powerpoint/2010/main" val="3098784504"/>
       </p:ext>
     </p:extLst>
   </p:cSld>
@@ -678,7 +678,7 @@
       </p:grpSpPr>
       <p:sp>
         <p:nvSpPr>
-          <p:cNvPr id="2" name="Slide Image Placeholder 1"/>
+          <p:cNvPr id="2" name="幻灯片图像占位符 1"/>
           <p:cNvSpPr>
             <a:spLocks noGrp="1" noRot="1" noChangeAspect="1"/>
           </p:cNvSpPr>
@@ -690,7 +690,7 @@
       </p:sp>
       <p:sp>
         <p:nvSpPr>
-          <p:cNvPr id="3" name="Notes Placeholder 2"/>
+          <p:cNvPr id="3" name="备注占位符 2"/>
           <p:cNvSpPr>
             <a:spLocks noGrp="1"/>
           </p:cNvSpPr>
@@ -703,21 +703,18 @@
           <a:bodyPr/>
           <a:lstStyle/>
           <a:p>
-            <a:r>
-              <a:rPr lang="zh-CN" altLang="en-US" dirty="0"/>
-              <a:t>模拟乐队</a:t>
-            </a:r>
-          </a:p>
-        </p:txBody>
-      </p:sp>
-      <p:sp>
-        <p:nvSpPr>
-          <p:cNvPr id="4" name="Slide Number Placeholder 3"/>
-          <p:cNvSpPr>
-            <a:spLocks noGrp="1"/>
-          </p:cNvSpPr>
-          <p:nvPr>
-            <p:ph type="sldNum" sz="quarter" idx="5"/>
+            <a:endParaRPr lang="zh-CN" altLang="en-US" dirty="0"/>
+          </a:p>
+        </p:txBody>
+      </p:sp>
+      <p:sp>
+        <p:nvSpPr>
+          <p:cNvPr id="4" name="灯片编号占位符 3"/>
+          <p:cNvSpPr>
+            <a:spLocks noGrp="1"/>
+          </p:cNvSpPr>
+          <p:nvPr>
+            <p:ph type="sldNum" sz="quarter" idx="10"/>
           </p:nvPr>
         </p:nvSpPr>
         <p:spPr/>
@@ -727,7 +724,7 @@
           <a:p>
             <a:fld id="{2C6FF588-64EE-2745-88B0-D28AA5C1D4AF}" type="slidenum">
               <a:rPr lang="en-US" smtClean="0"/>
-              <a:t>6</a:t>
+              <a:t>3</a:t>
             </a:fld>
             <a:endParaRPr lang="en-US"/>
           </a:p>
@@ -736,7 +733,7 @@
     </p:spTree>
     <p:extLst>
       <p:ext uri="{BB962C8B-B14F-4D97-AF65-F5344CB8AC3E}">
-        <p14:creationId xmlns:p14="http://schemas.microsoft.com/office/powerpoint/2010/main" val="1510616738"/>
+        <p14:creationId xmlns:p14="http://schemas.microsoft.com/office/powerpoint/2010/main" val="615141748"/>
       </p:ext>
     </p:extLst>
   </p:cSld>
@@ -811,7 +808,346 @@
           <a:p>
             <a:fld id="{2C6FF588-64EE-2745-88B0-D28AA5C1D4AF}" type="slidenum">
               <a:rPr lang="en-US" smtClean="0"/>
-              <a:t>13</a:t>
+              <a:t>4</a:t>
+            </a:fld>
+            <a:endParaRPr lang="en-US"/>
+          </a:p>
+        </p:txBody>
+      </p:sp>
+    </p:spTree>
+    <p:extLst>
+      <p:ext uri="{BB962C8B-B14F-4D97-AF65-F5344CB8AC3E}">
+        <p14:creationId xmlns:p14="http://schemas.microsoft.com/office/powerpoint/2010/main" val="3100176209"/>
+      </p:ext>
+    </p:extLst>
+  </p:cSld>
+  <p:clrMapOvr>
+    <a:masterClrMapping/>
+  </p:clrMapOvr>
+</p:notes>
+</file>
+
+<file path=ppt/notesSlides/notesSlide5.xml><?xml version="1.0" encoding="utf-8"?>
+<p:notes xmlns:a="http://schemas.openxmlformats.org/drawingml/2006/main" xmlns:r="http://schemas.openxmlformats.org/officeDocument/2006/relationships" xmlns:p="http://schemas.openxmlformats.org/presentationml/2006/main">
+  <p:cSld>
+    <p:spTree>
+      <p:nvGrpSpPr>
+        <p:cNvPr id="1" name=""/>
+        <p:cNvGrpSpPr/>
+        <p:nvPr/>
+      </p:nvGrpSpPr>
+      <p:grpSpPr>
+        <a:xfrm>
+          <a:off x="0" y="0"/>
+          <a:ext cx="0" cy="0"/>
+          <a:chOff x="0" y="0"/>
+          <a:chExt cx="0" cy="0"/>
+        </a:xfrm>
+      </p:grpSpPr>
+      <p:sp>
+        <p:nvSpPr>
+          <p:cNvPr id="2" name="幻灯片图像占位符 1"/>
+          <p:cNvSpPr>
+            <a:spLocks noGrp="1" noRot="1" noChangeAspect="1"/>
+          </p:cNvSpPr>
+          <p:nvPr>
+            <p:ph type="sldImg"/>
+          </p:nvPr>
+        </p:nvSpPr>
+        <p:spPr/>
+      </p:sp>
+      <p:sp>
+        <p:nvSpPr>
+          <p:cNvPr id="3" name="备注占位符 2"/>
+          <p:cNvSpPr>
+            <a:spLocks noGrp="1"/>
+          </p:cNvSpPr>
+          <p:nvPr>
+            <p:ph type="body" idx="1"/>
+          </p:nvPr>
+        </p:nvSpPr>
+        <p:spPr/>
+        <p:txBody>
+          <a:bodyPr/>
+          <a:lstStyle/>
+          <a:p>
+            <a:endParaRPr lang="zh-CN" altLang="en-US" dirty="0"/>
+          </a:p>
+        </p:txBody>
+      </p:sp>
+      <p:sp>
+        <p:nvSpPr>
+          <p:cNvPr id="4" name="灯片编号占位符 3"/>
+          <p:cNvSpPr>
+            <a:spLocks noGrp="1"/>
+          </p:cNvSpPr>
+          <p:nvPr>
+            <p:ph type="sldNum" sz="quarter" idx="10"/>
+          </p:nvPr>
+        </p:nvSpPr>
+        <p:spPr/>
+        <p:txBody>
+          <a:bodyPr/>
+          <a:lstStyle/>
+          <a:p>
+            <a:fld id="{2C6FF588-64EE-2745-88B0-D28AA5C1D4AF}" type="slidenum">
+              <a:rPr lang="en-US" smtClean="0"/>
+              <a:t>5</a:t>
+            </a:fld>
+            <a:endParaRPr lang="en-US"/>
+          </a:p>
+        </p:txBody>
+      </p:sp>
+    </p:spTree>
+    <p:extLst>
+      <p:ext uri="{BB962C8B-B14F-4D97-AF65-F5344CB8AC3E}">
+        <p14:creationId xmlns:p14="http://schemas.microsoft.com/office/powerpoint/2010/main" val="1039979477"/>
+      </p:ext>
+    </p:extLst>
+  </p:cSld>
+  <p:clrMapOvr>
+    <a:masterClrMapping/>
+  </p:clrMapOvr>
+</p:notes>
+</file>
+
+<file path=ppt/notesSlides/notesSlide6.xml><?xml version="1.0" encoding="utf-8"?>
+<p:notes xmlns:a="http://schemas.openxmlformats.org/drawingml/2006/main" xmlns:r="http://schemas.openxmlformats.org/officeDocument/2006/relationships" xmlns:p="http://schemas.openxmlformats.org/presentationml/2006/main">
+  <p:cSld>
+    <p:spTree>
+      <p:nvGrpSpPr>
+        <p:cNvPr id="1" name=""/>
+        <p:cNvGrpSpPr/>
+        <p:nvPr/>
+      </p:nvGrpSpPr>
+      <p:grpSpPr>
+        <a:xfrm>
+          <a:off x="0" y="0"/>
+          <a:ext cx="0" cy="0"/>
+          <a:chOff x="0" y="0"/>
+          <a:chExt cx="0" cy="0"/>
+        </a:xfrm>
+      </p:grpSpPr>
+      <p:sp>
+        <p:nvSpPr>
+          <p:cNvPr id="2" name="Slide Image Placeholder 1"/>
+          <p:cNvSpPr>
+            <a:spLocks noGrp="1" noRot="1" noChangeAspect="1"/>
+          </p:cNvSpPr>
+          <p:nvPr>
+            <p:ph type="sldImg"/>
+          </p:nvPr>
+        </p:nvSpPr>
+        <p:spPr/>
+      </p:sp>
+      <p:sp>
+        <p:nvSpPr>
+          <p:cNvPr id="3" name="Notes Placeholder 2"/>
+          <p:cNvSpPr>
+            <a:spLocks noGrp="1"/>
+          </p:cNvSpPr>
+          <p:nvPr>
+            <p:ph type="body" idx="1"/>
+          </p:nvPr>
+        </p:nvSpPr>
+        <p:spPr/>
+        <p:txBody>
+          <a:bodyPr/>
+          <a:lstStyle/>
+          <a:p>
+            <a:r>
+              <a:rPr lang="zh-CN" altLang="en-US" dirty="0"/>
+              <a:t>模拟乐队</a:t>
+            </a:r>
+          </a:p>
+        </p:txBody>
+      </p:sp>
+      <p:sp>
+        <p:nvSpPr>
+          <p:cNvPr id="4" name="Slide Number Placeholder 3"/>
+          <p:cNvSpPr>
+            <a:spLocks noGrp="1"/>
+          </p:cNvSpPr>
+          <p:nvPr>
+            <p:ph type="sldNum" sz="quarter" idx="5"/>
+          </p:nvPr>
+        </p:nvSpPr>
+        <p:spPr/>
+        <p:txBody>
+          <a:bodyPr/>
+          <a:lstStyle/>
+          <a:p>
+            <a:fld id="{2C6FF588-64EE-2745-88B0-D28AA5C1D4AF}" type="slidenum">
+              <a:rPr lang="en-US" smtClean="0"/>
+              <a:t>6</a:t>
+            </a:fld>
+            <a:endParaRPr lang="en-US"/>
+          </a:p>
+        </p:txBody>
+      </p:sp>
+    </p:spTree>
+    <p:extLst>
+      <p:ext uri="{BB962C8B-B14F-4D97-AF65-F5344CB8AC3E}">
+        <p14:creationId xmlns:p14="http://schemas.microsoft.com/office/powerpoint/2010/main" val="1510616738"/>
+      </p:ext>
+    </p:extLst>
+  </p:cSld>
+  <p:clrMapOvr>
+    <a:masterClrMapping/>
+  </p:clrMapOvr>
+</p:notes>
+</file>
+
+<file path=ppt/notesSlides/notesSlide7.xml><?xml version="1.0" encoding="utf-8"?>
+<p:notes xmlns:a="http://schemas.openxmlformats.org/drawingml/2006/main" xmlns:r="http://schemas.openxmlformats.org/officeDocument/2006/relationships" xmlns:p="http://schemas.openxmlformats.org/presentationml/2006/main">
+  <p:cSld>
+    <p:spTree>
+      <p:nvGrpSpPr>
+        <p:cNvPr id="1" name=""/>
+        <p:cNvGrpSpPr/>
+        <p:nvPr/>
+      </p:nvGrpSpPr>
+      <p:grpSpPr>
+        <a:xfrm>
+          <a:off x="0" y="0"/>
+          <a:ext cx="0" cy="0"/>
+          <a:chOff x="0" y="0"/>
+          <a:chExt cx="0" cy="0"/>
+        </a:xfrm>
+      </p:grpSpPr>
+      <p:sp>
+        <p:nvSpPr>
+          <p:cNvPr id="2" name="幻灯片图像占位符 1"/>
+          <p:cNvSpPr>
+            <a:spLocks noGrp="1" noRot="1" noChangeAspect="1"/>
+          </p:cNvSpPr>
+          <p:nvPr>
+            <p:ph type="sldImg"/>
+          </p:nvPr>
+        </p:nvSpPr>
+        <p:spPr/>
+      </p:sp>
+      <p:sp>
+        <p:nvSpPr>
+          <p:cNvPr id="3" name="备注占位符 2"/>
+          <p:cNvSpPr>
+            <a:spLocks noGrp="1"/>
+          </p:cNvSpPr>
+          <p:nvPr>
+            <p:ph type="body" idx="1"/>
+          </p:nvPr>
+        </p:nvSpPr>
+        <p:spPr/>
+        <p:txBody>
+          <a:bodyPr/>
+          <a:lstStyle/>
+          <a:p>
+            <a:endParaRPr lang="zh-CN" altLang="en-US" dirty="0"/>
+          </a:p>
+        </p:txBody>
+      </p:sp>
+      <p:sp>
+        <p:nvSpPr>
+          <p:cNvPr id="4" name="灯片编号占位符 3"/>
+          <p:cNvSpPr>
+            <a:spLocks noGrp="1"/>
+          </p:cNvSpPr>
+          <p:nvPr>
+            <p:ph type="sldNum" sz="quarter" idx="10"/>
+          </p:nvPr>
+        </p:nvSpPr>
+        <p:spPr/>
+        <p:txBody>
+          <a:bodyPr/>
+          <a:lstStyle/>
+          <a:p>
+            <a:fld id="{2C6FF588-64EE-2745-88B0-D28AA5C1D4AF}" type="slidenum">
+              <a:rPr lang="en-US" smtClean="0"/>
+              <a:t>7</a:t>
+            </a:fld>
+            <a:endParaRPr lang="en-US"/>
+          </a:p>
+        </p:txBody>
+      </p:sp>
+    </p:spTree>
+    <p:extLst>
+      <p:ext uri="{BB962C8B-B14F-4D97-AF65-F5344CB8AC3E}">
+        <p14:creationId xmlns:p14="http://schemas.microsoft.com/office/powerpoint/2010/main" val="3372325582"/>
+      </p:ext>
+    </p:extLst>
+  </p:cSld>
+  <p:clrMapOvr>
+    <a:masterClrMapping/>
+  </p:clrMapOvr>
+</p:notes>
+</file>
+
+<file path=ppt/notesSlides/notesSlide8.xml><?xml version="1.0" encoding="utf-8"?>
+<p:notes xmlns:a="http://schemas.openxmlformats.org/drawingml/2006/main" xmlns:r="http://schemas.openxmlformats.org/officeDocument/2006/relationships" xmlns:p="http://schemas.openxmlformats.org/presentationml/2006/main">
+  <p:cSld>
+    <p:spTree>
+      <p:nvGrpSpPr>
+        <p:cNvPr id="1" name=""/>
+        <p:cNvGrpSpPr/>
+        <p:nvPr/>
+      </p:nvGrpSpPr>
+      <p:grpSpPr>
+        <a:xfrm>
+          <a:off x="0" y="0"/>
+          <a:ext cx="0" cy="0"/>
+          <a:chOff x="0" y="0"/>
+          <a:chExt cx="0" cy="0"/>
+        </a:xfrm>
+      </p:grpSpPr>
+      <p:sp>
+        <p:nvSpPr>
+          <p:cNvPr id="2" name="Slide Image Placeholder 1"/>
+          <p:cNvSpPr>
+            <a:spLocks noGrp="1" noRot="1" noChangeAspect="1"/>
+          </p:cNvSpPr>
+          <p:nvPr>
+            <p:ph type="sldImg"/>
+          </p:nvPr>
+        </p:nvSpPr>
+        <p:spPr/>
+      </p:sp>
+      <p:sp>
+        <p:nvSpPr>
+          <p:cNvPr id="3" name="Notes Placeholder 2"/>
+          <p:cNvSpPr>
+            <a:spLocks noGrp="1"/>
+          </p:cNvSpPr>
+          <p:nvPr>
+            <p:ph type="body" idx="1"/>
+          </p:nvPr>
+        </p:nvSpPr>
+        <p:spPr/>
+        <p:txBody>
+          <a:bodyPr/>
+          <a:lstStyle/>
+          <a:p>
+            <a:endParaRPr lang="zh-CN" altLang="en-US" dirty="0"/>
+          </a:p>
+        </p:txBody>
+      </p:sp>
+      <p:sp>
+        <p:nvSpPr>
+          <p:cNvPr id="4" name="Slide Number Placeholder 3"/>
+          <p:cNvSpPr>
+            <a:spLocks noGrp="1"/>
+          </p:cNvSpPr>
+          <p:nvPr>
+            <p:ph type="sldNum" sz="quarter" idx="5"/>
+          </p:nvPr>
+        </p:nvSpPr>
+        <p:spPr/>
+        <p:txBody>
+          <a:bodyPr/>
+          <a:lstStyle/>
+          <a:p>
+            <a:fld id="{2C6FF588-64EE-2745-88B0-D28AA5C1D4AF}" type="slidenum">
+              <a:rPr lang="en-US" smtClean="0"/>
+              <a:t>14</a:t>
             </a:fld>
             <a:endParaRPr lang="en-US"/>
           </a:p>
@@ -959,7 +1295,7 @@
           <a:p>
             <a:fld id="{1C8920E0-4DA1-524E-AA5F-72FF81381A76}" type="datetimeFigureOut">
               <a:rPr lang="en-US" smtClean="0"/>
-              <a:t>10/15/18</a:t>
+              <a:t>10/15/2018</a:t>
             </a:fld>
             <a:endParaRPr lang="en-US"/>
           </a:p>
@@ -1127,7 +1463,7 @@
           <a:p>
             <a:fld id="{1C8920E0-4DA1-524E-AA5F-72FF81381A76}" type="datetimeFigureOut">
               <a:rPr lang="en-US" smtClean="0"/>
-              <a:t>10/15/18</a:t>
+              <a:t>10/15/2018</a:t>
             </a:fld>
             <a:endParaRPr lang="en-US"/>
           </a:p>
@@ -1305,7 +1641,7 @@
           <a:p>
             <a:fld id="{1C8920E0-4DA1-524E-AA5F-72FF81381A76}" type="datetimeFigureOut">
               <a:rPr lang="en-US" smtClean="0"/>
-              <a:t>10/15/18</a:t>
+              <a:t>10/15/2018</a:t>
             </a:fld>
             <a:endParaRPr lang="en-US"/>
           </a:p>
@@ -1497,7 +1833,7 @@
           <a:p>
             <a:fld id="{A93B2EAE-6EFD-8F4C-9604-62E60F56DC96}" type="datetimeFigureOut">
               <a:rPr lang="en-US" smtClean="0"/>
-              <a:t>10/15/18</a:t>
+              <a:t>10/15/2018</a:t>
             </a:fld>
             <a:endParaRPr lang="en-US"/>
           </a:p>
@@ -1667,7 +2003,7 @@
           <a:p>
             <a:fld id="{A93B2EAE-6EFD-8F4C-9604-62E60F56DC96}" type="datetimeFigureOut">
               <a:rPr lang="en-US" smtClean="0"/>
-              <a:t>10/15/18</a:t>
+              <a:t>10/15/2018</a:t>
             </a:fld>
             <a:endParaRPr lang="en-US"/>
           </a:p>
@@ -1913,7 +2249,7 @@
           <a:p>
             <a:fld id="{A93B2EAE-6EFD-8F4C-9604-62E60F56DC96}" type="datetimeFigureOut">
               <a:rPr lang="en-US" smtClean="0"/>
-              <a:t>10/15/18</a:t>
+              <a:t>10/15/2018</a:t>
             </a:fld>
             <a:endParaRPr lang="en-US"/>
           </a:p>
@@ -2145,7 +2481,7 @@
           <a:p>
             <a:fld id="{A93B2EAE-6EFD-8F4C-9604-62E60F56DC96}" type="datetimeFigureOut">
               <a:rPr lang="en-US" smtClean="0"/>
-              <a:t>10/15/18</a:t>
+              <a:t>10/15/2018</a:t>
             </a:fld>
             <a:endParaRPr lang="en-US"/>
           </a:p>
@@ -2512,7 +2848,7 @@
           <a:p>
             <a:fld id="{A93B2EAE-6EFD-8F4C-9604-62E60F56DC96}" type="datetimeFigureOut">
               <a:rPr lang="en-US" smtClean="0"/>
-              <a:t>10/15/18</a:t>
+              <a:t>10/15/2018</a:t>
             </a:fld>
             <a:endParaRPr lang="en-US"/>
           </a:p>
@@ -2630,7 +2966,7 @@
           <a:p>
             <a:fld id="{A93B2EAE-6EFD-8F4C-9604-62E60F56DC96}" type="datetimeFigureOut">
               <a:rPr lang="en-US" smtClean="0"/>
-              <a:t>10/15/18</a:t>
+              <a:t>10/15/2018</a:t>
             </a:fld>
             <a:endParaRPr lang="en-US"/>
           </a:p>
@@ -2725,7 +3061,7 @@
           <a:p>
             <a:fld id="{A93B2EAE-6EFD-8F4C-9604-62E60F56DC96}" type="datetimeFigureOut">
               <a:rPr lang="en-US" smtClean="0"/>
-              <a:t>10/15/18</a:t>
+              <a:t>10/15/2018</a:t>
             </a:fld>
             <a:endParaRPr lang="en-US"/>
           </a:p>
@@ -3002,7 +3338,7 @@
           <a:p>
             <a:fld id="{A93B2EAE-6EFD-8F4C-9604-62E60F56DC96}" type="datetimeFigureOut">
               <a:rPr lang="en-US" smtClean="0"/>
-              <a:t>10/15/18</a:t>
+              <a:t>10/15/2018</a:t>
             </a:fld>
             <a:endParaRPr lang="en-US"/>
           </a:p>
@@ -3170,7 +3506,7 @@
           <a:p>
             <a:fld id="{1C8920E0-4DA1-524E-AA5F-72FF81381A76}" type="datetimeFigureOut">
               <a:rPr lang="en-US" smtClean="0"/>
-              <a:t>10/15/18</a:t>
+              <a:t>10/15/2018</a:t>
             </a:fld>
             <a:endParaRPr lang="en-US"/>
           </a:p>
@@ -3423,7 +3759,7 @@
           <a:p>
             <a:fld id="{A93B2EAE-6EFD-8F4C-9604-62E60F56DC96}" type="datetimeFigureOut">
               <a:rPr lang="en-US" smtClean="0"/>
-              <a:t>10/15/18</a:t>
+              <a:t>10/15/2018</a:t>
             </a:fld>
             <a:endParaRPr lang="en-US"/>
           </a:p>
@@ -3593,7 +3929,7 @@
           <a:p>
             <a:fld id="{A93B2EAE-6EFD-8F4C-9604-62E60F56DC96}" type="datetimeFigureOut">
               <a:rPr lang="en-US" smtClean="0"/>
-              <a:t>10/15/18</a:t>
+              <a:t>10/15/2018</a:t>
             </a:fld>
             <a:endParaRPr lang="en-US"/>
           </a:p>
@@ -3773,7 +4109,7 @@
           <a:p>
             <a:fld id="{A93B2EAE-6EFD-8F4C-9604-62E60F56DC96}" type="datetimeFigureOut">
               <a:rPr lang="en-US" smtClean="0"/>
-              <a:t>10/15/18</a:t>
+              <a:t>10/15/2018</a:t>
             </a:fld>
             <a:endParaRPr lang="en-US"/>
           </a:p>
@@ -4018,7 +4354,7 @@
           <a:p>
             <a:fld id="{1C8920E0-4DA1-524E-AA5F-72FF81381A76}" type="datetimeFigureOut">
               <a:rPr lang="en-US" smtClean="0"/>
-              <a:t>10/15/18</a:t>
+              <a:t>10/15/2018</a:t>
             </a:fld>
             <a:endParaRPr lang="en-US"/>
           </a:p>
@@ -4247,7 +4583,7 @@
           <a:p>
             <a:fld id="{1C8920E0-4DA1-524E-AA5F-72FF81381A76}" type="datetimeFigureOut">
               <a:rPr lang="en-US" smtClean="0"/>
-              <a:t>10/15/18</a:t>
+              <a:t>10/15/2018</a:t>
             </a:fld>
             <a:endParaRPr lang="en-US"/>
           </a:p>
@@ -4611,7 +4947,7 @@
           <a:p>
             <a:fld id="{1C8920E0-4DA1-524E-AA5F-72FF81381A76}" type="datetimeFigureOut">
               <a:rPr lang="en-US" smtClean="0"/>
-              <a:t>10/15/18</a:t>
+              <a:t>10/15/2018</a:t>
             </a:fld>
             <a:endParaRPr lang="en-US"/>
           </a:p>
@@ -4728,7 +5064,7 @@
           <a:p>
             <a:fld id="{1C8920E0-4DA1-524E-AA5F-72FF81381A76}" type="datetimeFigureOut">
               <a:rPr lang="en-US" smtClean="0"/>
-              <a:t>10/15/18</a:t>
+              <a:t>10/15/2018</a:t>
             </a:fld>
             <a:endParaRPr lang="en-US"/>
           </a:p>
@@ -4823,7 +5159,7 @@
           <a:p>
             <a:fld id="{1C8920E0-4DA1-524E-AA5F-72FF81381A76}" type="datetimeFigureOut">
               <a:rPr lang="en-US" smtClean="0"/>
-              <a:t>10/15/18</a:t>
+              <a:t>10/15/2018</a:t>
             </a:fld>
             <a:endParaRPr lang="en-US"/>
           </a:p>
@@ -5098,7 +5434,7 @@
           <a:p>
             <a:fld id="{1C8920E0-4DA1-524E-AA5F-72FF81381A76}" type="datetimeFigureOut">
               <a:rPr lang="en-US" smtClean="0"/>
-              <a:t>10/15/18</a:t>
+              <a:t>10/15/2018</a:t>
             </a:fld>
             <a:endParaRPr lang="en-US"/>
           </a:p>
@@ -5350,7 +5686,7 @@
           <a:p>
             <a:fld id="{1C8920E0-4DA1-524E-AA5F-72FF81381A76}" type="datetimeFigureOut">
               <a:rPr lang="en-US" smtClean="0"/>
-              <a:t>10/15/18</a:t>
+              <a:t>10/15/2018</a:t>
             </a:fld>
             <a:endParaRPr lang="en-US"/>
           </a:p>
@@ -5561,7 +5897,7 @@
           <a:p>
             <a:fld id="{1C8920E0-4DA1-524E-AA5F-72FF81381A76}" type="datetimeFigureOut">
               <a:rPr lang="en-US" smtClean="0"/>
-              <a:t>10/15/18</a:t>
+              <a:t>10/15/2018</a:t>
             </a:fld>
             <a:endParaRPr lang="en-US"/>
           </a:p>
@@ -6101,7 +6437,7 @@
           <a:p>
             <a:fld id="{A93B2EAE-6EFD-8F4C-9604-62E60F56DC96}" type="datetimeFigureOut">
               <a:rPr lang="en-US" smtClean="0"/>
-              <a:t>10/15/18</a:t>
+              <a:t>10/15/2018</a:t>
             </a:fld>
             <a:endParaRPr lang="en-US"/>
           </a:p>
@@ -6536,38 +6872,51 @@
           <a:lstStyle/>
           <a:p>
             <a:r>
-              <a:rPr lang="en-US" altLang="zh-CN" dirty="0"/>
-              <a:t>Begin!</a:t>
-            </a:r>
-            <a:endParaRPr lang="en-US" dirty="0"/>
-          </a:p>
-        </p:txBody>
-      </p:sp>
-      <p:sp>
-        <p:nvSpPr>
-          <p:cNvPr id="6" name="Content Placeholder 5">
+              <a:rPr lang="zh-CN" altLang="en-US" dirty="0">
+                <a:latin typeface="幼圆" pitchFamily="49" charset="-122"/>
+                <a:ea typeface="幼圆" pitchFamily="49" charset="-122"/>
+                <a:cs typeface="DejaVu Sans Light" pitchFamily="34" charset="0"/>
+              </a:rPr>
+              <a:t>让我们来听一段音乐</a:t>
+            </a:r>
+            <a:endParaRPr lang="en-US" dirty="0">
+              <a:latin typeface="幼圆" pitchFamily="49" charset="-122"/>
+              <a:ea typeface="幼圆" pitchFamily="49" charset="-122"/>
+              <a:cs typeface="DejaVu Sans Light" pitchFamily="34" charset="0"/>
+            </a:endParaRPr>
+          </a:p>
+        </p:txBody>
+      </p:sp>
+      <p:pic>
+        <p:nvPicPr>
+          <p:cNvPr id="5" name="图片 4"/>
+          <p:cNvPicPr>
+            <a:picLocks noChangeAspect="1"/>
+          </p:cNvPicPr>
+          <p:nvPr/>
+        </p:nvPicPr>
+        <p:blipFill>
+          <a:blip r:embed="rId4">
             <a:extLst>
-              <a:ext uri="{FF2B5EF4-FFF2-40B4-BE49-F238E27FC236}">
-                <a16:creationId xmlns:a16="http://schemas.microsoft.com/office/drawing/2014/main" xmlns="" id="{90320CA0-602B-4087-9EA4-486B6E4E2602}"/>
+              <a:ext uri="{28A0092B-C50C-407E-A947-70E740481C1C}">
+                <a14:useLocalDpi xmlns:a14="http://schemas.microsoft.com/office/drawing/2010/main" val="0"/>
               </a:ext>
             </a:extLst>
-          </p:cNvPr>
-          <p:cNvSpPr>
-            <a:spLocks noGrp="1"/>
-          </p:cNvSpPr>
-          <p:nvPr>
-            <p:ph idx="1"/>
-          </p:nvPr>
-        </p:nvSpPr>
-        <p:spPr/>
-        <p:txBody>
-          <a:bodyPr/>
-          <a:lstStyle/>
-          <a:p>
-            <a:endParaRPr lang="zh-CN" altLang="en-US" dirty="0"/>
-          </a:p>
-        </p:txBody>
-      </p:sp>
+          </a:blip>
+          <a:stretch>
+            <a:fillRect/>
+          </a:stretch>
+        </p:blipFill>
+        <p:spPr>
+          <a:xfrm>
+            <a:off x="3210560" y="1840847"/>
+            <a:ext cx="5507990" cy="4080527"/>
+          </a:xfrm>
+          <a:prstGeom prst="rect">
+            <a:avLst/>
+          </a:prstGeom>
+        </p:spPr>
+      </p:pic>
     </p:spTree>
     <p:extLst>
       <p:ext uri="{BB962C8B-B14F-4D97-AF65-F5344CB8AC3E}">
@@ -6629,6 +6978,161 @@
             <p:ph type="title"/>
           </p:nvPr>
         </p:nvSpPr>
+        <p:spPr/>
+        <p:txBody>
+          <a:bodyPr/>
+          <a:lstStyle/>
+          <a:p>
+            <a:r>
+              <a:rPr lang="en-US" altLang="zh-CN" dirty="0"/>
+              <a:t>MIDI</a:t>
+            </a:r>
+            <a:r>
+              <a:rPr lang="zh-CN" altLang="en-US" dirty="0"/>
+              <a:t>文件的生成方式</a:t>
+            </a:r>
+            <a:r>
+              <a:rPr lang="en-US" altLang="zh-CN" dirty="0"/>
+              <a:t/>
+            </a:r>
+            <a:br>
+              <a:rPr lang="en-US" altLang="zh-CN" dirty="0"/>
+            </a:br>
+            <a:r>
+              <a:rPr lang="zh-CN" altLang="en-US" sz="2000" dirty="0"/>
+              <a:t>专用软件生成：</a:t>
+            </a:r>
+            <a:r>
+              <a:rPr lang="en-US" altLang="zh-CN" sz="2000" dirty="0" err="1"/>
+              <a:t>MidiEditor</a:t>
+            </a:r>
+            <a:endParaRPr lang="en-US" dirty="0"/>
+          </a:p>
+        </p:txBody>
+      </p:sp>
+      <p:sp>
+        <p:nvSpPr>
+          <p:cNvPr id="3" name="Content Placeholder 2"/>
+          <p:cNvSpPr>
+            <a:spLocks noGrp="1"/>
+          </p:cNvSpPr>
+          <p:nvPr>
+            <p:ph idx="1"/>
+          </p:nvPr>
+        </p:nvSpPr>
+        <p:spPr>
+          <a:xfrm>
+            <a:off x="838200" y="1690688"/>
+            <a:ext cx="10515600" cy="4724400"/>
+          </a:xfrm>
+        </p:spPr>
+        <p:txBody>
+          <a:bodyPr/>
+          <a:lstStyle/>
+          <a:p>
+            <a:r>
+              <a:rPr lang="en-US" altLang="zh-CN" dirty="0" err="1"/>
+              <a:t>MidiEditor</a:t>
+            </a:r>
+            <a:r>
+              <a:rPr lang="zh-CN" altLang="en-US" dirty="0"/>
+              <a:t>演示</a:t>
+            </a:r>
+            <a:endParaRPr lang="en-US" dirty="0"/>
+          </a:p>
+        </p:txBody>
+      </p:sp>
+      <p:pic>
+        <p:nvPicPr>
+          <p:cNvPr id="4" name="Picture 3"/>
+          <p:cNvPicPr>
+            <a:picLocks noChangeAspect="1"/>
+          </p:cNvPicPr>
+          <p:nvPr/>
+        </p:nvPicPr>
+        <p:blipFill>
+          <a:blip r:embed="rId3">
+            <a:extLst>
+              <a:ext uri="{28A0092B-C50C-407E-A947-70E740481C1C}">
+                <a14:useLocalDpi xmlns:a14="http://schemas.microsoft.com/office/drawing/2010/main" val="0"/>
+              </a:ext>
+            </a:extLst>
+          </a:blip>
+          <a:stretch>
+            <a:fillRect/>
+          </a:stretch>
+        </p:blipFill>
+        <p:spPr>
+          <a:xfrm>
+            <a:off x="838200" y="2200275"/>
+            <a:ext cx="8599859" cy="3820964"/>
+          </a:xfrm>
+          <a:prstGeom prst="rect">
+            <a:avLst/>
+          </a:prstGeom>
+        </p:spPr>
+      </p:pic>
+    </p:spTree>
+    <p:extLst>
+      <p:ext uri="{BB962C8B-B14F-4D97-AF65-F5344CB8AC3E}">
+        <p14:creationId xmlns:p14="http://schemas.microsoft.com/office/powerpoint/2010/main" val="1390522777"/>
+      </p:ext>
+    </p:extLst>
+  </p:cSld>
+  <p:clrMapOvr>
+    <a:masterClrMapping/>
+  </p:clrMapOvr>
+  <p:timing>
+    <p:tnLst>
+      <p:par>
+        <p:cTn id="1" dur="indefinite" restart="never" nodeType="tmRoot"/>
+      </p:par>
+    </p:tnLst>
+  </p:timing>
+</p:sld>
+</file>
+
+<file path=ppt/slides/slide11.xml><?xml version="1.0" encoding="utf-8"?>
+<p:sld xmlns:a="http://schemas.openxmlformats.org/drawingml/2006/main" xmlns:r="http://schemas.openxmlformats.org/officeDocument/2006/relationships" xmlns:p="http://schemas.openxmlformats.org/presentationml/2006/main">
+  <p:cSld>
+    <p:bg>
+      <p:bgPr>
+        <a:blipFill dpi="0" rotWithShape="1">
+          <a:blip r:embed="rId2">
+            <a:lum/>
+          </a:blip>
+          <a:srcRect/>
+          <a:stretch>
+            <a:fillRect t="-17000" b="-17000"/>
+          </a:stretch>
+        </a:blipFill>
+        <a:effectLst/>
+      </p:bgPr>
+    </p:bg>
+    <p:spTree>
+      <p:nvGrpSpPr>
+        <p:cNvPr id="1" name=""/>
+        <p:cNvGrpSpPr/>
+        <p:nvPr/>
+      </p:nvGrpSpPr>
+      <p:grpSpPr>
+        <a:xfrm>
+          <a:off x="0" y="0"/>
+          <a:ext cx="0" cy="0"/>
+          <a:chOff x="0" y="0"/>
+          <a:chExt cx="0" cy="0"/>
+        </a:xfrm>
+      </p:grpSpPr>
+      <p:sp>
+        <p:nvSpPr>
+          <p:cNvPr id="2" name="Title 1"/>
+          <p:cNvSpPr>
+            <a:spLocks noGrp="1"/>
+          </p:cNvSpPr>
+          <p:nvPr>
+            <p:ph type="title"/>
+          </p:nvPr>
+        </p:nvSpPr>
         <p:spPr>
           <a:xfrm>
             <a:off x="838200" y="365125"/>
@@ -6800,7 +7304,7 @@
 </p:sld>
 </file>
 
-<file path=ppt/slides/slide11.xml><?xml version="1.0" encoding="utf-8"?>
+<file path=ppt/slides/slide12.xml><?xml version="1.0" encoding="utf-8"?>
 <p:sld xmlns:a="http://schemas.openxmlformats.org/drawingml/2006/main" xmlns:r="http://schemas.openxmlformats.org/officeDocument/2006/relationships" xmlns:p="http://schemas.openxmlformats.org/presentationml/2006/main">
   <p:cSld>
     <p:bg>
@@ -6969,7 +7473,7 @@
 </p:sld>
 </file>
 
-<file path=ppt/slides/slide12.xml><?xml version="1.0" encoding="utf-8"?>
+<file path=ppt/slides/slide13.xml><?xml version="1.0" encoding="utf-8"?>
 <p:sld xmlns:a="http://schemas.openxmlformats.org/drawingml/2006/main" xmlns:r="http://schemas.openxmlformats.org/officeDocument/2006/relationships" xmlns:p="http://schemas.openxmlformats.org/presentationml/2006/main">
   <p:cSld>
     <p:bg>
@@ -7127,7 +7631,7 @@
 </p:sld>
 </file>
 
-<file path=ppt/slides/slide13.xml><?xml version="1.0" encoding="utf-8"?>
+<file path=ppt/slides/slide14.xml><?xml version="1.0" encoding="utf-8"?>
 <p:sld xmlns:a="http://schemas.openxmlformats.org/drawingml/2006/main" xmlns:r="http://schemas.openxmlformats.org/officeDocument/2006/relationships" xmlns:p="http://schemas.openxmlformats.org/presentationml/2006/main">
   <p:cSld>
     <p:bg>
@@ -7295,209 +7799,6 @@
 </p:sld>
 </file>
 
-<file path=ppt/slides/slide14.xml><?xml version="1.0" encoding="utf-8"?>
-<p:sld xmlns:a="http://schemas.openxmlformats.org/drawingml/2006/main" xmlns:r="http://schemas.openxmlformats.org/officeDocument/2006/relationships" xmlns:p="http://schemas.openxmlformats.org/presentationml/2006/main">
-  <p:cSld>
-    <p:bg>
-      <p:bgPr>
-        <a:blipFill dpi="0" rotWithShape="1">
-          <a:blip r:embed="rId2">
-            <a:lum/>
-          </a:blip>
-          <a:srcRect/>
-          <a:stretch>
-            <a:fillRect t="-17000" b="-17000"/>
-          </a:stretch>
-        </a:blipFill>
-        <a:effectLst/>
-      </p:bgPr>
-    </p:bg>
-    <p:spTree>
-      <p:nvGrpSpPr>
-        <p:cNvPr id="1" name=""/>
-        <p:cNvGrpSpPr/>
-        <p:nvPr/>
-      </p:nvGrpSpPr>
-      <p:grpSpPr>
-        <a:xfrm>
-          <a:off x="0" y="0"/>
-          <a:ext cx="0" cy="0"/>
-          <a:chOff x="0" y="0"/>
-          <a:chExt cx="0" cy="0"/>
-        </a:xfrm>
-      </p:grpSpPr>
-      <p:sp>
-        <p:nvSpPr>
-          <p:cNvPr id="2" name="Title 1"/>
-          <p:cNvSpPr>
-            <a:spLocks noGrp="1"/>
-          </p:cNvSpPr>
-          <p:nvPr>
-            <p:ph type="title"/>
-          </p:nvPr>
-        </p:nvSpPr>
-        <p:spPr/>
-        <p:txBody>
-          <a:bodyPr/>
-          <a:lstStyle/>
-          <a:p>
-            <a:pPr lvl="1" algn="l" rtl="0">
-              <a:lnSpc>
-                <a:spcPct val="90000"/>
-              </a:lnSpc>
-              <a:spcBef>
-                <a:spcPct val="0"/>
-              </a:spcBef>
-            </a:pPr>
-            <a:r>
-              <a:rPr lang="en-US" altLang="zh-CN" sz="4000" dirty="0"/>
-              <a:t>MIDI</a:t>
-            </a:r>
-            <a:r>
-              <a:rPr lang="zh-CN" altLang="en-US" sz="4000" dirty="0"/>
-              <a:t>音乐对我们的意义</a:t>
-            </a:r>
-            <a:r>
-              <a:rPr lang="en-US" altLang="zh-CN" dirty="0"/>
-              <a:t/>
-            </a:r>
-            <a:br>
-              <a:rPr lang="en-US" altLang="zh-CN" dirty="0"/>
-            </a:br>
-            <a:r>
-              <a:rPr lang="zh-CN" altLang="en-US" sz="2000" dirty="0"/>
-              <a:t>计算机数字化和</a:t>
-            </a:r>
-            <a:r>
-              <a:rPr lang="en-US" altLang="zh-CN" sz="2000" dirty="0"/>
-              <a:t>MIDI</a:t>
-            </a:r>
-            <a:r>
-              <a:rPr lang="zh-CN" altLang="en-US" sz="2000" dirty="0"/>
-              <a:t>音乐</a:t>
-            </a:r>
-            <a:endParaRPr lang="en-US" sz="2000" dirty="0"/>
-          </a:p>
-        </p:txBody>
-      </p:sp>
-      <p:sp>
-        <p:nvSpPr>
-          <p:cNvPr id="3" name="Content Placeholder 2"/>
-          <p:cNvSpPr>
-            <a:spLocks noGrp="1"/>
-          </p:cNvSpPr>
-          <p:nvPr>
-            <p:ph idx="1"/>
-          </p:nvPr>
-        </p:nvSpPr>
-        <p:spPr>
-          <a:xfrm>
-            <a:off x="838200" y="1690688"/>
-            <a:ext cx="10515600" cy="4486275"/>
-          </a:xfrm>
-        </p:spPr>
-        <p:txBody>
-          <a:bodyPr/>
-          <a:lstStyle/>
-          <a:p>
-            <a:r>
-              <a:rPr lang="zh-CN" altLang="en-US" dirty="0"/>
-              <a:t>计算机数字化</a:t>
-            </a:r>
-            <a:endParaRPr lang="en-US" altLang="zh-CN" dirty="0"/>
-          </a:p>
-          <a:p>
-            <a:pPr lvl="1"/>
-            <a:r>
-              <a:rPr lang="zh-CN" altLang="en-US" dirty="0"/>
-              <a:t>充分利用计算机信息技术；</a:t>
-            </a:r>
-            <a:endParaRPr lang="en-US" altLang="zh-CN" dirty="0"/>
-          </a:p>
-          <a:p>
-            <a:pPr lvl="1"/>
-            <a:r>
-              <a:rPr lang="en-US" altLang="zh-CN" dirty="0"/>
-              <a:t>MIDI</a:t>
-            </a:r>
-            <a:r>
-              <a:rPr lang="zh-CN" altLang="en-US" dirty="0"/>
-              <a:t>文件记录所有的音乐信息；简化创作和传播；</a:t>
-            </a:r>
-            <a:endParaRPr lang="en-US" altLang="zh-CN" dirty="0"/>
-          </a:p>
-          <a:p>
-            <a:pPr lvl="1"/>
-            <a:r>
-              <a:rPr lang="en-US" altLang="zh-CN" dirty="0"/>
-              <a:t>MIDI</a:t>
-            </a:r>
-            <a:r>
-              <a:rPr lang="zh-CN" altLang="en-US" dirty="0"/>
-              <a:t>规范确保所有符合</a:t>
-            </a:r>
-            <a:r>
-              <a:rPr lang="en-US" altLang="zh-CN" dirty="0"/>
-              <a:t>MIDI</a:t>
-            </a:r>
-            <a:r>
-              <a:rPr lang="zh-CN" altLang="en-US" dirty="0"/>
-              <a:t>规范的</a:t>
-            </a:r>
-            <a:r>
-              <a:rPr lang="en-US" altLang="zh-CN" dirty="0"/>
-              <a:t>MIDI</a:t>
-            </a:r>
-            <a:r>
-              <a:rPr lang="zh-CN" altLang="en-US" dirty="0"/>
-              <a:t>设备可以一起工作；</a:t>
-            </a:r>
-            <a:endParaRPr lang="en-US" altLang="zh-CN" dirty="0"/>
-          </a:p>
-          <a:p>
-            <a:r>
-              <a:rPr lang="zh-CN" altLang="en-US" dirty="0"/>
-              <a:t>数字化易于规范化</a:t>
-            </a:r>
-            <a:endParaRPr lang="en-US" altLang="zh-CN" dirty="0"/>
-          </a:p>
-          <a:p>
-            <a:r>
-              <a:rPr lang="zh-CN" altLang="en-US" dirty="0"/>
-              <a:t>数字化</a:t>
-            </a:r>
-            <a:r>
-              <a:rPr lang="en-US" altLang="zh-CN" dirty="0"/>
-              <a:t>MIDI</a:t>
-            </a:r>
-            <a:r>
-              <a:rPr lang="zh-CN" altLang="en-US" dirty="0"/>
-              <a:t>降低了音乐制作的难度</a:t>
-            </a:r>
-            <a:endParaRPr lang="en-US" dirty="0"/>
-          </a:p>
-        </p:txBody>
-      </p:sp>
-    </p:spTree>
-    <p:extLst>
-      <p:ext uri="{BB962C8B-B14F-4D97-AF65-F5344CB8AC3E}">
-        <p14:creationId xmlns:p14="http://schemas.microsoft.com/office/powerpoint/2010/main" val="2074195971"/>
-      </p:ext>
-    </p:extLst>
-  </p:cSld>
-  <p:clrMapOvr>
-    <a:masterClrMapping/>
-  </p:clrMapOvr>
-  <p:timing>
-    <p:tnLst>
-      <p:par>
-        <p:cTn id="1" dur="indefinite" restart="never" nodeType="tmRoot"/>
-      </p:par>
-    </p:tnLst>
-  </p:timing>
-</p:sld>
-</file>
-
 <file path=ppt/slides/slide15.xml><?xml version="1.0" encoding="utf-8"?>
 <p:sld xmlns:a="http://schemas.openxmlformats.org/drawingml/2006/main" xmlns:r="http://schemas.openxmlformats.org/officeDocument/2006/relationships" xmlns:p="http://schemas.openxmlformats.org/presentationml/2006/main">
   <p:cSld>
@@ -7544,37 +7845,147 @@
           <a:bodyPr/>
           <a:lstStyle/>
           <a:p>
-            <a:r>
-              <a:rPr lang="en-US" dirty="0" smtClean="0"/>
-              <a:t>Q&amp;A</a:t>
+            <a:pPr lvl="1" algn="l" rtl="0">
+              <a:lnSpc>
+                <a:spcPct val="90000"/>
+              </a:lnSpc>
+              <a:spcBef>
+                <a:spcPct val="0"/>
+              </a:spcBef>
+            </a:pPr>
+            <a:r>
+              <a:rPr lang="en-US" altLang="zh-CN" sz="4000" dirty="0"/>
+              <a:t>MIDI</a:t>
+            </a:r>
+            <a:r>
+              <a:rPr lang="zh-CN" altLang="en-US" sz="4000" dirty="0"/>
+              <a:t>音乐对我们的意义</a:t>
+            </a:r>
+            <a:r>
+              <a:rPr lang="en-US" altLang="zh-CN" dirty="0"/>
+              <a:t/>
+            </a:r>
+            <a:br>
+              <a:rPr lang="en-US" altLang="zh-CN" dirty="0"/>
+            </a:br>
+            <a:r>
+              <a:rPr lang="zh-CN" altLang="en-US" sz="2000" dirty="0"/>
+              <a:t>计算机数字化和</a:t>
+            </a:r>
+            <a:r>
+              <a:rPr lang="en-US" altLang="zh-CN" sz="2000" dirty="0"/>
+              <a:t>MIDI</a:t>
+            </a:r>
+            <a:r>
+              <a:rPr lang="zh-CN" altLang="en-US" sz="2000" dirty="0"/>
+              <a:t>音乐</a:t>
+            </a:r>
+            <a:endParaRPr lang="en-US" sz="2000" dirty="0"/>
+          </a:p>
+        </p:txBody>
+      </p:sp>
+      <p:sp>
+        <p:nvSpPr>
+          <p:cNvPr id="3" name="Content Placeholder 2"/>
+          <p:cNvSpPr>
+            <a:spLocks noGrp="1"/>
+          </p:cNvSpPr>
+          <p:nvPr>
+            <p:ph idx="1"/>
+          </p:nvPr>
+        </p:nvSpPr>
+        <p:spPr>
+          <a:xfrm>
+            <a:off x="838200" y="1690688"/>
+            <a:ext cx="10515600" cy="4486275"/>
+          </a:xfrm>
+        </p:spPr>
+        <p:txBody>
+          <a:bodyPr/>
+          <a:lstStyle/>
+          <a:p>
+            <a:r>
+              <a:rPr lang="zh-CN" altLang="en-US" dirty="0"/>
+              <a:t>计算机数字化</a:t>
+            </a:r>
+            <a:endParaRPr lang="en-US" altLang="zh-CN" dirty="0"/>
+          </a:p>
+          <a:p>
+            <a:pPr lvl="1"/>
+            <a:r>
+              <a:rPr lang="zh-CN" altLang="en-US" dirty="0"/>
+              <a:t>充分利用计算机信息技术；</a:t>
+            </a:r>
+            <a:endParaRPr lang="en-US" altLang="zh-CN" dirty="0"/>
+          </a:p>
+          <a:p>
+            <a:pPr lvl="1"/>
+            <a:r>
+              <a:rPr lang="en-US" altLang="zh-CN" dirty="0"/>
+              <a:t>MIDI</a:t>
+            </a:r>
+            <a:r>
+              <a:rPr lang="zh-CN" altLang="en-US" dirty="0"/>
+              <a:t>文件记录所有的音乐信息；简化创作和传播；</a:t>
+            </a:r>
+            <a:endParaRPr lang="en-US" altLang="zh-CN" dirty="0"/>
+          </a:p>
+          <a:p>
+            <a:pPr lvl="1"/>
+            <a:r>
+              <a:rPr lang="en-US" altLang="zh-CN" dirty="0"/>
+              <a:t>MIDI</a:t>
+            </a:r>
+            <a:r>
+              <a:rPr lang="zh-CN" altLang="en-US" dirty="0"/>
+              <a:t>规范确保所有符合</a:t>
+            </a:r>
+            <a:r>
+              <a:rPr lang="en-US" altLang="zh-CN" dirty="0"/>
+              <a:t>MIDI</a:t>
+            </a:r>
+            <a:r>
+              <a:rPr lang="zh-CN" altLang="en-US" dirty="0"/>
+              <a:t>规范的</a:t>
+            </a:r>
+            <a:r>
+              <a:rPr lang="en-US" altLang="zh-CN" dirty="0"/>
+              <a:t>MIDI</a:t>
+            </a:r>
+            <a:r>
+              <a:rPr lang="zh-CN" altLang="en-US" dirty="0"/>
+              <a:t>设备可以一起工作；</a:t>
+            </a:r>
+            <a:endParaRPr lang="en-US" altLang="zh-CN" dirty="0"/>
+          </a:p>
+          <a:p>
+            <a:r>
+              <a:rPr lang="zh-CN" altLang="en-US" dirty="0"/>
+              <a:t>数字化易于规范化</a:t>
+            </a:r>
+            <a:endParaRPr lang="en-US" altLang="zh-CN" dirty="0"/>
+          </a:p>
+          <a:p>
+            <a:r>
+              <a:rPr lang="zh-CN" altLang="en-US" dirty="0"/>
+              <a:t>数字化</a:t>
+            </a:r>
+            <a:r>
+              <a:rPr lang="en-US" altLang="zh-CN" dirty="0"/>
+              <a:t>MIDI</a:t>
+            </a:r>
+            <a:r>
+              <a:rPr lang="zh-CN" altLang="en-US" dirty="0"/>
+              <a:t>降低了音乐制作的难度</a:t>
             </a:r>
             <a:endParaRPr lang="en-US" dirty="0"/>
-          </a:p>
-        </p:txBody>
-      </p:sp>
-      <p:sp>
-        <p:nvSpPr>
-          <p:cNvPr id="3" name="Content Placeholder 2"/>
-          <p:cNvSpPr>
-            <a:spLocks noGrp="1"/>
-          </p:cNvSpPr>
-          <p:nvPr>
-            <p:ph idx="1"/>
-          </p:nvPr>
-        </p:nvSpPr>
-        <p:spPr/>
-        <p:txBody>
-          <a:bodyPr/>
-          <a:lstStyle/>
-          <a:p>
-            <a:endParaRPr lang="en-US"/>
           </a:p>
         </p:txBody>
       </p:sp>
     </p:spTree>
     <p:extLst>
       <p:ext uri="{BB962C8B-B14F-4D97-AF65-F5344CB8AC3E}">
-        <p14:creationId xmlns:p14="http://schemas.microsoft.com/office/powerpoint/2010/main" val="1519927155"/>
+        <p14:creationId xmlns:p14="http://schemas.microsoft.com/office/powerpoint/2010/main" val="2074195971"/>
       </p:ext>
     </p:extLst>
   </p:cSld>
@@ -7597,7 +8008,7 @@
     <p:bg>
       <p:bgPr>
         <a:blipFill dpi="0" rotWithShape="1">
-          <a:blip r:embed="rId2">
+          <a:blip r:embed="rId3">
             <a:lum/>
           </a:blip>
           <a:srcRect/>
@@ -7638,10 +8049,30 @@
           <a:lstStyle/>
           <a:p>
             <a:r>
-              <a:rPr lang="zh-CN" altLang="en-US" dirty="0"/>
-              <a:t>你的职业理想？</a:t>
-            </a:r>
-            <a:endParaRPr lang="en-US" dirty="0"/>
+              <a:rPr lang="zh-CN" altLang="en-US" dirty="0" smtClean="0">
+                <a:latin typeface="幼圆" pitchFamily="49" charset="-122"/>
+                <a:ea typeface="幼圆" pitchFamily="49" charset="-122"/>
+              </a:rPr>
+              <a:t>将来，你</a:t>
+            </a:r>
+            <a:r>
+              <a:rPr lang="zh-CN" altLang="en-US" dirty="0" smtClean="0">
+                <a:latin typeface="幼圆" pitchFamily="49" charset="-122"/>
+                <a:ea typeface="幼圆" pitchFamily="49" charset="-122"/>
+              </a:rPr>
+              <a:t>有可能是</a:t>
+            </a:r>
+            <a:r>
+              <a:rPr lang="zh-CN" altLang="en-US" dirty="0" smtClean="0">
+                <a:latin typeface="幼圆" pitchFamily="49" charset="-122"/>
+                <a:ea typeface="幼圆" pitchFamily="49" charset="-122"/>
+              </a:rPr>
+              <a:t>？</a:t>
+            </a:r>
+            <a:endParaRPr lang="en-US" dirty="0">
+              <a:latin typeface="幼圆" pitchFamily="49" charset="-122"/>
+              <a:ea typeface="幼圆" pitchFamily="49" charset="-122"/>
+            </a:endParaRPr>
           </a:p>
         </p:txBody>
       </p:sp>
@@ -7666,24 +8097,49 @@
           <a:lstStyle/>
           <a:p>
             <a:r>
-              <a:rPr lang="zh-CN" altLang="en-US" dirty="0"/>
-              <a:t>程序员？</a:t>
-            </a:r>
-            <a:endParaRPr lang="en-US" altLang="zh-CN" dirty="0"/>
-          </a:p>
-          <a:p>
-            <a:r>
-              <a:rPr lang="zh-CN" altLang="en-US" dirty="0"/>
-              <a:t>音乐家？</a:t>
-            </a:r>
-            <a:endParaRPr lang="en-US" altLang="zh-CN" dirty="0"/>
-          </a:p>
-          <a:p>
-            <a:r>
-              <a:rPr lang="zh-CN" altLang="en-US" dirty="0"/>
-              <a:t>多媒体内容提供商？</a:t>
-            </a:r>
-            <a:endParaRPr lang="en-US" altLang="zh-CN" dirty="0"/>
+              <a:rPr lang="zh-CN" altLang="en-US" dirty="0" smtClean="0">
+                <a:latin typeface="幼圆" pitchFamily="49" charset="-122"/>
+                <a:ea typeface="幼圆" pitchFamily="49" charset="-122"/>
+              </a:rPr>
+              <a:t>程序员</a:t>
+            </a:r>
+            <a:endParaRPr lang="en-US" altLang="zh-CN" dirty="0">
+              <a:latin typeface="幼圆" pitchFamily="49" charset="-122"/>
+              <a:ea typeface="幼圆" pitchFamily="49" charset="-122"/>
+            </a:endParaRPr>
+          </a:p>
+          <a:p>
+            <a:r>
+              <a:rPr lang="zh-CN" altLang="en-US" dirty="0" smtClean="0">
+                <a:latin typeface="幼圆" pitchFamily="49" charset="-122"/>
+                <a:ea typeface="幼圆" pitchFamily="49" charset="-122"/>
+              </a:rPr>
+              <a:t>音乐家</a:t>
+            </a:r>
+            <a:endParaRPr lang="en-US" altLang="zh-CN" dirty="0">
+              <a:latin typeface="幼圆" pitchFamily="49" charset="-122"/>
+              <a:ea typeface="幼圆" pitchFamily="49" charset="-122"/>
+            </a:endParaRPr>
+          </a:p>
+          <a:p>
+            <a:r>
+              <a:rPr lang="zh-CN" altLang="en-US" dirty="0">
+                <a:latin typeface="幼圆" pitchFamily="49" charset="-122"/>
+                <a:ea typeface="幼圆" pitchFamily="49" charset="-122"/>
+              </a:rPr>
+              <a:t>多媒体内容</a:t>
+            </a:r>
+            <a:r>
+              <a:rPr lang="zh-CN" altLang="en-US" dirty="0" smtClean="0">
+                <a:latin typeface="幼圆" pitchFamily="49" charset="-122"/>
+                <a:ea typeface="幼圆" pitchFamily="49" charset="-122"/>
+              </a:rPr>
+              <a:t>提供厂商</a:t>
+            </a:r>
+            <a:endParaRPr lang="en-US" altLang="zh-CN" dirty="0">
+              <a:latin typeface="幼圆" pitchFamily="49" charset="-122"/>
+              <a:ea typeface="幼圆" pitchFamily="49" charset="-122"/>
+            </a:endParaRPr>
           </a:p>
           <a:p>
             <a:endParaRPr lang="en-US" dirty="0"/>
@@ -7700,7 +8156,7 @@
         </p:nvSpPr>
         <p:spPr>
           <a:xfrm>
-            <a:off x="838200" y="4199021"/>
+            <a:off x="1000760" y="4422541"/>
             <a:ext cx="10515600" cy="1111167"/>
           </a:xfrm>
           <a:prstGeom prst="rect">
@@ -7880,17 +8336,56 @@
               <a:buNone/>
             </a:pPr>
             <a:r>
-              <a:rPr lang="en-US" altLang="zh-CN" sz="6600" dirty="0"/>
+              <a:rPr lang="en-US" altLang="zh-CN" sz="6600" dirty="0">
+                <a:latin typeface="幼圆" pitchFamily="49" charset="-122"/>
+                <a:ea typeface="幼圆" pitchFamily="49" charset="-122"/>
+              </a:rPr>
               <a:t>MIDI</a:t>
             </a:r>
             <a:r>
-              <a:rPr lang="zh-CN" altLang="en-US" sz="6600" dirty="0"/>
+              <a:rPr lang="zh-CN" altLang="en-US" sz="6600" dirty="0">
+                <a:latin typeface="幼圆" pitchFamily="49" charset="-122"/>
+                <a:ea typeface="幼圆" pitchFamily="49" charset="-122"/>
+              </a:rPr>
               <a:t>技术可以帮助你！</a:t>
             </a:r>
-            <a:endParaRPr lang="en-US" sz="6600" dirty="0"/>
-          </a:p>
-        </p:txBody>
-      </p:sp>
+            <a:endParaRPr lang="en-US" sz="6600" dirty="0">
+              <a:latin typeface="幼圆" pitchFamily="49" charset="-122"/>
+              <a:ea typeface="幼圆" pitchFamily="49" charset="-122"/>
+            </a:endParaRPr>
+          </a:p>
+        </p:txBody>
+      </p:sp>
+      <p:pic>
+        <p:nvPicPr>
+          <p:cNvPr id="5" name="图片 4"/>
+          <p:cNvPicPr>
+            <a:picLocks noChangeAspect="1"/>
+          </p:cNvPicPr>
+          <p:nvPr/>
+        </p:nvPicPr>
+        <p:blipFill>
+          <a:blip r:embed="rId4">
+            <a:extLst>
+              <a:ext uri="{28A0092B-C50C-407E-A947-70E740481C1C}">
+                <a14:useLocalDpi xmlns:a14="http://schemas.microsoft.com/office/drawing/2010/main" val="0"/>
+              </a:ext>
+            </a:extLst>
+          </a:blip>
+          <a:stretch>
+            <a:fillRect/>
+          </a:stretch>
+        </p:blipFill>
+        <p:spPr>
+          <a:xfrm>
+            <a:off x="6634480" y="1264920"/>
+            <a:ext cx="4572000" cy="2743200"/>
+          </a:xfrm>
+          <a:prstGeom prst="rect">
+            <a:avLst/>
+          </a:prstGeom>
+        </p:spPr>
+      </p:pic>
     </p:spTree>
     <p:extLst>
       <p:ext uri="{BB962C8B-B14F-4D97-AF65-F5344CB8AC3E}">
@@ -7917,7 +8412,7 @@
     <p:bg>
       <p:bgPr>
         <a:blipFill dpi="0" rotWithShape="1">
-          <a:blip r:embed="rId2">
+          <a:blip r:embed="rId3">
             <a:lum/>
           </a:blip>
           <a:srcRect/>
@@ -7960,14 +8455,23 @@
           <a:lstStyle/>
           <a:p>
             <a:r>
-              <a:rPr lang="en-US" sz="8000" dirty="0"/>
+              <a:rPr lang="en-US" sz="8000" dirty="0">
+                <a:latin typeface="幼圆" pitchFamily="49" charset="-122"/>
+                <a:ea typeface="幼圆" pitchFamily="49" charset="-122"/>
+              </a:rPr>
               <a:t>MIDI</a:t>
             </a:r>
             <a:r>
-              <a:rPr lang="zh-CN" altLang="en-US" sz="8000" dirty="0"/>
+              <a:rPr lang="zh-CN" altLang="en-US" sz="8000" dirty="0">
+                <a:latin typeface="幼圆" pitchFamily="49" charset="-122"/>
+                <a:ea typeface="幼圆" pitchFamily="49" charset="-122"/>
+              </a:rPr>
               <a:t>音乐介绍</a:t>
             </a:r>
-            <a:endParaRPr lang="en-US" sz="8000" dirty="0"/>
+            <a:endParaRPr lang="en-US" sz="8000" dirty="0">
+              <a:latin typeface="幼圆" pitchFamily="49" charset="-122"/>
+              <a:ea typeface="幼圆" pitchFamily="49" charset="-122"/>
+            </a:endParaRPr>
           </a:p>
         </p:txBody>
       </p:sp>
@@ -7992,16 +8496,12 @@
           <a:lstStyle/>
           <a:p>
             <a:r>
+              <a:rPr lang="zh-CN" altLang="en-US" dirty="0" smtClean="0"/>
+              <a:t>三 </a:t>
+            </a:r>
+            <a:r>
               <a:rPr lang="zh-CN" altLang="en-US" dirty="0"/>
-              <a:t> </a:t>
-            </a:r>
-            <a:r>
-              <a:rPr lang="en-US" altLang="zh-CN" dirty="0"/>
-              <a:t>for: </a:t>
-            </a:r>
-            <a:r>
-              <a:rPr lang="zh-CN" altLang="en-US" dirty="0"/>
-              <a:t>三 （</a:t>
+              <a:t>（</a:t>
             </a:r>
             <a:r>
               <a:rPr lang="en-US" altLang="zh-CN" dirty="0"/>
@@ -8090,8 +8590,8 @@
               <a:t>MIDI</a:t>
             </a:r>
             <a:r>
-              <a:rPr lang="zh-CN" altLang="en-US" dirty="0"/>
-              <a:t>音乐</a:t>
+              <a:rPr lang="zh-CN" altLang="en-US" dirty="0" smtClean="0"/>
+              <a:t>音乐？</a:t>
             </a:r>
             <a:r>
               <a:rPr lang="en-US" altLang="zh-CN" dirty="0"/>
@@ -8261,7 +8761,7 @@
     <p:bg>
       <p:bgPr>
         <a:blipFill dpi="0" rotWithShape="1">
-          <a:blip r:embed="rId2">
+          <a:blip r:embed="rId3">
             <a:lum/>
           </a:blip>
           <a:srcRect/>
@@ -8309,10 +8809,16 @@
           <a:lstStyle/>
           <a:p>
             <a:r>
-              <a:rPr lang="zh-CN" altLang="en-US" sz="4000" dirty="0"/>
+              <a:rPr lang="zh-CN" altLang="en-US" sz="4000" dirty="0">
+                <a:latin typeface="幼圆" pitchFamily="49" charset="-122"/>
+                <a:ea typeface="幼圆" pitchFamily="49" charset="-122"/>
+              </a:rPr>
               <a:t>计算机＋程序员＋音乐家创作音乐</a:t>
             </a:r>
-            <a:endParaRPr lang="en-US" sz="4000" dirty="0"/>
+            <a:endParaRPr lang="en-US" sz="4000" dirty="0">
+              <a:latin typeface="幼圆" pitchFamily="49" charset="-122"/>
+              <a:ea typeface="幼圆" pitchFamily="49" charset="-122"/>
+            </a:endParaRPr>
           </a:p>
         </p:txBody>
       </p:sp>
@@ -8339,80 +8845,140 @@
           <a:lstStyle/>
           <a:p>
             <a:r>
-              <a:rPr lang="zh-CN" altLang="en-US" dirty="0"/>
+              <a:rPr lang="zh-CN" altLang="en-US" dirty="0">
+                <a:latin typeface="幼圆" pitchFamily="49" charset="-122"/>
+                <a:ea typeface="幼圆" pitchFamily="49" charset="-122"/>
+              </a:rPr>
               <a:t>计算机＋</a:t>
             </a:r>
             <a:r>
-              <a:rPr lang="en-US" altLang="zh-CN" dirty="0"/>
+              <a:rPr lang="en-US" altLang="zh-CN" dirty="0">
+                <a:latin typeface="幼圆" pitchFamily="49" charset="-122"/>
+                <a:ea typeface="幼圆" pitchFamily="49" charset="-122"/>
+              </a:rPr>
               <a:t>MIDI</a:t>
             </a:r>
             <a:r>
-              <a:rPr lang="zh-CN" altLang="en-US" dirty="0"/>
+              <a:rPr lang="zh-CN" altLang="en-US" dirty="0">
+                <a:latin typeface="幼圆" pitchFamily="49" charset="-122"/>
+                <a:ea typeface="幼圆" pitchFamily="49" charset="-122"/>
+              </a:rPr>
               <a:t>设备：生成</a:t>
             </a:r>
             <a:r>
-              <a:rPr lang="en-US" altLang="zh-CN" dirty="0"/>
+              <a:rPr lang="en-US" altLang="zh-CN" dirty="0">
+                <a:latin typeface="幼圆" pitchFamily="49" charset="-122"/>
+                <a:ea typeface="幼圆" pitchFamily="49" charset="-122"/>
+              </a:rPr>
               <a:t>MIDI</a:t>
             </a:r>
             <a:r>
-              <a:rPr lang="zh-CN" altLang="en-US" dirty="0"/>
+              <a:rPr lang="zh-CN" altLang="en-US" dirty="0">
+                <a:latin typeface="幼圆" pitchFamily="49" charset="-122"/>
+                <a:ea typeface="幼圆" pitchFamily="49" charset="-122"/>
+              </a:rPr>
               <a:t>文件，控制</a:t>
             </a:r>
             <a:r>
-              <a:rPr lang="en-US" altLang="zh-CN" dirty="0"/>
+              <a:rPr lang="en-US" altLang="zh-CN" dirty="0">
+                <a:latin typeface="幼圆" pitchFamily="49" charset="-122"/>
+                <a:ea typeface="幼圆" pitchFamily="49" charset="-122"/>
+              </a:rPr>
               <a:t>MIDI</a:t>
             </a:r>
             <a:r>
-              <a:rPr lang="zh-CN" altLang="en-US" dirty="0"/>
+              <a:rPr lang="zh-CN" altLang="en-US" dirty="0">
+                <a:latin typeface="幼圆" pitchFamily="49" charset="-122"/>
+                <a:ea typeface="幼圆" pitchFamily="49" charset="-122"/>
+              </a:rPr>
               <a:t>文件</a:t>
             </a:r>
-            <a:endParaRPr lang="en-US" altLang="zh-CN" dirty="0"/>
-          </a:p>
-          <a:p>
-            <a:r>
-              <a:rPr lang="zh-CN" altLang="en-US" dirty="0"/>
+            <a:endParaRPr lang="en-US" altLang="zh-CN" dirty="0">
+              <a:latin typeface="幼圆" pitchFamily="49" charset="-122"/>
+              <a:ea typeface="幼圆" pitchFamily="49" charset="-122"/>
+            </a:endParaRPr>
+          </a:p>
+          <a:p>
+            <a:r>
+              <a:rPr lang="zh-CN" altLang="en-US" dirty="0">
+                <a:latin typeface="幼圆" pitchFamily="49" charset="-122"/>
+                <a:ea typeface="幼圆" pitchFamily="49" charset="-122"/>
+              </a:rPr>
               <a:t>程序员：开发</a:t>
             </a:r>
             <a:r>
-              <a:rPr lang="en-US" altLang="zh-CN" dirty="0"/>
+              <a:rPr lang="en-US" altLang="zh-CN" dirty="0">
+                <a:latin typeface="幼圆" pitchFamily="49" charset="-122"/>
+                <a:ea typeface="幼圆" pitchFamily="49" charset="-122"/>
+              </a:rPr>
               <a:t>MIDI</a:t>
             </a:r>
             <a:r>
-              <a:rPr lang="zh-CN" altLang="en-US" dirty="0"/>
+              <a:rPr lang="zh-CN" altLang="en-US" dirty="0">
+                <a:latin typeface="幼圆" pitchFamily="49" charset="-122"/>
+                <a:ea typeface="幼圆" pitchFamily="49" charset="-122"/>
+              </a:rPr>
               <a:t>软件</a:t>
             </a:r>
-            <a:endParaRPr lang="en-US" altLang="zh-CN" dirty="0"/>
-          </a:p>
-          <a:p>
-            <a:r>
-              <a:rPr lang="zh-CN" altLang="en-US" dirty="0"/>
+            <a:endParaRPr lang="en-US" altLang="zh-CN" dirty="0">
+              <a:latin typeface="幼圆" pitchFamily="49" charset="-122"/>
+              <a:ea typeface="幼圆" pitchFamily="49" charset="-122"/>
+            </a:endParaRPr>
+          </a:p>
+          <a:p>
+            <a:r>
+              <a:rPr lang="zh-CN" altLang="en-US" dirty="0">
+                <a:latin typeface="幼圆" pitchFamily="49" charset="-122"/>
+                <a:ea typeface="幼圆" pitchFamily="49" charset="-122"/>
+              </a:rPr>
               <a:t>音乐家：利用</a:t>
             </a:r>
             <a:r>
-              <a:rPr lang="en-US" altLang="zh-CN" dirty="0"/>
+              <a:rPr lang="en-US" altLang="zh-CN" dirty="0">
+                <a:latin typeface="幼圆" pitchFamily="49" charset="-122"/>
+                <a:ea typeface="幼圆" pitchFamily="49" charset="-122"/>
+              </a:rPr>
               <a:t>MIDI</a:t>
             </a:r>
             <a:r>
-              <a:rPr lang="zh-CN" altLang="en-US" dirty="0"/>
+              <a:rPr lang="zh-CN" altLang="en-US" dirty="0">
+                <a:latin typeface="幼圆" pitchFamily="49" charset="-122"/>
+                <a:ea typeface="幼圆" pitchFamily="49" charset="-122"/>
+              </a:rPr>
               <a:t>设备和</a:t>
             </a:r>
             <a:r>
-              <a:rPr lang="en-US" altLang="zh-CN" dirty="0"/>
+              <a:rPr lang="en-US" altLang="zh-CN" dirty="0">
+                <a:latin typeface="幼圆" pitchFamily="49" charset="-122"/>
+                <a:ea typeface="幼圆" pitchFamily="49" charset="-122"/>
+              </a:rPr>
               <a:t>MIDI</a:t>
             </a:r>
             <a:r>
-              <a:rPr lang="zh-CN" altLang="en-US" dirty="0"/>
+              <a:rPr lang="zh-CN" altLang="en-US" dirty="0">
+                <a:latin typeface="幼圆" pitchFamily="49" charset="-122"/>
+                <a:ea typeface="幼圆" pitchFamily="49" charset="-122"/>
+              </a:rPr>
               <a:t>软件生成</a:t>
             </a:r>
             <a:r>
-              <a:rPr lang="en-US" altLang="zh-CN" dirty="0"/>
+              <a:rPr lang="en-US" altLang="zh-CN" dirty="0">
+                <a:latin typeface="幼圆" pitchFamily="49" charset="-122"/>
+                <a:ea typeface="幼圆" pitchFamily="49" charset="-122"/>
+              </a:rPr>
               <a:t>MIDI</a:t>
             </a:r>
             <a:r>
-              <a:rPr lang="zh-CN" altLang="en-US" dirty="0"/>
+              <a:rPr lang="zh-CN" altLang="en-US" dirty="0">
+                <a:latin typeface="幼圆" pitchFamily="49" charset="-122"/>
+                <a:ea typeface="幼圆" pitchFamily="49" charset="-122"/>
+              </a:rPr>
               <a:t>音乐</a:t>
             </a:r>
-            <a:endParaRPr lang="en-US" dirty="0"/>
+            <a:endParaRPr lang="en-US" dirty="0">
+              <a:latin typeface="幼圆" pitchFamily="49" charset="-122"/>
+              <a:ea typeface="幼圆" pitchFamily="49" charset="-122"/>
+            </a:endParaRPr>
           </a:p>
         </p:txBody>
       </p:sp>
@@ -8425,7 +8991,7 @@
           <p:nvPr/>
         </p:nvPicPr>
         <p:blipFill>
-          <a:blip r:embed="rId3">
+          <a:blip r:embed="rId4">
             <a:extLst>
               <a:ext uri="{28A0092B-C50C-407E-A947-70E740481C1C}">
                 <a14:useLocalDpi xmlns:a14="http://schemas.microsoft.com/office/drawing/2010/main" val="0"/>
@@ -8438,7 +9004,7 @@
         </p:blipFill>
         <p:spPr>
           <a:xfrm>
-            <a:off x="838200" y="3116231"/>
+            <a:off x="2646680" y="3116231"/>
             <a:ext cx="4699958" cy="3239927"/>
           </a:xfrm>
           <a:prstGeom prst="rect">
@@ -8502,7 +9068,7 @@
           <p:cNvPr id="2" name="Title 1">
             <a:extLst>
               <a:ext uri="{FF2B5EF4-FFF2-40B4-BE49-F238E27FC236}">
-                <a16:creationId xmlns:a16="http://schemas.microsoft.com/office/drawing/2014/main" xmlns="" id="{0379B142-4CFB-4EB0-85C9-A53A24AA89AC}"/>
+                <a16:creationId xmlns="" xmlns:a16="http://schemas.microsoft.com/office/drawing/2014/main" id="{0379B142-4CFB-4EB0-85C9-A53A24AA89AC}"/>
               </a:ext>
             </a:extLst>
           </p:cNvPr>
@@ -8519,15 +9085,31 @@
           <a:lstStyle/>
           <a:p>
             <a:r>
-              <a:rPr lang="zh-CN" altLang="en-US" dirty="0"/>
-              <a:t>典型的</a:t>
-            </a:r>
-            <a:r>
-              <a:rPr lang="en-US" altLang="zh-CN" dirty="0"/>
+              <a:rPr lang="zh-CN" altLang="en-US" dirty="0">
+                <a:latin typeface="幼圆" pitchFamily="49" charset="-122"/>
+                <a:ea typeface="幼圆" pitchFamily="49" charset="-122"/>
+              </a:rPr>
+              <a:t>常见</a:t>
+            </a:r>
+            <a:r>
+              <a:rPr lang="zh-CN" altLang="en-US" dirty="0" smtClean="0">
+                <a:latin typeface="幼圆" pitchFamily="49" charset="-122"/>
+                <a:ea typeface="幼圆" pitchFamily="49" charset="-122"/>
+              </a:rPr>
+              <a:t>的</a:t>
+            </a:r>
+            <a:r>
+              <a:rPr lang="en-US" altLang="zh-CN" dirty="0">
+                <a:latin typeface="幼圆" pitchFamily="49" charset="-122"/>
+                <a:ea typeface="幼圆" pitchFamily="49" charset="-122"/>
+              </a:rPr>
               <a:t>MIDI</a:t>
             </a:r>
             <a:r>
-              <a:rPr lang="zh-CN" altLang="en-US" dirty="0"/>
+              <a:rPr lang="zh-CN" altLang="en-US" dirty="0">
+                <a:latin typeface="幼圆" pitchFamily="49" charset="-122"/>
+                <a:ea typeface="幼圆" pitchFamily="49" charset="-122"/>
+              </a:rPr>
               <a:t>音乐工作室</a:t>
             </a:r>
           </a:p>
@@ -8538,7 +9120,7 @@
           <p:cNvPr id="3" name="Content Placeholder 2">
             <a:extLst>
               <a:ext uri="{FF2B5EF4-FFF2-40B4-BE49-F238E27FC236}">
-                <a16:creationId xmlns:a16="http://schemas.microsoft.com/office/drawing/2014/main" xmlns="" id="{96D6517C-71A8-462C-AC8A-C9026883E9DE}"/>
+                <a16:creationId xmlns="" xmlns:a16="http://schemas.microsoft.com/office/drawing/2014/main" id="{96D6517C-71A8-462C-AC8A-C9026883E9DE}"/>
               </a:ext>
             </a:extLst>
           </p:cNvPr>
@@ -8555,35 +9137,120 @@
           <a:lstStyle/>
           <a:p>
             <a:r>
-              <a:rPr lang="zh-CN" altLang="en-US" dirty="0"/>
+              <a:rPr lang="zh-CN" altLang="en-US" dirty="0">
+                <a:latin typeface="幼圆" pitchFamily="49" charset="-122"/>
+                <a:ea typeface="幼圆" pitchFamily="49" charset="-122"/>
+              </a:rPr>
               <a:t>小型</a:t>
             </a:r>
             <a:r>
-              <a:rPr lang="en-US" altLang="zh-CN" dirty="0"/>
+              <a:rPr lang="en-US" altLang="zh-CN" dirty="0">
+                <a:latin typeface="幼圆" pitchFamily="49" charset="-122"/>
+                <a:ea typeface="幼圆" pitchFamily="49" charset="-122"/>
+              </a:rPr>
               <a:t>MIDI</a:t>
             </a:r>
             <a:r>
-              <a:rPr lang="zh-CN" altLang="en-US" dirty="0"/>
+              <a:rPr lang="zh-CN" altLang="en-US" dirty="0">
+                <a:latin typeface="幼圆" pitchFamily="49" charset="-122"/>
+                <a:ea typeface="幼圆" pitchFamily="49" charset="-122"/>
+              </a:rPr>
               <a:t>音乐工作室</a:t>
             </a:r>
-            <a:endParaRPr lang="en-US" altLang="zh-CN" dirty="0"/>
-          </a:p>
-          <a:p>
-            <a:r>
-              <a:rPr lang="zh-CN" altLang="en-US" dirty="0"/>
+            <a:endParaRPr lang="en-US" altLang="zh-CN" dirty="0">
+              <a:latin typeface="幼圆" pitchFamily="49" charset="-122"/>
+              <a:ea typeface="幼圆" pitchFamily="49" charset="-122"/>
+            </a:endParaRPr>
+          </a:p>
+          <a:p>
+            <a:r>
+              <a:rPr lang="zh-CN" altLang="en-US" dirty="0">
+                <a:latin typeface="幼圆" pitchFamily="49" charset="-122"/>
+                <a:ea typeface="幼圆" pitchFamily="49" charset="-122"/>
+              </a:rPr>
               <a:t>专业</a:t>
             </a:r>
             <a:r>
-              <a:rPr lang="en-US" altLang="zh-CN" dirty="0"/>
+              <a:rPr lang="en-US" altLang="zh-CN" dirty="0">
+                <a:latin typeface="幼圆" pitchFamily="49" charset="-122"/>
+                <a:ea typeface="幼圆" pitchFamily="49" charset="-122"/>
+              </a:rPr>
               <a:t>MIDI</a:t>
             </a:r>
             <a:r>
-              <a:rPr lang="zh-CN" altLang="en-US" dirty="0"/>
+              <a:rPr lang="zh-CN" altLang="en-US" dirty="0">
+                <a:latin typeface="幼圆" pitchFamily="49" charset="-122"/>
+                <a:ea typeface="幼圆" pitchFamily="49" charset="-122"/>
+              </a:rPr>
               <a:t>音乐工作室</a:t>
             </a:r>
           </a:p>
         </p:txBody>
       </p:sp>
+      <p:pic>
+        <p:nvPicPr>
+          <p:cNvPr id="2050" name="Picture 2"/>
+          <p:cNvPicPr>
+            <a:picLocks noChangeAspect="1" noChangeArrowheads="1"/>
+          </p:cNvPicPr>
+          <p:nvPr/>
+        </p:nvPicPr>
+        <p:blipFill>
+          <a:blip r:embed="rId4">
+            <a:extLst>
+              <a:ext uri="{28A0092B-C50C-407E-A947-70E740481C1C}">
+                <a14:useLocalDpi xmlns:a14="http://schemas.microsoft.com/office/drawing/2010/main" val="0"/>
+              </a:ext>
+            </a:extLst>
+          </a:blip>
+          <a:srcRect/>
+          <a:stretch>
+            <a:fillRect/>
+          </a:stretch>
+        </p:blipFill>
+        <p:spPr bwMode="auto">
+          <a:xfrm>
+            <a:off x="650240" y="3544758"/>
+            <a:ext cx="8912543" cy="2471232"/>
+          </a:xfrm>
+          <a:prstGeom prst="rect">
+            <a:avLst/>
+          </a:prstGeom>
+          <a:noFill/>
+          <a:ln>
+            <a:noFill/>
+          </a:ln>
+          <a:effectLst/>
+          <a:extLst>
+            <a:ext uri="{909E8E84-426E-40DD-AFC4-6F175D3DCCD1}">
+              <a14:hiddenFill xmlns:a14="http://schemas.microsoft.com/office/drawing/2010/main">
+                <a:solidFill>
+                  <a:schemeClr val="accent1"/>
+                </a:solidFill>
+              </a14:hiddenFill>
+            </a:ext>
+            <a:ext uri="{91240B29-F687-4F45-9708-019B960494DF}">
+              <a14:hiddenLine xmlns:a14="http://schemas.microsoft.com/office/drawing/2010/main" w="9525">
+                <a:solidFill>
+                  <a:schemeClr val="tx1"/>
+                </a:solidFill>
+                <a:miter lim="800000"/>
+                <a:headEnd/>
+                <a:tailEnd/>
+              </a14:hiddenLine>
+            </a:ext>
+            <a:ext uri="{AF507438-7753-43E0-B8FC-AC1667EBCBE1}">
+              <a14:hiddenEffects xmlns:a14="http://schemas.microsoft.com/office/drawing/2010/main">
+                <a:effectLst>
+                  <a:outerShdw dist="35921" dir="2700000" algn="ctr" rotWithShape="0">
+                    <a:schemeClr val="bg2"/>
+                  </a:outerShdw>
+                </a:effectLst>
+              </a14:hiddenEffects>
+            </a:ext>
+          </a:extLst>
+        </p:spPr>
+      </p:pic>
     </p:spTree>
     <p:extLst>
       <p:ext uri="{BB962C8B-B14F-4D97-AF65-F5344CB8AC3E}">
@@ -8610,7 +9277,7 @@
     <p:bg>
       <p:bgPr>
         <a:blipFill dpi="0" rotWithShape="1">
-          <a:blip r:embed="rId2">
+          <a:blip r:embed="rId3">
             <a:lum/>
           </a:blip>
           <a:srcRect/>
@@ -8645,10 +9312,29 @@
             <p:ph type="title"/>
           </p:nvPr>
         </p:nvSpPr>
+        <p:spPr/>
+        <p:txBody>
+          <a:bodyPr/>
+          <a:lstStyle/>
+          <a:p>
+            <a:endParaRPr lang="en-US" dirty="0"/>
+          </a:p>
+        </p:txBody>
+      </p:sp>
+      <p:sp>
+        <p:nvSpPr>
+          <p:cNvPr id="3" name="Content Placeholder 2"/>
+          <p:cNvSpPr>
+            <a:spLocks noGrp="1"/>
+          </p:cNvSpPr>
+          <p:nvPr>
+            <p:ph idx="1"/>
+          </p:nvPr>
+        </p:nvSpPr>
         <p:spPr>
           <a:xfrm>
-            <a:off x="838200" y="365126"/>
-            <a:ext cx="10515600" cy="1102728"/>
+            <a:off x="838200" y="1825625"/>
+            <a:ext cx="10515600" cy="2766695"/>
           </a:xfrm>
         </p:spPr>
         <p:txBody>
@@ -8657,177 +9343,21 @@
           </a:bodyPr>
           <a:lstStyle/>
           <a:p>
-            <a:r>
-              <a:rPr lang="zh-CN" altLang="en-US" sz="4800" dirty="0"/>
-              <a:t>后续内容介绍</a:t>
-            </a:r>
-            <a:endParaRPr lang="en-US" sz="4800" dirty="0"/>
-          </a:p>
-        </p:txBody>
-      </p:sp>
-      <p:sp>
-        <p:nvSpPr>
-          <p:cNvPr id="3" name="Content Placeholder 2"/>
-          <p:cNvSpPr>
-            <a:spLocks noGrp="1"/>
-          </p:cNvSpPr>
-          <p:nvPr>
-            <p:ph idx="1"/>
-          </p:nvPr>
-        </p:nvSpPr>
-        <p:spPr>
-          <a:xfrm>
-            <a:off x="838200" y="1467853"/>
-            <a:ext cx="10515600" cy="4709110"/>
-          </a:xfrm>
-        </p:spPr>
-        <p:txBody>
-          <a:bodyPr>
-            <a:normAutofit/>
-          </a:bodyPr>
-          <a:lstStyle/>
-          <a:p>
-            <a:r>
-              <a:rPr lang="zh-CN" altLang="en-US" sz="3600" dirty="0"/>
-              <a:t>什么是</a:t>
-            </a:r>
-            <a:r>
-              <a:rPr lang="en-US" altLang="zh-CN" sz="3600" dirty="0"/>
-              <a:t>MIDI</a:t>
-            </a:r>
-            <a:r>
-              <a:rPr lang="zh-CN" altLang="en-US" sz="3600" dirty="0"/>
-              <a:t>音乐</a:t>
-            </a:r>
-            <a:endParaRPr lang="en-US" altLang="zh-CN" sz="3600" dirty="0"/>
-          </a:p>
-          <a:p>
-            <a:pPr lvl="1"/>
-            <a:r>
-              <a:rPr lang="en-US" altLang="zh-CN" sz="3200" dirty="0"/>
-              <a:t>MIDI</a:t>
-            </a:r>
-            <a:r>
-              <a:rPr lang="zh-CN" altLang="en-US" sz="3200" dirty="0"/>
-              <a:t>制造商协会（</a:t>
-            </a:r>
-            <a:r>
-              <a:rPr lang="en-US" altLang="zh-CN" sz="3200" dirty="0"/>
-              <a:t>MMA</a:t>
-            </a:r>
-            <a:r>
-              <a:rPr lang="zh-CN" altLang="en-US" sz="3200" dirty="0"/>
-              <a:t>）和规范；</a:t>
-            </a:r>
-            <a:endParaRPr lang="en-US" altLang="zh-CN" sz="3200" dirty="0"/>
-          </a:p>
-          <a:p>
-            <a:pPr lvl="1"/>
-            <a:r>
-              <a:rPr lang="en-US" altLang="zh-CN" sz="3200" dirty="0"/>
-              <a:t>MIDI</a:t>
-            </a:r>
-            <a:r>
-              <a:rPr lang="zh-CN" altLang="en-US" sz="3200" dirty="0"/>
-              <a:t>音乐设备；</a:t>
-            </a:r>
-            <a:endParaRPr lang="en-US" altLang="zh-CN" sz="3200" dirty="0"/>
-          </a:p>
-          <a:p>
-            <a:r>
-              <a:rPr lang="en-US" altLang="zh-CN" sz="3600" dirty="0"/>
-              <a:t>MIDI</a:t>
-            </a:r>
-            <a:r>
-              <a:rPr lang="zh-CN" altLang="en-US" sz="3600" dirty="0"/>
-              <a:t>文件的生成方式</a:t>
-            </a:r>
-            <a:endParaRPr lang="en-US" altLang="zh-CN" sz="3600" dirty="0"/>
-          </a:p>
-          <a:p>
-            <a:pPr lvl="1"/>
-            <a:r>
-              <a:rPr lang="en-US" altLang="zh-CN" sz="3200" dirty="0"/>
-              <a:t>MIDI</a:t>
-            </a:r>
-            <a:r>
-              <a:rPr lang="zh-CN" altLang="en-US" sz="3200" dirty="0"/>
-              <a:t>设备＋</a:t>
-            </a:r>
-            <a:r>
-              <a:rPr lang="en-US" altLang="zh-CN" sz="3200" dirty="0"/>
-              <a:t>MIDI</a:t>
-            </a:r>
-            <a:r>
-              <a:rPr lang="zh-CN" altLang="en-US" sz="3200" dirty="0"/>
-              <a:t>专用软件；</a:t>
-            </a:r>
-            <a:endParaRPr lang="en-US" altLang="zh-CN" sz="3200" dirty="0"/>
-          </a:p>
-          <a:p>
-            <a:pPr lvl="1"/>
-            <a:r>
-              <a:rPr lang="zh-CN" altLang="en-US" sz="3200" dirty="0"/>
-              <a:t>计算机程序生成</a:t>
-            </a:r>
-            <a:r>
-              <a:rPr lang="en-US" altLang="zh-CN" sz="3200" dirty="0"/>
-              <a:t>MIDI</a:t>
-            </a:r>
-            <a:r>
-              <a:rPr lang="zh-CN" altLang="en-US" sz="3200" dirty="0"/>
-              <a:t>文件；</a:t>
-            </a:r>
-            <a:endParaRPr lang="en-US" altLang="zh-CN" sz="3200" dirty="0"/>
-          </a:p>
-          <a:p>
-            <a:pPr lvl="1"/>
-            <a:r>
-              <a:rPr lang="en-US" altLang="zh-CN" sz="3200" dirty="0" err="1"/>
-              <a:t>MidiEditor</a:t>
-            </a:r>
-            <a:r>
-              <a:rPr lang="zh-CN" altLang="en-US" sz="3200" dirty="0"/>
-              <a:t>编辑生成</a:t>
-            </a:r>
-            <a:r>
-              <a:rPr lang="en-US" altLang="zh-CN" sz="3200" dirty="0"/>
-              <a:t>MIDI</a:t>
-            </a:r>
-            <a:r>
-              <a:rPr lang="zh-CN" altLang="en-US" sz="3200" dirty="0"/>
-              <a:t>文件；</a:t>
-            </a:r>
-            <a:endParaRPr lang="en-US" altLang="zh-CN" sz="3200" dirty="0"/>
-          </a:p>
-          <a:p>
-            <a:pPr lvl="1"/>
-            <a:r>
-              <a:rPr lang="zh-CN" altLang="en-US" sz="3200" dirty="0"/>
-              <a:t>直接修改</a:t>
-            </a:r>
-            <a:r>
-              <a:rPr lang="en-US" altLang="zh-CN" sz="3200" dirty="0"/>
-              <a:t>MIDI</a:t>
-            </a:r>
-            <a:r>
-              <a:rPr lang="zh-CN" altLang="en-US" sz="3200" dirty="0"/>
-              <a:t>文件；</a:t>
-            </a:r>
-            <a:endParaRPr lang="en-US" altLang="zh-CN" sz="3200" dirty="0"/>
-          </a:p>
-          <a:p>
-            <a:pPr marL="457200" lvl="1" indent="0">
+            <a:pPr marL="0" indent="0" algn="ctr">
               <a:buNone/>
             </a:pPr>
-            <a:endParaRPr lang="en-US" sz="3200" dirty="0"/>
+            <a:r>
+              <a:rPr lang="en-US" sz="9600" dirty="0" smtClean="0"/>
+              <a:t>Thanks</a:t>
+            </a:r>
+            <a:endParaRPr lang="en-US" sz="8800" dirty="0"/>
           </a:p>
         </p:txBody>
       </p:sp>
     </p:spTree>
     <p:extLst>
       <p:ext uri="{BB962C8B-B14F-4D97-AF65-F5344CB8AC3E}">
-        <p14:creationId xmlns:p14="http://schemas.microsoft.com/office/powerpoint/2010/main" val="195485987"/>
+        <p14:creationId xmlns:p14="http://schemas.microsoft.com/office/powerpoint/2010/main" val="1519927155"/>
       </p:ext>
     </p:extLst>
   </p:cSld>
@@ -8885,333 +9415,189 @@
             <p:ph type="title"/>
           </p:nvPr>
         </p:nvSpPr>
-        <p:spPr/>
-        <p:txBody>
-          <a:bodyPr/>
-          <a:lstStyle/>
-          <a:p>
-            <a:r>
-              <a:rPr lang="zh-CN" altLang="en-US" dirty="0"/>
-              <a:t>什么是</a:t>
-            </a:r>
-            <a:r>
-              <a:rPr lang="en-US" altLang="zh-CN" dirty="0"/>
-              <a:t>MIDI</a:t>
-            </a:r>
-            <a:r>
-              <a:rPr lang="zh-CN" altLang="en-US" dirty="0"/>
-              <a:t>音乐</a:t>
-            </a:r>
-            <a:r>
-              <a:rPr lang="en-US" altLang="zh-CN" dirty="0"/>
-              <a:t/>
-            </a:r>
-            <a:br>
-              <a:rPr lang="en-US" altLang="zh-CN" dirty="0"/>
-            </a:br>
-            <a:r>
-              <a:rPr lang="en-US" altLang="zh-CN" sz="2400" dirty="0"/>
-              <a:t>MIDI</a:t>
-            </a:r>
-            <a:r>
-              <a:rPr lang="zh-CN" altLang="en-US" sz="2400" dirty="0"/>
-              <a:t>制造商协会（</a:t>
-            </a:r>
-            <a:r>
-              <a:rPr lang="en-US" altLang="zh-CN" sz="2400" dirty="0"/>
-              <a:t>MMA</a:t>
-            </a:r>
-            <a:r>
-              <a:rPr lang="zh-CN" altLang="en-US" sz="2400" dirty="0"/>
-              <a:t>）和规范</a:t>
-            </a:r>
-            <a:endParaRPr lang="en-US" sz="2400" dirty="0"/>
-          </a:p>
-        </p:txBody>
-      </p:sp>
-      <p:sp>
-        <p:nvSpPr>
-          <p:cNvPr id="3" name="Content Placeholder 2"/>
-          <p:cNvSpPr>
-            <a:spLocks noGrp="1"/>
-          </p:cNvSpPr>
-          <p:nvPr>
-            <p:ph idx="1"/>
-          </p:nvPr>
-        </p:nvSpPr>
         <p:spPr>
           <a:xfrm>
-            <a:off x="838200" y="1690688"/>
-            <a:ext cx="10515600" cy="4981073"/>
+            <a:off x="838200" y="365126"/>
+            <a:ext cx="10515600" cy="1102728"/>
           </a:xfrm>
         </p:spPr>
         <p:txBody>
           <a:bodyPr>
-            <a:normAutofit fontScale="85000" lnSpcReduction="20000"/>
+            <a:normAutofit/>
           </a:bodyPr>
           <a:lstStyle/>
           <a:p>
             <a:r>
-              <a:rPr lang="en-US" altLang="zh-CN" dirty="0"/>
+              <a:rPr lang="zh-CN" altLang="en-US" sz="4800" dirty="0"/>
+              <a:t>后续内容介绍</a:t>
+            </a:r>
+            <a:endParaRPr lang="en-US" sz="4800" dirty="0"/>
+          </a:p>
+        </p:txBody>
+      </p:sp>
+      <p:sp>
+        <p:nvSpPr>
+          <p:cNvPr id="3" name="Content Placeholder 2"/>
+          <p:cNvSpPr>
+            <a:spLocks noGrp="1"/>
+          </p:cNvSpPr>
+          <p:nvPr>
+            <p:ph idx="1"/>
+          </p:nvPr>
+        </p:nvSpPr>
+        <p:spPr>
+          <a:xfrm>
+            <a:off x="838200" y="1467853"/>
+            <a:ext cx="10515600" cy="4709110"/>
+          </a:xfrm>
+        </p:spPr>
+        <p:txBody>
+          <a:bodyPr>
+            <a:normAutofit/>
+          </a:bodyPr>
+          <a:lstStyle/>
+          <a:p>
+            <a:r>
+              <a:rPr lang="zh-CN" altLang="en-US" sz="3600" dirty="0"/>
+              <a:t>什么是</a:t>
+            </a:r>
+            <a:r>
+              <a:rPr lang="en-US" altLang="zh-CN" sz="3600" dirty="0"/>
               <a:t>MIDI</a:t>
             </a:r>
             <a:r>
-              <a:rPr lang="zh-CN" altLang="en-US" dirty="0"/>
+              <a:rPr lang="zh-CN" altLang="en-US" sz="3600" dirty="0"/>
+              <a:t>音乐</a:t>
+            </a:r>
+            <a:endParaRPr lang="en-US" altLang="zh-CN" sz="3600" dirty="0"/>
+          </a:p>
+          <a:p>
+            <a:pPr lvl="1"/>
+            <a:r>
+              <a:rPr lang="en-US" altLang="zh-CN" sz="3200" dirty="0"/>
+              <a:t>MIDI</a:t>
+            </a:r>
+            <a:r>
+              <a:rPr lang="zh-CN" altLang="en-US" sz="3200" dirty="0"/>
               <a:t>制造商协会（</a:t>
             </a:r>
             <a:r>
-              <a:rPr lang="en-US" altLang="zh-CN" dirty="0"/>
+              <a:rPr lang="en-US" altLang="zh-CN" sz="3200" dirty="0"/>
               <a:t>MMA</a:t>
             </a:r>
             <a:r>
-              <a:rPr lang="zh-CN" altLang="en-US" dirty="0"/>
-              <a:t>）</a:t>
-            </a:r>
-            <a:endParaRPr lang="en-US" altLang="zh-CN" dirty="0"/>
+              <a:rPr lang="zh-CN" altLang="en-US" sz="3200" dirty="0"/>
+              <a:t>）和规范；</a:t>
+            </a:r>
+            <a:endParaRPr lang="en-US" altLang="zh-CN" sz="3200" dirty="0"/>
           </a:p>
           <a:p>
             <a:pPr lvl="1"/>
             <a:r>
-              <a:rPr lang="en-US" altLang="zh-CN" dirty="0"/>
-              <a:t>MIDI = Musical Instrument Digital Interface, </a:t>
-            </a:r>
-            <a:r>
-              <a:rPr lang="zh-CN" altLang="en-US" dirty="0"/>
-              <a:t>乐器数字接口；</a:t>
-            </a:r>
-            <a:r>
-              <a:rPr lang="en-US" altLang="zh-CN" dirty="0"/>
+              <a:rPr lang="en-US" altLang="zh-CN" sz="3200" dirty="0"/>
               <a:t>MIDI</a:t>
             </a:r>
             <a:r>
-              <a:rPr lang="zh-CN" altLang="en-US" dirty="0"/>
-              <a:t>是编曲界最广泛的音乐标准格式，可称为“计算机能理解的乐谱”；</a:t>
-            </a:r>
-            <a:endParaRPr lang="en-US" altLang="zh-CN" dirty="0"/>
-          </a:p>
-          <a:p>
-            <a:pPr lvl="2"/>
-            <a:r>
-              <a:rPr lang="en-US" altLang="zh-CN" dirty="0"/>
-              <a:t>MIDI is a technical standard that describes a communications protocol, digital interface, and electrical connectors and allows a wide variety of electrical musical instruments, computers and other related music and audio devices to connect and communicate with on another. </a:t>
-            </a:r>
+              <a:rPr lang="zh-CN" altLang="en-US" sz="3200" dirty="0"/>
+              <a:t>音乐设备；</a:t>
+            </a:r>
+            <a:endParaRPr lang="en-US" altLang="zh-CN" sz="3200" dirty="0"/>
+          </a:p>
+          <a:p>
+            <a:r>
+              <a:rPr lang="en-US" altLang="zh-CN" sz="3600" dirty="0"/>
+              <a:t>MIDI</a:t>
+            </a:r>
+            <a:r>
+              <a:rPr lang="zh-CN" altLang="en-US" sz="3600" dirty="0"/>
+              <a:t>文件的生成方式</a:t>
+            </a:r>
+            <a:endParaRPr lang="en-US" altLang="zh-CN" sz="3600" dirty="0"/>
           </a:p>
           <a:p>
             <a:pPr lvl="1"/>
             <a:r>
-              <a:rPr lang="en-US" altLang="zh-CN" dirty="0"/>
-              <a:t>MMA</a:t>
-            </a:r>
-            <a:r>
-              <a:rPr lang="zh-CN" altLang="en-US" dirty="0"/>
-              <a:t>协会发展，推广和保护</a:t>
-            </a:r>
-            <a:r>
-              <a:rPr lang="en-US" altLang="zh-CN" dirty="0"/>
+              <a:rPr lang="en-US" altLang="zh-CN" sz="3200" dirty="0"/>
               <a:t>MIDI</a:t>
             </a:r>
             <a:r>
-              <a:rPr lang="zh-CN" altLang="en-US" dirty="0"/>
-              <a:t>技术；定义</a:t>
-            </a:r>
-            <a:r>
-              <a:rPr lang="en-US" altLang="zh-CN" dirty="0"/>
+              <a:rPr lang="zh-CN" altLang="en-US" sz="3200" dirty="0"/>
+              <a:t>设备＋</a:t>
+            </a:r>
+            <a:r>
+              <a:rPr lang="en-US" altLang="zh-CN" sz="3200" dirty="0"/>
               <a:t>MIDI</a:t>
             </a:r>
             <a:r>
-              <a:rPr lang="zh-CN" altLang="en-US" dirty="0"/>
-              <a:t>规范；</a:t>
-            </a:r>
-            <a:endParaRPr lang="en-US" altLang="zh-CN" dirty="0"/>
-          </a:p>
-          <a:p>
-            <a:pPr lvl="2"/>
-            <a:r>
-              <a:rPr lang="en-US" altLang="zh-CN" dirty="0"/>
+              <a:rPr lang="zh-CN" altLang="en-US" sz="3200" dirty="0"/>
+              <a:t>专用软件；</a:t>
+            </a:r>
+            <a:endParaRPr lang="en-US" altLang="zh-CN" sz="3200" dirty="0"/>
+          </a:p>
+          <a:p>
+            <a:pPr lvl="1"/>
+            <a:r>
+              <a:rPr lang="zh-CN" altLang="en-US" sz="3200" dirty="0"/>
+              <a:t>计算机程序生成</a:t>
+            </a:r>
+            <a:r>
+              <a:rPr lang="en-US" altLang="zh-CN" sz="3200" dirty="0"/>
               <a:t>MIDI</a:t>
             </a:r>
             <a:r>
-              <a:rPr lang="zh-CN" altLang="en-US" dirty="0"/>
-              <a:t> </a:t>
-            </a:r>
-            <a:r>
-              <a:rPr lang="en-US" altLang="zh-CN" dirty="0"/>
-              <a:t>Manufactures Association (MMA): The MMA is responsible for the development, promotion, and protection of MIDI technology.</a:t>
-            </a:r>
-            <a:r>
-              <a:rPr lang="zh-CN" altLang="en-US" dirty="0"/>
-              <a:t> </a:t>
-            </a:r>
-            <a:endParaRPr lang="en-US" altLang="zh-CN" dirty="0"/>
-          </a:p>
-          <a:p>
-            <a:r>
-              <a:rPr lang="en-US" altLang="zh-CN" dirty="0"/>
-              <a:t> MIDI</a:t>
-            </a:r>
-            <a:r>
-              <a:rPr lang="zh-CN" altLang="en-US" dirty="0"/>
-              <a:t>规范</a:t>
-            </a:r>
-            <a:endParaRPr lang="en-US" altLang="zh-CN" dirty="0"/>
+              <a:rPr lang="zh-CN" altLang="en-US" sz="3200" dirty="0"/>
+              <a:t>文件；</a:t>
+            </a:r>
+            <a:endParaRPr lang="en-US" altLang="zh-CN" sz="3200" dirty="0"/>
           </a:p>
           <a:p>
             <a:pPr lvl="1"/>
             <a:r>
-              <a:rPr lang="en-US" altLang="zh-CN" dirty="0"/>
+              <a:rPr lang="en-US" altLang="zh-CN" sz="3200" dirty="0" err="1"/>
+              <a:t>MidiEditor</a:t>
+            </a:r>
+            <a:r>
+              <a:rPr lang="zh-CN" altLang="en-US" sz="3200" dirty="0"/>
+              <a:t>编辑生成</a:t>
+            </a:r>
+            <a:r>
+              <a:rPr lang="en-US" altLang="zh-CN" sz="3200" dirty="0"/>
               <a:t>MIDI</a:t>
             </a:r>
             <a:r>
-              <a:rPr lang="zh-CN" altLang="en-US" dirty="0"/>
-              <a:t>电子规范和通讯协议；</a:t>
-            </a:r>
-            <a:endParaRPr lang="en-US" altLang="zh-CN" dirty="0"/>
-          </a:p>
-          <a:p>
-            <a:pPr lvl="2"/>
-            <a:r>
-              <a:rPr lang="en-US" altLang="zh-CN" sz="1200" dirty="0"/>
+              <a:rPr lang="zh-CN" altLang="en-US" sz="3200" dirty="0"/>
+              <a:t>文件；</a:t>
+            </a:r>
+            <a:endParaRPr lang="en-US" altLang="zh-CN" sz="3200" dirty="0"/>
+          </a:p>
+          <a:p>
+            <a:pPr lvl="1"/>
+            <a:r>
+              <a:rPr lang="zh-CN" altLang="en-US" sz="3200" dirty="0"/>
+              <a:t>直接修改</a:t>
+            </a:r>
+            <a:r>
+              <a:rPr lang="en-US" altLang="zh-CN" sz="3200" dirty="0"/>
               <a:t>MIDI</a:t>
             </a:r>
             <a:r>
-              <a:rPr lang="zh-CN" altLang="en-US" sz="1200" dirty="0"/>
-              <a:t> </a:t>
-            </a:r>
-            <a:r>
-              <a:rPr lang="en-US" altLang="zh-CN" sz="1200" dirty="0"/>
-              <a:t>1.0</a:t>
-            </a:r>
-            <a:r>
-              <a:rPr lang="zh-CN" altLang="en-US" sz="1200" dirty="0"/>
-              <a:t> </a:t>
-            </a:r>
-            <a:r>
-              <a:rPr lang="en-US" altLang="zh-CN" sz="1200" dirty="0"/>
-              <a:t>Detailed Specification (Electrical Specification and Protocol) </a:t>
-            </a:r>
-          </a:p>
-          <a:p>
-            <a:pPr lvl="1"/>
-            <a:r>
-              <a:rPr lang="en-US" altLang="zh-CN" dirty="0"/>
-              <a:t>General</a:t>
-            </a:r>
-            <a:r>
-              <a:rPr lang="zh-CN" altLang="en-US" dirty="0"/>
-              <a:t> </a:t>
-            </a:r>
-            <a:r>
-              <a:rPr lang="en-US" altLang="zh-CN" dirty="0"/>
-              <a:t>MIDI</a:t>
-            </a:r>
-            <a:r>
-              <a:rPr lang="zh-CN" altLang="en-US" dirty="0"/>
-              <a:t> </a:t>
-            </a:r>
-            <a:r>
-              <a:rPr lang="en-US" altLang="zh-CN" dirty="0"/>
-              <a:t>1</a:t>
-            </a:r>
-            <a:r>
-              <a:rPr lang="zh-CN" altLang="en-US" dirty="0"/>
-              <a:t>开发向导和标准；</a:t>
-            </a:r>
-            <a:endParaRPr lang="en-US" altLang="zh-CN" dirty="0"/>
-          </a:p>
-          <a:p>
-            <a:pPr lvl="2"/>
-            <a:r>
-              <a:rPr lang="en-US" altLang="zh-CN" sz="1300" dirty="0"/>
-              <a:t>General MIDI 1 (including GM Developer Guidelines)</a:t>
-            </a:r>
-          </a:p>
-          <a:p>
-            <a:pPr lvl="1"/>
-            <a:r>
-              <a:rPr lang="zh-CN" altLang="en-US" dirty="0"/>
-              <a:t>标准</a:t>
-            </a:r>
-            <a:r>
-              <a:rPr lang="en-US" altLang="zh-CN" dirty="0"/>
-              <a:t>MIDI</a:t>
-            </a:r>
-            <a:r>
-              <a:rPr lang="zh-CN" altLang="en-US" dirty="0"/>
-              <a:t>文件规范；</a:t>
-            </a:r>
-            <a:endParaRPr lang="en-US" altLang="zh-CN" dirty="0"/>
-          </a:p>
-          <a:p>
-            <a:pPr lvl="2"/>
-            <a:r>
-              <a:rPr lang="en-US" altLang="zh-CN" sz="1300" dirty="0"/>
-              <a:t>Standard</a:t>
-            </a:r>
-            <a:r>
-              <a:rPr lang="zh-CN" altLang="en-US" sz="1300" dirty="0"/>
-              <a:t> </a:t>
-            </a:r>
-            <a:r>
-              <a:rPr lang="en-US" altLang="zh-CN" sz="1300" dirty="0"/>
-              <a:t>MIDI</a:t>
-            </a:r>
-            <a:r>
-              <a:rPr lang="zh-CN" altLang="en-US" sz="1300" dirty="0"/>
-              <a:t> </a:t>
-            </a:r>
-            <a:r>
-              <a:rPr lang="en-US" altLang="zh-CN" sz="1300" dirty="0"/>
-              <a:t>Files</a:t>
-            </a:r>
-          </a:p>
-          <a:p>
-            <a:pPr lvl="1"/>
-            <a:r>
-              <a:rPr lang="en-US" altLang="zh-CN" dirty="0"/>
-              <a:t>MIDI</a:t>
-            </a:r>
-            <a:r>
-              <a:rPr lang="zh-CN" altLang="en-US" dirty="0"/>
-              <a:t>机器控制规范；</a:t>
-            </a:r>
-            <a:endParaRPr lang="en-US" altLang="zh-CN" dirty="0"/>
-          </a:p>
-          <a:p>
-            <a:pPr lvl="2"/>
-            <a:r>
-              <a:rPr lang="en-US" altLang="zh-CN" sz="1300" dirty="0"/>
-              <a:t>MIDI Machine Control</a:t>
-            </a:r>
-          </a:p>
-          <a:p>
-            <a:pPr lvl="1"/>
-            <a:r>
-              <a:rPr lang="en-US" altLang="zh-CN" dirty="0"/>
-              <a:t>MIDI</a:t>
-            </a:r>
-            <a:r>
-              <a:rPr lang="zh-CN" altLang="en-US" dirty="0"/>
-              <a:t>时间码规范</a:t>
-            </a:r>
-            <a:endParaRPr lang="en-US" altLang="zh-CN" dirty="0"/>
-          </a:p>
-          <a:p>
-            <a:pPr lvl="2"/>
-            <a:r>
-              <a:rPr lang="en-US" altLang="zh-CN" sz="1300" dirty="0"/>
-              <a:t>MIDI Time Code</a:t>
-            </a:r>
-          </a:p>
-          <a:p>
-            <a:pPr lvl="1"/>
-            <a:endParaRPr lang="en-US" dirty="0"/>
+              <a:rPr lang="zh-CN" altLang="en-US" sz="3200" dirty="0"/>
+              <a:t>文件；</a:t>
+            </a:r>
+            <a:endParaRPr lang="en-US" altLang="zh-CN" sz="3200" dirty="0"/>
+          </a:p>
+          <a:p>
+            <a:pPr marL="457200" lvl="1" indent="0">
+              <a:buNone/>
+            </a:pPr>
+            <a:endParaRPr lang="en-US" sz="3200" dirty="0"/>
           </a:p>
         </p:txBody>
       </p:sp>
     </p:spTree>
     <p:extLst>
       <p:ext uri="{BB962C8B-B14F-4D97-AF65-F5344CB8AC3E}">
-        <p14:creationId xmlns:p14="http://schemas.microsoft.com/office/powerpoint/2010/main" val="2129636858"/>
+        <p14:creationId xmlns:p14="http://schemas.microsoft.com/office/powerpoint/2010/main" val="195485987"/>
       </p:ext>
     </p:extLst>
   </p:cSld>
@@ -9275,12 +9661,16 @@
           <a:lstStyle/>
           <a:p>
             <a:r>
+              <a:rPr lang="zh-CN" altLang="en-US" dirty="0"/>
+              <a:t>什么是</a:t>
+            </a:r>
+            <a:r>
               <a:rPr lang="en-US" altLang="zh-CN" dirty="0"/>
               <a:t>MIDI</a:t>
             </a:r>
             <a:r>
               <a:rPr lang="zh-CN" altLang="en-US" dirty="0"/>
-              <a:t>文件的生成方式</a:t>
+              <a:t>音乐</a:t>
             </a:r>
             <a:r>
               <a:rPr lang="en-US" altLang="zh-CN" dirty="0"/>
@@ -9290,14 +9680,22 @@
               <a:rPr lang="en-US" altLang="zh-CN" dirty="0"/>
             </a:br>
             <a:r>
-              <a:rPr lang="zh-CN" altLang="en-US" sz="2000" dirty="0"/>
-              <a:t>专用软件生成：</a:t>
-            </a:r>
-            <a:r>
-              <a:rPr lang="en-US" altLang="zh-CN" sz="2000" dirty="0" err="1"/>
-              <a:t>MidiEditor</a:t>
-            </a:r>
-            <a:endParaRPr lang="en-US" dirty="0"/>
+              <a:rPr lang="en-US" altLang="zh-CN" sz="2400" dirty="0"/>
+              <a:t>MIDI</a:t>
+            </a:r>
+            <a:r>
+              <a:rPr lang="zh-CN" altLang="en-US" sz="2400" dirty="0"/>
+              <a:t>制造商协会（</a:t>
+            </a:r>
+            <a:r>
+              <a:rPr lang="en-US" altLang="zh-CN" sz="2400" dirty="0"/>
+              <a:t>MMA</a:t>
+            </a:r>
+            <a:r>
+              <a:rPr lang="zh-CN" altLang="en-US" sz="2400" dirty="0"/>
+              <a:t>）和规范</a:t>
+            </a:r>
+            <a:endParaRPr lang="en-US" sz="2400" dirty="0"/>
           </a:p>
         </p:txBody>
       </p:sp>
@@ -9314,59 +9712,276 @@
         <p:spPr>
           <a:xfrm>
             <a:off x="838200" y="1690688"/>
-            <a:ext cx="10515600" cy="4724400"/>
+            <a:ext cx="10515600" cy="4981073"/>
           </a:xfrm>
         </p:spPr>
         <p:txBody>
-          <a:bodyPr/>
-          <a:lstStyle/>
-          <a:p>
-            <a:r>
-              <a:rPr lang="en-US" altLang="zh-CN" dirty="0" err="1"/>
-              <a:t>MidiEditor</a:t>
+          <a:bodyPr>
+            <a:normAutofit fontScale="85000" lnSpcReduction="20000"/>
+          </a:bodyPr>
+          <a:lstStyle/>
+          <a:p>
+            <a:r>
+              <a:rPr lang="en-US" altLang="zh-CN" dirty="0"/>
+              <a:t>MIDI</a:t>
             </a:r>
             <a:r>
               <a:rPr lang="zh-CN" altLang="en-US" dirty="0"/>
-              <a:t>演示</a:t>
-            </a:r>
+              <a:t>制造商协会（</a:t>
+            </a:r>
+            <a:r>
+              <a:rPr lang="en-US" altLang="zh-CN" dirty="0"/>
+              <a:t>MMA</a:t>
+            </a:r>
+            <a:r>
+              <a:rPr lang="zh-CN" altLang="en-US" dirty="0"/>
+              <a:t>）</a:t>
+            </a:r>
+            <a:endParaRPr lang="en-US" altLang="zh-CN" dirty="0"/>
+          </a:p>
+          <a:p>
+            <a:pPr lvl="1"/>
+            <a:r>
+              <a:rPr lang="en-US" altLang="zh-CN" dirty="0"/>
+              <a:t>MIDI = Musical Instrument Digital Interface, </a:t>
+            </a:r>
+            <a:r>
+              <a:rPr lang="zh-CN" altLang="en-US" dirty="0"/>
+              <a:t>乐器数字接口；</a:t>
+            </a:r>
+            <a:r>
+              <a:rPr lang="en-US" altLang="zh-CN" dirty="0"/>
+              <a:t>MIDI</a:t>
+            </a:r>
+            <a:r>
+              <a:rPr lang="zh-CN" altLang="en-US" dirty="0"/>
+              <a:t>是编曲界最广泛的音乐标准格式，可称为“计算机能理解的乐谱”；</a:t>
+            </a:r>
+            <a:endParaRPr lang="en-US" altLang="zh-CN" dirty="0"/>
+          </a:p>
+          <a:p>
+            <a:pPr lvl="2"/>
+            <a:r>
+              <a:rPr lang="en-US" altLang="zh-CN" dirty="0"/>
+              <a:t>MIDI is a technical standard that describes a communications protocol, digital interface, and electrical connectors and allows a wide variety of electrical musical instruments, computers and other related music and audio devices to connect and communicate with on another. </a:t>
+            </a:r>
+          </a:p>
+          <a:p>
+            <a:pPr lvl="1"/>
+            <a:r>
+              <a:rPr lang="en-US" altLang="zh-CN" dirty="0"/>
+              <a:t>MMA</a:t>
+            </a:r>
+            <a:r>
+              <a:rPr lang="zh-CN" altLang="en-US" dirty="0"/>
+              <a:t>协会发展，推广和保护</a:t>
+            </a:r>
+            <a:r>
+              <a:rPr lang="en-US" altLang="zh-CN" dirty="0"/>
+              <a:t>MIDI</a:t>
+            </a:r>
+            <a:r>
+              <a:rPr lang="zh-CN" altLang="en-US" dirty="0"/>
+              <a:t>技术；定义</a:t>
+            </a:r>
+            <a:r>
+              <a:rPr lang="en-US" altLang="zh-CN" dirty="0"/>
+              <a:t>MIDI</a:t>
+            </a:r>
+            <a:r>
+              <a:rPr lang="zh-CN" altLang="en-US" dirty="0"/>
+              <a:t>规范；</a:t>
+            </a:r>
+            <a:endParaRPr lang="en-US" altLang="zh-CN" dirty="0"/>
+          </a:p>
+          <a:p>
+            <a:pPr lvl="2"/>
+            <a:r>
+              <a:rPr lang="en-US" altLang="zh-CN" dirty="0"/>
+              <a:t>MIDI</a:t>
+            </a:r>
+            <a:r>
+              <a:rPr lang="zh-CN" altLang="en-US" dirty="0"/>
+              <a:t> </a:t>
+            </a:r>
+            <a:r>
+              <a:rPr lang="en-US" altLang="zh-CN" dirty="0"/>
+              <a:t>Manufactures Association (MMA): The MMA is responsible for the development, promotion, and protection of MIDI technology.</a:t>
+            </a:r>
+            <a:r>
+              <a:rPr lang="zh-CN" altLang="en-US" dirty="0"/>
+              <a:t> </a:t>
+            </a:r>
+            <a:endParaRPr lang="en-US" altLang="zh-CN" dirty="0"/>
+          </a:p>
+          <a:p>
+            <a:r>
+              <a:rPr lang="en-US" altLang="zh-CN" dirty="0"/>
+              <a:t> MIDI</a:t>
+            </a:r>
+            <a:r>
+              <a:rPr lang="zh-CN" altLang="en-US" dirty="0"/>
+              <a:t>规范</a:t>
+            </a:r>
+            <a:endParaRPr lang="en-US" altLang="zh-CN" dirty="0"/>
+          </a:p>
+          <a:p>
+            <a:pPr lvl="1"/>
+            <a:r>
+              <a:rPr lang="en-US" altLang="zh-CN" dirty="0"/>
+              <a:t>MIDI</a:t>
+            </a:r>
+            <a:r>
+              <a:rPr lang="zh-CN" altLang="en-US" dirty="0"/>
+              <a:t>电子规范和通讯协议；</a:t>
+            </a:r>
+            <a:endParaRPr lang="en-US" altLang="zh-CN" dirty="0"/>
+          </a:p>
+          <a:p>
+            <a:pPr lvl="2"/>
+            <a:r>
+              <a:rPr lang="en-US" altLang="zh-CN" sz="1200" dirty="0"/>
+              <a:t>MIDI</a:t>
+            </a:r>
+            <a:r>
+              <a:rPr lang="zh-CN" altLang="en-US" sz="1200" dirty="0"/>
+              <a:t> </a:t>
+            </a:r>
+            <a:r>
+              <a:rPr lang="en-US" altLang="zh-CN" sz="1200" dirty="0"/>
+              <a:t>1.0</a:t>
+            </a:r>
+            <a:r>
+              <a:rPr lang="zh-CN" altLang="en-US" sz="1200" dirty="0"/>
+              <a:t> </a:t>
+            </a:r>
+            <a:r>
+              <a:rPr lang="en-US" altLang="zh-CN" sz="1200" dirty="0"/>
+              <a:t>Detailed Specification (Electrical Specification and Protocol) </a:t>
+            </a:r>
+          </a:p>
+          <a:p>
+            <a:pPr lvl="1"/>
+            <a:r>
+              <a:rPr lang="en-US" altLang="zh-CN" dirty="0"/>
+              <a:t>General</a:t>
+            </a:r>
+            <a:r>
+              <a:rPr lang="zh-CN" altLang="en-US" dirty="0"/>
+              <a:t> </a:t>
+            </a:r>
+            <a:r>
+              <a:rPr lang="en-US" altLang="zh-CN" dirty="0"/>
+              <a:t>MIDI</a:t>
+            </a:r>
+            <a:r>
+              <a:rPr lang="zh-CN" altLang="en-US" dirty="0"/>
+              <a:t> </a:t>
+            </a:r>
+            <a:r>
+              <a:rPr lang="en-US" altLang="zh-CN" dirty="0"/>
+              <a:t>1</a:t>
+            </a:r>
+            <a:r>
+              <a:rPr lang="zh-CN" altLang="en-US" dirty="0"/>
+              <a:t>开发向导和标准；</a:t>
+            </a:r>
+            <a:endParaRPr lang="en-US" altLang="zh-CN" dirty="0"/>
+          </a:p>
+          <a:p>
+            <a:pPr lvl="2"/>
+            <a:r>
+              <a:rPr lang="en-US" altLang="zh-CN" sz="1300" dirty="0"/>
+              <a:t>General MIDI 1 (including GM Developer Guidelines)</a:t>
+            </a:r>
+          </a:p>
+          <a:p>
+            <a:pPr lvl="1"/>
+            <a:r>
+              <a:rPr lang="zh-CN" altLang="en-US" dirty="0"/>
+              <a:t>标准</a:t>
+            </a:r>
+            <a:r>
+              <a:rPr lang="en-US" altLang="zh-CN" dirty="0"/>
+              <a:t>MIDI</a:t>
+            </a:r>
+            <a:r>
+              <a:rPr lang="zh-CN" altLang="en-US" dirty="0"/>
+              <a:t>文件规范；</a:t>
+            </a:r>
+            <a:endParaRPr lang="en-US" altLang="zh-CN" dirty="0"/>
+          </a:p>
+          <a:p>
+            <a:pPr lvl="2"/>
+            <a:r>
+              <a:rPr lang="en-US" altLang="zh-CN" sz="1300" dirty="0"/>
+              <a:t>Standard</a:t>
+            </a:r>
+            <a:r>
+              <a:rPr lang="zh-CN" altLang="en-US" sz="1300" dirty="0"/>
+              <a:t> </a:t>
+            </a:r>
+            <a:r>
+              <a:rPr lang="en-US" altLang="zh-CN" sz="1300" dirty="0"/>
+              <a:t>MIDI</a:t>
+            </a:r>
+            <a:r>
+              <a:rPr lang="zh-CN" altLang="en-US" sz="1300" dirty="0"/>
+              <a:t> </a:t>
+            </a:r>
+            <a:r>
+              <a:rPr lang="en-US" altLang="zh-CN" sz="1300" dirty="0"/>
+              <a:t>Files</a:t>
+            </a:r>
+          </a:p>
+          <a:p>
+            <a:pPr lvl="1"/>
+            <a:r>
+              <a:rPr lang="en-US" altLang="zh-CN" dirty="0"/>
+              <a:t>MIDI</a:t>
+            </a:r>
+            <a:r>
+              <a:rPr lang="zh-CN" altLang="en-US" dirty="0"/>
+              <a:t>机器控制规范；</a:t>
+            </a:r>
+            <a:endParaRPr lang="en-US" altLang="zh-CN" dirty="0"/>
+          </a:p>
+          <a:p>
+            <a:pPr lvl="2"/>
+            <a:r>
+              <a:rPr lang="en-US" altLang="zh-CN" sz="1300" dirty="0"/>
+              <a:t>MIDI Machine Control</a:t>
+            </a:r>
+          </a:p>
+          <a:p>
+            <a:pPr lvl="1"/>
+            <a:r>
+              <a:rPr lang="en-US" altLang="zh-CN" dirty="0"/>
+              <a:t>MIDI</a:t>
+            </a:r>
+            <a:r>
+              <a:rPr lang="zh-CN" altLang="en-US" dirty="0"/>
+              <a:t>时间码规范</a:t>
+            </a:r>
+            <a:endParaRPr lang="en-US" altLang="zh-CN" dirty="0"/>
+          </a:p>
+          <a:p>
+            <a:pPr lvl="2"/>
+            <a:r>
+              <a:rPr lang="en-US" altLang="zh-CN" sz="1300" dirty="0"/>
+              <a:t>MIDI Time Code</a:t>
+            </a:r>
+          </a:p>
+          <a:p>
+            <a:pPr lvl="1"/>
             <a:endParaRPr lang="en-US" dirty="0"/>
           </a:p>
         </p:txBody>
       </p:sp>
-      <p:pic>
-        <p:nvPicPr>
-          <p:cNvPr id="4" name="Picture 3"/>
-          <p:cNvPicPr>
-            <a:picLocks noChangeAspect="1"/>
-          </p:cNvPicPr>
-          <p:nvPr/>
-        </p:nvPicPr>
-        <p:blipFill>
-          <a:blip r:embed="rId3">
-            <a:extLst>
-              <a:ext uri="{28A0092B-C50C-407E-A947-70E740481C1C}">
-                <a14:useLocalDpi xmlns:a14="http://schemas.microsoft.com/office/drawing/2010/main" val="0"/>
-              </a:ext>
-            </a:extLst>
-          </a:blip>
-          <a:stretch>
-            <a:fillRect/>
-          </a:stretch>
-        </p:blipFill>
-        <p:spPr>
-          <a:xfrm>
-            <a:off x="838200" y="2200275"/>
-            <a:ext cx="8599859" cy="3820964"/>
-          </a:xfrm>
-          <a:prstGeom prst="rect">
-            <a:avLst/>
-          </a:prstGeom>
-        </p:spPr>
-      </p:pic>
     </p:spTree>
     <p:extLst>
       <p:ext uri="{BB962C8B-B14F-4D97-AF65-F5344CB8AC3E}">
-        <p14:creationId xmlns:p14="http://schemas.microsoft.com/office/powerpoint/2010/main" val="1390522777"/>
+        <p14:creationId xmlns:p14="http://schemas.microsoft.com/office/powerpoint/2010/main" val="2129636858"/>
       </p:ext>
     </p:extLst>
   </p:cSld>
@@ -9426,7 +10041,7 @@
     </a:clrScheme>
     <a:fontScheme name="Office">
       <a:majorFont>
-        <a:latin typeface="Calibri Light" panose="020F0302020204030204"/>
+        <a:latin typeface="Calibri Light"/>
         <a:ea typeface=""/>
         <a:cs typeface=""/>
         <a:font script="Jpan" typeface="Yu Gothic Light"/>
@@ -9461,7 +10076,7 @@
         <a:font script="Geor" typeface="Sylfaen"/>
       </a:majorFont>
       <a:minorFont>
-        <a:latin typeface="Calibri" panose="020F0502020204030204"/>
+        <a:latin typeface="Calibri"/>
         <a:ea typeface=""/>
         <a:cs typeface=""/>
         <a:font script="Jpan" typeface="Yu Gothic"/>
@@ -9638,7 +10253,7 @@
   <a:extraClrSchemeLst/>
   <a:extLst>
     <a:ext uri="{05A4C25C-085E-4340-85A3-A5531E510DB2}">
-      <thm15:themeFamily xmlns:thm15="http://schemas.microsoft.com/office/thememl/2012/main" name="Office Theme" id="{62F939B6-93AF-4DB8-9C6B-D6C7DFDC589F}" vid="{4A3C46E8-61CC-4603-A589-7422A47A8E4A}"/>
+      <thm15:themeFamily xmlns:thm15="http://schemas.microsoft.com/office/thememl/2012/main" xmlns="" name="Office Theme" id="{62F939B6-93AF-4DB8-9C6B-D6C7DFDC589F}" vid="{4A3C46E8-61CC-4603-A589-7422A47A8E4A}"/>
     </a:ext>
   </a:extLst>
 </a:theme>
@@ -9687,7 +10302,7 @@
     </a:clrScheme>
     <a:fontScheme name="Office">
       <a:majorFont>
-        <a:latin typeface="Calibri Light" panose="020F0302020204030204"/>
+        <a:latin typeface="Calibri Light"/>
         <a:ea typeface=""/>
         <a:cs typeface=""/>
         <a:font script="Jpan" typeface="Yu Gothic Light"/>
@@ -9722,7 +10337,7 @@
         <a:font script="Geor" typeface="Sylfaen"/>
       </a:majorFont>
       <a:minorFont>
-        <a:latin typeface="Calibri" panose="020F0502020204030204"/>
+        <a:latin typeface="Calibri"/>
         <a:ea typeface=""/>
         <a:cs typeface=""/>
         <a:font script="Jpan" typeface="Yu Gothic"/>
@@ -9899,7 +10514,7 @@
   <a:extraClrSchemeLst/>
   <a:extLst>
     <a:ext uri="{05A4C25C-085E-4340-85A3-A5531E510DB2}">
-      <thm15:themeFamily xmlns:thm15="http://schemas.microsoft.com/office/thememl/2012/main" name="Office Theme" id="{62F939B6-93AF-4DB8-9C6B-D6C7DFDC589F}" vid="{4A3C46E8-61CC-4603-A589-7422A47A8E4A}"/>
+      <thm15:themeFamily xmlns:thm15="http://schemas.microsoft.com/office/thememl/2012/main" xmlns="" name="Office Theme" id="{62F939B6-93AF-4DB8-9C6B-D6C7DFDC589F}" vid="{4A3C46E8-61CC-4603-A589-7422A47A8E4A}"/>
     </a:ext>
   </a:extLst>
 </a:theme>
@@ -9948,7 +10563,7 @@
     </a:clrScheme>
     <a:fontScheme name="Office">
       <a:majorFont>
-        <a:latin typeface="Calibri Light" panose="020F0302020204030204"/>
+        <a:latin typeface="Calibri Light"/>
         <a:ea typeface=""/>
         <a:cs typeface=""/>
         <a:font script="Jpan" typeface="Yu Gothic Light"/>
@@ -9983,7 +10598,7 @@
         <a:font script="Geor" typeface="Sylfaen"/>
       </a:majorFont>
       <a:minorFont>
-        <a:latin typeface="Calibri" panose="020F0502020204030204"/>
+        <a:latin typeface="Calibri"/>
         <a:ea typeface=""/>
         <a:cs typeface=""/>
         <a:font script="Jpan" typeface="Yu Gothic"/>
@@ -10160,7 +10775,7 @@
   <a:extraClrSchemeLst/>
   <a:extLst>
     <a:ext uri="{05A4C25C-085E-4340-85A3-A5531E510DB2}">
-      <thm15:themeFamily xmlns:thm15="http://schemas.microsoft.com/office/thememl/2012/main" name="Office Theme" id="{62F939B6-93AF-4DB8-9C6B-D6C7DFDC589F}" vid="{4A3C46E8-61CC-4603-A589-7422A47A8E4A}"/>
+      <thm15:themeFamily xmlns:thm15="http://schemas.microsoft.com/office/thememl/2012/main" xmlns="" name="Office Theme" id="{62F939B6-93AF-4DB8-9C6B-D6C7DFDC589F}" vid="{4A3C46E8-61CC-4603-A589-7422A47A8E4A}"/>
     </a:ext>
   </a:extLst>
 </a:theme>

--- a/midi/docs/ppt/midi_introduction.pptx
+++ b/midi/docs/ppt/midi_introduction.pptx
@@ -6,24 +6,25 @@
     <p:sldMasterId id="2147483660" r:id="rId2"/>
   </p:sldMasterIdLst>
   <p:notesMasterIdLst>
-    <p:notesMasterId r:id="rId18"/>
+    <p:notesMasterId r:id="rId19"/>
   </p:notesMasterIdLst>
   <p:sldIdLst>
     <p:sldId id="269" r:id="rId3"/>
-    <p:sldId id="267" r:id="rId4"/>
-    <p:sldId id="256" r:id="rId5"/>
-    <p:sldId id="259" r:id="rId6"/>
-    <p:sldId id="260" r:id="rId7"/>
-    <p:sldId id="270" r:id="rId8"/>
-    <p:sldId id="271" r:id="rId9"/>
-    <p:sldId id="257" r:id="rId10"/>
-    <p:sldId id="258" r:id="rId11"/>
-    <p:sldId id="264" r:id="rId12"/>
-    <p:sldId id="262" r:id="rId13"/>
-    <p:sldId id="263" r:id="rId14"/>
-    <p:sldId id="265" r:id="rId15"/>
-    <p:sldId id="268" r:id="rId16"/>
-    <p:sldId id="266" r:id="rId17"/>
+    <p:sldId id="277" r:id="rId4"/>
+    <p:sldId id="275" r:id="rId5"/>
+    <p:sldId id="274" r:id="rId6"/>
+    <p:sldId id="276" r:id="rId7"/>
+    <p:sldId id="273" r:id="rId8"/>
+    <p:sldId id="278" r:id="rId9"/>
+    <p:sldId id="279" r:id="rId10"/>
+    <p:sldId id="257" r:id="rId11"/>
+    <p:sldId id="258" r:id="rId12"/>
+    <p:sldId id="264" r:id="rId13"/>
+    <p:sldId id="262" r:id="rId14"/>
+    <p:sldId id="263" r:id="rId15"/>
+    <p:sldId id="265" r:id="rId16"/>
+    <p:sldId id="268" r:id="rId17"/>
+    <p:sldId id="266" r:id="rId18"/>
   </p:sldIdLst>
   <p:sldSz cx="12192000" cy="6858000"/>
   <p:notesSz cx="6858000" cy="9144000"/>
@@ -124,7 +125,7 @@
   </p:defaultTextStyle>
   <p:extLst>
     <p:ext uri="{EFAFB233-063F-42B5-8137-9DF3F51BA10A}">
-      <p15:sldGuideLst xmlns:p15="http://schemas.microsoft.com/office/powerpoint/2012/main" xmlns=""/>
+      <p15:sldGuideLst xmlns="" xmlns:p15="http://schemas.microsoft.com/office/powerpoint/2012/main"/>
     </p:ext>
   </p:extLst>
 </p:presentation>
@@ -212,7 +213,7 @@
           <a:p>
             <a:fld id="{D7784A50-9160-B84C-B0CB-8955694334D3}" type="datetimeFigureOut">
               <a:rPr lang="en-US" smtClean="0"/>
-              <a:t>10/15/2018</a:t>
+              <a:t>10/17/2018</a:t>
             </a:fld>
             <a:endParaRPr lang="en-US"/>
           </a:p>
@@ -575,6 +576,90 @@
 </p:notes>
 </file>
 
+<file path=ppt/notesSlides/notesSlide10.xml><?xml version="1.0" encoding="utf-8"?>
+<p:notes xmlns:a="http://schemas.openxmlformats.org/drawingml/2006/main" xmlns:r="http://schemas.openxmlformats.org/officeDocument/2006/relationships" xmlns:p="http://schemas.openxmlformats.org/presentationml/2006/main">
+  <p:cSld>
+    <p:spTree>
+      <p:nvGrpSpPr>
+        <p:cNvPr id="1" name=""/>
+        <p:cNvGrpSpPr/>
+        <p:nvPr/>
+      </p:nvGrpSpPr>
+      <p:grpSpPr>
+        <a:xfrm>
+          <a:off x="0" y="0"/>
+          <a:ext cx="0" cy="0"/>
+          <a:chOff x="0" y="0"/>
+          <a:chExt cx="0" cy="0"/>
+        </a:xfrm>
+      </p:grpSpPr>
+      <p:sp>
+        <p:nvSpPr>
+          <p:cNvPr id="2" name="Slide Image Placeholder 1"/>
+          <p:cNvSpPr>
+            <a:spLocks noGrp="1" noRot="1" noChangeAspect="1"/>
+          </p:cNvSpPr>
+          <p:nvPr>
+            <p:ph type="sldImg"/>
+          </p:nvPr>
+        </p:nvSpPr>
+        <p:spPr/>
+      </p:sp>
+      <p:sp>
+        <p:nvSpPr>
+          <p:cNvPr id="3" name="Notes Placeholder 2"/>
+          <p:cNvSpPr>
+            <a:spLocks noGrp="1"/>
+          </p:cNvSpPr>
+          <p:nvPr>
+            <p:ph type="body" idx="1"/>
+          </p:nvPr>
+        </p:nvSpPr>
+        <p:spPr/>
+        <p:txBody>
+          <a:bodyPr/>
+          <a:lstStyle/>
+          <a:p>
+            <a:endParaRPr lang="zh-CN" altLang="en-US" dirty="0"/>
+          </a:p>
+        </p:txBody>
+      </p:sp>
+      <p:sp>
+        <p:nvSpPr>
+          <p:cNvPr id="4" name="Slide Number Placeholder 3"/>
+          <p:cNvSpPr>
+            <a:spLocks noGrp="1"/>
+          </p:cNvSpPr>
+          <p:nvPr>
+            <p:ph type="sldNum" sz="quarter" idx="5"/>
+          </p:nvPr>
+        </p:nvSpPr>
+        <p:spPr/>
+        <p:txBody>
+          <a:bodyPr/>
+          <a:lstStyle/>
+          <a:p>
+            <a:fld id="{2C6FF588-64EE-2745-88B0-D28AA5C1D4AF}" type="slidenum">
+              <a:rPr lang="en-US" smtClean="0"/>
+              <a:t>15</a:t>
+            </a:fld>
+            <a:endParaRPr lang="en-US"/>
+          </a:p>
+        </p:txBody>
+      </p:sp>
+    </p:spTree>
+    <p:extLst>
+      <p:ext uri="{BB962C8B-B14F-4D97-AF65-F5344CB8AC3E}">
+        <p14:creationId xmlns:p14="http://schemas.microsoft.com/office/powerpoint/2010/main" val="3572168122"/>
+      </p:ext>
+    </p:extLst>
+  </p:cSld>
+  <p:clrMapOvr>
+    <a:masterClrMapping/>
+  </p:clrMapOvr>
+</p:notes>
+</file>
+
 <file path=ppt/notesSlides/notesSlide2.xml><?xml version="1.0" encoding="utf-8"?>
 <p:notes xmlns:a="http://schemas.openxmlformats.org/drawingml/2006/main" xmlns:r="http://schemas.openxmlformats.org/officeDocument/2006/relationships" xmlns:p="http://schemas.openxmlformats.org/presentationml/2006/main">
   <p:cSld>
@@ -594,7 +679,7 @@
       </p:grpSpPr>
       <p:sp>
         <p:nvSpPr>
-          <p:cNvPr id="2" name="幻灯片图像占位符 1"/>
+          <p:cNvPr id="2" name="Slide Image Placeholder 1"/>
           <p:cNvSpPr>
             <a:spLocks noGrp="1" noRot="1" noChangeAspect="1"/>
           </p:cNvSpPr>
@@ -606,7 +691,7 @@
       </p:sp>
       <p:sp>
         <p:nvSpPr>
-          <p:cNvPr id="3" name="备注占位符 2"/>
+          <p:cNvPr id="3" name="Notes Placeholder 2"/>
           <p:cNvSpPr>
             <a:spLocks noGrp="1"/>
           </p:cNvSpPr>
@@ -619,18 +704,30 @@
           <a:bodyPr/>
           <a:lstStyle/>
           <a:p>
+            <a:r>
+              <a:rPr lang="en-US" altLang="zh-CN" dirty="0"/>
+              <a:t>Demo the mid file created by </a:t>
+            </a:r>
+            <a:r>
+              <a:rPr lang="en-US" altLang="zh-CN" dirty="0" err="1"/>
+              <a:t>Ruilin</a:t>
+            </a:r>
+            <a:r>
+              <a:rPr lang="en-US" altLang="zh-CN" dirty="0"/>
+              <a:t>.</a:t>
+            </a:r>
             <a:endParaRPr lang="zh-CN" altLang="en-US" dirty="0"/>
           </a:p>
         </p:txBody>
       </p:sp>
       <p:sp>
         <p:nvSpPr>
-          <p:cNvPr id="4" name="灯片编号占位符 3"/>
-          <p:cNvSpPr>
-            <a:spLocks noGrp="1"/>
-          </p:cNvSpPr>
-          <p:nvPr>
-            <p:ph type="sldNum" sz="quarter" idx="10"/>
+          <p:cNvPr id="4" name="Slide Number Placeholder 3"/>
+          <p:cNvSpPr>
+            <a:spLocks noGrp="1"/>
+          </p:cNvSpPr>
+          <p:nvPr>
+            <p:ph type="sldNum" sz="quarter" idx="5"/>
           </p:nvPr>
         </p:nvSpPr>
         <p:spPr/>
@@ -649,7 +746,7 @@
     </p:spTree>
     <p:extLst>
       <p:ext uri="{BB962C8B-B14F-4D97-AF65-F5344CB8AC3E}">
-        <p14:creationId xmlns:p14="http://schemas.microsoft.com/office/powerpoint/2010/main" val="3098784504"/>
+        <p14:creationId xmlns:p14="http://schemas.microsoft.com/office/powerpoint/2010/main" val="3904081178"/>
       </p:ext>
     </p:extLst>
   </p:cSld>
@@ -678,7 +775,7 @@
       </p:grpSpPr>
       <p:sp>
         <p:nvSpPr>
-          <p:cNvPr id="2" name="幻灯片图像占位符 1"/>
+          <p:cNvPr id="2" name="Slide Image Placeholder 1"/>
           <p:cNvSpPr>
             <a:spLocks noGrp="1" noRot="1" noChangeAspect="1"/>
           </p:cNvSpPr>
@@ -690,7 +787,7 @@
       </p:sp>
       <p:sp>
         <p:nvSpPr>
-          <p:cNvPr id="3" name="备注占位符 2"/>
+          <p:cNvPr id="3" name="Notes Placeholder 2"/>
           <p:cNvSpPr>
             <a:spLocks noGrp="1"/>
           </p:cNvSpPr>
@@ -703,18 +800,30 @@
           <a:bodyPr/>
           <a:lstStyle/>
           <a:p>
+            <a:r>
+              <a:rPr lang="en-US" altLang="zh-CN" dirty="0"/>
+              <a:t>Demo the mid file created by </a:t>
+            </a:r>
+            <a:r>
+              <a:rPr lang="en-US" altLang="zh-CN" dirty="0" err="1"/>
+              <a:t>Ruilin</a:t>
+            </a:r>
+            <a:r>
+              <a:rPr lang="en-US" altLang="zh-CN" dirty="0"/>
+              <a:t>.</a:t>
+            </a:r>
             <a:endParaRPr lang="zh-CN" altLang="en-US" dirty="0"/>
           </a:p>
         </p:txBody>
       </p:sp>
       <p:sp>
         <p:nvSpPr>
-          <p:cNvPr id="4" name="灯片编号占位符 3"/>
-          <p:cNvSpPr>
-            <a:spLocks noGrp="1"/>
-          </p:cNvSpPr>
-          <p:nvPr>
-            <p:ph type="sldNum" sz="quarter" idx="10"/>
+          <p:cNvPr id="4" name="Slide Number Placeholder 3"/>
+          <p:cNvSpPr>
+            <a:spLocks noGrp="1"/>
+          </p:cNvSpPr>
+          <p:nvPr>
+            <p:ph type="sldNum" sz="quarter" idx="5"/>
           </p:nvPr>
         </p:nvSpPr>
         <p:spPr/>
@@ -733,7 +842,7 @@
     </p:spTree>
     <p:extLst>
       <p:ext uri="{BB962C8B-B14F-4D97-AF65-F5344CB8AC3E}">
-        <p14:creationId xmlns:p14="http://schemas.microsoft.com/office/powerpoint/2010/main" val="615141748"/>
+        <p14:creationId xmlns:p14="http://schemas.microsoft.com/office/powerpoint/2010/main" val="3904081178"/>
       </p:ext>
     </p:extLst>
   </p:cSld>
@@ -787,6 +896,18 @@
           <a:bodyPr/>
           <a:lstStyle/>
           <a:p>
+            <a:r>
+              <a:rPr lang="en-US" altLang="zh-CN" dirty="0"/>
+              <a:t>Demo the mid file created by </a:t>
+            </a:r>
+            <a:r>
+              <a:rPr lang="en-US" altLang="zh-CN" dirty="0" err="1"/>
+              <a:t>Ruilin</a:t>
+            </a:r>
+            <a:r>
+              <a:rPr lang="en-US" altLang="zh-CN" dirty="0"/>
+              <a:t>.</a:t>
+            </a:r>
             <a:endParaRPr lang="zh-CN" altLang="en-US" dirty="0"/>
           </a:p>
         </p:txBody>
@@ -817,7 +938,7 @@
     </p:spTree>
     <p:extLst>
       <p:ext uri="{BB962C8B-B14F-4D97-AF65-F5344CB8AC3E}">
-        <p14:creationId xmlns:p14="http://schemas.microsoft.com/office/powerpoint/2010/main" val="3100176209"/>
+        <p14:creationId xmlns:p14="http://schemas.microsoft.com/office/powerpoint/2010/main" val="3904081178"/>
       </p:ext>
     </p:extLst>
   </p:cSld>
@@ -846,7 +967,7 @@
       </p:grpSpPr>
       <p:sp>
         <p:nvSpPr>
-          <p:cNvPr id="2" name="幻灯片图像占位符 1"/>
+          <p:cNvPr id="2" name="Slide Image Placeholder 1"/>
           <p:cNvSpPr>
             <a:spLocks noGrp="1" noRot="1" noChangeAspect="1"/>
           </p:cNvSpPr>
@@ -858,7 +979,7 @@
       </p:sp>
       <p:sp>
         <p:nvSpPr>
-          <p:cNvPr id="3" name="备注占位符 2"/>
+          <p:cNvPr id="3" name="Notes Placeholder 2"/>
           <p:cNvSpPr>
             <a:spLocks noGrp="1"/>
           </p:cNvSpPr>
@@ -871,18 +992,30 @@
           <a:bodyPr/>
           <a:lstStyle/>
           <a:p>
+            <a:r>
+              <a:rPr lang="en-US" altLang="zh-CN" dirty="0"/>
+              <a:t>Demo the mid file created by </a:t>
+            </a:r>
+            <a:r>
+              <a:rPr lang="en-US" altLang="zh-CN" dirty="0" err="1"/>
+              <a:t>Ruilin</a:t>
+            </a:r>
+            <a:r>
+              <a:rPr lang="en-US" altLang="zh-CN" dirty="0"/>
+              <a:t>.</a:t>
+            </a:r>
             <a:endParaRPr lang="zh-CN" altLang="en-US" dirty="0"/>
           </a:p>
         </p:txBody>
       </p:sp>
       <p:sp>
         <p:nvSpPr>
-          <p:cNvPr id="4" name="灯片编号占位符 3"/>
-          <p:cNvSpPr>
-            <a:spLocks noGrp="1"/>
-          </p:cNvSpPr>
-          <p:nvPr>
-            <p:ph type="sldNum" sz="quarter" idx="10"/>
+          <p:cNvPr id="4" name="Slide Number Placeholder 3"/>
+          <p:cNvSpPr>
+            <a:spLocks noGrp="1"/>
+          </p:cNvSpPr>
+          <p:nvPr>
+            <p:ph type="sldNum" sz="quarter" idx="5"/>
           </p:nvPr>
         </p:nvSpPr>
         <p:spPr/>
@@ -901,7 +1034,7 @@
     </p:spTree>
     <p:extLst>
       <p:ext uri="{BB962C8B-B14F-4D97-AF65-F5344CB8AC3E}">
-        <p14:creationId xmlns:p14="http://schemas.microsoft.com/office/powerpoint/2010/main" val="1039979477"/>
+        <p14:creationId xmlns:p14="http://schemas.microsoft.com/office/powerpoint/2010/main" val="3904081178"/>
       </p:ext>
     </p:extLst>
   </p:cSld>
@@ -956,9 +1089,18 @@
           <a:lstStyle/>
           <a:p>
             <a:r>
-              <a:rPr lang="zh-CN" altLang="en-US" dirty="0"/>
-              <a:t>模拟乐队</a:t>
-            </a:r>
+              <a:rPr lang="en-US" altLang="zh-CN" dirty="0"/>
+              <a:t>Demo the mid file created by </a:t>
+            </a:r>
+            <a:r>
+              <a:rPr lang="en-US" altLang="zh-CN" dirty="0" err="1"/>
+              <a:t>Ruilin</a:t>
+            </a:r>
+            <a:r>
+              <a:rPr lang="en-US" altLang="zh-CN" dirty="0"/>
+              <a:t>.</a:t>
+            </a:r>
+            <a:endParaRPr lang="zh-CN" altLang="en-US" dirty="0"/>
           </a:p>
         </p:txBody>
       </p:sp>
@@ -988,7 +1130,7 @@
     </p:spTree>
     <p:extLst>
       <p:ext uri="{BB962C8B-B14F-4D97-AF65-F5344CB8AC3E}">
-        <p14:creationId xmlns:p14="http://schemas.microsoft.com/office/powerpoint/2010/main" val="1510616738"/>
+        <p14:creationId xmlns:p14="http://schemas.microsoft.com/office/powerpoint/2010/main" val="3904081178"/>
       </p:ext>
     </p:extLst>
   </p:cSld>
@@ -1017,7 +1159,7 @@
       </p:grpSpPr>
       <p:sp>
         <p:nvSpPr>
-          <p:cNvPr id="2" name="幻灯片图像占位符 1"/>
+          <p:cNvPr id="2" name="Slide Image Placeholder 1"/>
           <p:cNvSpPr>
             <a:spLocks noGrp="1" noRot="1" noChangeAspect="1"/>
           </p:cNvSpPr>
@@ -1029,7 +1171,7 @@
       </p:sp>
       <p:sp>
         <p:nvSpPr>
-          <p:cNvPr id="3" name="备注占位符 2"/>
+          <p:cNvPr id="3" name="Notes Placeholder 2"/>
           <p:cNvSpPr>
             <a:spLocks noGrp="1"/>
           </p:cNvSpPr>
@@ -1042,18 +1184,30 @@
           <a:bodyPr/>
           <a:lstStyle/>
           <a:p>
+            <a:r>
+              <a:rPr lang="en-US" altLang="zh-CN" dirty="0"/>
+              <a:t>Demo the mid file created by </a:t>
+            </a:r>
+            <a:r>
+              <a:rPr lang="en-US" altLang="zh-CN" dirty="0" err="1"/>
+              <a:t>Ruilin</a:t>
+            </a:r>
+            <a:r>
+              <a:rPr lang="en-US" altLang="zh-CN" dirty="0"/>
+              <a:t>.</a:t>
+            </a:r>
             <a:endParaRPr lang="zh-CN" altLang="en-US" dirty="0"/>
           </a:p>
         </p:txBody>
       </p:sp>
       <p:sp>
         <p:nvSpPr>
-          <p:cNvPr id="4" name="灯片编号占位符 3"/>
-          <p:cNvSpPr>
-            <a:spLocks noGrp="1"/>
-          </p:cNvSpPr>
-          <p:nvPr>
-            <p:ph type="sldNum" sz="quarter" idx="10"/>
+          <p:cNvPr id="4" name="Slide Number Placeholder 3"/>
+          <p:cNvSpPr>
+            <a:spLocks noGrp="1"/>
+          </p:cNvSpPr>
+          <p:nvPr>
+            <p:ph type="sldNum" sz="quarter" idx="5"/>
           </p:nvPr>
         </p:nvSpPr>
         <p:spPr/>
@@ -1072,7 +1226,7 @@
     </p:spTree>
     <p:extLst>
       <p:ext uri="{BB962C8B-B14F-4D97-AF65-F5344CB8AC3E}">
-        <p14:creationId xmlns:p14="http://schemas.microsoft.com/office/powerpoint/2010/main" val="3372325582"/>
+        <p14:creationId xmlns:p14="http://schemas.microsoft.com/office/powerpoint/2010/main" val="3904081178"/>
       </p:ext>
     </p:extLst>
   </p:cSld>
@@ -1126,6 +1280,18 @@
           <a:bodyPr/>
           <a:lstStyle/>
           <a:p>
+            <a:r>
+              <a:rPr lang="en-US" altLang="zh-CN" dirty="0"/>
+              <a:t>Demo the mid file created by </a:t>
+            </a:r>
+            <a:r>
+              <a:rPr lang="en-US" altLang="zh-CN" dirty="0" err="1"/>
+              <a:t>Ruilin</a:t>
+            </a:r>
+            <a:r>
+              <a:rPr lang="en-US" altLang="zh-CN" dirty="0"/>
+              <a:t>.</a:t>
+            </a:r>
             <a:endParaRPr lang="zh-CN" altLang="en-US" dirty="0"/>
           </a:p>
         </p:txBody>
@@ -1147,7 +1313,7 @@
           <a:p>
             <a:fld id="{2C6FF588-64EE-2745-88B0-D28AA5C1D4AF}" type="slidenum">
               <a:rPr lang="en-US" smtClean="0"/>
-              <a:t>14</a:t>
+              <a:t>8</a:t>
             </a:fld>
             <a:endParaRPr lang="en-US"/>
           </a:p>
@@ -1156,7 +1322,91 @@
     </p:spTree>
     <p:extLst>
       <p:ext uri="{BB962C8B-B14F-4D97-AF65-F5344CB8AC3E}">
-        <p14:creationId xmlns:p14="http://schemas.microsoft.com/office/powerpoint/2010/main" val="3572168122"/>
+        <p14:creationId xmlns:p14="http://schemas.microsoft.com/office/powerpoint/2010/main" val="3904081178"/>
+      </p:ext>
+    </p:extLst>
+  </p:cSld>
+  <p:clrMapOvr>
+    <a:masterClrMapping/>
+  </p:clrMapOvr>
+</p:notes>
+</file>
+
+<file path=ppt/notesSlides/notesSlide9.xml><?xml version="1.0" encoding="utf-8"?>
+<p:notes xmlns:a="http://schemas.openxmlformats.org/drawingml/2006/main" xmlns:r="http://schemas.openxmlformats.org/officeDocument/2006/relationships" xmlns:p="http://schemas.openxmlformats.org/presentationml/2006/main">
+  <p:cSld>
+    <p:spTree>
+      <p:nvGrpSpPr>
+        <p:cNvPr id="1" name=""/>
+        <p:cNvGrpSpPr/>
+        <p:nvPr/>
+      </p:nvGrpSpPr>
+      <p:grpSpPr>
+        <a:xfrm>
+          <a:off x="0" y="0"/>
+          <a:ext cx="0" cy="0"/>
+          <a:chOff x="0" y="0"/>
+          <a:chExt cx="0" cy="0"/>
+        </a:xfrm>
+      </p:grpSpPr>
+      <p:sp>
+        <p:nvSpPr>
+          <p:cNvPr id="2" name="幻灯片图像占位符 1"/>
+          <p:cNvSpPr>
+            <a:spLocks noGrp="1" noRot="1" noChangeAspect="1"/>
+          </p:cNvSpPr>
+          <p:nvPr>
+            <p:ph type="sldImg"/>
+          </p:nvPr>
+        </p:nvSpPr>
+        <p:spPr/>
+      </p:sp>
+      <p:sp>
+        <p:nvSpPr>
+          <p:cNvPr id="3" name="备注占位符 2"/>
+          <p:cNvSpPr>
+            <a:spLocks noGrp="1"/>
+          </p:cNvSpPr>
+          <p:nvPr>
+            <p:ph type="body" idx="1"/>
+          </p:nvPr>
+        </p:nvSpPr>
+        <p:spPr/>
+        <p:txBody>
+          <a:bodyPr/>
+          <a:lstStyle/>
+          <a:p>
+            <a:endParaRPr lang="zh-CN" altLang="en-US" dirty="0"/>
+          </a:p>
+        </p:txBody>
+      </p:sp>
+      <p:sp>
+        <p:nvSpPr>
+          <p:cNvPr id="4" name="灯片编号占位符 3"/>
+          <p:cNvSpPr>
+            <a:spLocks noGrp="1"/>
+          </p:cNvSpPr>
+          <p:nvPr>
+            <p:ph type="sldNum" sz="quarter" idx="10"/>
+          </p:nvPr>
+        </p:nvSpPr>
+        <p:spPr/>
+        <p:txBody>
+          <a:bodyPr/>
+          <a:lstStyle/>
+          <a:p>
+            <a:fld id="{2C6FF588-64EE-2745-88B0-D28AA5C1D4AF}" type="slidenum">
+              <a:rPr lang="en-US" smtClean="0"/>
+              <a:t>9</a:t>
+            </a:fld>
+            <a:endParaRPr lang="en-US"/>
+          </a:p>
+        </p:txBody>
+      </p:sp>
+    </p:spTree>
+    <p:extLst>
+      <p:ext uri="{BB962C8B-B14F-4D97-AF65-F5344CB8AC3E}">
+        <p14:creationId xmlns:p14="http://schemas.microsoft.com/office/powerpoint/2010/main" val="1724544047"/>
       </p:ext>
     </p:extLst>
   </p:cSld>
@@ -1295,7 +1545,7 @@
           <a:p>
             <a:fld id="{1C8920E0-4DA1-524E-AA5F-72FF81381A76}" type="datetimeFigureOut">
               <a:rPr lang="en-US" smtClean="0"/>
-              <a:t>10/15/2018</a:t>
+              <a:t>10/17/2018</a:t>
             </a:fld>
             <a:endParaRPr lang="en-US"/>
           </a:p>
@@ -1463,7 +1713,7 @@
           <a:p>
             <a:fld id="{1C8920E0-4DA1-524E-AA5F-72FF81381A76}" type="datetimeFigureOut">
               <a:rPr lang="en-US" smtClean="0"/>
-              <a:t>10/15/2018</a:t>
+              <a:t>10/17/2018</a:t>
             </a:fld>
             <a:endParaRPr lang="en-US"/>
           </a:p>
@@ -1641,7 +1891,7 @@
           <a:p>
             <a:fld id="{1C8920E0-4DA1-524E-AA5F-72FF81381A76}" type="datetimeFigureOut">
               <a:rPr lang="en-US" smtClean="0"/>
-              <a:t>10/15/2018</a:t>
+              <a:t>10/17/2018</a:t>
             </a:fld>
             <a:endParaRPr lang="en-US"/>
           </a:p>
@@ -1833,7 +2083,7 @@
           <a:p>
             <a:fld id="{A93B2EAE-6EFD-8F4C-9604-62E60F56DC96}" type="datetimeFigureOut">
               <a:rPr lang="en-US" smtClean="0"/>
-              <a:t>10/15/2018</a:t>
+              <a:t>10/17/2018</a:t>
             </a:fld>
             <a:endParaRPr lang="en-US"/>
           </a:p>
@@ -2003,7 +2253,7 @@
           <a:p>
             <a:fld id="{A93B2EAE-6EFD-8F4C-9604-62E60F56DC96}" type="datetimeFigureOut">
               <a:rPr lang="en-US" smtClean="0"/>
-              <a:t>10/15/2018</a:t>
+              <a:t>10/17/2018</a:t>
             </a:fld>
             <a:endParaRPr lang="en-US"/>
           </a:p>
@@ -2249,7 +2499,7 @@
           <a:p>
             <a:fld id="{A93B2EAE-6EFD-8F4C-9604-62E60F56DC96}" type="datetimeFigureOut">
               <a:rPr lang="en-US" smtClean="0"/>
-              <a:t>10/15/2018</a:t>
+              <a:t>10/17/2018</a:t>
             </a:fld>
             <a:endParaRPr lang="en-US"/>
           </a:p>
@@ -2481,7 +2731,7 @@
           <a:p>
             <a:fld id="{A93B2EAE-6EFD-8F4C-9604-62E60F56DC96}" type="datetimeFigureOut">
               <a:rPr lang="en-US" smtClean="0"/>
-              <a:t>10/15/2018</a:t>
+              <a:t>10/17/2018</a:t>
             </a:fld>
             <a:endParaRPr lang="en-US"/>
           </a:p>
@@ -2848,7 +3098,7 @@
           <a:p>
             <a:fld id="{A93B2EAE-6EFD-8F4C-9604-62E60F56DC96}" type="datetimeFigureOut">
               <a:rPr lang="en-US" smtClean="0"/>
-              <a:t>10/15/2018</a:t>
+              <a:t>10/17/2018</a:t>
             </a:fld>
             <a:endParaRPr lang="en-US"/>
           </a:p>
@@ -2966,7 +3216,7 @@
           <a:p>
             <a:fld id="{A93B2EAE-6EFD-8F4C-9604-62E60F56DC96}" type="datetimeFigureOut">
               <a:rPr lang="en-US" smtClean="0"/>
-              <a:t>10/15/2018</a:t>
+              <a:t>10/17/2018</a:t>
             </a:fld>
             <a:endParaRPr lang="en-US"/>
           </a:p>
@@ -3061,7 +3311,7 @@
           <a:p>
             <a:fld id="{A93B2EAE-6EFD-8F4C-9604-62E60F56DC96}" type="datetimeFigureOut">
               <a:rPr lang="en-US" smtClean="0"/>
-              <a:t>10/15/2018</a:t>
+              <a:t>10/17/2018</a:t>
             </a:fld>
             <a:endParaRPr lang="en-US"/>
           </a:p>
@@ -3338,7 +3588,7 @@
           <a:p>
             <a:fld id="{A93B2EAE-6EFD-8F4C-9604-62E60F56DC96}" type="datetimeFigureOut">
               <a:rPr lang="en-US" smtClean="0"/>
-              <a:t>10/15/2018</a:t>
+              <a:t>10/17/2018</a:t>
             </a:fld>
             <a:endParaRPr lang="en-US"/>
           </a:p>
@@ -3506,7 +3756,7 @@
           <a:p>
             <a:fld id="{1C8920E0-4DA1-524E-AA5F-72FF81381A76}" type="datetimeFigureOut">
               <a:rPr lang="en-US" smtClean="0"/>
-              <a:t>10/15/2018</a:t>
+              <a:t>10/17/2018</a:t>
             </a:fld>
             <a:endParaRPr lang="en-US"/>
           </a:p>
@@ -3759,7 +4009,7 @@
           <a:p>
             <a:fld id="{A93B2EAE-6EFD-8F4C-9604-62E60F56DC96}" type="datetimeFigureOut">
               <a:rPr lang="en-US" smtClean="0"/>
-              <a:t>10/15/2018</a:t>
+              <a:t>10/17/2018</a:t>
             </a:fld>
             <a:endParaRPr lang="en-US"/>
           </a:p>
@@ -3929,7 +4179,7 @@
           <a:p>
             <a:fld id="{A93B2EAE-6EFD-8F4C-9604-62E60F56DC96}" type="datetimeFigureOut">
               <a:rPr lang="en-US" smtClean="0"/>
-              <a:t>10/15/2018</a:t>
+              <a:t>10/17/2018</a:t>
             </a:fld>
             <a:endParaRPr lang="en-US"/>
           </a:p>
@@ -4109,7 +4359,7 @@
           <a:p>
             <a:fld id="{A93B2EAE-6EFD-8F4C-9604-62E60F56DC96}" type="datetimeFigureOut">
               <a:rPr lang="en-US" smtClean="0"/>
-              <a:t>10/15/2018</a:t>
+              <a:t>10/17/2018</a:t>
             </a:fld>
             <a:endParaRPr lang="en-US"/>
           </a:p>
@@ -4354,7 +4604,7 @@
           <a:p>
             <a:fld id="{1C8920E0-4DA1-524E-AA5F-72FF81381A76}" type="datetimeFigureOut">
               <a:rPr lang="en-US" smtClean="0"/>
-              <a:t>10/15/2018</a:t>
+              <a:t>10/17/2018</a:t>
             </a:fld>
             <a:endParaRPr lang="en-US"/>
           </a:p>
@@ -4583,7 +4833,7 @@
           <a:p>
             <a:fld id="{1C8920E0-4DA1-524E-AA5F-72FF81381A76}" type="datetimeFigureOut">
               <a:rPr lang="en-US" smtClean="0"/>
-              <a:t>10/15/2018</a:t>
+              <a:t>10/17/2018</a:t>
             </a:fld>
             <a:endParaRPr lang="en-US"/>
           </a:p>
@@ -4947,7 +5197,7 @@
           <a:p>
             <a:fld id="{1C8920E0-4DA1-524E-AA5F-72FF81381A76}" type="datetimeFigureOut">
               <a:rPr lang="en-US" smtClean="0"/>
-              <a:t>10/15/2018</a:t>
+              <a:t>10/17/2018</a:t>
             </a:fld>
             <a:endParaRPr lang="en-US"/>
           </a:p>
@@ -5064,7 +5314,7 @@
           <a:p>
             <a:fld id="{1C8920E0-4DA1-524E-AA5F-72FF81381A76}" type="datetimeFigureOut">
               <a:rPr lang="en-US" smtClean="0"/>
-              <a:t>10/15/2018</a:t>
+              <a:t>10/17/2018</a:t>
             </a:fld>
             <a:endParaRPr lang="en-US"/>
           </a:p>
@@ -5159,7 +5409,7 @@
           <a:p>
             <a:fld id="{1C8920E0-4DA1-524E-AA5F-72FF81381A76}" type="datetimeFigureOut">
               <a:rPr lang="en-US" smtClean="0"/>
-              <a:t>10/15/2018</a:t>
+              <a:t>10/17/2018</a:t>
             </a:fld>
             <a:endParaRPr lang="en-US"/>
           </a:p>
@@ -5434,7 +5684,7 @@
           <a:p>
             <a:fld id="{1C8920E0-4DA1-524E-AA5F-72FF81381A76}" type="datetimeFigureOut">
               <a:rPr lang="en-US" smtClean="0"/>
-              <a:t>10/15/2018</a:t>
+              <a:t>10/17/2018</a:t>
             </a:fld>
             <a:endParaRPr lang="en-US"/>
           </a:p>
@@ -5686,7 +5936,7 @@
           <a:p>
             <a:fld id="{1C8920E0-4DA1-524E-AA5F-72FF81381A76}" type="datetimeFigureOut">
               <a:rPr lang="en-US" smtClean="0"/>
-              <a:t>10/15/2018</a:t>
+              <a:t>10/17/2018</a:t>
             </a:fld>
             <a:endParaRPr lang="en-US"/>
           </a:p>
@@ -5897,7 +6147,7 @@
           <a:p>
             <a:fld id="{1C8920E0-4DA1-524E-AA5F-72FF81381A76}" type="datetimeFigureOut">
               <a:rPr lang="en-US" smtClean="0"/>
-              <a:t>10/15/2018</a:t>
+              <a:t>10/17/2018</a:t>
             </a:fld>
             <a:endParaRPr lang="en-US"/>
           </a:p>
@@ -6437,7 +6687,7 @@
           <a:p>
             <a:fld id="{A93B2EAE-6EFD-8F4C-9604-62E60F56DC96}" type="datetimeFigureOut">
               <a:rPr lang="en-US" smtClean="0"/>
-              <a:t>10/15/2018</a:t>
+              <a:t>10/17/2018</a:t>
             </a:fld>
             <a:endParaRPr lang="en-US"/>
           </a:p>
@@ -6984,6 +7234,390 @@
           <a:lstStyle/>
           <a:p>
             <a:r>
+              <a:rPr lang="zh-CN" altLang="en-US" dirty="0"/>
+              <a:t>什么是</a:t>
+            </a:r>
+            <a:r>
+              <a:rPr lang="en-US" altLang="zh-CN" dirty="0"/>
+              <a:t>MIDI</a:t>
+            </a:r>
+            <a:r>
+              <a:rPr lang="zh-CN" altLang="en-US" dirty="0"/>
+              <a:t>音乐</a:t>
+            </a:r>
+            <a:r>
+              <a:rPr lang="en-US" altLang="zh-CN" dirty="0"/>
+              <a:t/>
+            </a:r>
+            <a:br>
+              <a:rPr lang="en-US" altLang="zh-CN" dirty="0"/>
+            </a:br>
+            <a:r>
+              <a:rPr lang="en-US" altLang="zh-CN" sz="2400" dirty="0"/>
+              <a:t>MIDI</a:t>
+            </a:r>
+            <a:r>
+              <a:rPr lang="zh-CN" altLang="en-US" sz="2400" dirty="0"/>
+              <a:t>制造商协会（</a:t>
+            </a:r>
+            <a:r>
+              <a:rPr lang="en-US" altLang="zh-CN" sz="2400" dirty="0"/>
+              <a:t>MMA</a:t>
+            </a:r>
+            <a:r>
+              <a:rPr lang="zh-CN" altLang="en-US" sz="2400" dirty="0"/>
+              <a:t>）和规范</a:t>
+            </a:r>
+            <a:endParaRPr lang="en-US" sz="2400" dirty="0"/>
+          </a:p>
+        </p:txBody>
+      </p:sp>
+      <p:sp>
+        <p:nvSpPr>
+          <p:cNvPr id="3" name="Content Placeholder 2"/>
+          <p:cNvSpPr>
+            <a:spLocks noGrp="1"/>
+          </p:cNvSpPr>
+          <p:nvPr>
+            <p:ph idx="1"/>
+          </p:nvPr>
+        </p:nvSpPr>
+        <p:spPr>
+          <a:xfrm>
+            <a:off x="838200" y="1690688"/>
+            <a:ext cx="10515600" cy="4981073"/>
+          </a:xfrm>
+        </p:spPr>
+        <p:txBody>
+          <a:bodyPr>
+            <a:normAutofit fontScale="85000" lnSpcReduction="20000"/>
+          </a:bodyPr>
+          <a:lstStyle/>
+          <a:p>
+            <a:r>
+              <a:rPr lang="en-US" altLang="zh-CN" dirty="0"/>
+              <a:t>MIDI</a:t>
+            </a:r>
+            <a:r>
+              <a:rPr lang="zh-CN" altLang="en-US" dirty="0"/>
+              <a:t>制造商协会（</a:t>
+            </a:r>
+            <a:r>
+              <a:rPr lang="en-US" altLang="zh-CN" dirty="0"/>
+              <a:t>MMA</a:t>
+            </a:r>
+            <a:r>
+              <a:rPr lang="zh-CN" altLang="en-US" dirty="0"/>
+              <a:t>）</a:t>
+            </a:r>
+            <a:endParaRPr lang="en-US" altLang="zh-CN" dirty="0"/>
+          </a:p>
+          <a:p>
+            <a:pPr lvl="1"/>
+            <a:r>
+              <a:rPr lang="en-US" altLang="zh-CN" dirty="0"/>
+              <a:t>MIDI = Musical Instrument Digital Interface, </a:t>
+            </a:r>
+            <a:r>
+              <a:rPr lang="zh-CN" altLang="en-US" dirty="0"/>
+              <a:t>乐器数字接口；</a:t>
+            </a:r>
+            <a:r>
+              <a:rPr lang="en-US" altLang="zh-CN" dirty="0"/>
+              <a:t>MIDI</a:t>
+            </a:r>
+            <a:r>
+              <a:rPr lang="zh-CN" altLang="en-US" dirty="0"/>
+              <a:t>是编曲界最广泛的音乐标准格式，可称为“计算机能理解的乐谱”；</a:t>
+            </a:r>
+            <a:endParaRPr lang="en-US" altLang="zh-CN" dirty="0"/>
+          </a:p>
+          <a:p>
+            <a:pPr lvl="2"/>
+            <a:r>
+              <a:rPr lang="en-US" altLang="zh-CN" dirty="0"/>
+              <a:t>MIDI is a technical standard that describes a communications protocol, digital interface, and electrical connectors and allows a wide variety of electrical musical instruments, computers and other related music and audio devices to connect and communicate with on another. </a:t>
+            </a:r>
+          </a:p>
+          <a:p>
+            <a:pPr lvl="1"/>
+            <a:r>
+              <a:rPr lang="en-US" altLang="zh-CN" dirty="0"/>
+              <a:t>MMA</a:t>
+            </a:r>
+            <a:r>
+              <a:rPr lang="zh-CN" altLang="en-US" dirty="0"/>
+              <a:t>协会发展，推广和保护</a:t>
+            </a:r>
+            <a:r>
+              <a:rPr lang="en-US" altLang="zh-CN" dirty="0"/>
+              <a:t>MIDI</a:t>
+            </a:r>
+            <a:r>
+              <a:rPr lang="zh-CN" altLang="en-US" dirty="0"/>
+              <a:t>技术；定义</a:t>
+            </a:r>
+            <a:r>
+              <a:rPr lang="en-US" altLang="zh-CN" dirty="0"/>
+              <a:t>MIDI</a:t>
+            </a:r>
+            <a:r>
+              <a:rPr lang="zh-CN" altLang="en-US" dirty="0"/>
+              <a:t>规范；</a:t>
+            </a:r>
+            <a:endParaRPr lang="en-US" altLang="zh-CN" dirty="0"/>
+          </a:p>
+          <a:p>
+            <a:pPr lvl="2"/>
+            <a:r>
+              <a:rPr lang="en-US" altLang="zh-CN" dirty="0"/>
+              <a:t>MIDI</a:t>
+            </a:r>
+            <a:r>
+              <a:rPr lang="zh-CN" altLang="en-US" dirty="0"/>
+              <a:t> </a:t>
+            </a:r>
+            <a:r>
+              <a:rPr lang="en-US" altLang="zh-CN" dirty="0"/>
+              <a:t>Manufactures Association (MMA): The MMA is responsible for the development, promotion, and protection of MIDI technology.</a:t>
+            </a:r>
+            <a:r>
+              <a:rPr lang="zh-CN" altLang="en-US" dirty="0"/>
+              <a:t> </a:t>
+            </a:r>
+            <a:endParaRPr lang="en-US" altLang="zh-CN" dirty="0"/>
+          </a:p>
+          <a:p>
+            <a:r>
+              <a:rPr lang="en-US" altLang="zh-CN" dirty="0"/>
+              <a:t> MIDI</a:t>
+            </a:r>
+            <a:r>
+              <a:rPr lang="zh-CN" altLang="en-US" dirty="0"/>
+              <a:t>规范</a:t>
+            </a:r>
+            <a:endParaRPr lang="en-US" altLang="zh-CN" dirty="0"/>
+          </a:p>
+          <a:p>
+            <a:pPr lvl="1"/>
+            <a:r>
+              <a:rPr lang="en-US" altLang="zh-CN" dirty="0"/>
+              <a:t>MIDI</a:t>
+            </a:r>
+            <a:r>
+              <a:rPr lang="zh-CN" altLang="en-US" dirty="0"/>
+              <a:t>电子规范和通讯协议；</a:t>
+            </a:r>
+            <a:endParaRPr lang="en-US" altLang="zh-CN" dirty="0"/>
+          </a:p>
+          <a:p>
+            <a:pPr lvl="2"/>
+            <a:r>
+              <a:rPr lang="en-US" altLang="zh-CN" sz="1200" dirty="0"/>
+              <a:t>MIDI</a:t>
+            </a:r>
+            <a:r>
+              <a:rPr lang="zh-CN" altLang="en-US" sz="1200" dirty="0"/>
+              <a:t> </a:t>
+            </a:r>
+            <a:r>
+              <a:rPr lang="en-US" altLang="zh-CN" sz="1200" dirty="0"/>
+              <a:t>1.0</a:t>
+            </a:r>
+            <a:r>
+              <a:rPr lang="zh-CN" altLang="en-US" sz="1200" dirty="0"/>
+              <a:t> </a:t>
+            </a:r>
+            <a:r>
+              <a:rPr lang="en-US" altLang="zh-CN" sz="1200" dirty="0"/>
+              <a:t>Detailed Specification (Electrical Specification and Protocol) </a:t>
+            </a:r>
+          </a:p>
+          <a:p>
+            <a:pPr lvl="1"/>
+            <a:r>
+              <a:rPr lang="en-US" altLang="zh-CN" dirty="0"/>
+              <a:t>General</a:t>
+            </a:r>
+            <a:r>
+              <a:rPr lang="zh-CN" altLang="en-US" dirty="0"/>
+              <a:t> </a:t>
+            </a:r>
+            <a:r>
+              <a:rPr lang="en-US" altLang="zh-CN" dirty="0"/>
+              <a:t>MIDI</a:t>
+            </a:r>
+            <a:r>
+              <a:rPr lang="zh-CN" altLang="en-US" dirty="0"/>
+              <a:t> </a:t>
+            </a:r>
+            <a:r>
+              <a:rPr lang="en-US" altLang="zh-CN" dirty="0"/>
+              <a:t>1</a:t>
+            </a:r>
+            <a:r>
+              <a:rPr lang="zh-CN" altLang="en-US" dirty="0"/>
+              <a:t>开发向导和标准；</a:t>
+            </a:r>
+            <a:endParaRPr lang="en-US" altLang="zh-CN" dirty="0"/>
+          </a:p>
+          <a:p>
+            <a:pPr lvl="2"/>
+            <a:r>
+              <a:rPr lang="en-US" altLang="zh-CN" sz="1300" dirty="0"/>
+              <a:t>General MIDI 1 (including GM Developer Guidelines)</a:t>
+            </a:r>
+          </a:p>
+          <a:p>
+            <a:pPr lvl="1"/>
+            <a:r>
+              <a:rPr lang="zh-CN" altLang="en-US" dirty="0"/>
+              <a:t>标准</a:t>
+            </a:r>
+            <a:r>
+              <a:rPr lang="en-US" altLang="zh-CN" dirty="0"/>
+              <a:t>MIDI</a:t>
+            </a:r>
+            <a:r>
+              <a:rPr lang="zh-CN" altLang="en-US" dirty="0"/>
+              <a:t>文件规范；</a:t>
+            </a:r>
+            <a:endParaRPr lang="en-US" altLang="zh-CN" dirty="0"/>
+          </a:p>
+          <a:p>
+            <a:pPr lvl="2"/>
+            <a:r>
+              <a:rPr lang="en-US" altLang="zh-CN" sz="1300" dirty="0"/>
+              <a:t>Standard</a:t>
+            </a:r>
+            <a:r>
+              <a:rPr lang="zh-CN" altLang="en-US" sz="1300" dirty="0"/>
+              <a:t> </a:t>
+            </a:r>
+            <a:r>
+              <a:rPr lang="en-US" altLang="zh-CN" sz="1300" dirty="0"/>
+              <a:t>MIDI</a:t>
+            </a:r>
+            <a:r>
+              <a:rPr lang="zh-CN" altLang="en-US" sz="1300" dirty="0"/>
+              <a:t> </a:t>
+            </a:r>
+            <a:r>
+              <a:rPr lang="en-US" altLang="zh-CN" sz="1300" dirty="0"/>
+              <a:t>Files</a:t>
+            </a:r>
+          </a:p>
+          <a:p>
+            <a:pPr lvl="1"/>
+            <a:r>
+              <a:rPr lang="en-US" altLang="zh-CN" dirty="0"/>
+              <a:t>MIDI</a:t>
+            </a:r>
+            <a:r>
+              <a:rPr lang="zh-CN" altLang="en-US" dirty="0"/>
+              <a:t>机器控制规范；</a:t>
+            </a:r>
+            <a:endParaRPr lang="en-US" altLang="zh-CN" dirty="0"/>
+          </a:p>
+          <a:p>
+            <a:pPr lvl="2"/>
+            <a:r>
+              <a:rPr lang="en-US" altLang="zh-CN" sz="1300" dirty="0"/>
+              <a:t>MIDI Machine Control</a:t>
+            </a:r>
+          </a:p>
+          <a:p>
+            <a:pPr lvl="1"/>
+            <a:r>
+              <a:rPr lang="en-US" altLang="zh-CN" dirty="0"/>
+              <a:t>MIDI</a:t>
+            </a:r>
+            <a:r>
+              <a:rPr lang="zh-CN" altLang="en-US" dirty="0"/>
+              <a:t>时间码规范</a:t>
+            </a:r>
+            <a:endParaRPr lang="en-US" altLang="zh-CN" dirty="0"/>
+          </a:p>
+          <a:p>
+            <a:pPr lvl="2"/>
+            <a:r>
+              <a:rPr lang="en-US" altLang="zh-CN" sz="1300" dirty="0"/>
+              <a:t>MIDI Time Code</a:t>
+            </a:r>
+          </a:p>
+          <a:p>
+            <a:pPr lvl="1"/>
+            <a:endParaRPr lang="en-US" dirty="0"/>
+          </a:p>
+        </p:txBody>
+      </p:sp>
+    </p:spTree>
+    <p:extLst>
+      <p:ext uri="{BB962C8B-B14F-4D97-AF65-F5344CB8AC3E}">
+        <p14:creationId xmlns:p14="http://schemas.microsoft.com/office/powerpoint/2010/main" val="2129636858"/>
+      </p:ext>
+    </p:extLst>
+  </p:cSld>
+  <p:clrMapOvr>
+    <a:masterClrMapping/>
+  </p:clrMapOvr>
+  <p:timing>
+    <p:tnLst>
+      <p:par>
+        <p:cTn id="1" dur="indefinite" restart="never" nodeType="tmRoot"/>
+      </p:par>
+    </p:tnLst>
+  </p:timing>
+</p:sld>
+</file>
+
+<file path=ppt/slides/slide11.xml><?xml version="1.0" encoding="utf-8"?>
+<p:sld xmlns:a="http://schemas.openxmlformats.org/drawingml/2006/main" xmlns:r="http://schemas.openxmlformats.org/officeDocument/2006/relationships" xmlns:p="http://schemas.openxmlformats.org/presentationml/2006/main">
+  <p:cSld>
+    <p:bg>
+      <p:bgPr>
+        <a:blipFill dpi="0" rotWithShape="1">
+          <a:blip r:embed="rId2">
+            <a:lum/>
+          </a:blip>
+          <a:srcRect/>
+          <a:stretch>
+            <a:fillRect t="-17000" b="-17000"/>
+          </a:stretch>
+        </a:blipFill>
+        <a:effectLst/>
+      </p:bgPr>
+    </p:bg>
+    <p:spTree>
+      <p:nvGrpSpPr>
+        <p:cNvPr id="1" name=""/>
+        <p:cNvGrpSpPr/>
+        <p:nvPr/>
+      </p:nvGrpSpPr>
+      <p:grpSpPr>
+        <a:xfrm>
+          <a:off x="0" y="0"/>
+          <a:ext cx="0" cy="0"/>
+          <a:chOff x="0" y="0"/>
+          <a:chExt cx="0" cy="0"/>
+        </a:xfrm>
+      </p:grpSpPr>
+      <p:sp>
+        <p:nvSpPr>
+          <p:cNvPr id="2" name="Title 1"/>
+          <p:cNvSpPr>
+            <a:spLocks noGrp="1"/>
+          </p:cNvSpPr>
+          <p:nvPr>
+            <p:ph type="title"/>
+          </p:nvPr>
+        </p:nvSpPr>
+        <p:spPr/>
+        <p:txBody>
+          <a:bodyPr/>
+          <a:lstStyle/>
+          <a:p>
+            <a:r>
               <a:rPr lang="en-US" altLang="zh-CN" dirty="0"/>
               <a:t>MIDI</a:t>
             </a:r>
@@ -7092,7 +7726,7 @@
 </p:sld>
 </file>
 
-<file path=ppt/slides/slide11.xml><?xml version="1.0" encoding="utf-8"?>
+<file path=ppt/slides/slide12.xml><?xml version="1.0" encoding="utf-8"?>
 <p:sld xmlns:a="http://schemas.openxmlformats.org/drawingml/2006/main" xmlns:r="http://schemas.openxmlformats.org/officeDocument/2006/relationships" xmlns:p="http://schemas.openxmlformats.org/presentationml/2006/main">
   <p:cSld>
     <p:bg>
@@ -7304,7 +7938,7 @@
 </p:sld>
 </file>
 
-<file path=ppt/slides/slide12.xml><?xml version="1.0" encoding="utf-8"?>
+<file path=ppt/slides/slide13.xml><?xml version="1.0" encoding="utf-8"?>
 <p:sld xmlns:a="http://schemas.openxmlformats.org/drawingml/2006/main" xmlns:r="http://schemas.openxmlformats.org/officeDocument/2006/relationships" xmlns:p="http://schemas.openxmlformats.org/presentationml/2006/main">
   <p:cSld>
     <p:bg>
@@ -7473,7 +8107,7 @@
 </p:sld>
 </file>
 
-<file path=ppt/slides/slide13.xml><?xml version="1.0" encoding="utf-8"?>
+<file path=ppt/slides/slide14.xml><?xml version="1.0" encoding="utf-8"?>
 <p:sld xmlns:a="http://schemas.openxmlformats.org/drawingml/2006/main" xmlns:r="http://schemas.openxmlformats.org/officeDocument/2006/relationships" xmlns:p="http://schemas.openxmlformats.org/presentationml/2006/main">
   <p:cSld>
     <p:bg>
@@ -7631,7 +8265,7 @@
 </p:sld>
 </file>
 
-<file path=ppt/slides/slide14.xml><?xml version="1.0" encoding="utf-8"?>
+<file path=ppt/slides/slide15.xml><?xml version="1.0" encoding="utf-8"?>
 <p:sld xmlns:a="http://schemas.openxmlformats.org/drawingml/2006/main" xmlns:r="http://schemas.openxmlformats.org/officeDocument/2006/relationships" xmlns:p="http://schemas.openxmlformats.org/presentationml/2006/main">
   <p:cSld>
     <p:bg>
@@ -7799,7 +8433,7 @@
 </p:sld>
 </file>
 
-<file path=ppt/slides/slide15.xml><?xml version="1.0" encoding="utf-8"?>
+<file path=ppt/slides/slide16.xml><?xml version="1.0" encoding="utf-8"?>
 <p:sld xmlns:a="http://schemas.openxmlformats.org/drawingml/2006/main" xmlns:r="http://schemas.openxmlformats.org/officeDocument/2006/relationships" xmlns:p="http://schemas.openxmlformats.org/presentationml/2006/main">
   <p:cSld>
     <p:bg>
@@ -8043,42 +8677,325 @@
             <p:ph type="title"/>
           </p:nvPr>
         </p:nvSpPr>
-        <p:spPr/>
-        <p:txBody>
-          <a:bodyPr/>
-          <a:lstStyle/>
-          <a:p>
-            <a:r>
-              <a:rPr lang="zh-CN" altLang="en-US" dirty="0" smtClean="0">
+        <p:spPr>
+          <a:xfrm>
+            <a:off x="838200" y="791845"/>
+            <a:ext cx="10515600" cy="1325563"/>
+          </a:xfrm>
+        </p:spPr>
+        <p:txBody>
+          <a:bodyPr/>
+          <a:lstStyle/>
+          <a:p>
+            <a:r>
+              <a:rPr lang="en-US" altLang="zh-CN" dirty="0">
                 <a:latin typeface="幼圆" pitchFamily="49" charset="-122"/>
                 <a:ea typeface="幼圆" pitchFamily="49" charset="-122"/>
               </a:rPr>
-              <a:t>将来，你</a:t>
-            </a:r>
-            <a:r>
-              <a:rPr lang="zh-CN" altLang="en-US" dirty="0" smtClean="0">
+              <a:t>MIDI</a:t>
+            </a:r>
+            <a:r>
+              <a:rPr lang="zh-CN" altLang="en-US" dirty="0">
                 <a:latin typeface="幼圆" pitchFamily="49" charset="-122"/>
                 <a:ea typeface="幼圆" pitchFamily="49" charset="-122"/>
               </a:rPr>
-              <a:t>有可能是</a:t>
-            </a:r>
-            <a:r>
-              <a:rPr lang="zh-CN" altLang="en-US" dirty="0" smtClean="0">
+              <a:t>音乐介绍</a:t>
+            </a:r>
+            <a:endParaRPr lang="en-US" dirty="0">
+              <a:latin typeface="幼圆" pitchFamily="49" charset="-122"/>
+              <a:ea typeface="幼圆" pitchFamily="49" charset="-122"/>
+              <a:cs typeface="DejaVu Sans Light" pitchFamily="34" charset="0"/>
+            </a:endParaRPr>
+          </a:p>
+        </p:txBody>
+      </p:sp>
+      <p:sp>
+        <p:nvSpPr>
+          <p:cNvPr id="4" name="Content Placeholder 2"/>
+          <p:cNvSpPr>
+            <a:spLocks noGrp="1"/>
+          </p:cNvSpPr>
+          <p:nvPr>
+            <p:ph idx="1"/>
+          </p:nvPr>
+        </p:nvSpPr>
+        <p:spPr>
+          <a:xfrm>
+            <a:off x="838200" y="2313305"/>
+            <a:ext cx="10515600" cy="3559175"/>
+          </a:xfrm>
+        </p:spPr>
+        <p:txBody>
+          <a:bodyPr/>
+          <a:lstStyle/>
+          <a:p>
+            <a:pPr marL="0" indent="0">
+              <a:buNone/>
+            </a:pPr>
+            <a:r>
+              <a:rPr lang="zh-CN" altLang="en-US" sz="3600" dirty="0" smtClean="0">
+                <a:latin typeface="幼圆" pitchFamily="49" charset="-122"/>
+                <a:ea typeface="幼圆" pitchFamily="49" charset="-122"/>
+              </a:rPr>
+              <a:t>什么是</a:t>
+            </a:r>
+            <a:r>
+              <a:rPr lang="en-US" altLang="zh-CN" sz="3600" dirty="0" smtClean="0">
+                <a:latin typeface="幼圆" pitchFamily="49" charset="-122"/>
+                <a:ea typeface="幼圆" pitchFamily="49" charset="-122"/>
+              </a:rPr>
+              <a:t>MIDI</a:t>
+            </a:r>
+            <a:r>
+              <a:rPr lang="zh-CN" altLang="en-US" sz="3600" dirty="0" smtClean="0">
                 <a:latin typeface="幼圆" pitchFamily="49" charset="-122"/>
                 <a:ea typeface="幼圆" pitchFamily="49" charset="-122"/>
               </a:rPr>
               <a:t>？</a:t>
             </a:r>
+            <a:endParaRPr lang="en-US" altLang="zh-CN" sz="3600" dirty="0">
+              <a:latin typeface="幼圆" pitchFamily="49" charset="-122"/>
+              <a:ea typeface="幼圆" pitchFamily="49" charset="-122"/>
+            </a:endParaRPr>
+          </a:p>
+          <a:p>
+            <a:pPr marL="228600" lvl="1">
+              <a:spcBef>
+                <a:spcPts val="1000"/>
+              </a:spcBef>
+            </a:pPr>
+            <a:r>
+              <a:rPr lang="en-US" altLang="zh-CN" sz="3600" dirty="0">
+                <a:latin typeface="幼圆" pitchFamily="49" charset="-122"/>
+                <a:ea typeface="幼圆" pitchFamily="49" charset="-122"/>
+              </a:rPr>
+              <a:t>MIDI = Musical Instrument Digital </a:t>
+            </a:r>
+            <a:r>
+              <a:rPr lang="en-US" altLang="zh-CN" sz="3600" dirty="0" smtClean="0">
+                <a:latin typeface="幼圆" pitchFamily="49" charset="-122"/>
+                <a:ea typeface="幼圆" pitchFamily="49" charset="-122"/>
+              </a:rPr>
+              <a:t>Interface</a:t>
+            </a:r>
+            <a:r>
+              <a:rPr lang="zh-CN" altLang="en-US" sz="3600" dirty="0" smtClean="0">
+                <a:latin typeface="幼圆" pitchFamily="49" charset="-122"/>
+                <a:ea typeface="幼圆" pitchFamily="49" charset="-122"/>
+              </a:rPr>
+              <a:t>乐器</a:t>
+            </a:r>
+            <a:r>
+              <a:rPr lang="zh-CN" altLang="en-US" sz="3600" dirty="0">
+                <a:latin typeface="幼圆" pitchFamily="49" charset="-122"/>
+                <a:ea typeface="幼圆" pitchFamily="49" charset="-122"/>
+              </a:rPr>
+              <a:t>数字</a:t>
+            </a:r>
+            <a:r>
+              <a:rPr lang="zh-CN" altLang="en-US" sz="3600" dirty="0" smtClean="0">
+                <a:latin typeface="幼圆" pitchFamily="49" charset="-122"/>
+                <a:ea typeface="幼圆" pitchFamily="49" charset="-122"/>
+              </a:rPr>
+              <a:t>接口</a:t>
+            </a:r>
+            <a:endParaRPr lang="en-US" altLang="zh-CN" sz="3600" dirty="0" smtClean="0">
+              <a:latin typeface="幼圆" pitchFamily="49" charset="-122"/>
+              <a:ea typeface="幼圆" pitchFamily="49" charset="-122"/>
+            </a:endParaRPr>
+          </a:p>
+          <a:p>
+            <a:pPr marL="228600" lvl="1">
+              <a:spcBef>
+                <a:spcPts val="1000"/>
+              </a:spcBef>
+            </a:pPr>
+            <a:r>
+              <a:rPr lang="en-US" altLang="zh-CN" sz="3600" dirty="0" smtClean="0">
+                <a:latin typeface="幼圆" pitchFamily="49" charset="-122"/>
+                <a:ea typeface="幼圆" pitchFamily="49" charset="-122"/>
+              </a:rPr>
+              <a:t>MIDI</a:t>
+            </a:r>
+            <a:r>
+              <a:rPr lang="zh-CN" altLang="en-US" sz="3600" dirty="0">
+                <a:latin typeface="幼圆" pitchFamily="49" charset="-122"/>
+                <a:ea typeface="幼圆" pitchFamily="49" charset="-122"/>
+              </a:rPr>
+              <a:t>是编曲界最广泛的音乐标准格式，可称为“计算机能理解的乐谱</a:t>
+            </a:r>
+            <a:r>
+              <a:rPr lang="zh-CN" altLang="en-US" sz="3600" dirty="0" smtClean="0">
+                <a:latin typeface="幼圆" pitchFamily="49" charset="-122"/>
+                <a:ea typeface="幼圆" pitchFamily="49" charset="-122"/>
+              </a:rPr>
+              <a:t>”</a:t>
+            </a:r>
+            <a:r>
+              <a:rPr lang="zh-CN" altLang="en-US" sz="2800" dirty="0" smtClean="0">
+                <a:latin typeface="幼圆" pitchFamily="49" charset="-122"/>
+                <a:ea typeface="幼圆" pitchFamily="49" charset="-122"/>
+              </a:rPr>
+              <a:t>。</a:t>
+            </a:r>
+            <a:endParaRPr lang="en-US" altLang="zh-CN" sz="2800" dirty="0">
+              <a:latin typeface="幼圆" pitchFamily="49" charset="-122"/>
+              <a:ea typeface="幼圆" pitchFamily="49" charset="-122"/>
+            </a:endParaRPr>
+          </a:p>
+          <a:p>
+            <a:endParaRPr lang="en-US" dirty="0"/>
+          </a:p>
+        </p:txBody>
+      </p:sp>
+      <p:pic>
+        <p:nvPicPr>
+          <p:cNvPr id="2051" name="Picture 3"/>
+          <p:cNvPicPr>
+            <a:picLocks noChangeAspect="1" noChangeArrowheads="1"/>
+          </p:cNvPicPr>
+          <p:nvPr/>
+        </p:nvPicPr>
+        <p:blipFill>
+          <a:blip r:embed="rId4">
+            <a:extLst>
+              <a:ext uri="{28A0092B-C50C-407E-A947-70E740481C1C}">
+                <a14:useLocalDpi xmlns:a14="http://schemas.microsoft.com/office/drawing/2010/main" val="0"/>
+              </a:ext>
+            </a:extLst>
+          </a:blip>
+          <a:srcRect/>
+          <a:stretch>
+            <a:fillRect/>
+          </a:stretch>
+        </p:blipFill>
+        <p:spPr bwMode="auto">
+          <a:xfrm>
+            <a:off x="7179310" y="608965"/>
+            <a:ext cx="3956050" cy="2366794"/>
+          </a:xfrm>
+          <a:prstGeom prst="rect">
+            <a:avLst/>
+          </a:prstGeom>
+          <a:noFill/>
+          <a:ln>
+            <a:noFill/>
+          </a:ln>
+          <a:effectLst/>
+          <a:extLst>
+            <a:ext uri="{909E8E84-426E-40DD-AFC4-6F175D3DCCD1}">
+              <a14:hiddenFill xmlns:a14="http://schemas.microsoft.com/office/drawing/2010/main">
+                <a:solidFill>
+                  <a:schemeClr val="accent1"/>
+                </a:solidFill>
+              </a14:hiddenFill>
+            </a:ext>
+            <a:ext uri="{91240B29-F687-4F45-9708-019B960494DF}">
+              <a14:hiddenLine xmlns:a14="http://schemas.microsoft.com/office/drawing/2010/main" w="9525">
+                <a:solidFill>
+                  <a:schemeClr val="tx1"/>
+                </a:solidFill>
+                <a:miter lim="800000"/>
+                <a:headEnd/>
+                <a:tailEnd/>
+              </a14:hiddenLine>
+            </a:ext>
+            <a:ext uri="{AF507438-7753-43E0-B8FC-AC1667EBCBE1}">
+              <a14:hiddenEffects xmlns:a14="http://schemas.microsoft.com/office/drawing/2010/main">
+                <a:effectLst>
+                  <a:outerShdw dist="35921" dir="2700000" algn="ctr" rotWithShape="0">
+                    <a:schemeClr val="bg2"/>
+                  </a:outerShdw>
+                </a:effectLst>
+              </a14:hiddenEffects>
+            </a:ext>
+          </a:extLst>
+        </p:spPr>
+      </p:pic>
+    </p:spTree>
+    <p:extLst>
+      <p:ext uri="{BB962C8B-B14F-4D97-AF65-F5344CB8AC3E}">
+        <p14:creationId xmlns:p14="http://schemas.microsoft.com/office/powerpoint/2010/main" val="1186502112"/>
+      </p:ext>
+    </p:extLst>
+  </p:cSld>
+  <p:clrMapOvr>
+    <a:masterClrMapping/>
+  </p:clrMapOvr>
+  <p:timing>
+    <p:tnLst>
+      <p:par>
+        <p:cTn id="1" dur="indefinite" restart="never" nodeType="tmRoot"/>
+      </p:par>
+    </p:tnLst>
+  </p:timing>
+</p:sld>
+</file>
+
+<file path=ppt/slides/slide3.xml><?xml version="1.0" encoding="utf-8"?>
+<p:sld xmlns:a="http://schemas.openxmlformats.org/drawingml/2006/main" xmlns:r="http://schemas.openxmlformats.org/officeDocument/2006/relationships" xmlns:p="http://schemas.openxmlformats.org/presentationml/2006/main">
+  <p:cSld>
+    <p:bg>
+      <p:bgPr>
+        <a:blipFill dpi="0" rotWithShape="1">
+          <a:blip r:embed="rId3">
+            <a:lum/>
+          </a:blip>
+          <a:srcRect/>
+          <a:stretch>
+            <a:fillRect t="-17000" b="-17000"/>
+          </a:stretch>
+        </a:blipFill>
+        <a:effectLst/>
+      </p:bgPr>
+    </p:bg>
+    <p:spTree>
+      <p:nvGrpSpPr>
+        <p:cNvPr id="1" name=""/>
+        <p:cNvGrpSpPr/>
+        <p:nvPr/>
+      </p:nvGrpSpPr>
+      <p:grpSpPr>
+        <a:xfrm>
+          <a:off x="0" y="0"/>
+          <a:ext cx="0" cy="0"/>
+          <a:chOff x="0" y="0"/>
+          <a:chExt cx="0" cy="0"/>
+        </a:xfrm>
+      </p:grpSpPr>
+      <p:sp>
+        <p:nvSpPr>
+          <p:cNvPr id="2" name="Title 1"/>
+          <p:cNvSpPr>
+            <a:spLocks noGrp="1"/>
+          </p:cNvSpPr>
+          <p:nvPr>
+            <p:ph type="title"/>
+          </p:nvPr>
+        </p:nvSpPr>
+        <p:spPr/>
+        <p:txBody>
+          <a:bodyPr/>
+          <a:lstStyle/>
+          <a:p>
+            <a:r>
+              <a:rPr lang="zh-CN" altLang="en-US" dirty="0">
+                <a:latin typeface="幼圆" pitchFamily="49" charset="-122"/>
+                <a:ea typeface="幼圆" pitchFamily="49" charset="-122"/>
+              </a:rPr>
+              <a:t>将来，你有可能是？</a:t>
+            </a:r>
             <a:endParaRPr lang="en-US" dirty="0">
               <a:latin typeface="幼圆" pitchFamily="49" charset="-122"/>
               <a:ea typeface="幼圆" pitchFamily="49" charset="-122"/>
+              <a:cs typeface="DejaVu Sans Light" pitchFamily="34" charset="0"/>
             </a:endParaRPr>
           </a:p>
         </p:txBody>
       </p:sp>
       <p:sp>
         <p:nvSpPr>
-          <p:cNvPr id="3" name="Content Placeholder 2"/>
+          <p:cNvPr id="6" name="Content Placeholder 2"/>
           <p:cNvSpPr>
             <a:spLocks noGrp="1"/>
           </p:cNvSpPr>
@@ -8148,7 +9065,7 @@
       </p:sp>
       <p:sp>
         <p:nvSpPr>
-          <p:cNvPr id="4" name="Content Placeholder 2"/>
+          <p:cNvPr id="7" name="Content Placeholder 2"/>
           <p:cNvSpPr txBox="1">
             <a:spLocks/>
           </p:cNvSpPr>
@@ -8358,7 +9275,7 @@
       </p:sp>
       <p:pic>
         <p:nvPicPr>
-          <p:cNvPr id="5" name="图片 4"/>
+          <p:cNvPr id="8" name="图片 7"/>
           <p:cNvPicPr>
             <a:picLocks noChangeAspect="1"/>
           </p:cNvPicPr>
@@ -8378,7 +9295,7 @@
         </p:blipFill>
         <p:spPr>
           <a:xfrm>
-            <a:off x="6634480" y="1264920"/>
+            <a:off x="6634480" y="1361440"/>
             <a:ext cx="4572000" cy="2743200"/>
           </a:xfrm>
           <a:prstGeom prst="rect">
@@ -8389,136 +9306,7 @@
     </p:spTree>
     <p:extLst>
       <p:ext uri="{BB962C8B-B14F-4D97-AF65-F5344CB8AC3E}">
-        <p14:creationId xmlns:p14="http://schemas.microsoft.com/office/powerpoint/2010/main" val="909642846"/>
-      </p:ext>
-    </p:extLst>
-  </p:cSld>
-  <p:clrMapOvr>
-    <a:masterClrMapping/>
-  </p:clrMapOvr>
-  <p:timing>
-    <p:tnLst>
-      <p:par>
-        <p:cTn id="1" dur="indefinite" restart="never" nodeType="tmRoot"/>
-      </p:par>
-    </p:tnLst>
-  </p:timing>
-</p:sld>
-</file>
-
-<file path=ppt/slides/slide3.xml><?xml version="1.0" encoding="utf-8"?>
-<p:sld xmlns:a="http://schemas.openxmlformats.org/drawingml/2006/main" xmlns:r="http://schemas.openxmlformats.org/officeDocument/2006/relationships" xmlns:p="http://schemas.openxmlformats.org/presentationml/2006/main">
-  <p:cSld>
-    <p:bg>
-      <p:bgPr>
-        <a:blipFill dpi="0" rotWithShape="1">
-          <a:blip r:embed="rId3">
-            <a:lum/>
-          </a:blip>
-          <a:srcRect/>
-          <a:stretch>
-            <a:fillRect t="-17000" b="-17000"/>
-          </a:stretch>
-        </a:blipFill>
-        <a:effectLst/>
-      </p:bgPr>
-    </p:bg>
-    <p:spTree>
-      <p:nvGrpSpPr>
-        <p:cNvPr id="1" name=""/>
-        <p:cNvGrpSpPr/>
-        <p:nvPr/>
-      </p:nvGrpSpPr>
-      <p:grpSpPr>
-        <a:xfrm>
-          <a:off x="0" y="0"/>
-          <a:ext cx="0" cy="0"/>
-          <a:chOff x="0" y="0"/>
-          <a:chExt cx="0" cy="0"/>
-        </a:xfrm>
-      </p:grpSpPr>
-      <p:sp>
-        <p:nvSpPr>
-          <p:cNvPr id="2" name="Title 1"/>
-          <p:cNvSpPr>
-            <a:spLocks noGrp="1"/>
-          </p:cNvSpPr>
-          <p:nvPr>
-            <p:ph type="ctrTitle"/>
-          </p:nvPr>
-        </p:nvSpPr>
-        <p:spPr/>
-        <p:txBody>
-          <a:bodyPr>
-            <a:normAutofit/>
-          </a:bodyPr>
-          <a:lstStyle/>
-          <a:p>
-            <a:r>
-              <a:rPr lang="en-US" sz="8000" dirty="0">
-                <a:latin typeface="幼圆" pitchFamily="49" charset="-122"/>
-                <a:ea typeface="幼圆" pitchFamily="49" charset="-122"/>
-              </a:rPr>
-              <a:t>MIDI</a:t>
-            </a:r>
-            <a:r>
-              <a:rPr lang="zh-CN" altLang="en-US" sz="8000" dirty="0">
-                <a:latin typeface="幼圆" pitchFamily="49" charset="-122"/>
-                <a:ea typeface="幼圆" pitchFamily="49" charset="-122"/>
-              </a:rPr>
-              <a:t>音乐介绍</a:t>
-            </a:r>
-            <a:endParaRPr lang="en-US" sz="8000" dirty="0">
-              <a:latin typeface="幼圆" pitchFamily="49" charset="-122"/>
-              <a:ea typeface="幼圆" pitchFamily="49" charset="-122"/>
-            </a:endParaRPr>
-          </a:p>
-        </p:txBody>
-      </p:sp>
-      <p:sp>
-        <p:nvSpPr>
-          <p:cNvPr id="3" name="Subtitle 2"/>
-          <p:cNvSpPr>
-            <a:spLocks noGrp="1"/>
-          </p:cNvSpPr>
-          <p:nvPr>
-            <p:ph type="subTitle" idx="1"/>
-          </p:nvPr>
-        </p:nvSpPr>
-        <p:spPr>
-          <a:xfrm>
-            <a:off x="1696452" y="4463716"/>
-            <a:ext cx="8971547" cy="794084"/>
-          </a:xfrm>
-        </p:spPr>
-        <p:txBody>
-          <a:bodyPr/>
-          <a:lstStyle/>
-          <a:p>
-            <a:r>
-              <a:rPr lang="zh-CN" altLang="en-US" dirty="0" smtClean="0"/>
-              <a:t>三 </a:t>
-            </a:r>
-            <a:r>
-              <a:rPr lang="zh-CN" altLang="en-US" dirty="0"/>
-              <a:t>（</a:t>
-            </a:r>
-            <a:r>
-              <a:rPr lang="en-US" altLang="zh-CN" dirty="0"/>
-              <a:t>5</a:t>
-            </a:r>
-            <a:r>
-              <a:rPr lang="zh-CN" altLang="en-US" dirty="0"/>
-              <a:t>）班家长课堂</a:t>
-            </a:r>
-            <a:endParaRPr lang="en-US" dirty="0"/>
-          </a:p>
-        </p:txBody>
-      </p:sp>
-    </p:spTree>
-    <p:extLst>
-      <p:ext uri="{BB962C8B-B14F-4D97-AF65-F5344CB8AC3E}">
-        <p14:creationId xmlns:p14="http://schemas.microsoft.com/office/powerpoint/2010/main" val="645752769"/>
+        <p14:creationId xmlns:p14="http://schemas.microsoft.com/office/powerpoint/2010/main" val="151919584"/>
       </p:ext>
     </p:extLst>
   </p:cSld>
@@ -8582,79 +9370,31 @@
           <a:lstStyle/>
           <a:p>
             <a:r>
+              <a:rPr lang="en-US" altLang="zh-CN" dirty="0"/>
+              <a:t> MIDI</a:t>
+            </a:r>
+            <a:r>
               <a:rPr lang="zh-CN" altLang="en-US" dirty="0"/>
-              <a:t>什么是</a:t>
-            </a:r>
-            <a:r>
-              <a:rPr lang="en-US" altLang="zh-CN" dirty="0"/>
-              <a:t>MIDI</a:t>
-            </a:r>
-            <a:r>
-              <a:rPr lang="zh-CN" altLang="en-US" dirty="0" smtClean="0"/>
-              <a:t>音乐？</a:t>
-            </a:r>
-            <a:r>
-              <a:rPr lang="en-US" altLang="zh-CN" dirty="0"/>
-              <a:t/>
-            </a:r>
-            <a:br>
-              <a:rPr lang="en-US" altLang="zh-CN" dirty="0"/>
-            </a:br>
-            <a:r>
-              <a:rPr lang="en-US" altLang="zh-CN" dirty="0"/>
-              <a:t> </a:t>
-            </a:r>
-            <a:r>
-              <a:rPr lang="en-US" altLang="zh-CN" sz="2400" dirty="0"/>
-              <a:t>MIDI</a:t>
-            </a:r>
-            <a:r>
-              <a:rPr lang="zh-CN" altLang="en-US" sz="2400" dirty="0"/>
               <a:t>音乐设备</a:t>
             </a:r>
-            <a:endParaRPr lang="en-US" sz="2400" dirty="0"/>
+            <a:endParaRPr lang="en-US" dirty="0">
+              <a:latin typeface="幼圆" pitchFamily="49" charset="-122"/>
+              <a:ea typeface="幼圆" pitchFamily="49" charset="-122"/>
+              <a:cs typeface="DejaVu Sans Light" pitchFamily="34" charset="0"/>
+            </a:endParaRPr>
           </a:p>
         </p:txBody>
       </p:sp>
       <p:pic>
         <p:nvPicPr>
-          <p:cNvPr id="4" name="Content Placeholder 3"/>
-          <p:cNvPicPr>
-            <a:picLocks noGrp="1" noChangeAspect="1"/>
-          </p:cNvPicPr>
-          <p:nvPr>
-            <p:ph idx="1"/>
-          </p:nvPr>
-        </p:nvPicPr>
-        <p:blipFill>
-          <a:blip r:embed="rId4">
-            <a:extLst>
-              <a:ext uri="{28A0092B-C50C-407E-A947-70E740481C1C}">
-                <a14:useLocalDpi xmlns:a14="http://schemas.microsoft.com/office/drawing/2010/main" val="0"/>
-              </a:ext>
-            </a:extLst>
-          </a:blip>
-          <a:stretch>
-            <a:fillRect/>
-          </a:stretch>
-        </p:blipFill>
-        <p:spPr>
-          <a:xfrm>
-            <a:off x="5390128" y="1039483"/>
-            <a:ext cx="3380780" cy="1095373"/>
-          </a:xfrm>
-        </p:spPr>
-      </p:pic>
-      <p:pic>
-        <p:nvPicPr>
-          <p:cNvPr id="5" name="Picture 4"/>
+          <p:cNvPr id="4" name="Picture 4"/>
           <p:cNvPicPr>
             <a:picLocks noChangeAspect="1"/>
           </p:cNvPicPr>
           <p:nvPr/>
         </p:nvPicPr>
         <p:blipFill>
-          <a:blip r:embed="rId5">
+          <a:blip r:embed="rId4">
             <a:extLst>
               <a:ext uri="{28A0092B-C50C-407E-A947-70E740481C1C}">
                 <a14:useLocalDpi xmlns:a14="http://schemas.microsoft.com/office/drawing/2010/main" val="0"/>
@@ -8677,7 +9417,36 @@
       </p:pic>
       <p:pic>
         <p:nvPicPr>
-          <p:cNvPr id="6" name="Picture 5"/>
+          <p:cNvPr id="6" name="Content Placeholder 3"/>
+          <p:cNvPicPr>
+            <a:picLocks noGrp="1" noChangeAspect="1"/>
+          </p:cNvPicPr>
+          <p:nvPr>
+            <p:ph idx="1"/>
+          </p:nvPr>
+        </p:nvPicPr>
+        <p:blipFill>
+          <a:blip r:embed="rId5">
+            <a:extLst>
+              <a:ext uri="{28A0092B-C50C-407E-A947-70E740481C1C}">
+                <a14:useLocalDpi xmlns:a14="http://schemas.microsoft.com/office/drawing/2010/main" val="0"/>
+              </a:ext>
+            </a:extLst>
+          </a:blip>
+          <a:stretch>
+            <a:fillRect/>
+          </a:stretch>
+        </p:blipFill>
+        <p:spPr>
+          <a:xfrm>
+            <a:off x="7044501" y="1330797"/>
+            <a:ext cx="3380780" cy="1095373"/>
+          </a:xfrm>
+        </p:spPr>
+      </p:pic>
+      <p:pic>
+        <p:nvPicPr>
+          <p:cNvPr id="7" name="Picture 6"/>
           <p:cNvPicPr>
             <a:picLocks noChangeAspect="1"/>
           </p:cNvPicPr>
@@ -8697,8 +9466,8 @@
         </p:blipFill>
         <p:spPr>
           <a:xfrm>
-            <a:off x="7080518" y="2365046"/>
-            <a:ext cx="3452813" cy="2989150"/>
+            <a:off x="1493342" y="4047495"/>
+            <a:ext cx="3614966" cy="1265238"/>
           </a:xfrm>
           <a:prstGeom prst="rect">
             <a:avLst/>
@@ -8707,7 +9476,7 @@
       </p:pic>
       <p:pic>
         <p:nvPicPr>
-          <p:cNvPr id="7" name="Picture 6"/>
+          <p:cNvPr id="8" name="Picture 5"/>
           <p:cNvPicPr>
             <a:picLocks noChangeAspect="1"/>
           </p:cNvPicPr>
@@ -8727,8 +9496,8 @@
         </p:blipFill>
         <p:spPr>
           <a:xfrm>
-            <a:off x="2033955" y="3674398"/>
-            <a:ext cx="3614966" cy="1265238"/>
+            <a:off x="7044501" y="2893366"/>
+            <a:ext cx="3452813" cy="2989150"/>
           </a:xfrm>
           <a:prstGeom prst="rect">
             <a:avLst/>
@@ -8738,7 +9507,7 @@
     </p:spTree>
     <p:extLst>
       <p:ext uri="{BB962C8B-B14F-4D97-AF65-F5344CB8AC3E}">
-        <p14:creationId xmlns:p14="http://schemas.microsoft.com/office/powerpoint/2010/main" val="618931621"/>
+        <p14:creationId xmlns:p14="http://schemas.microsoft.com/office/powerpoint/2010/main" val="47361386"/>
       </p:ext>
     </p:extLst>
   </p:cSld>
@@ -8798,33 +9567,32 @@
         </p:nvSpPr>
         <p:spPr>
           <a:xfrm>
-            <a:off x="838200" y="186700"/>
-            <a:ext cx="10515600" cy="1208964"/>
+            <a:off x="838200" y="365125"/>
+            <a:ext cx="10515600" cy="1118235"/>
           </a:xfrm>
         </p:spPr>
         <p:txBody>
-          <a:bodyPr>
-            <a:normAutofit/>
-          </a:bodyPr>
-          <a:lstStyle/>
-          <a:p>
-            <a:r>
-              <a:rPr lang="zh-CN" altLang="en-US" sz="4000" dirty="0">
+          <a:bodyPr/>
+          <a:lstStyle/>
+          <a:p>
+            <a:r>
+              <a:rPr lang="zh-CN" altLang="en-US" dirty="0">
                 <a:latin typeface="幼圆" pitchFamily="49" charset="-122"/>
                 <a:ea typeface="幼圆" pitchFamily="49" charset="-122"/>
               </a:rPr>
               <a:t>计算机＋程序员＋音乐家创作音乐</a:t>
             </a:r>
-            <a:endParaRPr lang="en-US" sz="4000" dirty="0">
+            <a:endParaRPr lang="en-US" dirty="0">
               <a:latin typeface="幼圆" pitchFamily="49" charset="-122"/>
               <a:ea typeface="幼圆" pitchFamily="49" charset="-122"/>
+              <a:cs typeface="DejaVu Sans Light" pitchFamily="34" charset="0"/>
             </a:endParaRPr>
           </a:p>
         </p:txBody>
       </p:sp>
       <p:sp>
         <p:nvSpPr>
-          <p:cNvPr id="3" name="Content Placeholder 2"/>
+          <p:cNvPr id="4" name="Content Placeholder 2"/>
           <p:cNvSpPr>
             <a:spLocks noGrp="1"/>
           </p:cNvSpPr>
@@ -8834,157 +9602,160 @@
         </p:nvSpPr>
         <p:spPr>
           <a:xfrm>
-            <a:off x="838200" y="1395664"/>
-            <a:ext cx="9725526" cy="1218364"/>
+            <a:off x="838200" y="1541145"/>
+            <a:ext cx="10134600" cy="1872615"/>
           </a:xfrm>
         </p:spPr>
         <p:txBody>
           <a:bodyPr>
-            <a:normAutofit fontScale="92500" lnSpcReduction="20000"/>
+            <a:normAutofit fontScale="92500"/>
           </a:bodyPr>
           <a:lstStyle/>
           <a:p>
             <a:r>
-              <a:rPr lang="zh-CN" altLang="en-US" dirty="0">
+              <a:rPr lang="zh-CN" altLang="en-US" sz="3600" dirty="0">
                 <a:latin typeface="幼圆" pitchFamily="49" charset="-122"/>
                 <a:ea typeface="幼圆" pitchFamily="49" charset="-122"/>
               </a:rPr>
               <a:t>计算机＋</a:t>
             </a:r>
             <a:r>
-              <a:rPr lang="en-US" altLang="zh-CN" dirty="0">
+              <a:rPr lang="en-US" altLang="zh-CN" sz="3600" dirty="0">
                 <a:latin typeface="幼圆" pitchFamily="49" charset="-122"/>
                 <a:ea typeface="幼圆" pitchFamily="49" charset="-122"/>
               </a:rPr>
               <a:t>MIDI</a:t>
             </a:r>
             <a:r>
-              <a:rPr lang="zh-CN" altLang="en-US" dirty="0">
+              <a:rPr lang="zh-CN" altLang="en-US" sz="3600" dirty="0">
                 <a:latin typeface="幼圆" pitchFamily="49" charset="-122"/>
                 <a:ea typeface="幼圆" pitchFamily="49" charset="-122"/>
               </a:rPr>
               <a:t>设备：生成</a:t>
             </a:r>
             <a:r>
-              <a:rPr lang="en-US" altLang="zh-CN" dirty="0">
+              <a:rPr lang="en-US" altLang="zh-CN" sz="3600" dirty="0">
                 <a:latin typeface="幼圆" pitchFamily="49" charset="-122"/>
                 <a:ea typeface="幼圆" pitchFamily="49" charset="-122"/>
               </a:rPr>
               <a:t>MIDI</a:t>
             </a:r>
             <a:r>
-              <a:rPr lang="zh-CN" altLang="en-US" dirty="0">
+              <a:rPr lang="zh-CN" altLang="en-US" sz="3600" dirty="0">
                 <a:latin typeface="幼圆" pitchFamily="49" charset="-122"/>
                 <a:ea typeface="幼圆" pitchFamily="49" charset="-122"/>
               </a:rPr>
               <a:t>文件，控制</a:t>
             </a:r>
             <a:r>
-              <a:rPr lang="en-US" altLang="zh-CN" dirty="0">
+              <a:rPr lang="en-US" altLang="zh-CN" sz="3600" dirty="0">
                 <a:latin typeface="幼圆" pitchFamily="49" charset="-122"/>
                 <a:ea typeface="幼圆" pitchFamily="49" charset="-122"/>
               </a:rPr>
               <a:t>MIDI</a:t>
             </a:r>
             <a:r>
-              <a:rPr lang="zh-CN" altLang="en-US" dirty="0">
+              <a:rPr lang="zh-CN" altLang="en-US" sz="3600" dirty="0">
                 <a:latin typeface="幼圆" pitchFamily="49" charset="-122"/>
                 <a:ea typeface="幼圆" pitchFamily="49" charset="-122"/>
               </a:rPr>
               <a:t>文件</a:t>
             </a:r>
-            <a:endParaRPr lang="en-US" altLang="zh-CN" dirty="0">
+            <a:endParaRPr lang="en-US" altLang="zh-CN" sz="3600" dirty="0">
               <a:latin typeface="幼圆" pitchFamily="49" charset="-122"/>
               <a:ea typeface="幼圆" pitchFamily="49" charset="-122"/>
             </a:endParaRPr>
           </a:p>
           <a:p>
             <a:r>
-              <a:rPr lang="zh-CN" altLang="en-US" dirty="0">
+              <a:rPr lang="zh-CN" altLang="en-US" sz="3600" dirty="0">
                 <a:latin typeface="幼圆" pitchFamily="49" charset="-122"/>
                 <a:ea typeface="幼圆" pitchFamily="49" charset="-122"/>
               </a:rPr>
               <a:t>程序员：开发</a:t>
             </a:r>
             <a:r>
-              <a:rPr lang="en-US" altLang="zh-CN" dirty="0">
+              <a:rPr lang="en-US" altLang="zh-CN" sz="3600" dirty="0">
                 <a:latin typeface="幼圆" pitchFamily="49" charset="-122"/>
                 <a:ea typeface="幼圆" pitchFamily="49" charset="-122"/>
               </a:rPr>
               <a:t>MIDI</a:t>
             </a:r>
             <a:r>
-              <a:rPr lang="zh-CN" altLang="en-US" dirty="0">
+              <a:rPr lang="zh-CN" altLang="en-US" sz="3600" dirty="0">
                 <a:latin typeface="幼圆" pitchFamily="49" charset="-122"/>
                 <a:ea typeface="幼圆" pitchFamily="49" charset="-122"/>
               </a:rPr>
               <a:t>软件</a:t>
             </a:r>
-            <a:endParaRPr lang="en-US" altLang="zh-CN" dirty="0">
+            <a:endParaRPr lang="en-US" altLang="zh-CN" sz="3600" dirty="0">
               <a:latin typeface="幼圆" pitchFamily="49" charset="-122"/>
               <a:ea typeface="幼圆" pitchFamily="49" charset="-122"/>
             </a:endParaRPr>
           </a:p>
           <a:p>
             <a:r>
-              <a:rPr lang="zh-CN" altLang="en-US" dirty="0">
+              <a:rPr lang="zh-CN" altLang="en-US" sz="3600" dirty="0">
                 <a:latin typeface="幼圆" pitchFamily="49" charset="-122"/>
                 <a:ea typeface="幼圆" pitchFamily="49" charset="-122"/>
               </a:rPr>
               <a:t>音乐家：利用</a:t>
             </a:r>
             <a:r>
-              <a:rPr lang="en-US" altLang="zh-CN" dirty="0">
+              <a:rPr lang="en-US" altLang="zh-CN" sz="3600" dirty="0">
                 <a:latin typeface="幼圆" pitchFamily="49" charset="-122"/>
                 <a:ea typeface="幼圆" pitchFamily="49" charset="-122"/>
               </a:rPr>
               <a:t>MIDI</a:t>
             </a:r>
             <a:r>
-              <a:rPr lang="zh-CN" altLang="en-US" dirty="0">
+              <a:rPr lang="zh-CN" altLang="en-US" sz="3600" dirty="0">
                 <a:latin typeface="幼圆" pitchFamily="49" charset="-122"/>
                 <a:ea typeface="幼圆" pitchFamily="49" charset="-122"/>
               </a:rPr>
               <a:t>设备和</a:t>
             </a:r>
             <a:r>
-              <a:rPr lang="en-US" altLang="zh-CN" dirty="0">
+              <a:rPr lang="en-US" altLang="zh-CN" sz="3600" dirty="0">
                 <a:latin typeface="幼圆" pitchFamily="49" charset="-122"/>
                 <a:ea typeface="幼圆" pitchFamily="49" charset="-122"/>
               </a:rPr>
               <a:t>MIDI</a:t>
             </a:r>
             <a:r>
-              <a:rPr lang="zh-CN" altLang="en-US" dirty="0">
+              <a:rPr lang="zh-CN" altLang="en-US" sz="3600" dirty="0">
                 <a:latin typeface="幼圆" pitchFamily="49" charset="-122"/>
                 <a:ea typeface="幼圆" pitchFamily="49" charset="-122"/>
               </a:rPr>
               <a:t>软件生成</a:t>
             </a:r>
             <a:r>
-              <a:rPr lang="en-US" altLang="zh-CN" dirty="0">
+              <a:rPr lang="en-US" altLang="zh-CN" sz="3600" dirty="0">
                 <a:latin typeface="幼圆" pitchFamily="49" charset="-122"/>
                 <a:ea typeface="幼圆" pitchFamily="49" charset="-122"/>
               </a:rPr>
               <a:t>MIDI</a:t>
             </a:r>
             <a:r>
-              <a:rPr lang="zh-CN" altLang="en-US" dirty="0">
+              <a:rPr lang="zh-CN" altLang="en-US" sz="3600" dirty="0">
                 <a:latin typeface="幼圆" pitchFamily="49" charset="-122"/>
                 <a:ea typeface="幼圆" pitchFamily="49" charset="-122"/>
               </a:rPr>
               <a:t>音乐</a:t>
             </a:r>
-            <a:endParaRPr lang="en-US" dirty="0">
+            <a:endParaRPr lang="en-US" altLang="zh-CN" sz="3600" dirty="0">
               <a:latin typeface="幼圆" pitchFamily="49" charset="-122"/>
               <a:ea typeface="幼圆" pitchFamily="49" charset="-122"/>
             </a:endParaRPr>
           </a:p>
+          <a:p>
+            <a:endParaRPr lang="en-US" dirty="0"/>
+          </a:p>
         </p:txBody>
       </p:sp>
       <p:pic>
         <p:nvPicPr>
-          <p:cNvPr id="7" name="Picture 6"/>
+          <p:cNvPr id="5" name="Picture 6"/>
           <p:cNvPicPr>
             <a:picLocks noChangeAspect="1"/>
           </p:cNvPicPr>
@@ -9004,7 +9775,7 @@
         </p:blipFill>
         <p:spPr>
           <a:xfrm>
-            <a:off x="2646680" y="3116231"/>
+            <a:off x="3540760" y="3335227"/>
             <a:ext cx="4699958" cy="3239927"/>
           </a:xfrm>
           <a:prstGeom prst="rect">
@@ -9015,7 +9786,7 @@
     </p:spTree>
     <p:extLst>
       <p:ext uri="{BB962C8B-B14F-4D97-AF65-F5344CB8AC3E}">
-        <p14:creationId xmlns:p14="http://schemas.microsoft.com/office/powerpoint/2010/main" val="969620400"/>
+        <p14:creationId xmlns:p14="http://schemas.microsoft.com/office/powerpoint/2010/main" val="4091669626"/>
       </p:ext>
     </p:extLst>
   </p:cSld>
@@ -9065,13 +9836,7 @@
       </p:grpSpPr>
       <p:sp>
         <p:nvSpPr>
-          <p:cNvPr id="2" name="Title 1">
-            <a:extLst>
-              <a:ext uri="{FF2B5EF4-FFF2-40B4-BE49-F238E27FC236}">
-                <a16:creationId xmlns="" xmlns:a16="http://schemas.microsoft.com/office/drawing/2014/main" id="{0379B142-4CFB-4EB0-85C9-A53A24AA89AC}"/>
-              </a:ext>
-            </a:extLst>
-          </p:cNvPr>
+          <p:cNvPr id="2" name="Title 1"/>
           <p:cNvSpPr>
             <a:spLocks noGrp="1"/>
           </p:cNvSpPr>
@@ -9089,14 +9854,7 @@
                 <a:latin typeface="幼圆" pitchFamily="49" charset="-122"/>
                 <a:ea typeface="幼圆" pitchFamily="49" charset="-122"/>
               </a:rPr>
-              <a:t>常见</a:t>
-            </a:r>
-            <a:r>
-              <a:rPr lang="zh-CN" altLang="en-US" dirty="0" smtClean="0">
-                <a:latin typeface="幼圆" pitchFamily="49" charset="-122"/>
-                <a:ea typeface="幼圆" pitchFamily="49" charset="-122"/>
-              </a:rPr>
-              <a:t>的</a:t>
+              <a:t>常见的</a:t>
             </a:r>
             <a:r>
               <a:rPr lang="en-US" altLang="zh-CN" dirty="0">
@@ -9112,18 +9870,17 @@
               </a:rPr>
               <a:t>音乐工作室</a:t>
             </a:r>
-          </a:p>
-        </p:txBody>
-      </p:sp>
-      <p:sp>
-        <p:nvSpPr>
-          <p:cNvPr id="3" name="Content Placeholder 2">
-            <a:extLst>
-              <a:ext uri="{FF2B5EF4-FFF2-40B4-BE49-F238E27FC236}">
-                <a16:creationId xmlns="" xmlns:a16="http://schemas.microsoft.com/office/drawing/2014/main" id="{96D6517C-71A8-462C-AC8A-C9026883E9DE}"/>
-              </a:ext>
-            </a:extLst>
-          </p:cNvPr>
+            <a:endParaRPr lang="en-US" dirty="0">
+              <a:latin typeface="幼圆" pitchFamily="49" charset="-122"/>
+              <a:ea typeface="幼圆" pitchFamily="49" charset="-122"/>
+              <a:cs typeface="DejaVu Sans Light" pitchFamily="34" charset="0"/>
+            </a:endParaRPr>
+          </a:p>
+        </p:txBody>
+      </p:sp>
+      <p:sp>
+        <p:nvSpPr>
+          <p:cNvPr id="4" name="Content Placeholder 2"/>
           <p:cNvSpPr>
             <a:spLocks noGrp="1"/>
           </p:cNvSpPr>
@@ -9131,65 +9888,73 @@
             <p:ph idx="1"/>
           </p:nvPr>
         </p:nvSpPr>
-        <p:spPr/>
-        <p:txBody>
-          <a:bodyPr/>
-          <a:lstStyle/>
-          <a:p>
-            <a:r>
-              <a:rPr lang="zh-CN" altLang="en-US" dirty="0">
+        <p:spPr>
+          <a:xfrm>
+            <a:off x="838200" y="1825625"/>
+            <a:ext cx="10515600" cy="1913255"/>
+          </a:xfrm>
+        </p:spPr>
+        <p:txBody>
+          <a:bodyPr/>
+          <a:lstStyle/>
+          <a:p>
+            <a:r>
+              <a:rPr lang="zh-CN" altLang="en-US" sz="4000" dirty="0">
                 <a:latin typeface="幼圆" pitchFamily="49" charset="-122"/>
                 <a:ea typeface="幼圆" pitchFamily="49" charset="-122"/>
               </a:rPr>
               <a:t>小型</a:t>
             </a:r>
             <a:r>
-              <a:rPr lang="en-US" altLang="zh-CN" dirty="0">
+              <a:rPr lang="en-US" altLang="zh-CN" sz="4000" dirty="0">
                 <a:latin typeface="幼圆" pitchFamily="49" charset="-122"/>
                 <a:ea typeface="幼圆" pitchFamily="49" charset="-122"/>
               </a:rPr>
               <a:t>MIDI</a:t>
             </a:r>
             <a:r>
-              <a:rPr lang="zh-CN" altLang="en-US" dirty="0">
+              <a:rPr lang="zh-CN" altLang="en-US" sz="4000" dirty="0">
                 <a:latin typeface="幼圆" pitchFamily="49" charset="-122"/>
                 <a:ea typeface="幼圆" pitchFamily="49" charset="-122"/>
               </a:rPr>
               <a:t>音乐工作室</a:t>
             </a:r>
-            <a:endParaRPr lang="en-US" altLang="zh-CN" dirty="0">
+            <a:endParaRPr lang="en-US" altLang="zh-CN" sz="4000" dirty="0">
               <a:latin typeface="幼圆" pitchFamily="49" charset="-122"/>
               <a:ea typeface="幼圆" pitchFamily="49" charset="-122"/>
             </a:endParaRPr>
           </a:p>
           <a:p>
             <a:r>
-              <a:rPr lang="zh-CN" altLang="en-US" dirty="0">
+              <a:rPr lang="zh-CN" altLang="en-US" sz="4000" dirty="0">
                 <a:latin typeface="幼圆" pitchFamily="49" charset="-122"/>
                 <a:ea typeface="幼圆" pitchFamily="49" charset="-122"/>
               </a:rPr>
               <a:t>专业</a:t>
             </a:r>
             <a:r>
-              <a:rPr lang="en-US" altLang="zh-CN" dirty="0">
+              <a:rPr lang="en-US" altLang="zh-CN" sz="4000" dirty="0">
                 <a:latin typeface="幼圆" pitchFamily="49" charset="-122"/>
                 <a:ea typeface="幼圆" pitchFamily="49" charset="-122"/>
               </a:rPr>
               <a:t>MIDI</a:t>
             </a:r>
             <a:r>
-              <a:rPr lang="zh-CN" altLang="en-US" dirty="0">
+              <a:rPr lang="zh-CN" altLang="en-US" sz="4000" dirty="0">
                 <a:latin typeface="幼圆" pitchFamily="49" charset="-122"/>
                 <a:ea typeface="幼圆" pitchFamily="49" charset="-122"/>
               </a:rPr>
               <a:t>音乐工作室</a:t>
             </a:r>
           </a:p>
+          <a:p>
+            <a:endParaRPr lang="en-US" dirty="0"/>
+          </a:p>
         </p:txBody>
       </p:sp>
       <p:pic>
         <p:nvPicPr>
-          <p:cNvPr id="2050" name="Picture 2"/>
+          <p:cNvPr id="1027" name="Picture 3"/>
           <p:cNvPicPr>
             <a:picLocks noChangeAspect="1" noChangeArrowheads="1"/>
           </p:cNvPicPr>
@@ -9210,8 +9975,72 @@
         </p:blipFill>
         <p:spPr bwMode="auto">
           <a:xfrm>
-            <a:off x="650240" y="3544758"/>
-            <a:ext cx="8912543" cy="2471232"/>
+            <a:off x="5985510" y="2584768"/>
+            <a:ext cx="2781300" cy="3452812"/>
+          </a:xfrm>
+          <a:prstGeom prst="rect">
+            <a:avLst/>
+          </a:prstGeom>
+          <a:noFill/>
+          <a:ln>
+            <a:noFill/>
+          </a:ln>
+          <a:effectLst/>
+          <a:extLst>
+            <a:ext uri="{909E8E84-426E-40DD-AFC4-6F175D3DCCD1}">
+              <a14:hiddenFill xmlns:a14="http://schemas.microsoft.com/office/drawing/2010/main">
+                <a:solidFill>
+                  <a:schemeClr val="accent1"/>
+                </a:solidFill>
+              </a14:hiddenFill>
+            </a:ext>
+            <a:ext uri="{91240B29-F687-4F45-9708-019B960494DF}">
+              <a14:hiddenLine xmlns:a14="http://schemas.microsoft.com/office/drawing/2010/main" w="9525">
+                <a:solidFill>
+                  <a:schemeClr val="tx1"/>
+                </a:solidFill>
+                <a:miter lim="800000"/>
+                <a:headEnd/>
+                <a:tailEnd/>
+              </a14:hiddenLine>
+            </a:ext>
+            <a:ext uri="{AF507438-7753-43E0-B8FC-AC1667EBCBE1}">
+              <a14:hiddenEffects xmlns:a14="http://schemas.microsoft.com/office/drawing/2010/main">
+                <a:effectLst>
+                  <a:outerShdw dist="35921" dir="2700000" algn="ctr" rotWithShape="0">
+                    <a:schemeClr val="bg2"/>
+                  </a:outerShdw>
+                </a:effectLst>
+              </a14:hiddenEffects>
+            </a:ext>
+          </a:extLst>
+        </p:spPr>
+      </p:pic>
+      <p:pic>
+        <p:nvPicPr>
+          <p:cNvPr id="1029" name="Picture 5"/>
+          <p:cNvPicPr>
+            <a:picLocks noChangeAspect="1" noChangeArrowheads="1"/>
+          </p:cNvPicPr>
+          <p:nvPr/>
+        </p:nvPicPr>
+        <p:blipFill>
+          <a:blip r:embed="rId5">
+            <a:extLst>
+              <a:ext uri="{28A0092B-C50C-407E-A947-70E740481C1C}">
+                <a14:useLocalDpi xmlns:a14="http://schemas.microsoft.com/office/drawing/2010/main" val="0"/>
+              </a:ext>
+            </a:extLst>
+          </a:blip>
+          <a:srcRect/>
+          <a:stretch>
+            <a:fillRect/>
+          </a:stretch>
+        </p:blipFill>
+        <p:spPr bwMode="auto">
+          <a:xfrm>
+            <a:off x="9140190" y="2584768"/>
+            <a:ext cx="2527300" cy="3516312"/>
           </a:xfrm>
           <a:prstGeom prst="rect">
             <a:avLst/>
@@ -9254,7 +10083,7 @@
     </p:spTree>
     <p:extLst>
       <p:ext uri="{BB962C8B-B14F-4D97-AF65-F5344CB8AC3E}">
-        <p14:creationId xmlns:p14="http://schemas.microsoft.com/office/powerpoint/2010/main" val="3478927705"/>
+        <p14:creationId xmlns:p14="http://schemas.microsoft.com/office/powerpoint/2010/main" val="1897676831"/>
       </p:ext>
     </p:extLst>
   </p:cSld>
@@ -9304,26 +10133,7 @@
       </p:grpSpPr>
       <p:sp>
         <p:nvSpPr>
-          <p:cNvPr id="2" name="Title 1"/>
-          <p:cNvSpPr>
-            <a:spLocks noGrp="1"/>
-          </p:cNvSpPr>
-          <p:nvPr>
-            <p:ph type="title"/>
-          </p:nvPr>
-        </p:nvSpPr>
-        <p:spPr/>
-        <p:txBody>
-          <a:bodyPr/>
-          <a:lstStyle/>
-          <a:p>
-            <a:endParaRPr lang="en-US" dirty="0"/>
-          </a:p>
-        </p:txBody>
-      </p:sp>
-      <p:sp>
-        <p:nvSpPr>
-          <p:cNvPr id="3" name="Content Placeholder 2"/>
+          <p:cNvPr id="6" name="Content Placeholder 2"/>
           <p:cNvSpPr>
             <a:spLocks noGrp="1"/>
           </p:cNvSpPr>
@@ -9333,13 +10143,13 @@
         </p:nvSpPr>
         <p:spPr>
           <a:xfrm>
-            <a:off x="838200" y="1825625"/>
-            <a:ext cx="10515600" cy="2766695"/>
+            <a:off x="838200" y="1808481"/>
+            <a:ext cx="10515600" cy="1259840"/>
           </a:xfrm>
         </p:spPr>
         <p:txBody>
           <a:bodyPr>
-            <a:normAutofit/>
+            <a:normAutofit fontScale="62500" lnSpcReduction="20000"/>
           </a:bodyPr>
           <a:lstStyle/>
           <a:p>
@@ -9347,17 +10157,109 @@
               <a:buNone/>
             </a:pPr>
             <a:r>
-              <a:rPr lang="en-US" sz="9600" dirty="0" smtClean="0"/>
-              <a:t>Thanks</a:t>
+              <a:rPr lang="zh-CN" altLang="en-US" sz="9600" dirty="0">
+                <a:latin typeface="幼圆" pitchFamily="49" charset="-122"/>
+                <a:ea typeface="幼圆" pitchFamily="49" charset="-122"/>
+                <a:cs typeface="DejaVu Sans Light" pitchFamily="34" charset="0"/>
+              </a:rPr>
+              <a:t>让</a:t>
+            </a:r>
+            <a:r>
+              <a:rPr lang="zh-CN" altLang="en-US" sz="9600" dirty="0" smtClean="0">
+                <a:latin typeface="幼圆" pitchFamily="49" charset="-122"/>
+                <a:ea typeface="幼圆" pitchFamily="49" charset="-122"/>
+                <a:cs typeface="DejaVu Sans Light" pitchFamily="34" charset="0"/>
+              </a:rPr>
+              <a:t>我们用软件做一段</a:t>
+            </a:r>
+            <a:r>
+              <a:rPr lang="en-US" altLang="zh-CN" sz="9600" dirty="0" smtClean="0">
+                <a:latin typeface="幼圆" pitchFamily="49" charset="-122"/>
+                <a:ea typeface="幼圆" pitchFamily="49" charset="-122"/>
+                <a:cs typeface="DejaVu Sans Light" pitchFamily="34" charset="0"/>
+              </a:rPr>
+              <a:t>MIDI</a:t>
+            </a:r>
+            <a:r>
+              <a:rPr lang="zh-CN" altLang="en-US" sz="9600" dirty="0" smtClean="0">
+                <a:latin typeface="幼圆" pitchFamily="49" charset="-122"/>
+                <a:ea typeface="幼圆" pitchFamily="49" charset="-122"/>
+                <a:cs typeface="DejaVu Sans Light" pitchFamily="34" charset="0"/>
+              </a:rPr>
+              <a:t>音乐</a:t>
             </a:r>
             <a:endParaRPr lang="en-US" sz="8800" dirty="0"/>
           </a:p>
         </p:txBody>
       </p:sp>
+      <p:pic>
+        <p:nvPicPr>
+          <p:cNvPr id="3074" name="Picture 2"/>
+          <p:cNvPicPr>
+            <a:picLocks noChangeAspect="1" noChangeArrowheads="1"/>
+          </p:cNvPicPr>
+          <p:nvPr/>
+        </p:nvPicPr>
+        <p:blipFill>
+          <a:blip r:embed="rId4">
+            <a:extLst>
+              <a:ext uri="{28A0092B-C50C-407E-A947-70E740481C1C}">
+                <a14:useLocalDpi xmlns:a14="http://schemas.microsoft.com/office/drawing/2010/main" val="0"/>
+              </a:ext>
+            </a:extLst>
+          </a:blip>
+          <a:srcRect/>
+          <a:stretch>
+            <a:fillRect/>
+          </a:stretch>
+        </p:blipFill>
+        <p:spPr bwMode="auto">
+          <a:xfrm>
+            <a:off x="4324350" y="2840990"/>
+            <a:ext cx="3543300" cy="3086100"/>
+          </a:xfrm>
+          <a:prstGeom prst="rect">
+            <a:avLst/>
+          </a:prstGeom>
+          <a:noFill/>
+          <a:ln>
+            <a:noFill/>
+          </a:ln>
+          <a:effectLst/>
+          <a:extLst>
+            <a:ext uri="{909E8E84-426E-40DD-AFC4-6F175D3DCCD1}">
+              <a14:hiddenFill xmlns:a14="http://schemas.microsoft.com/office/drawing/2010/main">
+                <a:solidFill>
+                  <a:schemeClr val="accent1"/>
+                </a:solidFill>
+              </a14:hiddenFill>
+            </a:ext>
+            <a:ext uri="{91240B29-F687-4F45-9708-019B960494DF}">
+              <a14:hiddenLine xmlns:a14="http://schemas.microsoft.com/office/drawing/2010/main" w="9525">
+                <a:solidFill>
+                  <a:schemeClr val="tx1"/>
+                </a:solidFill>
+                <a:miter lim="800000"/>
+                <a:headEnd/>
+                <a:tailEnd/>
+              </a14:hiddenLine>
+            </a:ext>
+            <a:ext uri="{AF507438-7753-43E0-B8FC-AC1667EBCBE1}">
+              <a14:hiddenEffects xmlns:a14="http://schemas.microsoft.com/office/drawing/2010/main">
+                <a:effectLst>
+                  <a:outerShdw dist="35921" dir="2700000" algn="ctr" rotWithShape="0">
+                    <a:schemeClr val="bg2"/>
+                  </a:outerShdw>
+                </a:effectLst>
+              </a14:hiddenEffects>
+            </a:ext>
+          </a:extLst>
+        </p:spPr>
+      </p:pic>
     </p:spTree>
     <p:extLst>
       <p:ext uri="{BB962C8B-B14F-4D97-AF65-F5344CB8AC3E}">
-        <p14:creationId xmlns:p14="http://schemas.microsoft.com/office/powerpoint/2010/main" val="1519927155"/>
+        <p14:creationId xmlns:p14="http://schemas.microsoft.com/office/powerpoint/2010/main" val="181208437"/>
       </p:ext>
     </p:extLst>
   </p:cSld>
@@ -9380,7 +10282,7 @@
     <p:bg>
       <p:bgPr>
         <a:blipFill dpi="0" rotWithShape="1">
-          <a:blip r:embed="rId2">
+          <a:blip r:embed="rId3">
             <a:lum/>
           </a:blip>
           <a:srcRect/>
@@ -9407,18 +10309,18 @@
       </p:grpSpPr>
       <p:sp>
         <p:nvSpPr>
-          <p:cNvPr id="2" name="Title 1"/>
-          <p:cNvSpPr>
-            <a:spLocks noGrp="1"/>
-          </p:cNvSpPr>
-          <p:nvPr>
-            <p:ph type="title"/>
+          <p:cNvPr id="6" name="Content Placeholder 2"/>
+          <p:cNvSpPr>
+            <a:spLocks noGrp="1"/>
+          </p:cNvSpPr>
+          <p:nvPr>
+            <p:ph idx="1"/>
           </p:nvPr>
         </p:nvSpPr>
         <p:spPr>
           <a:xfrm>
-            <a:off x="838200" y="365126"/>
-            <a:ext cx="10515600" cy="1102728"/>
+            <a:off x="838200" y="1744345"/>
+            <a:ext cx="10515600" cy="1486535"/>
           </a:xfrm>
         </p:spPr>
         <p:txBody>
@@ -9427,177 +10329,89 @@
           </a:bodyPr>
           <a:lstStyle/>
           <a:p>
-            <a:r>
-              <a:rPr lang="zh-CN" altLang="en-US" sz="4800" dirty="0"/>
-              <a:t>后续内容介绍</a:t>
-            </a:r>
-            <a:endParaRPr lang="en-US" sz="4800" dirty="0"/>
-          </a:p>
-        </p:txBody>
-      </p:sp>
-      <p:sp>
-        <p:nvSpPr>
-          <p:cNvPr id="3" name="Content Placeholder 2"/>
-          <p:cNvSpPr>
-            <a:spLocks noGrp="1"/>
-          </p:cNvSpPr>
-          <p:nvPr>
-            <p:ph idx="1"/>
-          </p:nvPr>
-        </p:nvSpPr>
-        <p:spPr>
+            <a:pPr marL="0" indent="0" algn="ctr">
+              <a:buNone/>
+            </a:pPr>
+            <a:r>
+              <a:rPr lang="en-US" sz="9600" dirty="0" smtClean="0"/>
+              <a:t>Thanks</a:t>
+            </a:r>
+            <a:r>
+              <a:rPr lang="zh-CN" altLang="en-US" sz="9600" dirty="0" smtClean="0"/>
+              <a:t>！</a:t>
+            </a:r>
+            <a:endParaRPr lang="en-US" sz="8800" dirty="0"/>
+          </a:p>
+        </p:txBody>
+      </p:sp>
+      <p:pic>
+        <p:nvPicPr>
+          <p:cNvPr id="7" name="Picture 2"/>
+          <p:cNvPicPr>
+            <a:picLocks noChangeAspect="1" noChangeArrowheads="1"/>
+          </p:cNvPicPr>
+          <p:nvPr/>
+        </p:nvPicPr>
+        <p:blipFill>
+          <a:blip r:embed="rId4">
+            <a:extLst>
+              <a:ext uri="{28A0092B-C50C-407E-A947-70E740481C1C}">
+                <a14:useLocalDpi xmlns:a14="http://schemas.microsoft.com/office/drawing/2010/main" val="0"/>
+              </a:ext>
+            </a:extLst>
+          </a:blip>
+          <a:srcRect/>
+          <a:stretch>
+            <a:fillRect/>
+          </a:stretch>
+        </p:blipFill>
+        <p:spPr bwMode="auto">
           <a:xfrm>
-            <a:off x="838200" y="1467853"/>
-            <a:ext cx="10515600" cy="4709110"/>
+            <a:off x="395287" y="3515360"/>
+            <a:ext cx="11695113" cy="2552700"/>
           </a:xfrm>
+          <a:prstGeom prst="rect">
+            <a:avLst/>
+          </a:prstGeom>
+          <a:noFill/>
+          <a:ln>
+            <a:noFill/>
+          </a:ln>
+          <a:effectLst/>
+          <a:extLst>
+            <a:ext uri="{909E8E84-426E-40DD-AFC4-6F175D3DCCD1}">
+              <a14:hiddenFill xmlns:a14="http://schemas.microsoft.com/office/drawing/2010/main">
+                <a:solidFill>
+                  <a:schemeClr val="accent1"/>
+                </a:solidFill>
+              </a14:hiddenFill>
+            </a:ext>
+            <a:ext uri="{91240B29-F687-4F45-9708-019B960494DF}">
+              <a14:hiddenLine xmlns:a14="http://schemas.microsoft.com/office/drawing/2010/main" w="9525">
+                <a:solidFill>
+                  <a:schemeClr val="tx1"/>
+                </a:solidFill>
+                <a:miter lim="800000"/>
+                <a:headEnd/>
+                <a:tailEnd/>
+              </a14:hiddenLine>
+            </a:ext>
+            <a:ext uri="{AF507438-7753-43E0-B8FC-AC1667EBCBE1}">
+              <a14:hiddenEffects xmlns:a14="http://schemas.microsoft.com/office/drawing/2010/main">
+                <a:effectLst>
+                  <a:outerShdw dist="35921" dir="2700000" algn="ctr" rotWithShape="0">
+                    <a:schemeClr val="bg2"/>
+                  </a:outerShdw>
+                </a:effectLst>
+              </a14:hiddenEffects>
+            </a:ext>
+          </a:extLst>
         </p:spPr>
-        <p:txBody>
-          <a:bodyPr>
-            <a:normAutofit/>
-          </a:bodyPr>
-          <a:lstStyle/>
-          <a:p>
-            <a:r>
-              <a:rPr lang="zh-CN" altLang="en-US" sz="3600" dirty="0"/>
-              <a:t>什么是</a:t>
-            </a:r>
-            <a:r>
-              <a:rPr lang="en-US" altLang="zh-CN" sz="3600" dirty="0"/>
-              <a:t>MIDI</a:t>
-            </a:r>
-            <a:r>
-              <a:rPr lang="zh-CN" altLang="en-US" sz="3600" dirty="0"/>
-              <a:t>音乐</a:t>
-            </a:r>
-            <a:endParaRPr lang="en-US" altLang="zh-CN" sz="3600" dirty="0"/>
-          </a:p>
-          <a:p>
-            <a:pPr lvl="1"/>
-            <a:r>
-              <a:rPr lang="en-US" altLang="zh-CN" sz="3200" dirty="0"/>
-              <a:t>MIDI</a:t>
-            </a:r>
-            <a:r>
-              <a:rPr lang="zh-CN" altLang="en-US" sz="3200" dirty="0"/>
-              <a:t>制造商协会（</a:t>
-            </a:r>
-            <a:r>
-              <a:rPr lang="en-US" altLang="zh-CN" sz="3200" dirty="0"/>
-              <a:t>MMA</a:t>
-            </a:r>
-            <a:r>
-              <a:rPr lang="zh-CN" altLang="en-US" sz="3200" dirty="0"/>
-              <a:t>）和规范；</a:t>
-            </a:r>
-            <a:endParaRPr lang="en-US" altLang="zh-CN" sz="3200" dirty="0"/>
-          </a:p>
-          <a:p>
-            <a:pPr lvl="1"/>
-            <a:r>
-              <a:rPr lang="en-US" altLang="zh-CN" sz="3200" dirty="0"/>
-              <a:t>MIDI</a:t>
-            </a:r>
-            <a:r>
-              <a:rPr lang="zh-CN" altLang="en-US" sz="3200" dirty="0"/>
-              <a:t>音乐设备；</a:t>
-            </a:r>
-            <a:endParaRPr lang="en-US" altLang="zh-CN" sz="3200" dirty="0"/>
-          </a:p>
-          <a:p>
-            <a:r>
-              <a:rPr lang="en-US" altLang="zh-CN" sz="3600" dirty="0"/>
-              <a:t>MIDI</a:t>
-            </a:r>
-            <a:r>
-              <a:rPr lang="zh-CN" altLang="en-US" sz="3600" dirty="0"/>
-              <a:t>文件的生成方式</a:t>
-            </a:r>
-            <a:endParaRPr lang="en-US" altLang="zh-CN" sz="3600" dirty="0"/>
-          </a:p>
-          <a:p>
-            <a:pPr lvl="1"/>
-            <a:r>
-              <a:rPr lang="en-US" altLang="zh-CN" sz="3200" dirty="0"/>
-              <a:t>MIDI</a:t>
-            </a:r>
-            <a:r>
-              <a:rPr lang="zh-CN" altLang="en-US" sz="3200" dirty="0"/>
-              <a:t>设备＋</a:t>
-            </a:r>
-            <a:r>
-              <a:rPr lang="en-US" altLang="zh-CN" sz="3200" dirty="0"/>
-              <a:t>MIDI</a:t>
-            </a:r>
-            <a:r>
-              <a:rPr lang="zh-CN" altLang="en-US" sz="3200" dirty="0"/>
-              <a:t>专用软件；</a:t>
-            </a:r>
-            <a:endParaRPr lang="en-US" altLang="zh-CN" sz="3200" dirty="0"/>
-          </a:p>
-          <a:p>
-            <a:pPr lvl="1"/>
-            <a:r>
-              <a:rPr lang="zh-CN" altLang="en-US" sz="3200" dirty="0"/>
-              <a:t>计算机程序生成</a:t>
-            </a:r>
-            <a:r>
-              <a:rPr lang="en-US" altLang="zh-CN" sz="3200" dirty="0"/>
-              <a:t>MIDI</a:t>
-            </a:r>
-            <a:r>
-              <a:rPr lang="zh-CN" altLang="en-US" sz="3200" dirty="0"/>
-              <a:t>文件；</a:t>
-            </a:r>
-            <a:endParaRPr lang="en-US" altLang="zh-CN" sz="3200" dirty="0"/>
-          </a:p>
-          <a:p>
-            <a:pPr lvl="1"/>
-            <a:r>
-              <a:rPr lang="en-US" altLang="zh-CN" sz="3200" dirty="0" err="1"/>
-              <a:t>MidiEditor</a:t>
-            </a:r>
-            <a:r>
-              <a:rPr lang="zh-CN" altLang="en-US" sz="3200" dirty="0"/>
-              <a:t>编辑生成</a:t>
-            </a:r>
-            <a:r>
-              <a:rPr lang="en-US" altLang="zh-CN" sz="3200" dirty="0"/>
-              <a:t>MIDI</a:t>
-            </a:r>
-            <a:r>
-              <a:rPr lang="zh-CN" altLang="en-US" sz="3200" dirty="0"/>
-              <a:t>文件；</a:t>
-            </a:r>
-            <a:endParaRPr lang="en-US" altLang="zh-CN" sz="3200" dirty="0"/>
-          </a:p>
-          <a:p>
-            <a:pPr lvl="1"/>
-            <a:r>
-              <a:rPr lang="zh-CN" altLang="en-US" sz="3200" dirty="0"/>
-              <a:t>直接修改</a:t>
-            </a:r>
-            <a:r>
-              <a:rPr lang="en-US" altLang="zh-CN" sz="3200" dirty="0"/>
-              <a:t>MIDI</a:t>
-            </a:r>
-            <a:r>
-              <a:rPr lang="zh-CN" altLang="en-US" sz="3200" dirty="0"/>
-              <a:t>文件；</a:t>
-            </a:r>
-            <a:endParaRPr lang="en-US" altLang="zh-CN" sz="3200" dirty="0"/>
-          </a:p>
-          <a:p>
-            <a:pPr marL="457200" lvl="1" indent="0">
-              <a:buNone/>
-            </a:pPr>
-            <a:endParaRPr lang="en-US" sz="3200" dirty="0"/>
-          </a:p>
-        </p:txBody>
-      </p:sp>
+      </p:pic>
     </p:spTree>
     <p:extLst>
       <p:ext uri="{BB962C8B-B14F-4D97-AF65-F5344CB8AC3E}">
-        <p14:creationId xmlns:p14="http://schemas.microsoft.com/office/powerpoint/2010/main" val="195485987"/>
+        <p14:creationId xmlns:p14="http://schemas.microsoft.com/office/powerpoint/2010/main" val="3308133522"/>
       </p:ext>
     </p:extLst>
   </p:cSld>
@@ -9620,7 +10434,7 @@
     <p:bg>
       <p:bgPr>
         <a:blipFill dpi="0" rotWithShape="1">
-          <a:blip r:embed="rId2">
+          <a:blip r:embed="rId3">
             <a:lum/>
           </a:blip>
           <a:srcRect/>
@@ -9655,333 +10469,189 @@
             <p:ph type="title"/>
           </p:nvPr>
         </p:nvSpPr>
-        <p:spPr/>
-        <p:txBody>
-          <a:bodyPr/>
-          <a:lstStyle/>
-          <a:p>
-            <a:r>
-              <a:rPr lang="zh-CN" altLang="en-US" dirty="0"/>
-              <a:t>什么是</a:t>
-            </a:r>
-            <a:r>
-              <a:rPr lang="en-US" altLang="zh-CN" dirty="0"/>
-              <a:t>MIDI</a:t>
-            </a:r>
-            <a:r>
-              <a:rPr lang="zh-CN" altLang="en-US" dirty="0"/>
-              <a:t>音乐</a:t>
-            </a:r>
-            <a:r>
-              <a:rPr lang="en-US" altLang="zh-CN" dirty="0"/>
-              <a:t/>
-            </a:r>
-            <a:br>
-              <a:rPr lang="en-US" altLang="zh-CN" dirty="0"/>
-            </a:br>
-            <a:r>
-              <a:rPr lang="en-US" altLang="zh-CN" sz="2400" dirty="0"/>
-              <a:t>MIDI</a:t>
-            </a:r>
-            <a:r>
-              <a:rPr lang="zh-CN" altLang="en-US" sz="2400" dirty="0"/>
-              <a:t>制造商协会（</a:t>
-            </a:r>
-            <a:r>
-              <a:rPr lang="en-US" altLang="zh-CN" sz="2400" dirty="0"/>
-              <a:t>MMA</a:t>
-            </a:r>
-            <a:r>
-              <a:rPr lang="zh-CN" altLang="en-US" sz="2400" dirty="0"/>
-              <a:t>）和规范</a:t>
-            </a:r>
-            <a:endParaRPr lang="en-US" sz="2400" dirty="0"/>
-          </a:p>
-        </p:txBody>
-      </p:sp>
-      <p:sp>
-        <p:nvSpPr>
-          <p:cNvPr id="3" name="Content Placeholder 2"/>
-          <p:cNvSpPr>
-            <a:spLocks noGrp="1"/>
-          </p:cNvSpPr>
-          <p:nvPr>
-            <p:ph idx="1"/>
-          </p:nvPr>
-        </p:nvSpPr>
         <p:spPr>
           <a:xfrm>
-            <a:off x="838200" y="1690688"/>
-            <a:ext cx="10515600" cy="4981073"/>
+            <a:off x="838200" y="365126"/>
+            <a:ext cx="10515600" cy="1102728"/>
           </a:xfrm>
         </p:spPr>
         <p:txBody>
           <a:bodyPr>
-            <a:normAutofit fontScale="85000" lnSpcReduction="20000"/>
+            <a:normAutofit/>
           </a:bodyPr>
           <a:lstStyle/>
           <a:p>
             <a:r>
-              <a:rPr lang="en-US" altLang="zh-CN" dirty="0"/>
+              <a:rPr lang="zh-CN" altLang="en-US" sz="4800" dirty="0"/>
+              <a:t>后续内容介绍</a:t>
+            </a:r>
+            <a:endParaRPr lang="en-US" sz="4800" dirty="0"/>
+          </a:p>
+        </p:txBody>
+      </p:sp>
+      <p:sp>
+        <p:nvSpPr>
+          <p:cNvPr id="3" name="Content Placeholder 2"/>
+          <p:cNvSpPr>
+            <a:spLocks noGrp="1"/>
+          </p:cNvSpPr>
+          <p:nvPr>
+            <p:ph idx="1"/>
+          </p:nvPr>
+        </p:nvSpPr>
+        <p:spPr>
+          <a:xfrm>
+            <a:off x="838200" y="1467853"/>
+            <a:ext cx="10515600" cy="4709110"/>
+          </a:xfrm>
+        </p:spPr>
+        <p:txBody>
+          <a:bodyPr>
+            <a:normAutofit/>
+          </a:bodyPr>
+          <a:lstStyle/>
+          <a:p>
+            <a:r>
+              <a:rPr lang="zh-CN" altLang="en-US" sz="3600" dirty="0"/>
+              <a:t>什么是</a:t>
+            </a:r>
+            <a:r>
+              <a:rPr lang="en-US" altLang="zh-CN" sz="3600" dirty="0"/>
               <a:t>MIDI</a:t>
             </a:r>
             <a:r>
-              <a:rPr lang="zh-CN" altLang="en-US" dirty="0"/>
+              <a:rPr lang="zh-CN" altLang="en-US" sz="3600" dirty="0"/>
+              <a:t>音乐</a:t>
+            </a:r>
+            <a:endParaRPr lang="en-US" altLang="zh-CN" sz="3600" dirty="0"/>
+          </a:p>
+          <a:p>
+            <a:pPr lvl="1"/>
+            <a:r>
+              <a:rPr lang="en-US" altLang="zh-CN" sz="3200" dirty="0"/>
+              <a:t>MIDI</a:t>
+            </a:r>
+            <a:r>
+              <a:rPr lang="zh-CN" altLang="en-US" sz="3200" dirty="0"/>
               <a:t>制造商协会（</a:t>
             </a:r>
             <a:r>
-              <a:rPr lang="en-US" altLang="zh-CN" dirty="0"/>
+              <a:rPr lang="en-US" altLang="zh-CN" sz="3200" dirty="0"/>
               <a:t>MMA</a:t>
             </a:r>
             <a:r>
-              <a:rPr lang="zh-CN" altLang="en-US" dirty="0"/>
-              <a:t>）</a:t>
-            </a:r>
-            <a:endParaRPr lang="en-US" altLang="zh-CN" dirty="0"/>
+              <a:rPr lang="zh-CN" altLang="en-US" sz="3200" dirty="0"/>
+              <a:t>）和规范；</a:t>
+            </a:r>
+            <a:endParaRPr lang="en-US" altLang="zh-CN" sz="3200" dirty="0"/>
           </a:p>
           <a:p>
             <a:pPr lvl="1"/>
             <a:r>
-              <a:rPr lang="en-US" altLang="zh-CN" dirty="0"/>
-              <a:t>MIDI = Musical Instrument Digital Interface, </a:t>
-            </a:r>
-            <a:r>
-              <a:rPr lang="zh-CN" altLang="en-US" dirty="0"/>
-              <a:t>乐器数字接口；</a:t>
-            </a:r>
-            <a:r>
-              <a:rPr lang="en-US" altLang="zh-CN" dirty="0"/>
+              <a:rPr lang="en-US" altLang="zh-CN" sz="3200" dirty="0"/>
               <a:t>MIDI</a:t>
             </a:r>
             <a:r>
-              <a:rPr lang="zh-CN" altLang="en-US" dirty="0"/>
-              <a:t>是编曲界最广泛的音乐标准格式，可称为“计算机能理解的乐谱”；</a:t>
-            </a:r>
-            <a:endParaRPr lang="en-US" altLang="zh-CN" dirty="0"/>
-          </a:p>
-          <a:p>
-            <a:pPr lvl="2"/>
-            <a:r>
-              <a:rPr lang="en-US" altLang="zh-CN" dirty="0"/>
-              <a:t>MIDI is a technical standard that describes a communications protocol, digital interface, and electrical connectors and allows a wide variety of electrical musical instruments, computers and other related music and audio devices to connect and communicate with on another. </a:t>
-            </a:r>
+              <a:rPr lang="zh-CN" altLang="en-US" sz="3200" dirty="0"/>
+              <a:t>音乐设备；</a:t>
+            </a:r>
+            <a:endParaRPr lang="en-US" altLang="zh-CN" sz="3200" dirty="0"/>
+          </a:p>
+          <a:p>
+            <a:r>
+              <a:rPr lang="en-US" altLang="zh-CN" sz="3600" dirty="0"/>
+              <a:t>MIDI</a:t>
+            </a:r>
+            <a:r>
+              <a:rPr lang="zh-CN" altLang="en-US" sz="3600" dirty="0"/>
+              <a:t>文件的生成方式</a:t>
+            </a:r>
+            <a:endParaRPr lang="en-US" altLang="zh-CN" sz="3600" dirty="0"/>
           </a:p>
           <a:p>
             <a:pPr lvl="1"/>
             <a:r>
-              <a:rPr lang="en-US" altLang="zh-CN" dirty="0"/>
-              <a:t>MMA</a:t>
-            </a:r>
-            <a:r>
-              <a:rPr lang="zh-CN" altLang="en-US" dirty="0"/>
-              <a:t>协会发展，推广和保护</a:t>
-            </a:r>
-            <a:r>
-              <a:rPr lang="en-US" altLang="zh-CN" dirty="0"/>
+              <a:rPr lang="en-US" altLang="zh-CN" sz="3200" dirty="0"/>
               <a:t>MIDI</a:t>
             </a:r>
             <a:r>
-              <a:rPr lang="zh-CN" altLang="en-US" dirty="0"/>
-              <a:t>技术；定义</a:t>
-            </a:r>
-            <a:r>
-              <a:rPr lang="en-US" altLang="zh-CN" dirty="0"/>
+              <a:rPr lang="zh-CN" altLang="en-US" sz="3200" dirty="0"/>
+              <a:t>设备＋</a:t>
+            </a:r>
+            <a:r>
+              <a:rPr lang="en-US" altLang="zh-CN" sz="3200" dirty="0"/>
               <a:t>MIDI</a:t>
             </a:r>
             <a:r>
-              <a:rPr lang="zh-CN" altLang="en-US" dirty="0"/>
-              <a:t>规范；</a:t>
-            </a:r>
-            <a:endParaRPr lang="en-US" altLang="zh-CN" dirty="0"/>
-          </a:p>
-          <a:p>
-            <a:pPr lvl="2"/>
-            <a:r>
-              <a:rPr lang="en-US" altLang="zh-CN" dirty="0"/>
+              <a:rPr lang="zh-CN" altLang="en-US" sz="3200" dirty="0"/>
+              <a:t>专用软件；</a:t>
+            </a:r>
+            <a:endParaRPr lang="en-US" altLang="zh-CN" sz="3200" dirty="0"/>
+          </a:p>
+          <a:p>
+            <a:pPr lvl="1"/>
+            <a:r>
+              <a:rPr lang="zh-CN" altLang="en-US" sz="3200" dirty="0"/>
+              <a:t>计算机程序生成</a:t>
+            </a:r>
+            <a:r>
+              <a:rPr lang="en-US" altLang="zh-CN" sz="3200" dirty="0"/>
               <a:t>MIDI</a:t>
             </a:r>
             <a:r>
-              <a:rPr lang="zh-CN" altLang="en-US" dirty="0"/>
-              <a:t> </a:t>
-            </a:r>
-            <a:r>
-              <a:rPr lang="en-US" altLang="zh-CN" dirty="0"/>
-              <a:t>Manufactures Association (MMA): The MMA is responsible for the development, promotion, and protection of MIDI technology.</a:t>
-            </a:r>
-            <a:r>
-              <a:rPr lang="zh-CN" altLang="en-US" dirty="0"/>
-              <a:t> </a:t>
-            </a:r>
-            <a:endParaRPr lang="en-US" altLang="zh-CN" dirty="0"/>
-          </a:p>
-          <a:p>
-            <a:r>
-              <a:rPr lang="en-US" altLang="zh-CN" dirty="0"/>
-              <a:t> MIDI</a:t>
-            </a:r>
-            <a:r>
-              <a:rPr lang="zh-CN" altLang="en-US" dirty="0"/>
-              <a:t>规范</a:t>
-            </a:r>
-            <a:endParaRPr lang="en-US" altLang="zh-CN" dirty="0"/>
+              <a:rPr lang="zh-CN" altLang="en-US" sz="3200" dirty="0"/>
+              <a:t>文件；</a:t>
+            </a:r>
+            <a:endParaRPr lang="en-US" altLang="zh-CN" sz="3200" dirty="0"/>
           </a:p>
           <a:p>
             <a:pPr lvl="1"/>
             <a:r>
-              <a:rPr lang="en-US" altLang="zh-CN" dirty="0"/>
+              <a:rPr lang="en-US" altLang="zh-CN" sz="3200" dirty="0" err="1"/>
+              <a:t>MidiEditor</a:t>
+            </a:r>
+            <a:r>
+              <a:rPr lang="zh-CN" altLang="en-US" sz="3200" dirty="0"/>
+              <a:t>编辑生成</a:t>
+            </a:r>
+            <a:r>
+              <a:rPr lang="en-US" altLang="zh-CN" sz="3200" dirty="0"/>
               <a:t>MIDI</a:t>
             </a:r>
             <a:r>
-              <a:rPr lang="zh-CN" altLang="en-US" dirty="0"/>
-              <a:t>电子规范和通讯协议；</a:t>
-            </a:r>
-            <a:endParaRPr lang="en-US" altLang="zh-CN" dirty="0"/>
-          </a:p>
-          <a:p>
-            <a:pPr lvl="2"/>
-            <a:r>
-              <a:rPr lang="en-US" altLang="zh-CN" sz="1200" dirty="0"/>
+              <a:rPr lang="zh-CN" altLang="en-US" sz="3200" dirty="0"/>
+              <a:t>文件；</a:t>
+            </a:r>
+            <a:endParaRPr lang="en-US" altLang="zh-CN" sz="3200" dirty="0"/>
+          </a:p>
+          <a:p>
+            <a:pPr lvl="1"/>
+            <a:r>
+              <a:rPr lang="zh-CN" altLang="en-US" sz="3200" dirty="0"/>
+              <a:t>直接修改</a:t>
+            </a:r>
+            <a:r>
+              <a:rPr lang="en-US" altLang="zh-CN" sz="3200" dirty="0"/>
               <a:t>MIDI</a:t>
             </a:r>
             <a:r>
-              <a:rPr lang="zh-CN" altLang="en-US" sz="1200" dirty="0"/>
-              <a:t> </a:t>
-            </a:r>
-            <a:r>
-              <a:rPr lang="en-US" altLang="zh-CN" sz="1200" dirty="0"/>
-              <a:t>1.0</a:t>
-            </a:r>
-            <a:r>
-              <a:rPr lang="zh-CN" altLang="en-US" sz="1200" dirty="0"/>
-              <a:t> </a:t>
-            </a:r>
-            <a:r>
-              <a:rPr lang="en-US" altLang="zh-CN" sz="1200" dirty="0"/>
-              <a:t>Detailed Specification (Electrical Specification and Protocol) </a:t>
-            </a:r>
-          </a:p>
-          <a:p>
-            <a:pPr lvl="1"/>
-            <a:r>
-              <a:rPr lang="en-US" altLang="zh-CN" dirty="0"/>
-              <a:t>General</a:t>
-            </a:r>
-            <a:r>
-              <a:rPr lang="zh-CN" altLang="en-US" dirty="0"/>
-              <a:t> </a:t>
-            </a:r>
-            <a:r>
-              <a:rPr lang="en-US" altLang="zh-CN" dirty="0"/>
-              <a:t>MIDI</a:t>
-            </a:r>
-            <a:r>
-              <a:rPr lang="zh-CN" altLang="en-US" dirty="0"/>
-              <a:t> </a:t>
-            </a:r>
-            <a:r>
-              <a:rPr lang="en-US" altLang="zh-CN" dirty="0"/>
-              <a:t>1</a:t>
-            </a:r>
-            <a:r>
-              <a:rPr lang="zh-CN" altLang="en-US" dirty="0"/>
-              <a:t>开发向导和标准；</a:t>
-            </a:r>
-            <a:endParaRPr lang="en-US" altLang="zh-CN" dirty="0"/>
-          </a:p>
-          <a:p>
-            <a:pPr lvl="2"/>
-            <a:r>
-              <a:rPr lang="en-US" altLang="zh-CN" sz="1300" dirty="0"/>
-              <a:t>General MIDI 1 (including GM Developer Guidelines)</a:t>
-            </a:r>
-          </a:p>
-          <a:p>
-            <a:pPr lvl="1"/>
-            <a:r>
-              <a:rPr lang="zh-CN" altLang="en-US" dirty="0"/>
-              <a:t>标准</a:t>
-            </a:r>
-            <a:r>
-              <a:rPr lang="en-US" altLang="zh-CN" dirty="0"/>
-              <a:t>MIDI</a:t>
-            </a:r>
-            <a:r>
-              <a:rPr lang="zh-CN" altLang="en-US" dirty="0"/>
-              <a:t>文件规范；</a:t>
-            </a:r>
-            <a:endParaRPr lang="en-US" altLang="zh-CN" dirty="0"/>
-          </a:p>
-          <a:p>
-            <a:pPr lvl="2"/>
-            <a:r>
-              <a:rPr lang="en-US" altLang="zh-CN" sz="1300" dirty="0"/>
-              <a:t>Standard</a:t>
-            </a:r>
-            <a:r>
-              <a:rPr lang="zh-CN" altLang="en-US" sz="1300" dirty="0"/>
-              <a:t> </a:t>
-            </a:r>
-            <a:r>
-              <a:rPr lang="en-US" altLang="zh-CN" sz="1300" dirty="0"/>
-              <a:t>MIDI</a:t>
-            </a:r>
-            <a:r>
-              <a:rPr lang="zh-CN" altLang="en-US" sz="1300" dirty="0"/>
-              <a:t> </a:t>
-            </a:r>
-            <a:r>
-              <a:rPr lang="en-US" altLang="zh-CN" sz="1300" dirty="0"/>
-              <a:t>Files</a:t>
-            </a:r>
-          </a:p>
-          <a:p>
-            <a:pPr lvl="1"/>
-            <a:r>
-              <a:rPr lang="en-US" altLang="zh-CN" dirty="0"/>
-              <a:t>MIDI</a:t>
-            </a:r>
-            <a:r>
-              <a:rPr lang="zh-CN" altLang="en-US" dirty="0"/>
-              <a:t>机器控制规范；</a:t>
-            </a:r>
-            <a:endParaRPr lang="en-US" altLang="zh-CN" dirty="0"/>
-          </a:p>
-          <a:p>
-            <a:pPr lvl="2"/>
-            <a:r>
-              <a:rPr lang="en-US" altLang="zh-CN" sz="1300" dirty="0"/>
-              <a:t>MIDI Machine Control</a:t>
-            </a:r>
-          </a:p>
-          <a:p>
-            <a:pPr lvl="1"/>
-            <a:r>
-              <a:rPr lang="en-US" altLang="zh-CN" dirty="0"/>
-              <a:t>MIDI</a:t>
-            </a:r>
-            <a:r>
-              <a:rPr lang="zh-CN" altLang="en-US" dirty="0"/>
-              <a:t>时间码规范</a:t>
-            </a:r>
-            <a:endParaRPr lang="en-US" altLang="zh-CN" dirty="0"/>
-          </a:p>
-          <a:p>
-            <a:pPr lvl="2"/>
-            <a:r>
-              <a:rPr lang="en-US" altLang="zh-CN" sz="1300" dirty="0"/>
-              <a:t>MIDI Time Code</a:t>
-            </a:r>
-          </a:p>
-          <a:p>
-            <a:pPr lvl="1"/>
-            <a:endParaRPr lang="en-US" dirty="0"/>
+              <a:rPr lang="zh-CN" altLang="en-US" sz="3200" dirty="0"/>
+              <a:t>文件；</a:t>
+            </a:r>
+            <a:endParaRPr lang="en-US" altLang="zh-CN" sz="3200" dirty="0"/>
+          </a:p>
+          <a:p>
+            <a:pPr marL="457200" lvl="1" indent="0">
+              <a:buNone/>
+            </a:pPr>
+            <a:endParaRPr lang="en-US" sz="3200" dirty="0"/>
           </a:p>
         </p:txBody>
       </p:sp>
     </p:spTree>
     <p:extLst>
       <p:ext uri="{BB962C8B-B14F-4D97-AF65-F5344CB8AC3E}">
-        <p14:creationId xmlns:p14="http://schemas.microsoft.com/office/powerpoint/2010/main" val="2129636858"/>
+        <p14:creationId xmlns:p14="http://schemas.microsoft.com/office/powerpoint/2010/main" val="195485987"/>
       </p:ext>
     </p:extLst>
   </p:cSld>
@@ -10253,7 +10923,7 @@
   <a:extraClrSchemeLst/>
   <a:extLst>
     <a:ext uri="{05A4C25C-085E-4340-85A3-A5531E510DB2}">
-      <thm15:themeFamily xmlns:thm15="http://schemas.microsoft.com/office/thememl/2012/main" xmlns="" name="Office Theme" id="{62F939B6-93AF-4DB8-9C6B-D6C7DFDC589F}" vid="{4A3C46E8-61CC-4603-A589-7422A47A8E4A}"/>
+      <thm15:themeFamily xmlns="" xmlns:thm15="http://schemas.microsoft.com/office/thememl/2012/main" name="Office Theme" id="{62F939B6-93AF-4DB8-9C6B-D6C7DFDC589F}" vid="{4A3C46E8-61CC-4603-A589-7422A47A8E4A}"/>
     </a:ext>
   </a:extLst>
 </a:theme>
@@ -10514,7 +11184,7 @@
   <a:extraClrSchemeLst/>
   <a:extLst>
     <a:ext uri="{05A4C25C-085E-4340-85A3-A5531E510DB2}">
-      <thm15:themeFamily xmlns:thm15="http://schemas.microsoft.com/office/thememl/2012/main" xmlns="" name="Office Theme" id="{62F939B6-93AF-4DB8-9C6B-D6C7DFDC589F}" vid="{4A3C46E8-61CC-4603-A589-7422A47A8E4A}"/>
+      <thm15:themeFamily xmlns="" xmlns:thm15="http://schemas.microsoft.com/office/thememl/2012/main" name="Office Theme" id="{62F939B6-93AF-4DB8-9C6B-D6C7DFDC589F}" vid="{4A3C46E8-61CC-4603-A589-7422A47A8E4A}"/>
     </a:ext>
   </a:extLst>
 </a:theme>
@@ -10775,7 +11445,7 @@
   <a:extraClrSchemeLst/>
   <a:extLst>
     <a:ext uri="{05A4C25C-085E-4340-85A3-A5531E510DB2}">
-      <thm15:themeFamily xmlns:thm15="http://schemas.microsoft.com/office/thememl/2012/main" xmlns="" name="Office Theme" id="{62F939B6-93AF-4DB8-9C6B-D6C7DFDC589F}" vid="{4A3C46E8-61CC-4603-A589-7422A47A8E4A}"/>
+      <thm15:themeFamily xmlns="" xmlns:thm15="http://schemas.microsoft.com/office/thememl/2012/main" name="Office Theme" id="{62F939B6-93AF-4DB8-9C6B-D6C7DFDC589F}" vid="{4A3C46E8-61CC-4603-A589-7422A47A8E4A}"/>
     </a:ext>
   </a:extLst>
 </a:theme>
